--- a/Presentation1.pptx
+++ b/Presentation1.pptx
@@ -4,13 +4,19 @@
   <p:sldMasterIdLst>
     <p:sldMasterId id="2147483648" r:id="rId1"/>
   </p:sldMasterIdLst>
+  <p:notesMasterIdLst>
+    <p:notesMasterId r:id="rId11"/>
+  </p:notesMasterIdLst>
   <p:sldIdLst>
     <p:sldId id="256" r:id="rId2"/>
     <p:sldId id="259" r:id="rId3"/>
     <p:sldId id="257" r:id="rId4"/>
-    <p:sldId id="258" r:id="rId5"/>
-    <p:sldId id="260" r:id="rId6"/>
-    <p:sldId id="261" r:id="rId7"/>
+    <p:sldId id="263" r:id="rId5"/>
+    <p:sldId id="258" r:id="rId6"/>
+    <p:sldId id="260" r:id="rId7"/>
+    <p:sldId id="261" r:id="rId8"/>
+    <p:sldId id="262" r:id="rId9"/>
+    <p:sldId id="264" r:id="rId10"/>
   </p:sldIdLst>
   <p:sldSz cx="12192000" cy="6858000"/>
   <p:notesSz cx="6858000" cy="9144000"/>
@@ -109,7 +115,871 @@
       </a:defRPr>
     </a:lvl9pPr>
   </p:defaultTextStyle>
+  <p:extLst>
+    <p:ext uri="{EFAFB233-063F-42B5-8137-9DF3F51BA10A}">
+      <p15:sldGuideLst xmlns:p15="http://schemas.microsoft.com/office/powerpoint/2012/main"/>
+    </p:ext>
+  </p:extLst>
 </p:presentation>
+</file>
+
+<file path=ppt/notesMasters/notesMaster1.xml><?xml version="1.0" encoding="utf-8"?>
+<p:notesMaster xmlns:a="http://schemas.openxmlformats.org/drawingml/2006/main" xmlns:r="http://schemas.openxmlformats.org/officeDocument/2006/relationships" xmlns:p="http://schemas.openxmlformats.org/presentationml/2006/main">
+  <p:cSld>
+    <p:bg>
+      <p:bgRef idx="1001">
+        <a:schemeClr val="bg1"/>
+      </p:bgRef>
+    </p:bg>
+    <p:spTree>
+      <p:nvGrpSpPr>
+        <p:cNvPr id="1" name=""/>
+        <p:cNvGrpSpPr/>
+        <p:nvPr/>
+      </p:nvGrpSpPr>
+      <p:grpSpPr>
+        <a:xfrm>
+          <a:off x="0" y="0"/>
+          <a:ext cx="0" cy="0"/>
+          <a:chOff x="0" y="0"/>
+          <a:chExt cx="0" cy="0"/>
+        </a:xfrm>
+      </p:grpSpPr>
+      <p:sp>
+        <p:nvSpPr>
+          <p:cNvPr id="2" name="Header Placeholder 1"/>
+          <p:cNvSpPr>
+            <a:spLocks noGrp="1"/>
+          </p:cNvSpPr>
+          <p:nvPr>
+            <p:ph type="hdr" sz="quarter"/>
+          </p:nvPr>
+        </p:nvSpPr>
+        <p:spPr>
+          <a:xfrm>
+            <a:off x="0" y="0"/>
+            <a:ext cx="2971800" cy="458788"/>
+          </a:xfrm>
+          <a:prstGeom prst="rect">
+            <a:avLst/>
+          </a:prstGeom>
+        </p:spPr>
+        <p:txBody>
+          <a:bodyPr vert="horz" lIns="91440" tIns="45720" rIns="91440" bIns="45720" rtlCol="0"/>
+          <a:lstStyle>
+            <a:lvl1pPr algn="l">
+              <a:defRPr sz="1200"/>
+            </a:lvl1pPr>
+          </a:lstStyle>
+          <a:p>
+            <a:endParaRPr lang="en-US"/>
+          </a:p>
+        </p:txBody>
+      </p:sp>
+      <p:sp>
+        <p:nvSpPr>
+          <p:cNvPr id="3" name="Date Placeholder 2"/>
+          <p:cNvSpPr>
+            <a:spLocks noGrp="1"/>
+          </p:cNvSpPr>
+          <p:nvPr>
+            <p:ph type="dt" idx="1"/>
+          </p:nvPr>
+        </p:nvSpPr>
+        <p:spPr>
+          <a:xfrm>
+            <a:off x="3884613" y="0"/>
+            <a:ext cx="2971800" cy="458788"/>
+          </a:xfrm>
+          <a:prstGeom prst="rect">
+            <a:avLst/>
+          </a:prstGeom>
+        </p:spPr>
+        <p:txBody>
+          <a:bodyPr vert="horz" lIns="91440" tIns="45720" rIns="91440" bIns="45720" rtlCol="0"/>
+          <a:lstStyle>
+            <a:lvl1pPr algn="r">
+              <a:defRPr sz="1200"/>
+            </a:lvl1pPr>
+          </a:lstStyle>
+          <a:p>
+            <a:fld id="{72646578-14F6-4B4C-9607-C52529FEB0BF}" type="datetimeFigureOut">
+              <a:rPr lang="en-US" smtClean="0"/>
+              <a:t>11/27/23</a:t>
+            </a:fld>
+            <a:endParaRPr lang="en-US"/>
+          </a:p>
+        </p:txBody>
+      </p:sp>
+      <p:sp>
+        <p:nvSpPr>
+          <p:cNvPr id="4" name="Slide Image Placeholder 3"/>
+          <p:cNvSpPr>
+            <a:spLocks noGrp="1" noRot="1" noChangeAspect="1"/>
+          </p:cNvSpPr>
+          <p:nvPr>
+            <p:ph type="sldImg" idx="2"/>
+          </p:nvPr>
+        </p:nvSpPr>
+        <p:spPr>
+          <a:xfrm>
+            <a:off x="685800" y="1143000"/>
+            <a:ext cx="5486400" cy="3086100"/>
+          </a:xfrm>
+          <a:prstGeom prst="rect">
+            <a:avLst/>
+          </a:prstGeom>
+          <a:noFill/>
+          <a:ln w="12700">
+            <a:solidFill>
+              <a:prstClr val="black"/>
+            </a:solidFill>
+          </a:ln>
+        </p:spPr>
+        <p:txBody>
+          <a:bodyPr vert="horz" lIns="91440" tIns="45720" rIns="91440" bIns="45720" rtlCol="0" anchor="ctr"/>
+          <a:lstStyle/>
+          <a:p>
+            <a:endParaRPr lang="en-US"/>
+          </a:p>
+        </p:txBody>
+      </p:sp>
+      <p:sp>
+        <p:nvSpPr>
+          <p:cNvPr id="5" name="Notes Placeholder 4"/>
+          <p:cNvSpPr>
+            <a:spLocks noGrp="1"/>
+          </p:cNvSpPr>
+          <p:nvPr>
+            <p:ph type="body" sz="quarter" idx="3"/>
+          </p:nvPr>
+        </p:nvSpPr>
+        <p:spPr>
+          <a:xfrm>
+            <a:off x="685800" y="4400550"/>
+            <a:ext cx="5486400" cy="3600450"/>
+          </a:xfrm>
+          <a:prstGeom prst="rect">
+            <a:avLst/>
+          </a:prstGeom>
+        </p:spPr>
+        <p:txBody>
+          <a:bodyPr vert="horz" lIns="91440" tIns="45720" rIns="91440" bIns="45720" rtlCol="0"/>
+          <a:lstStyle/>
+          <a:p>
+            <a:pPr lvl="0"/>
+            <a:r>
+              <a:rPr lang="en-US"/>
+              <a:t>Click to edit Master text styles</a:t>
+            </a:r>
+          </a:p>
+          <a:p>
+            <a:pPr lvl="1"/>
+            <a:r>
+              <a:rPr lang="en-US"/>
+              <a:t>Second level</a:t>
+            </a:r>
+          </a:p>
+          <a:p>
+            <a:pPr lvl="2"/>
+            <a:r>
+              <a:rPr lang="en-US"/>
+              <a:t>Third level</a:t>
+            </a:r>
+          </a:p>
+          <a:p>
+            <a:pPr lvl="3"/>
+            <a:r>
+              <a:rPr lang="en-US"/>
+              <a:t>Fourth level</a:t>
+            </a:r>
+          </a:p>
+          <a:p>
+            <a:pPr lvl="4"/>
+            <a:r>
+              <a:rPr lang="en-US"/>
+              <a:t>Fifth level</a:t>
+            </a:r>
+          </a:p>
+        </p:txBody>
+      </p:sp>
+      <p:sp>
+        <p:nvSpPr>
+          <p:cNvPr id="6" name="Footer Placeholder 5"/>
+          <p:cNvSpPr>
+            <a:spLocks noGrp="1"/>
+          </p:cNvSpPr>
+          <p:nvPr>
+            <p:ph type="ftr" sz="quarter" idx="4"/>
+          </p:nvPr>
+        </p:nvSpPr>
+        <p:spPr>
+          <a:xfrm>
+            <a:off x="0" y="8685213"/>
+            <a:ext cx="2971800" cy="458787"/>
+          </a:xfrm>
+          <a:prstGeom prst="rect">
+            <a:avLst/>
+          </a:prstGeom>
+        </p:spPr>
+        <p:txBody>
+          <a:bodyPr vert="horz" lIns="91440" tIns="45720" rIns="91440" bIns="45720" rtlCol="0" anchor="b"/>
+          <a:lstStyle>
+            <a:lvl1pPr algn="l">
+              <a:defRPr sz="1200"/>
+            </a:lvl1pPr>
+          </a:lstStyle>
+          <a:p>
+            <a:endParaRPr lang="en-US"/>
+          </a:p>
+        </p:txBody>
+      </p:sp>
+      <p:sp>
+        <p:nvSpPr>
+          <p:cNvPr id="7" name="Slide Number Placeholder 6"/>
+          <p:cNvSpPr>
+            <a:spLocks noGrp="1"/>
+          </p:cNvSpPr>
+          <p:nvPr>
+            <p:ph type="sldNum" sz="quarter" idx="5"/>
+          </p:nvPr>
+        </p:nvSpPr>
+        <p:spPr>
+          <a:xfrm>
+            <a:off x="3884613" y="8685213"/>
+            <a:ext cx="2971800" cy="458787"/>
+          </a:xfrm>
+          <a:prstGeom prst="rect">
+            <a:avLst/>
+          </a:prstGeom>
+        </p:spPr>
+        <p:txBody>
+          <a:bodyPr vert="horz" lIns="91440" tIns="45720" rIns="91440" bIns="45720" rtlCol="0" anchor="b"/>
+          <a:lstStyle>
+            <a:lvl1pPr algn="r">
+              <a:defRPr sz="1200"/>
+            </a:lvl1pPr>
+          </a:lstStyle>
+          <a:p>
+            <a:fld id="{88682BC9-22E9-B640-848B-A22C37F71A64}" type="slidenum">
+              <a:rPr lang="en-US" smtClean="0"/>
+              <a:t>‹#›</a:t>
+            </a:fld>
+            <a:endParaRPr lang="en-US"/>
+          </a:p>
+        </p:txBody>
+      </p:sp>
+    </p:spTree>
+    <p:extLst>
+      <p:ext uri="{BB962C8B-B14F-4D97-AF65-F5344CB8AC3E}">
+        <p14:creationId xmlns:p14="http://schemas.microsoft.com/office/powerpoint/2010/main" val="613759981"/>
+      </p:ext>
+    </p:extLst>
+  </p:cSld>
+  <p:clrMap bg1="lt1" tx1="dk1" bg2="lt2" tx2="dk2" accent1="accent1" accent2="accent2" accent3="accent3" accent4="accent4" accent5="accent5" accent6="accent6" hlink="hlink" folHlink="folHlink"/>
+  <p:notesStyle>
+    <a:lvl1pPr marL="0" algn="l" defTabSz="914400" rtl="0" eaLnBrk="1" latinLnBrk="0" hangingPunct="1">
+      <a:defRPr sz="1200" kern="1200">
+        <a:solidFill>
+          <a:schemeClr val="tx1"/>
+        </a:solidFill>
+        <a:latin typeface="+mn-lt"/>
+        <a:ea typeface="+mn-ea"/>
+        <a:cs typeface="+mn-cs"/>
+      </a:defRPr>
+    </a:lvl1pPr>
+    <a:lvl2pPr marL="457200" algn="l" defTabSz="914400" rtl="0" eaLnBrk="1" latinLnBrk="0" hangingPunct="1">
+      <a:defRPr sz="1200" kern="1200">
+        <a:solidFill>
+          <a:schemeClr val="tx1"/>
+        </a:solidFill>
+        <a:latin typeface="+mn-lt"/>
+        <a:ea typeface="+mn-ea"/>
+        <a:cs typeface="+mn-cs"/>
+      </a:defRPr>
+    </a:lvl2pPr>
+    <a:lvl3pPr marL="914400" algn="l" defTabSz="914400" rtl="0" eaLnBrk="1" latinLnBrk="0" hangingPunct="1">
+      <a:defRPr sz="1200" kern="1200">
+        <a:solidFill>
+          <a:schemeClr val="tx1"/>
+        </a:solidFill>
+        <a:latin typeface="+mn-lt"/>
+        <a:ea typeface="+mn-ea"/>
+        <a:cs typeface="+mn-cs"/>
+      </a:defRPr>
+    </a:lvl3pPr>
+    <a:lvl4pPr marL="1371600" algn="l" defTabSz="914400" rtl="0" eaLnBrk="1" latinLnBrk="0" hangingPunct="1">
+      <a:defRPr sz="1200" kern="1200">
+        <a:solidFill>
+          <a:schemeClr val="tx1"/>
+        </a:solidFill>
+        <a:latin typeface="+mn-lt"/>
+        <a:ea typeface="+mn-ea"/>
+        <a:cs typeface="+mn-cs"/>
+      </a:defRPr>
+    </a:lvl4pPr>
+    <a:lvl5pPr marL="1828800" algn="l" defTabSz="914400" rtl="0" eaLnBrk="1" latinLnBrk="0" hangingPunct="1">
+      <a:defRPr sz="1200" kern="1200">
+        <a:solidFill>
+          <a:schemeClr val="tx1"/>
+        </a:solidFill>
+        <a:latin typeface="+mn-lt"/>
+        <a:ea typeface="+mn-ea"/>
+        <a:cs typeface="+mn-cs"/>
+      </a:defRPr>
+    </a:lvl5pPr>
+    <a:lvl6pPr marL="2286000" algn="l" defTabSz="914400" rtl="0" eaLnBrk="1" latinLnBrk="0" hangingPunct="1">
+      <a:defRPr sz="1200" kern="1200">
+        <a:solidFill>
+          <a:schemeClr val="tx1"/>
+        </a:solidFill>
+        <a:latin typeface="+mn-lt"/>
+        <a:ea typeface="+mn-ea"/>
+        <a:cs typeface="+mn-cs"/>
+      </a:defRPr>
+    </a:lvl6pPr>
+    <a:lvl7pPr marL="2743200" algn="l" defTabSz="914400" rtl="0" eaLnBrk="1" latinLnBrk="0" hangingPunct="1">
+      <a:defRPr sz="1200" kern="1200">
+        <a:solidFill>
+          <a:schemeClr val="tx1"/>
+        </a:solidFill>
+        <a:latin typeface="+mn-lt"/>
+        <a:ea typeface="+mn-ea"/>
+        <a:cs typeface="+mn-cs"/>
+      </a:defRPr>
+    </a:lvl7pPr>
+    <a:lvl8pPr marL="3200400" algn="l" defTabSz="914400" rtl="0" eaLnBrk="1" latinLnBrk="0" hangingPunct="1">
+      <a:defRPr sz="1200" kern="1200">
+        <a:solidFill>
+          <a:schemeClr val="tx1"/>
+        </a:solidFill>
+        <a:latin typeface="+mn-lt"/>
+        <a:ea typeface="+mn-ea"/>
+        <a:cs typeface="+mn-cs"/>
+      </a:defRPr>
+    </a:lvl8pPr>
+    <a:lvl9pPr marL="3657600" algn="l" defTabSz="914400" rtl="0" eaLnBrk="1" latinLnBrk="0" hangingPunct="1">
+      <a:defRPr sz="1200" kern="1200">
+        <a:solidFill>
+          <a:schemeClr val="tx1"/>
+        </a:solidFill>
+        <a:latin typeface="+mn-lt"/>
+        <a:ea typeface="+mn-ea"/>
+        <a:cs typeface="+mn-cs"/>
+      </a:defRPr>
+    </a:lvl9pPr>
+  </p:notesStyle>
+</p:notesMaster>
+</file>
+
+<file path=ppt/notesSlides/notesSlide1.xml><?xml version="1.0" encoding="utf-8"?>
+<p:notes xmlns:a="http://schemas.openxmlformats.org/drawingml/2006/main" xmlns:r="http://schemas.openxmlformats.org/officeDocument/2006/relationships" xmlns:p="http://schemas.openxmlformats.org/presentationml/2006/main">
+  <p:cSld>
+    <p:spTree>
+      <p:nvGrpSpPr>
+        <p:cNvPr id="1" name=""/>
+        <p:cNvGrpSpPr/>
+        <p:nvPr/>
+      </p:nvGrpSpPr>
+      <p:grpSpPr>
+        <a:xfrm>
+          <a:off x="0" y="0"/>
+          <a:ext cx="0" cy="0"/>
+          <a:chOff x="0" y="0"/>
+          <a:chExt cx="0" cy="0"/>
+        </a:xfrm>
+      </p:grpSpPr>
+      <p:sp>
+        <p:nvSpPr>
+          <p:cNvPr id="2" name="Slide Image Placeholder 1"/>
+          <p:cNvSpPr>
+            <a:spLocks noGrp="1" noRot="1" noChangeAspect="1"/>
+          </p:cNvSpPr>
+          <p:nvPr>
+            <p:ph type="sldImg"/>
+          </p:nvPr>
+        </p:nvSpPr>
+        <p:spPr/>
+      </p:sp>
+      <p:sp>
+        <p:nvSpPr>
+          <p:cNvPr id="3" name="Notes Placeholder 2"/>
+          <p:cNvSpPr>
+            <a:spLocks noGrp="1"/>
+          </p:cNvSpPr>
+          <p:nvPr>
+            <p:ph type="body" idx="1"/>
+          </p:nvPr>
+        </p:nvSpPr>
+        <p:spPr/>
+        <p:txBody>
+          <a:bodyPr/>
+          <a:lstStyle/>
+          <a:p>
+            <a:r>
+              <a:rPr lang="en-US" altLang="zh-CN" dirty="0"/>
+              <a:t>Can</a:t>
+            </a:r>
+            <a:r>
+              <a:rPr lang="zh-CN" altLang="en-US" dirty="0"/>
+              <a:t> </a:t>
+            </a:r>
+            <a:r>
+              <a:rPr lang="en-US" altLang="zh-CN" dirty="0"/>
+              <a:t>we</a:t>
+            </a:r>
+            <a:r>
+              <a:rPr lang="zh-CN" altLang="en-US" dirty="0"/>
+              <a:t> </a:t>
+            </a:r>
+            <a:r>
+              <a:rPr lang="en-US" altLang="zh-CN" dirty="0"/>
+              <a:t>collect</a:t>
+            </a:r>
+            <a:r>
+              <a:rPr lang="zh-CN" altLang="en-US" dirty="0"/>
+              <a:t> </a:t>
+            </a:r>
+            <a:r>
+              <a:rPr lang="en-US" altLang="zh-CN" dirty="0"/>
+              <a:t>simple</a:t>
+            </a:r>
+            <a:r>
+              <a:rPr lang="zh-CN" altLang="en-US" dirty="0"/>
+              <a:t> </a:t>
+            </a:r>
+            <a:r>
+              <a:rPr lang="en-US" altLang="zh-CN" dirty="0"/>
+              <a:t>dataset.</a:t>
+            </a:r>
+            <a:r>
+              <a:rPr lang="zh-CN" altLang="en-US" dirty="0"/>
+              <a:t> </a:t>
+            </a:r>
+            <a:r>
+              <a:rPr lang="en-US" altLang="zh-CN" dirty="0"/>
+              <a:t>Not</a:t>
+            </a:r>
+            <a:r>
+              <a:rPr lang="zh-CN" altLang="en-US" dirty="0"/>
+              <a:t> </a:t>
+            </a:r>
+            <a:r>
+              <a:rPr lang="en-US" altLang="zh-CN" dirty="0"/>
+              <a:t>long</a:t>
+            </a:r>
+            <a:r>
+              <a:rPr lang="zh-CN" altLang="en-US" dirty="0"/>
+              <a:t> </a:t>
+            </a:r>
+            <a:r>
+              <a:rPr lang="en-US" altLang="zh-CN" dirty="0"/>
+              <a:t>question.</a:t>
+            </a:r>
+            <a:r>
+              <a:rPr lang="zh-CN" altLang="en-US" dirty="0"/>
+              <a:t> </a:t>
+            </a:r>
+            <a:endParaRPr lang="en-US" altLang="zh-CN" dirty="0"/>
+          </a:p>
+          <a:p>
+            <a:r>
+              <a:rPr lang="en-US" altLang="zh-CN" dirty="0"/>
+              <a:t>And</a:t>
+            </a:r>
+            <a:r>
+              <a:rPr lang="zh-CN" altLang="en-US" dirty="0"/>
+              <a:t> </a:t>
+            </a:r>
+            <a:r>
+              <a:rPr lang="en-US" altLang="zh-CN" dirty="0"/>
+              <a:t>the</a:t>
+            </a:r>
+            <a:r>
+              <a:rPr lang="zh-CN" altLang="en-US" dirty="0"/>
+              <a:t> </a:t>
+            </a:r>
+            <a:r>
+              <a:rPr lang="en-US" altLang="zh-CN" dirty="0"/>
+              <a:t>beginning,</a:t>
+            </a:r>
+            <a:r>
+              <a:rPr lang="zh-CN" altLang="en-US" dirty="0"/>
+              <a:t> </a:t>
+            </a:r>
+            <a:r>
+              <a:rPr lang="en-US" altLang="zh-CN" dirty="0"/>
+              <a:t>From</a:t>
+            </a:r>
+            <a:r>
+              <a:rPr lang="zh-CN" altLang="en-US" dirty="0"/>
+              <a:t> </a:t>
+            </a:r>
+            <a:r>
+              <a:rPr lang="en-US" altLang="zh-CN" dirty="0"/>
+              <a:t>text</a:t>
+            </a:r>
+            <a:r>
+              <a:rPr lang="zh-CN" altLang="en-US" dirty="0"/>
+              <a:t> </a:t>
+            </a:r>
+            <a:r>
+              <a:rPr lang="en-US" altLang="zh-CN" dirty="0"/>
+              <a:t>to</a:t>
+            </a:r>
+            <a:r>
+              <a:rPr lang="zh-CN" altLang="en-US" dirty="0"/>
+              <a:t> </a:t>
+            </a:r>
+            <a:r>
+              <a:rPr lang="en-US" altLang="zh-CN" dirty="0"/>
+              <a:t>voice.</a:t>
+            </a:r>
+            <a:br>
+              <a:rPr lang="en-US" altLang="zh-CN" dirty="0"/>
+            </a:br>
+            <a:r>
+              <a:rPr lang="en-US" altLang="zh-CN" dirty="0"/>
+              <a:t>https://</a:t>
+            </a:r>
+            <a:r>
+              <a:rPr lang="en-US" altLang="zh-CN" dirty="0" err="1"/>
+              <a:t>pytorch.org</a:t>
+            </a:r>
+            <a:r>
+              <a:rPr lang="en-US" altLang="zh-CN" dirty="0"/>
+              <a:t>/audio/stable/tutorials/tacotron2_pipeline_tutorial.html</a:t>
+            </a:r>
+          </a:p>
+          <a:p>
+            <a:r>
+              <a:rPr lang="en-US" dirty="0"/>
+              <a:t>TEXT-TO-SPEECH WITH TACOTRON2</a:t>
+            </a:r>
+          </a:p>
+          <a:p>
+            <a:endParaRPr lang="en-US" dirty="0"/>
+          </a:p>
+        </p:txBody>
+      </p:sp>
+      <p:sp>
+        <p:nvSpPr>
+          <p:cNvPr id="4" name="Slide Number Placeholder 3"/>
+          <p:cNvSpPr>
+            <a:spLocks noGrp="1"/>
+          </p:cNvSpPr>
+          <p:nvPr>
+            <p:ph type="sldNum" sz="quarter" idx="5"/>
+          </p:nvPr>
+        </p:nvSpPr>
+        <p:spPr/>
+        <p:txBody>
+          <a:bodyPr/>
+          <a:lstStyle/>
+          <a:p>
+            <a:fld id="{88682BC9-22E9-B640-848B-A22C37F71A64}" type="slidenum">
+              <a:rPr lang="en-US" smtClean="0"/>
+              <a:t>3</a:t>
+            </a:fld>
+            <a:endParaRPr lang="en-US"/>
+          </a:p>
+        </p:txBody>
+      </p:sp>
+    </p:spTree>
+    <p:extLst>
+      <p:ext uri="{BB962C8B-B14F-4D97-AF65-F5344CB8AC3E}">
+        <p14:creationId xmlns:p14="http://schemas.microsoft.com/office/powerpoint/2010/main" val="1476413974"/>
+      </p:ext>
+    </p:extLst>
+  </p:cSld>
+  <p:clrMapOvr>
+    <a:masterClrMapping/>
+  </p:clrMapOvr>
+</p:notes>
+</file>
+
+<file path=ppt/notesSlides/notesSlide2.xml><?xml version="1.0" encoding="utf-8"?>
+<p:notes xmlns:a="http://schemas.openxmlformats.org/drawingml/2006/main" xmlns:r="http://schemas.openxmlformats.org/officeDocument/2006/relationships" xmlns:p="http://schemas.openxmlformats.org/presentationml/2006/main">
+  <p:cSld>
+    <p:spTree>
+      <p:nvGrpSpPr>
+        <p:cNvPr id="1" name=""/>
+        <p:cNvGrpSpPr/>
+        <p:nvPr/>
+      </p:nvGrpSpPr>
+      <p:grpSpPr>
+        <a:xfrm>
+          <a:off x="0" y="0"/>
+          <a:ext cx="0" cy="0"/>
+          <a:chOff x="0" y="0"/>
+          <a:chExt cx="0" cy="0"/>
+        </a:xfrm>
+      </p:grpSpPr>
+      <p:sp>
+        <p:nvSpPr>
+          <p:cNvPr id="2" name="Slide Image Placeholder 1"/>
+          <p:cNvSpPr>
+            <a:spLocks noGrp="1" noRot="1" noChangeAspect="1"/>
+          </p:cNvSpPr>
+          <p:nvPr>
+            <p:ph type="sldImg"/>
+          </p:nvPr>
+        </p:nvSpPr>
+        <p:spPr/>
+      </p:sp>
+      <p:sp>
+        <p:nvSpPr>
+          <p:cNvPr id="3" name="Notes Placeholder 2"/>
+          <p:cNvSpPr>
+            <a:spLocks noGrp="1"/>
+          </p:cNvSpPr>
+          <p:nvPr>
+            <p:ph type="body" idx="1"/>
+          </p:nvPr>
+        </p:nvSpPr>
+        <p:spPr/>
+        <p:txBody>
+          <a:bodyPr/>
+          <a:lstStyle/>
+          <a:p>
+            <a:r>
+              <a:rPr lang="en-US" altLang="zh-CN" dirty="0" err="1"/>
+              <a:t>Scapy</a:t>
+            </a:r>
+            <a:r>
+              <a:rPr lang="en-US" altLang="zh-CN" dirty="0"/>
+              <a:t>,</a:t>
+            </a:r>
+            <a:r>
+              <a:rPr lang="zh-CN" altLang="en-US" dirty="0"/>
+              <a:t> </a:t>
+            </a:r>
+            <a:r>
+              <a:rPr lang="en-US" altLang="zh-CN" dirty="0" err="1"/>
+              <a:t>tcpdump</a:t>
+            </a:r>
+            <a:r>
+              <a:rPr lang="en-US" altLang="zh-CN" dirty="0"/>
+              <a:t>,</a:t>
+            </a:r>
+          </a:p>
+          <a:p>
+            <a:r>
+              <a:rPr lang="en-US" altLang="zh-CN" dirty="0"/>
+              <a:t>Use</a:t>
+            </a:r>
+            <a:r>
+              <a:rPr lang="zh-CN" altLang="en-US" dirty="0"/>
+              <a:t> </a:t>
+            </a:r>
+            <a:r>
+              <a:rPr lang="en-US" altLang="zh-CN" dirty="0"/>
+              <a:t>pc</a:t>
+            </a:r>
+            <a:r>
+              <a:rPr lang="zh-CN" altLang="en-US" dirty="0"/>
+              <a:t> </a:t>
+            </a:r>
+            <a:r>
+              <a:rPr lang="en-US" altLang="zh-CN" dirty="0"/>
+              <a:t>to</a:t>
+            </a:r>
+            <a:r>
+              <a:rPr lang="zh-CN" altLang="en-US" dirty="0"/>
+              <a:t> </a:t>
+            </a:r>
+            <a:r>
+              <a:rPr lang="en-US" altLang="zh-CN" dirty="0"/>
+              <a:t>play</a:t>
+            </a:r>
+            <a:r>
+              <a:rPr lang="zh-CN" altLang="en-US" dirty="0"/>
+              <a:t> </a:t>
+            </a:r>
+            <a:r>
+              <a:rPr lang="en-US" altLang="zh-CN" dirty="0"/>
+              <a:t>audio</a:t>
+            </a:r>
+          </a:p>
+          <a:p>
+            <a:r>
+              <a:rPr lang="en-US" altLang="zh-CN" dirty="0"/>
+              <a:t>compared</a:t>
+            </a:r>
+            <a:endParaRPr lang="en-US" dirty="0"/>
+          </a:p>
+        </p:txBody>
+      </p:sp>
+      <p:sp>
+        <p:nvSpPr>
+          <p:cNvPr id="4" name="Slide Number Placeholder 3"/>
+          <p:cNvSpPr>
+            <a:spLocks noGrp="1"/>
+          </p:cNvSpPr>
+          <p:nvPr>
+            <p:ph type="sldNum" sz="quarter" idx="5"/>
+          </p:nvPr>
+        </p:nvSpPr>
+        <p:spPr/>
+        <p:txBody>
+          <a:bodyPr/>
+          <a:lstStyle/>
+          <a:p>
+            <a:fld id="{88682BC9-22E9-B640-848B-A22C37F71A64}" type="slidenum">
+              <a:rPr lang="en-US" smtClean="0"/>
+              <a:t>5</a:t>
+            </a:fld>
+            <a:endParaRPr lang="en-US"/>
+          </a:p>
+        </p:txBody>
+      </p:sp>
+    </p:spTree>
+    <p:extLst>
+      <p:ext uri="{BB962C8B-B14F-4D97-AF65-F5344CB8AC3E}">
+        <p14:creationId xmlns:p14="http://schemas.microsoft.com/office/powerpoint/2010/main" val="4175264333"/>
+      </p:ext>
+    </p:extLst>
+  </p:cSld>
+  <p:clrMapOvr>
+    <a:masterClrMapping/>
+  </p:clrMapOvr>
+</p:notes>
+</file>
+
+<file path=ppt/notesSlides/notesSlide3.xml><?xml version="1.0" encoding="utf-8"?>
+<p:notes xmlns:a="http://schemas.openxmlformats.org/drawingml/2006/main" xmlns:r="http://schemas.openxmlformats.org/officeDocument/2006/relationships" xmlns:p="http://schemas.openxmlformats.org/presentationml/2006/main">
+  <p:cSld>
+    <p:spTree>
+      <p:nvGrpSpPr>
+        <p:cNvPr id="1" name=""/>
+        <p:cNvGrpSpPr/>
+        <p:nvPr/>
+      </p:nvGrpSpPr>
+      <p:grpSpPr>
+        <a:xfrm>
+          <a:off x="0" y="0"/>
+          <a:ext cx="0" cy="0"/>
+          <a:chOff x="0" y="0"/>
+          <a:chExt cx="0" cy="0"/>
+        </a:xfrm>
+      </p:grpSpPr>
+      <p:sp>
+        <p:nvSpPr>
+          <p:cNvPr id="2" name="Slide Image Placeholder 1"/>
+          <p:cNvSpPr>
+            <a:spLocks noGrp="1" noRot="1" noChangeAspect="1"/>
+          </p:cNvSpPr>
+          <p:nvPr>
+            <p:ph type="sldImg"/>
+          </p:nvPr>
+        </p:nvSpPr>
+        <p:spPr/>
+      </p:sp>
+      <p:sp>
+        <p:nvSpPr>
+          <p:cNvPr id="3" name="Notes Placeholder 2"/>
+          <p:cNvSpPr>
+            <a:spLocks noGrp="1"/>
+          </p:cNvSpPr>
+          <p:nvPr>
+            <p:ph type="body" idx="1"/>
+          </p:nvPr>
+        </p:nvSpPr>
+        <p:spPr/>
+        <p:txBody>
+          <a:bodyPr/>
+          <a:lstStyle/>
+          <a:p>
+            <a:r>
+              <a:rPr lang="en-US" altLang="zh-CN" dirty="0"/>
+              <a:t>Accent</a:t>
+            </a:r>
+            <a:r>
+              <a:rPr lang="zh-CN" altLang="en-US" dirty="0"/>
+              <a:t> </a:t>
+            </a:r>
+            <a:r>
+              <a:rPr lang="en-US" altLang="zh-CN" dirty="0"/>
+              <a:t>&amp;</a:t>
+            </a:r>
+            <a:r>
+              <a:rPr lang="zh-CN" altLang="en-US" dirty="0"/>
+              <a:t> </a:t>
+            </a:r>
+            <a:r>
+              <a:rPr lang="en-US" altLang="zh-CN" dirty="0"/>
+              <a:t>Background</a:t>
+            </a:r>
+            <a:r>
+              <a:rPr lang="zh-CN" altLang="en-US" dirty="0"/>
+              <a:t> </a:t>
+            </a:r>
+            <a:r>
+              <a:rPr lang="en-US" altLang="zh-CN" dirty="0"/>
+              <a:t>noise</a:t>
+            </a:r>
+            <a:r>
+              <a:rPr lang="zh-CN" altLang="en-US" dirty="0"/>
+              <a:t> </a:t>
+            </a:r>
+            <a:r>
+              <a:rPr lang="en-US" altLang="zh-CN" dirty="0"/>
+              <a:t>&amp;</a:t>
+            </a:r>
+            <a:r>
+              <a:rPr lang="zh-CN" altLang="en-US" dirty="0"/>
+              <a:t> </a:t>
+            </a:r>
+            <a:r>
+              <a:rPr lang="en-US" altLang="zh-CN" dirty="0"/>
+              <a:t>Network</a:t>
+            </a:r>
+            <a:r>
+              <a:rPr lang="zh-CN" altLang="en-US" dirty="0"/>
+              <a:t> </a:t>
+            </a:r>
+            <a:r>
+              <a:rPr lang="en-US" altLang="zh-CN" dirty="0"/>
+              <a:t>latency</a:t>
+            </a:r>
+            <a:endParaRPr lang="en-US" dirty="0"/>
+          </a:p>
+        </p:txBody>
+      </p:sp>
+      <p:sp>
+        <p:nvSpPr>
+          <p:cNvPr id="4" name="Slide Number Placeholder 3"/>
+          <p:cNvSpPr>
+            <a:spLocks noGrp="1"/>
+          </p:cNvSpPr>
+          <p:nvPr>
+            <p:ph type="sldNum" sz="quarter" idx="5"/>
+          </p:nvPr>
+        </p:nvSpPr>
+        <p:spPr/>
+        <p:txBody>
+          <a:bodyPr/>
+          <a:lstStyle/>
+          <a:p>
+            <a:fld id="{88682BC9-22E9-B640-848B-A22C37F71A64}" type="slidenum">
+              <a:rPr lang="en-US" smtClean="0"/>
+              <a:t>8</a:t>
+            </a:fld>
+            <a:endParaRPr lang="en-US"/>
+          </a:p>
+        </p:txBody>
+      </p:sp>
+    </p:spTree>
+    <p:extLst>
+      <p:ext uri="{BB962C8B-B14F-4D97-AF65-F5344CB8AC3E}">
+        <p14:creationId xmlns:p14="http://schemas.microsoft.com/office/powerpoint/2010/main" val="379248297"/>
+      </p:ext>
+    </p:extLst>
+  </p:cSld>
+  <p:clrMapOvr>
+    <a:masterClrMapping/>
+  </p:clrMapOvr>
+</p:notes>
 </file>
 
 <file path=ppt/slideLayouts/slideLayout1.xml><?xml version="1.0" encoding="utf-8"?>
@@ -259,7 +1129,7 @@
           <a:p>
             <a:fld id="{78CD1D6E-A027-634F-BC83-5ADA8E496EAB}" type="datetimeFigureOut">
               <a:rPr lang="en-US" smtClean="0"/>
-              <a:t>11/26/23</a:t>
+              <a:t>11/27/23</a:t>
             </a:fld>
             <a:endParaRPr lang="en-US"/>
           </a:p>
@@ -457,7 +1327,7 @@
           <a:p>
             <a:fld id="{78CD1D6E-A027-634F-BC83-5ADA8E496EAB}" type="datetimeFigureOut">
               <a:rPr lang="en-US" smtClean="0"/>
-              <a:t>11/26/23</a:t>
+              <a:t>11/27/23</a:t>
             </a:fld>
             <a:endParaRPr lang="en-US"/>
           </a:p>
@@ -665,7 +1535,7 @@
           <a:p>
             <a:fld id="{78CD1D6E-A027-634F-BC83-5ADA8E496EAB}" type="datetimeFigureOut">
               <a:rPr lang="en-US" smtClean="0"/>
-              <a:t>11/26/23</a:t>
+              <a:t>11/27/23</a:t>
             </a:fld>
             <a:endParaRPr lang="en-US"/>
           </a:p>
@@ -863,7 +1733,7 @@
           <a:p>
             <a:fld id="{78CD1D6E-A027-634F-BC83-5ADA8E496EAB}" type="datetimeFigureOut">
               <a:rPr lang="en-US" smtClean="0"/>
-              <a:t>11/26/23</a:t>
+              <a:t>11/27/23</a:t>
             </a:fld>
             <a:endParaRPr lang="en-US"/>
           </a:p>
@@ -1138,7 +2008,7 @@
           <a:p>
             <a:fld id="{78CD1D6E-A027-634F-BC83-5ADA8E496EAB}" type="datetimeFigureOut">
               <a:rPr lang="en-US" smtClean="0"/>
-              <a:t>11/26/23</a:t>
+              <a:t>11/27/23</a:t>
             </a:fld>
             <a:endParaRPr lang="en-US"/>
           </a:p>
@@ -1403,7 +2273,7 @@
           <a:p>
             <a:fld id="{78CD1D6E-A027-634F-BC83-5ADA8E496EAB}" type="datetimeFigureOut">
               <a:rPr lang="en-US" smtClean="0"/>
-              <a:t>11/26/23</a:t>
+              <a:t>11/27/23</a:t>
             </a:fld>
             <a:endParaRPr lang="en-US"/>
           </a:p>
@@ -1815,7 +2685,7 @@
           <a:p>
             <a:fld id="{78CD1D6E-A027-634F-BC83-5ADA8E496EAB}" type="datetimeFigureOut">
               <a:rPr lang="en-US" smtClean="0"/>
-              <a:t>11/26/23</a:t>
+              <a:t>11/27/23</a:t>
             </a:fld>
             <a:endParaRPr lang="en-US"/>
           </a:p>
@@ -1956,7 +2826,7 @@
           <a:p>
             <a:fld id="{78CD1D6E-A027-634F-BC83-5ADA8E496EAB}" type="datetimeFigureOut">
               <a:rPr lang="en-US" smtClean="0"/>
-              <a:t>11/26/23</a:t>
+              <a:t>11/27/23</a:t>
             </a:fld>
             <a:endParaRPr lang="en-US"/>
           </a:p>
@@ -2069,7 +2939,7 @@
           <a:p>
             <a:fld id="{78CD1D6E-A027-634F-BC83-5ADA8E496EAB}" type="datetimeFigureOut">
               <a:rPr lang="en-US" smtClean="0"/>
-              <a:t>11/26/23</a:t>
+              <a:t>11/27/23</a:t>
             </a:fld>
             <a:endParaRPr lang="en-US"/>
           </a:p>
@@ -2380,7 +3250,7 @@
           <a:p>
             <a:fld id="{78CD1D6E-A027-634F-BC83-5ADA8E496EAB}" type="datetimeFigureOut">
               <a:rPr lang="en-US" smtClean="0"/>
-              <a:t>11/26/23</a:t>
+              <a:t>11/27/23</a:t>
             </a:fld>
             <a:endParaRPr lang="en-US"/>
           </a:p>
@@ -2668,7 +3538,7 @@
           <a:p>
             <a:fld id="{78CD1D6E-A027-634F-BC83-5ADA8E496EAB}" type="datetimeFigureOut">
               <a:rPr lang="en-US" smtClean="0"/>
-              <a:t>11/26/23</a:t>
+              <a:t>11/27/23</a:t>
             </a:fld>
             <a:endParaRPr lang="en-US"/>
           </a:p>
@@ -2909,7 +3779,7 @@
           <a:p>
             <a:fld id="{78CD1D6E-A027-634F-BC83-5ADA8E496EAB}" type="datetimeFigureOut">
               <a:rPr lang="en-US" smtClean="0"/>
-              <a:t>11/26/23</a:t>
+              <a:t>11/27/23</a:t>
             </a:fld>
             <a:endParaRPr lang="en-US"/>
           </a:p>
@@ -3504,6 +4374,52 @@
               <a:rPr lang="en-US" altLang="zh-CN" dirty="0"/>
               <a:t>collection</a:t>
             </a:r>
+            <a:r>
+              <a:rPr lang="zh-CN" altLang="en-US" dirty="0"/>
+              <a:t> </a:t>
+            </a:r>
+            <a:r>
+              <a:rPr lang="en-US" altLang="zh-CN" dirty="0"/>
+              <a:t>simple</a:t>
+            </a:r>
+            <a:r>
+              <a:rPr lang="zh-CN" altLang="en-US" dirty="0"/>
+              <a:t> </a:t>
+            </a:r>
+            <a:r>
+              <a:rPr lang="en-US" altLang="zh-CN" dirty="0"/>
+              <a:t>version</a:t>
+            </a:r>
+          </a:p>
+          <a:p>
+            <a:r>
+              <a:rPr lang="en-US" altLang="zh-CN" dirty="0"/>
+              <a:t>Data</a:t>
+            </a:r>
+            <a:r>
+              <a:rPr lang="zh-CN" altLang="en-US" dirty="0"/>
+              <a:t> </a:t>
+            </a:r>
+            <a:r>
+              <a:rPr lang="en-US" altLang="zh-CN" dirty="0"/>
+              <a:t>collection</a:t>
+            </a:r>
+            <a:r>
+              <a:rPr lang="zh-CN" altLang="en-US" dirty="0"/>
+              <a:t> </a:t>
+            </a:r>
+            <a:r>
+              <a:rPr lang="en-US" altLang="zh-CN" dirty="0"/>
+              <a:t>for</a:t>
+            </a:r>
+            <a:r>
+              <a:rPr lang="zh-CN" altLang="en-US" dirty="0"/>
+              <a:t> </a:t>
+            </a:r>
+            <a:r>
+              <a:rPr lang="en-US" altLang="zh-CN" dirty="0"/>
+              <a:t>real</a:t>
+            </a:r>
           </a:p>
           <a:p>
             <a:r>
@@ -3862,47 +4778,23 @@
             <a:pPr lvl="1"/>
             <a:r>
               <a:rPr lang="en-US" altLang="zh-CN" dirty="0"/>
-              <a:t>Should</a:t>
-            </a:r>
-            <a:r>
-              <a:rPr lang="zh-CN" altLang="en-US" dirty="0"/>
-              <a:t> </a:t>
-            </a:r>
-            <a:r>
-              <a:rPr lang="en-US" altLang="zh-CN" dirty="0"/>
-              <a:t>Alexa’s</a:t>
-            </a:r>
-            <a:r>
-              <a:rPr lang="zh-CN" altLang="en-US" dirty="0"/>
-              <a:t> </a:t>
-            </a:r>
-            <a:r>
-              <a:rPr lang="en-US" altLang="zh-CN" dirty="0"/>
-              <a:t>respond</a:t>
-            </a:r>
-            <a:r>
-              <a:rPr lang="zh-CN" altLang="en-US" dirty="0"/>
-              <a:t> </a:t>
-            </a:r>
-            <a:r>
-              <a:rPr lang="en-US" altLang="zh-CN" dirty="0"/>
-              <a:t>be</a:t>
-            </a:r>
-            <a:r>
-              <a:rPr lang="zh-CN" altLang="en-US" dirty="0"/>
-              <a:t> </a:t>
-            </a:r>
-            <a:r>
-              <a:rPr lang="en-US" altLang="zh-CN" dirty="0"/>
-              <a:t>contained</a:t>
-            </a:r>
-            <a:r>
-              <a:rPr lang="zh-CN" altLang="en-US" dirty="0"/>
-              <a:t> </a:t>
-            </a:r>
-            <a:r>
-              <a:rPr lang="en-US" altLang="zh-CN" dirty="0"/>
-              <a:t>in</a:t>
+              <a:t>How</a:t>
+            </a:r>
+            <a:r>
+              <a:rPr lang="zh-CN" altLang="en-US" dirty="0"/>
+              <a:t> </a:t>
+            </a:r>
+            <a:r>
+              <a:rPr lang="en-US" altLang="zh-CN" dirty="0"/>
+              <a:t>to</a:t>
+            </a:r>
+            <a:r>
+              <a:rPr lang="zh-CN" altLang="en-US" dirty="0"/>
+              <a:t> </a:t>
+            </a:r>
+            <a:r>
+              <a:rPr lang="en-US" altLang="zh-CN" dirty="0"/>
+              <a:t>align</a:t>
             </a:r>
             <a:r>
               <a:rPr lang="zh-CN" altLang="en-US" dirty="0"/>
@@ -3917,57 +4809,6 @@
               <a:t>C</a:t>
             </a:r>
             <a:r>
-              <a:rPr lang="en-US" altLang="zh-CN" dirty="0"/>
-              <a:t>?</a:t>
-            </a:r>
-            <a:r>
-              <a:rPr lang="zh-CN" altLang="en-US" dirty="0"/>
-              <a:t> </a:t>
-            </a:r>
-            <a:endParaRPr lang="en-US" altLang="zh-CN" dirty="0"/>
-          </a:p>
-          <a:p>
-            <a:pPr lvl="1"/>
-            <a:r>
-              <a:rPr lang="en-US" altLang="zh-CN" dirty="0"/>
-              <a:t>How to solve this situation if Alexa answers while the user is speaking.</a:t>
-            </a:r>
-          </a:p>
-          <a:p>
-            <a:pPr lvl="1"/>
-            <a:r>
-              <a:rPr lang="en-US" altLang="zh-CN" dirty="0"/>
-              <a:t>How</a:t>
-            </a:r>
-            <a:r>
-              <a:rPr lang="zh-CN" altLang="en-US" dirty="0"/>
-              <a:t> </a:t>
-            </a:r>
-            <a:r>
-              <a:rPr lang="en-US" altLang="zh-CN" dirty="0"/>
-              <a:t>to</a:t>
-            </a:r>
-            <a:r>
-              <a:rPr lang="zh-CN" altLang="en-US" dirty="0"/>
-              <a:t> </a:t>
-            </a:r>
-            <a:r>
-              <a:rPr lang="en-US" altLang="zh-CN" dirty="0"/>
-              <a:t>align</a:t>
-            </a:r>
-            <a:r>
-              <a:rPr lang="zh-CN" altLang="en-US" dirty="0"/>
-              <a:t> </a:t>
-            </a:r>
-            <a:r>
-              <a:rPr lang="en-US" altLang="zh-CN" dirty="0">
-                <a:solidFill>
-                  <a:srgbClr val="FF0000"/>
-                </a:solidFill>
-              </a:rPr>
-              <a:t>C</a:t>
-            </a:r>
-            <a:r>
               <a:rPr lang="zh-CN" altLang="en-US" dirty="0"/>
               <a:t> </a:t>
             </a:r>
@@ -4007,6 +4848,19 @@
               <a:rPr lang="en-US" altLang="zh-CN" dirty="0"/>
               <a:t>timestamps?</a:t>
             </a:r>
+            <a:r>
+              <a:rPr lang="zh-CN" altLang="en-US" dirty="0"/>
+              <a:t> </a:t>
+            </a:r>
+            <a:r>
+              <a:rPr lang="en-US" altLang="zh-CN" dirty="0"/>
+              <a:t>Sync.</a:t>
+            </a:r>
+            <a:r>
+              <a:rPr lang="zh-CN" altLang="en-US" dirty="0"/>
+              <a:t>  </a:t>
+            </a:r>
+            <a:endParaRPr lang="en-US" altLang="zh-CN" dirty="0"/>
           </a:p>
           <a:p>
             <a:endParaRPr lang="en-US" dirty="0">
@@ -4055,7 +4909,7 @@
           <p:cNvPr id="2" name="Title 1">
             <a:extLst>
               <a:ext uri="{FF2B5EF4-FFF2-40B4-BE49-F238E27FC236}">
-                <a16:creationId xmlns:a16="http://schemas.microsoft.com/office/drawing/2014/main" id="{DA4C1E6C-2F86-4935-0282-297DCB914D6F}"/>
+                <a16:creationId xmlns:a16="http://schemas.microsoft.com/office/drawing/2014/main" id="{6A72EC25-10D1-3A87-0CEA-07E6BAD8288D}"/>
               </a:ext>
             </a:extLst>
           </p:cNvPr>
@@ -4083,6 +4937,22 @@
               <a:rPr lang="en-US" altLang="zh-CN" dirty="0"/>
               <a:t>Collection</a:t>
             </a:r>
+            <a:r>
+              <a:rPr lang="zh-CN" altLang="en-US" dirty="0"/>
+              <a:t> </a:t>
+            </a:r>
+            <a:r>
+              <a:rPr lang="en-US" altLang="zh-CN" dirty="0"/>
+              <a:t>simple</a:t>
+            </a:r>
+            <a:r>
+              <a:rPr lang="zh-CN" altLang="en-US" dirty="0"/>
+              <a:t> </a:t>
+            </a:r>
+            <a:r>
+              <a:rPr lang="en-US" altLang="zh-CN" dirty="0"/>
+              <a:t>version</a:t>
+            </a:r>
             <a:endParaRPr lang="en-US" dirty="0"/>
           </a:p>
         </p:txBody>
@@ -4092,7 +4962,7 @@
           <p:cNvPr id="3" name="Content Placeholder 2">
             <a:extLst>
               <a:ext uri="{FF2B5EF4-FFF2-40B4-BE49-F238E27FC236}">
-                <a16:creationId xmlns:a16="http://schemas.microsoft.com/office/drawing/2014/main" id="{1F05F351-6085-7273-0E31-E1D442A0BBEE}"/>
+                <a16:creationId xmlns:a16="http://schemas.microsoft.com/office/drawing/2014/main" id="{A6198CA8-580A-308F-5C83-F52203E9E960}"/>
               </a:ext>
             </a:extLst>
           </p:cNvPr>
@@ -4103,16 +4973,9 @@
             <p:ph idx="1"/>
           </p:nvPr>
         </p:nvSpPr>
-        <p:spPr>
-          <a:xfrm>
-            <a:off x="838199" y="1825625"/>
-            <a:ext cx="11095300" cy="4351338"/>
-          </a:xfrm>
-        </p:spPr>
-        <p:txBody>
-          <a:bodyPr>
-            <a:normAutofit lnSpcReduction="10000"/>
-          </a:bodyPr>
+        <p:spPr/>
+        <p:txBody>
+          <a:bodyPr/>
           <a:lstStyle/>
           <a:p>
             <a:r>
@@ -4317,13 +5180,147 @@
           <a:p>
             <a:r>
               <a:rPr lang="en-US" altLang="zh-CN" dirty="0"/>
-              <a:t>Design recording trigger mechanism</a:t>
-            </a:r>
-          </a:p>
-          <a:p>
-            <a:r>
-              <a:rPr lang="en-US" altLang="zh-CN" dirty="0"/>
-              <a:t>Record</a:t>
+              <a:t>Use</a:t>
+            </a:r>
+            <a:r>
+              <a:rPr lang="zh-CN" altLang="en-US" dirty="0"/>
+              <a:t> </a:t>
+            </a:r>
+            <a:r>
+              <a:rPr lang="en-US" altLang="zh-CN" dirty="0">
+                <a:solidFill>
+                  <a:srgbClr val="FFC000"/>
+                </a:solidFill>
+              </a:rPr>
+              <a:t>TACOTRON2</a:t>
+            </a:r>
+            <a:r>
+              <a:rPr lang="zh-CN" altLang="en-US" dirty="0"/>
+              <a:t> </a:t>
+            </a:r>
+            <a:r>
+              <a:rPr lang="en-US" altLang="zh-CN" dirty="0"/>
+              <a:t>to</a:t>
+            </a:r>
+            <a:r>
+              <a:rPr lang="zh-CN" altLang="en-US" dirty="0"/>
+              <a:t> </a:t>
+            </a:r>
+            <a:r>
+              <a:rPr lang="en-US" altLang="zh-CN" dirty="0"/>
+              <a:t>generate</a:t>
+            </a:r>
+            <a:r>
+              <a:rPr lang="zh-CN" altLang="en-US" dirty="0"/>
+              <a:t> </a:t>
+            </a:r>
+            <a:r>
+              <a:rPr lang="en-US" altLang="zh-CN" dirty="0"/>
+              <a:t>speech(</a:t>
+            </a:r>
+            <a:r>
+              <a:rPr lang="en-US" altLang="zh-CN" dirty="0">
+                <a:solidFill>
+                  <a:srgbClr val="FF0000"/>
+                </a:solidFill>
+              </a:rPr>
+              <a:t>A</a:t>
+            </a:r>
+            <a:r>
+              <a:rPr lang="en-US" altLang="zh-CN" dirty="0"/>
+              <a:t>)</a:t>
+            </a:r>
+            <a:r>
+              <a:rPr lang="zh-CN" altLang="en-US" dirty="0"/>
+              <a:t> </a:t>
+            </a:r>
+            <a:r>
+              <a:rPr lang="en-US" altLang="zh-CN" dirty="0"/>
+              <a:t>from</a:t>
+            </a:r>
+            <a:r>
+              <a:rPr lang="zh-CN" altLang="en-US" dirty="0"/>
+              <a:t> </a:t>
+            </a:r>
+            <a:r>
+              <a:rPr lang="en-US" altLang="zh-CN" dirty="0"/>
+              <a:t>text(</a:t>
+            </a:r>
+            <a:r>
+              <a:rPr lang="en-US" altLang="zh-CN" dirty="0">
+                <a:solidFill>
+                  <a:srgbClr val="FF0000"/>
+                </a:solidFill>
+              </a:rPr>
+              <a:t>C</a:t>
+            </a:r>
+            <a:r>
+              <a:rPr lang="en-US" altLang="zh-CN" dirty="0"/>
+              <a:t>)</a:t>
+            </a:r>
+            <a:r>
+              <a:rPr lang="zh-CN" altLang="en-US" dirty="0"/>
+              <a:t> </a:t>
+            </a:r>
+            <a:r>
+              <a:rPr lang="en-US" b="0" i="0" dirty="0">
+                <a:solidFill>
+                  <a:srgbClr val="002060"/>
+                </a:solidFill>
+                <a:effectLst/>
+              </a:rPr>
+              <a:t>speech synthesis </a:t>
+            </a:r>
+            <a:endParaRPr lang="en-US" altLang="zh-CN" dirty="0">
+              <a:solidFill>
+                <a:srgbClr val="002060"/>
+              </a:solidFill>
+            </a:endParaRPr>
+          </a:p>
+          <a:p>
+            <a:r>
+              <a:rPr lang="en-US" altLang="zh-CN" dirty="0"/>
+              <a:t>Play</a:t>
+            </a:r>
+            <a:r>
+              <a:rPr lang="zh-CN" altLang="en-US" dirty="0"/>
+              <a:t> </a:t>
+            </a:r>
+            <a:r>
+              <a:rPr lang="en-US" altLang="zh-CN" dirty="0"/>
+              <a:t>the</a:t>
+            </a:r>
+            <a:r>
+              <a:rPr lang="zh-CN" altLang="en-US" dirty="0"/>
+              <a:t> </a:t>
+            </a:r>
+            <a:r>
+              <a:rPr lang="en-US" altLang="zh-CN" dirty="0"/>
+              <a:t>audio</a:t>
+            </a:r>
+            <a:r>
+              <a:rPr lang="zh-CN" altLang="en-US" dirty="0"/>
+              <a:t> </a:t>
+            </a:r>
+            <a:r>
+              <a:rPr lang="en-US" altLang="zh-CN" dirty="0"/>
+              <a:t>file</a:t>
+            </a:r>
+            <a:r>
+              <a:rPr lang="zh-CN" altLang="en-US" dirty="0"/>
+              <a:t> </a:t>
+            </a:r>
+            <a:r>
+              <a:rPr lang="en-US" altLang="zh-CN" dirty="0"/>
+              <a:t>to</a:t>
+            </a:r>
+            <a:r>
+              <a:rPr lang="zh-CN" altLang="en-US" dirty="0"/>
+              <a:t> </a:t>
+            </a:r>
+            <a:r>
+              <a:rPr lang="en-US" altLang="zh-CN" dirty="0"/>
+              <a:t>the</a:t>
             </a:r>
             <a:r>
               <a:rPr lang="zh-CN" altLang="en-US" dirty="0"/>
@@ -4343,85 +5340,23 @@
             </a:r>
             <a:r>
               <a:rPr lang="en-US" altLang="zh-CN" dirty="0"/>
-              <a:t>sessions</a:t>
-            </a:r>
-            <a:r>
-              <a:rPr lang="zh-CN" altLang="en-US" dirty="0"/>
-              <a:t> </a:t>
-            </a:r>
-            <a:r>
-              <a:rPr lang="en-US" altLang="zh-CN" dirty="0"/>
-              <a:t>by</a:t>
-            </a:r>
-            <a:r>
-              <a:rPr lang="zh-CN" altLang="en-US" dirty="0"/>
-              <a:t> </a:t>
-            </a:r>
-            <a:r>
-              <a:rPr lang="en-US" altLang="zh-CN" dirty="0">
-                <a:solidFill>
-                  <a:srgbClr val="0070C0"/>
-                </a:solidFill>
-              </a:rPr>
-              <a:t>USB</a:t>
-            </a:r>
-            <a:r>
-              <a:rPr lang="zh-CN" altLang="en-US" dirty="0"/>
-              <a:t> </a:t>
-            </a:r>
-            <a:r>
-              <a:rPr lang="en-US" altLang="zh-CN" dirty="0">
-                <a:solidFill>
-                  <a:srgbClr val="0070C0"/>
-                </a:solidFill>
-              </a:rPr>
-              <a:t>microphone </a:t>
-            </a:r>
-            <a:r>
-              <a:rPr lang="en-US" altLang="zh-CN" dirty="0"/>
-              <a:t>when</a:t>
-            </a:r>
-            <a:r>
-              <a:rPr lang="zh-CN" altLang="en-US" dirty="0"/>
-              <a:t> </a:t>
-            </a:r>
-            <a:r>
-              <a:rPr lang="en-US" altLang="zh-CN" dirty="0"/>
-              <a:t>interactions</a:t>
-            </a:r>
-            <a:r>
-              <a:rPr lang="zh-CN" altLang="en-US" dirty="0"/>
-              <a:t> </a:t>
-            </a:r>
-            <a:r>
-              <a:rPr lang="en-US" altLang="zh-CN" dirty="0"/>
-              <a:t>happen</a:t>
-            </a:r>
-          </a:p>
-          <a:p>
-            <a:r>
-              <a:rPr lang="en-US" altLang="zh-CN" dirty="0"/>
-              <a:t>Save conversation audio</a:t>
-            </a:r>
-            <a:r>
-              <a:rPr lang="zh-CN" altLang="en-US" dirty="0"/>
-              <a:t> </a:t>
-            </a:r>
-            <a:r>
-              <a:rPr lang="en-US" altLang="zh-CN" dirty="0"/>
-              <a:t>files(</a:t>
-            </a:r>
-            <a:r>
-              <a:rPr lang="en-US" altLang="zh-CN" dirty="0">
-                <a:solidFill>
-                  <a:srgbClr val="FF0000"/>
-                </a:solidFill>
-              </a:rPr>
-              <a:t>A</a:t>
-            </a:r>
-            <a:r>
-              <a:rPr lang="en-US" altLang="zh-CN" dirty="0"/>
-              <a:t>) and</a:t>
+              <a:t>and</a:t>
+            </a:r>
+            <a:r>
+              <a:rPr lang="zh-CN" altLang="en-US" dirty="0"/>
+              <a:t> </a:t>
+            </a:r>
+            <a:r>
+              <a:rPr lang="en-US" altLang="zh-CN" dirty="0"/>
+              <a:t>capture</a:t>
+            </a:r>
+            <a:r>
+              <a:rPr lang="zh-CN" altLang="en-US" dirty="0"/>
+              <a:t> </a:t>
+            </a:r>
+            <a:r>
+              <a:rPr lang="en-US" altLang="zh-CN" dirty="0"/>
+              <a:t>the</a:t>
             </a:r>
             <a:r>
               <a:rPr lang="zh-CN" altLang="en-US" dirty="0"/>
@@ -4437,7 +5372,15 @@
             </a:r>
             <a:r>
               <a:rPr lang="en-US" altLang="zh-CN" dirty="0"/>
-              <a:t>data(</a:t>
+              <a:t>data</a:t>
+            </a:r>
+            <a:r>
+              <a:rPr lang="zh-CN" altLang="en-US" dirty="0"/>
+              <a:t> </a:t>
+            </a:r>
+            <a:r>
+              <a:rPr lang="en-US" altLang="zh-CN" dirty="0"/>
+              <a:t>(</a:t>
             </a:r>
             <a:r>
               <a:rPr lang="en-US" altLang="zh-CN" dirty="0">
@@ -4451,260 +5394,6 @@
               <a:rPr lang="en-US" altLang="zh-CN" dirty="0"/>
               <a:t>)</a:t>
             </a:r>
-            <a:r>
-              <a:rPr lang="zh-CN" altLang="en-US" dirty="0"/>
-              <a:t> </a:t>
-            </a:r>
-            <a:r>
-              <a:rPr lang="en-US" altLang="zh-CN" dirty="0"/>
-              <a:t>with timestamps(</a:t>
-            </a:r>
-            <a:r>
-              <a:rPr lang="en-US" altLang="zh-CN" dirty="0">
-                <a:solidFill>
-                  <a:srgbClr val="FF0000"/>
-                </a:solidFill>
-              </a:rPr>
-              <a:t>T</a:t>
-            </a:r>
-            <a:r>
-              <a:rPr lang="en-US" altLang="zh-CN" dirty="0"/>
-              <a:t>)</a:t>
-            </a:r>
-          </a:p>
-          <a:p>
-            <a:r>
-              <a:rPr lang="en-US" altLang="zh-CN" dirty="0"/>
-              <a:t>Transcribe</a:t>
-            </a:r>
-            <a:r>
-              <a:rPr lang="zh-CN" altLang="en-US" dirty="0"/>
-              <a:t> </a:t>
-            </a:r>
-            <a:r>
-              <a:rPr lang="en-US" altLang="zh-CN" dirty="0"/>
-              <a:t>the</a:t>
-            </a:r>
-            <a:r>
-              <a:rPr lang="zh-CN" altLang="en-US" dirty="0"/>
-              <a:t> </a:t>
-            </a:r>
-            <a:r>
-              <a:rPr lang="en-US" altLang="zh-CN" dirty="0"/>
-              <a:t>conversation</a:t>
-            </a:r>
-            <a:r>
-              <a:rPr lang="zh-CN" altLang="en-US" dirty="0"/>
-              <a:t> </a:t>
-            </a:r>
-            <a:r>
-              <a:rPr lang="en-US" altLang="zh-CN" dirty="0"/>
-              <a:t>recording</a:t>
-            </a:r>
-            <a:r>
-              <a:rPr lang="zh-CN" altLang="en-US" dirty="0"/>
-              <a:t> </a:t>
-            </a:r>
-            <a:r>
-              <a:rPr lang="en-US" altLang="zh-CN" dirty="0"/>
-              <a:t>for</a:t>
-            </a:r>
-            <a:r>
-              <a:rPr lang="zh-CN" altLang="en-US" dirty="0"/>
-              <a:t> </a:t>
-            </a:r>
-            <a:r>
-              <a:rPr lang="en-US" altLang="zh-CN" dirty="0"/>
-              <a:t>analysis</a:t>
-            </a:r>
-            <a:r>
-              <a:rPr lang="zh-CN" altLang="en-US" dirty="0"/>
-              <a:t> </a:t>
-            </a:r>
-            <a:r>
-              <a:rPr lang="en-US" altLang="zh-CN" dirty="0"/>
-              <a:t>using</a:t>
-            </a:r>
-            <a:r>
-              <a:rPr lang="zh-CN" altLang="en-US" dirty="0"/>
-              <a:t> </a:t>
-            </a:r>
-            <a:r>
-              <a:rPr lang="en-US" altLang="zh-CN" dirty="0"/>
-              <a:t>NLP(</a:t>
-            </a:r>
-            <a:r>
-              <a:rPr lang="en-US" altLang="zh-CN" dirty="0">
-                <a:solidFill>
-                  <a:srgbClr val="FF0000"/>
-                </a:solidFill>
-              </a:rPr>
-              <a:t>A</a:t>
-            </a:r>
-            <a:r>
-              <a:rPr lang="zh-CN" altLang="en-US" dirty="0"/>
-              <a:t> </a:t>
-            </a:r>
-            <a:r>
-              <a:rPr lang="en-US" altLang="zh-CN" dirty="0"/>
-              <a:t>-&gt;</a:t>
-            </a:r>
-            <a:r>
-              <a:rPr lang="zh-CN" altLang="en-US" dirty="0"/>
-              <a:t> </a:t>
-            </a:r>
-            <a:r>
-              <a:rPr lang="en-US" altLang="zh-CN" dirty="0">
-                <a:solidFill>
-                  <a:srgbClr val="FF0000"/>
-                </a:solidFill>
-              </a:rPr>
-              <a:t>C</a:t>
-            </a:r>
-            <a:r>
-              <a:rPr lang="en-US" altLang="zh-CN" dirty="0"/>
-              <a:t>)</a:t>
-            </a:r>
-          </a:p>
-          <a:p>
-            <a:r>
-              <a:rPr lang="en-US" altLang="zh-CN" dirty="0"/>
-              <a:t>Align conversation</a:t>
-            </a:r>
-            <a:r>
-              <a:rPr lang="zh-CN" altLang="en-US" dirty="0"/>
-              <a:t> </a:t>
-            </a:r>
-            <a:r>
-              <a:rPr lang="en-US" altLang="zh-CN" dirty="0"/>
-              <a:t>content(</a:t>
-            </a:r>
-            <a:r>
-              <a:rPr lang="en-US" altLang="zh-CN" dirty="0">
-                <a:solidFill>
-                  <a:srgbClr val="FF0000"/>
-                </a:solidFill>
-              </a:rPr>
-              <a:t>C</a:t>
-            </a:r>
-            <a:r>
-              <a:rPr lang="en-US" altLang="zh-CN" dirty="0"/>
-              <a:t>) with traffic data(</a:t>
-            </a:r>
-            <a:r>
-              <a:rPr lang="en-US" altLang="zh-CN" dirty="0">
-                <a:solidFill>
-                  <a:srgbClr val="FF0000"/>
-                </a:solidFill>
-              </a:rPr>
-              <a:t>W</a:t>
-            </a:r>
-            <a:r>
-              <a:rPr lang="en-US" altLang="zh-CN" dirty="0"/>
-              <a:t>) based on timestamps(</a:t>
-            </a:r>
-            <a:r>
-              <a:rPr lang="en-US" altLang="zh-CN" dirty="0">
-                <a:solidFill>
-                  <a:srgbClr val="FF0000"/>
-                </a:solidFill>
-              </a:rPr>
-              <a:t>T</a:t>
-            </a:r>
-            <a:r>
-              <a:rPr lang="en-US" altLang="zh-CN" dirty="0"/>
-              <a:t>).</a:t>
-            </a:r>
-          </a:p>
-          <a:p>
-            <a:r>
-              <a:rPr lang="en-US" altLang="zh-CN" dirty="0"/>
-              <a:t>Capture</a:t>
-            </a:r>
-            <a:r>
-              <a:rPr lang="zh-CN" altLang="en-US" dirty="0"/>
-              <a:t> </a:t>
-            </a:r>
-            <a:r>
-              <a:rPr lang="en-US" altLang="zh-CN" dirty="0"/>
-              <a:t>traffic</a:t>
-            </a:r>
-            <a:r>
-              <a:rPr lang="zh-CN" altLang="en-US" dirty="0"/>
-              <a:t> </a:t>
-            </a:r>
-            <a:r>
-              <a:rPr lang="en-US" altLang="zh-CN" dirty="0"/>
-              <a:t>rate</a:t>
-            </a:r>
-            <a:r>
-              <a:rPr lang="zh-CN" altLang="en-US" dirty="0"/>
-              <a:t> </a:t>
-            </a:r>
-            <a:r>
-              <a:rPr lang="en-US" altLang="zh-CN" dirty="0"/>
-              <a:t>data</a:t>
-            </a:r>
-            <a:r>
-              <a:rPr lang="zh-CN" altLang="en-US" dirty="0"/>
-              <a:t> </a:t>
-            </a:r>
-            <a:r>
-              <a:rPr lang="en-US" altLang="zh-CN" dirty="0"/>
-              <a:t>by</a:t>
-            </a:r>
-            <a:r>
-              <a:rPr lang="zh-CN" altLang="en-US" dirty="0"/>
-              <a:t> </a:t>
-            </a:r>
-            <a:r>
-              <a:rPr lang="en-US" altLang="zh-CN" dirty="0">
-                <a:solidFill>
-                  <a:srgbClr val="0070C0"/>
-                </a:solidFill>
-              </a:rPr>
-              <a:t>Raspberry</a:t>
-            </a:r>
-            <a:r>
-              <a:rPr lang="zh-CN" altLang="en-US" dirty="0">
-                <a:solidFill>
-                  <a:srgbClr val="0070C0"/>
-                </a:solidFill>
-              </a:rPr>
-              <a:t> </a:t>
-            </a:r>
-            <a:r>
-              <a:rPr lang="en-US" altLang="zh-CN" dirty="0">
-                <a:solidFill>
-                  <a:srgbClr val="0070C0"/>
-                </a:solidFill>
-              </a:rPr>
-              <a:t>Pi</a:t>
-            </a:r>
-            <a:r>
-              <a:rPr lang="zh-CN" altLang="en-US" dirty="0">
-                <a:solidFill>
-                  <a:srgbClr val="0070C0"/>
-                </a:solidFill>
-              </a:rPr>
-              <a:t> </a:t>
-            </a:r>
-            <a:r>
-              <a:rPr lang="en-US" altLang="zh-CN" dirty="0"/>
-              <a:t>(</a:t>
-            </a:r>
-            <a:r>
-              <a:rPr lang="en-US" altLang="zh-CN" dirty="0">
-                <a:solidFill>
-                  <a:srgbClr val="FF0000"/>
-                </a:solidFill>
-              </a:rPr>
-              <a:t>W</a:t>
-            </a:r>
-            <a:r>
-              <a:rPr lang="en-US" altLang="zh-CN" dirty="0"/>
-              <a:t>)</a:t>
-            </a:r>
           </a:p>
           <a:p>
             <a:endParaRPr lang="en-US" altLang="zh-CN" dirty="0"/>
@@ -4713,17 +5402,14 @@
             <a:endParaRPr lang="en-US" altLang="zh-CN" dirty="0"/>
           </a:p>
           <a:p>
-            <a:endParaRPr lang="en-US" altLang="zh-CN" dirty="0"/>
-          </a:p>
-          <a:p>
-            <a:endParaRPr lang="en-US" altLang="zh-CN" dirty="0"/>
+            <a:endParaRPr lang="en-US" dirty="0"/>
           </a:p>
         </p:txBody>
       </p:sp>
     </p:spTree>
     <p:extLst>
       <p:ext uri="{BB962C8B-B14F-4D97-AF65-F5344CB8AC3E}">
-        <p14:creationId xmlns:p14="http://schemas.microsoft.com/office/powerpoint/2010/main" val="1432665708"/>
+        <p14:creationId xmlns:p14="http://schemas.microsoft.com/office/powerpoint/2010/main" val="4194095729"/>
       </p:ext>
     </p:extLst>
   </p:cSld>
@@ -4755,7 +5441,7 @@
           <p:cNvPr id="2" name="Title 1">
             <a:extLst>
               <a:ext uri="{FF2B5EF4-FFF2-40B4-BE49-F238E27FC236}">
-                <a16:creationId xmlns:a16="http://schemas.microsoft.com/office/drawing/2014/main" id="{86E042A9-E28E-9284-ED61-38A83AE92D37}"/>
+                <a16:creationId xmlns:a16="http://schemas.microsoft.com/office/drawing/2014/main" id="{DA4C1E6C-2F86-4935-0282-297DCB914D6F}"/>
               </a:ext>
             </a:extLst>
           </p:cNvPr>
@@ -4773,19 +5459,31 @@
           <a:p>
             <a:r>
               <a:rPr lang="en-US" altLang="zh-CN" dirty="0"/>
-              <a:t>Recording</a:t>
-            </a:r>
-            <a:r>
-              <a:rPr lang="zh-CN" altLang="en-US" dirty="0"/>
-              <a:t> </a:t>
-            </a:r>
-            <a:r>
-              <a:rPr lang="en-US" altLang="zh-CN" dirty="0"/>
-              <a:t>Devices</a:t>
-            </a:r>
-            <a:r>
-              <a:rPr lang="zh-CN" altLang="en-US" dirty="0"/>
-              <a:t> </a:t>
+              <a:t>Data</a:t>
+            </a:r>
+            <a:r>
+              <a:rPr lang="zh-CN" altLang="en-US" dirty="0"/>
+              <a:t> </a:t>
+            </a:r>
+            <a:r>
+              <a:rPr lang="en-US" altLang="zh-CN" dirty="0"/>
+              <a:t>Collection</a:t>
+            </a:r>
+            <a:r>
+              <a:rPr lang="zh-CN" altLang="en-US" dirty="0"/>
+              <a:t> </a:t>
+            </a:r>
+            <a:r>
+              <a:rPr lang="en-US" altLang="zh-CN" dirty="0"/>
+              <a:t>for</a:t>
+            </a:r>
+            <a:r>
+              <a:rPr lang="zh-CN" altLang="en-US" dirty="0"/>
+              <a:t> </a:t>
+            </a:r>
+            <a:r>
+              <a:rPr lang="en-US" altLang="zh-CN" dirty="0"/>
+              <a:t>real</a:t>
             </a:r>
             <a:endParaRPr lang="en-US" dirty="0"/>
           </a:p>
@@ -4796,7 +5494,7 @@
           <p:cNvPr id="3" name="Content Placeholder 2">
             <a:extLst>
               <a:ext uri="{FF2B5EF4-FFF2-40B4-BE49-F238E27FC236}">
-                <a16:creationId xmlns:a16="http://schemas.microsoft.com/office/drawing/2014/main" id="{7931A1C1-5573-D255-DFDE-E4298E8BDC7C}"/>
+                <a16:creationId xmlns:a16="http://schemas.microsoft.com/office/drawing/2014/main" id="{1F05F351-6085-7273-0E31-E1D442A0BBEE}"/>
               </a:ext>
             </a:extLst>
           </p:cNvPr>
@@ -4807,13 +5505,266 @@
             <p:ph idx="1"/>
           </p:nvPr>
         </p:nvSpPr>
-        <p:spPr/>
-        <p:txBody>
-          <a:bodyPr/>
+        <p:spPr>
+          <a:xfrm>
+            <a:off x="838199" y="1825625"/>
+            <a:ext cx="11095300" cy="4351338"/>
+          </a:xfrm>
+        </p:spPr>
+        <p:txBody>
+          <a:bodyPr>
+            <a:normAutofit lnSpcReduction="10000"/>
+          </a:bodyPr>
           <a:lstStyle/>
           <a:p>
             <a:r>
               <a:rPr lang="en-US" altLang="zh-CN" dirty="0"/>
+              <a:t>Configure</a:t>
+            </a:r>
+            <a:r>
+              <a:rPr lang="zh-CN" altLang="en-US" dirty="0"/>
+              <a:t> </a:t>
+            </a:r>
+            <a:r>
+              <a:rPr lang="en-US" altLang="zh-CN" dirty="0">
+                <a:solidFill>
+                  <a:srgbClr val="0070C0"/>
+                </a:solidFill>
+              </a:rPr>
+              <a:t>Raspberry</a:t>
+            </a:r>
+            <a:r>
+              <a:rPr lang="zh-CN" altLang="en-US" dirty="0">
+                <a:solidFill>
+                  <a:srgbClr val="0070C0"/>
+                </a:solidFill>
+              </a:rPr>
+              <a:t> </a:t>
+            </a:r>
+            <a:r>
+              <a:rPr lang="en-US" altLang="zh-CN" dirty="0">
+                <a:solidFill>
+                  <a:srgbClr val="0070C0"/>
+                </a:solidFill>
+              </a:rPr>
+              <a:t>Pi</a:t>
+            </a:r>
+            <a:r>
+              <a:rPr lang="zh-CN" altLang="en-US" dirty="0">
+                <a:solidFill>
+                  <a:srgbClr val="0070C0"/>
+                </a:solidFill>
+              </a:rPr>
+              <a:t> </a:t>
+            </a:r>
+            <a:r>
+              <a:rPr lang="en-US" altLang="zh-CN" dirty="0"/>
+              <a:t>as</a:t>
+            </a:r>
+            <a:r>
+              <a:rPr lang="zh-CN" altLang="en-US" dirty="0"/>
+              <a:t> </a:t>
+            </a:r>
+            <a:r>
+              <a:rPr lang="en-US" altLang="zh-CN" dirty="0"/>
+              <a:t>a</a:t>
+            </a:r>
+            <a:r>
+              <a:rPr lang="zh-CN" altLang="en-US" dirty="0"/>
+              <a:t> </a:t>
+            </a:r>
+            <a:r>
+              <a:rPr lang="en-US" altLang="zh-CN" dirty="0" err="1"/>
+              <a:t>WiFi</a:t>
+            </a:r>
+            <a:r>
+              <a:rPr lang="zh-CN" altLang="en-US" dirty="0"/>
+              <a:t> </a:t>
+            </a:r>
+            <a:r>
+              <a:rPr lang="en-US" altLang="zh-CN" dirty="0"/>
+              <a:t>router</a:t>
+            </a:r>
+            <a:r>
+              <a:rPr lang="zh-CN" altLang="en-US" dirty="0"/>
+              <a:t> </a:t>
+            </a:r>
+            <a:r>
+              <a:rPr lang="en-US" altLang="zh-CN" dirty="0"/>
+              <a:t>and</a:t>
+            </a:r>
+            <a:r>
+              <a:rPr lang="zh-CN" altLang="en-US" dirty="0"/>
+              <a:t> </a:t>
+            </a:r>
+            <a:r>
+              <a:rPr lang="en-US" altLang="zh-CN" dirty="0"/>
+              <a:t>data</a:t>
+            </a:r>
+            <a:r>
+              <a:rPr lang="zh-CN" altLang="en-US" dirty="0"/>
+              <a:t> </a:t>
+            </a:r>
+            <a:r>
+              <a:rPr lang="en-US" altLang="zh-CN" dirty="0"/>
+              <a:t>collector</a:t>
+            </a:r>
+          </a:p>
+          <a:p>
+            <a:r>
+              <a:rPr lang="en-US" altLang="zh-CN" dirty="0"/>
+              <a:t>Detect</a:t>
+            </a:r>
+            <a:r>
+              <a:rPr lang="zh-CN" altLang="en-US" dirty="0"/>
+              <a:t> </a:t>
+            </a:r>
+            <a:r>
+              <a:rPr lang="en-US" altLang="zh-CN" dirty="0"/>
+              <a:t>the</a:t>
+            </a:r>
+            <a:r>
+              <a:rPr lang="zh-CN" altLang="en-US" dirty="0"/>
+              <a:t> </a:t>
+            </a:r>
+            <a:r>
+              <a:rPr lang="en-US" altLang="zh-CN" dirty="0" err="1"/>
+              <a:t>WiFi</a:t>
+            </a:r>
+            <a:r>
+              <a:rPr lang="zh-CN" altLang="en-US" dirty="0"/>
+              <a:t> </a:t>
+            </a:r>
+            <a:r>
+              <a:rPr lang="en-US" altLang="zh-CN" dirty="0"/>
+              <a:t>traffic</a:t>
+            </a:r>
+            <a:r>
+              <a:rPr lang="zh-CN" altLang="en-US" dirty="0"/>
+              <a:t> </a:t>
+            </a:r>
+            <a:r>
+              <a:rPr lang="en-US" altLang="zh-CN" dirty="0"/>
+              <a:t>data(</a:t>
+            </a:r>
+            <a:r>
+              <a:rPr lang="en-US" altLang="zh-CN" dirty="0">
+                <a:solidFill>
+                  <a:srgbClr val="FF0000"/>
+                </a:solidFill>
+              </a:rPr>
+              <a:t>W</a:t>
+            </a:r>
+            <a:r>
+              <a:rPr lang="en-US" altLang="zh-CN" dirty="0"/>
+              <a:t>)</a:t>
+            </a:r>
+            <a:r>
+              <a:rPr lang="zh-CN" altLang="en-US" dirty="0"/>
+              <a:t> </a:t>
+            </a:r>
+            <a:r>
+              <a:rPr lang="en-US" altLang="zh-CN" dirty="0"/>
+              <a:t>of</a:t>
+            </a:r>
+            <a:r>
+              <a:rPr lang="zh-CN" altLang="en-US" dirty="0"/>
+              <a:t> </a:t>
+            </a:r>
+            <a:r>
+              <a:rPr lang="en-US" altLang="zh-CN" dirty="0"/>
+              <a:t>Alexa</a:t>
+            </a:r>
+            <a:r>
+              <a:rPr lang="zh-CN" altLang="en-US" dirty="0"/>
+              <a:t> </a:t>
+            </a:r>
+            <a:r>
+              <a:rPr lang="en-US" altLang="zh-CN" dirty="0"/>
+              <a:t>Echo</a:t>
+            </a:r>
+            <a:r>
+              <a:rPr lang="zh-CN" altLang="en-US" dirty="0"/>
+              <a:t> </a:t>
+            </a:r>
+            <a:r>
+              <a:rPr lang="en-US" altLang="zh-CN" dirty="0"/>
+              <a:t>Dot</a:t>
+            </a:r>
+            <a:r>
+              <a:rPr lang="zh-CN" altLang="en-US" dirty="0"/>
+              <a:t> </a:t>
+            </a:r>
+            <a:r>
+              <a:rPr lang="en-US" altLang="zh-CN" dirty="0"/>
+              <a:t>through</a:t>
+            </a:r>
+            <a:r>
+              <a:rPr lang="zh-CN" altLang="en-US" dirty="0"/>
+              <a:t> </a:t>
+            </a:r>
+            <a:r>
+              <a:rPr lang="en-US" altLang="zh-CN" dirty="0"/>
+              <a:t>its</a:t>
+            </a:r>
+            <a:r>
+              <a:rPr lang="zh-CN" altLang="en-US" dirty="0"/>
+              <a:t> </a:t>
+            </a:r>
+            <a:r>
+              <a:rPr lang="en-US" altLang="zh-CN" dirty="0"/>
+              <a:t>IP</a:t>
+            </a:r>
+          </a:p>
+          <a:p>
+            <a:r>
+              <a:rPr lang="en-US" altLang="zh-CN" dirty="0"/>
+              <a:t>Design recording trigger mechanism</a:t>
+            </a:r>
+          </a:p>
+          <a:p>
+            <a:r>
+              <a:rPr lang="en-US" altLang="zh-CN" dirty="0"/>
+              <a:t>Record</a:t>
+            </a:r>
+            <a:r>
+              <a:rPr lang="zh-CN" altLang="en-US" dirty="0"/>
+              <a:t> </a:t>
+            </a:r>
+            <a:r>
+              <a:rPr lang="en-US" altLang="zh-CN" dirty="0">
+                <a:solidFill>
+                  <a:srgbClr val="0070C0"/>
+                </a:solidFill>
+              </a:rPr>
+              <a:t>Alexa</a:t>
+            </a:r>
+            <a:r>
+              <a:rPr lang="zh-CN" altLang="en-US" dirty="0"/>
+              <a:t> </a:t>
+            </a:r>
+            <a:r>
+              <a:rPr lang="en-US" altLang="zh-CN" dirty="0"/>
+              <a:t>sessions</a:t>
+            </a:r>
+            <a:r>
+              <a:rPr lang="zh-CN" altLang="en-US" dirty="0"/>
+              <a:t> </a:t>
+            </a:r>
+            <a:r>
+              <a:rPr lang="en-US" altLang="zh-CN" dirty="0"/>
+              <a:t>by</a:t>
+            </a:r>
+            <a:r>
+              <a:rPr lang="zh-CN" altLang="en-US" dirty="0"/>
+              <a:t> </a:t>
+            </a:r>
+            <a:r>
+              <a:rPr lang="en-US" altLang="zh-CN" dirty="0">
+                <a:solidFill>
+                  <a:srgbClr val="0070C0"/>
+                </a:solidFill>
+              </a:rPr>
               <a:t>USB</a:t>
             </a:r>
             <a:r>
@@ -4821,24 +5772,112 @@
               <a:t> </a:t>
             </a:r>
             <a:r>
-              <a:rPr lang="en-US" altLang="zh-CN" dirty="0"/>
-              <a:t>microphone</a:t>
-            </a:r>
-            <a:r>
-              <a:rPr lang="zh-CN" altLang="en-US" dirty="0"/>
-              <a:t> </a:t>
-            </a:r>
-            <a:r>
-              <a:rPr lang="en-US" altLang="zh-CN" dirty="0"/>
-              <a:t>compatible</a:t>
-            </a:r>
-            <a:r>
-              <a:rPr lang="zh-CN" altLang="en-US" dirty="0"/>
-              <a:t> </a:t>
-            </a:r>
-            <a:r>
-              <a:rPr lang="en-US" altLang="zh-CN" dirty="0"/>
-              <a:t>with</a:t>
+              <a:rPr lang="en-US" altLang="zh-CN" dirty="0">
+                <a:solidFill>
+                  <a:srgbClr val="0070C0"/>
+                </a:solidFill>
+              </a:rPr>
+              <a:t>microphone </a:t>
+            </a:r>
+            <a:r>
+              <a:rPr lang="en-US" altLang="zh-CN" dirty="0"/>
+              <a:t>when</a:t>
+            </a:r>
+            <a:r>
+              <a:rPr lang="zh-CN" altLang="en-US" dirty="0"/>
+              <a:t> </a:t>
+            </a:r>
+            <a:r>
+              <a:rPr lang="en-US" altLang="zh-CN" dirty="0"/>
+              <a:t>interactions</a:t>
+            </a:r>
+            <a:r>
+              <a:rPr lang="zh-CN" altLang="en-US" dirty="0"/>
+              <a:t> </a:t>
+            </a:r>
+            <a:r>
+              <a:rPr lang="en-US" altLang="zh-CN" dirty="0"/>
+              <a:t>happen</a:t>
+            </a:r>
+          </a:p>
+          <a:p>
+            <a:r>
+              <a:rPr lang="en-US" altLang="zh-CN" dirty="0"/>
+              <a:t>Save conversation audio</a:t>
+            </a:r>
+            <a:r>
+              <a:rPr lang="zh-CN" altLang="en-US" dirty="0"/>
+              <a:t> </a:t>
+            </a:r>
+            <a:r>
+              <a:rPr lang="en-US" altLang="zh-CN" dirty="0"/>
+              <a:t>files(</a:t>
+            </a:r>
+            <a:r>
+              <a:rPr lang="en-US" altLang="zh-CN" dirty="0">
+                <a:solidFill>
+                  <a:srgbClr val="FF0000"/>
+                </a:solidFill>
+              </a:rPr>
+              <a:t>A</a:t>
+            </a:r>
+            <a:r>
+              <a:rPr lang="en-US" altLang="zh-CN" dirty="0"/>
+              <a:t>) and</a:t>
+            </a:r>
+            <a:r>
+              <a:rPr lang="zh-CN" altLang="en-US" dirty="0"/>
+              <a:t> </a:t>
+            </a:r>
+            <a:r>
+              <a:rPr lang="en-US" altLang="zh-CN" dirty="0"/>
+              <a:t>traffic</a:t>
+            </a:r>
+            <a:r>
+              <a:rPr lang="zh-CN" altLang="en-US" dirty="0"/>
+              <a:t> </a:t>
+            </a:r>
+            <a:r>
+              <a:rPr lang="en-US" altLang="zh-CN" dirty="0"/>
+              <a:t>data(</a:t>
+            </a:r>
+            <a:r>
+              <a:rPr lang="en-US" altLang="zh-CN" dirty="0">
+                <a:solidFill>
+                  <a:srgbClr val="FF0000"/>
+                </a:solidFill>
+              </a:rPr>
+              <a:t>W</a:t>
+            </a:r>
+            <a:r>
+              <a:rPr lang="en-US" altLang="zh-CN" dirty="0"/>
+              <a:t>)</a:t>
+            </a:r>
+            <a:r>
+              <a:rPr lang="zh-CN" altLang="en-US" dirty="0"/>
+              <a:t> </a:t>
+            </a:r>
+            <a:r>
+              <a:rPr lang="en-US" altLang="zh-CN" dirty="0"/>
+              <a:t>with timestamps(</a:t>
+            </a:r>
+            <a:r>
+              <a:rPr lang="en-US" altLang="zh-CN" dirty="0">
+                <a:solidFill>
+                  <a:srgbClr val="FF0000"/>
+                </a:solidFill>
+              </a:rPr>
+              <a:t>T</a:t>
+            </a:r>
+            <a:r>
+              <a:rPr lang="en-US" altLang="zh-CN" dirty="0"/>
+              <a:t>)</a:t>
+            </a:r>
+          </a:p>
+          <a:p>
+            <a:r>
+              <a:rPr lang="en-US" altLang="zh-CN" dirty="0"/>
+              <a:t>Transcribe</a:t>
             </a:r>
             <a:r>
               <a:rPr lang="zh-CN" altLang="en-US" dirty="0"/>
@@ -4854,186 +5893,239 @@
             </a:r>
             <a:r>
               <a:rPr lang="en-US" altLang="zh-CN" dirty="0"/>
+              <a:t>conversation</a:t>
+            </a:r>
+            <a:r>
+              <a:rPr lang="zh-CN" altLang="en-US" dirty="0"/>
+              <a:t> </a:t>
+            </a:r>
+            <a:r>
+              <a:rPr lang="en-US" altLang="zh-CN" dirty="0"/>
+              <a:t>recording</a:t>
+            </a:r>
+            <a:r>
+              <a:rPr lang="zh-CN" altLang="en-US" dirty="0"/>
+              <a:t> </a:t>
+            </a:r>
+            <a:r>
+              <a:rPr lang="en-US" altLang="zh-CN" dirty="0"/>
+              <a:t>for</a:t>
+            </a:r>
+            <a:r>
+              <a:rPr lang="zh-CN" altLang="en-US" dirty="0"/>
+              <a:t> </a:t>
+            </a:r>
+            <a:r>
+              <a:rPr lang="en-US" altLang="zh-CN" dirty="0"/>
+              <a:t>analysis</a:t>
+            </a:r>
+            <a:r>
+              <a:rPr lang="zh-CN" altLang="en-US" dirty="0"/>
+              <a:t> </a:t>
+            </a:r>
+            <a:r>
+              <a:rPr lang="en-US" altLang="zh-CN" dirty="0"/>
+              <a:t>using</a:t>
+            </a:r>
+            <a:r>
+              <a:rPr lang="zh-CN" altLang="en-US" dirty="0"/>
+              <a:t> </a:t>
+            </a:r>
+            <a:r>
+              <a:rPr lang="en-US" altLang="zh-CN" dirty="0"/>
+              <a:t>NLP(</a:t>
+            </a:r>
+            <a:r>
+              <a:rPr lang="en-US" altLang="zh-CN" dirty="0">
+                <a:solidFill>
+                  <a:srgbClr val="FF0000"/>
+                </a:solidFill>
+              </a:rPr>
+              <a:t>A</a:t>
+            </a:r>
+            <a:r>
+              <a:rPr lang="zh-CN" altLang="en-US" dirty="0"/>
+              <a:t> </a:t>
+            </a:r>
+            <a:r>
+              <a:rPr lang="en-US" altLang="zh-CN" dirty="0"/>
+              <a:t>-&gt;</a:t>
+            </a:r>
+            <a:r>
+              <a:rPr lang="zh-CN" altLang="en-US" dirty="0"/>
+              <a:t> </a:t>
+            </a:r>
+            <a:r>
+              <a:rPr lang="en-US" altLang="zh-CN" dirty="0">
+                <a:solidFill>
+                  <a:srgbClr val="FF0000"/>
+                </a:solidFill>
+              </a:rPr>
+              <a:t>C</a:t>
+            </a:r>
+            <a:r>
+              <a:rPr lang="en-US" altLang="zh-CN" dirty="0"/>
+              <a:t>)</a:t>
+            </a:r>
+          </a:p>
+          <a:p>
+            <a:r>
+              <a:rPr lang="en-US" altLang="zh-CN" dirty="0"/>
+              <a:t>Align conversation</a:t>
+            </a:r>
+            <a:r>
+              <a:rPr lang="zh-CN" altLang="en-US" dirty="0"/>
+              <a:t> </a:t>
+            </a:r>
+            <a:r>
+              <a:rPr lang="en-US" altLang="zh-CN" dirty="0"/>
+              <a:t>content(</a:t>
+            </a:r>
+            <a:r>
+              <a:rPr lang="en-US" altLang="zh-CN" dirty="0">
+                <a:solidFill>
+                  <a:srgbClr val="FF0000"/>
+                </a:solidFill>
+              </a:rPr>
+              <a:t>C</a:t>
+            </a:r>
+            <a:r>
+              <a:rPr lang="en-US" altLang="zh-CN" dirty="0"/>
+              <a:t>) with traffic data(</a:t>
+            </a:r>
+            <a:r>
+              <a:rPr lang="en-US" altLang="zh-CN" dirty="0">
+                <a:solidFill>
+                  <a:srgbClr val="FF0000"/>
+                </a:solidFill>
+              </a:rPr>
+              <a:t>W</a:t>
+            </a:r>
+            <a:r>
+              <a:rPr lang="en-US" altLang="zh-CN" dirty="0"/>
+              <a:t>) based on timestamps(</a:t>
+            </a:r>
+            <a:r>
+              <a:rPr lang="en-US" altLang="zh-CN" dirty="0">
+                <a:solidFill>
+                  <a:srgbClr val="FF0000"/>
+                </a:solidFill>
+              </a:rPr>
+              <a:t>T</a:t>
+            </a:r>
+            <a:r>
+              <a:rPr lang="en-US" altLang="zh-CN" dirty="0"/>
+              <a:t>).</a:t>
+            </a:r>
+          </a:p>
+          <a:p>
+            <a:r>
+              <a:rPr lang="en-US" altLang="zh-CN" dirty="0"/>
+              <a:t>Capture</a:t>
+            </a:r>
+            <a:r>
+              <a:rPr lang="zh-CN" altLang="en-US" dirty="0"/>
+              <a:t> </a:t>
+            </a:r>
+            <a:r>
+              <a:rPr lang="en-US" altLang="zh-CN" dirty="0"/>
+              <a:t>traffic</a:t>
+            </a:r>
+            <a:r>
+              <a:rPr lang="zh-CN" altLang="en-US" dirty="0"/>
+              <a:t> </a:t>
+            </a:r>
+            <a:r>
+              <a:rPr lang="en-US" altLang="zh-CN" dirty="0"/>
+              <a:t>rate</a:t>
+            </a:r>
+            <a:r>
+              <a:rPr lang="zh-CN" altLang="en-US" dirty="0"/>
+              <a:t> </a:t>
+            </a:r>
+            <a:r>
+              <a:rPr lang="en-US" altLang="zh-CN" dirty="0"/>
+              <a:t>data</a:t>
+            </a:r>
+            <a:r>
+              <a:rPr lang="zh-CN" altLang="en-US" dirty="0"/>
+              <a:t> </a:t>
+            </a:r>
+            <a:r>
+              <a:rPr lang="en-US" altLang="zh-CN" dirty="0"/>
+              <a:t>by</a:t>
+            </a:r>
+            <a:r>
+              <a:rPr lang="zh-CN" altLang="en-US" dirty="0"/>
+              <a:t> </a:t>
+            </a:r>
+            <a:r>
+              <a:rPr lang="en-US" altLang="zh-CN" dirty="0">
+                <a:solidFill>
+                  <a:srgbClr val="0070C0"/>
+                </a:solidFill>
+              </a:rPr>
               <a:t>Raspberry</a:t>
             </a:r>
             <a:r>
-              <a:rPr lang="zh-CN" altLang="en-US" dirty="0"/>
-              <a:t> </a:t>
-            </a:r>
-            <a:r>
-              <a:rPr lang="en-US" altLang="zh-CN" dirty="0"/>
+              <a:rPr lang="zh-CN" altLang="en-US" dirty="0">
+                <a:solidFill>
+                  <a:srgbClr val="0070C0"/>
+                </a:solidFill>
+              </a:rPr>
+              <a:t> </a:t>
+            </a:r>
+            <a:r>
+              <a:rPr lang="en-US" altLang="zh-CN" dirty="0">
+                <a:solidFill>
+                  <a:srgbClr val="0070C0"/>
+                </a:solidFill>
+              </a:rPr>
               <a:t>Pi</a:t>
             </a:r>
             <a:r>
-              <a:rPr lang="zh-CN" altLang="en-US" dirty="0"/>
-              <a:t> </a:t>
-            </a:r>
-            <a:r>
-              <a:rPr lang="en-US" altLang="zh-CN" dirty="0"/>
-              <a:t>4</a:t>
-            </a:r>
-            <a:r>
-              <a:rPr lang="zh-CN" altLang="en-US" dirty="0"/>
-              <a:t> </a:t>
-            </a:r>
-            <a:r>
-              <a:rPr lang="en-US" altLang="zh-CN" dirty="0"/>
-              <a:t>Model</a:t>
-            </a:r>
-            <a:r>
-              <a:rPr lang="zh-CN" altLang="en-US" dirty="0"/>
-              <a:t> </a:t>
-            </a:r>
-            <a:r>
-              <a:rPr lang="en-US" altLang="zh-CN" dirty="0"/>
-              <a:t>B.</a:t>
-            </a:r>
-          </a:p>
-          <a:p>
-            <a:pPr lvl="1"/>
-            <a:r>
-              <a:rPr lang="en-US" altLang="zh-CN" dirty="0"/>
-              <a:t>Blue</a:t>
-            </a:r>
-            <a:r>
-              <a:rPr lang="zh-CN" altLang="en-US" dirty="0"/>
-              <a:t> </a:t>
-            </a:r>
-            <a:r>
-              <a:rPr lang="en-US" altLang="zh-CN" dirty="0"/>
-              <a:t>Yeti</a:t>
-            </a:r>
-          </a:p>
-          <a:p>
-            <a:pPr lvl="1"/>
-            <a:r>
-              <a:rPr lang="en-US" altLang="zh-CN" dirty="0"/>
-              <a:t>Audio-</a:t>
-            </a:r>
-            <a:r>
-              <a:rPr lang="en-US" altLang="zh-CN" dirty="0" err="1"/>
-              <a:t>Technica</a:t>
-            </a:r>
-            <a:r>
-              <a:rPr lang="zh-CN" altLang="en-US" dirty="0"/>
-              <a:t> </a:t>
-            </a:r>
-            <a:r>
-              <a:rPr lang="en-US" altLang="zh-CN" dirty="0"/>
-              <a:t>ATR2100x-USB</a:t>
-            </a:r>
-          </a:p>
-          <a:p>
-            <a:pPr lvl="1"/>
-            <a:r>
-              <a:rPr lang="en-US" altLang="zh-CN" dirty="0"/>
-              <a:t>Rode</a:t>
-            </a:r>
-            <a:r>
-              <a:rPr lang="zh-CN" altLang="en-US" dirty="0"/>
-              <a:t> </a:t>
-            </a:r>
-            <a:r>
-              <a:rPr lang="en-US" altLang="zh-CN" dirty="0"/>
-              <a:t>NT-USB</a:t>
-            </a:r>
-          </a:p>
-          <a:p>
-            <a:pPr lvl="1"/>
-            <a:r>
-              <a:rPr lang="en-US" altLang="zh-CN" dirty="0"/>
-              <a:t>Samson</a:t>
-            </a:r>
-            <a:r>
-              <a:rPr lang="zh-CN" altLang="en-US" dirty="0"/>
-              <a:t> </a:t>
-            </a:r>
-            <a:r>
-              <a:rPr lang="en-US" altLang="zh-CN" dirty="0"/>
-              <a:t>Go</a:t>
-            </a:r>
-            <a:r>
-              <a:rPr lang="zh-CN" altLang="en-US" dirty="0"/>
-              <a:t> </a:t>
-            </a:r>
-            <a:r>
-              <a:rPr lang="en-US" altLang="zh-CN" dirty="0"/>
-              <a:t>Mic</a:t>
-            </a:r>
-          </a:p>
-          <a:p>
-            <a:pPr lvl="1"/>
-            <a:r>
-              <a:rPr lang="en-US" altLang="zh-CN" dirty="0"/>
-              <a:t>Shure</a:t>
-            </a:r>
-            <a:r>
-              <a:rPr lang="zh-CN" altLang="en-US" dirty="0"/>
-              <a:t> </a:t>
-            </a:r>
-            <a:r>
-              <a:rPr lang="en-US" altLang="zh-CN" dirty="0"/>
-              <a:t>MV5</a:t>
-            </a:r>
-          </a:p>
-          <a:p>
-            <a:pPr lvl="1"/>
-            <a:r>
-              <a:rPr lang="en-US" altLang="zh-CN" dirty="0" err="1"/>
-              <a:t>Fifine</a:t>
-            </a:r>
-            <a:r>
-              <a:rPr lang="zh-CN" altLang="en-US" dirty="0"/>
-              <a:t> </a:t>
-            </a:r>
-            <a:r>
-              <a:rPr lang="en-US" altLang="zh-CN" dirty="0"/>
-              <a:t>Metal</a:t>
-            </a:r>
-            <a:r>
-              <a:rPr lang="zh-CN" altLang="en-US" dirty="0"/>
-              <a:t> </a:t>
-            </a:r>
-            <a:r>
-              <a:rPr lang="en-US" altLang="zh-CN" dirty="0"/>
-              <a:t>Condenser</a:t>
-            </a:r>
-            <a:r>
-              <a:rPr lang="zh-CN" altLang="en-US" dirty="0"/>
-              <a:t> </a:t>
-            </a:r>
-            <a:r>
-              <a:rPr lang="en-US" altLang="zh-CN" dirty="0"/>
-              <a:t>Recording</a:t>
-            </a:r>
-            <a:r>
-              <a:rPr lang="zh-CN" altLang="en-US" dirty="0"/>
-              <a:t> </a:t>
-            </a:r>
-            <a:r>
-              <a:rPr lang="en-US" altLang="zh-CN" dirty="0"/>
-              <a:t>Microphone</a:t>
-            </a:r>
-            <a:r>
-              <a:rPr lang="zh-CN" altLang="en-US" dirty="0"/>
-              <a:t> </a:t>
-            </a:r>
+              <a:rPr lang="zh-CN" altLang="en-US" dirty="0">
+                <a:solidFill>
+                  <a:srgbClr val="0070C0"/>
+                </a:solidFill>
+              </a:rPr>
+              <a:t> </a:t>
+            </a:r>
+            <a:r>
+              <a:rPr lang="en-US" altLang="zh-CN" dirty="0"/>
+              <a:t>(</a:t>
+            </a:r>
+            <a:r>
+              <a:rPr lang="en-US" altLang="zh-CN" dirty="0">
+                <a:solidFill>
+                  <a:srgbClr val="FF0000"/>
+                </a:solidFill>
+              </a:rPr>
+              <a:t>W</a:t>
+            </a:r>
+            <a:r>
+              <a:rPr lang="en-US" altLang="zh-CN" dirty="0"/>
+              <a:t>)</a:t>
+            </a:r>
+          </a:p>
+          <a:p>
             <a:endParaRPr lang="en-US" altLang="zh-CN" dirty="0"/>
           </a:p>
           <a:p>
-            <a:pPr lvl="1"/>
-            <a:r>
-              <a:rPr lang="en-US" altLang="zh-CN" dirty="0"/>
-              <a:t>…</a:t>
-            </a:r>
-            <a:endParaRPr lang="en-US" dirty="0"/>
+            <a:endParaRPr lang="en-US" altLang="zh-CN" dirty="0"/>
+          </a:p>
+          <a:p>
+            <a:endParaRPr lang="en-US" altLang="zh-CN" dirty="0"/>
+          </a:p>
+          <a:p>
+            <a:endParaRPr lang="en-US" altLang="zh-CN" dirty="0"/>
           </a:p>
         </p:txBody>
       </p:sp>
     </p:spTree>
     <p:extLst>
       <p:ext uri="{BB962C8B-B14F-4D97-AF65-F5344CB8AC3E}">
-        <p14:creationId xmlns:p14="http://schemas.microsoft.com/office/powerpoint/2010/main" val="3709312683"/>
+        <p14:creationId xmlns:p14="http://schemas.microsoft.com/office/powerpoint/2010/main" val="1432665708"/>
       </p:ext>
     </p:extLst>
   </p:cSld>
@@ -5065,6 +6157,328 @@
           <p:cNvPr id="2" name="Title 1">
             <a:extLst>
               <a:ext uri="{FF2B5EF4-FFF2-40B4-BE49-F238E27FC236}">
+                <a16:creationId xmlns:a16="http://schemas.microsoft.com/office/drawing/2014/main" id="{86E042A9-E28E-9284-ED61-38A83AE92D37}"/>
+              </a:ext>
+            </a:extLst>
+          </p:cNvPr>
+          <p:cNvSpPr>
+            <a:spLocks noGrp="1"/>
+          </p:cNvSpPr>
+          <p:nvPr>
+            <p:ph type="title"/>
+          </p:nvPr>
+        </p:nvSpPr>
+        <p:spPr/>
+        <p:txBody>
+          <a:bodyPr/>
+          <a:lstStyle/>
+          <a:p>
+            <a:r>
+              <a:rPr lang="en-US" altLang="zh-CN" dirty="0"/>
+              <a:t>Recording</a:t>
+            </a:r>
+            <a:r>
+              <a:rPr lang="zh-CN" altLang="en-US" dirty="0"/>
+              <a:t> </a:t>
+            </a:r>
+            <a:r>
+              <a:rPr lang="en-US" altLang="zh-CN" dirty="0"/>
+              <a:t>Devices</a:t>
+            </a:r>
+            <a:r>
+              <a:rPr lang="zh-CN" altLang="en-US" dirty="0"/>
+              <a:t> </a:t>
+            </a:r>
+            <a:r>
+              <a:rPr lang="en-US" altLang="zh-CN" dirty="0"/>
+              <a:t>for</a:t>
+            </a:r>
+            <a:r>
+              <a:rPr lang="zh-CN" altLang="en-US" dirty="0"/>
+              <a:t> </a:t>
+            </a:r>
+            <a:r>
+              <a:rPr lang="en-US" altLang="zh-CN" dirty="0"/>
+              <a:t>real</a:t>
+            </a:r>
+            <a:endParaRPr lang="en-US" dirty="0"/>
+          </a:p>
+        </p:txBody>
+      </p:sp>
+      <p:sp>
+        <p:nvSpPr>
+          <p:cNvPr id="3" name="Content Placeholder 2">
+            <a:extLst>
+              <a:ext uri="{FF2B5EF4-FFF2-40B4-BE49-F238E27FC236}">
+                <a16:creationId xmlns:a16="http://schemas.microsoft.com/office/drawing/2014/main" id="{7931A1C1-5573-D255-DFDE-E4298E8BDC7C}"/>
+              </a:ext>
+            </a:extLst>
+          </p:cNvPr>
+          <p:cNvSpPr>
+            <a:spLocks noGrp="1"/>
+          </p:cNvSpPr>
+          <p:nvPr>
+            <p:ph idx="1"/>
+          </p:nvPr>
+        </p:nvSpPr>
+        <p:spPr/>
+        <p:txBody>
+          <a:bodyPr/>
+          <a:lstStyle/>
+          <a:p>
+            <a:r>
+              <a:rPr lang="en-US" altLang="zh-CN" dirty="0"/>
+              <a:t>USB</a:t>
+            </a:r>
+            <a:r>
+              <a:rPr lang="zh-CN" altLang="en-US" dirty="0"/>
+              <a:t> </a:t>
+            </a:r>
+            <a:r>
+              <a:rPr lang="en-US" altLang="zh-CN" dirty="0"/>
+              <a:t>microphone</a:t>
+            </a:r>
+            <a:r>
+              <a:rPr lang="zh-CN" altLang="en-US" dirty="0"/>
+              <a:t> </a:t>
+            </a:r>
+            <a:r>
+              <a:rPr lang="en-US" altLang="zh-CN" dirty="0"/>
+              <a:t>compatible</a:t>
+            </a:r>
+            <a:r>
+              <a:rPr lang="zh-CN" altLang="en-US" dirty="0"/>
+              <a:t> </a:t>
+            </a:r>
+            <a:r>
+              <a:rPr lang="en-US" altLang="zh-CN" dirty="0"/>
+              <a:t>with</a:t>
+            </a:r>
+            <a:r>
+              <a:rPr lang="zh-CN" altLang="en-US" dirty="0"/>
+              <a:t> </a:t>
+            </a:r>
+            <a:r>
+              <a:rPr lang="en-US" altLang="zh-CN" dirty="0"/>
+              <a:t>the</a:t>
+            </a:r>
+            <a:r>
+              <a:rPr lang="zh-CN" altLang="en-US" dirty="0"/>
+              <a:t> </a:t>
+            </a:r>
+            <a:r>
+              <a:rPr lang="en-US" altLang="zh-CN" dirty="0"/>
+              <a:t>Raspberry</a:t>
+            </a:r>
+            <a:r>
+              <a:rPr lang="zh-CN" altLang="en-US" dirty="0"/>
+              <a:t> </a:t>
+            </a:r>
+            <a:r>
+              <a:rPr lang="en-US" altLang="zh-CN" dirty="0"/>
+              <a:t>Pi</a:t>
+            </a:r>
+            <a:r>
+              <a:rPr lang="zh-CN" altLang="en-US" dirty="0"/>
+              <a:t> </a:t>
+            </a:r>
+            <a:r>
+              <a:rPr lang="en-US" altLang="zh-CN" dirty="0"/>
+              <a:t>4</a:t>
+            </a:r>
+            <a:r>
+              <a:rPr lang="zh-CN" altLang="en-US" dirty="0"/>
+              <a:t> </a:t>
+            </a:r>
+            <a:r>
+              <a:rPr lang="en-US" altLang="zh-CN" dirty="0"/>
+              <a:t>Model</a:t>
+            </a:r>
+            <a:r>
+              <a:rPr lang="zh-CN" altLang="en-US" dirty="0"/>
+              <a:t> </a:t>
+            </a:r>
+            <a:r>
+              <a:rPr lang="en-US" altLang="zh-CN" dirty="0"/>
+              <a:t>B.</a:t>
+            </a:r>
+          </a:p>
+          <a:p>
+            <a:pPr lvl="1"/>
+            <a:r>
+              <a:rPr lang="en-US" altLang="zh-CN" dirty="0"/>
+              <a:t>Blue</a:t>
+            </a:r>
+            <a:r>
+              <a:rPr lang="zh-CN" altLang="en-US" dirty="0"/>
+              <a:t> </a:t>
+            </a:r>
+            <a:r>
+              <a:rPr lang="en-US" altLang="zh-CN" dirty="0"/>
+              <a:t>Yeti</a:t>
+            </a:r>
+          </a:p>
+          <a:p>
+            <a:pPr lvl="1"/>
+            <a:r>
+              <a:rPr lang="en-US" altLang="zh-CN" dirty="0"/>
+              <a:t>Audio-</a:t>
+            </a:r>
+            <a:r>
+              <a:rPr lang="en-US" altLang="zh-CN" dirty="0" err="1"/>
+              <a:t>Technica</a:t>
+            </a:r>
+            <a:r>
+              <a:rPr lang="zh-CN" altLang="en-US" dirty="0"/>
+              <a:t> </a:t>
+            </a:r>
+            <a:r>
+              <a:rPr lang="en-US" altLang="zh-CN" dirty="0"/>
+              <a:t>ATR2100x-USB</a:t>
+            </a:r>
+          </a:p>
+          <a:p>
+            <a:pPr lvl="1"/>
+            <a:r>
+              <a:rPr lang="en-US" altLang="zh-CN" dirty="0"/>
+              <a:t>Rode</a:t>
+            </a:r>
+            <a:r>
+              <a:rPr lang="zh-CN" altLang="en-US" dirty="0"/>
+              <a:t> </a:t>
+            </a:r>
+            <a:r>
+              <a:rPr lang="en-US" altLang="zh-CN" dirty="0"/>
+              <a:t>NT-USB</a:t>
+            </a:r>
+          </a:p>
+          <a:p>
+            <a:pPr lvl="1"/>
+            <a:r>
+              <a:rPr lang="en-US" altLang="zh-CN" dirty="0"/>
+              <a:t>Samson</a:t>
+            </a:r>
+            <a:r>
+              <a:rPr lang="zh-CN" altLang="en-US" dirty="0"/>
+              <a:t> </a:t>
+            </a:r>
+            <a:r>
+              <a:rPr lang="en-US" altLang="zh-CN" dirty="0"/>
+              <a:t>Go</a:t>
+            </a:r>
+            <a:r>
+              <a:rPr lang="zh-CN" altLang="en-US" dirty="0"/>
+              <a:t> </a:t>
+            </a:r>
+            <a:r>
+              <a:rPr lang="en-US" altLang="zh-CN" dirty="0"/>
+              <a:t>Mic</a:t>
+            </a:r>
+          </a:p>
+          <a:p>
+            <a:pPr lvl="1"/>
+            <a:r>
+              <a:rPr lang="en-US" altLang="zh-CN" dirty="0"/>
+              <a:t>Shure</a:t>
+            </a:r>
+            <a:r>
+              <a:rPr lang="zh-CN" altLang="en-US" dirty="0"/>
+              <a:t> </a:t>
+            </a:r>
+            <a:r>
+              <a:rPr lang="en-US" altLang="zh-CN" dirty="0"/>
+              <a:t>MV5</a:t>
+            </a:r>
+          </a:p>
+          <a:p>
+            <a:pPr lvl="1"/>
+            <a:r>
+              <a:rPr lang="en-US" altLang="zh-CN" dirty="0" err="1"/>
+              <a:t>Fifine</a:t>
+            </a:r>
+            <a:r>
+              <a:rPr lang="zh-CN" altLang="en-US" dirty="0"/>
+              <a:t> </a:t>
+            </a:r>
+            <a:r>
+              <a:rPr lang="en-US" altLang="zh-CN" dirty="0"/>
+              <a:t>Metal</a:t>
+            </a:r>
+            <a:r>
+              <a:rPr lang="zh-CN" altLang="en-US" dirty="0"/>
+              <a:t> </a:t>
+            </a:r>
+            <a:r>
+              <a:rPr lang="en-US" altLang="zh-CN" dirty="0"/>
+              <a:t>Condenser</a:t>
+            </a:r>
+            <a:r>
+              <a:rPr lang="zh-CN" altLang="en-US" dirty="0"/>
+              <a:t> </a:t>
+            </a:r>
+            <a:r>
+              <a:rPr lang="en-US" altLang="zh-CN" dirty="0"/>
+              <a:t>Recording</a:t>
+            </a:r>
+            <a:r>
+              <a:rPr lang="zh-CN" altLang="en-US" dirty="0"/>
+              <a:t> </a:t>
+            </a:r>
+            <a:r>
+              <a:rPr lang="en-US" altLang="zh-CN" dirty="0"/>
+              <a:t>Microphone</a:t>
+            </a:r>
+            <a:r>
+              <a:rPr lang="zh-CN" altLang="en-US" dirty="0"/>
+              <a:t> </a:t>
+            </a:r>
+            <a:endParaRPr lang="en-US" altLang="zh-CN" dirty="0"/>
+          </a:p>
+          <a:p>
+            <a:pPr lvl="1"/>
+            <a:r>
+              <a:rPr lang="en-US" altLang="zh-CN" dirty="0"/>
+              <a:t>…</a:t>
+            </a:r>
+            <a:endParaRPr lang="en-US" dirty="0"/>
+          </a:p>
+        </p:txBody>
+      </p:sp>
+    </p:spTree>
+    <p:extLst>
+      <p:ext uri="{BB962C8B-B14F-4D97-AF65-F5344CB8AC3E}">
+        <p14:creationId xmlns:p14="http://schemas.microsoft.com/office/powerpoint/2010/main" val="3709312683"/>
+      </p:ext>
+    </p:extLst>
+  </p:cSld>
+  <p:clrMapOvr>
+    <a:masterClrMapping/>
+  </p:clrMapOvr>
+</p:sld>
+</file>
+
+<file path=ppt/slides/slide7.xml><?xml version="1.0" encoding="utf-8"?>
+<p:sld xmlns:a="http://schemas.openxmlformats.org/drawingml/2006/main" xmlns:r="http://schemas.openxmlformats.org/officeDocument/2006/relationships" xmlns:p="http://schemas.openxmlformats.org/presentationml/2006/main">
+  <p:cSld>
+    <p:spTree>
+      <p:nvGrpSpPr>
+        <p:cNvPr id="1" name=""/>
+        <p:cNvGrpSpPr/>
+        <p:nvPr/>
+      </p:nvGrpSpPr>
+      <p:grpSpPr>
+        <a:xfrm>
+          <a:off x="0" y="0"/>
+          <a:ext cx="0" cy="0"/>
+          <a:chOff x="0" y="0"/>
+          <a:chExt cx="0" cy="0"/>
+        </a:xfrm>
+      </p:grpSpPr>
+      <p:sp>
+        <p:nvSpPr>
+          <p:cNvPr id="2" name="Title 1">
+            <a:extLst>
+              <a:ext uri="{FF2B5EF4-FFF2-40B4-BE49-F238E27FC236}">
                 <a16:creationId xmlns:a16="http://schemas.microsoft.com/office/drawing/2014/main" id="{6370BA86-52DA-5BA3-9DD4-6F3AA7A2F9B7}"/>
               </a:ext>
             </a:extLst>
@@ -5210,6 +6624,257 @@
     <p:extLst>
       <p:ext uri="{BB962C8B-B14F-4D97-AF65-F5344CB8AC3E}">
         <p14:creationId xmlns:p14="http://schemas.microsoft.com/office/powerpoint/2010/main" val="1544275754"/>
+      </p:ext>
+    </p:extLst>
+  </p:cSld>
+  <p:clrMapOvr>
+    <a:masterClrMapping/>
+  </p:clrMapOvr>
+</p:sld>
+</file>
+
+<file path=ppt/slides/slide8.xml><?xml version="1.0" encoding="utf-8"?>
+<p:sld xmlns:a="http://schemas.openxmlformats.org/drawingml/2006/main" xmlns:r="http://schemas.openxmlformats.org/officeDocument/2006/relationships" xmlns:p="http://schemas.openxmlformats.org/presentationml/2006/main">
+  <p:cSld>
+    <p:spTree>
+      <p:nvGrpSpPr>
+        <p:cNvPr id="1" name=""/>
+        <p:cNvGrpSpPr/>
+        <p:nvPr/>
+      </p:nvGrpSpPr>
+      <p:grpSpPr>
+        <a:xfrm>
+          <a:off x="0" y="0"/>
+          <a:ext cx="0" cy="0"/>
+          <a:chOff x="0" y="0"/>
+          <a:chExt cx="0" cy="0"/>
+        </a:xfrm>
+      </p:grpSpPr>
+      <p:sp>
+        <p:nvSpPr>
+          <p:cNvPr id="2" name="Title 1">
+            <a:extLst>
+              <a:ext uri="{FF2B5EF4-FFF2-40B4-BE49-F238E27FC236}">
+                <a16:creationId xmlns:a16="http://schemas.microsoft.com/office/drawing/2014/main" id="{31E2CA07-8093-76B2-9582-7D7CB2FE0B62}"/>
+              </a:ext>
+            </a:extLst>
+          </p:cNvPr>
+          <p:cNvSpPr>
+            <a:spLocks noGrp="1"/>
+          </p:cNvSpPr>
+          <p:nvPr>
+            <p:ph type="title"/>
+          </p:nvPr>
+        </p:nvSpPr>
+        <p:spPr/>
+        <p:txBody>
+          <a:bodyPr/>
+          <a:lstStyle/>
+          <a:p>
+            <a:r>
+              <a:rPr lang="en-US" altLang="zh-CN" dirty="0"/>
+              <a:t>Data</a:t>
+            </a:r>
+            <a:r>
+              <a:rPr lang="zh-CN" altLang="en-US" dirty="0"/>
+              <a:t> </a:t>
+            </a:r>
+            <a:r>
+              <a:rPr lang="en-US" altLang="zh-CN" dirty="0"/>
+              <a:t>Preprocessing</a:t>
+            </a:r>
+            <a:endParaRPr lang="en-US" dirty="0"/>
+          </a:p>
+        </p:txBody>
+      </p:sp>
+      <p:sp>
+        <p:nvSpPr>
+          <p:cNvPr id="3" name="Content Placeholder 2">
+            <a:extLst>
+              <a:ext uri="{FF2B5EF4-FFF2-40B4-BE49-F238E27FC236}">
+                <a16:creationId xmlns:a16="http://schemas.microsoft.com/office/drawing/2014/main" id="{8E06AB61-3E9F-9163-E84F-B78D4B180A8D}"/>
+              </a:ext>
+            </a:extLst>
+          </p:cNvPr>
+          <p:cNvSpPr>
+            <a:spLocks noGrp="1"/>
+          </p:cNvSpPr>
+          <p:nvPr>
+            <p:ph idx="1"/>
+          </p:nvPr>
+        </p:nvSpPr>
+        <p:spPr/>
+        <p:txBody>
+          <a:bodyPr/>
+          <a:lstStyle/>
+          <a:p>
+            <a:r>
+              <a:rPr lang="en-US" altLang="zh-CN" dirty="0"/>
+              <a:t>Traffic</a:t>
+            </a:r>
+            <a:r>
+              <a:rPr lang="zh-CN" altLang="en-US" dirty="0"/>
+              <a:t> </a:t>
+            </a:r>
+            <a:r>
+              <a:rPr lang="en-US" altLang="zh-CN" dirty="0"/>
+              <a:t>Data</a:t>
+            </a:r>
+          </a:p>
+          <a:p>
+            <a:pPr lvl="1"/>
+            <a:r>
+              <a:rPr lang="en-US" altLang="zh-CN" dirty="0"/>
+              <a:t>Pattern</a:t>
+            </a:r>
+            <a:r>
+              <a:rPr lang="zh-CN" altLang="en-US" dirty="0"/>
+              <a:t> </a:t>
+            </a:r>
+            <a:r>
+              <a:rPr lang="en-US" altLang="zh-CN" dirty="0"/>
+              <a:t>recognition</a:t>
+            </a:r>
+            <a:r>
+              <a:rPr lang="zh-CN" altLang="en-US" dirty="0"/>
+              <a:t> </a:t>
+            </a:r>
+            <a:r>
+              <a:rPr lang="en-US" altLang="zh-CN" dirty="0"/>
+              <a:t>processing</a:t>
+            </a:r>
+          </a:p>
+          <a:p>
+            <a:pPr lvl="1"/>
+            <a:r>
+              <a:rPr lang="en-US" altLang="zh-CN" dirty="0"/>
+              <a:t>Time</a:t>
+            </a:r>
+            <a:r>
+              <a:rPr lang="zh-CN" altLang="en-US" dirty="0"/>
+              <a:t> </a:t>
+            </a:r>
+            <a:r>
+              <a:rPr lang="en-US" altLang="zh-CN" dirty="0"/>
+              <a:t>series</a:t>
+            </a:r>
+            <a:r>
+              <a:rPr lang="zh-CN" altLang="en-US" dirty="0"/>
+              <a:t> </a:t>
+            </a:r>
+            <a:r>
+              <a:rPr lang="en-US" altLang="zh-CN" dirty="0"/>
+              <a:t>analysis</a:t>
+            </a:r>
+          </a:p>
+          <a:p>
+            <a:pPr lvl="1"/>
+            <a:r>
+              <a:rPr lang="en-US" altLang="zh-CN" dirty="0"/>
+              <a:t>feature</a:t>
+            </a:r>
+            <a:r>
+              <a:rPr lang="zh-CN" altLang="en-US" dirty="0"/>
+              <a:t> </a:t>
+            </a:r>
+            <a:r>
+              <a:rPr lang="en-US" altLang="zh-CN" dirty="0"/>
+              <a:t>extraction</a:t>
+            </a:r>
+          </a:p>
+          <a:p>
+            <a:endParaRPr lang="en-US" dirty="0"/>
+          </a:p>
+        </p:txBody>
+      </p:sp>
+    </p:spTree>
+    <p:extLst>
+      <p:ext uri="{BB962C8B-B14F-4D97-AF65-F5344CB8AC3E}">
+        <p14:creationId xmlns:p14="http://schemas.microsoft.com/office/powerpoint/2010/main" val="2145238609"/>
+      </p:ext>
+    </p:extLst>
+  </p:cSld>
+  <p:clrMapOvr>
+    <a:masterClrMapping/>
+  </p:clrMapOvr>
+</p:sld>
+</file>
+
+<file path=ppt/slides/slide9.xml><?xml version="1.0" encoding="utf-8"?>
+<p:sld xmlns:a="http://schemas.openxmlformats.org/drawingml/2006/main" xmlns:r="http://schemas.openxmlformats.org/officeDocument/2006/relationships" xmlns:p="http://schemas.openxmlformats.org/presentationml/2006/main">
+  <p:cSld>
+    <p:spTree>
+      <p:nvGrpSpPr>
+        <p:cNvPr id="1" name=""/>
+        <p:cNvGrpSpPr/>
+        <p:nvPr/>
+      </p:nvGrpSpPr>
+      <p:grpSpPr>
+        <a:xfrm>
+          <a:off x="0" y="0"/>
+          <a:ext cx="0" cy="0"/>
+          <a:chOff x="0" y="0"/>
+          <a:chExt cx="0" cy="0"/>
+        </a:xfrm>
+      </p:grpSpPr>
+      <p:sp>
+        <p:nvSpPr>
+          <p:cNvPr id="2" name="Title 1">
+            <a:extLst>
+              <a:ext uri="{FF2B5EF4-FFF2-40B4-BE49-F238E27FC236}">
+                <a16:creationId xmlns:a16="http://schemas.microsoft.com/office/drawing/2014/main" id="{3AC8DA6D-7310-874F-3878-C5AAC19A2650}"/>
+              </a:ext>
+            </a:extLst>
+          </p:cNvPr>
+          <p:cNvSpPr>
+            <a:spLocks noGrp="1"/>
+          </p:cNvSpPr>
+          <p:nvPr>
+            <p:ph type="title"/>
+          </p:nvPr>
+        </p:nvSpPr>
+        <p:spPr/>
+        <p:txBody>
+          <a:bodyPr/>
+          <a:lstStyle/>
+          <a:p>
+            <a:r>
+              <a:rPr lang="en-US" altLang="zh-CN"/>
+              <a:t>Tacotron2</a:t>
+            </a:r>
+            <a:endParaRPr lang="en-US"/>
+          </a:p>
+        </p:txBody>
+      </p:sp>
+      <p:sp>
+        <p:nvSpPr>
+          <p:cNvPr id="3" name="Content Placeholder 2">
+            <a:extLst>
+              <a:ext uri="{FF2B5EF4-FFF2-40B4-BE49-F238E27FC236}">
+                <a16:creationId xmlns:a16="http://schemas.microsoft.com/office/drawing/2014/main" id="{2B8A2C63-EA85-7079-3A28-C8572C1FE10A}"/>
+              </a:ext>
+            </a:extLst>
+          </p:cNvPr>
+          <p:cNvSpPr>
+            <a:spLocks noGrp="1"/>
+          </p:cNvSpPr>
+          <p:nvPr>
+            <p:ph idx="1"/>
+          </p:nvPr>
+        </p:nvSpPr>
+        <p:spPr/>
+        <p:txBody>
+          <a:bodyPr/>
+          <a:lstStyle/>
+          <a:p>
+            <a:endParaRPr lang="en-US"/>
+          </a:p>
+        </p:txBody>
+      </p:sp>
+    </p:spTree>
+    <p:extLst>
+      <p:ext uri="{BB962C8B-B14F-4D97-AF65-F5344CB8AC3E}">
+        <p14:creationId xmlns:p14="http://schemas.microsoft.com/office/powerpoint/2010/main" val="2950811355"/>
       </p:ext>
     </p:extLst>
   </p:cSld>
@@ -5512,4 +7177,299 @@
     </a:ext>
   </a:extLst>
 </a:theme>
+</file>
+
+<file path=ppt/theme/theme2.xml><?xml version="1.0" encoding="utf-8"?>
+<a:theme xmlns:a="http://schemas.openxmlformats.org/drawingml/2006/main" name="Office Theme">
+  <a:themeElements>
+    <a:clrScheme name="Office">
+      <a:dk1>
+        <a:sysClr val="windowText" lastClr="000000"/>
+      </a:dk1>
+      <a:lt1>
+        <a:sysClr val="window" lastClr="FFFFFF"/>
+      </a:lt1>
+      <a:dk2>
+        <a:srgbClr val="44546A"/>
+      </a:dk2>
+      <a:lt2>
+        <a:srgbClr val="E7E6E6"/>
+      </a:lt2>
+      <a:accent1>
+        <a:srgbClr val="4472C4"/>
+      </a:accent1>
+      <a:accent2>
+        <a:srgbClr val="ED7D31"/>
+      </a:accent2>
+      <a:accent3>
+        <a:srgbClr val="A5A5A5"/>
+      </a:accent3>
+      <a:accent4>
+        <a:srgbClr val="FFC000"/>
+      </a:accent4>
+      <a:accent5>
+        <a:srgbClr val="5B9BD5"/>
+      </a:accent5>
+      <a:accent6>
+        <a:srgbClr val="70AD47"/>
+      </a:accent6>
+      <a:hlink>
+        <a:srgbClr val="0563C1"/>
+      </a:hlink>
+      <a:folHlink>
+        <a:srgbClr val="954F72"/>
+      </a:folHlink>
+    </a:clrScheme>
+    <a:fontScheme name="Office">
+      <a:majorFont>
+        <a:latin typeface="Calibri Light" panose="020F0302020204030204"/>
+        <a:ea typeface=""/>
+        <a:cs typeface=""/>
+        <a:font script="Jpan" typeface="游ゴシック Light"/>
+        <a:font script="Hang" typeface="맑은 고딕"/>
+        <a:font script="Hans" typeface="等线 Light"/>
+        <a:font script="Hant" typeface="新細明體"/>
+        <a:font script="Arab" typeface="Times New Roman"/>
+        <a:font script="Hebr" typeface="Times New Roman"/>
+        <a:font script="Thai" typeface="Angsana New"/>
+        <a:font script="Ethi" typeface="Nyala"/>
+        <a:font script="Beng" typeface="Vrinda"/>
+        <a:font script="Gujr" typeface="Shruti"/>
+        <a:font script="Khmr" typeface="MoolBoran"/>
+        <a:font script="Knda" typeface="Tunga"/>
+        <a:font script="Guru" typeface="Raavi"/>
+        <a:font script="Cans" typeface="Euphemia"/>
+        <a:font script="Cher" typeface="Plantagenet Cherokee"/>
+        <a:font script="Yiii" typeface="Microsoft Yi Baiti"/>
+        <a:font script="Tibt" typeface="Microsoft Himalaya"/>
+        <a:font script="Thaa" typeface="MV Boli"/>
+        <a:font script="Deva" typeface="Mangal"/>
+        <a:font script="Telu" typeface="Gautami"/>
+        <a:font script="Taml" typeface="Latha"/>
+        <a:font script="Syrc" typeface="Estrangelo Edessa"/>
+        <a:font script="Orya" typeface="Kalinga"/>
+        <a:font script="Mlym" typeface="Kartika"/>
+        <a:font script="Laoo" typeface="DokChampa"/>
+        <a:font script="Sinh" typeface="Iskoola Pota"/>
+        <a:font script="Mong" typeface="Mongolian Baiti"/>
+        <a:font script="Viet" typeface="Times New Roman"/>
+        <a:font script="Uigh" typeface="Microsoft Uighur"/>
+        <a:font script="Geor" typeface="Sylfaen"/>
+        <a:font script="Armn" typeface="Arial"/>
+        <a:font script="Bugi" typeface="Leelawadee UI"/>
+        <a:font script="Bopo" typeface="Microsoft JhengHei"/>
+        <a:font script="Java" typeface="Javanese Text"/>
+        <a:font script="Lisu" typeface="Segoe UI"/>
+        <a:font script="Mymr" typeface="Myanmar Text"/>
+        <a:font script="Nkoo" typeface="Ebrima"/>
+        <a:font script="Olck" typeface="Nirmala UI"/>
+        <a:font script="Osma" typeface="Ebrima"/>
+        <a:font script="Phag" typeface="Phagspa"/>
+        <a:font script="Syrn" typeface="Estrangelo Edessa"/>
+        <a:font script="Syrj" typeface="Estrangelo Edessa"/>
+        <a:font script="Syre" typeface="Estrangelo Edessa"/>
+        <a:font script="Sora" typeface="Nirmala UI"/>
+        <a:font script="Tale" typeface="Microsoft Tai Le"/>
+        <a:font script="Talu" typeface="Microsoft New Tai Lue"/>
+        <a:font script="Tfng" typeface="Ebrima"/>
+      </a:majorFont>
+      <a:minorFont>
+        <a:latin typeface="Calibri" panose="020F0502020204030204"/>
+        <a:ea typeface=""/>
+        <a:cs typeface=""/>
+        <a:font script="Jpan" typeface="游ゴシック"/>
+        <a:font script="Hang" typeface="맑은 고딕"/>
+        <a:font script="Hans" typeface="等线"/>
+        <a:font script="Hant" typeface="新細明體"/>
+        <a:font script="Arab" typeface="Arial"/>
+        <a:font script="Hebr" typeface="Arial"/>
+        <a:font script="Thai" typeface="Cordia New"/>
+        <a:font script="Ethi" typeface="Nyala"/>
+        <a:font script="Beng" typeface="Vrinda"/>
+        <a:font script="Gujr" typeface="Shruti"/>
+        <a:font script="Khmr" typeface="DaunPenh"/>
+        <a:font script="Knda" typeface="Tunga"/>
+        <a:font script="Guru" typeface="Raavi"/>
+        <a:font script="Cans" typeface="Euphemia"/>
+        <a:font script="Cher" typeface="Plantagenet Cherokee"/>
+        <a:font script="Yiii" typeface="Microsoft Yi Baiti"/>
+        <a:font script="Tibt" typeface="Microsoft Himalaya"/>
+        <a:font script="Thaa" typeface="MV Boli"/>
+        <a:font script="Deva" typeface="Mangal"/>
+        <a:font script="Telu" typeface="Gautami"/>
+        <a:font script="Taml" typeface="Latha"/>
+        <a:font script="Syrc" typeface="Estrangelo Edessa"/>
+        <a:font script="Orya" typeface="Kalinga"/>
+        <a:font script="Mlym" typeface="Kartika"/>
+        <a:font script="Laoo" typeface="DokChampa"/>
+        <a:font script="Sinh" typeface="Iskoola Pota"/>
+        <a:font script="Mong" typeface="Mongolian Baiti"/>
+        <a:font script="Viet" typeface="Arial"/>
+        <a:font script="Uigh" typeface="Microsoft Uighur"/>
+        <a:font script="Geor" typeface="Sylfaen"/>
+        <a:font script="Armn" typeface="Arial"/>
+        <a:font script="Bugi" typeface="Leelawadee UI"/>
+        <a:font script="Bopo" typeface="Microsoft JhengHei"/>
+        <a:font script="Java" typeface="Javanese Text"/>
+        <a:font script="Lisu" typeface="Segoe UI"/>
+        <a:font script="Mymr" typeface="Myanmar Text"/>
+        <a:font script="Nkoo" typeface="Ebrima"/>
+        <a:font script="Olck" typeface="Nirmala UI"/>
+        <a:font script="Osma" typeface="Ebrima"/>
+        <a:font script="Phag" typeface="Phagspa"/>
+        <a:font script="Syrn" typeface="Estrangelo Edessa"/>
+        <a:font script="Syrj" typeface="Estrangelo Edessa"/>
+        <a:font script="Syre" typeface="Estrangelo Edessa"/>
+        <a:font script="Sora" typeface="Nirmala UI"/>
+        <a:font script="Tale" typeface="Microsoft Tai Le"/>
+        <a:font script="Talu" typeface="Microsoft New Tai Lue"/>
+        <a:font script="Tfng" typeface="Ebrima"/>
+      </a:minorFont>
+    </a:fontScheme>
+    <a:fmtScheme name="Office">
+      <a:fillStyleLst>
+        <a:solidFill>
+          <a:schemeClr val="phClr"/>
+        </a:solidFill>
+        <a:gradFill rotWithShape="1">
+          <a:gsLst>
+            <a:gs pos="0">
+              <a:schemeClr val="phClr">
+                <a:lumMod val="110000"/>
+                <a:satMod val="105000"/>
+                <a:tint val="67000"/>
+              </a:schemeClr>
+            </a:gs>
+            <a:gs pos="50000">
+              <a:schemeClr val="phClr">
+                <a:lumMod val="105000"/>
+                <a:satMod val="103000"/>
+                <a:tint val="73000"/>
+              </a:schemeClr>
+            </a:gs>
+            <a:gs pos="100000">
+              <a:schemeClr val="phClr">
+                <a:lumMod val="105000"/>
+                <a:satMod val="109000"/>
+                <a:tint val="81000"/>
+              </a:schemeClr>
+            </a:gs>
+          </a:gsLst>
+          <a:lin ang="5400000" scaled="0"/>
+        </a:gradFill>
+        <a:gradFill rotWithShape="1">
+          <a:gsLst>
+            <a:gs pos="0">
+              <a:schemeClr val="phClr">
+                <a:satMod val="103000"/>
+                <a:lumMod val="102000"/>
+                <a:tint val="94000"/>
+              </a:schemeClr>
+            </a:gs>
+            <a:gs pos="50000">
+              <a:schemeClr val="phClr">
+                <a:satMod val="110000"/>
+                <a:lumMod val="100000"/>
+                <a:shade val="100000"/>
+              </a:schemeClr>
+            </a:gs>
+            <a:gs pos="100000">
+              <a:schemeClr val="phClr">
+                <a:lumMod val="99000"/>
+                <a:satMod val="120000"/>
+                <a:shade val="78000"/>
+              </a:schemeClr>
+            </a:gs>
+          </a:gsLst>
+          <a:lin ang="5400000" scaled="0"/>
+        </a:gradFill>
+      </a:fillStyleLst>
+      <a:lnStyleLst>
+        <a:ln w="6350" cap="flat" cmpd="sng" algn="ctr">
+          <a:solidFill>
+            <a:schemeClr val="phClr"/>
+          </a:solidFill>
+          <a:prstDash val="solid"/>
+          <a:miter lim="800000"/>
+        </a:ln>
+        <a:ln w="12700" cap="flat" cmpd="sng" algn="ctr">
+          <a:solidFill>
+            <a:schemeClr val="phClr"/>
+          </a:solidFill>
+          <a:prstDash val="solid"/>
+          <a:miter lim="800000"/>
+        </a:ln>
+        <a:ln w="19050" cap="flat" cmpd="sng" algn="ctr">
+          <a:solidFill>
+            <a:schemeClr val="phClr"/>
+          </a:solidFill>
+          <a:prstDash val="solid"/>
+          <a:miter lim="800000"/>
+        </a:ln>
+      </a:lnStyleLst>
+      <a:effectStyleLst>
+        <a:effectStyle>
+          <a:effectLst/>
+        </a:effectStyle>
+        <a:effectStyle>
+          <a:effectLst/>
+        </a:effectStyle>
+        <a:effectStyle>
+          <a:effectLst>
+            <a:outerShdw blurRad="57150" dist="19050" dir="5400000" algn="ctr" rotWithShape="0">
+              <a:srgbClr val="000000">
+                <a:alpha val="63000"/>
+              </a:srgbClr>
+            </a:outerShdw>
+          </a:effectLst>
+        </a:effectStyle>
+      </a:effectStyleLst>
+      <a:bgFillStyleLst>
+        <a:solidFill>
+          <a:schemeClr val="phClr"/>
+        </a:solidFill>
+        <a:solidFill>
+          <a:schemeClr val="phClr">
+            <a:tint val="95000"/>
+            <a:satMod val="170000"/>
+          </a:schemeClr>
+        </a:solidFill>
+        <a:gradFill rotWithShape="1">
+          <a:gsLst>
+            <a:gs pos="0">
+              <a:schemeClr val="phClr">
+                <a:tint val="93000"/>
+                <a:satMod val="150000"/>
+                <a:shade val="98000"/>
+                <a:lumMod val="102000"/>
+              </a:schemeClr>
+            </a:gs>
+            <a:gs pos="50000">
+              <a:schemeClr val="phClr">
+                <a:tint val="98000"/>
+                <a:satMod val="130000"/>
+                <a:shade val="90000"/>
+                <a:lumMod val="103000"/>
+              </a:schemeClr>
+            </a:gs>
+            <a:gs pos="100000">
+              <a:schemeClr val="phClr">
+                <a:shade val="63000"/>
+                <a:satMod val="120000"/>
+              </a:schemeClr>
+            </a:gs>
+          </a:gsLst>
+          <a:lin ang="5400000" scaled="0"/>
+        </a:gradFill>
+      </a:bgFillStyleLst>
+    </a:fmtScheme>
+  </a:themeElements>
+  <a:objectDefaults/>
+  <a:extraClrSchemeLst/>
+  <a:extLst>
+    <a:ext uri="{05A4C25C-085E-4340-85A3-A5531E510DB2}">
+      <thm15:themeFamily xmlns:thm15="http://schemas.microsoft.com/office/thememl/2012/main" name="Office Theme" id="{62F939B6-93AF-4DB8-9C6B-D6C7DFDC589F}" vid="{4A3C46E8-61CC-4603-A589-7422A47A8E4A}"/>
+    </a:ext>
+  </a:extLst>
+</a:theme>
 </file>
--- a/Presentation1.pptx
+++ b/Presentation1.pptx
@@ -5,18 +5,20 @@
     <p:sldMasterId id="2147483648" r:id="rId1"/>
   </p:sldMasterIdLst>
   <p:notesMasterIdLst>
-    <p:notesMasterId r:id="rId11"/>
+    <p:notesMasterId r:id="rId13"/>
   </p:notesMasterIdLst>
   <p:sldIdLst>
     <p:sldId id="256" r:id="rId2"/>
     <p:sldId id="259" r:id="rId3"/>
     <p:sldId id="257" r:id="rId4"/>
-    <p:sldId id="263" r:id="rId5"/>
-    <p:sldId id="258" r:id="rId6"/>
-    <p:sldId id="260" r:id="rId7"/>
-    <p:sldId id="261" r:id="rId8"/>
-    <p:sldId id="262" r:id="rId9"/>
+    <p:sldId id="258" r:id="rId5"/>
+    <p:sldId id="260" r:id="rId6"/>
+    <p:sldId id="262" r:id="rId7"/>
+    <p:sldId id="267" r:id="rId8"/>
+    <p:sldId id="266" r:id="rId9"/>
     <p:sldId id="264" r:id="rId10"/>
+    <p:sldId id="265" r:id="rId11"/>
+    <p:sldId id="261" r:id="rId12"/>
   </p:sldIdLst>
   <p:sldSz cx="12192000" cy="6858000"/>
   <p:notesSz cx="6858000" cy="9144000"/>
@@ -827,7 +829,7 @@
           <a:p>
             <a:fld id="{88682BC9-22E9-B640-848B-A22C37F71A64}" type="slidenum">
               <a:rPr lang="en-US" smtClean="0"/>
-              <a:t>5</a:t>
+              <a:t>4</a:t>
             </a:fld>
             <a:endParaRPr lang="en-US"/>
           </a:p>
@@ -963,7 +965,7 @@
           <a:p>
             <a:fld id="{88682BC9-22E9-B640-848B-A22C37F71A64}" type="slidenum">
               <a:rPr lang="en-US" smtClean="0"/>
-              <a:t>8</a:t>
+              <a:t>6</a:t>
             </a:fld>
             <a:endParaRPr lang="en-US"/>
           </a:p>
@@ -4277,6 +4279,982 @@
 </p:sld>
 </file>
 
+<file path=ppt/slides/slide10.xml><?xml version="1.0" encoding="utf-8"?>
+<p:sld xmlns:a="http://schemas.openxmlformats.org/drawingml/2006/main" xmlns:r="http://schemas.openxmlformats.org/officeDocument/2006/relationships" xmlns:p="http://schemas.openxmlformats.org/presentationml/2006/main">
+  <p:cSld>
+    <p:spTree>
+      <p:nvGrpSpPr>
+        <p:cNvPr id="1" name=""/>
+        <p:cNvGrpSpPr/>
+        <p:nvPr/>
+      </p:nvGrpSpPr>
+      <p:grpSpPr>
+        <a:xfrm>
+          <a:off x="0" y="0"/>
+          <a:ext cx="0" cy="0"/>
+          <a:chOff x="0" y="0"/>
+          <a:chExt cx="0" cy="0"/>
+        </a:xfrm>
+      </p:grpSpPr>
+      <p:sp>
+        <p:nvSpPr>
+          <p:cNvPr id="2" name="Title 1">
+            <a:extLst>
+              <a:ext uri="{FF2B5EF4-FFF2-40B4-BE49-F238E27FC236}">
+                <a16:creationId xmlns:a16="http://schemas.microsoft.com/office/drawing/2014/main" id="{63B43C5D-DA27-6994-5F77-64AA33FF463C}"/>
+              </a:ext>
+            </a:extLst>
+          </p:cNvPr>
+          <p:cNvSpPr>
+            <a:spLocks noGrp="1"/>
+          </p:cNvSpPr>
+          <p:nvPr>
+            <p:ph type="title"/>
+          </p:nvPr>
+        </p:nvSpPr>
+        <p:spPr/>
+        <p:txBody>
+          <a:bodyPr/>
+          <a:lstStyle/>
+          <a:p>
+            <a:r>
+              <a:rPr lang="en-US" altLang="zh-CN" dirty="0"/>
+              <a:t>Datasets</a:t>
+            </a:r>
+            <a:r>
+              <a:rPr lang="zh-CN" altLang="en-US" dirty="0"/>
+              <a:t> </a:t>
+            </a:r>
+            <a:r>
+              <a:rPr lang="en-US" altLang="zh-CN" dirty="0"/>
+              <a:t>components</a:t>
+            </a:r>
+            <a:r>
+              <a:rPr lang="zh-CN" altLang="en-US" dirty="0"/>
+              <a:t> </a:t>
+            </a:r>
+            <a:endParaRPr lang="en-US" dirty="0"/>
+          </a:p>
+        </p:txBody>
+      </p:sp>
+      <p:sp>
+        <p:nvSpPr>
+          <p:cNvPr id="3" name="Content Placeholder 2">
+            <a:extLst>
+              <a:ext uri="{FF2B5EF4-FFF2-40B4-BE49-F238E27FC236}">
+                <a16:creationId xmlns:a16="http://schemas.microsoft.com/office/drawing/2014/main" id="{92E69B51-D05D-F7F2-2106-FF63DB2E0DBC}"/>
+              </a:ext>
+            </a:extLst>
+          </p:cNvPr>
+          <p:cNvSpPr>
+            <a:spLocks noGrp="1"/>
+          </p:cNvSpPr>
+          <p:nvPr>
+            <p:ph idx="1"/>
+          </p:nvPr>
+        </p:nvSpPr>
+        <p:spPr/>
+        <p:txBody>
+          <a:bodyPr/>
+          <a:lstStyle/>
+          <a:p>
+            <a:r>
+              <a:rPr lang="en-US" altLang="zh-CN" b="1" dirty="0"/>
+              <a:t>Ground</a:t>
+            </a:r>
+            <a:r>
+              <a:rPr lang="zh-CN" altLang="en-US" b="1" dirty="0"/>
+              <a:t> </a:t>
+            </a:r>
+            <a:r>
+              <a:rPr lang="en-US" altLang="zh-CN" b="1" dirty="0"/>
+              <a:t>True</a:t>
+            </a:r>
+            <a:r>
+              <a:rPr lang="zh-CN" altLang="en-US" b="1" dirty="0"/>
+              <a:t> </a:t>
+            </a:r>
+            <a:r>
+              <a:rPr lang="en-US" altLang="zh-CN" b="1" dirty="0"/>
+              <a:t>Data:</a:t>
+            </a:r>
+            <a:r>
+              <a:rPr lang="zh-CN" altLang="en-US" b="1" dirty="0"/>
+              <a:t> </a:t>
+            </a:r>
+            <a:r>
+              <a:rPr lang="en-US" altLang="zh-CN" dirty="0"/>
+              <a:t>The</a:t>
+            </a:r>
+            <a:r>
+              <a:rPr lang="zh-CN" altLang="en-US" dirty="0"/>
+              <a:t> </a:t>
+            </a:r>
+            <a:r>
+              <a:rPr lang="en-US" altLang="zh-CN" dirty="0"/>
+              <a:t>original</a:t>
+            </a:r>
+            <a:r>
+              <a:rPr lang="zh-CN" altLang="en-US" dirty="0"/>
+              <a:t> </a:t>
+            </a:r>
+            <a:r>
+              <a:rPr lang="en-US" altLang="zh-CN" dirty="0"/>
+              <a:t>text</a:t>
+            </a:r>
+            <a:r>
+              <a:rPr lang="zh-CN" altLang="en-US" dirty="0"/>
+              <a:t> </a:t>
+            </a:r>
+            <a:r>
+              <a:rPr lang="en-US" altLang="zh-CN" dirty="0"/>
+              <a:t>used</a:t>
+            </a:r>
+            <a:r>
+              <a:rPr lang="zh-CN" altLang="en-US" dirty="0"/>
+              <a:t> </a:t>
+            </a:r>
+            <a:r>
+              <a:rPr lang="en-US" altLang="zh-CN" dirty="0"/>
+              <a:t>to</a:t>
+            </a:r>
+            <a:r>
+              <a:rPr lang="zh-CN" altLang="en-US" dirty="0"/>
+              <a:t> </a:t>
+            </a:r>
+            <a:r>
+              <a:rPr lang="en-US" altLang="zh-CN" dirty="0"/>
+              <a:t>generate</a:t>
+            </a:r>
+            <a:r>
+              <a:rPr lang="zh-CN" altLang="en-US" dirty="0"/>
+              <a:t> </a:t>
+            </a:r>
+            <a:r>
+              <a:rPr lang="en-US" altLang="zh-CN" dirty="0"/>
+              <a:t>the</a:t>
+            </a:r>
+            <a:r>
+              <a:rPr lang="zh-CN" altLang="en-US" dirty="0"/>
+              <a:t> </a:t>
+            </a:r>
+            <a:r>
+              <a:rPr lang="en-US" altLang="zh-CN" dirty="0"/>
+              <a:t>speech</a:t>
+            </a:r>
+          </a:p>
+          <a:p>
+            <a:r>
+              <a:rPr lang="en-US" altLang="zh-CN" b="1" dirty="0"/>
+              <a:t>Audio</a:t>
+            </a:r>
+            <a:r>
+              <a:rPr lang="zh-CN" altLang="en-US" b="1" dirty="0"/>
+              <a:t> </a:t>
+            </a:r>
+            <a:r>
+              <a:rPr lang="en-US" altLang="zh-CN" b="1" dirty="0"/>
+              <a:t>Files:</a:t>
+            </a:r>
+            <a:r>
+              <a:rPr lang="zh-CN" altLang="en-US" b="1" dirty="0"/>
+              <a:t> </a:t>
+            </a:r>
+            <a:r>
+              <a:rPr lang="en-US" altLang="zh-CN" dirty="0"/>
+              <a:t>Audio</a:t>
+            </a:r>
+            <a:r>
+              <a:rPr lang="zh-CN" altLang="en-US" dirty="0"/>
+              <a:t> </a:t>
+            </a:r>
+            <a:r>
+              <a:rPr lang="en-US" altLang="zh-CN" dirty="0"/>
+              <a:t>files</a:t>
+            </a:r>
+            <a:r>
+              <a:rPr lang="zh-CN" altLang="en-US" dirty="0"/>
+              <a:t> </a:t>
+            </a:r>
+            <a:r>
+              <a:rPr lang="en-US" altLang="zh-CN" dirty="0"/>
+              <a:t>generated</a:t>
+            </a:r>
+            <a:r>
+              <a:rPr lang="zh-CN" altLang="en-US" dirty="0"/>
+              <a:t> </a:t>
+            </a:r>
+            <a:r>
+              <a:rPr lang="en-US" altLang="zh-CN" dirty="0"/>
+              <a:t>from</a:t>
+            </a:r>
+            <a:r>
+              <a:rPr lang="zh-CN" altLang="en-US" dirty="0"/>
+              <a:t> </a:t>
+            </a:r>
+            <a:r>
+              <a:rPr lang="en-US" altLang="zh-CN" dirty="0"/>
+              <a:t>the</a:t>
+            </a:r>
+            <a:r>
+              <a:rPr lang="zh-CN" altLang="en-US" dirty="0"/>
+              <a:t> </a:t>
+            </a:r>
+            <a:r>
+              <a:rPr lang="en-US" altLang="zh-CN" dirty="0"/>
+              <a:t>text</a:t>
+            </a:r>
+            <a:r>
+              <a:rPr lang="zh-CN" altLang="en-US" dirty="0"/>
+              <a:t> </a:t>
+            </a:r>
+            <a:r>
+              <a:rPr lang="en-US" altLang="zh-CN" dirty="0"/>
+              <a:t>by</a:t>
+            </a:r>
+            <a:r>
+              <a:rPr lang="zh-CN" altLang="en-US" dirty="0"/>
+              <a:t> </a:t>
+            </a:r>
+            <a:r>
+              <a:rPr lang="en-US" altLang="zh-CN" dirty="0"/>
+              <a:t>Tacotron2.</a:t>
+            </a:r>
+          </a:p>
+          <a:p>
+            <a:r>
+              <a:rPr lang="en-US" altLang="zh-CN" b="1" dirty="0"/>
+              <a:t>Traffic</a:t>
+            </a:r>
+            <a:r>
+              <a:rPr lang="zh-CN" altLang="en-US" b="1" dirty="0"/>
+              <a:t> </a:t>
+            </a:r>
+            <a:r>
+              <a:rPr lang="en-US" altLang="zh-CN" b="1" dirty="0"/>
+              <a:t>Rate</a:t>
+            </a:r>
+            <a:r>
+              <a:rPr lang="zh-CN" altLang="en-US" b="1" dirty="0"/>
+              <a:t> </a:t>
+            </a:r>
+            <a:r>
+              <a:rPr lang="en-US" altLang="zh-CN" b="1" dirty="0"/>
+              <a:t>Data:</a:t>
+            </a:r>
+            <a:r>
+              <a:rPr lang="zh-CN" altLang="en-US" b="1" dirty="0"/>
+              <a:t> </a:t>
+            </a:r>
+            <a:r>
+              <a:rPr lang="en-US" altLang="zh-CN" dirty="0"/>
+              <a:t>Captured</a:t>
+            </a:r>
+            <a:r>
+              <a:rPr lang="zh-CN" altLang="en-US" dirty="0"/>
+              <a:t> </a:t>
+            </a:r>
+            <a:r>
+              <a:rPr lang="en-US" altLang="zh-CN" dirty="0"/>
+              <a:t>traffic</a:t>
+            </a:r>
+            <a:r>
+              <a:rPr lang="zh-CN" altLang="en-US" dirty="0"/>
+              <a:t> </a:t>
+            </a:r>
+            <a:r>
+              <a:rPr lang="en-US" altLang="zh-CN" dirty="0"/>
+              <a:t>data</a:t>
+            </a:r>
+            <a:r>
+              <a:rPr lang="zh-CN" altLang="en-US" dirty="0"/>
+              <a:t> </a:t>
+            </a:r>
+            <a:r>
+              <a:rPr lang="en-US" altLang="zh-CN" dirty="0"/>
+              <a:t>corresponding</a:t>
+            </a:r>
+            <a:r>
+              <a:rPr lang="zh-CN" altLang="en-US" dirty="0"/>
+              <a:t> </a:t>
+            </a:r>
+            <a:r>
+              <a:rPr lang="en-US" altLang="zh-CN" dirty="0"/>
+              <a:t>to</a:t>
+            </a:r>
+            <a:r>
+              <a:rPr lang="zh-CN" altLang="en-US" dirty="0"/>
+              <a:t> </a:t>
+            </a:r>
+            <a:r>
+              <a:rPr lang="en-US" altLang="zh-CN" dirty="0"/>
+              <a:t>interaction.</a:t>
+            </a:r>
+          </a:p>
+          <a:p>
+            <a:endParaRPr lang="en-US" altLang="zh-CN" dirty="0"/>
+          </a:p>
+          <a:p>
+            <a:endParaRPr lang="en-US" altLang="zh-CN" dirty="0"/>
+          </a:p>
+          <a:p>
+            <a:endParaRPr lang="en-US" dirty="0"/>
+          </a:p>
+          <a:p>
+            <a:endParaRPr lang="en-US" dirty="0"/>
+          </a:p>
+        </p:txBody>
+      </p:sp>
+    </p:spTree>
+    <p:extLst>
+      <p:ext uri="{BB962C8B-B14F-4D97-AF65-F5344CB8AC3E}">
+        <p14:creationId xmlns:p14="http://schemas.microsoft.com/office/powerpoint/2010/main" val="4035904610"/>
+      </p:ext>
+    </p:extLst>
+  </p:cSld>
+  <p:clrMapOvr>
+    <a:masterClrMapping/>
+  </p:clrMapOvr>
+</p:sld>
+</file>
+
+<file path=ppt/slides/slide11.xml><?xml version="1.0" encoding="utf-8"?>
+<p:sld xmlns:a="http://schemas.openxmlformats.org/drawingml/2006/main" xmlns:r="http://schemas.openxmlformats.org/officeDocument/2006/relationships" xmlns:p="http://schemas.openxmlformats.org/presentationml/2006/main">
+  <p:cSld>
+    <p:spTree>
+      <p:nvGrpSpPr>
+        <p:cNvPr id="1" name=""/>
+        <p:cNvGrpSpPr/>
+        <p:nvPr/>
+      </p:nvGrpSpPr>
+      <p:grpSpPr>
+        <a:xfrm>
+          <a:off x="0" y="0"/>
+          <a:ext cx="0" cy="0"/>
+          <a:chOff x="0" y="0"/>
+          <a:chExt cx="0" cy="0"/>
+        </a:xfrm>
+      </p:grpSpPr>
+      <p:sp>
+        <p:nvSpPr>
+          <p:cNvPr id="2" name="Title 1">
+            <a:extLst>
+              <a:ext uri="{FF2B5EF4-FFF2-40B4-BE49-F238E27FC236}">
+                <a16:creationId xmlns:a16="http://schemas.microsoft.com/office/drawing/2014/main" id="{6370BA86-52DA-5BA3-9DD4-6F3AA7A2F9B7}"/>
+              </a:ext>
+            </a:extLst>
+          </p:cNvPr>
+          <p:cNvSpPr>
+            <a:spLocks noGrp="1"/>
+          </p:cNvSpPr>
+          <p:nvPr>
+            <p:ph type="title"/>
+          </p:nvPr>
+        </p:nvSpPr>
+        <p:spPr/>
+        <p:txBody>
+          <a:bodyPr/>
+          <a:lstStyle/>
+          <a:p>
+            <a:r>
+              <a:rPr lang="en-US" altLang="zh-CN" dirty="0"/>
+              <a:t>The</a:t>
+            </a:r>
+            <a:r>
+              <a:rPr lang="zh-CN" altLang="en-US" dirty="0"/>
+              <a:t> </a:t>
+            </a:r>
+            <a:r>
+              <a:rPr lang="en-US" altLang="zh-CN" dirty="0"/>
+              <a:t>Components</a:t>
+            </a:r>
+            <a:r>
+              <a:rPr lang="zh-CN" altLang="en-US" dirty="0"/>
+              <a:t> </a:t>
+            </a:r>
+            <a:r>
+              <a:rPr lang="en-US" altLang="zh-CN" dirty="0"/>
+              <a:t>of</a:t>
+            </a:r>
+            <a:r>
+              <a:rPr lang="zh-CN" altLang="en-US" dirty="0"/>
+              <a:t> </a:t>
+            </a:r>
+            <a:r>
+              <a:rPr lang="en-US" altLang="zh-CN" dirty="0"/>
+              <a:t>Traffic</a:t>
+            </a:r>
+            <a:r>
+              <a:rPr lang="zh-CN" altLang="en-US" dirty="0"/>
+              <a:t> </a:t>
+            </a:r>
+            <a:r>
+              <a:rPr lang="en-US" altLang="zh-CN" dirty="0"/>
+              <a:t>Data:</a:t>
+            </a:r>
+          </a:p>
+        </p:txBody>
+      </p:sp>
+      <p:sp>
+        <p:nvSpPr>
+          <p:cNvPr id="3" name="Content Placeholder 2">
+            <a:extLst>
+              <a:ext uri="{FF2B5EF4-FFF2-40B4-BE49-F238E27FC236}">
+                <a16:creationId xmlns:a16="http://schemas.microsoft.com/office/drawing/2014/main" id="{6AC2285B-36E7-9197-ED38-F17BC1B3A0AC}"/>
+              </a:ext>
+            </a:extLst>
+          </p:cNvPr>
+          <p:cNvSpPr>
+            <a:spLocks noGrp="1"/>
+          </p:cNvSpPr>
+          <p:nvPr>
+            <p:ph idx="1"/>
+          </p:nvPr>
+        </p:nvSpPr>
+        <p:spPr/>
+        <p:txBody>
+          <a:bodyPr>
+            <a:normAutofit/>
+          </a:bodyPr>
+          <a:lstStyle/>
+          <a:p>
+            <a:r>
+              <a:rPr lang="en-US" altLang="zh-CN" b="1" dirty="0"/>
+              <a:t>Timestamps:</a:t>
+            </a:r>
+            <a:r>
+              <a:rPr lang="zh-CN" altLang="en-US" b="1" dirty="0"/>
+              <a:t> </a:t>
+            </a:r>
+            <a:r>
+              <a:rPr lang="en-US" altLang="zh-CN" b="0" i="0" dirty="0">
+                <a:effectLst/>
+              </a:rPr>
+              <a:t>When</a:t>
+            </a:r>
+            <a:r>
+              <a:rPr lang="zh-CN" altLang="en-US" b="0" i="0" dirty="0">
+                <a:effectLst/>
+              </a:rPr>
+              <a:t> </a:t>
+            </a:r>
+            <a:r>
+              <a:rPr lang="en-US" altLang="zh-CN" b="0" i="0" dirty="0">
+                <a:effectLst/>
+              </a:rPr>
+              <a:t>the</a:t>
+            </a:r>
+            <a:r>
+              <a:rPr lang="zh-CN" altLang="en-US" b="0" i="0" dirty="0">
+                <a:effectLst/>
+              </a:rPr>
+              <a:t> </a:t>
+            </a:r>
+            <a:r>
+              <a:rPr lang="en-US" altLang="zh-CN" b="0" i="0" dirty="0">
+                <a:effectLst/>
+              </a:rPr>
+              <a:t>interaction</a:t>
+            </a:r>
+            <a:r>
+              <a:rPr lang="zh-CN" altLang="en-US" b="0" i="0" dirty="0">
+                <a:effectLst/>
+              </a:rPr>
+              <a:t> </a:t>
+            </a:r>
+            <a:r>
+              <a:rPr lang="en-US" altLang="zh-CN" b="0" i="0" dirty="0" err="1">
+                <a:effectLst/>
+              </a:rPr>
+              <a:t>occured</a:t>
+            </a:r>
+            <a:endParaRPr lang="en-US" altLang="zh-CN" dirty="0"/>
+          </a:p>
+          <a:p>
+            <a:r>
+              <a:rPr lang="en-US" altLang="zh-CN" b="1" i="0" dirty="0">
+                <a:effectLst/>
+              </a:rPr>
+              <a:t>Data</a:t>
+            </a:r>
+            <a:r>
+              <a:rPr lang="zh-CN" altLang="en-US" b="1" i="0" dirty="0">
+                <a:effectLst/>
+              </a:rPr>
+              <a:t> </a:t>
+            </a:r>
+            <a:r>
+              <a:rPr lang="en-US" altLang="zh-CN" b="1" i="0" dirty="0">
+                <a:effectLst/>
+              </a:rPr>
+              <a:t>Transfer</a:t>
+            </a:r>
+            <a:r>
+              <a:rPr lang="zh-CN" altLang="en-US" b="1" i="0" dirty="0">
+                <a:effectLst/>
+              </a:rPr>
+              <a:t> </a:t>
+            </a:r>
+            <a:r>
+              <a:rPr lang="en-US" altLang="zh-CN" b="1" i="0" dirty="0">
+                <a:effectLst/>
+              </a:rPr>
+              <a:t>Rates(</a:t>
+            </a:r>
+            <a:r>
+              <a:rPr lang="en-US" altLang="zh-CN" b="1" i="0" dirty="0" err="1">
+                <a:effectLst/>
+              </a:rPr>
+              <a:t>Kb</a:t>
+            </a:r>
+            <a:r>
+              <a:rPr lang="en-US" altLang="zh-CN" b="1" i="0" dirty="0">
+                <a:effectLst/>
+              </a:rPr>
+              <a:t>/s):</a:t>
+            </a:r>
+            <a:r>
+              <a:rPr lang="zh-CN" altLang="en-US" b="1" i="0" dirty="0">
+                <a:effectLst/>
+              </a:rPr>
+              <a:t> </a:t>
+            </a:r>
+            <a:r>
+              <a:rPr lang="en-US" altLang="zh-CN" dirty="0"/>
+              <a:t>The</a:t>
+            </a:r>
+            <a:r>
+              <a:rPr lang="zh-CN" altLang="en-US" dirty="0"/>
+              <a:t> </a:t>
+            </a:r>
+            <a:r>
+              <a:rPr lang="en-US" altLang="zh-CN" dirty="0"/>
+              <a:t>speed</a:t>
+            </a:r>
+            <a:r>
+              <a:rPr lang="zh-CN" altLang="en-US" dirty="0"/>
+              <a:t> </a:t>
+            </a:r>
+            <a:r>
+              <a:rPr lang="en-US" altLang="zh-CN" dirty="0"/>
+              <a:t>of</a:t>
+            </a:r>
+            <a:r>
+              <a:rPr lang="zh-CN" altLang="en-US" dirty="0"/>
+              <a:t> </a:t>
+            </a:r>
+            <a:r>
+              <a:rPr lang="en-US" altLang="zh-CN" dirty="0"/>
+              <a:t>the</a:t>
+            </a:r>
+            <a:r>
+              <a:rPr lang="zh-CN" altLang="en-US" dirty="0"/>
+              <a:t> </a:t>
+            </a:r>
+            <a:r>
+              <a:rPr lang="en-US" altLang="zh-CN" dirty="0"/>
+              <a:t>data</a:t>
+            </a:r>
+            <a:r>
+              <a:rPr lang="zh-CN" altLang="en-US" dirty="0"/>
+              <a:t> </a:t>
+            </a:r>
+            <a:r>
+              <a:rPr lang="en-US" altLang="zh-CN" dirty="0"/>
+              <a:t>exchange</a:t>
+            </a:r>
+            <a:r>
+              <a:rPr lang="zh-CN" altLang="en-US" dirty="0"/>
+              <a:t> </a:t>
+            </a:r>
+            <a:endParaRPr lang="en-US" altLang="zh-CN" dirty="0"/>
+          </a:p>
+          <a:p>
+            <a:r>
+              <a:rPr lang="en-US" altLang="zh-CN" b="1" dirty="0"/>
+              <a:t>Packet</a:t>
+            </a:r>
+            <a:r>
+              <a:rPr lang="zh-CN" altLang="en-US" b="1" dirty="0"/>
+              <a:t> </a:t>
+            </a:r>
+            <a:r>
+              <a:rPr lang="en-US" altLang="zh-CN" b="1" dirty="0"/>
+              <a:t>Sizes:</a:t>
+            </a:r>
+            <a:r>
+              <a:rPr lang="zh-CN" altLang="en-US" b="1" dirty="0"/>
+              <a:t> </a:t>
+            </a:r>
+            <a:r>
+              <a:rPr lang="en-US" altLang="zh-CN" dirty="0"/>
+              <a:t>Sizes</a:t>
+            </a:r>
+            <a:r>
+              <a:rPr lang="zh-CN" altLang="en-US" dirty="0"/>
+              <a:t> </a:t>
+            </a:r>
+            <a:r>
+              <a:rPr lang="en-US" altLang="zh-CN" dirty="0"/>
+              <a:t>of</a:t>
+            </a:r>
+            <a:r>
+              <a:rPr lang="zh-CN" altLang="en-US" dirty="0"/>
+              <a:t> </a:t>
+            </a:r>
+            <a:r>
+              <a:rPr lang="en-US" altLang="zh-CN" dirty="0"/>
+              <a:t>the</a:t>
+            </a:r>
+            <a:r>
+              <a:rPr lang="zh-CN" altLang="en-US" dirty="0"/>
+              <a:t> </a:t>
+            </a:r>
+            <a:r>
+              <a:rPr lang="en-US" altLang="zh-CN" dirty="0"/>
+              <a:t>packets</a:t>
+            </a:r>
+            <a:r>
+              <a:rPr lang="zh-CN" altLang="en-US" dirty="0"/>
+              <a:t> </a:t>
+            </a:r>
+            <a:r>
+              <a:rPr lang="en-US" altLang="zh-CN" dirty="0"/>
+              <a:t>sent</a:t>
+            </a:r>
+            <a:r>
+              <a:rPr lang="zh-CN" altLang="en-US" dirty="0"/>
+              <a:t> </a:t>
+            </a:r>
+            <a:r>
+              <a:rPr lang="en-US" altLang="zh-CN" dirty="0"/>
+              <a:t>and</a:t>
+            </a:r>
+            <a:r>
+              <a:rPr lang="zh-CN" altLang="en-US" dirty="0"/>
+              <a:t> </a:t>
+            </a:r>
+            <a:r>
+              <a:rPr lang="en-US" altLang="zh-CN" dirty="0"/>
+              <a:t>received</a:t>
+            </a:r>
+          </a:p>
+          <a:p>
+            <a:r>
+              <a:rPr lang="en-US" altLang="zh-CN" b="1" dirty="0"/>
+              <a:t>Bandwidth</a:t>
+            </a:r>
+            <a:r>
+              <a:rPr lang="zh-CN" altLang="en-US" b="1" dirty="0"/>
+              <a:t> </a:t>
+            </a:r>
+            <a:r>
+              <a:rPr lang="en-US" altLang="zh-CN" b="1" dirty="0"/>
+              <a:t>Usage:</a:t>
+            </a:r>
+            <a:r>
+              <a:rPr lang="zh-CN" altLang="en-US" b="1" dirty="0"/>
+              <a:t> </a:t>
+            </a:r>
+            <a:r>
+              <a:rPr lang="en-US" altLang="zh-CN" dirty="0"/>
+              <a:t>Total</a:t>
+            </a:r>
+            <a:r>
+              <a:rPr lang="zh-CN" altLang="en-US" dirty="0"/>
+              <a:t> </a:t>
+            </a:r>
+            <a:r>
+              <a:rPr lang="en-US" altLang="zh-CN" dirty="0"/>
+              <a:t>amount</a:t>
+            </a:r>
+            <a:r>
+              <a:rPr lang="zh-CN" altLang="en-US" dirty="0"/>
+              <a:t> </a:t>
+            </a:r>
+            <a:r>
+              <a:rPr lang="en-US" altLang="zh-CN" dirty="0"/>
+              <a:t>of</a:t>
+            </a:r>
+            <a:r>
+              <a:rPr lang="zh-CN" altLang="en-US" dirty="0"/>
+              <a:t> </a:t>
+            </a:r>
+            <a:r>
+              <a:rPr lang="en-US" altLang="zh-CN" dirty="0"/>
+              <a:t>data</a:t>
+            </a:r>
+            <a:r>
+              <a:rPr lang="zh-CN" altLang="en-US" dirty="0"/>
+              <a:t> </a:t>
+            </a:r>
+            <a:r>
+              <a:rPr lang="en-US" altLang="zh-CN" dirty="0"/>
+              <a:t>sent</a:t>
+            </a:r>
+            <a:r>
+              <a:rPr lang="zh-CN" altLang="en-US" dirty="0"/>
+              <a:t> </a:t>
+            </a:r>
+            <a:r>
+              <a:rPr lang="en-US" altLang="zh-CN" dirty="0"/>
+              <a:t>and</a:t>
+            </a:r>
+            <a:r>
+              <a:rPr lang="zh-CN" altLang="en-US" dirty="0"/>
+              <a:t> </a:t>
+            </a:r>
+            <a:r>
+              <a:rPr lang="en-US" altLang="zh-CN" dirty="0"/>
+              <a:t>received</a:t>
+            </a:r>
+          </a:p>
+          <a:p>
+            <a:r>
+              <a:rPr lang="en-US" altLang="zh-CN" b="1" dirty="0"/>
+              <a:t>Connection</a:t>
+            </a:r>
+            <a:r>
+              <a:rPr lang="zh-CN" altLang="en-US" b="1" dirty="0"/>
+              <a:t> </a:t>
+            </a:r>
+            <a:r>
+              <a:rPr lang="en-US" altLang="zh-CN" b="1" dirty="0"/>
+              <a:t>Durations:</a:t>
+            </a:r>
+            <a:r>
+              <a:rPr lang="zh-CN" altLang="en-US" b="1" dirty="0"/>
+              <a:t> </a:t>
+            </a:r>
+            <a:r>
+              <a:rPr lang="en-US" altLang="zh-CN" dirty="0"/>
+              <a:t>How</a:t>
+            </a:r>
+            <a:r>
+              <a:rPr lang="zh-CN" altLang="en-US" dirty="0"/>
+              <a:t> </a:t>
+            </a:r>
+            <a:r>
+              <a:rPr lang="en-US" altLang="zh-CN" dirty="0"/>
+              <a:t>long</a:t>
+            </a:r>
+            <a:r>
+              <a:rPr lang="zh-CN" altLang="en-US" dirty="0"/>
+              <a:t> </a:t>
+            </a:r>
+            <a:r>
+              <a:rPr lang="en-US" altLang="zh-CN" dirty="0"/>
+              <a:t>the</a:t>
+            </a:r>
+            <a:r>
+              <a:rPr lang="zh-CN" altLang="en-US" dirty="0"/>
+              <a:t> </a:t>
+            </a:r>
+            <a:r>
+              <a:rPr lang="en-US" altLang="zh-CN" dirty="0"/>
+              <a:t>connection</a:t>
+            </a:r>
+            <a:r>
+              <a:rPr lang="zh-CN" altLang="en-US" dirty="0"/>
+              <a:t> </a:t>
+            </a:r>
+            <a:r>
+              <a:rPr lang="en-US" altLang="zh-CN" dirty="0"/>
+              <a:t>was</a:t>
+            </a:r>
+            <a:r>
+              <a:rPr lang="zh-CN" altLang="en-US" dirty="0"/>
+              <a:t> </a:t>
+            </a:r>
+            <a:r>
+              <a:rPr lang="en-US" altLang="zh-CN" dirty="0"/>
+              <a:t>active</a:t>
+            </a:r>
+            <a:r>
+              <a:rPr lang="zh-CN" altLang="en-US" dirty="0"/>
+              <a:t> </a:t>
+            </a:r>
+            <a:endParaRPr lang="en-US" altLang="zh-CN" dirty="0"/>
+          </a:p>
+          <a:p>
+            <a:r>
+              <a:rPr lang="en-US" altLang="zh-CN" b="1" dirty="0"/>
+              <a:t>Activity</a:t>
+            </a:r>
+            <a:r>
+              <a:rPr lang="zh-CN" altLang="en-US" b="1" dirty="0"/>
+              <a:t> </a:t>
+            </a:r>
+            <a:r>
+              <a:rPr lang="en-US" altLang="zh-CN" b="1" dirty="0"/>
+              <a:t>Timestamps:</a:t>
+            </a:r>
+            <a:r>
+              <a:rPr lang="zh-CN" altLang="en-US" b="1" dirty="0"/>
+              <a:t> </a:t>
+            </a:r>
+            <a:r>
+              <a:rPr lang="en-US" altLang="zh-CN" dirty="0"/>
+              <a:t>Specific</a:t>
+            </a:r>
+            <a:r>
+              <a:rPr lang="zh-CN" altLang="en-US" dirty="0"/>
+              <a:t> </a:t>
+            </a:r>
+            <a:r>
+              <a:rPr lang="en-US" altLang="zh-CN" dirty="0"/>
+              <a:t>times</a:t>
+            </a:r>
+            <a:r>
+              <a:rPr lang="zh-CN" altLang="en-US" dirty="0"/>
+              <a:t> </a:t>
+            </a:r>
+            <a:r>
+              <a:rPr lang="en-US" altLang="zh-CN" dirty="0"/>
+              <a:t>when</a:t>
+            </a:r>
+            <a:r>
+              <a:rPr lang="zh-CN" altLang="en-US" dirty="0"/>
+              <a:t> </a:t>
+            </a:r>
+            <a:r>
+              <a:rPr lang="en-US" altLang="zh-CN" dirty="0"/>
+              <a:t>the</a:t>
+            </a:r>
+            <a:r>
+              <a:rPr lang="zh-CN" altLang="en-US" dirty="0"/>
+              <a:t> </a:t>
+            </a:r>
+            <a:r>
+              <a:rPr lang="en-US" altLang="zh-CN" dirty="0"/>
+              <a:t>activity</a:t>
+            </a:r>
+            <a:r>
+              <a:rPr lang="zh-CN" altLang="en-US" dirty="0"/>
+              <a:t> </a:t>
+            </a:r>
+            <a:r>
+              <a:rPr lang="en-US" altLang="zh-CN" dirty="0"/>
+              <a:t>peaked</a:t>
+            </a:r>
+            <a:r>
+              <a:rPr lang="zh-CN" altLang="en-US" dirty="0"/>
+              <a:t> </a:t>
+            </a:r>
+            <a:r>
+              <a:rPr lang="en-US" altLang="zh-CN" dirty="0"/>
+              <a:t>or</a:t>
+            </a:r>
+            <a:r>
+              <a:rPr lang="zh-CN" altLang="en-US" dirty="0"/>
+              <a:t> </a:t>
+            </a:r>
+            <a:r>
+              <a:rPr lang="en-US" altLang="zh-CN" dirty="0"/>
+              <a:t>changed</a:t>
+            </a:r>
+          </a:p>
+          <a:p>
+            <a:r>
+              <a:rPr lang="en-US" altLang="zh-CN" b="1" dirty="0"/>
+              <a:t>Device</a:t>
+            </a:r>
+            <a:r>
+              <a:rPr lang="zh-CN" altLang="en-US" b="1" dirty="0"/>
+              <a:t> </a:t>
+            </a:r>
+            <a:r>
+              <a:rPr lang="en-US" altLang="zh-CN" b="1" dirty="0"/>
+              <a:t>Connections:</a:t>
+            </a:r>
+            <a:r>
+              <a:rPr lang="zh-CN" altLang="en-US" b="1" dirty="0"/>
+              <a:t> </a:t>
+            </a:r>
+            <a:r>
+              <a:rPr lang="en-US" altLang="zh-CN" dirty="0"/>
+              <a:t>Details</a:t>
+            </a:r>
+            <a:r>
+              <a:rPr lang="zh-CN" altLang="en-US" dirty="0"/>
+              <a:t> </a:t>
+            </a:r>
+            <a:r>
+              <a:rPr lang="en-US" altLang="zh-CN" dirty="0"/>
+              <a:t>about</a:t>
+            </a:r>
+            <a:r>
+              <a:rPr lang="zh-CN" altLang="en-US" dirty="0"/>
+              <a:t> </a:t>
+            </a:r>
+            <a:r>
+              <a:rPr lang="en-US" altLang="zh-CN" dirty="0"/>
+              <a:t>the</a:t>
+            </a:r>
+            <a:r>
+              <a:rPr lang="zh-CN" altLang="en-US" dirty="0"/>
+              <a:t> </a:t>
+            </a:r>
+            <a:r>
+              <a:rPr lang="en-US" altLang="zh-CN" dirty="0"/>
+              <a:t>devices</a:t>
+            </a:r>
+            <a:r>
+              <a:rPr lang="zh-CN" altLang="en-US" dirty="0"/>
+              <a:t> </a:t>
+            </a:r>
+            <a:r>
+              <a:rPr lang="en-US" altLang="zh-CN" dirty="0"/>
+              <a:t>involved</a:t>
+            </a:r>
+            <a:r>
+              <a:rPr lang="zh-CN" altLang="en-US" dirty="0"/>
+              <a:t> </a:t>
+            </a:r>
+            <a:r>
+              <a:rPr lang="en-US" altLang="zh-CN" dirty="0"/>
+              <a:t>in</a:t>
+            </a:r>
+            <a:r>
+              <a:rPr lang="zh-CN" altLang="en-US" dirty="0"/>
+              <a:t> </a:t>
+            </a:r>
+            <a:r>
+              <a:rPr lang="en-US" altLang="zh-CN" dirty="0"/>
+              <a:t>the</a:t>
+            </a:r>
+            <a:r>
+              <a:rPr lang="zh-CN" altLang="en-US" dirty="0"/>
+              <a:t> </a:t>
+            </a:r>
+            <a:r>
+              <a:rPr lang="en-US" altLang="zh-CN" dirty="0"/>
+              <a:t>network</a:t>
+            </a:r>
+            <a:r>
+              <a:rPr lang="zh-CN" altLang="en-US" dirty="0"/>
+              <a:t> </a:t>
+            </a:r>
+            <a:r>
+              <a:rPr lang="en-US" altLang="zh-CN" dirty="0"/>
+              <a:t>communication</a:t>
+            </a:r>
+          </a:p>
+        </p:txBody>
+      </p:sp>
+    </p:spTree>
+    <p:extLst>
+      <p:ext uri="{BB962C8B-B14F-4D97-AF65-F5344CB8AC3E}">
+        <p14:creationId xmlns:p14="http://schemas.microsoft.com/office/powerpoint/2010/main" val="1544275754"/>
+      </p:ext>
+    </p:extLst>
+  </p:cSld>
+  <p:clrMapOvr>
+    <a:masterClrMapping/>
+  </p:clrMapOvr>
+</p:sld>
+</file>
+
 <file path=ppt/slides/slide2.xml><?xml version="1.0" encoding="utf-8"?>
 <p:sld xmlns:a="http://schemas.openxmlformats.org/drawingml/2006/main" xmlns:r="http://schemas.openxmlformats.org/officeDocument/2006/relationships" xmlns:p="http://schemas.openxmlformats.org/presentationml/2006/main">
   <p:cSld>
@@ -4681,6 +5659,38 @@
               <a:rPr lang="en-US" altLang="zh-CN" dirty="0"/>
               <a:t>Alexa</a:t>
             </a:r>
+            <a:r>
+              <a:rPr lang="zh-CN" altLang="en-US" dirty="0"/>
+              <a:t> </a:t>
+            </a:r>
+            <a:r>
+              <a:rPr lang="en-US" altLang="zh-CN" dirty="0"/>
+              <a:t>(the</a:t>
+            </a:r>
+            <a:r>
+              <a:rPr lang="zh-CN" altLang="en-US" dirty="0"/>
+              <a:t> </a:t>
+            </a:r>
+            <a:r>
+              <a:rPr lang="en-US" altLang="zh-CN" dirty="0"/>
+              <a:t>text</a:t>
+            </a:r>
+            <a:r>
+              <a:rPr lang="zh-CN" altLang="en-US" dirty="0"/>
+              <a:t> </a:t>
+            </a:r>
+            <a:r>
+              <a:rPr lang="en-US" altLang="zh-CN" dirty="0"/>
+              <a:t>of</a:t>
+            </a:r>
+            <a:r>
+              <a:rPr lang="zh-CN" altLang="en-US" dirty="0"/>
+              <a:t> </a:t>
+            </a:r>
+            <a:r>
+              <a:rPr lang="en-US" altLang="zh-CN" dirty="0"/>
+              <a:t>speeches)</a:t>
+            </a:r>
           </a:p>
           <a:p>
             <a:r>
@@ -4909,7 +5919,7 @@
           <p:cNvPr id="2" name="Title 1">
             <a:extLst>
               <a:ext uri="{FF2B5EF4-FFF2-40B4-BE49-F238E27FC236}">
-                <a16:creationId xmlns:a16="http://schemas.microsoft.com/office/drawing/2014/main" id="{6A72EC25-10D1-3A87-0CEA-07E6BAD8288D}"/>
+                <a16:creationId xmlns:a16="http://schemas.microsoft.com/office/drawing/2014/main" id="{DA4C1E6C-2F86-4935-0282-297DCB914D6F}"/>
               </a:ext>
             </a:extLst>
           </p:cNvPr>
@@ -4943,15 +5953,15 @@
             </a:r>
             <a:r>
               <a:rPr lang="en-US" altLang="zh-CN" dirty="0"/>
-              <a:t>simple</a:t>
-            </a:r>
-            <a:r>
-              <a:rPr lang="zh-CN" altLang="en-US" dirty="0"/>
-              <a:t> </a:t>
-            </a:r>
-            <a:r>
-              <a:rPr lang="en-US" altLang="zh-CN" dirty="0"/>
-              <a:t>version</a:t>
+              <a:t>for</a:t>
+            </a:r>
+            <a:r>
+              <a:rPr lang="zh-CN" altLang="en-US" dirty="0"/>
+              <a:t> </a:t>
+            </a:r>
+            <a:r>
+              <a:rPr lang="en-US" altLang="zh-CN" dirty="0"/>
+              <a:t>real</a:t>
             </a:r>
             <a:endParaRPr lang="en-US" dirty="0"/>
           </a:p>
@@ -4962,7 +5972,7 @@
           <p:cNvPr id="3" name="Content Placeholder 2">
             <a:extLst>
               <a:ext uri="{FF2B5EF4-FFF2-40B4-BE49-F238E27FC236}">
-                <a16:creationId xmlns:a16="http://schemas.microsoft.com/office/drawing/2014/main" id="{A6198CA8-580A-308F-5C83-F52203E9E960}"/>
+                <a16:creationId xmlns:a16="http://schemas.microsoft.com/office/drawing/2014/main" id="{1F05F351-6085-7273-0E31-E1D442A0BBEE}"/>
               </a:ext>
             </a:extLst>
           </p:cNvPr>
@@ -4973,9 +5983,16 @@
             <p:ph idx="1"/>
           </p:nvPr>
         </p:nvSpPr>
-        <p:spPr/>
-        <p:txBody>
-          <a:bodyPr/>
+        <p:spPr>
+          <a:xfrm>
+            <a:off x="838199" y="1825625"/>
+            <a:ext cx="11095300" cy="4351338"/>
+          </a:xfrm>
+        </p:spPr>
+        <p:txBody>
+          <a:bodyPr>
+            <a:normAutofit lnSpcReduction="10000"/>
+          </a:bodyPr>
           <a:lstStyle/>
           <a:p>
             <a:r>
@@ -5180,7 +6197,13 @@
           <a:p>
             <a:r>
               <a:rPr lang="en-US" altLang="zh-CN" dirty="0"/>
-              <a:t>Use</a:t>
+              <a:t>Design recording trigger mechanism</a:t>
+            </a:r>
+          </a:p>
+          <a:p>
+            <a:r>
+              <a:rPr lang="en-US" altLang="zh-CN" dirty="0"/>
+              <a:t>Record</a:t>
             </a:r>
             <a:r>
               <a:rPr lang="zh-CN" altLang="en-US" dirty="0"/>
@@ -5189,34 +6212,84 @@
             <a:r>
               <a:rPr lang="en-US" altLang="zh-CN" dirty="0">
                 <a:solidFill>
-                  <a:srgbClr val="FFC000"/>
+                  <a:srgbClr val="0070C0"/>
                 </a:solidFill>
               </a:rPr>
-              <a:t>TACOTRON2</a:t>
-            </a:r>
-            <a:r>
-              <a:rPr lang="zh-CN" altLang="en-US" dirty="0"/>
-              <a:t> </a:t>
-            </a:r>
-            <a:r>
-              <a:rPr lang="en-US" altLang="zh-CN" dirty="0"/>
-              <a:t>to</a:t>
-            </a:r>
-            <a:r>
-              <a:rPr lang="zh-CN" altLang="en-US" dirty="0"/>
-              <a:t> </a:t>
-            </a:r>
-            <a:r>
-              <a:rPr lang="en-US" altLang="zh-CN" dirty="0"/>
-              <a:t>generate</a:t>
-            </a:r>
-            <a:r>
-              <a:rPr lang="zh-CN" altLang="en-US" dirty="0"/>
-              <a:t> </a:t>
-            </a:r>
-            <a:r>
-              <a:rPr lang="en-US" altLang="zh-CN" dirty="0"/>
-              <a:t>speech(</a:t>
+              <a:t>Alexa</a:t>
+            </a:r>
+            <a:r>
+              <a:rPr lang="zh-CN" altLang="en-US" dirty="0"/>
+              <a:t> </a:t>
+            </a:r>
+            <a:r>
+              <a:rPr lang="en-US" altLang="zh-CN" dirty="0"/>
+              <a:t>sessions</a:t>
+            </a:r>
+            <a:r>
+              <a:rPr lang="zh-CN" altLang="en-US" dirty="0"/>
+              <a:t> </a:t>
+            </a:r>
+            <a:r>
+              <a:rPr lang="en-US" altLang="zh-CN" dirty="0"/>
+              <a:t>by</a:t>
+            </a:r>
+            <a:r>
+              <a:rPr lang="zh-CN" altLang="en-US" dirty="0"/>
+              <a:t> </a:t>
+            </a:r>
+            <a:r>
+              <a:rPr lang="en-US" altLang="zh-CN" dirty="0">
+                <a:solidFill>
+                  <a:srgbClr val="0070C0"/>
+                </a:solidFill>
+              </a:rPr>
+              <a:t>USB</a:t>
+            </a:r>
+            <a:r>
+              <a:rPr lang="zh-CN" altLang="en-US" dirty="0"/>
+              <a:t> </a:t>
+            </a:r>
+            <a:r>
+              <a:rPr lang="en-US" altLang="zh-CN" dirty="0">
+                <a:solidFill>
+                  <a:srgbClr val="0070C0"/>
+                </a:solidFill>
+              </a:rPr>
+              <a:t>microphone </a:t>
+            </a:r>
+            <a:r>
+              <a:rPr lang="en-US" altLang="zh-CN" dirty="0"/>
+              <a:t>when</a:t>
+            </a:r>
+            <a:r>
+              <a:rPr lang="zh-CN" altLang="en-US" dirty="0"/>
+              <a:t> </a:t>
+            </a:r>
+            <a:r>
+              <a:rPr lang="en-US" altLang="zh-CN" dirty="0"/>
+              <a:t>interactions</a:t>
+            </a:r>
+            <a:r>
+              <a:rPr lang="zh-CN" altLang="en-US" dirty="0"/>
+              <a:t> </a:t>
+            </a:r>
+            <a:r>
+              <a:rPr lang="en-US" altLang="zh-CN" dirty="0"/>
+              <a:t>happen</a:t>
+            </a:r>
+          </a:p>
+          <a:p>
+            <a:r>
+              <a:rPr lang="en-US" altLang="zh-CN" dirty="0"/>
+              <a:t>Save conversation audio</a:t>
+            </a:r>
+            <a:r>
+              <a:rPr lang="zh-CN" altLang="en-US" dirty="0"/>
+              <a:t> </a:t>
+            </a:r>
+            <a:r>
+              <a:rPr lang="en-US" altLang="zh-CN" dirty="0"/>
+              <a:t>files(</a:t>
             </a:r>
             <a:r>
               <a:rPr lang="en-US" altLang="zh-CN" dirty="0">
@@ -5228,6 +6301,34 @@
             </a:r>
             <a:r>
               <a:rPr lang="en-US" altLang="zh-CN" dirty="0"/>
+              <a:t>) and</a:t>
+            </a:r>
+            <a:r>
+              <a:rPr lang="zh-CN" altLang="en-US" dirty="0"/>
+              <a:t> </a:t>
+            </a:r>
+            <a:r>
+              <a:rPr lang="en-US" altLang="zh-CN" dirty="0"/>
+              <a:t>traffic</a:t>
+            </a:r>
+            <a:r>
+              <a:rPr lang="zh-CN" altLang="en-US" dirty="0"/>
+              <a:t> </a:t>
+            </a:r>
+            <a:r>
+              <a:rPr lang="en-US" altLang="zh-CN" dirty="0"/>
+              <a:t>data(</a:t>
+            </a:r>
+            <a:r>
+              <a:rPr lang="en-US" altLang="zh-CN" dirty="0">
+                <a:solidFill>
+                  <a:srgbClr val="FF0000"/>
+                </a:solidFill>
+              </a:rPr>
+              <a:t>W</a:t>
+            </a:r>
+            <a:r>
+              <a:rPr lang="en-US" altLang="zh-CN" dirty="0"/>
               <a:t>)</a:t>
             </a:r>
             <a:r>
@@ -5236,15 +6337,101 @@
             </a:r>
             <a:r>
               <a:rPr lang="en-US" altLang="zh-CN" dirty="0"/>
-              <a:t>from</a:t>
-            </a:r>
-            <a:r>
-              <a:rPr lang="zh-CN" altLang="en-US" dirty="0"/>
-              <a:t> </a:t>
-            </a:r>
-            <a:r>
-              <a:rPr lang="en-US" altLang="zh-CN" dirty="0"/>
-              <a:t>text(</a:t>
+              <a:t>with timestamps(</a:t>
+            </a:r>
+            <a:r>
+              <a:rPr lang="en-US" altLang="zh-CN" dirty="0">
+                <a:solidFill>
+                  <a:srgbClr val="FF0000"/>
+                </a:solidFill>
+              </a:rPr>
+              <a:t>T</a:t>
+            </a:r>
+            <a:r>
+              <a:rPr lang="en-US" altLang="zh-CN" dirty="0"/>
+              <a:t>)</a:t>
+            </a:r>
+          </a:p>
+          <a:p>
+            <a:r>
+              <a:rPr lang="en-US" altLang="zh-CN" dirty="0"/>
+              <a:t>Transcribe</a:t>
+            </a:r>
+            <a:r>
+              <a:rPr lang="zh-CN" altLang="en-US" dirty="0"/>
+              <a:t> </a:t>
+            </a:r>
+            <a:r>
+              <a:rPr lang="en-US" altLang="zh-CN" dirty="0"/>
+              <a:t>the</a:t>
+            </a:r>
+            <a:r>
+              <a:rPr lang="zh-CN" altLang="en-US" dirty="0"/>
+              <a:t> </a:t>
+            </a:r>
+            <a:r>
+              <a:rPr lang="en-US" altLang="zh-CN" dirty="0"/>
+              <a:t>conversation</a:t>
+            </a:r>
+            <a:r>
+              <a:rPr lang="zh-CN" altLang="en-US" dirty="0"/>
+              <a:t> </a:t>
+            </a:r>
+            <a:r>
+              <a:rPr lang="en-US" altLang="zh-CN" dirty="0"/>
+              <a:t>recording</a:t>
+            </a:r>
+            <a:r>
+              <a:rPr lang="zh-CN" altLang="en-US" dirty="0"/>
+              <a:t> </a:t>
+            </a:r>
+            <a:r>
+              <a:rPr lang="en-US" altLang="zh-CN" dirty="0"/>
+              <a:t>for</a:t>
+            </a:r>
+            <a:r>
+              <a:rPr lang="zh-CN" altLang="en-US" dirty="0"/>
+              <a:t> </a:t>
+            </a:r>
+            <a:r>
+              <a:rPr lang="en-US" altLang="zh-CN" dirty="0"/>
+              <a:t>analysis</a:t>
+            </a:r>
+            <a:r>
+              <a:rPr lang="zh-CN" altLang="en-US" dirty="0"/>
+              <a:t> </a:t>
+            </a:r>
+            <a:r>
+              <a:rPr lang="en-US" altLang="zh-CN" dirty="0"/>
+              <a:t>using</a:t>
+            </a:r>
+            <a:r>
+              <a:rPr lang="zh-CN" altLang="en-US" dirty="0"/>
+              <a:t> </a:t>
+            </a:r>
+            <a:r>
+              <a:rPr lang="en-US" altLang="zh-CN" dirty="0"/>
+              <a:t>NLP(</a:t>
+            </a:r>
+            <a:r>
+              <a:rPr lang="en-US" altLang="zh-CN" dirty="0">
+                <a:solidFill>
+                  <a:srgbClr val="FF0000"/>
+                </a:solidFill>
+              </a:rPr>
+              <a:t>A</a:t>
+            </a:r>
+            <a:r>
+              <a:rPr lang="zh-CN" altLang="en-US" dirty="0"/>
+              <a:t> </a:t>
+            </a:r>
+            <a:r>
+              <a:rPr lang="en-US" altLang="zh-CN" dirty="0"/>
+              <a:t>-&gt;</a:t>
+            </a:r>
+            <a:r>
+              <a:rPr lang="zh-CN" altLang="en-US" dirty="0"/>
+              <a:t> </a:t>
             </a:r>
             <a:r>
               <a:rPr lang="en-US" altLang="zh-CN" dirty="0">
@@ -5258,129 +6445,31 @@
               <a:rPr lang="en-US" altLang="zh-CN" dirty="0"/>
               <a:t>)</a:t>
             </a:r>
-            <a:r>
-              <a:rPr lang="zh-CN" altLang="en-US" dirty="0"/>
-              <a:t> </a:t>
-            </a:r>
-            <a:r>
-              <a:rPr lang="en-US" b="0" i="0" dirty="0">
-                <a:solidFill>
-                  <a:srgbClr val="002060"/>
-                </a:solidFill>
-                <a:effectLst/>
-              </a:rPr>
-              <a:t>speech synthesis </a:t>
-            </a:r>
-            <a:endParaRPr lang="en-US" altLang="zh-CN" dirty="0">
-              <a:solidFill>
-                <a:srgbClr val="002060"/>
-              </a:solidFill>
-            </a:endParaRPr>
-          </a:p>
-          <a:p>
-            <a:r>
-              <a:rPr lang="en-US" altLang="zh-CN" dirty="0"/>
-              <a:t>Play</a:t>
-            </a:r>
-            <a:r>
-              <a:rPr lang="zh-CN" altLang="en-US" dirty="0"/>
-              <a:t> </a:t>
-            </a:r>
-            <a:r>
-              <a:rPr lang="en-US" altLang="zh-CN" dirty="0"/>
-              <a:t>the</a:t>
-            </a:r>
-            <a:r>
-              <a:rPr lang="zh-CN" altLang="en-US" dirty="0"/>
-              <a:t> </a:t>
-            </a:r>
-            <a:r>
-              <a:rPr lang="en-US" altLang="zh-CN" dirty="0"/>
-              <a:t>audio</a:t>
-            </a:r>
-            <a:r>
-              <a:rPr lang="zh-CN" altLang="en-US" dirty="0"/>
-              <a:t> </a:t>
-            </a:r>
-            <a:r>
-              <a:rPr lang="en-US" altLang="zh-CN" dirty="0"/>
-              <a:t>file</a:t>
-            </a:r>
-            <a:r>
-              <a:rPr lang="zh-CN" altLang="en-US" dirty="0"/>
-              <a:t> </a:t>
-            </a:r>
-            <a:r>
-              <a:rPr lang="en-US" altLang="zh-CN" dirty="0"/>
-              <a:t>to</a:t>
-            </a:r>
-            <a:r>
-              <a:rPr lang="zh-CN" altLang="en-US" dirty="0"/>
-              <a:t> </a:t>
-            </a:r>
-            <a:r>
-              <a:rPr lang="en-US" altLang="zh-CN" dirty="0"/>
-              <a:t>the</a:t>
-            </a:r>
-            <a:r>
-              <a:rPr lang="zh-CN" altLang="en-US" dirty="0"/>
-              <a:t> </a:t>
+          </a:p>
+          <a:p>
+            <a:r>
+              <a:rPr lang="en-US" altLang="zh-CN" dirty="0"/>
+              <a:t>Align conversation</a:t>
+            </a:r>
+            <a:r>
+              <a:rPr lang="zh-CN" altLang="en-US" dirty="0"/>
+              <a:t> </a:t>
+            </a:r>
+            <a:r>
+              <a:rPr lang="en-US" altLang="zh-CN" dirty="0"/>
+              <a:t>content(</a:t>
             </a:r>
             <a:r>
               <a:rPr lang="en-US" altLang="zh-CN" dirty="0">
                 <a:solidFill>
-                  <a:srgbClr val="0070C0"/>
+                  <a:srgbClr val="FF0000"/>
                 </a:solidFill>
               </a:rPr>
-              <a:t>Alexa</a:t>
-            </a:r>
-            <a:r>
-              <a:rPr lang="zh-CN" altLang="en-US" dirty="0"/>
-              <a:t> </a:t>
-            </a:r>
-            <a:r>
-              <a:rPr lang="en-US" altLang="zh-CN" dirty="0"/>
-              <a:t>and</a:t>
-            </a:r>
-            <a:r>
-              <a:rPr lang="zh-CN" altLang="en-US" dirty="0"/>
-              <a:t> </a:t>
-            </a:r>
-            <a:r>
-              <a:rPr lang="en-US" altLang="zh-CN" dirty="0"/>
-              <a:t>capture</a:t>
-            </a:r>
-            <a:r>
-              <a:rPr lang="zh-CN" altLang="en-US" dirty="0"/>
-              <a:t> </a:t>
-            </a:r>
-            <a:r>
-              <a:rPr lang="en-US" altLang="zh-CN" dirty="0"/>
-              <a:t>the</a:t>
-            </a:r>
-            <a:r>
-              <a:rPr lang="zh-CN" altLang="en-US" dirty="0"/>
-              <a:t> </a:t>
-            </a:r>
-            <a:r>
-              <a:rPr lang="en-US" altLang="zh-CN" dirty="0"/>
-              <a:t>traffic</a:t>
-            </a:r>
-            <a:r>
-              <a:rPr lang="zh-CN" altLang="en-US" dirty="0"/>
-              <a:t> </a:t>
-            </a:r>
-            <a:r>
-              <a:rPr lang="en-US" altLang="zh-CN" dirty="0"/>
-              <a:t>data</a:t>
-            </a:r>
-            <a:r>
-              <a:rPr lang="zh-CN" altLang="en-US" dirty="0"/>
-              <a:t> </a:t>
-            </a:r>
-            <a:r>
-              <a:rPr lang="en-US" altLang="zh-CN" dirty="0"/>
-              <a:t>(</a:t>
+              <a:t>C</a:t>
+            </a:r>
+            <a:r>
+              <a:rPr lang="en-US" altLang="zh-CN" dirty="0"/>
+              <a:t>) with traffic data(</a:t>
             </a:r>
             <a:r>
               <a:rPr lang="en-US" altLang="zh-CN" dirty="0">
@@ -5392,6 +6481,108 @@
             </a:r>
             <a:r>
               <a:rPr lang="en-US" altLang="zh-CN" dirty="0"/>
+              <a:t>) based on timestamps(</a:t>
+            </a:r>
+            <a:r>
+              <a:rPr lang="en-US" altLang="zh-CN" dirty="0">
+                <a:solidFill>
+                  <a:srgbClr val="FF0000"/>
+                </a:solidFill>
+              </a:rPr>
+              <a:t>T</a:t>
+            </a:r>
+            <a:r>
+              <a:rPr lang="en-US" altLang="zh-CN" dirty="0"/>
+              <a:t>).</a:t>
+            </a:r>
+          </a:p>
+          <a:p>
+            <a:r>
+              <a:rPr lang="en-US" altLang="zh-CN" dirty="0"/>
+              <a:t>Capture</a:t>
+            </a:r>
+            <a:r>
+              <a:rPr lang="zh-CN" altLang="en-US" dirty="0"/>
+              <a:t> </a:t>
+            </a:r>
+            <a:r>
+              <a:rPr lang="en-US" altLang="zh-CN" dirty="0"/>
+              <a:t>traffic</a:t>
+            </a:r>
+            <a:r>
+              <a:rPr lang="zh-CN" altLang="en-US" dirty="0"/>
+              <a:t> </a:t>
+            </a:r>
+            <a:r>
+              <a:rPr lang="en-US" altLang="zh-CN" dirty="0"/>
+              <a:t>rate</a:t>
+            </a:r>
+            <a:r>
+              <a:rPr lang="zh-CN" altLang="en-US" dirty="0"/>
+              <a:t> </a:t>
+            </a:r>
+            <a:r>
+              <a:rPr lang="en-US" altLang="zh-CN" dirty="0"/>
+              <a:t>data</a:t>
+            </a:r>
+            <a:r>
+              <a:rPr lang="zh-CN" altLang="en-US" dirty="0"/>
+              <a:t> </a:t>
+            </a:r>
+            <a:r>
+              <a:rPr lang="en-US" altLang="zh-CN" dirty="0"/>
+              <a:t>by</a:t>
+            </a:r>
+            <a:r>
+              <a:rPr lang="zh-CN" altLang="en-US" dirty="0"/>
+              <a:t> </a:t>
+            </a:r>
+            <a:r>
+              <a:rPr lang="en-US" altLang="zh-CN" dirty="0">
+                <a:solidFill>
+                  <a:srgbClr val="0070C0"/>
+                </a:solidFill>
+              </a:rPr>
+              <a:t>Raspberry</a:t>
+            </a:r>
+            <a:r>
+              <a:rPr lang="zh-CN" altLang="en-US" dirty="0">
+                <a:solidFill>
+                  <a:srgbClr val="0070C0"/>
+                </a:solidFill>
+              </a:rPr>
+              <a:t> </a:t>
+            </a:r>
+            <a:r>
+              <a:rPr lang="en-US" altLang="zh-CN" dirty="0">
+                <a:solidFill>
+                  <a:srgbClr val="0070C0"/>
+                </a:solidFill>
+              </a:rPr>
+              <a:t>Pi</a:t>
+            </a:r>
+            <a:r>
+              <a:rPr lang="zh-CN" altLang="en-US" dirty="0">
+                <a:solidFill>
+                  <a:srgbClr val="0070C0"/>
+                </a:solidFill>
+              </a:rPr>
+              <a:t> </a:t>
+            </a:r>
+            <a:r>
+              <a:rPr lang="en-US" altLang="zh-CN" dirty="0"/>
+              <a:t>(</a:t>
+            </a:r>
+            <a:r>
+              <a:rPr lang="en-US" altLang="zh-CN" dirty="0">
+                <a:solidFill>
+                  <a:srgbClr val="FF0000"/>
+                </a:solidFill>
+              </a:rPr>
+              <a:t>W</a:t>
+            </a:r>
+            <a:r>
+              <a:rPr lang="en-US" altLang="zh-CN" dirty="0"/>
               <a:t>)</a:t>
             </a:r>
           </a:p>
@@ -5402,14 +6593,17 @@
             <a:endParaRPr lang="en-US" altLang="zh-CN" dirty="0"/>
           </a:p>
           <a:p>
-            <a:endParaRPr lang="en-US" dirty="0"/>
+            <a:endParaRPr lang="en-US" altLang="zh-CN" dirty="0"/>
+          </a:p>
+          <a:p>
+            <a:endParaRPr lang="en-US" altLang="zh-CN" dirty="0"/>
           </a:p>
         </p:txBody>
       </p:sp>
     </p:spTree>
     <p:extLst>
       <p:ext uri="{BB962C8B-B14F-4D97-AF65-F5344CB8AC3E}">
-        <p14:creationId xmlns:p14="http://schemas.microsoft.com/office/powerpoint/2010/main" val="4194095729"/>
+        <p14:creationId xmlns:p14="http://schemas.microsoft.com/office/powerpoint/2010/main" val="1432665708"/>
       </p:ext>
     </p:extLst>
   </p:cSld>
@@ -5441,7 +6635,7 @@
           <p:cNvPr id="2" name="Title 1">
             <a:extLst>
               <a:ext uri="{FF2B5EF4-FFF2-40B4-BE49-F238E27FC236}">
-                <a16:creationId xmlns:a16="http://schemas.microsoft.com/office/drawing/2014/main" id="{DA4C1E6C-2F86-4935-0282-297DCB914D6F}"/>
+                <a16:creationId xmlns:a16="http://schemas.microsoft.com/office/drawing/2014/main" id="{86E042A9-E28E-9284-ED61-38A83AE92D37}"/>
               </a:ext>
             </a:extLst>
           </p:cNvPr>
@@ -5459,15 +6653,15 @@
           <a:p>
             <a:r>
               <a:rPr lang="en-US" altLang="zh-CN" dirty="0"/>
-              <a:t>Data</a:t>
-            </a:r>
-            <a:r>
-              <a:rPr lang="zh-CN" altLang="en-US" dirty="0"/>
-              <a:t> </a:t>
-            </a:r>
-            <a:r>
-              <a:rPr lang="en-US" altLang="zh-CN" dirty="0"/>
-              <a:t>Collection</a:t>
+              <a:t>Recording</a:t>
+            </a:r>
+            <a:r>
+              <a:rPr lang="zh-CN" altLang="en-US" dirty="0"/>
+              <a:t> </a:t>
+            </a:r>
+            <a:r>
+              <a:rPr lang="en-US" altLang="zh-CN" dirty="0"/>
+              <a:t>Devices</a:t>
             </a:r>
             <a:r>
               <a:rPr lang="zh-CN" altLang="en-US" dirty="0"/>
@@ -5494,7 +6688,7 @@
           <p:cNvPr id="3" name="Content Placeholder 2">
             <a:extLst>
               <a:ext uri="{FF2B5EF4-FFF2-40B4-BE49-F238E27FC236}">
-                <a16:creationId xmlns:a16="http://schemas.microsoft.com/office/drawing/2014/main" id="{1F05F351-6085-7273-0E31-E1D442A0BBEE}"/>
+                <a16:creationId xmlns:a16="http://schemas.microsoft.com/office/drawing/2014/main" id="{7931A1C1-5573-D255-DFDE-E4298E8BDC7C}"/>
               </a:ext>
             </a:extLst>
           </p:cNvPr>
@@ -5505,627 +6699,233 @@
             <p:ph idx="1"/>
           </p:nvPr>
         </p:nvSpPr>
-        <p:spPr>
-          <a:xfrm>
-            <a:off x="838199" y="1825625"/>
-            <a:ext cx="11095300" cy="4351338"/>
-          </a:xfrm>
-        </p:spPr>
-        <p:txBody>
-          <a:bodyPr>
-            <a:normAutofit lnSpcReduction="10000"/>
-          </a:bodyPr>
+        <p:spPr/>
+        <p:txBody>
+          <a:bodyPr/>
           <a:lstStyle/>
           <a:p>
             <a:r>
               <a:rPr lang="en-US" altLang="zh-CN" dirty="0"/>
-              <a:t>Configure</a:t>
-            </a:r>
-            <a:r>
-              <a:rPr lang="zh-CN" altLang="en-US" dirty="0"/>
-              <a:t> </a:t>
-            </a:r>
-            <a:r>
-              <a:rPr lang="en-US" altLang="zh-CN" dirty="0">
-                <a:solidFill>
-                  <a:srgbClr val="0070C0"/>
-                </a:solidFill>
-              </a:rPr>
+              <a:t>USB</a:t>
+            </a:r>
+            <a:r>
+              <a:rPr lang="zh-CN" altLang="en-US" dirty="0"/>
+              <a:t> </a:t>
+            </a:r>
+            <a:r>
+              <a:rPr lang="en-US" altLang="zh-CN" dirty="0"/>
+              <a:t>microphone</a:t>
+            </a:r>
+            <a:r>
+              <a:rPr lang="zh-CN" altLang="en-US" dirty="0"/>
+              <a:t> </a:t>
+            </a:r>
+            <a:r>
+              <a:rPr lang="en-US" altLang="zh-CN" dirty="0"/>
+              <a:t>compatible</a:t>
+            </a:r>
+            <a:r>
+              <a:rPr lang="zh-CN" altLang="en-US" dirty="0"/>
+              <a:t> </a:t>
+            </a:r>
+            <a:r>
+              <a:rPr lang="en-US" altLang="zh-CN" dirty="0"/>
+              <a:t>with</a:t>
+            </a:r>
+            <a:r>
+              <a:rPr lang="zh-CN" altLang="en-US" dirty="0"/>
+              <a:t> </a:t>
+            </a:r>
+            <a:r>
+              <a:rPr lang="en-US" altLang="zh-CN" dirty="0"/>
+              <a:t>the</a:t>
+            </a:r>
+            <a:r>
+              <a:rPr lang="zh-CN" altLang="en-US" dirty="0"/>
+              <a:t> </a:t>
+            </a:r>
+            <a:r>
+              <a:rPr lang="en-US" altLang="zh-CN" dirty="0"/>
               <a:t>Raspberry</a:t>
             </a:r>
             <a:r>
-              <a:rPr lang="zh-CN" altLang="en-US" dirty="0">
-                <a:solidFill>
-                  <a:srgbClr val="0070C0"/>
-                </a:solidFill>
-              </a:rPr>
-              <a:t> </a:t>
-            </a:r>
-            <a:r>
-              <a:rPr lang="en-US" altLang="zh-CN" dirty="0">
-                <a:solidFill>
-                  <a:srgbClr val="0070C0"/>
-                </a:solidFill>
-              </a:rPr>
+              <a:rPr lang="zh-CN" altLang="en-US" dirty="0"/>
+              <a:t> </a:t>
+            </a:r>
+            <a:r>
+              <a:rPr lang="en-US" altLang="zh-CN" dirty="0"/>
               <a:t>Pi</a:t>
             </a:r>
             <a:r>
-              <a:rPr lang="zh-CN" altLang="en-US" dirty="0">
-                <a:solidFill>
-                  <a:srgbClr val="0070C0"/>
-                </a:solidFill>
-              </a:rPr>
-              <a:t> </a:t>
-            </a:r>
-            <a:r>
-              <a:rPr lang="en-US" altLang="zh-CN" dirty="0"/>
-              <a:t>as</a:t>
-            </a:r>
-            <a:r>
-              <a:rPr lang="zh-CN" altLang="en-US" dirty="0"/>
-              <a:t> </a:t>
-            </a:r>
-            <a:r>
-              <a:rPr lang="en-US" altLang="zh-CN" dirty="0"/>
-              <a:t>a</a:t>
-            </a:r>
-            <a:r>
-              <a:rPr lang="zh-CN" altLang="en-US" dirty="0"/>
-              <a:t> </a:t>
+              <a:rPr lang="zh-CN" altLang="en-US" dirty="0"/>
+              <a:t> </a:t>
+            </a:r>
+            <a:r>
+              <a:rPr lang="en-US" altLang="zh-CN" dirty="0"/>
+              <a:t>4</a:t>
+            </a:r>
+            <a:r>
+              <a:rPr lang="zh-CN" altLang="en-US" dirty="0"/>
+              <a:t> </a:t>
+            </a:r>
+            <a:r>
+              <a:rPr lang="en-US" altLang="zh-CN" dirty="0"/>
+              <a:t>Model</a:t>
+            </a:r>
+            <a:r>
+              <a:rPr lang="zh-CN" altLang="en-US" dirty="0"/>
+              <a:t> </a:t>
+            </a:r>
+            <a:r>
+              <a:rPr lang="en-US" altLang="zh-CN" dirty="0"/>
+              <a:t>B.</a:t>
+            </a:r>
+          </a:p>
+          <a:p>
+            <a:pPr lvl="1"/>
+            <a:r>
+              <a:rPr lang="en-US" altLang="zh-CN" dirty="0"/>
+              <a:t>Blue</a:t>
+            </a:r>
+            <a:r>
+              <a:rPr lang="zh-CN" altLang="en-US" dirty="0"/>
+              <a:t> </a:t>
+            </a:r>
+            <a:r>
+              <a:rPr lang="en-US" altLang="zh-CN" dirty="0"/>
+              <a:t>Yeti</a:t>
+            </a:r>
+          </a:p>
+          <a:p>
+            <a:pPr lvl="1"/>
+            <a:r>
+              <a:rPr lang="en-US" altLang="zh-CN" dirty="0"/>
+              <a:t>Audio-</a:t>
             </a:r>
             <a:r>
               <a:rPr lang="en-US" altLang="zh-CN" dirty="0" err="1"/>
-              <a:t>WiFi</a:t>
-            </a:r>
-            <a:r>
-              <a:rPr lang="zh-CN" altLang="en-US" dirty="0"/>
-              <a:t> </a:t>
-            </a:r>
-            <a:r>
-              <a:rPr lang="en-US" altLang="zh-CN" dirty="0"/>
-              <a:t>router</a:t>
-            </a:r>
-            <a:r>
-              <a:rPr lang="zh-CN" altLang="en-US" dirty="0"/>
-              <a:t> </a:t>
-            </a:r>
-            <a:r>
-              <a:rPr lang="en-US" altLang="zh-CN" dirty="0"/>
-              <a:t>and</a:t>
-            </a:r>
-            <a:r>
-              <a:rPr lang="zh-CN" altLang="en-US" dirty="0"/>
-              <a:t> </a:t>
-            </a:r>
-            <a:r>
-              <a:rPr lang="en-US" altLang="zh-CN" dirty="0"/>
-              <a:t>data</a:t>
-            </a:r>
-            <a:r>
-              <a:rPr lang="zh-CN" altLang="en-US" dirty="0"/>
-              <a:t> </a:t>
-            </a:r>
-            <a:r>
-              <a:rPr lang="en-US" altLang="zh-CN" dirty="0"/>
-              <a:t>collector</a:t>
-            </a:r>
-          </a:p>
-          <a:p>
-            <a:r>
-              <a:rPr lang="en-US" altLang="zh-CN" dirty="0"/>
-              <a:t>Detect</a:t>
-            </a:r>
-            <a:r>
-              <a:rPr lang="zh-CN" altLang="en-US" dirty="0"/>
-              <a:t> </a:t>
-            </a:r>
-            <a:r>
-              <a:rPr lang="en-US" altLang="zh-CN" dirty="0"/>
-              <a:t>the</a:t>
-            </a:r>
-            <a:r>
-              <a:rPr lang="zh-CN" altLang="en-US" dirty="0"/>
-              <a:t> </a:t>
-            </a:r>
+              <a:t>Technica</a:t>
+            </a:r>
+            <a:r>
+              <a:rPr lang="zh-CN" altLang="en-US" dirty="0"/>
+              <a:t> </a:t>
+            </a:r>
+            <a:r>
+              <a:rPr lang="en-US" altLang="zh-CN" dirty="0"/>
+              <a:t>ATR2100x-USB</a:t>
+            </a:r>
+          </a:p>
+          <a:p>
+            <a:pPr lvl="1"/>
+            <a:r>
+              <a:rPr lang="en-US" altLang="zh-CN" dirty="0"/>
+              <a:t>Rode</a:t>
+            </a:r>
+            <a:r>
+              <a:rPr lang="zh-CN" altLang="en-US" dirty="0"/>
+              <a:t> </a:t>
+            </a:r>
+            <a:r>
+              <a:rPr lang="en-US" altLang="zh-CN" dirty="0"/>
+              <a:t>NT-USB</a:t>
+            </a:r>
+          </a:p>
+          <a:p>
+            <a:pPr lvl="1"/>
+            <a:r>
+              <a:rPr lang="en-US" altLang="zh-CN" dirty="0"/>
+              <a:t>Samson</a:t>
+            </a:r>
+            <a:r>
+              <a:rPr lang="zh-CN" altLang="en-US" dirty="0"/>
+              <a:t> </a:t>
+            </a:r>
+            <a:r>
+              <a:rPr lang="en-US" altLang="zh-CN" dirty="0"/>
+              <a:t>Go</a:t>
+            </a:r>
+            <a:r>
+              <a:rPr lang="zh-CN" altLang="en-US" dirty="0"/>
+              <a:t> </a:t>
+            </a:r>
+            <a:r>
+              <a:rPr lang="en-US" altLang="zh-CN" dirty="0"/>
+              <a:t>Mic</a:t>
+            </a:r>
+          </a:p>
+          <a:p>
+            <a:pPr lvl="1"/>
+            <a:r>
+              <a:rPr lang="en-US" altLang="zh-CN" dirty="0"/>
+              <a:t>Shure</a:t>
+            </a:r>
+            <a:r>
+              <a:rPr lang="zh-CN" altLang="en-US" dirty="0"/>
+              <a:t> </a:t>
+            </a:r>
+            <a:r>
+              <a:rPr lang="en-US" altLang="zh-CN" dirty="0"/>
+              <a:t>MV5</a:t>
+            </a:r>
+          </a:p>
+          <a:p>
+            <a:pPr lvl="1"/>
             <a:r>
               <a:rPr lang="en-US" altLang="zh-CN" dirty="0" err="1"/>
-              <a:t>WiFi</a:t>
-            </a:r>
-            <a:r>
-              <a:rPr lang="zh-CN" altLang="en-US" dirty="0"/>
-              <a:t> </a:t>
-            </a:r>
-            <a:r>
-              <a:rPr lang="en-US" altLang="zh-CN" dirty="0"/>
-              <a:t>traffic</a:t>
-            </a:r>
-            <a:r>
-              <a:rPr lang="zh-CN" altLang="en-US" dirty="0"/>
-              <a:t> </a:t>
-            </a:r>
-            <a:r>
-              <a:rPr lang="en-US" altLang="zh-CN" dirty="0"/>
-              <a:t>data(</a:t>
-            </a:r>
-            <a:r>
-              <a:rPr lang="en-US" altLang="zh-CN" dirty="0">
-                <a:solidFill>
-                  <a:srgbClr val="FF0000"/>
-                </a:solidFill>
-              </a:rPr>
-              <a:t>W</a:t>
-            </a:r>
-            <a:r>
-              <a:rPr lang="en-US" altLang="zh-CN" dirty="0"/>
-              <a:t>)</a:t>
-            </a:r>
-            <a:r>
-              <a:rPr lang="zh-CN" altLang="en-US" dirty="0"/>
-              <a:t> </a:t>
-            </a:r>
-            <a:r>
-              <a:rPr lang="en-US" altLang="zh-CN" dirty="0"/>
-              <a:t>of</a:t>
-            </a:r>
-            <a:r>
-              <a:rPr lang="zh-CN" altLang="en-US" dirty="0"/>
-              <a:t> </a:t>
-            </a:r>
-            <a:r>
-              <a:rPr lang="en-US" altLang="zh-CN" dirty="0"/>
-              <a:t>Alexa</a:t>
-            </a:r>
-            <a:r>
-              <a:rPr lang="zh-CN" altLang="en-US" dirty="0"/>
-              <a:t> </a:t>
-            </a:r>
-            <a:r>
-              <a:rPr lang="en-US" altLang="zh-CN" dirty="0"/>
-              <a:t>Echo</a:t>
-            </a:r>
-            <a:r>
-              <a:rPr lang="zh-CN" altLang="en-US" dirty="0"/>
-              <a:t> </a:t>
-            </a:r>
-            <a:r>
-              <a:rPr lang="en-US" altLang="zh-CN" dirty="0"/>
-              <a:t>Dot</a:t>
-            </a:r>
-            <a:r>
-              <a:rPr lang="zh-CN" altLang="en-US" dirty="0"/>
-              <a:t> </a:t>
-            </a:r>
-            <a:r>
-              <a:rPr lang="en-US" altLang="zh-CN" dirty="0"/>
-              <a:t>through</a:t>
-            </a:r>
-            <a:r>
-              <a:rPr lang="zh-CN" altLang="en-US" dirty="0"/>
-              <a:t> </a:t>
-            </a:r>
-            <a:r>
-              <a:rPr lang="en-US" altLang="zh-CN" dirty="0"/>
-              <a:t>its</a:t>
-            </a:r>
-            <a:r>
-              <a:rPr lang="zh-CN" altLang="en-US" dirty="0"/>
-              <a:t> </a:t>
-            </a:r>
-            <a:r>
-              <a:rPr lang="en-US" altLang="zh-CN" dirty="0"/>
-              <a:t>IP</a:t>
-            </a:r>
-          </a:p>
-          <a:p>
-            <a:r>
-              <a:rPr lang="en-US" altLang="zh-CN" dirty="0"/>
-              <a:t>Design recording trigger mechanism</a:t>
-            </a:r>
-          </a:p>
-          <a:p>
-            <a:r>
-              <a:rPr lang="en-US" altLang="zh-CN" dirty="0"/>
-              <a:t>Record</a:t>
-            </a:r>
-            <a:r>
-              <a:rPr lang="zh-CN" altLang="en-US" dirty="0"/>
-              <a:t> </a:t>
-            </a:r>
-            <a:r>
-              <a:rPr lang="en-US" altLang="zh-CN" dirty="0">
-                <a:solidFill>
-                  <a:srgbClr val="0070C0"/>
-                </a:solidFill>
-              </a:rPr>
-              <a:t>Alexa</a:t>
-            </a:r>
-            <a:r>
-              <a:rPr lang="zh-CN" altLang="en-US" dirty="0"/>
-              <a:t> </a:t>
-            </a:r>
-            <a:r>
-              <a:rPr lang="en-US" altLang="zh-CN" dirty="0"/>
-              <a:t>sessions</a:t>
-            </a:r>
-            <a:r>
-              <a:rPr lang="zh-CN" altLang="en-US" dirty="0"/>
-              <a:t> </a:t>
-            </a:r>
-            <a:r>
-              <a:rPr lang="en-US" altLang="zh-CN" dirty="0"/>
-              <a:t>by</a:t>
-            </a:r>
-            <a:r>
-              <a:rPr lang="zh-CN" altLang="en-US" dirty="0"/>
-              <a:t> </a:t>
-            </a:r>
-            <a:r>
-              <a:rPr lang="en-US" altLang="zh-CN" dirty="0">
-                <a:solidFill>
-                  <a:srgbClr val="0070C0"/>
-                </a:solidFill>
-              </a:rPr>
-              <a:t>USB</a:t>
-            </a:r>
-            <a:r>
-              <a:rPr lang="zh-CN" altLang="en-US" dirty="0"/>
-              <a:t> </a:t>
-            </a:r>
-            <a:r>
-              <a:rPr lang="en-US" altLang="zh-CN" dirty="0">
-                <a:solidFill>
-                  <a:srgbClr val="0070C0"/>
-                </a:solidFill>
-              </a:rPr>
-              <a:t>microphone </a:t>
-            </a:r>
-            <a:r>
-              <a:rPr lang="en-US" altLang="zh-CN" dirty="0"/>
-              <a:t>when</a:t>
-            </a:r>
-            <a:r>
-              <a:rPr lang="zh-CN" altLang="en-US" dirty="0"/>
-              <a:t> </a:t>
-            </a:r>
-            <a:r>
-              <a:rPr lang="en-US" altLang="zh-CN" dirty="0"/>
-              <a:t>interactions</a:t>
-            </a:r>
-            <a:r>
-              <a:rPr lang="zh-CN" altLang="en-US" dirty="0"/>
-              <a:t> </a:t>
-            </a:r>
-            <a:r>
-              <a:rPr lang="en-US" altLang="zh-CN" dirty="0"/>
-              <a:t>happen</a:t>
-            </a:r>
-          </a:p>
-          <a:p>
-            <a:r>
-              <a:rPr lang="en-US" altLang="zh-CN" dirty="0"/>
-              <a:t>Save conversation audio</a:t>
-            </a:r>
-            <a:r>
-              <a:rPr lang="zh-CN" altLang="en-US" dirty="0"/>
-              <a:t> </a:t>
-            </a:r>
-            <a:r>
-              <a:rPr lang="en-US" altLang="zh-CN" dirty="0"/>
-              <a:t>files(</a:t>
-            </a:r>
-            <a:r>
-              <a:rPr lang="en-US" altLang="zh-CN" dirty="0">
-                <a:solidFill>
-                  <a:srgbClr val="FF0000"/>
-                </a:solidFill>
-              </a:rPr>
-              <a:t>A</a:t>
-            </a:r>
-            <a:r>
-              <a:rPr lang="en-US" altLang="zh-CN" dirty="0"/>
-              <a:t>) and</a:t>
-            </a:r>
-            <a:r>
-              <a:rPr lang="zh-CN" altLang="en-US" dirty="0"/>
-              <a:t> </a:t>
-            </a:r>
-            <a:r>
-              <a:rPr lang="en-US" altLang="zh-CN" dirty="0"/>
-              <a:t>traffic</a:t>
-            </a:r>
-            <a:r>
-              <a:rPr lang="zh-CN" altLang="en-US" dirty="0"/>
-              <a:t> </a:t>
-            </a:r>
-            <a:r>
-              <a:rPr lang="en-US" altLang="zh-CN" dirty="0"/>
-              <a:t>data(</a:t>
-            </a:r>
-            <a:r>
-              <a:rPr lang="en-US" altLang="zh-CN" dirty="0">
-                <a:solidFill>
-                  <a:srgbClr val="FF0000"/>
-                </a:solidFill>
-              </a:rPr>
-              <a:t>W</a:t>
-            </a:r>
-            <a:r>
-              <a:rPr lang="en-US" altLang="zh-CN" dirty="0"/>
-              <a:t>)</a:t>
-            </a:r>
-            <a:r>
-              <a:rPr lang="zh-CN" altLang="en-US" dirty="0"/>
-              <a:t> </a:t>
-            </a:r>
-            <a:r>
-              <a:rPr lang="en-US" altLang="zh-CN" dirty="0"/>
-              <a:t>with timestamps(</a:t>
-            </a:r>
-            <a:r>
-              <a:rPr lang="en-US" altLang="zh-CN" dirty="0">
-                <a:solidFill>
-                  <a:srgbClr val="FF0000"/>
-                </a:solidFill>
-              </a:rPr>
-              <a:t>T</a:t>
-            </a:r>
-            <a:r>
-              <a:rPr lang="en-US" altLang="zh-CN" dirty="0"/>
-              <a:t>)</a:t>
-            </a:r>
-          </a:p>
-          <a:p>
-            <a:r>
-              <a:rPr lang="en-US" altLang="zh-CN" dirty="0"/>
-              <a:t>Transcribe</a:t>
-            </a:r>
-            <a:r>
-              <a:rPr lang="zh-CN" altLang="en-US" dirty="0"/>
-              <a:t> </a:t>
-            </a:r>
-            <a:r>
-              <a:rPr lang="en-US" altLang="zh-CN" dirty="0"/>
-              <a:t>the</a:t>
-            </a:r>
-            <a:r>
-              <a:rPr lang="zh-CN" altLang="en-US" dirty="0"/>
-              <a:t> </a:t>
-            </a:r>
-            <a:r>
-              <a:rPr lang="en-US" altLang="zh-CN" dirty="0"/>
-              <a:t>conversation</a:t>
-            </a:r>
-            <a:r>
-              <a:rPr lang="zh-CN" altLang="en-US" dirty="0"/>
-              <a:t> </a:t>
-            </a:r>
-            <a:r>
-              <a:rPr lang="en-US" altLang="zh-CN" dirty="0"/>
-              <a:t>recording</a:t>
-            </a:r>
-            <a:r>
-              <a:rPr lang="zh-CN" altLang="en-US" dirty="0"/>
-              <a:t> </a:t>
-            </a:r>
-            <a:r>
-              <a:rPr lang="en-US" altLang="zh-CN" dirty="0"/>
-              <a:t>for</a:t>
-            </a:r>
-            <a:r>
-              <a:rPr lang="zh-CN" altLang="en-US" dirty="0"/>
-              <a:t> </a:t>
-            </a:r>
-            <a:r>
-              <a:rPr lang="en-US" altLang="zh-CN" dirty="0"/>
-              <a:t>analysis</a:t>
-            </a:r>
-            <a:r>
-              <a:rPr lang="zh-CN" altLang="en-US" dirty="0"/>
-              <a:t> </a:t>
-            </a:r>
-            <a:r>
-              <a:rPr lang="en-US" altLang="zh-CN" dirty="0"/>
-              <a:t>using</a:t>
-            </a:r>
-            <a:r>
-              <a:rPr lang="zh-CN" altLang="en-US" dirty="0"/>
-              <a:t> </a:t>
-            </a:r>
-            <a:r>
-              <a:rPr lang="en-US" altLang="zh-CN" dirty="0"/>
-              <a:t>NLP(</a:t>
-            </a:r>
-            <a:r>
-              <a:rPr lang="en-US" altLang="zh-CN" dirty="0">
-                <a:solidFill>
-                  <a:srgbClr val="FF0000"/>
-                </a:solidFill>
-              </a:rPr>
-              <a:t>A</a:t>
-            </a:r>
-            <a:r>
-              <a:rPr lang="zh-CN" altLang="en-US" dirty="0"/>
-              <a:t> </a:t>
-            </a:r>
-            <a:r>
-              <a:rPr lang="en-US" altLang="zh-CN" dirty="0"/>
-              <a:t>-&gt;</a:t>
-            </a:r>
-            <a:r>
-              <a:rPr lang="zh-CN" altLang="en-US" dirty="0"/>
-              <a:t> </a:t>
-            </a:r>
-            <a:r>
-              <a:rPr lang="en-US" altLang="zh-CN" dirty="0">
-                <a:solidFill>
-                  <a:srgbClr val="FF0000"/>
-                </a:solidFill>
-              </a:rPr>
-              <a:t>C</a:t>
-            </a:r>
-            <a:r>
-              <a:rPr lang="en-US" altLang="zh-CN" dirty="0"/>
-              <a:t>)</a:t>
-            </a:r>
-          </a:p>
-          <a:p>
-            <a:r>
-              <a:rPr lang="en-US" altLang="zh-CN" dirty="0"/>
-              <a:t>Align conversation</a:t>
-            </a:r>
-            <a:r>
-              <a:rPr lang="zh-CN" altLang="en-US" dirty="0"/>
-              <a:t> </a:t>
-            </a:r>
-            <a:r>
-              <a:rPr lang="en-US" altLang="zh-CN" dirty="0"/>
-              <a:t>content(</a:t>
-            </a:r>
-            <a:r>
-              <a:rPr lang="en-US" altLang="zh-CN" dirty="0">
-                <a:solidFill>
-                  <a:srgbClr val="FF0000"/>
-                </a:solidFill>
-              </a:rPr>
-              <a:t>C</a:t>
-            </a:r>
-            <a:r>
-              <a:rPr lang="en-US" altLang="zh-CN" dirty="0"/>
-              <a:t>) with traffic data(</a:t>
-            </a:r>
-            <a:r>
-              <a:rPr lang="en-US" altLang="zh-CN" dirty="0">
-                <a:solidFill>
-                  <a:srgbClr val="FF0000"/>
-                </a:solidFill>
-              </a:rPr>
-              <a:t>W</a:t>
-            </a:r>
-            <a:r>
-              <a:rPr lang="en-US" altLang="zh-CN" dirty="0"/>
-              <a:t>) based on timestamps(</a:t>
-            </a:r>
-            <a:r>
-              <a:rPr lang="en-US" altLang="zh-CN" dirty="0">
-                <a:solidFill>
-                  <a:srgbClr val="FF0000"/>
-                </a:solidFill>
-              </a:rPr>
-              <a:t>T</a:t>
-            </a:r>
-            <a:r>
-              <a:rPr lang="en-US" altLang="zh-CN" dirty="0"/>
-              <a:t>).</a:t>
-            </a:r>
-          </a:p>
-          <a:p>
-            <a:r>
-              <a:rPr lang="en-US" altLang="zh-CN" dirty="0"/>
-              <a:t>Capture</a:t>
-            </a:r>
-            <a:r>
-              <a:rPr lang="zh-CN" altLang="en-US" dirty="0"/>
-              <a:t> </a:t>
-            </a:r>
-            <a:r>
-              <a:rPr lang="en-US" altLang="zh-CN" dirty="0"/>
-              <a:t>traffic</a:t>
-            </a:r>
-            <a:r>
-              <a:rPr lang="zh-CN" altLang="en-US" dirty="0"/>
-              <a:t> </a:t>
-            </a:r>
-            <a:r>
-              <a:rPr lang="en-US" altLang="zh-CN" dirty="0"/>
-              <a:t>rate</a:t>
-            </a:r>
-            <a:r>
-              <a:rPr lang="zh-CN" altLang="en-US" dirty="0"/>
-              <a:t> </a:t>
-            </a:r>
-            <a:r>
-              <a:rPr lang="en-US" altLang="zh-CN" dirty="0"/>
-              <a:t>data</a:t>
-            </a:r>
-            <a:r>
-              <a:rPr lang="zh-CN" altLang="en-US" dirty="0"/>
-              <a:t> </a:t>
-            </a:r>
-            <a:r>
-              <a:rPr lang="en-US" altLang="zh-CN" dirty="0"/>
-              <a:t>by</a:t>
-            </a:r>
-            <a:r>
-              <a:rPr lang="zh-CN" altLang="en-US" dirty="0"/>
-              <a:t> </a:t>
-            </a:r>
-            <a:r>
-              <a:rPr lang="en-US" altLang="zh-CN" dirty="0">
-                <a:solidFill>
-                  <a:srgbClr val="0070C0"/>
-                </a:solidFill>
-              </a:rPr>
-              <a:t>Raspberry</a:t>
-            </a:r>
-            <a:r>
-              <a:rPr lang="zh-CN" altLang="en-US" dirty="0">
-                <a:solidFill>
-                  <a:srgbClr val="0070C0"/>
-                </a:solidFill>
-              </a:rPr>
-              <a:t> </a:t>
-            </a:r>
-            <a:r>
-              <a:rPr lang="en-US" altLang="zh-CN" dirty="0">
-                <a:solidFill>
-                  <a:srgbClr val="0070C0"/>
-                </a:solidFill>
-              </a:rPr>
-              <a:t>Pi</a:t>
-            </a:r>
-            <a:r>
-              <a:rPr lang="zh-CN" altLang="en-US" dirty="0">
-                <a:solidFill>
-                  <a:srgbClr val="0070C0"/>
-                </a:solidFill>
-              </a:rPr>
-              <a:t> </a:t>
-            </a:r>
-            <a:r>
-              <a:rPr lang="en-US" altLang="zh-CN" dirty="0"/>
-              <a:t>(</a:t>
-            </a:r>
-            <a:r>
-              <a:rPr lang="en-US" altLang="zh-CN" dirty="0">
-                <a:solidFill>
-                  <a:srgbClr val="FF0000"/>
-                </a:solidFill>
-              </a:rPr>
-              <a:t>W</a:t>
-            </a:r>
-            <a:r>
-              <a:rPr lang="en-US" altLang="zh-CN" dirty="0"/>
-              <a:t>)</a:t>
-            </a:r>
-          </a:p>
-          <a:p>
+              <a:t>Fifine</a:t>
+            </a:r>
+            <a:r>
+              <a:rPr lang="zh-CN" altLang="en-US" dirty="0"/>
+              <a:t> </a:t>
+            </a:r>
+            <a:r>
+              <a:rPr lang="en-US" altLang="zh-CN" dirty="0"/>
+              <a:t>Metal</a:t>
+            </a:r>
+            <a:r>
+              <a:rPr lang="zh-CN" altLang="en-US" dirty="0"/>
+              <a:t> </a:t>
+            </a:r>
+            <a:r>
+              <a:rPr lang="en-US" altLang="zh-CN" dirty="0"/>
+              <a:t>Condenser</a:t>
+            </a:r>
+            <a:r>
+              <a:rPr lang="zh-CN" altLang="en-US" dirty="0"/>
+              <a:t> </a:t>
+            </a:r>
+            <a:r>
+              <a:rPr lang="en-US" altLang="zh-CN" dirty="0"/>
+              <a:t>Recording</a:t>
+            </a:r>
+            <a:r>
+              <a:rPr lang="zh-CN" altLang="en-US" dirty="0"/>
+              <a:t> </a:t>
+            </a:r>
+            <a:r>
+              <a:rPr lang="en-US" altLang="zh-CN" dirty="0"/>
+              <a:t>Microphone</a:t>
+            </a:r>
+            <a:r>
+              <a:rPr lang="zh-CN" altLang="en-US" dirty="0"/>
+              <a:t> </a:t>
+            </a:r>
             <a:endParaRPr lang="en-US" altLang="zh-CN" dirty="0"/>
           </a:p>
           <a:p>
-            <a:endParaRPr lang="en-US" altLang="zh-CN" dirty="0"/>
-          </a:p>
-          <a:p>
-            <a:endParaRPr lang="en-US" altLang="zh-CN" dirty="0"/>
-          </a:p>
-          <a:p>
-            <a:endParaRPr lang="en-US" altLang="zh-CN" dirty="0"/>
+            <a:pPr lvl="1"/>
+            <a:r>
+              <a:rPr lang="en-US" altLang="zh-CN" dirty="0"/>
+              <a:t>…</a:t>
+            </a:r>
+            <a:endParaRPr lang="en-US" dirty="0"/>
           </a:p>
         </p:txBody>
       </p:sp>
     </p:spTree>
     <p:extLst>
       <p:ext uri="{BB962C8B-B14F-4D97-AF65-F5344CB8AC3E}">
-        <p14:creationId xmlns:p14="http://schemas.microsoft.com/office/powerpoint/2010/main" val="1432665708"/>
+        <p14:creationId xmlns:p14="http://schemas.microsoft.com/office/powerpoint/2010/main" val="3709312683"/>
       </p:ext>
     </p:extLst>
   </p:cSld>
@@ -6157,7 +6957,7 @@
           <p:cNvPr id="2" name="Title 1">
             <a:extLst>
               <a:ext uri="{FF2B5EF4-FFF2-40B4-BE49-F238E27FC236}">
-                <a16:creationId xmlns:a16="http://schemas.microsoft.com/office/drawing/2014/main" id="{86E042A9-E28E-9284-ED61-38A83AE92D37}"/>
+                <a16:creationId xmlns:a16="http://schemas.microsoft.com/office/drawing/2014/main" id="{31E2CA07-8093-76B2-9582-7D7CB2FE0B62}"/>
               </a:ext>
             </a:extLst>
           </p:cNvPr>
@@ -6175,31 +6975,15 @@
           <a:p>
             <a:r>
               <a:rPr lang="en-US" altLang="zh-CN" dirty="0"/>
-              <a:t>Recording</a:t>
-            </a:r>
-            <a:r>
-              <a:rPr lang="zh-CN" altLang="en-US" dirty="0"/>
-              <a:t> </a:t>
-            </a:r>
-            <a:r>
-              <a:rPr lang="en-US" altLang="zh-CN" dirty="0"/>
-              <a:t>Devices</a:t>
-            </a:r>
-            <a:r>
-              <a:rPr lang="zh-CN" altLang="en-US" dirty="0"/>
-              <a:t> </a:t>
-            </a:r>
-            <a:r>
-              <a:rPr lang="en-US" altLang="zh-CN" dirty="0"/>
-              <a:t>for</a:t>
-            </a:r>
-            <a:r>
-              <a:rPr lang="zh-CN" altLang="en-US" dirty="0"/>
-              <a:t> </a:t>
-            </a:r>
-            <a:r>
-              <a:rPr lang="en-US" altLang="zh-CN" dirty="0"/>
-              <a:t>real</a:t>
+              <a:t>Data</a:t>
+            </a:r>
+            <a:r>
+              <a:rPr lang="zh-CN" altLang="en-US" dirty="0"/>
+              <a:t> </a:t>
+            </a:r>
+            <a:r>
+              <a:rPr lang="en-US" altLang="zh-CN" dirty="0"/>
+              <a:t>Preprocessing</a:t>
             </a:r>
             <a:endParaRPr lang="en-US" dirty="0"/>
           </a:p>
@@ -6210,7 +6994,7 @@
           <p:cNvPr id="3" name="Content Placeholder 2">
             <a:extLst>
               <a:ext uri="{FF2B5EF4-FFF2-40B4-BE49-F238E27FC236}">
-                <a16:creationId xmlns:a16="http://schemas.microsoft.com/office/drawing/2014/main" id="{7931A1C1-5573-D255-DFDE-E4298E8BDC7C}"/>
+                <a16:creationId xmlns:a16="http://schemas.microsoft.com/office/drawing/2014/main" id="{8E06AB61-3E9F-9163-E84F-B78D4B180A8D}"/>
               </a:ext>
             </a:extLst>
           </p:cNvPr>
@@ -6228,218 +7012,79 @@
           <a:p>
             <a:r>
               <a:rPr lang="en-US" altLang="zh-CN" dirty="0"/>
-              <a:t>USB</a:t>
-            </a:r>
-            <a:r>
-              <a:rPr lang="zh-CN" altLang="en-US" dirty="0"/>
-              <a:t> </a:t>
-            </a:r>
-            <a:r>
-              <a:rPr lang="en-US" altLang="zh-CN" dirty="0"/>
-              <a:t>microphone</a:t>
-            </a:r>
-            <a:r>
-              <a:rPr lang="zh-CN" altLang="en-US" dirty="0"/>
-              <a:t> </a:t>
-            </a:r>
-            <a:r>
-              <a:rPr lang="en-US" altLang="zh-CN" dirty="0"/>
-              <a:t>compatible</a:t>
-            </a:r>
-            <a:r>
-              <a:rPr lang="zh-CN" altLang="en-US" dirty="0"/>
-              <a:t> </a:t>
-            </a:r>
-            <a:r>
-              <a:rPr lang="en-US" altLang="zh-CN" dirty="0"/>
-              <a:t>with</a:t>
-            </a:r>
-            <a:r>
-              <a:rPr lang="zh-CN" altLang="en-US" dirty="0"/>
-              <a:t> </a:t>
-            </a:r>
-            <a:r>
-              <a:rPr lang="en-US" altLang="zh-CN" dirty="0"/>
-              <a:t>the</a:t>
-            </a:r>
-            <a:r>
-              <a:rPr lang="zh-CN" altLang="en-US" dirty="0"/>
-              <a:t> </a:t>
-            </a:r>
-            <a:r>
-              <a:rPr lang="en-US" altLang="zh-CN" dirty="0"/>
-              <a:t>Raspberry</a:t>
-            </a:r>
-            <a:r>
-              <a:rPr lang="zh-CN" altLang="en-US" dirty="0"/>
-              <a:t> </a:t>
-            </a:r>
-            <a:r>
-              <a:rPr lang="en-US" altLang="zh-CN" dirty="0"/>
-              <a:t>Pi</a:t>
-            </a:r>
-            <a:r>
-              <a:rPr lang="zh-CN" altLang="en-US" dirty="0"/>
-              <a:t> </a:t>
-            </a:r>
-            <a:r>
-              <a:rPr lang="en-US" altLang="zh-CN" dirty="0"/>
-              <a:t>4</a:t>
-            </a:r>
-            <a:r>
-              <a:rPr lang="zh-CN" altLang="en-US" dirty="0"/>
-              <a:t> </a:t>
-            </a:r>
-            <a:r>
-              <a:rPr lang="en-US" altLang="zh-CN" dirty="0"/>
-              <a:t>Model</a:t>
-            </a:r>
-            <a:r>
-              <a:rPr lang="zh-CN" altLang="en-US" dirty="0"/>
-              <a:t> </a:t>
-            </a:r>
-            <a:r>
-              <a:rPr lang="en-US" altLang="zh-CN" dirty="0"/>
-              <a:t>B.</a:t>
+              <a:t>Traffic</a:t>
+            </a:r>
+            <a:r>
+              <a:rPr lang="zh-CN" altLang="en-US" dirty="0"/>
+              <a:t> </a:t>
+            </a:r>
+            <a:r>
+              <a:rPr lang="en-US" altLang="zh-CN" dirty="0"/>
+              <a:t>Data</a:t>
             </a:r>
           </a:p>
           <a:p>
             <a:pPr lvl="1"/>
             <a:r>
               <a:rPr lang="en-US" altLang="zh-CN" dirty="0"/>
-              <a:t>Blue</a:t>
-            </a:r>
-            <a:r>
-              <a:rPr lang="zh-CN" altLang="en-US" dirty="0"/>
-              <a:t> </a:t>
-            </a:r>
-            <a:r>
-              <a:rPr lang="en-US" altLang="zh-CN" dirty="0"/>
-              <a:t>Yeti</a:t>
+              <a:t>Pattern</a:t>
+            </a:r>
+            <a:r>
+              <a:rPr lang="zh-CN" altLang="en-US" dirty="0"/>
+              <a:t> </a:t>
+            </a:r>
+            <a:r>
+              <a:rPr lang="en-US" altLang="zh-CN" dirty="0"/>
+              <a:t>recognition</a:t>
+            </a:r>
+            <a:r>
+              <a:rPr lang="zh-CN" altLang="en-US" dirty="0"/>
+              <a:t> </a:t>
+            </a:r>
+            <a:r>
+              <a:rPr lang="en-US" altLang="zh-CN" dirty="0"/>
+              <a:t>processing</a:t>
             </a:r>
           </a:p>
           <a:p>
             <a:pPr lvl="1"/>
             <a:r>
               <a:rPr lang="en-US" altLang="zh-CN" dirty="0"/>
-              <a:t>Audio-</a:t>
-            </a:r>
-            <a:r>
-              <a:rPr lang="en-US" altLang="zh-CN" dirty="0" err="1"/>
-              <a:t>Technica</a:t>
-            </a:r>
-            <a:r>
-              <a:rPr lang="zh-CN" altLang="en-US" dirty="0"/>
-              <a:t> </a:t>
-            </a:r>
-            <a:r>
-              <a:rPr lang="en-US" altLang="zh-CN" dirty="0"/>
-              <a:t>ATR2100x-USB</a:t>
+              <a:t>Time</a:t>
+            </a:r>
+            <a:r>
+              <a:rPr lang="zh-CN" altLang="en-US" dirty="0"/>
+              <a:t> </a:t>
+            </a:r>
+            <a:r>
+              <a:rPr lang="en-US" altLang="zh-CN" dirty="0"/>
+              <a:t>series</a:t>
+            </a:r>
+            <a:r>
+              <a:rPr lang="zh-CN" altLang="en-US" dirty="0"/>
+              <a:t> </a:t>
+            </a:r>
+            <a:r>
+              <a:rPr lang="en-US" altLang="zh-CN" dirty="0"/>
+              <a:t>analysis</a:t>
             </a:r>
           </a:p>
           <a:p>
             <a:pPr lvl="1"/>
             <a:r>
               <a:rPr lang="en-US" altLang="zh-CN" dirty="0"/>
-              <a:t>Rode</a:t>
-            </a:r>
-            <a:r>
-              <a:rPr lang="zh-CN" altLang="en-US" dirty="0"/>
-              <a:t> </a:t>
-            </a:r>
-            <a:r>
-              <a:rPr lang="en-US" altLang="zh-CN" dirty="0"/>
-              <a:t>NT-USB</a:t>
-            </a:r>
-          </a:p>
-          <a:p>
-            <a:pPr lvl="1"/>
-            <a:r>
-              <a:rPr lang="en-US" altLang="zh-CN" dirty="0"/>
-              <a:t>Samson</a:t>
-            </a:r>
-            <a:r>
-              <a:rPr lang="zh-CN" altLang="en-US" dirty="0"/>
-              <a:t> </a:t>
-            </a:r>
-            <a:r>
-              <a:rPr lang="en-US" altLang="zh-CN" dirty="0"/>
-              <a:t>Go</a:t>
-            </a:r>
-            <a:r>
-              <a:rPr lang="zh-CN" altLang="en-US" dirty="0"/>
-              <a:t> </a:t>
-            </a:r>
-            <a:r>
-              <a:rPr lang="en-US" altLang="zh-CN" dirty="0"/>
-              <a:t>Mic</a:t>
-            </a:r>
-          </a:p>
-          <a:p>
-            <a:pPr lvl="1"/>
-            <a:r>
-              <a:rPr lang="en-US" altLang="zh-CN" dirty="0"/>
-              <a:t>Shure</a:t>
-            </a:r>
-            <a:r>
-              <a:rPr lang="zh-CN" altLang="en-US" dirty="0"/>
-              <a:t> </a:t>
-            </a:r>
-            <a:r>
-              <a:rPr lang="en-US" altLang="zh-CN" dirty="0"/>
-              <a:t>MV5</a:t>
-            </a:r>
-          </a:p>
-          <a:p>
-            <a:pPr lvl="1"/>
-            <a:r>
-              <a:rPr lang="en-US" altLang="zh-CN" dirty="0" err="1"/>
-              <a:t>Fifine</a:t>
-            </a:r>
-            <a:r>
-              <a:rPr lang="zh-CN" altLang="en-US" dirty="0"/>
-              <a:t> </a:t>
-            </a:r>
-            <a:r>
-              <a:rPr lang="en-US" altLang="zh-CN" dirty="0"/>
-              <a:t>Metal</a:t>
-            </a:r>
-            <a:r>
-              <a:rPr lang="zh-CN" altLang="en-US" dirty="0"/>
-              <a:t> </a:t>
-            </a:r>
-            <a:r>
-              <a:rPr lang="en-US" altLang="zh-CN" dirty="0"/>
-              <a:t>Condenser</a:t>
-            </a:r>
-            <a:r>
-              <a:rPr lang="zh-CN" altLang="en-US" dirty="0"/>
-              <a:t> </a:t>
-            </a:r>
-            <a:r>
-              <a:rPr lang="en-US" altLang="zh-CN" dirty="0"/>
-              <a:t>Recording</a:t>
-            </a:r>
-            <a:r>
-              <a:rPr lang="zh-CN" altLang="en-US" dirty="0"/>
-              <a:t> </a:t>
-            </a:r>
-            <a:r>
-              <a:rPr lang="en-US" altLang="zh-CN" dirty="0"/>
-              <a:t>Microphone</a:t>
-            </a:r>
-            <a:r>
-              <a:rPr lang="zh-CN" altLang="en-US" dirty="0"/>
-              <a:t> </a:t>
-            </a:r>
-            <a:endParaRPr lang="en-US" altLang="zh-CN" dirty="0"/>
-          </a:p>
-          <a:p>
-            <a:pPr lvl="1"/>
-            <a:r>
-              <a:rPr lang="en-US" altLang="zh-CN" dirty="0"/>
-              <a:t>…</a:t>
-            </a:r>
+              <a:t>feature</a:t>
+            </a:r>
+            <a:r>
+              <a:rPr lang="zh-CN" altLang="en-US" dirty="0"/>
+              <a:t> </a:t>
+            </a:r>
+            <a:r>
+              <a:rPr lang="en-US" altLang="zh-CN" dirty="0"/>
+              <a:t>extraction</a:t>
+            </a:r>
+          </a:p>
+          <a:p>
             <a:endParaRPr lang="en-US" dirty="0"/>
           </a:p>
         </p:txBody>
@@ -6447,7 +7092,7 @@
     </p:spTree>
     <p:extLst>
       <p:ext uri="{BB962C8B-B14F-4D97-AF65-F5344CB8AC3E}">
-        <p14:creationId xmlns:p14="http://schemas.microsoft.com/office/powerpoint/2010/main" val="3709312683"/>
+        <p14:creationId xmlns:p14="http://schemas.microsoft.com/office/powerpoint/2010/main" val="2145238609"/>
       </p:ext>
     </p:extLst>
   </p:cSld>
@@ -6479,7 +7124,7 @@
           <p:cNvPr id="2" name="Title 1">
             <a:extLst>
               <a:ext uri="{FF2B5EF4-FFF2-40B4-BE49-F238E27FC236}">
-                <a16:creationId xmlns:a16="http://schemas.microsoft.com/office/drawing/2014/main" id="{6370BA86-52DA-5BA3-9DD4-6F3AA7A2F9B7}"/>
+                <a16:creationId xmlns:a16="http://schemas.microsoft.com/office/drawing/2014/main" id="{314DC498-A267-6257-D0C9-E160EE70649A}"/>
               </a:ext>
             </a:extLst>
           </p:cNvPr>
@@ -6495,27 +7140,7 @@
           <a:bodyPr/>
           <a:lstStyle/>
           <a:p>
-            <a:r>
-              <a:rPr lang="en-US" altLang="zh-CN" dirty="0"/>
-              <a:t>Traffic</a:t>
-            </a:r>
-            <a:r>
-              <a:rPr lang="zh-CN" altLang="en-US" dirty="0"/>
-              <a:t> </a:t>
-            </a:r>
-            <a:r>
-              <a:rPr lang="en-US" altLang="zh-CN" dirty="0"/>
-              <a:t>rate</a:t>
-            </a:r>
-            <a:r>
-              <a:rPr lang="zh-CN" altLang="en-US" dirty="0"/>
-              <a:t> </a:t>
-            </a:r>
-            <a:r>
-              <a:rPr lang="en-US" altLang="zh-CN" dirty="0"/>
-              <a:t>data</a:t>
-            </a:r>
-            <a:endParaRPr lang="en-US" dirty="0"/>
+            <a:endParaRPr lang="en-US"/>
           </a:p>
         </p:txBody>
       </p:sp>
@@ -6524,7 +7149,7 @@
           <p:cNvPr id="3" name="Content Placeholder 2">
             <a:extLst>
               <a:ext uri="{FF2B5EF4-FFF2-40B4-BE49-F238E27FC236}">
-                <a16:creationId xmlns:a16="http://schemas.microsoft.com/office/drawing/2014/main" id="{6AC2285B-36E7-9197-ED38-F17BC1B3A0AC}"/>
+                <a16:creationId xmlns:a16="http://schemas.microsoft.com/office/drawing/2014/main" id="{3B0A9060-F980-64E5-A100-8A7A8DFE3E02}"/>
               </a:ext>
             </a:extLst>
           </p:cNvPr>
@@ -6540,90 +7165,14 @@
           <a:bodyPr/>
           <a:lstStyle/>
           <a:p>
-            <a:r>
-              <a:rPr lang="en-US" altLang="zh-CN" dirty="0"/>
-              <a:t>What</a:t>
-            </a:r>
-            <a:r>
-              <a:rPr lang="zh-CN" altLang="en-US" dirty="0"/>
-              <a:t> </a:t>
-            </a:r>
-            <a:r>
-              <a:rPr lang="en-US" altLang="zh-CN" dirty="0"/>
-              <a:t>is</a:t>
-            </a:r>
-            <a:r>
-              <a:rPr lang="zh-CN" altLang="en-US" dirty="0"/>
-              <a:t> </a:t>
-            </a:r>
-            <a:r>
-              <a:rPr lang="en-US" altLang="zh-CN" dirty="0"/>
-              <a:t>traffic</a:t>
-            </a:r>
-            <a:r>
-              <a:rPr lang="zh-CN" altLang="en-US" dirty="0"/>
-              <a:t> </a:t>
-            </a:r>
-            <a:r>
-              <a:rPr lang="en-US" altLang="zh-CN" dirty="0"/>
-              <a:t>rate</a:t>
-            </a:r>
-            <a:r>
-              <a:rPr lang="zh-CN" altLang="en-US" dirty="0"/>
-              <a:t> </a:t>
-            </a:r>
-            <a:r>
-              <a:rPr lang="en-US" altLang="zh-CN" dirty="0"/>
-              <a:t>data</a:t>
-            </a:r>
-          </a:p>
-          <a:p>
-            <a:r>
-              <a:rPr lang="en-US" altLang="zh-CN" dirty="0"/>
-              <a:t>Visualize</a:t>
-            </a:r>
-            <a:r>
-              <a:rPr lang="zh-CN" altLang="en-US" dirty="0"/>
-              <a:t> </a:t>
-            </a:r>
-            <a:r>
-              <a:rPr lang="en-US" altLang="zh-CN" dirty="0"/>
-              <a:t>the</a:t>
-            </a:r>
-            <a:r>
-              <a:rPr lang="zh-CN" altLang="en-US" dirty="0"/>
-              <a:t> </a:t>
-            </a:r>
-            <a:r>
-              <a:rPr lang="en-US" altLang="zh-CN" dirty="0"/>
-              <a:t>traffic</a:t>
-            </a:r>
-            <a:r>
-              <a:rPr lang="zh-CN" altLang="en-US" dirty="0"/>
-              <a:t> </a:t>
-            </a:r>
-            <a:r>
-              <a:rPr lang="en-US" altLang="zh-CN" dirty="0"/>
-              <a:t>rate</a:t>
-            </a:r>
-            <a:r>
-              <a:rPr lang="zh-CN" altLang="en-US" dirty="0"/>
-              <a:t> </a:t>
-            </a:r>
-            <a:r>
-              <a:rPr lang="en-US" altLang="zh-CN" dirty="0"/>
-              <a:t>data</a:t>
-            </a:r>
-          </a:p>
-          <a:p>
-            <a:endParaRPr lang="en-US" dirty="0"/>
+            <a:endParaRPr lang="en-US"/>
           </a:p>
         </p:txBody>
       </p:sp>
     </p:spTree>
     <p:extLst>
       <p:ext uri="{BB962C8B-B14F-4D97-AF65-F5344CB8AC3E}">
-        <p14:creationId xmlns:p14="http://schemas.microsoft.com/office/powerpoint/2010/main" val="1544275754"/>
+        <p14:creationId xmlns:p14="http://schemas.microsoft.com/office/powerpoint/2010/main" val="4267386955"/>
       </p:ext>
     </p:extLst>
   </p:cSld>
@@ -6655,7 +7204,7 @@
           <p:cNvPr id="2" name="Title 1">
             <a:extLst>
               <a:ext uri="{FF2B5EF4-FFF2-40B4-BE49-F238E27FC236}">
-                <a16:creationId xmlns:a16="http://schemas.microsoft.com/office/drawing/2014/main" id="{31E2CA07-8093-76B2-9582-7D7CB2FE0B62}"/>
+                <a16:creationId xmlns:a16="http://schemas.microsoft.com/office/drawing/2014/main" id="{2F8B5968-749F-D49B-031E-31AD5B8DE0ED}"/>
               </a:ext>
             </a:extLst>
           </p:cNvPr>
@@ -6671,19 +7220,7 @@
           <a:bodyPr/>
           <a:lstStyle/>
           <a:p>
-            <a:r>
-              <a:rPr lang="en-US" altLang="zh-CN" dirty="0"/>
-              <a:t>Data</a:t>
-            </a:r>
-            <a:r>
-              <a:rPr lang="zh-CN" altLang="en-US" dirty="0"/>
-              <a:t> </a:t>
-            </a:r>
-            <a:r>
-              <a:rPr lang="en-US" altLang="zh-CN" dirty="0"/>
-              <a:t>Preprocessing</a:t>
-            </a:r>
-            <a:endParaRPr lang="en-US" dirty="0"/>
+            <a:endParaRPr lang="en-US"/>
           </a:p>
         </p:txBody>
       </p:sp>
@@ -6692,7 +7229,7 @@
           <p:cNvPr id="3" name="Content Placeholder 2">
             <a:extLst>
               <a:ext uri="{FF2B5EF4-FFF2-40B4-BE49-F238E27FC236}">
-                <a16:creationId xmlns:a16="http://schemas.microsoft.com/office/drawing/2014/main" id="{8E06AB61-3E9F-9163-E84F-B78D4B180A8D}"/>
+                <a16:creationId xmlns:a16="http://schemas.microsoft.com/office/drawing/2014/main" id="{3FDCF4C9-88C9-8F35-CB98-CAB50D26A220}"/>
               </a:ext>
             </a:extLst>
           </p:cNvPr>
@@ -6708,89 +7245,14 @@
           <a:bodyPr/>
           <a:lstStyle/>
           <a:p>
-            <a:r>
-              <a:rPr lang="en-US" altLang="zh-CN" dirty="0"/>
-              <a:t>Traffic</a:t>
-            </a:r>
-            <a:r>
-              <a:rPr lang="zh-CN" altLang="en-US" dirty="0"/>
-              <a:t> </a:t>
-            </a:r>
-            <a:r>
-              <a:rPr lang="en-US" altLang="zh-CN" dirty="0"/>
-              <a:t>Data</a:t>
-            </a:r>
-          </a:p>
-          <a:p>
-            <a:pPr lvl="1"/>
-            <a:r>
-              <a:rPr lang="en-US" altLang="zh-CN" dirty="0"/>
-              <a:t>Pattern</a:t>
-            </a:r>
-            <a:r>
-              <a:rPr lang="zh-CN" altLang="en-US" dirty="0"/>
-              <a:t> </a:t>
-            </a:r>
-            <a:r>
-              <a:rPr lang="en-US" altLang="zh-CN" dirty="0"/>
-              <a:t>recognition</a:t>
-            </a:r>
-            <a:r>
-              <a:rPr lang="zh-CN" altLang="en-US" dirty="0"/>
-              <a:t> </a:t>
-            </a:r>
-            <a:r>
-              <a:rPr lang="en-US" altLang="zh-CN" dirty="0"/>
-              <a:t>processing</a:t>
-            </a:r>
-          </a:p>
-          <a:p>
-            <a:pPr lvl="1"/>
-            <a:r>
-              <a:rPr lang="en-US" altLang="zh-CN" dirty="0"/>
-              <a:t>Time</a:t>
-            </a:r>
-            <a:r>
-              <a:rPr lang="zh-CN" altLang="en-US" dirty="0"/>
-              <a:t> </a:t>
-            </a:r>
-            <a:r>
-              <a:rPr lang="en-US" altLang="zh-CN" dirty="0"/>
-              <a:t>series</a:t>
-            </a:r>
-            <a:r>
-              <a:rPr lang="zh-CN" altLang="en-US" dirty="0"/>
-              <a:t> </a:t>
-            </a:r>
-            <a:r>
-              <a:rPr lang="en-US" altLang="zh-CN" dirty="0"/>
-              <a:t>analysis</a:t>
-            </a:r>
-          </a:p>
-          <a:p>
-            <a:pPr lvl="1"/>
-            <a:r>
-              <a:rPr lang="en-US" altLang="zh-CN" dirty="0"/>
-              <a:t>feature</a:t>
-            </a:r>
-            <a:r>
-              <a:rPr lang="zh-CN" altLang="en-US" dirty="0"/>
-              <a:t> </a:t>
-            </a:r>
-            <a:r>
-              <a:rPr lang="en-US" altLang="zh-CN" dirty="0"/>
-              <a:t>extraction</a:t>
-            </a:r>
-          </a:p>
-          <a:p>
-            <a:endParaRPr lang="en-US" dirty="0"/>
+            <a:endParaRPr lang="en-US"/>
           </a:p>
         </p:txBody>
       </p:sp>
     </p:spTree>
     <p:extLst>
       <p:ext uri="{BB962C8B-B14F-4D97-AF65-F5344CB8AC3E}">
-        <p14:creationId xmlns:p14="http://schemas.microsoft.com/office/powerpoint/2010/main" val="2145238609"/>
+        <p14:creationId xmlns:p14="http://schemas.microsoft.com/office/powerpoint/2010/main" val="1050347957"/>
       </p:ext>
     </p:extLst>
   </p:cSld>
@@ -6839,35 +7301,442 @@
           <a:lstStyle/>
           <a:p>
             <a:r>
-              <a:rPr lang="en-US" altLang="zh-CN"/>
+              <a:rPr lang="en-US" altLang="zh-CN" dirty="0"/>
+              <a:t>Data</a:t>
+            </a:r>
+            <a:r>
+              <a:rPr lang="zh-CN" altLang="en-US" dirty="0"/>
+              <a:t> </a:t>
+            </a:r>
+            <a:r>
+              <a:rPr lang="en-US" altLang="zh-CN" dirty="0"/>
+              <a:t>collection</a:t>
+            </a:r>
+            <a:r>
+              <a:rPr lang="zh-CN" altLang="en-US" dirty="0"/>
+              <a:t> </a:t>
+            </a:r>
+            <a:r>
+              <a:rPr lang="en-US" altLang="zh-CN" dirty="0"/>
+              <a:t>simple</a:t>
+            </a:r>
+            <a:r>
+              <a:rPr lang="zh-CN" altLang="en-US" dirty="0"/>
+              <a:t> </a:t>
+            </a:r>
+            <a:r>
+              <a:rPr lang="en-US" altLang="zh-CN" dirty="0"/>
+              <a:t>version</a:t>
+            </a:r>
+            <a:endParaRPr lang="en-US" dirty="0"/>
+          </a:p>
+        </p:txBody>
+      </p:sp>
+      <p:sp>
+        <p:nvSpPr>
+          <p:cNvPr id="3" name="Content Placeholder 2">
+            <a:extLst>
+              <a:ext uri="{FF2B5EF4-FFF2-40B4-BE49-F238E27FC236}">
+                <a16:creationId xmlns:a16="http://schemas.microsoft.com/office/drawing/2014/main" id="{2B8A2C63-EA85-7079-3A28-C8572C1FE10A}"/>
+              </a:ext>
+            </a:extLst>
+          </p:cNvPr>
+          <p:cNvSpPr>
+            <a:spLocks noGrp="1"/>
+          </p:cNvSpPr>
+          <p:nvPr>
+            <p:ph idx="1"/>
+          </p:nvPr>
+        </p:nvSpPr>
+        <p:spPr/>
+        <p:txBody>
+          <a:bodyPr>
+            <a:normAutofit/>
+          </a:bodyPr>
+          <a:lstStyle/>
+          <a:p>
+            <a:r>
+              <a:rPr lang="en-US" altLang="zh-CN" b="1" dirty="0"/>
+              <a:t>Text</a:t>
+            </a:r>
+            <a:r>
+              <a:rPr lang="zh-CN" altLang="en-US" b="1" dirty="0"/>
+              <a:t> </a:t>
+            </a:r>
+            <a:r>
+              <a:rPr lang="en-US" altLang="zh-CN" b="1" dirty="0"/>
+              <a:t>Preparation:</a:t>
+            </a:r>
+            <a:r>
+              <a:rPr lang="zh-CN" altLang="en-US" b="1" dirty="0"/>
+              <a:t> </a:t>
+            </a:r>
+            <a:r>
+              <a:rPr lang="en-US" altLang="zh-CN" dirty="0"/>
+              <a:t>Create</a:t>
+            </a:r>
+            <a:r>
+              <a:rPr lang="zh-CN" altLang="en-US" dirty="0"/>
+              <a:t> </a:t>
+            </a:r>
+            <a:r>
+              <a:rPr lang="en-US" altLang="zh-CN" dirty="0"/>
+              <a:t>scripts</a:t>
+            </a:r>
+            <a:r>
+              <a:rPr lang="zh-CN" altLang="en-US" dirty="0"/>
+              <a:t> </a:t>
+            </a:r>
+            <a:r>
+              <a:rPr lang="en-US" altLang="zh-CN" dirty="0"/>
+              <a:t>of</a:t>
+            </a:r>
+            <a:r>
+              <a:rPr lang="zh-CN" altLang="en-US" dirty="0"/>
+              <a:t> </a:t>
+            </a:r>
+            <a:r>
+              <a:rPr lang="en-US" altLang="zh-CN" dirty="0"/>
+              <a:t>text(</a:t>
+            </a:r>
+            <a:r>
+              <a:rPr lang="en-US" altLang="zh-CN" dirty="0">
+                <a:solidFill>
+                  <a:srgbClr val="FF0000"/>
+                </a:solidFill>
+              </a:rPr>
+              <a:t>C</a:t>
+            </a:r>
+            <a:r>
+              <a:rPr lang="en-US" altLang="zh-CN" dirty="0"/>
+              <a:t>)</a:t>
+            </a:r>
+          </a:p>
+          <a:p>
+            <a:r>
+              <a:rPr lang="en-US" altLang="zh-CN" b="1" dirty="0"/>
+              <a:t>Speech</a:t>
+            </a:r>
+            <a:r>
+              <a:rPr lang="zh-CN" altLang="en-US" b="1" dirty="0"/>
+              <a:t> </a:t>
+            </a:r>
+            <a:r>
+              <a:rPr lang="en-US" altLang="zh-CN" b="1" dirty="0"/>
+              <a:t>Synthesis:</a:t>
+            </a:r>
+            <a:r>
+              <a:rPr lang="zh-CN" altLang="en-US" b="1" dirty="0"/>
+              <a:t> </a:t>
+            </a:r>
+            <a:r>
+              <a:rPr lang="en-US" altLang="zh-CN" dirty="0"/>
+              <a:t>Use</a:t>
+            </a:r>
+            <a:r>
+              <a:rPr lang="zh-CN" altLang="en-US" dirty="0"/>
+              <a:t> </a:t>
+            </a:r>
+            <a:r>
+              <a:rPr lang="en-US" altLang="zh-CN" dirty="0"/>
               <a:t>Tacotron2</a:t>
             </a:r>
-            <a:endParaRPr lang="en-US"/>
-          </a:p>
-        </p:txBody>
-      </p:sp>
-      <p:sp>
-        <p:nvSpPr>
-          <p:cNvPr id="3" name="Content Placeholder 2">
-            <a:extLst>
-              <a:ext uri="{FF2B5EF4-FFF2-40B4-BE49-F238E27FC236}">
-                <a16:creationId xmlns:a16="http://schemas.microsoft.com/office/drawing/2014/main" id="{2B8A2C63-EA85-7079-3A28-C8572C1FE10A}"/>
-              </a:ext>
-            </a:extLst>
-          </p:cNvPr>
-          <p:cNvSpPr>
-            <a:spLocks noGrp="1"/>
-          </p:cNvSpPr>
-          <p:nvPr>
-            <p:ph idx="1"/>
-          </p:nvPr>
-        </p:nvSpPr>
-        <p:spPr/>
-        <p:txBody>
-          <a:bodyPr/>
-          <a:lstStyle/>
-          <a:p>
-            <a:endParaRPr lang="en-US"/>
+            <a:r>
+              <a:rPr lang="zh-CN" altLang="en-US" dirty="0"/>
+              <a:t> </a:t>
+            </a:r>
+            <a:r>
+              <a:rPr lang="en-US" altLang="zh-CN" dirty="0"/>
+              <a:t>to</a:t>
+            </a:r>
+            <a:r>
+              <a:rPr lang="zh-CN" altLang="en-US" dirty="0"/>
+              <a:t> </a:t>
+            </a:r>
+            <a:r>
+              <a:rPr lang="en-US" altLang="zh-CN" dirty="0"/>
+              <a:t>convert</a:t>
+            </a:r>
+            <a:r>
+              <a:rPr lang="zh-CN" altLang="en-US" dirty="0"/>
+              <a:t> </a:t>
+            </a:r>
+            <a:r>
+              <a:rPr lang="en-US" altLang="zh-CN" dirty="0"/>
+              <a:t>these</a:t>
+            </a:r>
+            <a:r>
+              <a:rPr lang="zh-CN" altLang="en-US" dirty="0"/>
+              <a:t> </a:t>
+            </a:r>
+            <a:r>
+              <a:rPr lang="en-US" altLang="zh-CN" dirty="0"/>
+              <a:t>texts</a:t>
+            </a:r>
+            <a:r>
+              <a:rPr lang="zh-CN" altLang="en-US" dirty="0"/>
+              <a:t> </a:t>
+            </a:r>
+            <a:r>
+              <a:rPr lang="en-US" altLang="zh-CN" dirty="0"/>
+              <a:t>into</a:t>
+            </a:r>
+            <a:r>
+              <a:rPr lang="zh-CN" altLang="en-US" dirty="0"/>
+              <a:t> </a:t>
+            </a:r>
+            <a:r>
+              <a:rPr lang="en-US" altLang="zh-CN" dirty="0"/>
+              <a:t>audio</a:t>
+            </a:r>
+            <a:r>
+              <a:rPr lang="zh-CN" altLang="en-US" dirty="0"/>
+              <a:t> </a:t>
+            </a:r>
+            <a:r>
+              <a:rPr lang="en-US" altLang="zh-CN" dirty="0"/>
+              <a:t>files</a:t>
+            </a:r>
+            <a:r>
+              <a:rPr lang="zh-CN" altLang="en-US" dirty="0"/>
+              <a:t> </a:t>
+            </a:r>
+            <a:r>
+              <a:rPr lang="en-US" altLang="zh-CN" dirty="0"/>
+              <a:t>(</a:t>
+            </a:r>
+            <a:r>
+              <a:rPr lang="en-US" altLang="zh-CN" dirty="0">
+                <a:solidFill>
+                  <a:srgbClr val="FF0000"/>
+                </a:solidFill>
+              </a:rPr>
+              <a:t>A</a:t>
+            </a:r>
+            <a:r>
+              <a:rPr lang="en-US" altLang="zh-CN" dirty="0"/>
+              <a:t>)</a:t>
+            </a:r>
+          </a:p>
+          <a:p>
+            <a:r>
+              <a:rPr lang="en-US" altLang="zh-CN" b="1" dirty="0"/>
+              <a:t>Play</a:t>
+            </a:r>
+            <a:r>
+              <a:rPr lang="zh-CN" altLang="en-US" b="1" dirty="0"/>
+              <a:t> </a:t>
+            </a:r>
+            <a:r>
+              <a:rPr lang="en-US" altLang="zh-CN" b="1" dirty="0"/>
+              <a:t>Audio</a:t>
+            </a:r>
+            <a:r>
+              <a:rPr lang="zh-CN" altLang="en-US" b="1" dirty="0"/>
+              <a:t> </a:t>
+            </a:r>
+            <a:r>
+              <a:rPr lang="en-US" altLang="zh-CN" b="1" dirty="0"/>
+              <a:t>Files</a:t>
+            </a:r>
+            <a:r>
+              <a:rPr lang="zh-CN" altLang="en-US" b="1" dirty="0"/>
+              <a:t> </a:t>
+            </a:r>
+            <a:r>
+              <a:rPr lang="en-US" altLang="zh-CN" b="1" dirty="0"/>
+              <a:t>for</a:t>
+            </a:r>
+            <a:r>
+              <a:rPr lang="zh-CN" altLang="en-US" b="1" dirty="0"/>
+              <a:t> </a:t>
+            </a:r>
+            <a:r>
+              <a:rPr lang="en-US" altLang="zh-CN" b="1" dirty="0"/>
+              <a:t>Interaction:</a:t>
+            </a:r>
+            <a:r>
+              <a:rPr lang="zh-CN" altLang="en-US" b="1" dirty="0"/>
+              <a:t> </a:t>
+            </a:r>
+            <a:r>
+              <a:rPr lang="en-US" altLang="zh-CN" dirty="0"/>
+              <a:t>Play</a:t>
+            </a:r>
+            <a:r>
+              <a:rPr lang="zh-CN" altLang="en-US" dirty="0"/>
+              <a:t> </a:t>
+            </a:r>
+            <a:r>
+              <a:rPr lang="en-US" altLang="zh-CN" dirty="0"/>
+              <a:t>one</a:t>
+            </a:r>
+            <a:r>
+              <a:rPr lang="zh-CN" altLang="en-US" dirty="0"/>
+              <a:t> </a:t>
+            </a:r>
+            <a:r>
+              <a:rPr lang="en-US" altLang="zh-CN" dirty="0"/>
+              <a:t>speech</a:t>
+            </a:r>
+            <a:r>
+              <a:rPr lang="zh-CN" altLang="en-US" dirty="0"/>
+              <a:t> </a:t>
+            </a:r>
+            <a:r>
+              <a:rPr lang="en-US" altLang="zh-CN" dirty="0"/>
+              <a:t>at</a:t>
+            </a:r>
+            <a:r>
+              <a:rPr lang="zh-CN" altLang="en-US" dirty="0"/>
+              <a:t> </a:t>
+            </a:r>
+            <a:r>
+              <a:rPr lang="en-US" altLang="zh-CN" dirty="0"/>
+              <a:t>a</a:t>
+            </a:r>
+            <a:r>
+              <a:rPr lang="zh-CN" altLang="en-US" dirty="0"/>
+              <a:t> </a:t>
+            </a:r>
+            <a:r>
+              <a:rPr lang="en-US" altLang="zh-CN" dirty="0"/>
+              <a:t>time</a:t>
+            </a:r>
+          </a:p>
+          <a:p>
+            <a:r>
+              <a:rPr lang="en-US" altLang="zh-CN" b="1" dirty="0"/>
+              <a:t>Traffic</a:t>
+            </a:r>
+            <a:r>
+              <a:rPr lang="zh-CN" altLang="en-US" b="1" dirty="0"/>
+              <a:t> </a:t>
+            </a:r>
+            <a:r>
+              <a:rPr lang="en-US" altLang="zh-CN" b="1" dirty="0"/>
+              <a:t>data</a:t>
+            </a:r>
+            <a:r>
+              <a:rPr lang="zh-CN" altLang="en-US" b="1" dirty="0"/>
+              <a:t> </a:t>
+            </a:r>
+            <a:r>
+              <a:rPr lang="en-US" altLang="zh-CN" b="1" dirty="0"/>
+              <a:t>collection:</a:t>
+            </a:r>
+            <a:r>
+              <a:rPr lang="zh-CN" altLang="en-US" b="1" dirty="0"/>
+              <a:t> </a:t>
+            </a:r>
+            <a:r>
+              <a:rPr lang="en-US" altLang="zh-CN" dirty="0"/>
+              <a:t>(</a:t>
+            </a:r>
+            <a:r>
+              <a:rPr lang="en-US" altLang="zh-CN" dirty="0">
+                <a:solidFill>
+                  <a:srgbClr val="FF0000"/>
+                </a:solidFill>
+              </a:rPr>
+              <a:t>W</a:t>
+            </a:r>
+            <a:r>
+              <a:rPr lang="en-US" altLang="zh-CN" dirty="0"/>
+              <a:t>)</a:t>
+            </a:r>
+            <a:r>
+              <a:rPr lang="zh-CN" altLang="en-US" dirty="0"/>
+              <a:t> </a:t>
+            </a:r>
+            <a:r>
+              <a:rPr lang="en-US" altLang="zh-CN" dirty="0"/>
+              <a:t>Sync</a:t>
+            </a:r>
+            <a:r>
+              <a:rPr lang="zh-CN" altLang="en-US" dirty="0"/>
+              <a:t> </a:t>
+            </a:r>
+            <a:r>
+              <a:rPr lang="en-US" altLang="zh-CN" dirty="0"/>
+              <a:t>Pi</a:t>
+            </a:r>
+            <a:r>
+              <a:rPr lang="zh-CN" altLang="en-US" dirty="0"/>
+              <a:t> </a:t>
+            </a:r>
+            <a:r>
+              <a:rPr lang="en-US" altLang="zh-CN" dirty="0"/>
+              <a:t>-&gt;</a:t>
+            </a:r>
+            <a:r>
+              <a:rPr lang="zh-CN" altLang="en-US" dirty="0"/>
+              <a:t> </a:t>
+            </a:r>
+            <a:r>
+              <a:rPr lang="en-US" altLang="zh-CN" dirty="0"/>
+              <a:t>PC</a:t>
+            </a:r>
+            <a:r>
+              <a:rPr lang="zh-CN" altLang="en-US" dirty="0"/>
+              <a:t> </a:t>
+            </a:r>
+            <a:r>
+              <a:rPr lang="en-US" altLang="zh-CN" dirty="0"/>
+              <a:t>(SSH</a:t>
+            </a:r>
+            <a:r>
+              <a:rPr lang="zh-CN" altLang="en-US" dirty="0"/>
+              <a:t> </a:t>
+            </a:r>
+            <a:r>
+              <a:rPr lang="en-US" altLang="zh-CN" dirty="0"/>
+              <a:t>or</a:t>
+            </a:r>
+            <a:r>
+              <a:rPr lang="zh-CN" altLang="en-US" dirty="0"/>
+              <a:t> </a:t>
+            </a:r>
+            <a:r>
+              <a:rPr lang="en-US" altLang="zh-CN" dirty="0"/>
+              <a:t>a</a:t>
+            </a:r>
+            <a:r>
+              <a:rPr lang="zh-CN" altLang="en-US" dirty="0"/>
+              <a:t> </a:t>
+            </a:r>
+            <a:r>
+              <a:rPr lang="en-US" altLang="zh-CN" dirty="0"/>
+              <a:t>local</a:t>
+            </a:r>
+            <a:r>
+              <a:rPr lang="zh-CN" altLang="en-US" dirty="0"/>
+              <a:t> </a:t>
+            </a:r>
+            <a:r>
+              <a:rPr lang="en-US" altLang="zh-CN" dirty="0"/>
+              <a:t>network</a:t>
+            </a:r>
+            <a:r>
+              <a:rPr lang="zh-CN" altLang="en-US" dirty="0"/>
+              <a:t> </a:t>
+            </a:r>
+            <a:r>
+              <a:rPr lang="en-US" altLang="zh-CN" dirty="0"/>
+              <a:t>API)</a:t>
+            </a:r>
+          </a:p>
+          <a:p>
+            <a:endParaRPr lang="en-US" altLang="zh-CN" dirty="0"/>
+          </a:p>
+          <a:p>
+            <a:endParaRPr lang="en-US" altLang="zh-CN" dirty="0"/>
+          </a:p>
+          <a:p>
+            <a:endParaRPr lang="en-US" altLang="zh-CN" dirty="0"/>
+          </a:p>
+          <a:p>
+            <a:endParaRPr lang="en-US" dirty="0"/>
           </a:p>
         </p:txBody>
       </p:sp>

--- a/Presentation1.pptx
+++ b/Presentation1.pptx
@@ -5,7 +5,7 @@
     <p:sldMasterId id="2147483648" r:id="rId1"/>
   </p:sldMasterIdLst>
   <p:notesMasterIdLst>
-    <p:notesMasterId r:id="rId13"/>
+    <p:notesMasterId r:id="rId14"/>
   </p:notesMasterIdLst>
   <p:sldIdLst>
     <p:sldId id="256" r:id="rId2"/>
@@ -19,6 +19,7 @@
     <p:sldId id="264" r:id="rId10"/>
     <p:sldId id="265" r:id="rId11"/>
     <p:sldId id="261" r:id="rId12"/>
+    <p:sldId id="268" r:id="rId13"/>
   </p:sldIdLst>
   <p:sldSz cx="12192000" cy="6858000"/>
   <p:notesSz cx="6858000" cy="9144000"/>
@@ -207,7 +208,7 @@
           <a:p>
             <a:fld id="{72646578-14F6-4B4C-9607-C52529FEB0BF}" type="datetimeFigureOut">
               <a:rPr lang="en-US" smtClean="0"/>
-              <a:t>11/27/23</a:t>
+              <a:t>11/28/23</a:t>
             </a:fld>
             <a:endParaRPr lang="en-US"/>
           </a:p>
@@ -1131,7 +1132,7 @@
           <a:p>
             <a:fld id="{78CD1D6E-A027-634F-BC83-5ADA8E496EAB}" type="datetimeFigureOut">
               <a:rPr lang="en-US" smtClean="0"/>
-              <a:t>11/27/23</a:t>
+              <a:t>11/28/23</a:t>
             </a:fld>
             <a:endParaRPr lang="en-US"/>
           </a:p>
@@ -1329,7 +1330,7 @@
           <a:p>
             <a:fld id="{78CD1D6E-A027-634F-BC83-5ADA8E496EAB}" type="datetimeFigureOut">
               <a:rPr lang="en-US" smtClean="0"/>
-              <a:t>11/27/23</a:t>
+              <a:t>11/28/23</a:t>
             </a:fld>
             <a:endParaRPr lang="en-US"/>
           </a:p>
@@ -1537,7 +1538,7 @@
           <a:p>
             <a:fld id="{78CD1D6E-A027-634F-BC83-5ADA8E496EAB}" type="datetimeFigureOut">
               <a:rPr lang="en-US" smtClean="0"/>
-              <a:t>11/27/23</a:t>
+              <a:t>11/28/23</a:t>
             </a:fld>
             <a:endParaRPr lang="en-US"/>
           </a:p>
@@ -1735,7 +1736,7 @@
           <a:p>
             <a:fld id="{78CD1D6E-A027-634F-BC83-5ADA8E496EAB}" type="datetimeFigureOut">
               <a:rPr lang="en-US" smtClean="0"/>
-              <a:t>11/27/23</a:t>
+              <a:t>11/28/23</a:t>
             </a:fld>
             <a:endParaRPr lang="en-US"/>
           </a:p>
@@ -2010,7 +2011,7 @@
           <a:p>
             <a:fld id="{78CD1D6E-A027-634F-BC83-5ADA8E496EAB}" type="datetimeFigureOut">
               <a:rPr lang="en-US" smtClean="0"/>
-              <a:t>11/27/23</a:t>
+              <a:t>11/28/23</a:t>
             </a:fld>
             <a:endParaRPr lang="en-US"/>
           </a:p>
@@ -2275,7 +2276,7 @@
           <a:p>
             <a:fld id="{78CD1D6E-A027-634F-BC83-5ADA8E496EAB}" type="datetimeFigureOut">
               <a:rPr lang="en-US" smtClean="0"/>
-              <a:t>11/27/23</a:t>
+              <a:t>11/28/23</a:t>
             </a:fld>
             <a:endParaRPr lang="en-US"/>
           </a:p>
@@ -2687,7 +2688,7 @@
           <a:p>
             <a:fld id="{78CD1D6E-A027-634F-BC83-5ADA8E496EAB}" type="datetimeFigureOut">
               <a:rPr lang="en-US" smtClean="0"/>
-              <a:t>11/27/23</a:t>
+              <a:t>11/28/23</a:t>
             </a:fld>
             <a:endParaRPr lang="en-US"/>
           </a:p>
@@ -2828,7 +2829,7 @@
           <a:p>
             <a:fld id="{78CD1D6E-A027-634F-BC83-5ADA8E496EAB}" type="datetimeFigureOut">
               <a:rPr lang="en-US" smtClean="0"/>
-              <a:t>11/27/23</a:t>
+              <a:t>11/28/23</a:t>
             </a:fld>
             <a:endParaRPr lang="en-US"/>
           </a:p>
@@ -2941,7 +2942,7 @@
           <a:p>
             <a:fld id="{78CD1D6E-A027-634F-BC83-5ADA8E496EAB}" type="datetimeFigureOut">
               <a:rPr lang="en-US" smtClean="0"/>
-              <a:t>11/27/23</a:t>
+              <a:t>11/28/23</a:t>
             </a:fld>
             <a:endParaRPr lang="en-US"/>
           </a:p>
@@ -3252,7 +3253,7 @@
           <a:p>
             <a:fld id="{78CD1D6E-A027-634F-BC83-5ADA8E496EAB}" type="datetimeFigureOut">
               <a:rPr lang="en-US" smtClean="0"/>
-              <a:t>11/27/23</a:t>
+              <a:t>11/28/23</a:t>
             </a:fld>
             <a:endParaRPr lang="en-US"/>
           </a:p>
@@ -3540,7 +3541,7 @@
           <a:p>
             <a:fld id="{78CD1D6E-A027-634F-BC83-5ADA8E496EAB}" type="datetimeFigureOut">
               <a:rPr lang="en-US" smtClean="0"/>
-              <a:t>11/27/23</a:t>
+              <a:t>11/28/23</a:t>
             </a:fld>
             <a:endParaRPr lang="en-US"/>
           </a:p>
@@ -3781,7 +3782,7 @@
           <a:p>
             <a:fld id="{78CD1D6E-A027-634F-BC83-5ADA8E496EAB}" type="datetimeFigureOut">
               <a:rPr lang="en-US" smtClean="0"/>
-              <a:t>11/27/23</a:t>
+              <a:t>11/28/23</a:t>
             </a:fld>
             <a:endParaRPr lang="en-US"/>
           </a:p>
@@ -4376,7 +4377,19 @@
             </a:r>
             <a:r>
               <a:rPr lang="en-US" altLang="zh-CN" b="1" dirty="0"/>
-              <a:t>Data:</a:t>
+              <a:t>Data(</a:t>
+            </a:r>
+            <a:r>
+              <a:rPr lang="en-US" altLang="zh-CN" b="1" dirty="0">
+                <a:solidFill>
+                  <a:srgbClr val="FF0000"/>
+                </a:solidFill>
+              </a:rPr>
+              <a:t>C</a:t>
+            </a:r>
+            <a:r>
+              <a:rPr lang="en-US" altLang="zh-CN" b="1" dirty="0"/>
+              <a:t>):</a:t>
             </a:r>
             <a:r>
               <a:rPr lang="zh-CN" altLang="en-US" b="1" dirty="0"/>
@@ -4454,7 +4467,19 @@
             </a:r>
             <a:r>
               <a:rPr lang="en-US" altLang="zh-CN" b="1" dirty="0"/>
-              <a:t>Files:</a:t>
+              <a:t>Files(</a:t>
+            </a:r>
+            <a:r>
+              <a:rPr lang="en-US" altLang="zh-CN" b="1" dirty="0">
+                <a:solidFill>
+                  <a:srgbClr val="FF0000"/>
+                </a:solidFill>
+              </a:rPr>
+              <a:t>A</a:t>
+            </a:r>
+            <a:r>
+              <a:rPr lang="en-US" altLang="zh-CN" b="1" dirty="0"/>
+              <a:t>):</a:t>
             </a:r>
             <a:r>
               <a:rPr lang="zh-CN" altLang="en-US" b="1" dirty="0"/>
@@ -4540,7 +4565,19 @@
             </a:r>
             <a:r>
               <a:rPr lang="en-US" altLang="zh-CN" b="1" dirty="0"/>
-              <a:t>Data:</a:t>
+              <a:t>Data(</a:t>
+            </a:r>
+            <a:r>
+              <a:rPr lang="en-US" altLang="zh-CN" b="1" dirty="0">
+                <a:solidFill>
+                  <a:srgbClr val="FF0000"/>
+                </a:solidFill>
+              </a:rPr>
+              <a:t>W</a:t>
+            </a:r>
+            <a:r>
+              <a:rPr lang="en-US" altLang="zh-CN" b="1" dirty="0"/>
+              <a:t>):</a:t>
             </a:r>
             <a:r>
               <a:rPr lang="zh-CN" altLang="en-US" b="1" dirty="0"/>
@@ -5255,6 +5292,116 @@
 </p:sld>
 </file>
 
+<file path=ppt/slides/slide12.xml><?xml version="1.0" encoding="utf-8"?>
+<p:sld xmlns:a="http://schemas.openxmlformats.org/drawingml/2006/main" xmlns:r="http://schemas.openxmlformats.org/officeDocument/2006/relationships" xmlns:p="http://schemas.openxmlformats.org/presentationml/2006/main">
+  <p:cSld>
+    <p:spTree>
+      <p:nvGrpSpPr>
+        <p:cNvPr id="1" name=""/>
+        <p:cNvGrpSpPr/>
+        <p:nvPr/>
+      </p:nvGrpSpPr>
+      <p:grpSpPr>
+        <a:xfrm>
+          <a:off x="0" y="0"/>
+          <a:ext cx="0" cy="0"/>
+          <a:chOff x="0" y="0"/>
+          <a:chExt cx="0" cy="0"/>
+        </a:xfrm>
+      </p:grpSpPr>
+      <p:sp>
+        <p:nvSpPr>
+          <p:cNvPr id="2" name="Title 1">
+            <a:extLst>
+              <a:ext uri="{FF2B5EF4-FFF2-40B4-BE49-F238E27FC236}">
+                <a16:creationId xmlns:a16="http://schemas.microsoft.com/office/drawing/2014/main" id="{F6F1EF8D-EF5C-5793-3E60-018150240903}"/>
+              </a:ext>
+            </a:extLst>
+          </p:cNvPr>
+          <p:cNvSpPr>
+            <a:spLocks noGrp="1"/>
+          </p:cNvSpPr>
+          <p:nvPr>
+            <p:ph type="title"/>
+          </p:nvPr>
+        </p:nvSpPr>
+        <p:spPr/>
+        <p:txBody>
+          <a:bodyPr/>
+          <a:lstStyle/>
+          <a:p>
+            <a:endParaRPr lang="en-US"/>
+          </a:p>
+        </p:txBody>
+      </p:sp>
+      <p:sp>
+        <p:nvSpPr>
+          <p:cNvPr id="3" name="Content Placeholder 2">
+            <a:extLst>
+              <a:ext uri="{FF2B5EF4-FFF2-40B4-BE49-F238E27FC236}">
+                <a16:creationId xmlns:a16="http://schemas.microsoft.com/office/drawing/2014/main" id="{6DA27256-6C48-C4F3-0AA7-2923F1C403E3}"/>
+              </a:ext>
+            </a:extLst>
+          </p:cNvPr>
+          <p:cNvSpPr>
+            <a:spLocks noGrp="1"/>
+          </p:cNvSpPr>
+          <p:nvPr>
+            <p:ph idx="1"/>
+          </p:nvPr>
+        </p:nvSpPr>
+        <p:spPr/>
+        <p:txBody>
+          <a:bodyPr/>
+          <a:lstStyle/>
+          <a:p>
+            <a:endParaRPr lang="en-US"/>
+          </a:p>
+        </p:txBody>
+      </p:sp>
+      <p:pic>
+        <p:nvPicPr>
+          <p:cNvPr id="4" name="Picture 3">
+            <a:extLst>
+              <a:ext uri="{FF2B5EF4-FFF2-40B4-BE49-F238E27FC236}">
+                <a16:creationId xmlns:a16="http://schemas.microsoft.com/office/drawing/2014/main" id="{D9652C1F-34A3-5C0E-57D4-033D189F3571}"/>
+              </a:ext>
+            </a:extLst>
+          </p:cNvPr>
+          <p:cNvPicPr>
+            <a:picLocks noChangeAspect="1"/>
+          </p:cNvPicPr>
+          <p:nvPr/>
+        </p:nvPicPr>
+        <p:blipFill>
+          <a:blip r:embed="rId2"/>
+          <a:stretch>
+            <a:fillRect/>
+          </a:stretch>
+        </p:blipFill>
+        <p:spPr>
+          <a:xfrm>
+            <a:off x="1176458" y="1156139"/>
+            <a:ext cx="9599674" cy="4873680"/>
+          </a:xfrm>
+          <a:prstGeom prst="rect">
+            <a:avLst/>
+          </a:prstGeom>
+        </p:spPr>
+      </p:pic>
+    </p:spTree>
+    <p:extLst>
+      <p:ext uri="{BB962C8B-B14F-4D97-AF65-F5344CB8AC3E}">
+        <p14:creationId xmlns:p14="http://schemas.microsoft.com/office/powerpoint/2010/main" val="751806766"/>
+      </p:ext>
+    </p:extLst>
+  </p:cSld>
+  <p:clrMapOvr>
+    <a:masterClrMapping/>
+  </p:clrMapOvr>
+</p:sld>
+</file>
+
 <file path=ppt/slides/slide2.xml><?xml version="1.0" encoding="utf-8"?>
 <p:sld xmlns:a="http://schemas.openxmlformats.org/drawingml/2006/main" xmlns:r="http://schemas.openxmlformats.org/officeDocument/2006/relationships" xmlns:p="http://schemas.openxmlformats.org/presentationml/2006/main">
   <p:cSld>
@@ -7603,6 +7750,26 @@
               <a:rPr lang="en-US" altLang="zh-CN" dirty="0"/>
               <a:t>time</a:t>
             </a:r>
+            <a:r>
+              <a:rPr lang="zh-CN" altLang="en-US" dirty="0"/>
+              <a:t> </a:t>
+            </a:r>
+            <a:r>
+              <a:rPr lang="en-US" altLang="zh-CN" dirty="0"/>
+              <a:t>on</a:t>
+            </a:r>
+            <a:r>
+              <a:rPr lang="zh-CN" altLang="en-US" dirty="0"/>
+              <a:t> </a:t>
+            </a:r>
+            <a:r>
+              <a:rPr lang="en-US" altLang="zh-CN" dirty="0">
+                <a:solidFill>
+                  <a:srgbClr val="0070C0"/>
+                </a:solidFill>
+              </a:rPr>
+              <a:t>Pi</a:t>
+            </a:r>
           </a:p>
           <a:p>
             <a:r>
@@ -7623,11 +7790,7 @@
             </a:r>
             <a:r>
               <a:rPr lang="en-US" altLang="zh-CN" b="1" dirty="0"/>
-              <a:t>collection:</a:t>
-            </a:r>
-            <a:r>
-              <a:rPr lang="zh-CN" altLang="en-US" b="1" dirty="0"/>
-              <a:t> </a:t>
+              <a:t>collection</a:t>
             </a:r>
             <a:r>
               <a:rPr lang="en-US" altLang="zh-CN" dirty="0"/>
@@ -7646,87 +7809,23 @@
               <a:t>)</a:t>
             </a:r>
             <a:r>
-              <a:rPr lang="zh-CN" altLang="en-US" dirty="0"/>
-              <a:t> </a:t>
-            </a:r>
-            <a:r>
-              <a:rPr lang="en-US" altLang="zh-CN" dirty="0"/>
-              <a:t>Sync</a:t>
-            </a:r>
-            <a:r>
-              <a:rPr lang="zh-CN" altLang="en-US" dirty="0"/>
-              <a:t> </a:t>
-            </a:r>
-            <a:r>
-              <a:rPr lang="en-US" altLang="zh-CN" dirty="0"/>
-              <a:t>Pi</a:t>
-            </a:r>
-            <a:r>
-              <a:rPr lang="zh-CN" altLang="en-US" dirty="0"/>
-              <a:t> </a:t>
-            </a:r>
-            <a:r>
-              <a:rPr lang="en-US" altLang="zh-CN" dirty="0"/>
-              <a:t>-&gt;</a:t>
-            </a:r>
-            <a:r>
-              <a:rPr lang="zh-CN" altLang="en-US" dirty="0"/>
-              <a:t> </a:t>
-            </a:r>
-            <a:r>
-              <a:rPr lang="en-US" altLang="zh-CN" dirty="0"/>
-              <a:t>PC</a:t>
-            </a:r>
-            <a:r>
-              <a:rPr lang="zh-CN" altLang="en-US" dirty="0"/>
-              <a:t> </a:t>
-            </a:r>
-            <a:r>
-              <a:rPr lang="en-US" altLang="zh-CN" dirty="0"/>
-              <a:t>(SSH</a:t>
-            </a:r>
-            <a:r>
-              <a:rPr lang="zh-CN" altLang="en-US" dirty="0"/>
-              <a:t> </a:t>
-            </a:r>
-            <a:r>
-              <a:rPr lang="en-US" altLang="zh-CN" dirty="0"/>
-              <a:t>or</a:t>
-            </a:r>
-            <a:r>
-              <a:rPr lang="zh-CN" altLang="en-US" dirty="0"/>
-              <a:t> </a:t>
-            </a:r>
-            <a:r>
-              <a:rPr lang="en-US" altLang="zh-CN" dirty="0"/>
-              <a:t>a</a:t>
-            </a:r>
-            <a:r>
-              <a:rPr lang="zh-CN" altLang="en-US" dirty="0"/>
-              <a:t> </a:t>
-            </a:r>
-            <a:r>
-              <a:rPr lang="en-US" altLang="zh-CN" dirty="0"/>
-              <a:t>local</a:t>
-            </a:r>
-            <a:r>
-              <a:rPr lang="zh-CN" altLang="en-US" dirty="0"/>
-              <a:t> </a:t>
-            </a:r>
-            <a:r>
-              <a:rPr lang="en-US" altLang="zh-CN" dirty="0"/>
-              <a:t>network</a:t>
-            </a:r>
-            <a:r>
-              <a:rPr lang="zh-CN" altLang="en-US" dirty="0"/>
-              <a:t> </a:t>
-            </a:r>
-            <a:r>
-              <a:rPr lang="en-US" altLang="zh-CN" dirty="0"/>
-              <a:t>API)</a:t>
-            </a:r>
-          </a:p>
-          <a:p>
+              <a:rPr lang="en-US" altLang="zh-CN" b="1" dirty="0"/>
+              <a:t>:</a:t>
+            </a:r>
+            <a:r>
+              <a:rPr lang="zh-CN" altLang="en-US" b="1" dirty="0"/>
+              <a:t> </a:t>
+            </a:r>
+            <a:r>
+              <a:rPr lang="en-US" altLang="zh-CN" dirty="0"/>
+              <a:t>R</a:t>
+            </a:r>
+            <a:r>
+              <a:rPr lang="en-US" b="0" i="0" dirty="0">
+                <a:effectLst/>
+              </a:rPr>
+              <a:t>ecord the traffic data at the same time.</a:t>
+            </a:r>
             <a:endParaRPr lang="en-US" altLang="zh-CN" dirty="0"/>
           </a:p>
           <a:p>

--- a/Presentation1.pptx
+++ b/Presentation1.pptx
@@ -5,7 +5,7 @@
     <p:sldMasterId id="2147483648" r:id="rId1"/>
   </p:sldMasterIdLst>
   <p:notesMasterIdLst>
-    <p:notesMasterId r:id="rId14"/>
+    <p:notesMasterId r:id="rId17"/>
   </p:notesMasterIdLst>
   <p:sldIdLst>
     <p:sldId id="256" r:id="rId2"/>
@@ -15,11 +15,14 @@
     <p:sldId id="260" r:id="rId6"/>
     <p:sldId id="262" r:id="rId7"/>
     <p:sldId id="267" r:id="rId8"/>
-    <p:sldId id="266" r:id="rId9"/>
-    <p:sldId id="264" r:id="rId10"/>
-    <p:sldId id="265" r:id="rId11"/>
-    <p:sldId id="261" r:id="rId12"/>
-    <p:sldId id="268" r:id="rId13"/>
+    <p:sldId id="273" r:id="rId9"/>
+    <p:sldId id="271" r:id="rId10"/>
+    <p:sldId id="264" r:id="rId11"/>
+    <p:sldId id="265" r:id="rId12"/>
+    <p:sldId id="261" r:id="rId13"/>
+    <p:sldId id="269" r:id="rId14"/>
+    <p:sldId id="268" r:id="rId15"/>
+    <p:sldId id="270" r:id="rId16"/>
   </p:sldIdLst>
   <p:sldSz cx="12192000" cy="6858000"/>
   <p:notesSz cx="6858000" cy="9144000"/>
@@ -208,7 +211,7 @@
           <a:p>
             <a:fld id="{72646578-14F6-4B4C-9607-C52529FEB0BF}" type="datetimeFigureOut">
               <a:rPr lang="en-US" smtClean="0"/>
-              <a:t>11/28/23</a:t>
+              <a:t>11/29/23</a:t>
             </a:fld>
             <a:endParaRPr lang="en-US"/>
           </a:p>
@@ -1132,7 +1135,7 @@
           <a:p>
             <a:fld id="{78CD1D6E-A027-634F-BC83-5ADA8E496EAB}" type="datetimeFigureOut">
               <a:rPr lang="en-US" smtClean="0"/>
-              <a:t>11/28/23</a:t>
+              <a:t>11/29/23</a:t>
             </a:fld>
             <a:endParaRPr lang="en-US"/>
           </a:p>
@@ -1330,7 +1333,7 @@
           <a:p>
             <a:fld id="{78CD1D6E-A027-634F-BC83-5ADA8E496EAB}" type="datetimeFigureOut">
               <a:rPr lang="en-US" smtClean="0"/>
-              <a:t>11/28/23</a:t>
+              <a:t>11/29/23</a:t>
             </a:fld>
             <a:endParaRPr lang="en-US"/>
           </a:p>
@@ -1538,7 +1541,7 @@
           <a:p>
             <a:fld id="{78CD1D6E-A027-634F-BC83-5ADA8E496EAB}" type="datetimeFigureOut">
               <a:rPr lang="en-US" smtClean="0"/>
-              <a:t>11/28/23</a:t>
+              <a:t>11/29/23</a:t>
             </a:fld>
             <a:endParaRPr lang="en-US"/>
           </a:p>
@@ -1736,7 +1739,7 @@
           <a:p>
             <a:fld id="{78CD1D6E-A027-634F-BC83-5ADA8E496EAB}" type="datetimeFigureOut">
               <a:rPr lang="en-US" smtClean="0"/>
-              <a:t>11/28/23</a:t>
+              <a:t>11/29/23</a:t>
             </a:fld>
             <a:endParaRPr lang="en-US"/>
           </a:p>
@@ -2011,7 +2014,7 @@
           <a:p>
             <a:fld id="{78CD1D6E-A027-634F-BC83-5ADA8E496EAB}" type="datetimeFigureOut">
               <a:rPr lang="en-US" smtClean="0"/>
-              <a:t>11/28/23</a:t>
+              <a:t>11/29/23</a:t>
             </a:fld>
             <a:endParaRPr lang="en-US"/>
           </a:p>
@@ -2276,7 +2279,7 @@
           <a:p>
             <a:fld id="{78CD1D6E-A027-634F-BC83-5ADA8E496EAB}" type="datetimeFigureOut">
               <a:rPr lang="en-US" smtClean="0"/>
-              <a:t>11/28/23</a:t>
+              <a:t>11/29/23</a:t>
             </a:fld>
             <a:endParaRPr lang="en-US"/>
           </a:p>
@@ -2688,7 +2691,7 @@
           <a:p>
             <a:fld id="{78CD1D6E-A027-634F-BC83-5ADA8E496EAB}" type="datetimeFigureOut">
               <a:rPr lang="en-US" smtClean="0"/>
-              <a:t>11/28/23</a:t>
+              <a:t>11/29/23</a:t>
             </a:fld>
             <a:endParaRPr lang="en-US"/>
           </a:p>
@@ -2829,7 +2832,7 @@
           <a:p>
             <a:fld id="{78CD1D6E-A027-634F-BC83-5ADA8E496EAB}" type="datetimeFigureOut">
               <a:rPr lang="en-US" smtClean="0"/>
-              <a:t>11/28/23</a:t>
+              <a:t>11/29/23</a:t>
             </a:fld>
             <a:endParaRPr lang="en-US"/>
           </a:p>
@@ -2942,7 +2945,7 @@
           <a:p>
             <a:fld id="{78CD1D6E-A027-634F-BC83-5ADA8E496EAB}" type="datetimeFigureOut">
               <a:rPr lang="en-US" smtClean="0"/>
-              <a:t>11/28/23</a:t>
+              <a:t>11/29/23</a:t>
             </a:fld>
             <a:endParaRPr lang="en-US"/>
           </a:p>
@@ -3253,7 +3256,7 @@
           <a:p>
             <a:fld id="{78CD1D6E-A027-634F-BC83-5ADA8E496EAB}" type="datetimeFigureOut">
               <a:rPr lang="en-US" smtClean="0"/>
-              <a:t>11/28/23</a:t>
+              <a:t>11/29/23</a:t>
             </a:fld>
             <a:endParaRPr lang="en-US"/>
           </a:p>
@@ -3541,7 +3544,7 @@
           <a:p>
             <a:fld id="{78CD1D6E-A027-634F-BC83-5ADA8E496EAB}" type="datetimeFigureOut">
               <a:rPr lang="en-US" smtClean="0"/>
-              <a:t>11/28/23</a:t>
+              <a:t>11/29/23</a:t>
             </a:fld>
             <a:endParaRPr lang="en-US"/>
           </a:p>
@@ -3782,7 +3785,7 @@
           <a:p>
             <a:fld id="{78CD1D6E-A027-634F-BC83-5ADA8E496EAB}" type="datetimeFigureOut">
               <a:rPr lang="en-US" smtClean="0"/>
-              <a:t>11/28/23</a:t>
+              <a:t>11/29/23</a:t>
             </a:fld>
             <a:endParaRPr lang="en-US"/>
           </a:p>
@@ -4302,7 +4305,7 @@
           <p:cNvPr id="2" name="Title 1">
             <a:extLst>
               <a:ext uri="{FF2B5EF4-FFF2-40B4-BE49-F238E27FC236}">
-                <a16:creationId xmlns:a16="http://schemas.microsoft.com/office/drawing/2014/main" id="{63B43C5D-DA27-6994-5F77-64AA33FF463C}"/>
+                <a16:creationId xmlns:a16="http://schemas.microsoft.com/office/drawing/2014/main" id="{3AC8DA6D-7310-874F-3878-C5AAC19A2650}"/>
               </a:ext>
             </a:extLst>
           </p:cNvPr>
@@ -4320,19 +4323,31 @@
           <a:p>
             <a:r>
               <a:rPr lang="en-US" altLang="zh-CN" dirty="0"/>
-              <a:t>Datasets</a:t>
-            </a:r>
-            <a:r>
-              <a:rPr lang="zh-CN" altLang="en-US" dirty="0"/>
-              <a:t> </a:t>
-            </a:r>
-            <a:r>
-              <a:rPr lang="en-US" altLang="zh-CN" dirty="0"/>
-              <a:t>components</a:t>
-            </a:r>
-            <a:r>
-              <a:rPr lang="zh-CN" altLang="en-US" dirty="0"/>
-              <a:t> </a:t>
+              <a:t>Data</a:t>
+            </a:r>
+            <a:r>
+              <a:rPr lang="zh-CN" altLang="en-US" dirty="0"/>
+              <a:t> </a:t>
+            </a:r>
+            <a:r>
+              <a:rPr lang="en-US" altLang="zh-CN" dirty="0"/>
+              <a:t>Collection</a:t>
+            </a:r>
+            <a:r>
+              <a:rPr lang="zh-CN" altLang="en-US" dirty="0"/>
+              <a:t> </a:t>
+            </a:r>
+            <a:r>
+              <a:rPr lang="en-US" altLang="zh-CN" dirty="0"/>
+              <a:t>Simple</a:t>
+            </a:r>
+            <a:r>
+              <a:rPr lang="zh-CN" altLang="en-US" dirty="0"/>
+              <a:t> </a:t>
+            </a:r>
+            <a:r>
+              <a:rPr lang="en-US" altLang="zh-CN" dirty="0"/>
+              <a:t>Version</a:t>
             </a:r>
             <a:endParaRPr lang="en-US" dirty="0"/>
           </a:p>
@@ -4343,7 +4358,7 @@
           <p:cNvPr id="3" name="Content Placeholder 2">
             <a:extLst>
               <a:ext uri="{FF2B5EF4-FFF2-40B4-BE49-F238E27FC236}">
-                <a16:creationId xmlns:a16="http://schemas.microsoft.com/office/drawing/2014/main" id="{92E69B51-D05D-F7F2-2106-FF63DB2E0DBC}"/>
+                <a16:creationId xmlns:a16="http://schemas.microsoft.com/office/drawing/2014/main" id="{2B8A2C63-EA85-7079-3A28-C8572C1FE10A}"/>
               </a:ext>
             </a:extLst>
           </p:cNvPr>
@@ -4356,12 +4371,14 @@
         </p:nvSpPr>
         <p:spPr/>
         <p:txBody>
-          <a:bodyPr/>
+          <a:bodyPr>
+            <a:normAutofit/>
+          </a:bodyPr>
           <a:lstStyle/>
           <a:p>
             <a:r>
               <a:rPr lang="en-US" altLang="zh-CN" b="1" dirty="0"/>
-              <a:t>Ground</a:t>
+              <a:t>Text</a:t>
             </a:r>
             <a:r>
               <a:rPr lang="zh-CN" altLang="en-US" b="1" dirty="0"/>
@@ -4369,18 +4386,42 @@
             </a:r>
             <a:r>
               <a:rPr lang="en-US" altLang="zh-CN" b="1" dirty="0"/>
-              <a:t>True</a:t>
+              <a:t>Preparation:</a:t>
             </a:r>
             <a:r>
               <a:rPr lang="zh-CN" altLang="en-US" b="1" dirty="0"/>
               <a:t> </a:t>
             </a:r>
             <a:r>
-              <a:rPr lang="en-US" altLang="zh-CN" b="1" dirty="0"/>
-              <a:t>Data(</a:t>
-            </a:r>
-            <a:r>
-              <a:rPr lang="en-US" altLang="zh-CN" b="1" dirty="0">
+              <a:rPr lang="en-US" altLang="zh-CN" dirty="0"/>
+              <a:t>Create</a:t>
+            </a:r>
+            <a:r>
+              <a:rPr lang="zh-CN" altLang="en-US" dirty="0"/>
+              <a:t> </a:t>
+            </a:r>
+            <a:r>
+              <a:rPr lang="en-US" altLang="zh-CN" dirty="0"/>
+              <a:t>scripts</a:t>
+            </a:r>
+            <a:r>
+              <a:rPr lang="zh-CN" altLang="en-US" dirty="0"/>
+              <a:t> </a:t>
+            </a:r>
+            <a:r>
+              <a:rPr lang="en-US" altLang="zh-CN" dirty="0"/>
+              <a:t>of</a:t>
+            </a:r>
+            <a:r>
+              <a:rPr lang="zh-CN" altLang="en-US" dirty="0"/>
+              <a:t> </a:t>
+            </a:r>
+            <a:r>
+              <a:rPr lang="en-US" altLang="zh-CN" dirty="0"/>
+              <a:t>text(</a:t>
+            </a:r>
+            <a:r>
+              <a:rPr lang="en-US" altLang="zh-CN" dirty="0">
                 <a:solidFill>
                   <a:srgbClr val="FF0000"/>
                 </a:solidFill>
@@ -4388,40 +4429,38 @@
               <a:t>C</a:t>
             </a:r>
             <a:r>
+              <a:rPr lang="en-US" altLang="zh-CN" dirty="0"/>
+              <a:t>)</a:t>
+            </a:r>
+          </a:p>
+          <a:p>
+            <a:r>
               <a:rPr lang="en-US" altLang="zh-CN" b="1" dirty="0"/>
-              <a:t>):</a:t>
+              <a:t>Speech</a:t>
             </a:r>
             <a:r>
               <a:rPr lang="zh-CN" altLang="en-US" b="1" dirty="0"/>
               <a:t> </a:t>
             </a:r>
             <a:r>
-              <a:rPr lang="en-US" altLang="zh-CN" dirty="0"/>
-              <a:t>The</a:t>
-            </a:r>
-            <a:r>
-              <a:rPr lang="zh-CN" altLang="en-US" dirty="0"/>
-              <a:t> </a:t>
-            </a:r>
-            <a:r>
-              <a:rPr lang="en-US" altLang="zh-CN" dirty="0"/>
-              <a:t>original</a:t>
-            </a:r>
-            <a:r>
-              <a:rPr lang="zh-CN" altLang="en-US" dirty="0"/>
-              <a:t> </a:t>
-            </a:r>
-            <a:r>
-              <a:rPr lang="en-US" altLang="zh-CN" dirty="0"/>
-              <a:t>text</a:t>
-            </a:r>
-            <a:r>
-              <a:rPr lang="zh-CN" altLang="en-US" dirty="0"/>
-              <a:t> </a:t>
-            </a:r>
-            <a:r>
-              <a:rPr lang="en-US" altLang="zh-CN" dirty="0"/>
-              <a:t>used</a:t>
+              <a:rPr lang="en-US" altLang="zh-CN" b="1" dirty="0"/>
+              <a:t>Synthesis:</a:t>
+            </a:r>
+            <a:r>
+              <a:rPr lang="zh-CN" altLang="en-US" b="1" dirty="0"/>
+              <a:t> </a:t>
+            </a:r>
+            <a:r>
+              <a:rPr lang="en-US" altLang="zh-CN" dirty="0"/>
+              <a:t>Use</a:t>
+            </a:r>
+            <a:r>
+              <a:rPr lang="zh-CN" altLang="en-US" dirty="0"/>
+              <a:t> </a:t>
+            </a:r>
+            <a:r>
+              <a:rPr lang="en-US" altLang="zh-CN" dirty="0"/>
+              <a:t>Tacotron2</a:t>
             </a:r>
             <a:r>
               <a:rPr lang="zh-CN" altLang="en-US" dirty="0"/>
@@ -4437,40 +4476,58 @@
             </a:r>
             <a:r>
               <a:rPr lang="en-US" altLang="zh-CN" dirty="0"/>
-              <a:t>generate</a:t>
-            </a:r>
-            <a:r>
-              <a:rPr lang="zh-CN" altLang="en-US" dirty="0"/>
-              <a:t> </a:t>
-            </a:r>
-            <a:r>
-              <a:rPr lang="en-US" altLang="zh-CN" dirty="0"/>
-              <a:t>the</a:t>
-            </a:r>
-            <a:r>
-              <a:rPr lang="zh-CN" altLang="en-US" dirty="0"/>
-              <a:t> </a:t>
-            </a:r>
-            <a:r>
-              <a:rPr lang="en-US" altLang="zh-CN" dirty="0"/>
-              <a:t>speech</a:t>
-            </a:r>
-          </a:p>
-          <a:p>
-            <a:r>
-              <a:rPr lang="en-US" altLang="zh-CN" b="1" dirty="0"/>
-              <a:t>Audio</a:t>
-            </a:r>
-            <a:r>
-              <a:rPr lang="zh-CN" altLang="en-US" b="1" dirty="0"/>
-              <a:t> </a:t>
-            </a:r>
-            <a:r>
-              <a:rPr lang="en-US" altLang="zh-CN" b="1" dirty="0"/>
-              <a:t>Files(</a:t>
-            </a:r>
-            <a:r>
-              <a:rPr lang="en-US" altLang="zh-CN" b="1" dirty="0">
+              <a:t>convert</a:t>
+            </a:r>
+            <a:r>
+              <a:rPr lang="zh-CN" altLang="en-US" dirty="0"/>
+              <a:t> </a:t>
+            </a:r>
+            <a:r>
+              <a:rPr lang="en-US" altLang="zh-CN" dirty="0"/>
+              <a:t>these</a:t>
+            </a:r>
+            <a:r>
+              <a:rPr lang="zh-CN" altLang="en-US" dirty="0"/>
+              <a:t> </a:t>
+            </a:r>
+            <a:r>
+              <a:rPr lang="en-US" altLang="zh-CN" dirty="0"/>
+              <a:t>texts</a:t>
+            </a:r>
+            <a:r>
+              <a:rPr lang="zh-CN" altLang="en-US" dirty="0"/>
+              <a:t> </a:t>
+            </a:r>
+            <a:r>
+              <a:rPr lang="en-US" altLang="zh-CN" dirty="0"/>
+              <a:t>into</a:t>
+            </a:r>
+            <a:r>
+              <a:rPr lang="zh-CN" altLang="en-US" dirty="0"/>
+              <a:t> </a:t>
+            </a:r>
+            <a:r>
+              <a:rPr lang="en-US" altLang="zh-CN" dirty="0"/>
+              <a:t>audio</a:t>
+            </a:r>
+            <a:r>
+              <a:rPr lang="zh-CN" altLang="en-US" dirty="0"/>
+              <a:t> </a:t>
+            </a:r>
+            <a:r>
+              <a:rPr lang="en-US" altLang="zh-CN" dirty="0"/>
+              <a:t>files</a:t>
+            </a:r>
+            <a:r>
+              <a:rPr lang="zh-CN" altLang="en-US" dirty="0"/>
+              <a:t> </a:t>
+            </a:r>
+            <a:r>
+              <a:rPr lang="en-US" altLang="zh-CN" dirty="0"/>
+              <a:t>(</a:t>
+            </a:r>
+            <a:r>
+              <a:rPr lang="en-US" altLang="zh-CN" dirty="0">
                 <a:solidFill>
                   <a:srgbClr val="FF0000"/>
                 </a:solidFill>
@@ -4478,72 +4535,114 @@
               <a:t>A</a:t>
             </a:r>
             <a:r>
+              <a:rPr lang="en-US" altLang="zh-CN" dirty="0"/>
+              <a:t>)</a:t>
+            </a:r>
+          </a:p>
+          <a:p>
+            <a:r>
               <a:rPr lang="en-US" altLang="zh-CN" b="1" dirty="0"/>
-              <a:t>):</a:t>
+              <a:t>Play</a:t>
             </a:r>
             <a:r>
               <a:rPr lang="zh-CN" altLang="en-US" b="1" dirty="0"/>
               <a:t> </a:t>
             </a:r>
             <a:r>
-              <a:rPr lang="en-US" altLang="zh-CN" dirty="0"/>
+              <a:rPr lang="en-US" altLang="zh-CN" b="1" dirty="0"/>
               <a:t>Audio</a:t>
             </a:r>
             <a:r>
-              <a:rPr lang="zh-CN" altLang="en-US" dirty="0"/>
-              <a:t> </a:t>
-            </a:r>
-            <a:r>
-              <a:rPr lang="en-US" altLang="zh-CN" dirty="0"/>
-              <a:t>files</a:t>
-            </a:r>
-            <a:r>
-              <a:rPr lang="zh-CN" altLang="en-US" dirty="0"/>
-              <a:t> </a:t>
-            </a:r>
-            <a:r>
-              <a:rPr lang="en-US" altLang="zh-CN" dirty="0"/>
-              <a:t>generated</a:t>
-            </a:r>
-            <a:r>
-              <a:rPr lang="zh-CN" altLang="en-US" dirty="0"/>
-              <a:t> </a:t>
-            </a:r>
-            <a:r>
-              <a:rPr lang="en-US" altLang="zh-CN" dirty="0"/>
-              <a:t>from</a:t>
-            </a:r>
-            <a:r>
-              <a:rPr lang="zh-CN" altLang="en-US" dirty="0"/>
-              <a:t> </a:t>
-            </a:r>
-            <a:r>
-              <a:rPr lang="en-US" altLang="zh-CN" dirty="0"/>
-              <a:t>the</a:t>
-            </a:r>
-            <a:r>
-              <a:rPr lang="zh-CN" altLang="en-US" dirty="0"/>
-              <a:t> </a:t>
-            </a:r>
-            <a:r>
-              <a:rPr lang="en-US" altLang="zh-CN" dirty="0"/>
-              <a:t>text</a:t>
-            </a:r>
-            <a:r>
-              <a:rPr lang="zh-CN" altLang="en-US" dirty="0"/>
-              <a:t> </a:t>
-            </a:r>
-            <a:r>
-              <a:rPr lang="en-US" altLang="zh-CN" dirty="0"/>
-              <a:t>by</a:t>
-            </a:r>
-            <a:r>
-              <a:rPr lang="zh-CN" altLang="en-US" dirty="0"/>
-              <a:t> </a:t>
-            </a:r>
-            <a:r>
-              <a:rPr lang="en-US" altLang="zh-CN" dirty="0"/>
-              <a:t>Tacotron2.</a:t>
+              <a:rPr lang="zh-CN" altLang="en-US" b="1" dirty="0"/>
+              <a:t> </a:t>
+            </a:r>
+            <a:r>
+              <a:rPr lang="en-US" altLang="zh-CN" b="1" dirty="0"/>
+              <a:t>Files</a:t>
+            </a:r>
+            <a:r>
+              <a:rPr lang="zh-CN" altLang="en-US" b="1" dirty="0"/>
+              <a:t> </a:t>
+            </a:r>
+            <a:r>
+              <a:rPr lang="en-US" altLang="zh-CN" b="1" dirty="0"/>
+              <a:t>for</a:t>
+            </a:r>
+            <a:r>
+              <a:rPr lang="zh-CN" altLang="en-US" b="1" dirty="0"/>
+              <a:t> </a:t>
+            </a:r>
+            <a:r>
+              <a:rPr lang="en-US" altLang="zh-CN" b="1" dirty="0"/>
+              <a:t>Interaction:</a:t>
+            </a:r>
+            <a:r>
+              <a:rPr lang="zh-CN" altLang="en-US" b="1" dirty="0"/>
+              <a:t> </a:t>
+            </a:r>
+            <a:r>
+              <a:rPr lang="en-US" altLang="zh-CN" dirty="0"/>
+              <a:t>Play</a:t>
+            </a:r>
+            <a:r>
+              <a:rPr lang="zh-CN" altLang="en-US" dirty="0"/>
+              <a:t> </a:t>
+            </a:r>
+            <a:r>
+              <a:rPr lang="en-US" altLang="zh-CN" dirty="0"/>
+              <a:t>one</a:t>
+            </a:r>
+            <a:r>
+              <a:rPr lang="zh-CN" altLang="en-US" dirty="0"/>
+              <a:t> </a:t>
+            </a:r>
+            <a:r>
+              <a:rPr lang="en-US" altLang="zh-CN" dirty="0"/>
+              <a:t>speech</a:t>
+            </a:r>
+            <a:r>
+              <a:rPr lang="zh-CN" altLang="en-US" dirty="0"/>
+              <a:t> </a:t>
+            </a:r>
+            <a:r>
+              <a:rPr lang="en-US" altLang="zh-CN" dirty="0"/>
+              <a:t>at</a:t>
+            </a:r>
+            <a:r>
+              <a:rPr lang="zh-CN" altLang="en-US" dirty="0"/>
+              <a:t> </a:t>
+            </a:r>
+            <a:r>
+              <a:rPr lang="en-US" altLang="zh-CN" dirty="0"/>
+              <a:t>a</a:t>
+            </a:r>
+            <a:r>
+              <a:rPr lang="zh-CN" altLang="en-US" dirty="0"/>
+              <a:t> </a:t>
+            </a:r>
+            <a:r>
+              <a:rPr lang="en-US" altLang="zh-CN" dirty="0"/>
+              <a:t>time</a:t>
+            </a:r>
+            <a:r>
+              <a:rPr lang="zh-CN" altLang="en-US" dirty="0"/>
+              <a:t> </a:t>
+            </a:r>
+            <a:r>
+              <a:rPr lang="en-US" altLang="zh-CN" dirty="0"/>
+              <a:t>on</a:t>
+            </a:r>
+            <a:r>
+              <a:rPr lang="zh-CN" altLang="en-US" dirty="0"/>
+              <a:t> </a:t>
+            </a:r>
+            <a:r>
+              <a:rPr lang="en-US" altLang="zh-CN" dirty="0">
+                <a:solidFill>
+                  <a:srgbClr val="0070C0"/>
+                </a:solidFill>
+              </a:rPr>
+              <a:t>Pi</a:t>
             </a:r>
           </a:p>
           <a:p>
@@ -4557,7 +4656,7 @@
             </a:r>
             <a:r>
               <a:rPr lang="en-US" altLang="zh-CN" b="1" dirty="0"/>
-              <a:t>Rate</a:t>
+              <a:t>data</a:t>
             </a:r>
             <a:r>
               <a:rPr lang="zh-CN" altLang="en-US" b="1" dirty="0"/>
@@ -4565,10 +4664,14 @@
             </a:r>
             <a:r>
               <a:rPr lang="en-US" altLang="zh-CN" b="1" dirty="0"/>
-              <a:t>Data(</a:t>
-            </a:r>
-            <a:r>
-              <a:rPr lang="en-US" altLang="zh-CN" b="1" dirty="0">
+              <a:t>collection</a:t>
+            </a:r>
+            <a:r>
+              <a:rPr lang="en-US" altLang="zh-CN" dirty="0"/>
+              <a:t>(</a:t>
+            </a:r>
+            <a:r>
+              <a:rPr lang="en-US" altLang="zh-CN" dirty="0">
                 <a:solidFill>
                   <a:srgbClr val="FF0000"/>
                 </a:solidFill>
@@ -4576,8 +4679,12 @@
               <a:t>W</a:t>
             </a:r>
             <a:r>
+              <a:rPr lang="en-US" altLang="zh-CN" dirty="0"/>
+              <a:t>)</a:t>
+            </a:r>
+            <a:r>
               <a:rPr lang="en-US" altLang="zh-CN" b="1" dirty="0"/>
-              <a:t>):</a:t>
+              <a:t>:</a:t>
             </a:r>
             <a:r>
               <a:rPr lang="zh-CN" altLang="en-US" b="1" dirty="0"/>
@@ -4585,57 +4692,21 @@
             </a:r>
             <a:r>
               <a:rPr lang="en-US" altLang="zh-CN" dirty="0"/>
-              <a:t>Captured</a:t>
-            </a:r>
-            <a:r>
-              <a:rPr lang="zh-CN" altLang="en-US" dirty="0"/>
-              <a:t> </a:t>
-            </a:r>
-            <a:r>
-              <a:rPr lang="en-US" altLang="zh-CN" dirty="0"/>
-              <a:t>traffic</a:t>
-            </a:r>
-            <a:r>
-              <a:rPr lang="zh-CN" altLang="en-US" dirty="0"/>
-              <a:t> </a:t>
-            </a:r>
-            <a:r>
-              <a:rPr lang="en-US" altLang="zh-CN" dirty="0"/>
-              <a:t>data</a:t>
-            </a:r>
-            <a:r>
-              <a:rPr lang="zh-CN" altLang="en-US" dirty="0"/>
-              <a:t> </a:t>
-            </a:r>
-            <a:r>
-              <a:rPr lang="en-US" altLang="zh-CN" dirty="0"/>
-              <a:t>corresponding</a:t>
-            </a:r>
-            <a:r>
-              <a:rPr lang="zh-CN" altLang="en-US" dirty="0"/>
-              <a:t> </a:t>
-            </a:r>
-            <a:r>
-              <a:rPr lang="en-US" altLang="zh-CN" dirty="0"/>
-              <a:t>to</a:t>
-            </a:r>
-            <a:r>
-              <a:rPr lang="zh-CN" altLang="en-US" dirty="0"/>
-              <a:t> </a:t>
-            </a:r>
-            <a:r>
-              <a:rPr lang="en-US" altLang="zh-CN" dirty="0"/>
-              <a:t>interaction.</a:t>
-            </a:r>
-          </a:p>
-          <a:p>
+              <a:t>R</a:t>
+            </a:r>
+            <a:r>
+              <a:rPr lang="en-US" b="0" i="0" dirty="0">
+                <a:effectLst/>
+              </a:rPr>
+              <a:t>ecord the traffic data at the same time.</a:t>
+            </a:r>
             <a:endParaRPr lang="en-US" altLang="zh-CN" dirty="0"/>
           </a:p>
           <a:p>
             <a:endParaRPr lang="en-US" altLang="zh-CN" dirty="0"/>
           </a:p>
           <a:p>
-            <a:endParaRPr lang="en-US" dirty="0"/>
+            <a:endParaRPr lang="en-US" altLang="zh-CN" dirty="0"/>
           </a:p>
           <a:p>
             <a:endParaRPr lang="en-US" dirty="0"/>
@@ -4645,7 +4716,7 @@
     </p:spTree>
     <p:extLst>
       <p:ext uri="{BB962C8B-B14F-4D97-AF65-F5344CB8AC3E}">
-        <p14:creationId xmlns:p14="http://schemas.microsoft.com/office/powerpoint/2010/main" val="4035904610"/>
+        <p14:creationId xmlns:p14="http://schemas.microsoft.com/office/powerpoint/2010/main" val="2950811355"/>
       </p:ext>
     </p:extLst>
   </p:cSld>
@@ -4677,7 +4748,7 @@
           <p:cNvPr id="2" name="Title 1">
             <a:extLst>
               <a:ext uri="{FF2B5EF4-FFF2-40B4-BE49-F238E27FC236}">
-                <a16:creationId xmlns:a16="http://schemas.microsoft.com/office/drawing/2014/main" id="{6370BA86-52DA-5BA3-9DD4-6F3AA7A2F9B7}"/>
+                <a16:creationId xmlns:a16="http://schemas.microsoft.com/office/drawing/2014/main" id="{63B43C5D-DA27-6994-5F77-64AA33FF463C}"/>
               </a:ext>
             </a:extLst>
           </p:cNvPr>
@@ -4695,6 +4766,83 @@
           <a:p>
             <a:r>
               <a:rPr lang="en-US" altLang="zh-CN" dirty="0"/>
+              <a:t>Datasets</a:t>
+            </a:r>
+            <a:r>
+              <a:rPr lang="zh-CN" altLang="en-US" dirty="0"/>
+              <a:t> </a:t>
+            </a:r>
+            <a:r>
+              <a:rPr lang="en-US" altLang="zh-CN" dirty="0"/>
+              <a:t>Components</a:t>
+            </a:r>
+            <a:r>
+              <a:rPr lang="zh-CN" altLang="en-US" dirty="0"/>
+              <a:t> </a:t>
+            </a:r>
+            <a:endParaRPr lang="en-US" dirty="0"/>
+          </a:p>
+        </p:txBody>
+      </p:sp>
+      <p:sp>
+        <p:nvSpPr>
+          <p:cNvPr id="3" name="Content Placeholder 2">
+            <a:extLst>
+              <a:ext uri="{FF2B5EF4-FFF2-40B4-BE49-F238E27FC236}">
+                <a16:creationId xmlns:a16="http://schemas.microsoft.com/office/drawing/2014/main" id="{92E69B51-D05D-F7F2-2106-FF63DB2E0DBC}"/>
+              </a:ext>
+            </a:extLst>
+          </p:cNvPr>
+          <p:cNvSpPr>
+            <a:spLocks noGrp="1"/>
+          </p:cNvSpPr>
+          <p:nvPr>
+            <p:ph idx="1"/>
+          </p:nvPr>
+        </p:nvSpPr>
+        <p:spPr/>
+        <p:txBody>
+          <a:bodyPr/>
+          <a:lstStyle/>
+          <a:p>
+            <a:r>
+              <a:rPr lang="en-US" altLang="zh-CN" b="1" dirty="0"/>
+              <a:t>Ground</a:t>
+            </a:r>
+            <a:r>
+              <a:rPr lang="zh-CN" altLang="en-US" b="1" dirty="0"/>
+              <a:t> </a:t>
+            </a:r>
+            <a:r>
+              <a:rPr lang="en-US" altLang="zh-CN" b="1" dirty="0"/>
+              <a:t>True</a:t>
+            </a:r>
+            <a:r>
+              <a:rPr lang="zh-CN" altLang="en-US" b="1" dirty="0"/>
+              <a:t> </a:t>
+            </a:r>
+            <a:r>
+              <a:rPr lang="en-US" altLang="zh-CN" b="1" dirty="0"/>
+              <a:t>Data(</a:t>
+            </a:r>
+            <a:r>
+              <a:rPr lang="en-US" altLang="zh-CN" b="1" dirty="0">
+                <a:solidFill>
+                  <a:srgbClr val="FF0000"/>
+                </a:solidFill>
+              </a:rPr>
+              <a:t>C</a:t>
+            </a:r>
+            <a:r>
+              <a:rPr lang="en-US" altLang="zh-CN" b="1" dirty="0"/>
+              <a:t>):</a:t>
+            </a:r>
+            <a:r>
+              <a:rPr lang="zh-CN" altLang="en-US" b="1" dirty="0"/>
+              <a:t> </a:t>
+            </a:r>
+            <a:r>
+              <a:rPr lang="en-US" altLang="zh-CN" dirty="0"/>
               <a:t>The</a:t>
             </a:r>
             <a:r>
@@ -4703,586 +4851,247 @@
             </a:r>
             <a:r>
               <a:rPr lang="en-US" altLang="zh-CN" dirty="0"/>
-              <a:t>Components</a:t>
-            </a:r>
-            <a:r>
-              <a:rPr lang="zh-CN" altLang="en-US" dirty="0"/>
-              <a:t> </a:t>
-            </a:r>
-            <a:r>
-              <a:rPr lang="en-US" altLang="zh-CN" dirty="0"/>
-              <a:t>of</a:t>
-            </a:r>
-            <a:r>
-              <a:rPr lang="zh-CN" altLang="en-US" dirty="0"/>
-              <a:t> </a:t>
-            </a:r>
-            <a:r>
-              <a:rPr lang="en-US" altLang="zh-CN" dirty="0"/>
+              <a:t>original</a:t>
+            </a:r>
+            <a:r>
+              <a:rPr lang="zh-CN" altLang="en-US" dirty="0"/>
+              <a:t> </a:t>
+            </a:r>
+            <a:r>
+              <a:rPr lang="en-US" altLang="zh-CN" b="1" dirty="0"/>
+              <a:t>text</a:t>
+            </a:r>
+            <a:r>
+              <a:rPr lang="zh-CN" altLang="en-US" dirty="0"/>
+              <a:t> </a:t>
+            </a:r>
+            <a:r>
+              <a:rPr lang="en-US" altLang="zh-CN" dirty="0"/>
+              <a:t>used</a:t>
+            </a:r>
+            <a:r>
+              <a:rPr lang="zh-CN" altLang="en-US" dirty="0"/>
+              <a:t> </a:t>
+            </a:r>
+            <a:r>
+              <a:rPr lang="en-US" altLang="zh-CN" dirty="0"/>
+              <a:t>to</a:t>
+            </a:r>
+            <a:r>
+              <a:rPr lang="zh-CN" altLang="en-US" dirty="0"/>
+              <a:t> </a:t>
+            </a:r>
+            <a:r>
+              <a:rPr lang="en-US" altLang="zh-CN" dirty="0"/>
+              <a:t>generate</a:t>
+            </a:r>
+            <a:r>
+              <a:rPr lang="zh-CN" altLang="en-US" dirty="0"/>
+              <a:t> </a:t>
+            </a:r>
+            <a:r>
+              <a:rPr lang="en-US" altLang="zh-CN" dirty="0"/>
+              <a:t>the</a:t>
+            </a:r>
+            <a:r>
+              <a:rPr lang="zh-CN" altLang="en-US" dirty="0"/>
+              <a:t> </a:t>
+            </a:r>
+            <a:r>
+              <a:rPr lang="en-US" altLang="zh-CN" dirty="0"/>
+              <a:t>speech</a:t>
+            </a:r>
+          </a:p>
+          <a:p>
+            <a:r>
+              <a:rPr lang="en-US" altLang="zh-CN" b="1" dirty="0"/>
+              <a:t>Audio</a:t>
+            </a:r>
+            <a:r>
+              <a:rPr lang="zh-CN" altLang="en-US" b="1" dirty="0"/>
+              <a:t> </a:t>
+            </a:r>
+            <a:r>
+              <a:rPr lang="en-US" altLang="zh-CN" b="1" dirty="0"/>
+              <a:t>Files(</a:t>
+            </a:r>
+            <a:r>
+              <a:rPr lang="en-US" altLang="zh-CN" b="1" dirty="0">
+                <a:solidFill>
+                  <a:srgbClr val="FF0000"/>
+                </a:solidFill>
+              </a:rPr>
+              <a:t>A</a:t>
+            </a:r>
+            <a:r>
+              <a:rPr lang="en-US" altLang="zh-CN" b="1" dirty="0"/>
+              <a:t>):</a:t>
+            </a:r>
+            <a:r>
+              <a:rPr lang="zh-CN" altLang="en-US" b="1" dirty="0"/>
+              <a:t> </a:t>
+            </a:r>
+            <a:r>
+              <a:rPr lang="en-US" altLang="zh-CN" dirty="0"/>
+              <a:t>Audio</a:t>
+            </a:r>
+            <a:r>
+              <a:rPr lang="zh-CN" altLang="en-US" dirty="0"/>
+              <a:t> </a:t>
+            </a:r>
+            <a:r>
+              <a:rPr lang="en-US" altLang="zh-CN" dirty="0"/>
+              <a:t>files</a:t>
+            </a:r>
+            <a:r>
+              <a:rPr lang="zh-CN" altLang="en-US" dirty="0"/>
+              <a:t> </a:t>
+            </a:r>
+            <a:r>
+              <a:rPr lang="en-US" altLang="zh-CN" dirty="0"/>
+              <a:t>generated</a:t>
+            </a:r>
+            <a:r>
+              <a:rPr lang="zh-CN" altLang="en-US" dirty="0"/>
+              <a:t> </a:t>
+            </a:r>
+            <a:r>
+              <a:rPr lang="en-US" altLang="zh-CN" dirty="0"/>
+              <a:t>from</a:t>
+            </a:r>
+            <a:r>
+              <a:rPr lang="zh-CN" altLang="en-US" dirty="0"/>
+              <a:t> </a:t>
+            </a:r>
+            <a:r>
+              <a:rPr lang="en-US" altLang="zh-CN" dirty="0"/>
+              <a:t>the</a:t>
+            </a:r>
+            <a:r>
+              <a:rPr lang="zh-CN" altLang="en-US" dirty="0"/>
+              <a:t> </a:t>
+            </a:r>
+            <a:r>
+              <a:rPr lang="en-US" altLang="zh-CN" dirty="0"/>
+              <a:t>text</a:t>
+            </a:r>
+            <a:r>
+              <a:rPr lang="zh-CN" altLang="en-US" dirty="0"/>
+              <a:t> </a:t>
+            </a:r>
+            <a:r>
+              <a:rPr lang="en-US" altLang="zh-CN" dirty="0"/>
+              <a:t>by</a:t>
+            </a:r>
+            <a:r>
+              <a:rPr lang="zh-CN" altLang="en-US" dirty="0"/>
+              <a:t> </a:t>
+            </a:r>
+            <a:r>
+              <a:rPr lang="en-US" altLang="zh-CN" dirty="0"/>
+              <a:t>Tacotron2.</a:t>
+            </a:r>
+          </a:p>
+          <a:p>
+            <a:r>
+              <a:rPr lang="en-US" altLang="zh-CN" b="1" dirty="0"/>
               <a:t>Traffic</a:t>
             </a:r>
             <a:r>
-              <a:rPr lang="zh-CN" altLang="en-US" dirty="0"/>
-              <a:t> </a:t>
-            </a:r>
-            <a:r>
-              <a:rPr lang="en-US" altLang="zh-CN" dirty="0"/>
-              <a:t>Data:</a:t>
-            </a:r>
-          </a:p>
-        </p:txBody>
-      </p:sp>
-      <p:sp>
-        <p:nvSpPr>
-          <p:cNvPr id="3" name="Content Placeholder 2">
-            <a:extLst>
-              <a:ext uri="{FF2B5EF4-FFF2-40B4-BE49-F238E27FC236}">
-                <a16:creationId xmlns:a16="http://schemas.microsoft.com/office/drawing/2014/main" id="{6AC2285B-36E7-9197-ED38-F17BC1B3A0AC}"/>
-              </a:ext>
-            </a:extLst>
-          </p:cNvPr>
-          <p:cNvSpPr>
-            <a:spLocks noGrp="1"/>
-          </p:cNvSpPr>
-          <p:nvPr>
-            <p:ph idx="1"/>
-          </p:nvPr>
-        </p:nvSpPr>
-        <p:spPr/>
-        <p:txBody>
-          <a:bodyPr>
-            <a:normAutofit/>
-          </a:bodyPr>
-          <a:lstStyle/>
-          <a:p>
+              <a:rPr lang="zh-CN" altLang="en-US" b="1" dirty="0"/>
+              <a:t> </a:t>
+            </a:r>
             <a:r>
               <a:rPr lang="en-US" altLang="zh-CN" b="1" dirty="0"/>
-              <a:t>Timestamps:</a:t>
+              <a:t>Rate</a:t>
             </a:r>
             <a:r>
               <a:rPr lang="zh-CN" altLang="en-US" b="1" dirty="0"/>
               <a:t> </a:t>
             </a:r>
             <a:r>
-              <a:rPr lang="en-US" altLang="zh-CN" b="0" i="0" dirty="0">
-                <a:effectLst/>
+              <a:rPr lang="en-US" altLang="zh-CN" b="1" dirty="0"/>
+              <a:t>Data(</a:t>
+            </a:r>
+            <a:r>
+              <a:rPr lang="en-US" altLang="zh-CN" b="1" dirty="0">
+                <a:solidFill>
+                  <a:srgbClr val="FF0000"/>
+                </a:solidFill>
               </a:rPr>
-              <a:t>When</a:t>
-            </a:r>
-            <a:r>
-              <a:rPr lang="zh-CN" altLang="en-US" b="0" i="0" dirty="0">
-                <a:effectLst/>
-              </a:rPr>
-              <a:t> </a:t>
-            </a:r>
-            <a:r>
-              <a:rPr lang="en-US" altLang="zh-CN" b="0" i="0" dirty="0">
-                <a:effectLst/>
-              </a:rPr>
-              <a:t>the</a:t>
-            </a:r>
-            <a:r>
-              <a:rPr lang="zh-CN" altLang="en-US" b="0" i="0" dirty="0">
-                <a:effectLst/>
-              </a:rPr>
-              <a:t> </a:t>
-            </a:r>
-            <a:r>
-              <a:rPr lang="en-US" altLang="zh-CN" b="0" i="0" dirty="0">
-                <a:effectLst/>
-              </a:rPr>
-              <a:t>interaction</a:t>
-            </a:r>
-            <a:r>
-              <a:rPr lang="zh-CN" altLang="en-US" b="0" i="0" dirty="0">
-                <a:effectLst/>
-              </a:rPr>
-              <a:t> </a:t>
-            </a:r>
-            <a:r>
-              <a:rPr lang="en-US" altLang="zh-CN" b="0" i="0" dirty="0" err="1">
-                <a:effectLst/>
-              </a:rPr>
-              <a:t>occured</a:t>
-            </a:r>
+              <a:t>W</a:t>
+            </a:r>
+            <a:r>
+              <a:rPr lang="en-US" altLang="zh-CN" b="1" dirty="0"/>
+              <a:t>):</a:t>
+            </a:r>
+            <a:r>
+              <a:rPr lang="zh-CN" altLang="en-US" b="1" dirty="0"/>
+              <a:t> </a:t>
+            </a:r>
+            <a:r>
+              <a:rPr lang="en-US" altLang="zh-CN" dirty="0"/>
+              <a:t>Captured</a:t>
+            </a:r>
+            <a:r>
+              <a:rPr lang="zh-CN" altLang="en-US" dirty="0"/>
+              <a:t> </a:t>
+            </a:r>
+            <a:r>
+              <a:rPr lang="en-US" altLang="zh-CN" dirty="0"/>
+              <a:t>traffic</a:t>
+            </a:r>
+            <a:r>
+              <a:rPr lang="zh-CN" altLang="en-US" dirty="0"/>
+              <a:t> </a:t>
+            </a:r>
+            <a:r>
+              <a:rPr lang="en-US" altLang="zh-CN" dirty="0"/>
+              <a:t>data</a:t>
+            </a:r>
+            <a:r>
+              <a:rPr lang="zh-CN" altLang="en-US" dirty="0"/>
+              <a:t> </a:t>
+            </a:r>
+            <a:r>
+              <a:rPr lang="en-US" altLang="zh-CN" dirty="0"/>
+              <a:t>corresponding</a:t>
+            </a:r>
+            <a:r>
+              <a:rPr lang="zh-CN" altLang="en-US" dirty="0"/>
+              <a:t> </a:t>
+            </a:r>
+            <a:r>
+              <a:rPr lang="en-US" altLang="zh-CN" dirty="0"/>
+              <a:t>to</a:t>
+            </a:r>
+            <a:r>
+              <a:rPr lang="zh-CN" altLang="en-US" dirty="0"/>
+              <a:t> </a:t>
+            </a:r>
+            <a:r>
+              <a:rPr lang="en-US" altLang="zh-CN" dirty="0"/>
+              <a:t>interaction.</a:t>
+            </a:r>
+          </a:p>
+          <a:p>
             <a:endParaRPr lang="en-US" altLang="zh-CN" dirty="0"/>
           </a:p>
           <a:p>
-            <a:r>
-              <a:rPr lang="en-US" altLang="zh-CN" b="1" i="0" dirty="0">
-                <a:effectLst/>
-              </a:rPr>
-              <a:t>Data</a:t>
-            </a:r>
-            <a:r>
-              <a:rPr lang="zh-CN" altLang="en-US" b="1" i="0" dirty="0">
-                <a:effectLst/>
-              </a:rPr>
-              <a:t> </a:t>
-            </a:r>
-            <a:r>
-              <a:rPr lang="en-US" altLang="zh-CN" b="1" i="0" dirty="0">
-                <a:effectLst/>
-              </a:rPr>
-              <a:t>Transfer</a:t>
-            </a:r>
-            <a:r>
-              <a:rPr lang="zh-CN" altLang="en-US" b="1" i="0" dirty="0">
-                <a:effectLst/>
-              </a:rPr>
-              <a:t> </a:t>
-            </a:r>
-            <a:r>
-              <a:rPr lang="en-US" altLang="zh-CN" b="1" i="0" dirty="0">
-                <a:effectLst/>
-              </a:rPr>
-              <a:t>Rates(</a:t>
-            </a:r>
-            <a:r>
-              <a:rPr lang="en-US" altLang="zh-CN" b="1" i="0" dirty="0" err="1">
-                <a:effectLst/>
-              </a:rPr>
-              <a:t>Kb</a:t>
-            </a:r>
-            <a:r>
-              <a:rPr lang="en-US" altLang="zh-CN" b="1" i="0" dirty="0">
-                <a:effectLst/>
-              </a:rPr>
-              <a:t>/s):</a:t>
-            </a:r>
-            <a:r>
-              <a:rPr lang="zh-CN" altLang="en-US" b="1" i="0" dirty="0">
-                <a:effectLst/>
-              </a:rPr>
-              <a:t> </a:t>
-            </a:r>
-            <a:r>
-              <a:rPr lang="en-US" altLang="zh-CN" dirty="0"/>
-              <a:t>The</a:t>
-            </a:r>
-            <a:r>
-              <a:rPr lang="zh-CN" altLang="en-US" dirty="0"/>
-              <a:t> </a:t>
-            </a:r>
-            <a:r>
-              <a:rPr lang="en-US" altLang="zh-CN" dirty="0"/>
-              <a:t>speed</a:t>
-            </a:r>
-            <a:r>
-              <a:rPr lang="zh-CN" altLang="en-US" dirty="0"/>
-              <a:t> </a:t>
-            </a:r>
-            <a:r>
-              <a:rPr lang="en-US" altLang="zh-CN" dirty="0"/>
-              <a:t>of</a:t>
-            </a:r>
-            <a:r>
-              <a:rPr lang="zh-CN" altLang="en-US" dirty="0"/>
-              <a:t> </a:t>
-            </a:r>
-            <a:r>
-              <a:rPr lang="en-US" altLang="zh-CN" dirty="0"/>
-              <a:t>the</a:t>
-            </a:r>
-            <a:r>
-              <a:rPr lang="zh-CN" altLang="en-US" dirty="0"/>
-              <a:t> </a:t>
-            </a:r>
-            <a:r>
-              <a:rPr lang="en-US" altLang="zh-CN" dirty="0"/>
-              <a:t>data</a:t>
-            </a:r>
-            <a:r>
-              <a:rPr lang="zh-CN" altLang="en-US" dirty="0"/>
-              <a:t> </a:t>
-            </a:r>
-            <a:r>
-              <a:rPr lang="en-US" altLang="zh-CN" dirty="0"/>
-              <a:t>exchange</a:t>
-            </a:r>
-            <a:r>
-              <a:rPr lang="zh-CN" altLang="en-US" dirty="0"/>
-              <a:t> </a:t>
-            </a:r>
             <a:endParaRPr lang="en-US" altLang="zh-CN" dirty="0"/>
           </a:p>
           <a:p>
-            <a:r>
-              <a:rPr lang="en-US" altLang="zh-CN" b="1" dirty="0"/>
-              <a:t>Packet</a:t>
-            </a:r>
-            <a:r>
-              <a:rPr lang="zh-CN" altLang="en-US" b="1" dirty="0"/>
-              <a:t> </a:t>
-            </a:r>
-            <a:r>
-              <a:rPr lang="en-US" altLang="zh-CN" b="1" dirty="0"/>
-              <a:t>Sizes:</a:t>
-            </a:r>
-            <a:r>
-              <a:rPr lang="zh-CN" altLang="en-US" b="1" dirty="0"/>
-              <a:t> </a:t>
-            </a:r>
-            <a:r>
-              <a:rPr lang="en-US" altLang="zh-CN" dirty="0"/>
-              <a:t>Sizes</a:t>
-            </a:r>
-            <a:r>
-              <a:rPr lang="zh-CN" altLang="en-US" dirty="0"/>
-              <a:t> </a:t>
-            </a:r>
-            <a:r>
-              <a:rPr lang="en-US" altLang="zh-CN" dirty="0"/>
-              <a:t>of</a:t>
-            </a:r>
-            <a:r>
-              <a:rPr lang="zh-CN" altLang="en-US" dirty="0"/>
-              <a:t> </a:t>
-            </a:r>
-            <a:r>
-              <a:rPr lang="en-US" altLang="zh-CN" dirty="0"/>
-              <a:t>the</a:t>
-            </a:r>
-            <a:r>
-              <a:rPr lang="zh-CN" altLang="en-US" dirty="0"/>
-              <a:t> </a:t>
-            </a:r>
-            <a:r>
-              <a:rPr lang="en-US" altLang="zh-CN" dirty="0"/>
-              <a:t>packets</a:t>
-            </a:r>
-            <a:r>
-              <a:rPr lang="zh-CN" altLang="en-US" dirty="0"/>
-              <a:t> </a:t>
-            </a:r>
-            <a:r>
-              <a:rPr lang="en-US" altLang="zh-CN" dirty="0"/>
-              <a:t>sent</a:t>
-            </a:r>
-            <a:r>
-              <a:rPr lang="zh-CN" altLang="en-US" dirty="0"/>
-              <a:t> </a:t>
-            </a:r>
-            <a:r>
-              <a:rPr lang="en-US" altLang="zh-CN" dirty="0"/>
-              <a:t>and</a:t>
-            </a:r>
-            <a:r>
-              <a:rPr lang="zh-CN" altLang="en-US" dirty="0"/>
-              <a:t> </a:t>
-            </a:r>
-            <a:r>
-              <a:rPr lang="en-US" altLang="zh-CN" dirty="0"/>
-              <a:t>received</a:t>
-            </a:r>
-          </a:p>
-          <a:p>
-            <a:r>
-              <a:rPr lang="en-US" altLang="zh-CN" b="1" dirty="0"/>
-              <a:t>Bandwidth</a:t>
-            </a:r>
-            <a:r>
-              <a:rPr lang="zh-CN" altLang="en-US" b="1" dirty="0"/>
-              <a:t> </a:t>
-            </a:r>
-            <a:r>
-              <a:rPr lang="en-US" altLang="zh-CN" b="1" dirty="0"/>
-              <a:t>Usage:</a:t>
-            </a:r>
-            <a:r>
-              <a:rPr lang="zh-CN" altLang="en-US" b="1" dirty="0"/>
-              <a:t> </a:t>
-            </a:r>
-            <a:r>
-              <a:rPr lang="en-US" altLang="zh-CN" dirty="0"/>
-              <a:t>Total</a:t>
-            </a:r>
-            <a:r>
-              <a:rPr lang="zh-CN" altLang="en-US" dirty="0"/>
-              <a:t> </a:t>
-            </a:r>
-            <a:r>
-              <a:rPr lang="en-US" altLang="zh-CN" dirty="0"/>
-              <a:t>amount</a:t>
-            </a:r>
-            <a:r>
-              <a:rPr lang="zh-CN" altLang="en-US" dirty="0"/>
-              <a:t> </a:t>
-            </a:r>
-            <a:r>
-              <a:rPr lang="en-US" altLang="zh-CN" dirty="0"/>
-              <a:t>of</a:t>
-            </a:r>
-            <a:r>
-              <a:rPr lang="zh-CN" altLang="en-US" dirty="0"/>
-              <a:t> </a:t>
-            </a:r>
-            <a:r>
-              <a:rPr lang="en-US" altLang="zh-CN" dirty="0"/>
-              <a:t>data</a:t>
-            </a:r>
-            <a:r>
-              <a:rPr lang="zh-CN" altLang="en-US" dirty="0"/>
-              <a:t> </a:t>
-            </a:r>
-            <a:r>
-              <a:rPr lang="en-US" altLang="zh-CN" dirty="0"/>
-              <a:t>sent</a:t>
-            </a:r>
-            <a:r>
-              <a:rPr lang="zh-CN" altLang="en-US" dirty="0"/>
-              <a:t> </a:t>
-            </a:r>
-            <a:r>
-              <a:rPr lang="en-US" altLang="zh-CN" dirty="0"/>
-              <a:t>and</a:t>
-            </a:r>
-            <a:r>
-              <a:rPr lang="zh-CN" altLang="en-US" dirty="0"/>
-              <a:t> </a:t>
-            </a:r>
-            <a:r>
-              <a:rPr lang="en-US" altLang="zh-CN" dirty="0"/>
-              <a:t>received</a:t>
-            </a:r>
-          </a:p>
-          <a:p>
-            <a:r>
-              <a:rPr lang="en-US" altLang="zh-CN" b="1" dirty="0"/>
-              <a:t>Connection</a:t>
-            </a:r>
-            <a:r>
-              <a:rPr lang="zh-CN" altLang="en-US" b="1" dirty="0"/>
-              <a:t> </a:t>
-            </a:r>
-            <a:r>
-              <a:rPr lang="en-US" altLang="zh-CN" b="1" dirty="0"/>
-              <a:t>Durations:</a:t>
-            </a:r>
-            <a:r>
-              <a:rPr lang="zh-CN" altLang="en-US" b="1" dirty="0"/>
-              <a:t> </a:t>
-            </a:r>
-            <a:r>
-              <a:rPr lang="en-US" altLang="zh-CN" dirty="0"/>
-              <a:t>How</a:t>
-            </a:r>
-            <a:r>
-              <a:rPr lang="zh-CN" altLang="en-US" dirty="0"/>
-              <a:t> </a:t>
-            </a:r>
-            <a:r>
-              <a:rPr lang="en-US" altLang="zh-CN" dirty="0"/>
-              <a:t>long</a:t>
-            </a:r>
-            <a:r>
-              <a:rPr lang="zh-CN" altLang="en-US" dirty="0"/>
-              <a:t> </a:t>
-            </a:r>
-            <a:r>
-              <a:rPr lang="en-US" altLang="zh-CN" dirty="0"/>
-              <a:t>the</a:t>
-            </a:r>
-            <a:r>
-              <a:rPr lang="zh-CN" altLang="en-US" dirty="0"/>
-              <a:t> </a:t>
-            </a:r>
-            <a:r>
-              <a:rPr lang="en-US" altLang="zh-CN" dirty="0"/>
-              <a:t>connection</a:t>
-            </a:r>
-            <a:r>
-              <a:rPr lang="zh-CN" altLang="en-US" dirty="0"/>
-              <a:t> </a:t>
-            </a:r>
-            <a:r>
-              <a:rPr lang="en-US" altLang="zh-CN" dirty="0"/>
-              <a:t>was</a:t>
-            </a:r>
-            <a:r>
-              <a:rPr lang="zh-CN" altLang="en-US" dirty="0"/>
-              <a:t> </a:t>
-            </a:r>
-            <a:r>
-              <a:rPr lang="en-US" altLang="zh-CN" dirty="0"/>
-              <a:t>active</a:t>
-            </a:r>
-            <a:r>
-              <a:rPr lang="zh-CN" altLang="en-US" dirty="0"/>
-              <a:t> </a:t>
-            </a:r>
-            <a:endParaRPr lang="en-US" altLang="zh-CN" dirty="0"/>
-          </a:p>
-          <a:p>
-            <a:r>
-              <a:rPr lang="en-US" altLang="zh-CN" b="1" dirty="0"/>
-              <a:t>Activity</a:t>
-            </a:r>
-            <a:r>
-              <a:rPr lang="zh-CN" altLang="en-US" b="1" dirty="0"/>
-              <a:t> </a:t>
-            </a:r>
-            <a:r>
-              <a:rPr lang="en-US" altLang="zh-CN" b="1" dirty="0"/>
-              <a:t>Timestamps:</a:t>
-            </a:r>
-            <a:r>
-              <a:rPr lang="zh-CN" altLang="en-US" b="1" dirty="0"/>
-              <a:t> </a:t>
-            </a:r>
-            <a:r>
-              <a:rPr lang="en-US" altLang="zh-CN" dirty="0"/>
-              <a:t>Specific</a:t>
-            </a:r>
-            <a:r>
-              <a:rPr lang="zh-CN" altLang="en-US" dirty="0"/>
-              <a:t> </a:t>
-            </a:r>
-            <a:r>
-              <a:rPr lang="en-US" altLang="zh-CN" dirty="0"/>
-              <a:t>times</a:t>
-            </a:r>
-            <a:r>
-              <a:rPr lang="zh-CN" altLang="en-US" dirty="0"/>
-              <a:t> </a:t>
-            </a:r>
-            <a:r>
-              <a:rPr lang="en-US" altLang="zh-CN" dirty="0"/>
-              <a:t>when</a:t>
-            </a:r>
-            <a:r>
-              <a:rPr lang="zh-CN" altLang="en-US" dirty="0"/>
-              <a:t> </a:t>
-            </a:r>
-            <a:r>
-              <a:rPr lang="en-US" altLang="zh-CN" dirty="0"/>
-              <a:t>the</a:t>
-            </a:r>
-            <a:r>
-              <a:rPr lang="zh-CN" altLang="en-US" dirty="0"/>
-              <a:t> </a:t>
-            </a:r>
-            <a:r>
-              <a:rPr lang="en-US" altLang="zh-CN" dirty="0"/>
-              <a:t>activity</a:t>
-            </a:r>
-            <a:r>
-              <a:rPr lang="zh-CN" altLang="en-US" dirty="0"/>
-              <a:t> </a:t>
-            </a:r>
-            <a:r>
-              <a:rPr lang="en-US" altLang="zh-CN" dirty="0"/>
-              <a:t>peaked</a:t>
-            </a:r>
-            <a:r>
-              <a:rPr lang="zh-CN" altLang="en-US" dirty="0"/>
-              <a:t> </a:t>
-            </a:r>
-            <a:r>
-              <a:rPr lang="en-US" altLang="zh-CN" dirty="0"/>
-              <a:t>or</a:t>
-            </a:r>
-            <a:r>
-              <a:rPr lang="zh-CN" altLang="en-US" dirty="0"/>
-              <a:t> </a:t>
-            </a:r>
-            <a:r>
-              <a:rPr lang="en-US" altLang="zh-CN" dirty="0"/>
-              <a:t>changed</a:t>
-            </a:r>
-          </a:p>
-          <a:p>
-            <a:r>
-              <a:rPr lang="en-US" altLang="zh-CN" b="1" dirty="0"/>
-              <a:t>Device</a:t>
-            </a:r>
-            <a:r>
-              <a:rPr lang="zh-CN" altLang="en-US" b="1" dirty="0"/>
-              <a:t> </a:t>
-            </a:r>
-            <a:r>
-              <a:rPr lang="en-US" altLang="zh-CN" b="1" dirty="0"/>
-              <a:t>Connections:</a:t>
-            </a:r>
-            <a:r>
-              <a:rPr lang="zh-CN" altLang="en-US" b="1" dirty="0"/>
-              <a:t> </a:t>
-            </a:r>
-            <a:r>
-              <a:rPr lang="en-US" altLang="zh-CN" dirty="0"/>
-              <a:t>Details</a:t>
-            </a:r>
-            <a:r>
-              <a:rPr lang="zh-CN" altLang="en-US" dirty="0"/>
-              <a:t> </a:t>
-            </a:r>
-            <a:r>
-              <a:rPr lang="en-US" altLang="zh-CN" dirty="0"/>
-              <a:t>about</a:t>
-            </a:r>
-            <a:r>
-              <a:rPr lang="zh-CN" altLang="en-US" dirty="0"/>
-              <a:t> </a:t>
-            </a:r>
-            <a:r>
-              <a:rPr lang="en-US" altLang="zh-CN" dirty="0"/>
-              <a:t>the</a:t>
-            </a:r>
-            <a:r>
-              <a:rPr lang="zh-CN" altLang="en-US" dirty="0"/>
-              <a:t> </a:t>
-            </a:r>
-            <a:r>
-              <a:rPr lang="en-US" altLang="zh-CN" dirty="0"/>
-              <a:t>devices</a:t>
-            </a:r>
-            <a:r>
-              <a:rPr lang="zh-CN" altLang="en-US" dirty="0"/>
-              <a:t> </a:t>
-            </a:r>
-            <a:r>
-              <a:rPr lang="en-US" altLang="zh-CN" dirty="0"/>
-              <a:t>involved</a:t>
-            </a:r>
-            <a:r>
-              <a:rPr lang="zh-CN" altLang="en-US" dirty="0"/>
-              <a:t> </a:t>
-            </a:r>
-            <a:r>
-              <a:rPr lang="en-US" altLang="zh-CN" dirty="0"/>
-              <a:t>in</a:t>
-            </a:r>
-            <a:r>
-              <a:rPr lang="zh-CN" altLang="en-US" dirty="0"/>
-              <a:t> </a:t>
-            </a:r>
-            <a:r>
-              <a:rPr lang="en-US" altLang="zh-CN" dirty="0"/>
-              <a:t>the</a:t>
-            </a:r>
-            <a:r>
-              <a:rPr lang="zh-CN" altLang="en-US" dirty="0"/>
-              <a:t> </a:t>
-            </a:r>
-            <a:r>
-              <a:rPr lang="en-US" altLang="zh-CN" dirty="0"/>
-              <a:t>network</a:t>
-            </a:r>
-            <a:r>
-              <a:rPr lang="zh-CN" altLang="en-US" dirty="0"/>
-              <a:t> </a:t>
-            </a:r>
-            <a:r>
-              <a:rPr lang="en-US" altLang="zh-CN" dirty="0"/>
-              <a:t>communication</a:t>
-            </a:r>
+            <a:endParaRPr lang="en-US" dirty="0"/>
+          </a:p>
+          <a:p>
+            <a:endParaRPr lang="en-US" dirty="0"/>
           </a:p>
         </p:txBody>
       </p:sp>
     </p:spTree>
     <p:extLst>
       <p:ext uri="{BB962C8B-B14F-4D97-AF65-F5344CB8AC3E}">
-        <p14:creationId xmlns:p14="http://schemas.microsoft.com/office/powerpoint/2010/main" val="1544275754"/>
+        <p14:creationId xmlns:p14="http://schemas.microsoft.com/office/powerpoint/2010/main" val="4035904610"/>
       </p:ext>
     </p:extLst>
   </p:cSld>
@@ -5309,62 +5118,12 @@
           <a:chExt cx="0" cy="0"/>
         </a:xfrm>
       </p:grpSpPr>
-      <p:sp>
-        <p:nvSpPr>
-          <p:cNvPr id="2" name="Title 1">
-            <a:extLst>
-              <a:ext uri="{FF2B5EF4-FFF2-40B4-BE49-F238E27FC236}">
-                <a16:creationId xmlns:a16="http://schemas.microsoft.com/office/drawing/2014/main" id="{F6F1EF8D-EF5C-5793-3E60-018150240903}"/>
-              </a:ext>
-            </a:extLst>
-          </p:cNvPr>
-          <p:cNvSpPr>
-            <a:spLocks noGrp="1"/>
-          </p:cNvSpPr>
-          <p:nvPr>
-            <p:ph type="title"/>
-          </p:nvPr>
-        </p:nvSpPr>
-        <p:spPr/>
-        <p:txBody>
-          <a:bodyPr/>
-          <a:lstStyle/>
-          <a:p>
-            <a:endParaRPr lang="en-US"/>
-          </a:p>
-        </p:txBody>
-      </p:sp>
-      <p:sp>
-        <p:nvSpPr>
-          <p:cNvPr id="3" name="Content Placeholder 2">
-            <a:extLst>
-              <a:ext uri="{FF2B5EF4-FFF2-40B4-BE49-F238E27FC236}">
-                <a16:creationId xmlns:a16="http://schemas.microsoft.com/office/drawing/2014/main" id="{6DA27256-6C48-C4F3-0AA7-2923F1C403E3}"/>
-              </a:ext>
-            </a:extLst>
-          </p:cNvPr>
-          <p:cNvSpPr>
-            <a:spLocks noGrp="1"/>
-          </p:cNvSpPr>
-          <p:nvPr>
-            <p:ph idx="1"/>
-          </p:nvPr>
-        </p:nvSpPr>
-        <p:spPr/>
-        <p:txBody>
-          <a:bodyPr/>
-          <a:lstStyle/>
-          <a:p>
-            <a:endParaRPr lang="en-US"/>
-          </a:p>
-        </p:txBody>
-      </p:sp>
       <p:pic>
         <p:nvPicPr>
           <p:cNvPr id="4" name="Picture 3">
             <a:extLst>
               <a:ext uri="{FF2B5EF4-FFF2-40B4-BE49-F238E27FC236}">
-                <a16:creationId xmlns:a16="http://schemas.microsoft.com/office/drawing/2014/main" id="{D9652C1F-34A3-5C0E-57D4-033D189F3571}"/>
+                <a16:creationId xmlns:a16="http://schemas.microsoft.com/office/drawing/2014/main" id="{81049D9B-306B-BC24-EA72-489197770DAF}"/>
               </a:ext>
             </a:extLst>
           </p:cNvPr>
@@ -5381,18 +5140,1360 @@
         </p:blipFill>
         <p:spPr>
           <a:xfrm>
-            <a:off x="1176458" y="1156139"/>
-            <a:ext cx="9599674" cy="4873680"/>
+            <a:off x="6337377" y="2773254"/>
+            <a:ext cx="5854623" cy="2972347"/>
           </a:xfrm>
           <a:prstGeom prst="rect">
             <a:avLst/>
           </a:prstGeom>
         </p:spPr>
       </p:pic>
+      <p:sp>
+        <p:nvSpPr>
+          <p:cNvPr id="2" name="Title 1">
+            <a:extLst>
+              <a:ext uri="{FF2B5EF4-FFF2-40B4-BE49-F238E27FC236}">
+                <a16:creationId xmlns:a16="http://schemas.microsoft.com/office/drawing/2014/main" id="{6370BA86-52DA-5BA3-9DD4-6F3AA7A2F9B7}"/>
+              </a:ext>
+            </a:extLst>
+          </p:cNvPr>
+          <p:cNvSpPr>
+            <a:spLocks noGrp="1"/>
+          </p:cNvSpPr>
+          <p:nvPr>
+            <p:ph type="title"/>
+          </p:nvPr>
+        </p:nvSpPr>
+        <p:spPr/>
+        <p:txBody>
+          <a:bodyPr/>
+          <a:lstStyle/>
+          <a:p>
+            <a:r>
+              <a:rPr lang="en-US" altLang="zh-CN" dirty="0"/>
+              <a:t>Traffic</a:t>
+            </a:r>
+            <a:r>
+              <a:rPr lang="zh-CN" altLang="en-US" dirty="0"/>
+              <a:t> </a:t>
+            </a:r>
+            <a:r>
+              <a:rPr lang="en-US" altLang="zh-CN" dirty="0"/>
+              <a:t>Data</a:t>
+            </a:r>
+            <a:r>
+              <a:rPr lang="zh-CN" altLang="en-US" dirty="0"/>
+              <a:t> </a:t>
+            </a:r>
+            <a:r>
+              <a:rPr lang="en-US" altLang="zh-CN" dirty="0"/>
+              <a:t>Components:</a:t>
+            </a:r>
+          </a:p>
+        </p:txBody>
+      </p:sp>
+      <p:sp>
+        <p:nvSpPr>
+          <p:cNvPr id="3" name="Content Placeholder 2">
+            <a:extLst>
+              <a:ext uri="{FF2B5EF4-FFF2-40B4-BE49-F238E27FC236}">
+                <a16:creationId xmlns:a16="http://schemas.microsoft.com/office/drawing/2014/main" id="{6AC2285B-36E7-9197-ED38-F17BC1B3A0AC}"/>
+              </a:ext>
+            </a:extLst>
+          </p:cNvPr>
+          <p:cNvSpPr>
+            <a:spLocks noGrp="1"/>
+          </p:cNvSpPr>
+          <p:nvPr>
+            <p:ph idx="1"/>
+          </p:nvPr>
+        </p:nvSpPr>
+        <p:spPr/>
+        <p:txBody>
+          <a:bodyPr>
+            <a:normAutofit/>
+          </a:bodyPr>
+          <a:lstStyle/>
+          <a:p>
+            <a:r>
+              <a:rPr lang="en-US" altLang="zh-CN" b="1" dirty="0"/>
+              <a:t>Timestamps:</a:t>
+            </a:r>
+            <a:r>
+              <a:rPr lang="zh-CN" altLang="en-US" b="1" dirty="0"/>
+              <a:t> </a:t>
+            </a:r>
+            <a:r>
+              <a:rPr lang="en-US" altLang="zh-CN" b="0" i="0" dirty="0">
+                <a:effectLst/>
+              </a:rPr>
+              <a:t>When</a:t>
+            </a:r>
+            <a:r>
+              <a:rPr lang="zh-CN" altLang="en-US" b="0" i="0" dirty="0">
+                <a:effectLst/>
+              </a:rPr>
+              <a:t> </a:t>
+            </a:r>
+            <a:r>
+              <a:rPr lang="en-US" altLang="zh-CN" b="0" i="0" dirty="0">
+                <a:effectLst/>
+              </a:rPr>
+              <a:t>the</a:t>
+            </a:r>
+            <a:r>
+              <a:rPr lang="zh-CN" altLang="en-US" b="0" i="0" dirty="0">
+                <a:effectLst/>
+              </a:rPr>
+              <a:t> </a:t>
+            </a:r>
+            <a:r>
+              <a:rPr lang="en-US" altLang="zh-CN" b="0" i="0" dirty="0">
+                <a:effectLst/>
+              </a:rPr>
+              <a:t>interaction</a:t>
+            </a:r>
+            <a:r>
+              <a:rPr lang="zh-CN" altLang="en-US" b="0" i="0" dirty="0">
+                <a:effectLst/>
+              </a:rPr>
+              <a:t> </a:t>
+            </a:r>
+            <a:r>
+              <a:rPr lang="en-US" altLang="zh-CN" b="0" i="0" dirty="0">
+                <a:effectLst/>
+              </a:rPr>
+              <a:t>occurred</a:t>
+            </a:r>
+          </a:p>
+          <a:p>
+            <a:r>
+              <a:rPr lang="en-US" altLang="zh-CN" b="1" dirty="0"/>
+              <a:t>Source</a:t>
+            </a:r>
+            <a:r>
+              <a:rPr lang="zh-CN" altLang="en-US" b="1" dirty="0"/>
+              <a:t> </a:t>
+            </a:r>
+            <a:r>
+              <a:rPr lang="en-US" altLang="zh-CN" b="1" dirty="0"/>
+              <a:t>and</a:t>
+            </a:r>
+            <a:r>
+              <a:rPr lang="zh-CN" altLang="en-US" b="1" dirty="0"/>
+              <a:t> </a:t>
+            </a:r>
+            <a:r>
+              <a:rPr lang="en-US" altLang="zh-CN" b="1" dirty="0"/>
+              <a:t>Destination:</a:t>
+            </a:r>
+          </a:p>
+          <a:p>
+            <a:pPr lvl="1"/>
+            <a:r>
+              <a:rPr lang="en-US" altLang="zh-CN" b="1" dirty="0"/>
+              <a:t>Alexa</a:t>
+            </a:r>
+            <a:r>
+              <a:rPr lang="zh-CN" altLang="en-US" b="1" dirty="0"/>
+              <a:t> </a:t>
+            </a:r>
+            <a:r>
+              <a:rPr lang="en-US" altLang="zh-CN" b="1" dirty="0"/>
+              <a:t>Echo</a:t>
+            </a:r>
+            <a:r>
+              <a:rPr lang="zh-CN" altLang="en-US" b="1" dirty="0"/>
+              <a:t> </a:t>
+            </a:r>
+            <a:r>
+              <a:rPr lang="en-US" altLang="zh-CN" b="1" dirty="0"/>
+              <a:t>Dot’s</a:t>
+            </a:r>
+            <a:r>
+              <a:rPr lang="zh-CN" altLang="en-US" b="1" dirty="0"/>
+              <a:t> </a:t>
+            </a:r>
+            <a:r>
+              <a:rPr lang="en-US" altLang="zh-CN" b="1" dirty="0"/>
+              <a:t>IP:</a:t>
+            </a:r>
+            <a:r>
+              <a:rPr lang="zh-CN" altLang="en-US" b="1" dirty="0"/>
+              <a:t> </a:t>
+            </a:r>
+            <a:r>
+              <a:rPr lang="en-US" altLang="zh-CN" dirty="0"/>
+              <a:t>10.3.141.158</a:t>
+            </a:r>
+          </a:p>
+          <a:p>
+            <a:pPr lvl="1"/>
+            <a:r>
+              <a:rPr lang="en-US" altLang="zh-CN" b="1" dirty="0"/>
+              <a:t>Amazon</a:t>
+            </a:r>
+            <a:r>
+              <a:rPr lang="zh-CN" altLang="en-US" b="1" dirty="0"/>
+              <a:t> </a:t>
+            </a:r>
+            <a:r>
+              <a:rPr lang="en-US" altLang="zh-CN" b="1" dirty="0"/>
+              <a:t>server’s</a:t>
+            </a:r>
+            <a:r>
+              <a:rPr lang="zh-CN" altLang="en-US" b="1" dirty="0"/>
+              <a:t> </a:t>
+            </a:r>
+            <a:r>
+              <a:rPr lang="en-US" altLang="zh-CN" b="1" dirty="0"/>
+              <a:t>IP:</a:t>
+            </a:r>
+            <a:r>
+              <a:rPr lang="zh-CN" altLang="en-US" b="1" dirty="0"/>
+              <a:t> </a:t>
+            </a:r>
+            <a:r>
+              <a:rPr lang="en-US" altLang="zh-CN" dirty="0"/>
+              <a:t>3.217.147.217</a:t>
+            </a:r>
+            <a:endParaRPr lang="en-US" altLang="zh-CN" b="1" dirty="0"/>
+          </a:p>
+          <a:p>
+            <a:r>
+              <a:rPr lang="en-US" altLang="zh-CN" b="1" dirty="0"/>
+              <a:t>Protocol:</a:t>
+            </a:r>
+            <a:r>
+              <a:rPr lang="zh-CN" altLang="en-US" b="1" dirty="0"/>
+              <a:t> </a:t>
+            </a:r>
+            <a:r>
+              <a:rPr lang="en-US" altLang="zh-CN" dirty="0"/>
+              <a:t>TCP,</a:t>
+            </a:r>
+            <a:r>
+              <a:rPr lang="zh-CN" altLang="en-US" dirty="0"/>
+              <a:t> </a:t>
+            </a:r>
+            <a:r>
+              <a:rPr lang="en-US" altLang="zh-CN" dirty="0"/>
+              <a:t>TLSv1.2</a:t>
+            </a:r>
+          </a:p>
+          <a:p>
+            <a:r>
+              <a:rPr lang="en-US" altLang="zh-CN" b="1" dirty="0"/>
+              <a:t>Packet</a:t>
+            </a:r>
+            <a:r>
+              <a:rPr lang="zh-CN" altLang="en-US" b="1" dirty="0"/>
+              <a:t> </a:t>
+            </a:r>
+            <a:r>
+              <a:rPr lang="en-US" altLang="zh-CN" b="1" dirty="0"/>
+              <a:t>Sizes:</a:t>
+            </a:r>
+            <a:r>
+              <a:rPr lang="zh-CN" altLang="en-US" b="1" dirty="0"/>
+              <a:t> </a:t>
+            </a:r>
+            <a:r>
+              <a:rPr lang="en-US" altLang="zh-CN" dirty="0"/>
+              <a:t>Sizes</a:t>
+            </a:r>
+            <a:r>
+              <a:rPr lang="zh-CN" altLang="en-US" dirty="0"/>
+              <a:t> </a:t>
+            </a:r>
+            <a:r>
+              <a:rPr lang="en-US" altLang="zh-CN" dirty="0"/>
+              <a:t>of</a:t>
+            </a:r>
+            <a:r>
+              <a:rPr lang="zh-CN" altLang="en-US" dirty="0"/>
+              <a:t> </a:t>
+            </a:r>
+            <a:r>
+              <a:rPr lang="en-US" altLang="zh-CN" dirty="0"/>
+              <a:t>the</a:t>
+            </a:r>
+            <a:r>
+              <a:rPr lang="zh-CN" altLang="en-US" dirty="0"/>
+              <a:t> </a:t>
+            </a:r>
+            <a:r>
+              <a:rPr lang="en-US" altLang="zh-CN" dirty="0"/>
+              <a:t>packets</a:t>
+            </a:r>
+            <a:r>
+              <a:rPr lang="zh-CN" altLang="en-US" dirty="0"/>
+              <a:t> </a:t>
+            </a:r>
+            <a:r>
+              <a:rPr lang="en-US" altLang="zh-CN" dirty="0"/>
+              <a:t>sent</a:t>
+            </a:r>
+            <a:r>
+              <a:rPr lang="zh-CN" altLang="en-US" dirty="0"/>
+              <a:t> </a:t>
+            </a:r>
+            <a:r>
+              <a:rPr lang="en-US" altLang="zh-CN" dirty="0"/>
+              <a:t>and</a:t>
+            </a:r>
+            <a:r>
+              <a:rPr lang="zh-CN" altLang="en-US" dirty="0"/>
+              <a:t> </a:t>
+            </a:r>
+            <a:r>
+              <a:rPr lang="en-US" altLang="zh-CN" dirty="0"/>
+              <a:t>received</a:t>
+            </a:r>
+          </a:p>
+          <a:p>
+            <a:endParaRPr lang="en-US" altLang="zh-CN" dirty="0"/>
+          </a:p>
+        </p:txBody>
+      </p:sp>
+    </p:spTree>
+    <p:extLst>
+      <p:ext uri="{BB962C8B-B14F-4D97-AF65-F5344CB8AC3E}">
+        <p14:creationId xmlns:p14="http://schemas.microsoft.com/office/powerpoint/2010/main" val="1544275754"/>
+      </p:ext>
+    </p:extLst>
+  </p:cSld>
+  <p:clrMapOvr>
+    <a:masterClrMapping/>
+  </p:clrMapOvr>
+</p:sld>
+</file>
+
+<file path=ppt/slides/slide13.xml><?xml version="1.0" encoding="utf-8"?>
+<p:sld xmlns:a="http://schemas.openxmlformats.org/drawingml/2006/main" xmlns:r="http://schemas.openxmlformats.org/officeDocument/2006/relationships" xmlns:p="http://schemas.openxmlformats.org/presentationml/2006/main">
+  <p:cSld>
+    <p:spTree>
+      <p:nvGrpSpPr>
+        <p:cNvPr id="1" name=""/>
+        <p:cNvGrpSpPr/>
+        <p:nvPr/>
+      </p:nvGrpSpPr>
+      <p:grpSpPr>
+        <a:xfrm>
+          <a:off x="0" y="0"/>
+          <a:ext cx="0" cy="0"/>
+          <a:chOff x="0" y="0"/>
+          <a:chExt cx="0" cy="0"/>
+        </a:xfrm>
+      </p:grpSpPr>
+      <p:sp>
+        <p:nvSpPr>
+          <p:cNvPr id="2" name="Title 1">
+            <a:extLst>
+              <a:ext uri="{FF2B5EF4-FFF2-40B4-BE49-F238E27FC236}">
+                <a16:creationId xmlns:a16="http://schemas.microsoft.com/office/drawing/2014/main" id="{5192DAE9-6933-0376-4926-50C9D9979629}"/>
+              </a:ext>
+            </a:extLst>
+          </p:cNvPr>
+          <p:cNvSpPr>
+            <a:spLocks noGrp="1"/>
+          </p:cNvSpPr>
+          <p:nvPr>
+            <p:ph type="title"/>
+          </p:nvPr>
+        </p:nvSpPr>
+        <p:spPr/>
+        <p:txBody>
+          <a:bodyPr/>
+          <a:lstStyle/>
+          <a:p>
+            <a:r>
+              <a:rPr lang="en-US" altLang="zh-CN" dirty="0"/>
+              <a:t>Incoming/Outgoing</a:t>
+            </a:r>
+            <a:r>
+              <a:rPr lang="zh-CN" altLang="en-US" dirty="0"/>
+              <a:t> </a:t>
+            </a:r>
+            <a:r>
+              <a:rPr lang="en-US" altLang="zh-CN" dirty="0"/>
+              <a:t>Data</a:t>
+            </a:r>
+            <a:endParaRPr lang="en-US" dirty="0"/>
+          </a:p>
+        </p:txBody>
+      </p:sp>
+      <p:sp>
+        <p:nvSpPr>
+          <p:cNvPr id="3" name="Content Placeholder 2">
+            <a:extLst>
+              <a:ext uri="{FF2B5EF4-FFF2-40B4-BE49-F238E27FC236}">
+                <a16:creationId xmlns:a16="http://schemas.microsoft.com/office/drawing/2014/main" id="{6FBC061D-B29E-A60A-7A5C-2710AC1D949C}"/>
+              </a:ext>
+            </a:extLst>
+          </p:cNvPr>
+          <p:cNvSpPr>
+            <a:spLocks noGrp="1"/>
+          </p:cNvSpPr>
+          <p:nvPr>
+            <p:ph idx="1"/>
+          </p:nvPr>
+        </p:nvSpPr>
+        <p:spPr/>
+        <p:txBody>
+          <a:bodyPr>
+            <a:normAutofit/>
+          </a:bodyPr>
+          <a:lstStyle/>
+          <a:p>
+            <a:r>
+              <a:rPr lang="en-US" altLang="zh-CN" b="1" dirty="0"/>
+              <a:t>Incoming</a:t>
+            </a:r>
+            <a:r>
+              <a:rPr lang="zh-CN" altLang="en-US" b="1" dirty="0"/>
+              <a:t> </a:t>
+            </a:r>
+            <a:r>
+              <a:rPr lang="en-US" altLang="zh-CN" b="1" dirty="0"/>
+              <a:t>data:</a:t>
+            </a:r>
+            <a:r>
+              <a:rPr lang="zh-CN" altLang="en-US" b="1" dirty="0"/>
+              <a:t> </a:t>
+            </a:r>
+            <a:r>
+              <a:rPr lang="en-US" altLang="zh-CN" dirty="0"/>
+              <a:t>3.217.147.217</a:t>
+            </a:r>
+            <a:r>
+              <a:rPr lang="zh-CN" altLang="en-US" dirty="0"/>
+              <a:t> </a:t>
+            </a:r>
+            <a:r>
+              <a:rPr lang="en-US" altLang="zh-CN" dirty="0"/>
+              <a:t>-&gt;</a:t>
+            </a:r>
+            <a:r>
+              <a:rPr lang="zh-CN" altLang="en-US" dirty="0"/>
+              <a:t> </a:t>
+            </a:r>
+            <a:r>
+              <a:rPr lang="en-US" altLang="zh-CN" dirty="0"/>
+              <a:t>10.3.141.158</a:t>
+            </a:r>
+          </a:p>
+          <a:p>
+            <a:pPr lvl="1"/>
+            <a:r>
+              <a:rPr lang="en-US" altLang="zh-CN" dirty="0"/>
+              <a:t>Amazon’s</a:t>
+            </a:r>
+            <a:r>
+              <a:rPr lang="zh-CN" altLang="en-US" dirty="0"/>
+              <a:t> </a:t>
+            </a:r>
+            <a:r>
+              <a:rPr lang="en-US" altLang="zh-CN" dirty="0"/>
+              <a:t>servers</a:t>
+            </a:r>
+            <a:r>
+              <a:rPr lang="zh-CN" altLang="en-US" dirty="0"/>
+              <a:t> </a:t>
+            </a:r>
+            <a:r>
+              <a:rPr lang="en-US" altLang="zh-CN" dirty="0"/>
+              <a:t>process</a:t>
+            </a:r>
+            <a:r>
+              <a:rPr lang="zh-CN" altLang="en-US" dirty="0"/>
+              <a:t> </a:t>
+            </a:r>
+            <a:r>
+              <a:rPr lang="en-US" altLang="zh-CN" dirty="0"/>
+              <a:t>the</a:t>
+            </a:r>
+            <a:r>
+              <a:rPr lang="zh-CN" altLang="en-US" dirty="0"/>
+              <a:t> </a:t>
+            </a:r>
+            <a:r>
+              <a:rPr lang="en-US" altLang="zh-CN" dirty="0"/>
+              <a:t>request</a:t>
+            </a:r>
+            <a:r>
+              <a:rPr lang="zh-CN" altLang="en-US" dirty="0"/>
+              <a:t> </a:t>
+            </a:r>
+            <a:r>
+              <a:rPr lang="en-US" altLang="zh-CN" dirty="0"/>
+              <a:t>and</a:t>
+            </a:r>
+            <a:r>
+              <a:rPr lang="zh-CN" altLang="en-US" dirty="0"/>
+              <a:t> </a:t>
+            </a:r>
+            <a:r>
+              <a:rPr lang="en-US" altLang="zh-CN" dirty="0"/>
+              <a:t>send</a:t>
+            </a:r>
+            <a:r>
+              <a:rPr lang="zh-CN" altLang="en-US" dirty="0"/>
+              <a:t> </a:t>
+            </a:r>
+            <a:r>
+              <a:rPr lang="en-US" altLang="zh-CN" dirty="0"/>
+              <a:t>back</a:t>
+            </a:r>
+            <a:r>
+              <a:rPr lang="zh-CN" altLang="en-US" dirty="0"/>
+              <a:t> </a:t>
+            </a:r>
+            <a:r>
+              <a:rPr lang="en-US" altLang="zh-CN" dirty="0"/>
+              <a:t>a</a:t>
+            </a:r>
+            <a:r>
+              <a:rPr lang="zh-CN" altLang="en-US" dirty="0"/>
+              <a:t> </a:t>
+            </a:r>
+            <a:r>
+              <a:rPr lang="en-US" altLang="zh-CN" dirty="0"/>
+              <a:t>response</a:t>
+            </a:r>
+            <a:r>
+              <a:rPr lang="zh-CN" altLang="en-US" dirty="0"/>
+              <a:t> </a:t>
+            </a:r>
+            <a:r>
+              <a:rPr lang="en-US" altLang="zh-CN" dirty="0"/>
+              <a:t>to</a:t>
+            </a:r>
+            <a:r>
+              <a:rPr lang="zh-CN" altLang="en-US" dirty="0"/>
+              <a:t> </a:t>
+            </a:r>
+            <a:r>
+              <a:rPr lang="en-US" altLang="zh-CN" dirty="0"/>
+              <a:t>Alexa.</a:t>
+            </a:r>
+            <a:r>
+              <a:rPr lang="zh-CN" altLang="en-US" dirty="0"/>
+              <a:t> </a:t>
+            </a:r>
+            <a:r>
+              <a:rPr lang="en-US" altLang="zh-CN" dirty="0"/>
+              <a:t>This</a:t>
+            </a:r>
+            <a:r>
+              <a:rPr lang="zh-CN" altLang="en-US" dirty="0"/>
+              <a:t> </a:t>
+            </a:r>
+            <a:r>
+              <a:rPr lang="en-US" altLang="zh-CN" dirty="0"/>
+              <a:t>response</a:t>
+            </a:r>
+            <a:r>
+              <a:rPr lang="zh-CN" altLang="en-US" dirty="0"/>
+              <a:t> </a:t>
+            </a:r>
+            <a:r>
+              <a:rPr lang="en-US" altLang="zh-CN" dirty="0"/>
+              <a:t>could</a:t>
+            </a:r>
+            <a:r>
+              <a:rPr lang="zh-CN" altLang="en-US" dirty="0"/>
+              <a:t> </a:t>
+            </a:r>
+            <a:r>
+              <a:rPr lang="en-US" altLang="zh-CN" dirty="0"/>
+              <a:t>include</a:t>
+            </a:r>
+            <a:r>
+              <a:rPr lang="zh-CN" altLang="en-US" dirty="0"/>
+              <a:t> </a:t>
+            </a:r>
+            <a:r>
+              <a:rPr lang="en-US" altLang="zh-CN" dirty="0"/>
+              <a:t>data</a:t>
+            </a:r>
+            <a:r>
+              <a:rPr lang="zh-CN" altLang="en-US" dirty="0"/>
+              <a:t> </a:t>
+            </a:r>
+            <a:r>
+              <a:rPr lang="en-US" altLang="zh-CN" dirty="0"/>
+              <a:t>for</a:t>
+            </a:r>
+            <a:r>
+              <a:rPr lang="zh-CN" altLang="en-US" dirty="0"/>
+              <a:t> </a:t>
+            </a:r>
+            <a:r>
+              <a:rPr lang="en-US" altLang="zh-CN" dirty="0"/>
+              <a:t>speech</a:t>
+            </a:r>
+            <a:r>
+              <a:rPr lang="zh-CN" altLang="en-US" dirty="0"/>
+              <a:t> </a:t>
+            </a:r>
+            <a:r>
+              <a:rPr lang="en-US" altLang="zh-CN" dirty="0"/>
+              <a:t>synthesis(Alexa’s</a:t>
+            </a:r>
+            <a:r>
+              <a:rPr lang="zh-CN" altLang="en-US" dirty="0"/>
+              <a:t> </a:t>
+            </a:r>
+            <a:r>
+              <a:rPr lang="en-US" altLang="zh-CN" dirty="0"/>
+              <a:t>reply),</a:t>
+            </a:r>
+            <a:r>
+              <a:rPr lang="zh-CN" altLang="en-US" dirty="0"/>
+              <a:t> </a:t>
+            </a:r>
+            <a:r>
+              <a:rPr lang="en-US" altLang="zh-CN" dirty="0"/>
+              <a:t>streaming</a:t>
+            </a:r>
+            <a:r>
+              <a:rPr lang="zh-CN" altLang="en-US" dirty="0"/>
+              <a:t> </a:t>
+            </a:r>
+            <a:r>
+              <a:rPr lang="en-US" altLang="zh-CN" dirty="0"/>
+              <a:t>audio,</a:t>
+            </a:r>
+            <a:r>
+              <a:rPr lang="zh-CN" altLang="en-US" dirty="0"/>
+              <a:t> </a:t>
+            </a:r>
+            <a:r>
+              <a:rPr lang="en-US" altLang="zh-CN" dirty="0"/>
+              <a:t>or</a:t>
+            </a:r>
+            <a:r>
+              <a:rPr lang="zh-CN" altLang="en-US" dirty="0"/>
+              <a:t> </a:t>
+            </a:r>
+            <a:r>
+              <a:rPr lang="en-US" altLang="zh-CN" dirty="0"/>
+              <a:t>control</a:t>
+            </a:r>
+            <a:r>
+              <a:rPr lang="zh-CN" altLang="en-US" dirty="0"/>
+              <a:t> </a:t>
+            </a:r>
+            <a:r>
+              <a:rPr lang="en-US" altLang="zh-CN" dirty="0"/>
+              <a:t>signals</a:t>
+            </a:r>
+            <a:r>
+              <a:rPr lang="zh-CN" altLang="en-US" dirty="0"/>
+              <a:t> </a:t>
+            </a:r>
+            <a:r>
+              <a:rPr lang="en-US" altLang="zh-CN" dirty="0"/>
+              <a:t>for</a:t>
+            </a:r>
+            <a:r>
+              <a:rPr lang="zh-CN" altLang="en-US" dirty="0"/>
+              <a:t> </a:t>
+            </a:r>
+            <a:r>
+              <a:rPr lang="en-US" altLang="zh-CN" dirty="0"/>
+              <a:t>smart</a:t>
+            </a:r>
+            <a:r>
+              <a:rPr lang="zh-CN" altLang="en-US" dirty="0"/>
+              <a:t> </a:t>
+            </a:r>
+            <a:r>
+              <a:rPr lang="en-US" altLang="zh-CN" dirty="0"/>
+              <a:t>home</a:t>
+            </a:r>
+            <a:r>
+              <a:rPr lang="zh-CN" altLang="en-US" dirty="0"/>
+              <a:t> </a:t>
+            </a:r>
+            <a:r>
+              <a:rPr lang="en-US" altLang="zh-CN" dirty="0"/>
+              <a:t>devices.</a:t>
+            </a:r>
+          </a:p>
+          <a:p>
+            <a:r>
+              <a:rPr lang="en-US" altLang="zh-CN" b="1" dirty="0"/>
+              <a:t>Outgoing</a:t>
+            </a:r>
+            <a:r>
+              <a:rPr lang="zh-CN" altLang="en-US" b="1" dirty="0"/>
+              <a:t> </a:t>
+            </a:r>
+            <a:r>
+              <a:rPr lang="en-US" altLang="zh-CN" b="1" dirty="0"/>
+              <a:t>data:</a:t>
+            </a:r>
+            <a:r>
+              <a:rPr lang="zh-CN" altLang="en-US" b="1" dirty="0"/>
+              <a:t> </a:t>
+            </a:r>
+            <a:r>
+              <a:rPr lang="en-US" altLang="zh-CN" dirty="0"/>
+              <a:t>10.3.141.158</a:t>
+            </a:r>
+            <a:r>
+              <a:rPr lang="zh-CN" altLang="en-US" dirty="0"/>
+              <a:t> </a:t>
+            </a:r>
+            <a:r>
+              <a:rPr lang="en-US" altLang="zh-CN" dirty="0"/>
+              <a:t>-&gt;</a:t>
+            </a:r>
+            <a:r>
+              <a:rPr lang="zh-CN" altLang="en-US" dirty="0"/>
+              <a:t> </a:t>
+            </a:r>
+            <a:r>
+              <a:rPr lang="en-US" altLang="zh-CN" dirty="0"/>
+              <a:t>3.217.147.217</a:t>
+            </a:r>
+          </a:p>
+          <a:p>
+            <a:pPr lvl="1"/>
+            <a:r>
+              <a:rPr lang="en-US" altLang="zh-CN" dirty="0"/>
+              <a:t>Alexa</a:t>
+            </a:r>
+            <a:r>
+              <a:rPr lang="zh-CN" altLang="en-US" dirty="0"/>
+              <a:t> </a:t>
+            </a:r>
+            <a:r>
+              <a:rPr lang="en-US" altLang="zh-CN" dirty="0"/>
+              <a:t>processes</a:t>
+            </a:r>
+            <a:r>
+              <a:rPr lang="zh-CN" altLang="en-US" dirty="0"/>
+              <a:t> </a:t>
+            </a:r>
+            <a:r>
+              <a:rPr lang="en-US" altLang="zh-CN" dirty="0"/>
+              <a:t>the</a:t>
+            </a:r>
+            <a:r>
+              <a:rPr lang="zh-CN" altLang="en-US" dirty="0"/>
+              <a:t> </a:t>
+            </a:r>
+            <a:r>
+              <a:rPr lang="en-US" altLang="zh-CN" dirty="0"/>
+              <a:t>audio</a:t>
+            </a:r>
+            <a:r>
+              <a:rPr lang="zh-CN" altLang="en-US" dirty="0"/>
+              <a:t> </a:t>
+            </a:r>
+            <a:r>
+              <a:rPr lang="en-US" altLang="zh-CN" dirty="0"/>
+              <a:t>and</a:t>
+            </a:r>
+            <a:r>
+              <a:rPr lang="zh-CN" altLang="en-US" dirty="0"/>
+              <a:t> </a:t>
+            </a:r>
+            <a:r>
+              <a:rPr lang="en-US" altLang="zh-CN" dirty="0"/>
+              <a:t>sends</a:t>
+            </a:r>
+            <a:r>
+              <a:rPr lang="zh-CN" altLang="en-US" dirty="0"/>
+              <a:t> </a:t>
+            </a:r>
+            <a:r>
+              <a:rPr lang="en-US" altLang="zh-CN" dirty="0"/>
+              <a:t>a</a:t>
+            </a:r>
+            <a:r>
+              <a:rPr lang="zh-CN" altLang="en-US" dirty="0"/>
+              <a:t> </a:t>
+            </a:r>
+            <a:r>
+              <a:rPr lang="en-US" altLang="zh-CN" dirty="0"/>
+              <a:t>request</a:t>
+            </a:r>
+            <a:r>
+              <a:rPr lang="zh-CN" altLang="en-US" dirty="0"/>
+              <a:t> </a:t>
+            </a:r>
+            <a:r>
+              <a:rPr lang="en-US" altLang="zh-CN" dirty="0"/>
+              <a:t>to</a:t>
+            </a:r>
+            <a:r>
+              <a:rPr lang="zh-CN" altLang="en-US" dirty="0"/>
+              <a:t> </a:t>
+            </a:r>
+            <a:r>
+              <a:rPr lang="en-US" altLang="zh-CN" dirty="0"/>
+              <a:t>Amazon’s</a:t>
+            </a:r>
+            <a:r>
+              <a:rPr lang="zh-CN" altLang="en-US" dirty="0"/>
+              <a:t> </a:t>
+            </a:r>
+            <a:r>
+              <a:rPr lang="en-US" altLang="zh-CN" dirty="0"/>
+              <a:t>servers.</a:t>
+            </a:r>
+            <a:r>
+              <a:rPr lang="zh-CN" altLang="en-US" dirty="0"/>
+              <a:t> </a:t>
+            </a:r>
+            <a:r>
+              <a:rPr lang="en-US" altLang="zh-CN" dirty="0"/>
+              <a:t>This</a:t>
+            </a:r>
+            <a:r>
+              <a:rPr lang="zh-CN" altLang="en-US" dirty="0"/>
+              <a:t> </a:t>
+            </a:r>
+            <a:r>
+              <a:rPr lang="en-US" altLang="zh-CN" dirty="0"/>
+              <a:t>request</a:t>
+            </a:r>
+            <a:r>
+              <a:rPr lang="zh-CN" altLang="en-US" dirty="0"/>
+              <a:t> </a:t>
+            </a:r>
+            <a:r>
+              <a:rPr lang="en-US" altLang="zh-CN" dirty="0"/>
+              <a:t>likely</a:t>
+            </a:r>
+            <a:r>
+              <a:rPr lang="zh-CN" altLang="en-US" dirty="0"/>
+              <a:t> </a:t>
+            </a:r>
+            <a:r>
+              <a:rPr lang="en-US" altLang="zh-CN" dirty="0"/>
+              <a:t>includes</a:t>
+            </a:r>
+            <a:r>
+              <a:rPr lang="zh-CN" altLang="en-US" dirty="0"/>
+              <a:t> </a:t>
+            </a:r>
+            <a:r>
+              <a:rPr lang="en-US" altLang="zh-CN" dirty="0"/>
+              <a:t>a</a:t>
+            </a:r>
+            <a:r>
+              <a:rPr lang="zh-CN" altLang="en-US" dirty="0"/>
+              <a:t> </a:t>
+            </a:r>
+            <a:r>
+              <a:rPr lang="en-US" altLang="zh-CN" dirty="0"/>
+              <a:t>digitized</a:t>
+            </a:r>
+            <a:r>
+              <a:rPr lang="zh-CN" altLang="en-US" dirty="0"/>
+              <a:t> </a:t>
+            </a:r>
+            <a:r>
+              <a:rPr lang="en-US" altLang="zh-CN" dirty="0"/>
+              <a:t>version</a:t>
+            </a:r>
+            <a:r>
+              <a:rPr lang="zh-CN" altLang="en-US" dirty="0"/>
+              <a:t> </a:t>
+            </a:r>
+            <a:r>
+              <a:rPr lang="en-US" altLang="zh-CN" dirty="0"/>
+              <a:t>of</a:t>
+            </a:r>
+            <a:r>
+              <a:rPr lang="zh-CN" altLang="en-US" dirty="0"/>
+              <a:t> </a:t>
+            </a:r>
+            <a:r>
+              <a:rPr lang="en-US" altLang="zh-CN" dirty="0"/>
+              <a:t>spoken</a:t>
+            </a:r>
+            <a:r>
+              <a:rPr lang="zh-CN" altLang="en-US" dirty="0"/>
+              <a:t> </a:t>
+            </a:r>
+            <a:r>
+              <a:rPr lang="en-US" altLang="zh-CN" dirty="0"/>
+              <a:t>command</a:t>
+            </a:r>
+            <a:r>
+              <a:rPr lang="zh-CN" altLang="en-US" dirty="0"/>
+              <a:t> </a:t>
+            </a:r>
+            <a:r>
+              <a:rPr lang="en-US" altLang="zh-CN" dirty="0"/>
+              <a:t>or</a:t>
+            </a:r>
+            <a:r>
+              <a:rPr lang="zh-CN" altLang="en-US" dirty="0"/>
+              <a:t> </a:t>
+            </a:r>
+            <a:r>
+              <a:rPr lang="en-US" altLang="zh-CN" dirty="0"/>
+              <a:t>query.</a:t>
+            </a:r>
+          </a:p>
+          <a:p>
+            <a:pPr lvl="1"/>
+            <a:endParaRPr lang="en-US" dirty="0"/>
+          </a:p>
+        </p:txBody>
+      </p:sp>
+    </p:spTree>
+    <p:extLst>
+      <p:ext uri="{BB962C8B-B14F-4D97-AF65-F5344CB8AC3E}">
+        <p14:creationId xmlns:p14="http://schemas.microsoft.com/office/powerpoint/2010/main" val="1267610107"/>
+      </p:ext>
+    </p:extLst>
+  </p:cSld>
+  <p:clrMapOvr>
+    <a:masterClrMapping/>
+  </p:clrMapOvr>
+</p:sld>
+</file>
+
+<file path=ppt/slides/slide14.xml><?xml version="1.0" encoding="utf-8"?>
+<p:sld xmlns:a="http://schemas.openxmlformats.org/drawingml/2006/main" xmlns:r="http://schemas.openxmlformats.org/officeDocument/2006/relationships" xmlns:p="http://schemas.openxmlformats.org/presentationml/2006/main">
+  <p:cSld>
+    <p:spTree>
+      <p:nvGrpSpPr>
+        <p:cNvPr id="1" name=""/>
+        <p:cNvGrpSpPr/>
+        <p:nvPr/>
+      </p:nvGrpSpPr>
+      <p:grpSpPr>
+        <a:xfrm>
+          <a:off x="0" y="0"/>
+          <a:ext cx="0" cy="0"/>
+          <a:chOff x="0" y="0"/>
+          <a:chExt cx="0" cy="0"/>
+        </a:xfrm>
+      </p:grpSpPr>
+      <p:sp>
+        <p:nvSpPr>
+          <p:cNvPr id="2" name="Title 1">
+            <a:extLst>
+              <a:ext uri="{FF2B5EF4-FFF2-40B4-BE49-F238E27FC236}">
+                <a16:creationId xmlns:a16="http://schemas.microsoft.com/office/drawing/2014/main" id="{F6F1EF8D-EF5C-5793-3E60-018150240903}"/>
+              </a:ext>
+            </a:extLst>
+          </p:cNvPr>
+          <p:cNvSpPr>
+            <a:spLocks noGrp="1"/>
+          </p:cNvSpPr>
+          <p:nvPr>
+            <p:ph type="title"/>
+          </p:nvPr>
+        </p:nvSpPr>
+        <p:spPr/>
+        <p:txBody>
+          <a:bodyPr/>
+          <a:lstStyle/>
+          <a:p>
+            <a:r>
+              <a:rPr lang="en-US" altLang="zh-CN" dirty="0"/>
+              <a:t>Incoming/Outgoing</a:t>
+            </a:r>
+            <a:r>
+              <a:rPr lang="zh-CN" altLang="en-US" dirty="0"/>
+              <a:t> </a:t>
+            </a:r>
+            <a:r>
+              <a:rPr lang="en-US" altLang="zh-CN" dirty="0"/>
+              <a:t>Data</a:t>
+            </a:r>
+            <a:endParaRPr lang="en-US" dirty="0"/>
+          </a:p>
+        </p:txBody>
+      </p:sp>
+      <p:sp>
+        <p:nvSpPr>
+          <p:cNvPr id="3" name="Content Placeholder 2">
+            <a:extLst>
+              <a:ext uri="{FF2B5EF4-FFF2-40B4-BE49-F238E27FC236}">
+                <a16:creationId xmlns:a16="http://schemas.microsoft.com/office/drawing/2014/main" id="{6DA27256-6C48-C4F3-0AA7-2923F1C403E3}"/>
+              </a:ext>
+            </a:extLst>
+          </p:cNvPr>
+          <p:cNvSpPr>
+            <a:spLocks noGrp="1"/>
+          </p:cNvSpPr>
+          <p:nvPr>
+            <p:ph idx="1"/>
+          </p:nvPr>
+        </p:nvSpPr>
+        <p:spPr>
+          <a:xfrm>
+            <a:off x="838199" y="1825625"/>
+            <a:ext cx="10702159" cy="4351338"/>
+          </a:xfrm>
+        </p:spPr>
+        <p:txBody>
+          <a:bodyPr/>
+          <a:lstStyle/>
+          <a:p>
+            <a:r>
+              <a:rPr lang="en-US" altLang="zh-CN" dirty="0"/>
+              <a:t>We</a:t>
+            </a:r>
+            <a:r>
+              <a:rPr lang="zh-CN" altLang="en-US" dirty="0"/>
+              <a:t> </a:t>
+            </a:r>
+            <a:r>
+              <a:rPr lang="en-US" altLang="zh-CN" dirty="0"/>
+              <a:t>must</a:t>
+            </a:r>
+            <a:r>
+              <a:rPr lang="zh-CN" altLang="en-US" dirty="0"/>
+              <a:t> </a:t>
+            </a:r>
+            <a:r>
+              <a:rPr lang="en-US" altLang="zh-CN" dirty="0"/>
+              <a:t>make</a:t>
+            </a:r>
+            <a:r>
+              <a:rPr lang="zh-CN" altLang="en-US" dirty="0"/>
+              <a:t> </a:t>
+            </a:r>
+            <a:r>
+              <a:rPr lang="en-US" altLang="zh-CN" dirty="0"/>
+              <a:t>sure</a:t>
+            </a:r>
+            <a:r>
+              <a:rPr lang="zh-CN" altLang="en-US" dirty="0"/>
+              <a:t> </a:t>
+            </a:r>
+            <a:r>
+              <a:rPr lang="en-US" altLang="zh-CN" dirty="0"/>
+              <a:t>that</a:t>
+            </a:r>
+            <a:r>
+              <a:rPr lang="zh-CN" altLang="en-US" dirty="0"/>
+              <a:t> </a:t>
+            </a:r>
+            <a:r>
+              <a:rPr lang="en-US" altLang="zh-CN" dirty="0"/>
+              <a:t>the</a:t>
+            </a:r>
+            <a:r>
+              <a:rPr lang="zh-CN" altLang="en-US" dirty="0"/>
+              <a:t> </a:t>
+            </a:r>
+            <a:r>
+              <a:rPr lang="en-US" altLang="zh-CN" dirty="0"/>
+              <a:t>traffic</a:t>
+            </a:r>
+            <a:r>
+              <a:rPr lang="zh-CN" altLang="en-US" dirty="0"/>
+              <a:t> </a:t>
+            </a:r>
+            <a:r>
+              <a:rPr lang="en-US" altLang="zh-CN" dirty="0"/>
+              <a:t>data</a:t>
+            </a:r>
+            <a:r>
+              <a:rPr lang="zh-CN" altLang="en-US" dirty="0"/>
+              <a:t> </a:t>
+            </a:r>
+            <a:r>
+              <a:rPr lang="en-US" altLang="zh-CN" dirty="0"/>
+              <a:t>have</a:t>
+            </a:r>
+            <a:r>
+              <a:rPr lang="zh-CN" altLang="en-US" dirty="0"/>
+              <a:t> </a:t>
+            </a:r>
+            <a:r>
+              <a:rPr lang="en-US" altLang="zh-CN" dirty="0"/>
+              <a:t>some</a:t>
+            </a:r>
+            <a:r>
+              <a:rPr lang="zh-CN" altLang="en-US" dirty="0"/>
+              <a:t> </a:t>
+            </a:r>
+            <a:r>
+              <a:rPr lang="en-US" altLang="zh-CN" b="1" dirty="0"/>
+              <a:t>patterns</a:t>
+            </a:r>
+            <a:r>
+              <a:rPr lang="zh-CN" altLang="en-US" dirty="0"/>
+              <a:t> </a:t>
+            </a:r>
+            <a:r>
+              <a:rPr lang="en-US" altLang="zh-CN" dirty="0"/>
+              <a:t>to</a:t>
+            </a:r>
+            <a:r>
+              <a:rPr lang="zh-CN" altLang="en-US" dirty="0"/>
+              <a:t> </a:t>
+            </a:r>
+            <a:r>
+              <a:rPr lang="en-US" altLang="zh-CN" dirty="0"/>
+              <a:t>learn.</a:t>
+            </a:r>
+          </a:p>
+          <a:p>
+            <a:r>
+              <a:rPr lang="en-US" altLang="zh-CN" dirty="0"/>
+              <a:t>Learn</a:t>
+            </a:r>
+            <a:r>
+              <a:rPr lang="zh-CN" altLang="en-US" dirty="0"/>
+              <a:t> </a:t>
+            </a:r>
+            <a:r>
+              <a:rPr lang="en-US" altLang="zh-CN" dirty="0"/>
+              <a:t>from</a:t>
+            </a:r>
+            <a:r>
+              <a:rPr lang="zh-CN" altLang="en-US" dirty="0"/>
+              <a:t> </a:t>
+            </a:r>
+            <a:r>
+              <a:rPr lang="en-US" altLang="zh-CN" dirty="0"/>
+              <a:t>incoming</a:t>
+            </a:r>
+            <a:r>
+              <a:rPr lang="zh-CN" altLang="en-US" dirty="0"/>
+              <a:t> </a:t>
+            </a:r>
+            <a:r>
+              <a:rPr lang="en-US" altLang="zh-CN" dirty="0"/>
+              <a:t>data?</a:t>
+            </a:r>
+            <a:r>
+              <a:rPr lang="zh-CN" altLang="en-US" dirty="0"/>
+              <a:t> </a:t>
+            </a:r>
+            <a:endParaRPr lang="en-US" altLang="zh-CN" dirty="0"/>
+          </a:p>
+          <a:p>
+            <a:pPr lvl="1"/>
+            <a:r>
+              <a:rPr lang="en-US" altLang="zh-CN" dirty="0"/>
+              <a:t>Both</a:t>
+            </a:r>
+            <a:r>
+              <a:rPr lang="zh-CN" altLang="en-US" dirty="0"/>
+              <a:t> </a:t>
+            </a:r>
+            <a:r>
+              <a:rPr lang="en-US" altLang="zh-CN" dirty="0"/>
+              <a:t>user’s</a:t>
+            </a:r>
+            <a:r>
+              <a:rPr lang="zh-CN" altLang="en-US" dirty="0"/>
+              <a:t> </a:t>
+            </a:r>
+            <a:r>
+              <a:rPr lang="en-US" altLang="zh-CN" dirty="0"/>
+              <a:t>input</a:t>
+            </a:r>
+            <a:r>
+              <a:rPr lang="zh-CN" altLang="en-US" dirty="0"/>
+              <a:t> </a:t>
+            </a:r>
+            <a:r>
+              <a:rPr lang="en-US" altLang="zh-CN" dirty="0"/>
+              <a:t>and</a:t>
+            </a:r>
+            <a:r>
+              <a:rPr lang="zh-CN" altLang="en-US" dirty="0"/>
+              <a:t> </a:t>
+            </a:r>
+            <a:r>
+              <a:rPr lang="en-US" altLang="zh-CN" dirty="0"/>
+              <a:t>the</a:t>
+            </a:r>
+            <a:r>
+              <a:rPr lang="zh-CN" altLang="en-US" dirty="0"/>
+              <a:t> </a:t>
+            </a:r>
+            <a:r>
+              <a:rPr lang="en-US" altLang="zh-CN" dirty="0"/>
+              <a:t>cloud</a:t>
+            </a:r>
+            <a:r>
+              <a:rPr lang="zh-CN" altLang="en-US" dirty="0"/>
+              <a:t> </a:t>
+            </a:r>
+            <a:r>
+              <a:rPr lang="en-US" altLang="zh-CN" dirty="0"/>
+              <a:t>response</a:t>
+            </a:r>
+            <a:r>
+              <a:rPr lang="zh-CN" altLang="en-US" dirty="0"/>
+              <a:t> </a:t>
+            </a:r>
+            <a:r>
+              <a:rPr lang="en-US" altLang="zh-CN" dirty="0"/>
+              <a:t>have</a:t>
+            </a:r>
+            <a:r>
+              <a:rPr lang="zh-CN" altLang="en-US" dirty="0"/>
+              <a:t> </a:t>
+            </a:r>
+            <a:r>
+              <a:rPr lang="en-US" altLang="zh-CN" dirty="0"/>
+              <a:t>contributions.</a:t>
+            </a:r>
+          </a:p>
+          <a:p>
+            <a:r>
+              <a:rPr lang="en-US" altLang="zh-CN" dirty="0"/>
+              <a:t>Learn</a:t>
+            </a:r>
+            <a:r>
+              <a:rPr lang="zh-CN" altLang="en-US" dirty="0"/>
+              <a:t> </a:t>
+            </a:r>
+            <a:r>
+              <a:rPr lang="en-US" altLang="zh-CN" dirty="0"/>
+              <a:t>from</a:t>
+            </a:r>
+            <a:r>
+              <a:rPr lang="zh-CN" altLang="en-US" dirty="0"/>
+              <a:t> </a:t>
+            </a:r>
+            <a:r>
+              <a:rPr lang="en-US" altLang="zh-CN" dirty="0"/>
+              <a:t>outgoing</a:t>
+            </a:r>
+            <a:r>
+              <a:rPr lang="zh-CN" altLang="en-US" dirty="0"/>
+              <a:t> </a:t>
+            </a:r>
+            <a:r>
+              <a:rPr lang="en-US" altLang="zh-CN" dirty="0"/>
+              <a:t>data?</a:t>
+            </a:r>
+            <a:r>
+              <a:rPr lang="zh-CN" altLang="en-US" dirty="0"/>
+              <a:t> </a:t>
+            </a:r>
+            <a:endParaRPr lang="en-US" altLang="zh-CN" dirty="0"/>
+          </a:p>
+          <a:p>
+            <a:pPr lvl="1"/>
+            <a:r>
+              <a:rPr lang="en-US" altLang="zh-CN" dirty="0"/>
+              <a:t>Only user’s audio input</a:t>
+            </a:r>
+            <a:r>
+              <a:rPr lang="zh-CN" altLang="en-US" dirty="0"/>
+              <a:t> </a:t>
+            </a:r>
+            <a:r>
+              <a:rPr lang="en-US" altLang="zh-CN" dirty="0"/>
+              <a:t>has</a:t>
+            </a:r>
+            <a:r>
+              <a:rPr lang="zh-CN" altLang="en-US" dirty="0"/>
+              <a:t> </a:t>
+            </a:r>
+            <a:r>
+              <a:rPr lang="en-US" altLang="zh-CN"/>
+              <a:t>contributions.</a:t>
+            </a:r>
+            <a:endParaRPr lang="en-US" dirty="0"/>
+          </a:p>
+        </p:txBody>
+      </p:sp>
     </p:spTree>
     <p:extLst>
       <p:ext uri="{BB962C8B-B14F-4D97-AF65-F5344CB8AC3E}">
         <p14:creationId xmlns:p14="http://schemas.microsoft.com/office/powerpoint/2010/main" val="751806766"/>
+      </p:ext>
+    </p:extLst>
+  </p:cSld>
+  <p:clrMapOvr>
+    <a:masterClrMapping/>
+  </p:clrMapOvr>
+</p:sld>
+</file>
+
+<file path=ppt/slides/slide15.xml><?xml version="1.0" encoding="utf-8"?>
+<p:sld xmlns:a="http://schemas.openxmlformats.org/drawingml/2006/main" xmlns:r="http://schemas.openxmlformats.org/officeDocument/2006/relationships" xmlns:p="http://schemas.openxmlformats.org/presentationml/2006/main">
+  <p:cSld>
+    <p:spTree>
+      <p:nvGrpSpPr>
+        <p:cNvPr id="1" name=""/>
+        <p:cNvGrpSpPr/>
+        <p:nvPr/>
+      </p:nvGrpSpPr>
+      <p:grpSpPr>
+        <a:xfrm>
+          <a:off x="0" y="0"/>
+          <a:ext cx="0" cy="0"/>
+          <a:chOff x="0" y="0"/>
+          <a:chExt cx="0" cy="0"/>
+        </a:xfrm>
+      </p:grpSpPr>
+      <p:sp>
+        <p:nvSpPr>
+          <p:cNvPr id="2" name="Title 1">
+            <a:extLst>
+              <a:ext uri="{FF2B5EF4-FFF2-40B4-BE49-F238E27FC236}">
+                <a16:creationId xmlns:a16="http://schemas.microsoft.com/office/drawing/2014/main" id="{D19F8B15-257F-2D5E-0042-505119DDF159}"/>
+              </a:ext>
+            </a:extLst>
+          </p:cNvPr>
+          <p:cNvSpPr>
+            <a:spLocks noGrp="1"/>
+          </p:cNvSpPr>
+          <p:nvPr>
+            <p:ph type="title"/>
+          </p:nvPr>
+        </p:nvSpPr>
+        <p:spPr/>
+        <p:txBody>
+          <a:bodyPr/>
+          <a:lstStyle/>
+          <a:p>
+            <a:endParaRPr lang="en-US"/>
+          </a:p>
+        </p:txBody>
+      </p:sp>
+      <p:sp>
+        <p:nvSpPr>
+          <p:cNvPr id="3" name="Content Placeholder 2">
+            <a:extLst>
+              <a:ext uri="{FF2B5EF4-FFF2-40B4-BE49-F238E27FC236}">
+                <a16:creationId xmlns:a16="http://schemas.microsoft.com/office/drawing/2014/main" id="{CF84C6B4-30C7-E15E-8B9C-EF462F1C7002}"/>
+              </a:ext>
+            </a:extLst>
+          </p:cNvPr>
+          <p:cNvSpPr>
+            <a:spLocks noGrp="1"/>
+          </p:cNvSpPr>
+          <p:nvPr>
+            <p:ph idx="1"/>
+          </p:nvPr>
+        </p:nvSpPr>
+        <p:spPr/>
+        <p:txBody>
+          <a:bodyPr/>
+          <a:lstStyle/>
+          <a:p>
+            <a:endParaRPr lang="en-US"/>
+          </a:p>
+        </p:txBody>
+      </p:sp>
+    </p:spTree>
+    <p:extLst>
+      <p:ext uri="{BB962C8B-B14F-4D97-AF65-F5344CB8AC3E}">
+        <p14:creationId xmlns:p14="http://schemas.microsoft.com/office/powerpoint/2010/main" val="1688135620"/>
       </p:ext>
     </p:extLst>
   </p:cSld>
@@ -5505,15 +6606,45 @@
             </a:r>
             <a:r>
               <a:rPr lang="en-US" altLang="zh-CN" dirty="0"/>
-              <a:t>simple</a:t>
-            </a:r>
-            <a:r>
-              <a:rPr lang="zh-CN" altLang="en-US" dirty="0"/>
-              <a:t> </a:t>
-            </a:r>
-            <a:r>
-              <a:rPr lang="en-US" altLang="zh-CN" dirty="0"/>
-              <a:t>version</a:t>
+              <a:t>for</a:t>
+            </a:r>
+            <a:r>
+              <a:rPr lang="zh-CN" altLang="en-US" dirty="0"/>
+              <a:t> </a:t>
+            </a:r>
+            <a:r>
+              <a:rPr lang="en-US" altLang="zh-CN" dirty="0"/>
+              <a:t>real</a:t>
+            </a:r>
+          </a:p>
+          <a:p>
+            <a:r>
+              <a:rPr lang="en-US" altLang="zh-CN" dirty="0"/>
+              <a:t>Recording</a:t>
+            </a:r>
+            <a:r>
+              <a:rPr lang="zh-CN" altLang="en-US" dirty="0"/>
+              <a:t> </a:t>
+            </a:r>
+            <a:r>
+              <a:rPr lang="en-US" altLang="zh-CN" dirty="0"/>
+              <a:t>devices</a:t>
+            </a:r>
+            <a:r>
+              <a:rPr lang="zh-CN" altLang="en-US" dirty="0"/>
+              <a:t> </a:t>
+            </a:r>
+            <a:r>
+              <a:rPr lang="en-US" altLang="zh-CN" dirty="0"/>
+              <a:t>for</a:t>
+            </a:r>
+            <a:r>
+              <a:rPr lang="zh-CN" altLang="en-US" dirty="0"/>
+              <a:t> </a:t>
+            </a:r>
+            <a:r>
+              <a:rPr lang="en-US" altLang="zh-CN" dirty="0"/>
+              <a:t>real</a:t>
             </a:r>
           </a:p>
           <a:p>
@@ -5527,59 +6658,7 @@
             </a:r>
             <a:r>
               <a:rPr lang="en-US" altLang="zh-CN" dirty="0"/>
-              <a:t>collection</a:t>
-            </a:r>
-            <a:r>
-              <a:rPr lang="zh-CN" altLang="en-US" dirty="0"/>
-              <a:t> </a:t>
-            </a:r>
-            <a:r>
-              <a:rPr lang="en-US" altLang="zh-CN" dirty="0"/>
-              <a:t>for</a:t>
-            </a:r>
-            <a:r>
-              <a:rPr lang="zh-CN" altLang="en-US" dirty="0"/>
-              <a:t> </a:t>
-            </a:r>
-            <a:r>
-              <a:rPr lang="en-US" altLang="zh-CN" dirty="0"/>
-              <a:t>real</a:t>
-            </a:r>
-          </a:p>
-          <a:p>
-            <a:r>
-              <a:rPr lang="en-US" altLang="zh-CN" dirty="0"/>
-              <a:t>Recording</a:t>
-            </a:r>
-            <a:r>
-              <a:rPr lang="zh-CN" altLang="en-US" dirty="0"/>
-              <a:t> </a:t>
-            </a:r>
-            <a:r>
-              <a:rPr lang="en-US" altLang="zh-CN" dirty="0"/>
-              <a:t>devices</a:t>
-            </a:r>
-          </a:p>
-          <a:p>
-            <a:r>
-              <a:rPr lang="en-US" altLang="zh-CN" dirty="0"/>
-              <a:t>Traffic</a:t>
-            </a:r>
-            <a:r>
-              <a:rPr lang="zh-CN" altLang="en-US" dirty="0"/>
-              <a:t> </a:t>
-            </a:r>
-            <a:r>
-              <a:rPr lang="en-US" altLang="zh-CN" dirty="0"/>
-              <a:t>rate</a:t>
-            </a:r>
-            <a:r>
-              <a:rPr lang="zh-CN" altLang="en-US" dirty="0"/>
-              <a:t> </a:t>
-            </a:r>
-            <a:r>
-              <a:rPr lang="en-US" altLang="zh-CN" dirty="0"/>
-              <a:t>data</a:t>
+              <a:t>preprocessing</a:t>
             </a:r>
             <a:endParaRPr lang="en-US" dirty="0"/>
           </a:p>
@@ -7351,15 +8430,15 @@
           <p:cNvPr id="2" name="Title 1">
             <a:extLst>
               <a:ext uri="{FF2B5EF4-FFF2-40B4-BE49-F238E27FC236}">
-                <a16:creationId xmlns:a16="http://schemas.microsoft.com/office/drawing/2014/main" id="{2F8B5968-749F-D49B-031E-31AD5B8DE0ED}"/>
-              </a:ext>
-            </a:extLst>
-          </p:cNvPr>
-          <p:cNvSpPr>
-            <a:spLocks noGrp="1"/>
-          </p:cNvSpPr>
-          <p:nvPr>
-            <p:ph type="title"/>
+                <a16:creationId xmlns:a16="http://schemas.microsoft.com/office/drawing/2014/main" id="{DF09A7C0-BC46-C7A9-56EA-26C3926FA4C9}"/>
+              </a:ext>
+            </a:extLst>
+          </p:cNvPr>
+          <p:cNvSpPr>
+            <a:spLocks noGrp="1"/>
+          </p:cNvSpPr>
+          <p:nvPr>
+            <p:ph type="ctrTitle"/>
           </p:nvPr>
         </p:nvSpPr>
         <p:spPr/>
@@ -7367,24 +8446,24 @@
           <a:bodyPr/>
           <a:lstStyle/>
           <a:p>
-            <a:endParaRPr lang="en-US"/>
-          </a:p>
-        </p:txBody>
-      </p:sp>
-      <p:sp>
-        <p:nvSpPr>
-          <p:cNvPr id="3" name="Content Placeholder 2">
-            <a:extLst>
-              <a:ext uri="{FF2B5EF4-FFF2-40B4-BE49-F238E27FC236}">
-                <a16:creationId xmlns:a16="http://schemas.microsoft.com/office/drawing/2014/main" id="{3FDCF4C9-88C9-8F35-CB98-CAB50D26A220}"/>
-              </a:ext>
-            </a:extLst>
-          </p:cNvPr>
-          <p:cNvSpPr>
-            <a:spLocks noGrp="1"/>
-          </p:cNvSpPr>
-          <p:nvPr>
-            <p:ph idx="1"/>
+            <a:endParaRPr lang="en-US" dirty="0"/>
+          </a:p>
+        </p:txBody>
+      </p:sp>
+      <p:sp>
+        <p:nvSpPr>
+          <p:cNvPr id="3" name="Subtitle 2">
+            <a:extLst>
+              <a:ext uri="{FF2B5EF4-FFF2-40B4-BE49-F238E27FC236}">
+                <a16:creationId xmlns:a16="http://schemas.microsoft.com/office/drawing/2014/main" id="{81168571-7697-014B-320A-0C75360B2A05}"/>
+              </a:ext>
+            </a:extLst>
+          </p:cNvPr>
+          <p:cNvSpPr>
+            <a:spLocks noGrp="1"/>
+          </p:cNvSpPr>
+          <p:nvPr>
+            <p:ph type="subTitle" idx="1"/>
           </p:nvPr>
         </p:nvSpPr>
         <p:spPr/>
@@ -7392,14 +8471,32 @@
           <a:bodyPr/>
           <a:lstStyle/>
           <a:p>
-            <a:endParaRPr lang="en-US"/>
+            <a:r>
+              <a:rPr lang="en-US" altLang="zh-CN" dirty="0"/>
+              <a:t>Xiaoguang</a:t>
+            </a:r>
+            <a:r>
+              <a:rPr lang="zh-CN" altLang="en-US" dirty="0"/>
+              <a:t> </a:t>
+            </a:r>
+            <a:r>
+              <a:rPr lang="en-US" altLang="zh-CN" dirty="0"/>
+              <a:t>Guo</a:t>
+            </a:r>
+          </a:p>
+          <a:p>
+            <a:r>
+              <a:rPr lang="en-US" altLang="zh-CN" dirty="0"/>
+              <a:t>11/29/2023</a:t>
+            </a:r>
+            <a:endParaRPr lang="en-US" dirty="0"/>
           </a:p>
         </p:txBody>
       </p:sp>
     </p:spTree>
     <p:extLst>
       <p:ext uri="{BB962C8B-B14F-4D97-AF65-F5344CB8AC3E}">
-        <p14:creationId xmlns:p14="http://schemas.microsoft.com/office/powerpoint/2010/main" val="1050347957"/>
+        <p14:creationId xmlns:p14="http://schemas.microsoft.com/office/powerpoint/2010/main" val="2120829837"/>
       </p:ext>
     </p:extLst>
   </p:cSld>
@@ -7431,7 +8528,7 @@
           <p:cNvPr id="2" name="Title 1">
             <a:extLst>
               <a:ext uri="{FF2B5EF4-FFF2-40B4-BE49-F238E27FC236}">
-                <a16:creationId xmlns:a16="http://schemas.microsoft.com/office/drawing/2014/main" id="{3AC8DA6D-7310-874F-3878-C5AAC19A2650}"/>
+                <a16:creationId xmlns:a16="http://schemas.microsoft.com/office/drawing/2014/main" id="{D63CA26D-9DC8-E891-03DE-E5E0FAB36F7A}"/>
               </a:ext>
             </a:extLst>
           </p:cNvPr>
@@ -7449,6 +8546,39 @@
           <a:p>
             <a:r>
               <a:rPr lang="en-US" altLang="zh-CN" dirty="0"/>
+              <a:t>Outline</a:t>
+            </a:r>
+            <a:r>
+              <a:rPr lang="zh-CN" altLang="en-US" dirty="0"/>
+              <a:t> </a:t>
+            </a:r>
+            <a:endParaRPr lang="en-US" dirty="0"/>
+          </a:p>
+        </p:txBody>
+      </p:sp>
+      <p:sp>
+        <p:nvSpPr>
+          <p:cNvPr id="3" name="Content Placeholder 2">
+            <a:extLst>
+              <a:ext uri="{FF2B5EF4-FFF2-40B4-BE49-F238E27FC236}">
+                <a16:creationId xmlns:a16="http://schemas.microsoft.com/office/drawing/2014/main" id="{74696B35-D1DA-11FB-8FCA-E94BB8623C03}"/>
+              </a:ext>
+            </a:extLst>
+          </p:cNvPr>
+          <p:cNvSpPr>
+            <a:spLocks noGrp="1"/>
+          </p:cNvSpPr>
+          <p:nvPr>
+            <p:ph idx="1"/>
+          </p:nvPr>
+        </p:nvSpPr>
+        <p:spPr/>
+        <p:txBody>
+          <a:bodyPr/>
+          <a:lstStyle/>
+          <a:p>
+            <a:r>
+              <a:rPr lang="en-US" altLang="zh-CN" dirty="0"/>
               <a:t>Data</a:t>
             </a:r>
             <a:r>
@@ -7475,358 +8605,56 @@
               <a:rPr lang="en-US" altLang="zh-CN" dirty="0"/>
               <a:t>version</a:t>
             </a:r>
-            <a:endParaRPr lang="en-US" dirty="0"/>
-          </a:p>
-        </p:txBody>
-      </p:sp>
-      <p:sp>
-        <p:nvSpPr>
-          <p:cNvPr id="3" name="Content Placeholder 2">
-            <a:extLst>
-              <a:ext uri="{FF2B5EF4-FFF2-40B4-BE49-F238E27FC236}">
-                <a16:creationId xmlns:a16="http://schemas.microsoft.com/office/drawing/2014/main" id="{2B8A2C63-EA85-7079-3A28-C8572C1FE10A}"/>
-              </a:ext>
-            </a:extLst>
-          </p:cNvPr>
-          <p:cNvSpPr>
-            <a:spLocks noGrp="1"/>
-          </p:cNvSpPr>
-          <p:nvPr>
-            <p:ph idx="1"/>
-          </p:nvPr>
-        </p:nvSpPr>
-        <p:spPr/>
-        <p:txBody>
-          <a:bodyPr>
-            <a:normAutofit/>
-          </a:bodyPr>
-          <a:lstStyle/>
-          <a:p>
-            <a:r>
-              <a:rPr lang="en-US" altLang="zh-CN" b="1" dirty="0"/>
-              <a:t>Text</a:t>
-            </a:r>
-            <a:r>
-              <a:rPr lang="zh-CN" altLang="en-US" b="1" dirty="0"/>
-              <a:t> </a:t>
-            </a:r>
-            <a:r>
-              <a:rPr lang="en-US" altLang="zh-CN" b="1" dirty="0"/>
-              <a:t>Preparation:</a:t>
-            </a:r>
-            <a:r>
-              <a:rPr lang="zh-CN" altLang="en-US" b="1" dirty="0"/>
-              <a:t> </a:t>
-            </a:r>
-            <a:r>
-              <a:rPr lang="en-US" altLang="zh-CN" dirty="0"/>
-              <a:t>Create</a:t>
-            </a:r>
-            <a:r>
-              <a:rPr lang="zh-CN" altLang="en-US" dirty="0"/>
-              <a:t> </a:t>
-            </a:r>
-            <a:r>
-              <a:rPr lang="en-US" altLang="zh-CN" dirty="0"/>
-              <a:t>scripts</a:t>
-            </a:r>
-            <a:r>
-              <a:rPr lang="zh-CN" altLang="en-US" dirty="0"/>
-              <a:t> </a:t>
-            </a:r>
-            <a:r>
-              <a:rPr lang="en-US" altLang="zh-CN" dirty="0"/>
-              <a:t>of</a:t>
-            </a:r>
-            <a:r>
-              <a:rPr lang="zh-CN" altLang="en-US" dirty="0"/>
-              <a:t> </a:t>
-            </a:r>
-            <a:r>
-              <a:rPr lang="en-US" altLang="zh-CN" dirty="0"/>
-              <a:t>text(</a:t>
-            </a:r>
-            <a:r>
-              <a:rPr lang="en-US" altLang="zh-CN" dirty="0">
-                <a:solidFill>
-                  <a:srgbClr val="FF0000"/>
-                </a:solidFill>
-              </a:rPr>
-              <a:t>C</a:t>
-            </a:r>
-            <a:r>
-              <a:rPr lang="en-US" altLang="zh-CN" dirty="0"/>
-              <a:t>)</a:t>
-            </a:r>
-          </a:p>
-          <a:p>
-            <a:r>
-              <a:rPr lang="en-US" altLang="zh-CN" b="1" dirty="0"/>
-              <a:t>Speech</a:t>
-            </a:r>
-            <a:r>
-              <a:rPr lang="zh-CN" altLang="en-US" b="1" dirty="0"/>
-              <a:t> </a:t>
-            </a:r>
-            <a:r>
-              <a:rPr lang="en-US" altLang="zh-CN" b="1" dirty="0"/>
-              <a:t>Synthesis:</a:t>
-            </a:r>
-            <a:r>
-              <a:rPr lang="zh-CN" altLang="en-US" b="1" dirty="0"/>
-              <a:t> </a:t>
-            </a:r>
-            <a:r>
-              <a:rPr lang="en-US" altLang="zh-CN" dirty="0"/>
-              <a:t>Use</a:t>
-            </a:r>
-            <a:r>
-              <a:rPr lang="zh-CN" altLang="en-US" dirty="0"/>
-              <a:t> </a:t>
-            </a:r>
-            <a:r>
-              <a:rPr lang="en-US" altLang="zh-CN" dirty="0"/>
-              <a:t>Tacotron2</a:t>
-            </a:r>
-            <a:r>
-              <a:rPr lang="zh-CN" altLang="en-US" dirty="0"/>
-              <a:t> </a:t>
-            </a:r>
-            <a:r>
-              <a:rPr lang="en-US" altLang="zh-CN" dirty="0"/>
-              <a:t>to</a:t>
-            </a:r>
-            <a:r>
-              <a:rPr lang="zh-CN" altLang="en-US" dirty="0"/>
-              <a:t> </a:t>
-            </a:r>
-            <a:r>
-              <a:rPr lang="en-US" altLang="zh-CN" dirty="0"/>
-              <a:t>convert</a:t>
-            </a:r>
-            <a:r>
-              <a:rPr lang="zh-CN" altLang="en-US" dirty="0"/>
-              <a:t> </a:t>
-            </a:r>
-            <a:r>
-              <a:rPr lang="en-US" altLang="zh-CN" dirty="0"/>
-              <a:t>these</a:t>
-            </a:r>
-            <a:r>
-              <a:rPr lang="zh-CN" altLang="en-US" dirty="0"/>
-              <a:t> </a:t>
-            </a:r>
-            <a:r>
-              <a:rPr lang="en-US" altLang="zh-CN" dirty="0"/>
-              <a:t>texts</a:t>
-            </a:r>
-            <a:r>
-              <a:rPr lang="zh-CN" altLang="en-US" dirty="0"/>
-              <a:t> </a:t>
-            </a:r>
-            <a:r>
-              <a:rPr lang="en-US" altLang="zh-CN" dirty="0"/>
-              <a:t>into</a:t>
-            </a:r>
-            <a:r>
-              <a:rPr lang="zh-CN" altLang="en-US" dirty="0"/>
-              <a:t> </a:t>
-            </a:r>
-            <a:r>
-              <a:rPr lang="en-US" altLang="zh-CN" dirty="0"/>
-              <a:t>audio</a:t>
-            </a:r>
-            <a:r>
-              <a:rPr lang="zh-CN" altLang="en-US" dirty="0"/>
-              <a:t> </a:t>
-            </a:r>
-            <a:r>
-              <a:rPr lang="en-US" altLang="zh-CN" dirty="0"/>
-              <a:t>files</a:t>
-            </a:r>
-            <a:r>
-              <a:rPr lang="zh-CN" altLang="en-US" dirty="0"/>
-              <a:t> </a:t>
-            </a:r>
-            <a:r>
-              <a:rPr lang="en-US" altLang="zh-CN" dirty="0"/>
-              <a:t>(</a:t>
-            </a:r>
-            <a:r>
-              <a:rPr lang="en-US" altLang="zh-CN" dirty="0">
-                <a:solidFill>
-                  <a:srgbClr val="FF0000"/>
-                </a:solidFill>
-              </a:rPr>
-              <a:t>A</a:t>
-            </a:r>
-            <a:r>
-              <a:rPr lang="en-US" altLang="zh-CN" dirty="0"/>
-              <a:t>)</a:t>
-            </a:r>
-          </a:p>
-          <a:p>
-            <a:r>
-              <a:rPr lang="en-US" altLang="zh-CN" b="1" dirty="0"/>
-              <a:t>Play</a:t>
-            </a:r>
-            <a:r>
-              <a:rPr lang="zh-CN" altLang="en-US" b="1" dirty="0"/>
-              <a:t> </a:t>
-            </a:r>
-            <a:r>
-              <a:rPr lang="en-US" altLang="zh-CN" b="1" dirty="0"/>
-              <a:t>Audio</a:t>
-            </a:r>
-            <a:r>
-              <a:rPr lang="zh-CN" altLang="en-US" b="1" dirty="0"/>
-              <a:t> </a:t>
-            </a:r>
-            <a:r>
-              <a:rPr lang="en-US" altLang="zh-CN" b="1" dirty="0"/>
-              <a:t>Files</a:t>
-            </a:r>
-            <a:r>
-              <a:rPr lang="zh-CN" altLang="en-US" b="1" dirty="0"/>
-              <a:t> </a:t>
-            </a:r>
-            <a:r>
-              <a:rPr lang="en-US" altLang="zh-CN" b="1" dirty="0"/>
-              <a:t>for</a:t>
-            </a:r>
-            <a:r>
-              <a:rPr lang="zh-CN" altLang="en-US" b="1" dirty="0"/>
-              <a:t> </a:t>
-            </a:r>
-            <a:r>
-              <a:rPr lang="en-US" altLang="zh-CN" b="1" dirty="0"/>
-              <a:t>Interaction:</a:t>
-            </a:r>
-            <a:r>
-              <a:rPr lang="zh-CN" altLang="en-US" b="1" dirty="0"/>
-              <a:t> </a:t>
-            </a:r>
-            <a:r>
-              <a:rPr lang="en-US" altLang="zh-CN" dirty="0"/>
-              <a:t>Play</a:t>
-            </a:r>
-            <a:r>
-              <a:rPr lang="zh-CN" altLang="en-US" dirty="0"/>
-              <a:t> </a:t>
-            </a:r>
-            <a:r>
-              <a:rPr lang="en-US" altLang="zh-CN" dirty="0"/>
-              <a:t>one</a:t>
-            </a:r>
-            <a:r>
-              <a:rPr lang="zh-CN" altLang="en-US" dirty="0"/>
-              <a:t> </a:t>
-            </a:r>
-            <a:r>
-              <a:rPr lang="en-US" altLang="zh-CN" dirty="0"/>
-              <a:t>speech</a:t>
-            </a:r>
-            <a:r>
-              <a:rPr lang="zh-CN" altLang="en-US" dirty="0"/>
-              <a:t> </a:t>
-            </a:r>
-            <a:r>
-              <a:rPr lang="en-US" altLang="zh-CN" dirty="0"/>
-              <a:t>at</a:t>
-            </a:r>
-            <a:r>
-              <a:rPr lang="zh-CN" altLang="en-US" dirty="0"/>
-              <a:t> </a:t>
-            </a:r>
-            <a:r>
-              <a:rPr lang="en-US" altLang="zh-CN" dirty="0"/>
-              <a:t>a</a:t>
-            </a:r>
-            <a:r>
-              <a:rPr lang="zh-CN" altLang="en-US" dirty="0"/>
-              <a:t> </a:t>
-            </a:r>
-            <a:r>
-              <a:rPr lang="en-US" altLang="zh-CN" dirty="0"/>
-              <a:t>time</a:t>
-            </a:r>
-            <a:r>
-              <a:rPr lang="zh-CN" altLang="en-US" dirty="0"/>
-              <a:t> </a:t>
-            </a:r>
-            <a:r>
-              <a:rPr lang="en-US" altLang="zh-CN" dirty="0"/>
-              <a:t>on</a:t>
-            </a:r>
-            <a:r>
-              <a:rPr lang="zh-CN" altLang="en-US" dirty="0"/>
-              <a:t> </a:t>
-            </a:r>
-            <a:r>
-              <a:rPr lang="en-US" altLang="zh-CN" dirty="0">
-                <a:solidFill>
-                  <a:srgbClr val="0070C0"/>
-                </a:solidFill>
-              </a:rPr>
-              <a:t>Pi</a:t>
-            </a:r>
-          </a:p>
-          <a:p>
-            <a:r>
-              <a:rPr lang="en-US" altLang="zh-CN" b="1" dirty="0"/>
+          </a:p>
+          <a:p>
+            <a:r>
+              <a:rPr lang="en-US" altLang="zh-CN" dirty="0"/>
+              <a:t>Datasets</a:t>
+            </a:r>
+            <a:r>
+              <a:rPr lang="zh-CN" altLang="en-US" dirty="0"/>
+              <a:t> </a:t>
+            </a:r>
+            <a:r>
+              <a:rPr lang="en-US" altLang="zh-CN" dirty="0"/>
+              <a:t>components</a:t>
+            </a:r>
+          </a:p>
+          <a:p>
+            <a:r>
+              <a:rPr lang="en-US" altLang="zh-CN" dirty="0"/>
               <a:t>Traffic</a:t>
             </a:r>
             <a:r>
-              <a:rPr lang="zh-CN" altLang="en-US" b="1" dirty="0"/>
-              <a:t> </a:t>
-            </a:r>
-            <a:r>
-              <a:rPr lang="en-US" altLang="zh-CN" b="1" dirty="0"/>
+              <a:rPr lang="zh-CN" altLang="en-US" dirty="0"/>
+              <a:t> </a:t>
+            </a:r>
+            <a:r>
+              <a:rPr lang="en-US" altLang="zh-CN" dirty="0"/>
               <a:t>data</a:t>
             </a:r>
             <a:r>
-              <a:rPr lang="zh-CN" altLang="en-US" b="1" dirty="0"/>
-              <a:t> </a:t>
-            </a:r>
-            <a:r>
-              <a:rPr lang="en-US" altLang="zh-CN" b="1" dirty="0"/>
-              <a:t>collection</a:t>
-            </a:r>
-            <a:r>
-              <a:rPr lang="en-US" altLang="zh-CN" dirty="0"/>
-              <a:t>(</a:t>
-            </a:r>
-            <a:r>
-              <a:rPr lang="en-US" altLang="zh-CN" dirty="0">
-                <a:solidFill>
-                  <a:srgbClr val="FF0000"/>
-                </a:solidFill>
-              </a:rPr>
-              <a:t>W</a:t>
-            </a:r>
-            <a:r>
-              <a:rPr lang="en-US" altLang="zh-CN" dirty="0"/>
-              <a:t>)</a:t>
-            </a:r>
-            <a:r>
-              <a:rPr lang="en-US" altLang="zh-CN" b="1" dirty="0"/>
-              <a:t>:</a:t>
-            </a:r>
-            <a:r>
-              <a:rPr lang="zh-CN" altLang="en-US" b="1" dirty="0"/>
-              <a:t> </a:t>
-            </a:r>
-            <a:r>
-              <a:rPr lang="en-US" altLang="zh-CN" dirty="0"/>
-              <a:t>R</a:t>
-            </a:r>
-            <a:r>
-              <a:rPr lang="en-US" b="0" i="0" dirty="0">
-                <a:effectLst/>
-              </a:rPr>
-              <a:t>ecord the traffic data at the same time.</a:t>
-            </a:r>
-            <a:endParaRPr lang="en-US" altLang="zh-CN" dirty="0"/>
+              <a:rPr lang="zh-CN" altLang="en-US" dirty="0"/>
+              <a:t> </a:t>
+            </a:r>
+            <a:r>
+              <a:rPr lang="en-US" altLang="zh-CN" dirty="0"/>
+              <a:t>components</a:t>
+            </a:r>
+          </a:p>
+          <a:p>
+            <a:r>
+              <a:rPr lang="en-US" altLang="zh-CN" dirty="0"/>
+              <a:t>Incoming/outgoing</a:t>
+            </a:r>
+            <a:r>
+              <a:rPr lang="zh-CN" altLang="en-US" dirty="0"/>
+              <a:t> </a:t>
+            </a:r>
+            <a:r>
+              <a:rPr lang="en-US" altLang="zh-CN" dirty="0"/>
+              <a:t>data</a:t>
+            </a:r>
           </a:p>
           <a:p>
             <a:endParaRPr lang="en-US" altLang="zh-CN" dirty="0"/>
@@ -7842,7 +8670,7 @@
     </p:spTree>
     <p:extLst>
       <p:ext uri="{BB962C8B-B14F-4D97-AF65-F5344CB8AC3E}">
-        <p14:creationId xmlns:p14="http://schemas.microsoft.com/office/powerpoint/2010/main" val="2950811355"/>
+        <p14:creationId xmlns:p14="http://schemas.microsoft.com/office/powerpoint/2010/main" val="182586914"/>
       </p:ext>
     </p:extLst>
   </p:cSld>

--- a/Presentation1.pptx
+++ b/Presentation1.pptx
@@ -5,7 +5,7 @@
     <p:sldMasterId id="2147483648" r:id="rId1"/>
   </p:sldMasterIdLst>
   <p:notesMasterIdLst>
-    <p:notesMasterId r:id="rId17"/>
+    <p:notesMasterId r:id="rId19"/>
   </p:notesMasterIdLst>
   <p:sldIdLst>
     <p:sldId id="256" r:id="rId2"/>
@@ -22,7 +22,9 @@
     <p:sldId id="261" r:id="rId13"/>
     <p:sldId id="269" r:id="rId14"/>
     <p:sldId id="268" r:id="rId15"/>
-    <p:sldId id="270" r:id="rId16"/>
+    <p:sldId id="274" r:id="rId16"/>
+    <p:sldId id="270" r:id="rId17"/>
+    <p:sldId id="275" r:id="rId18"/>
   </p:sldIdLst>
   <p:sldSz cx="12192000" cy="6858000"/>
   <p:notesSz cx="6858000" cy="9144000"/>
@@ -979,6 +981,174 @@
     <p:extLst>
       <p:ext uri="{BB962C8B-B14F-4D97-AF65-F5344CB8AC3E}">
         <p14:creationId xmlns:p14="http://schemas.microsoft.com/office/powerpoint/2010/main" val="379248297"/>
+      </p:ext>
+    </p:extLst>
+  </p:cSld>
+  <p:clrMapOvr>
+    <a:masterClrMapping/>
+  </p:clrMapOvr>
+</p:notes>
+</file>
+
+<file path=ppt/notesSlides/notesSlide4.xml><?xml version="1.0" encoding="utf-8"?>
+<p:notes xmlns:a="http://schemas.openxmlformats.org/drawingml/2006/main" xmlns:r="http://schemas.openxmlformats.org/officeDocument/2006/relationships" xmlns:p="http://schemas.openxmlformats.org/presentationml/2006/main">
+  <p:cSld>
+    <p:spTree>
+      <p:nvGrpSpPr>
+        <p:cNvPr id="1" name=""/>
+        <p:cNvGrpSpPr/>
+        <p:nvPr/>
+      </p:nvGrpSpPr>
+      <p:grpSpPr>
+        <a:xfrm>
+          <a:off x="0" y="0"/>
+          <a:ext cx="0" cy="0"/>
+          <a:chOff x="0" y="0"/>
+          <a:chExt cx="0" cy="0"/>
+        </a:xfrm>
+      </p:grpSpPr>
+      <p:sp>
+        <p:nvSpPr>
+          <p:cNvPr id="2" name="Slide Image Placeholder 1"/>
+          <p:cNvSpPr>
+            <a:spLocks noGrp="1" noRot="1" noChangeAspect="1"/>
+          </p:cNvSpPr>
+          <p:nvPr>
+            <p:ph type="sldImg"/>
+          </p:nvPr>
+        </p:nvSpPr>
+        <p:spPr/>
+      </p:sp>
+      <p:sp>
+        <p:nvSpPr>
+          <p:cNvPr id="3" name="Notes Placeholder 2"/>
+          <p:cNvSpPr>
+            <a:spLocks noGrp="1"/>
+          </p:cNvSpPr>
+          <p:nvPr>
+            <p:ph type="body" idx="1"/>
+          </p:nvPr>
+        </p:nvSpPr>
+        <p:spPr/>
+        <p:txBody>
+          <a:bodyPr/>
+          <a:lstStyle/>
+          <a:p>
+            <a:endParaRPr lang="en-US" dirty="0"/>
+          </a:p>
+        </p:txBody>
+      </p:sp>
+      <p:sp>
+        <p:nvSpPr>
+          <p:cNvPr id="4" name="Slide Number Placeholder 3"/>
+          <p:cNvSpPr>
+            <a:spLocks noGrp="1"/>
+          </p:cNvSpPr>
+          <p:nvPr>
+            <p:ph type="sldNum" sz="quarter" idx="5"/>
+          </p:nvPr>
+        </p:nvSpPr>
+        <p:spPr/>
+        <p:txBody>
+          <a:bodyPr/>
+          <a:lstStyle/>
+          <a:p>
+            <a:fld id="{88682BC9-22E9-B640-848B-A22C37F71A64}" type="slidenum">
+              <a:rPr lang="en-US" smtClean="0"/>
+              <a:t>14</a:t>
+            </a:fld>
+            <a:endParaRPr lang="en-US"/>
+          </a:p>
+        </p:txBody>
+      </p:sp>
+    </p:spTree>
+    <p:extLst>
+      <p:ext uri="{BB962C8B-B14F-4D97-AF65-F5344CB8AC3E}">
+        <p14:creationId xmlns:p14="http://schemas.microsoft.com/office/powerpoint/2010/main" val="3183827959"/>
+      </p:ext>
+    </p:extLst>
+  </p:cSld>
+  <p:clrMapOvr>
+    <a:masterClrMapping/>
+  </p:clrMapOvr>
+</p:notes>
+</file>
+
+<file path=ppt/notesSlides/notesSlide5.xml><?xml version="1.0" encoding="utf-8"?>
+<p:notes xmlns:a="http://schemas.openxmlformats.org/drawingml/2006/main" xmlns:r="http://schemas.openxmlformats.org/officeDocument/2006/relationships" xmlns:p="http://schemas.openxmlformats.org/presentationml/2006/main">
+  <p:cSld>
+    <p:spTree>
+      <p:nvGrpSpPr>
+        <p:cNvPr id="1" name=""/>
+        <p:cNvGrpSpPr/>
+        <p:nvPr/>
+      </p:nvGrpSpPr>
+      <p:grpSpPr>
+        <a:xfrm>
+          <a:off x="0" y="0"/>
+          <a:ext cx="0" cy="0"/>
+          <a:chOff x="0" y="0"/>
+          <a:chExt cx="0" cy="0"/>
+        </a:xfrm>
+      </p:grpSpPr>
+      <p:sp>
+        <p:nvSpPr>
+          <p:cNvPr id="2" name="Slide Image Placeholder 1"/>
+          <p:cNvSpPr>
+            <a:spLocks noGrp="1" noRot="1" noChangeAspect="1"/>
+          </p:cNvSpPr>
+          <p:nvPr>
+            <p:ph type="sldImg"/>
+          </p:nvPr>
+        </p:nvSpPr>
+        <p:spPr/>
+      </p:sp>
+      <p:sp>
+        <p:nvSpPr>
+          <p:cNvPr id="3" name="Notes Placeholder 2"/>
+          <p:cNvSpPr>
+            <a:spLocks noGrp="1"/>
+          </p:cNvSpPr>
+          <p:nvPr>
+            <p:ph type="body" idx="1"/>
+          </p:nvPr>
+        </p:nvSpPr>
+        <p:spPr/>
+        <p:txBody>
+          <a:bodyPr/>
+          <a:lstStyle/>
+          <a:p>
+            <a:endParaRPr lang="en-US" dirty="0"/>
+          </a:p>
+        </p:txBody>
+      </p:sp>
+      <p:sp>
+        <p:nvSpPr>
+          <p:cNvPr id="4" name="Slide Number Placeholder 3"/>
+          <p:cNvSpPr>
+            <a:spLocks noGrp="1"/>
+          </p:cNvSpPr>
+          <p:nvPr>
+            <p:ph type="sldNum" sz="quarter" idx="5"/>
+          </p:nvPr>
+        </p:nvSpPr>
+        <p:spPr/>
+        <p:txBody>
+          <a:bodyPr/>
+          <a:lstStyle/>
+          <a:p>
+            <a:fld id="{88682BC9-22E9-B640-848B-A22C37F71A64}" type="slidenum">
+              <a:rPr lang="en-US" smtClean="0"/>
+              <a:t>16</a:t>
+            </a:fld>
+            <a:endParaRPr lang="en-US"/>
+          </a:p>
+        </p:txBody>
+      </p:sp>
+    </p:spTree>
+    <p:extLst>
+      <p:ext uri="{BB962C8B-B14F-4D97-AF65-F5344CB8AC3E}">
+        <p14:creationId xmlns:p14="http://schemas.microsoft.com/office/powerpoint/2010/main" val="184341853"/>
       </p:ext>
     </p:extLst>
   </p:cSld>
@@ -4802,7 +4972,9 @@
         </p:nvSpPr>
         <p:spPr/>
         <p:txBody>
-          <a:bodyPr/>
+          <a:bodyPr>
+            <a:normAutofit/>
+          </a:bodyPr>
           <a:lstStyle/>
           <a:p>
             <a:r>
@@ -4841,6 +5013,42 @@
               <a:rPr lang="zh-CN" altLang="en-US" b="1" dirty="0"/>
               <a:t> </a:t>
             </a:r>
+            <a:endParaRPr lang="en-US" altLang="zh-CN" b="1" dirty="0"/>
+          </a:p>
+          <a:p>
+            <a:pPr lvl="1"/>
+            <a:r>
+              <a:rPr lang="en-US" altLang="zh-CN" b="1" dirty="0"/>
+              <a:t>User’s</a:t>
+            </a:r>
+            <a:r>
+              <a:rPr lang="zh-CN" altLang="en-US" b="1" dirty="0"/>
+              <a:t> </a:t>
+            </a:r>
+            <a:r>
+              <a:rPr lang="en-US" altLang="zh-CN" b="1" dirty="0"/>
+              <a:t>Input(</a:t>
+            </a:r>
+            <a:r>
+              <a:rPr lang="en-US" altLang="zh-CN" b="1" dirty="0" err="1">
+                <a:solidFill>
+                  <a:srgbClr val="FF0000"/>
+                </a:solidFill>
+              </a:rPr>
+              <a:t>C_u</a:t>
+            </a:r>
+            <a:r>
+              <a:rPr lang="en-US" altLang="zh-CN" b="1" dirty="0"/>
+              <a:t>)</a:t>
+            </a:r>
+            <a:r>
+              <a:rPr lang="en-US" altLang="zh-CN" dirty="0"/>
+              <a:t>:</a:t>
+            </a:r>
+            <a:r>
+              <a:rPr lang="zh-CN" altLang="en-US" dirty="0"/>
+              <a:t> </a:t>
+            </a:r>
             <a:r>
               <a:rPr lang="en-US" altLang="zh-CN" dirty="0"/>
               <a:t>The</a:t>
@@ -4850,56 +5058,148 @@
               <a:t> </a:t>
             </a:r>
             <a:r>
-              <a:rPr lang="en-US" altLang="zh-CN" dirty="0"/>
+              <a:rPr lang="en-US" altLang="zh-CN" i="1" dirty="0"/>
               <a:t>original</a:t>
             </a:r>
             <a:r>
-              <a:rPr lang="zh-CN" altLang="en-US" dirty="0"/>
-              <a:t> </a:t>
-            </a:r>
+              <a:rPr lang="zh-CN" altLang="en-US" b="1" i="1" dirty="0"/>
+              <a:t> </a:t>
+            </a:r>
+            <a:r>
+              <a:rPr lang="en-US" altLang="zh-CN" i="1" dirty="0"/>
+              <a:t>text</a:t>
+            </a:r>
+            <a:r>
+              <a:rPr lang="zh-CN" altLang="en-US" b="1" dirty="0"/>
+              <a:t> </a:t>
+            </a:r>
+            <a:r>
+              <a:rPr lang="en-US" altLang="zh-CN" dirty="0"/>
+              <a:t>used</a:t>
+            </a:r>
+            <a:r>
+              <a:rPr lang="zh-CN" altLang="en-US" dirty="0"/>
+              <a:t> </a:t>
+            </a:r>
+            <a:r>
+              <a:rPr lang="en-US" altLang="zh-CN" dirty="0"/>
+              <a:t>to</a:t>
+            </a:r>
+            <a:r>
+              <a:rPr lang="zh-CN" altLang="en-US" dirty="0"/>
+              <a:t> </a:t>
+            </a:r>
+            <a:r>
+              <a:rPr lang="en-US" altLang="zh-CN" dirty="0"/>
+              <a:t>generate</a:t>
+            </a:r>
+            <a:r>
+              <a:rPr lang="zh-CN" altLang="en-US" dirty="0"/>
+              <a:t> </a:t>
+            </a:r>
+            <a:r>
+              <a:rPr lang="en-US" altLang="zh-CN" dirty="0"/>
+              <a:t>the</a:t>
+            </a:r>
+            <a:r>
+              <a:rPr lang="zh-CN" altLang="en-US" dirty="0"/>
+              <a:t> </a:t>
+            </a:r>
+            <a:r>
+              <a:rPr lang="en-US" altLang="zh-CN" dirty="0"/>
+              <a:t>speech.</a:t>
+            </a:r>
+            <a:r>
+              <a:rPr lang="zh-CN" altLang="en-US" dirty="0"/>
+              <a:t> </a:t>
+            </a:r>
+            <a:endParaRPr lang="en-US" altLang="zh-CN" dirty="0"/>
+          </a:p>
+          <a:p>
+            <a:pPr lvl="1"/>
             <a:r>
               <a:rPr lang="en-US" altLang="zh-CN" b="1" dirty="0"/>
+              <a:t>Alexa’s</a:t>
+            </a:r>
+            <a:r>
+              <a:rPr lang="zh-CN" altLang="en-US" b="1" dirty="0"/>
+              <a:t> </a:t>
+            </a:r>
+            <a:r>
+              <a:rPr lang="en-US" altLang="zh-CN" b="1" dirty="0"/>
+              <a:t>Response</a:t>
+            </a:r>
+            <a:r>
+              <a:rPr lang="en-US" altLang="zh-CN" dirty="0"/>
+              <a:t>(</a:t>
+            </a:r>
+            <a:r>
+              <a:rPr lang="en-US" altLang="zh-CN" b="1" dirty="0" err="1">
+                <a:solidFill>
+                  <a:srgbClr val="FF0000"/>
+                </a:solidFill>
+              </a:rPr>
+              <a:t>C_r</a:t>
+            </a:r>
+            <a:r>
+              <a:rPr lang="en-US" altLang="zh-CN" dirty="0"/>
+              <a:t>):</a:t>
+            </a:r>
+            <a:r>
+              <a:rPr lang="zh-CN" altLang="en-US" dirty="0"/>
+              <a:t> </a:t>
+            </a:r>
+            <a:r>
+              <a:rPr lang="en-US" altLang="zh-CN" dirty="0"/>
+              <a:t>The</a:t>
+            </a:r>
+            <a:r>
+              <a:rPr lang="zh-CN" altLang="en-US" dirty="0"/>
+              <a:t> </a:t>
+            </a:r>
+            <a:r>
+              <a:rPr lang="en-US" altLang="zh-CN" i="1" dirty="0"/>
+              <a:t>transcribed</a:t>
+            </a:r>
+            <a:r>
+              <a:rPr lang="zh-CN" altLang="en-US" i="1" dirty="0"/>
+              <a:t> </a:t>
+            </a:r>
+            <a:r>
+              <a:rPr lang="en-US" altLang="zh-CN" i="1" dirty="0"/>
               <a:t>text</a:t>
             </a:r>
             <a:r>
-              <a:rPr lang="zh-CN" altLang="en-US" dirty="0"/>
-              <a:t> </a:t>
-            </a:r>
-            <a:r>
-              <a:rPr lang="en-US" altLang="zh-CN" dirty="0"/>
-              <a:t>used</a:t>
-            </a:r>
-            <a:r>
-              <a:rPr lang="zh-CN" altLang="en-US" dirty="0"/>
-              <a:t> </a:t>
-            </a:r>
-            <a:r>
-              <a:rPr lang="en-US" altLang="zh-CN" dirty="0"/>
-              <a:t>to</a:t>
-            </a:r>
-            <a:r>
-              <a:rPr lang="zh-CN" altLang="en-US" dirty="0"/>
-              <a:t> </a:t>
-            </a:r>
-            <a:r>
-              <a:rPr lang="en-US" altLang="zh-CN" dirty="0"/>
-              <a:t>generate</a:t>
-            </a:r>
-            <a:r>
-              <a:rPr lang="zh-CN" altLang="en-US" dirty="0"/>
-              <a:t> </a:t>
-            </a:r>
-            <a:r>
-              <a:rPr lang="en-US" altLang="zh-CN" dirty="0"/>
-              <a:t>the</a:t>
-            </a:r>
-            <a:r>
-              <a:rPr lang="zh-CN" altLang="en-US" dirty="0"/>
-              <a:t> </a:t>
-            </a:r>
-            <a:r>
-              <a:rPr lang="en-US" altLang="zh-CN" dirty="0"/>
-              <a:t>speech</a:t>
+              <a:rPr lang="zh-CN" altLang="en-US" i="1" dirty="0"/>
+              <a:t> </a:t>
+            </a:r>
+            <a:r>
+              <a:rPr lang="en-US" altLang="zh-CN" dirty="0"/>
+              <a:t>from</a:t>
+            </a:r>
+            <a:r>
+              <a:rPr lang="zh-CN" altLang="en-US" dirty="0"/>
+              <a:t> </a:t>
+            </a:r>
+            <a:r>
+              <a:rPr lang="en-US" altLang="zh-CN" dirty="0"/>
+              <a:t>responses</a:t>
+            </a:r>
+            <a:r>
+              <a:rPr lang="zh-CN" altLang="en-US" dirty="0"/>
+              <a:t> </a:t>
+            </a:r>
+            <a:r>
+              <a:rPr lang="en-US" altLang="zh-CN" dirty="0"/>
+              <a:t>of</a:t>
+            </a:r>
+            <a:r>
+              <a:rPr lang="zh-CN" altLang="en-US" dirty="0"/>
+              <a:t> </a:t>
+            </a:r>
+            <a:r>
+              <a:rPr lang="en-US" altLang="zh-CN" dirty="0"/>
+              <a:t>Alexa.</a:t>
             </a:r>
           </a:p>
           <a:p>
@@ -4913,7 +5213,7 @@
             </a:r>
             <a:r>
               <a:rPr lang="en-US" altLang="zh-CN" b="1" dirty="0"/>
-              <a:t>Files(</a:t>
+              <a:t>Data(</a:t>
             </a:r>
             <a:r>
               <a:rPr lang="en-US" altLang="zh-CN" b="1" dirty="0">
@@ -4931,25 +5231,53 @@
               <a:rPr lang="zh-CN" altLang="en-US" b="1" dirty="0"/>
               <a:t> </a:t>
             </a:r>
-            <a:r>
-              <a:rPr lang="en-US" altLang="zh-CN" dirty="0"/>
-              <a:t>Audio</a:t>
-            </a:r>
-            <a:r>
-              <a:rPr lang="zh-CN" altLang="en-US" dirty="0"/>
-              <a:t> </a:t>
-            </a:r>
-            <a:r>
-              <a:rPr lang="en-US" altLang="zh-CN" dirty="0"/>
-              <a:t>files</a:t>
-            </a:r>
-            <a:r>
-              <a:rPr lang="zh-CN" altLang="en-US" dirty="0"/>
-              <a:t> </a:t>
-            </a:r>
-            <a:r>
-              <a:rPr lang="en-US" altLang="zh-CN" dirty="0"/>
-              <a:t>generated</a:t>
+            <a:endParaRPr lang="en-US" altLang="zh-CN" b="1" dirty="0"/>
+          </a:p>
+          <a:p>
+            <a:pPr lvl="1"/>
+            <a:r>
+              <a:rPr lang="en-US" altLang="zh-CN" b="1" dirty="0"/>
+              <a:t>User’s</a:t>
+            </a:r>
+            <a:r>
+              <a:rPr lang="zh-CN" altLang="en-US" b="1" dirty="0"/>
+              <a:t> </a:t>
+            </a:r>
+            <a:r>
+              <a:rPr lang="en-US" altLang="zh-CN" b="1" dirty="0"/>
+              <a:t>Input</a:t>
+            </a:r>
+            <a:r>
+              <a:rPr lang="zh-CN" altLang="en-US" b="1" dirty="0"/>
+              <a:t> </a:t>
+            </a:r>
+            <a:r>
+              <a:rPr lang="en-US" altLang="zh-CN" b="1" dirty="0"/>
+              <a:t>Audio(</a:t>
+            </a:r>
+            <a:r>
+              <a:rPr lang="en-US" altLang="zh-CN" b="1" dirty="0" err="1">
+                <a:solidFill>
+                  <a:srgbClr val="FF0000"/>
+                </a:solidFill>
+              </a:rPr>
+              <a:t>A_u</a:t>
+            </a:r>
+            <a:r>
+              <a:rPr lang="en-US" altLang="zh-CN" b="1" dirty="0"/>
+              <a:t>):</a:t>
+            </a:r>
+            <a:r>
+              <a:rPr lang="zh-CN" altLang="en-US" b="1" dirty="0"/>
+              <a:t> </a:t>
+            </a:r>
+            <a:endParaRPr lang="en-US" altLang="zh-CN" b="1" dirty="0"/>
+          </a:p>
+          <a:p>
+            <a:pPr lvl="2"/>
+            <a:r>
+              <a:rPr lang="en-US" altLang="zh-CN" dirty="0"/>
+              <a:t>Generated</a:t>
             </a:r>
             <a:r>
               <a:rPr lang="zh-CN" altLang="en-US" dirty="0"/>
@@ -4973,7 +5301,35 @@
             </a:r>
             <a:r>
               <a:rPr lang="en-US" altLang="zh-CN" dirty="0"/>
-              <a:t>text</a:t>
+              <a:t>user’s</a:t>
+            </a:r>
+            <a:r>
+              <a:rPr lang="zh-CN" altLang="en-US" dirty="0"/>
+              <a:t> </a:t>
+            </a:r>
+            <a:r>
+              <a:rPr lang="en-US" altLang="zh-CN" dirty="0"/>
+              <a:t>input</a:t>
+            </a:r>
+            <a:r>
+              <a:rPr lang="zh-CN" altLang="en-US" dirty="0"/>
+              <a:t> </a:t>
+            </a:r>
+            <a:r>
+              <a:rPr lang="en-US" altLang="zh-CN" dirty="0"/>
+              <a:t>text(</a:t>
+            </a:r>
+            <a:r>
+              <a:rPr lang="en-US" altLang="zh-CN" dirty="0" err="1">
+                <a:solidFill>
+                  <a:srgbClr val="FF0000"/>
+                </a:solidFill>
+              </a:rPr>
+              <a:t>C_u</a:t>
+            </a:r>
+            <a:r>
+              <a:rPr lang="en-US" altLang="zh-CN" dirty="0"/>
+              <a:t>)</a:t>
             </a:r>
             <a:r>
               <a:rPr lang="zh-CN" altLang="en-US" dirty="0"/>
@@ -4989,21 +5345,128 @@
             </a:r>
             <a:r>
               <a:rPr lang="en-US" altLang="zh-CN" dirty="0"/>
-              <a:t>Tacotron2.</a:t>
-            </a:r>
+              <a:t>Tacotron2</a:t>
+            </a:r>
+            <a:r>
+              <a:rPr lang="zh-CN" altLang="en-US" dirty="0"/>
+              <a:t> </a:t>
+            </a:r>
+            <a:r>
+              <a:rPr lang="en-US" altLang="zh-CN" dirty="0"/>
+              <a:t>in</a:t>
+            </a:r>
+            <a:r>
+              <a:rPr lang="zh-CN" altLang="en-US" dirty="0"/>
+              <a:t> </a:t>
+            </a:r>
+            <a:r>
+              <a:rPr lang="en-US" altLang="zh-CN" dirty="0"/>
+              <a:t>the</a:t>
+            </a:r>
+            <a:r>
+              <a:rPr lang="zh-CN" altLang="en-US" dirty="0"/>
+              <a:t> </a:t>
+            </a:r>
+            <a:r>
+              <a:rPr lang="en-US" altLang="zh-CN" dirty="0"/>
+              <a:t>simple</a:t>
+            </a:r>
+            <a:r>
+              <a:rPr lang="zh-CN" altLang="en-US" dirty="0"/>
+              <a:t> </a:t>
+            </a:r>
+            <a:r>
+              <a:rPr lang="en-US" altLang="zh-CN" dirty="0"/>
+              <a:t>version</a:t>
+            </a:r>
+            <a:r>
+              <a:rPr lang="zh-CN" altLang="en-US" dirty="0"/>
+              <a:t> </a:t>
+            </a:r>
+            <a:r>
+              <a:rPr lang="en-US" altLang="zh-CN" dirty="0"/>
+              <a:t>step.</a:t>
+            </a:r>
+          </a:p>
+          <a:p>
+            <a:pPr lvl="2"/>
+            <a:r>
+              <a:rPr lang="en-US" altLang="zh-CN" dirty="0"/>
+              <a:t>Recorded</a:t>
+            </a:r>
+            <a:r>
+              <a:rPr lang="zh-CN" altLang="en-US" dirty="0"/>
+              <a:t> </a:t>
+            </a:r>
+            <a:r>
+              <a:rPr lang="en-US" altLang="zh-CN" dirty="0"/>
+              <a:t>by</a:t>
+            </a:r>
+            <a:r>
+              <a:rPr lang="zh-CN" altLang="en-US" dirty="0"/>
+              <a:t> </a:t>
+            </a:r>
+            <a:r>
+              <a:rPr lang="en-US" altLang="zh-CN" dirty="0"/>
+              <a:t>Pi</a:t>
+            </a:r>
+            <a:r>
+              <a:rPr lang="zh-CN" altLang="en-US" dirty="0"/>
+              <a:t> </a:t>
+            </a:r>
+            <a:r>
+              <a:rPr lang="en-US" altLang="zh-CN" dirty="0"/>
+              <a:t>for</a:t>
+            </a:r>
+            <a:r>
+              <a:rPr lang="zh-CN" altLang="en-US" dirty="0"/>
+              <a:t> </a:t>
+            </a:r>
+            <a:r>
+              <a:rPr lang="en-US" altLang="zh-CN" dirty="0"/>
+              <a:t>real</a:t>
+            </a:r>
+            <a:r>
+              <a:rPr lang="zh-CN" altLang="en-US" dirty="0"/>
+              <a:t> </a:t>
+            </a:r>
+            <a:r>
+              <a:rPr lang="en-US" altLang="zh-CN" dirty="0"/>
+              <a:t>later.</a:t>
+            </a:r>
+          </a:p>
+          <a:p>
+            <a:pPr lvl="1"/>
+            <a:r>
+              <a:rPr lang="en-US" altLang="zh-CN" b="1" dirty="0"/>
+              <a:t>Alexa’s</a:t>
+            </a:r>
+            <a:r>
+              <a:rPr lang="zh-CN" altLang="en-US" b="1" dirty="0"/>
+              <a:t> </a:t>
+            </a:r>
+            <a:r>
+              <a:rPr lang="en-US" altLang="zh-CN" b="1" dirty="0"/>
+              <a:t>Response(</a:t>
+            </a:r>
+            <a:r>
+              <a:rPr lang="en-US" altLang="zh-CN" b="1" dirty="0" err="1">
+                <a:solidFill>
+                  <a:srgbClr val="FF0000"/>
+                </a:solidFill>
+              </a:rPr>
+              <a:t>A_r</a:t>
+            </a:r>
+            <a:r>
+              <a:rPr lang="en-US" altLang="zh-CN" b="1" dirty="0"/>
+              <a:t>):</a:t>
+            </a:r>
+            <a:endParaRPr lang="en-US" altLang="zh-CN" dirty="0"/>
           </a:p>
           <a:p>
             <a:r>
               <a:rPr lang="en-US" altLang="zh-CN" b="1" dirty="0"/>
               <a:t>Traffic</a:t>
-            </a:r>
-            <a:r>
-              <a:rPr lang="zh-CN" altLang="en-US" b="1" dirty="0"/>
-              <a:t> </a:t>
-            </a:r>
-            <a:r>
-              <a:rPr lang="en-US" altLang="zh-CN" b="1" dirty="0"/>
-              <a:t>Rate</a:t>
             </a:r>
             <a:r>
               <a:rPr lang="zh-CN" altLang="en-US" b="1" dirty="0"/>
@@ -5073,9 +5536,6 @@
               <a:rPr lang="en-US" altLang="zh-CN" dirty="0"/>
               <a:t>interaction.</a:t>
             </a:r>
-          </a:p>
-          <a:p>
-            <a:endParaRPr lang="en-US" altLang="zh-CN" dirty="0"/>
           </a:p>
           <a:p>
             <a:endParaRPr lang="en-US" altLang="zh-CN" dirty="0"/>
@@ -6139,7 +6599,9 @@
           </a:xfrm>
         </p:spPr>
         <p:txBody>
-          <a:bodyPr/>
+          <a:bodyPr>
+            <a:normAutofit fontScale="92500" lnSpcReduction="10000"/>
+          </a:bodyPr>
           <a:lstStyle/>
           <a:p>
             <a:r>
@@ -6350,6 +6812,93 @@
             </a:r>
           </a:p>
           <a:p>
+            <a:pPr lvl="1"/>
+            <a:r>
+              <a:rPr lang="en-US" altLang="zh-CN" dirty="0"/>
+              <a:t>We</a:t>
+            </a:r>
+            <a:r>
+              <a:rPr lang="zh-CN" altLang="en-US" dirty="0"/>
+              <a:t> </a:t>
+            </a:r>
+            <a:r>
+              <a:rPr lang="en-US" altLang="zh-CN" dirty="0"/>
+              <a:t>cannot</a:t>
+            </a:r>
+            <a:r>
+              <a:rPr lang="zh-CN" altLang="en-US" dirty="0"/>
+              <a:t> </a:t>
+            </a:r>
+            <a:r>
+              <a:rPr lang="en-US" altLang="zh-CN" dirty="0"/>
+              <a:t>get</a:t>
+            </a:r>
+            <a:r>
+              <a:rPr lang="zh-CN" altLang="en-US" dirty="0"/>
+              <a:t> </a:t>
+            </a:r>
+            <a:r>
+              <a:rPr lang="en-US" altLang="zh-CN" dirty="0"/>
+              <a:t>the</a:t>
+            </a:r>
+            <a:r>
+              <a:rPr lang="zh-CN" altLang="en-US" dirty="0"/>
+              <a:t> </a:t>
+            </a:r>
+            <a:r>
+              <a:rPr lang="en-US" altLang="zh-CN" dirty="0"/>
+              <a:t>response</a:t>
+            </a:r>
+            <a:r>
+              <a:rPr lang="zh-CN" altLang="en-US" dirty="0"/>
+              <a:t> </a:t>
+            </a:r>
+            <a:r>
+              <a:rPr lang="en-US" altLang="zh-CN" dirty="0"/>
+              <a:t>to</a:t>
+            </a:r>
+            <a:r>
+              <a:rPr lang="zh-CN" altLang="en-US" dirty="0"/>
+              <a:t> </a:t>
+            </a:r>
+            <a:r>
+              <a:rPr lang="en-US" altLang="zh-CN" dirty="0"/>
+              <a:t>the</a:t>
+            </a:r>
+            <a:r>
+              <a:rPr lang="zh-CN" altLang="en-US" dirty="0"/>
+              <a:t> </a:t>
+            </a:r>
+            <a:r>
+              <a:rPr lang="en-US" altLang="zh-CN" dirty="0"/>
+              <a:t>Alexa</a:t>
+            </a:r>
+            <a:r>
+              <a:rPr lang="zh-CN" altLang="en-US" dirty="0"/>
+              <a:t> </a:t>
+            </a:r>
+            <a:r>
+              <a:rPr lang="en-US" altLang="zh-CN" dirty="0"/>
+              <a:t>from</a:t>
+            </a:r>
+            <a:r>
+              <a:rPr lang="zh-CN" altLang="en-US" dirty="0"/>
+              <a:t> </a:t>
+            </a:r>
+            <a:r>
+              <a:rPr lang="en-US" altLang="zh-CN" dirty="0"/>
+              <a:t>cloud</a:t>
+            </a:r>
+            <a:r>
+              <a:rPr lang="zh-CN" altLang="en-US" dirty="0"/>
+              <a:t> </a:t>
+            </a:r>
+            <a:r>
+              <a:rPr lang="en-US" altLang="zh-CN" dirty="0"/>
+              <a:t>directly.</a:t>
+            </a:r>
+          </a:p>
+          <a:p>
             <a:r>
               <a:rPr lang="en-US" altLang="zh-CN" dirty="0"/>
               <a:t>Learn</a:t>
@@ -6403,8 +6952,386 @@
               <a:t> </a:t>
             </a:r>
             <a:r>
-              <a:rPr lang="en-US" altLang="zh-CN"/>
+              <a:rPr lang="en-US" altLang="zh-CN" dirty="0"/>
               <a:t>contributions.</a:t>
+            </a:r>
+            <a:endParaRPr lang="en-US" dirty="0"/>
+          </a:p>
+          <a:p>
+            <a:r>
+              <a:rPr lang="en-US" altLang="zh-CN" dirty="0"/>
+              <a:t>Questions:</a:t>
+            </a:r>
+            <a:r>
+              <a:rPr lang="zh-CN" altLang="en-US" dirty="0"/>
+              <a:t> </a:t>
+            </a:r>
+            <a:endParaRPr lang="en-US" altLang="zh-CN" dirty="0"/>
+          </a:p>
+          <a:p>
+            <a:pPr lvl="1"/>
+            <a:r>
+              <a:rPr lang="en-US" altLang="zh-CN" dirty="0"/>
+              <a:t>What</a:t>
+            </a:r>
+            <a:r>
+              <a:rPr lang="zh-CN" altLang="en-US" dirty="0"/>
+              <a:t> </a:t>
+            </a:r>
+            <a:r>
+              <a:rPr lang="en-US" altLang="zh-CN" dirty="0"/>
+              <a:t>is</a:t>
+            </a:r>
+            <a:r>
+              <a:rPr lang="zh-CN" altLang="en-US" dirty="0"/>
+              <a:t> </a:t>
+            </a:r>
+            <a:r>
+              <a:rPr lang="en-US" altLang="zh-CN" dirty="0"/>
+              <a:t>our</a:t>
+            </a:r>
+            <a:r>
+              <a:rPr lang="zh-CN" altLang="en-US" dirty="0"/>
+              <a:t> </a:t>
+            </a:r>
+            <a:r>
+              <a:rPr lang="en-US" altLang="zh-CN" b="1" dirty="0"/>
+              <a:t>motivation</a:t>
+            </a:r>
+            <a:r>
+              <a:rPr lang="en-US" altLang="zh-CN" dirty="0"/>
+              <a:t>?</a:t>
+            </a:r>
+            <a:r>
+              <a:rPr lang="zh-CN" altLang="en-US" dirty="0"/>
+              <a:t> </a:t>
+            </a:r>
+            <a:r>
+              <a:rPr lang="en-US" altLang="zh-CN" dirty="0"/>
+              <a:t>Design a way to gain privacy?</a:t>
+            </a:r>
+          </a:p>
+          <a:p>
+            <a:pPr lvl="1"/>
+            <a:r>
+              <a:rPr lang="en-US" dirty="0"/>
+              <a:t>What is the </a:t>
+            </a:r>
+            <a:r>
+              <a:rPr lang="en-US" b="1" dirty="0"/>
+              <a:t>application scenario</a:t>
+            </a:r>
+            <a:r>
+              <a:rPr lang="en-US" dirty="0"/>
+              <a:t>?</a:t>
+            </a:r>
+            <a:r>
+              <a:rPr lang="zh-CN" altLang="en-US" dirty="0"/>
+              <a:t> </a:t>
+            </a:r>
+            <a:r>
+              <a:rPr lang="en-US" altLang="zh-CN" dirty="0"/>
+              <a:t>Attack</a:t>
+            </a:r>
+            <a:r>
+              <a:rPr lang="zh-CN" altLang="en-US" dirty="0"/>
+              <a:t> </a:t>
+            </a:r>
+            <a:r>
+              <a:rPr lang="en-US" altLang="zh-CN" dirty="0"/>
+              <a:t>and</a:t>
+            </a:r>
+            <a:r>
+              <a:rPr lang="zh-CN" altLang="en-US" dirty="0"/>
+              <a:t> </a:t>
+            </a:r>
+            <a:r>
+              <a:rPr lang="en-US" altLang="zh-CN" dirty="0"/>
+              <a:t>capture</a:t>
+            </a:r>
+            <a:r>
+              <a:rPr lang="zh-CN" altLang="en-US" dirty="0"/>
+              <a:t> </a:t>
+            </a:r>
+            <a:r>
+              <a:rPr lang="en-US" altLang="zh-CN" dirty="0"/>
+              <a:t>the</a:t>
+            </a:r>
+            <a:r>
+              <a:rPr lang="zh-CN" altLang="en-US" dirty="0"/>
+              <a:t> </a:t>
+            </a:r>
+            <a:r>
+              <a:rPr lang="en-US" altLang="zh-CN" dirty="0"/>
+              <a:t>traffic</a:t>
+            </a:r>
+            <a:r>
+              <a:rPr lang="zh-CN" altLang="en-US" dirty="0"/>
+              <a:t> </a:t>
+            </a:r>
+            <a:r>
+              <a:rPr lang="en-US" altLang="zh-CN" dirty="0"/>
+              <a:t>data</a:t>
+            </a:r>
+            <a:r>
+              <a:rPr lang="zh-CN" altLang="en-US" dirty="0"/>
+              <a:t> </a:t>
+            </a:r>
+            <a:r>
+              <a:rPr lang="en-US" altLang="zh-CN" dirty="0"/>
+              <a:t>so</a:t>
+            </a:r>
+            <a:r>
+              <a:rPr lang="zh-CN" altLang="en-US" dirty="0"/>
+              <a:t> </a:t>
+            </a:r>
+            <a:r>
+              <a:rPr lang="en-US" altLang="zh-CN" dirty="0"/>
+              <a:t>that</a:t>
+            </a:r>
+            <a:r>
+              <a:rPr lang="zh-CN" altLang="en-US" dirty="0"/>
+              <a:t> </a:t>
+            </a:r>
+            <a:r>
+              <a:rPr lang="en-US" altLang="zh-CN" dirty="0"/>
+              <a:t>the</a:t>
+            </a:r>
+            <a:r>
+              <a:rPr lang="zh-CN" altLang="en-US" dirty="0"/>
+              <a:t> </a:t>
+            </a:r>
+            <a:r>
+              <a:rPr lang="en-US" altLang="zh-CN" dirty="0"/>
+              <a:t>model</a:t>
+            </a:r>
+            <a:r>
+              <a:rPr lang="zh-CN" altLang="en-US" dirty="0"/>
+              <a:t> </a:t>
+            </a:r>
+            <a:r>
+              <a:rPr lang="en-US" altLang="zh-CN" dirty="0"/>
+              <a:t>can</a:t>
+            </a:r>
+            <a:r>
+              <a:rPr lang="zh-CN" altLang="en-US" dirty="0"/>
+              <a:t> </a:t>
+            </a:r>
+            <a:r>
+              <a:rPr lang="en-US" altLang="zh-CN" dirty="0"/>
+              <a:t>get</a:t>
+            </a:r>
+            <a:r>
+              <a:rPr lang="zh-CN" altLang="en-US" dirty="0"/>
+              <a:t> </a:t>
+            </a:r>
+            <a:r>
+              <a:rPr lang="en-US" altLang="zh-CN" dirty="0"/>
+              <a:t>what</a:t>
+            </a:r>
+            <a:r>
+              <a:rPr lang="zh-CN" altLang="en-US" dirty="0"/>
+              <a:t> </a:t>
+            </a:r>
+            <a:r>
+              <a:rPr lang="en-US" altLang="zh-CN" dirty="0"/>
+              <a:t>people</a:t>
+            </a:r>
+            <a:r>
+              <a:rPr lang="zh-CN" altLang="en-US" dirty="0"/>
+              <a:t> </a:t>
+            </a:r>
+            <a:r>
+              <a:rPr lang="en-US" altLang="zh-CN" dirty="0"/>
+              <a:t>said.</a:t>
+            </a:r>
+            <a:r>
+              <a:rPr lang="zh-CN" altLang="en-US" dirty="0"/>
+              <a:t> </a:t>
+            </a:r>
+            <a:endParaRPr lang="en-US" altLang="zh-CN" dirty="0"/>
+          </a:p>
+          <a:p>
+            <a:pPr lvl="1"/>
+            <a:r>
+              <a:rPr lang="en-US" altLang="zh-CN" dirty="0"/>
+              <a:t>Are</a:t>
+            </a:r>
+            <a:r>
+              <a:rPr lang="zh-CN" altLang="en-US" dirty="0"/>
+              <a:t> </a:t>
+            </a:r>
+            <a:r>
+              <a:rPr lang="en-US" altLang="zh-CN" dirty="0"/>
+              <a:t>Alexa’s</a:t>
+            </a:r>
+            <a:r>
+              <a:rPr lang="zh-CN" altLang="en-US" dirty="0"/>
+              <a:t> </a:t>
+            </a:r>
+            <a:r>
+              <a:rPr lang="en-US" altLang="zh-CN" dirty="0"/>
+              <a:t>responses</a:t>
+            </a:r>
+            <a:r>
+              <a:rPr lang="zh-CN" altLang="en-US" dirty="0"/>
+              <a:t> </a:t>
+            </a:r>
+            <a:r>
+              <a:rPr lang="en-US" altLang="zh-CN" dirty="0"/>
+              <a:t>important?</a:t>
+            </a:r>
+            <a:r>
+              <a:rPr lang="zh-CN" altLang="en-US" dirty="0"/>
+              <a:t> </a:t>
+            </a:r>
+            <a:r>
+              <a:rPr lang="en-US" altLang="zh-CN" dirty="0"/>
+              <a:t>I</a:t>
+            </a:r>
+            <a:r>
+              <a:rPr lang="zh-CN" altLang="en-US" dirty="0"/>
+              <a:t> </a:t>
+            </a:r>
+            <a:r>
+              <a:rPr lang="en-US" altLang="zh-CN" dirty="0"/>
+              <a:t>think</a:t>
+            </a:r>
+            <a:r>
+              <a:rPr lang="zh-CN" altLang="en-US" dirty="0"/>
+              <a:t> </a:t>
+            </a:r>
+            <a:r>
+              <a:rPr lang="en-US" altLang="zh-CN" dirty="0"/>
+              <a:t>attacker</a:t>
+            </a:r>
+            <a:r>
+              <a:rPr lang="zh-CN" altLang="en-US" dirty="0"/>
+              <a:t> </a:t>
+            </a:r>
+            <a:r>
+              <a:rPr lang="en-US" altLang="zh-CN" dirty="0"/>
+              <a:t>can</a:t>
+            </a:r>
+            <a:r>
+              <a:rPr lang="zh-CN" altLang="en-US" dirty="0"/>
+              <a:t> </a:t>
+            </a:r>
+            <a:r>
+              <a:rPr lang="en-US" altLang="zh-CN" dirty="0"/>
+              <a:t>get</a:t>
+            </a:r>
+            <a:r>
+              <a:rPr lang="zh-CN" altLang="en-US" dirty="0"/>
+              <a:t> </a:t>
+            </a:r>
+            <a:r>
+              <a:rPr lang="en-US" altLang="zh-CN" dirty="0"/>
+              <a:t>info</a:t>
+            </a:r>
+            <a:r>
+              <a:rPr lang="zh-CN" altLang="en-US" dirty="0"/>
+              <a:t> </a:t>
+            </a:r>
+            <a:r>
+              <a:rPr lang="en-US" altLang="zh-CN" dirty="0"/>
+              <a:t>from</a:t>
+            </a:r>
+            <a:r>
+              <a:rPr lang="zh-CN" altLang="en-US" dirty="0"/>
+              <a:t> </a:t>
+            </a:r>
+            <a:r>
+              <a:rPr lang="en-US" altLang="zh-CN" dirty="0"/>
+              <a:t>them.</a:t>
+            </a:r>
+            <a:r>
+              <a:rPr lang="zh-CN" altLang="en-US" dirty="0"/>
+              <a:t>  </a:t>
+            </a:r>
+            <a:r>
+              <a:rPr lang="en-US" altLang="zh-CN" dirty="0"/>
+              <a:t>Maybe</a:t>
+            </a:r>
+            <a:r>
+              <a:rPr lang="zh-CN" altLang="en-US" dirty="0"/>
+              <a:t> </a:t>
+            </a:r>
+            <a:r>
+              <a:rPr lang="en-US" altLang="zh-CN" dirty="0"/>
+              <a:t>in</a:t>
+            </a:r>
+            <a:r>
+              <a:rPr lang="zh-CN" altLang="en-US" dirty="0"/>
+              <a:t> </a:t>
+            </a:r>
+            <a:r>
+              <a:rPr lang="en-US" altLang="zh-CN" dirty="0"/>
+              <a:t>the</a:t>
+            </a:r>
+            <a:r>
+              <a:rPr lang="zh-CN" altLang="en-US" dirty="0"/>
+              <a:t> </a:t>
+            </a:r>
+            <a:r>
+              <a:rPr lang="en-US" altLang="zh-CN" dirty="0"/>
+              <a:t>first</a:t>
+            </a:r>
+            <a:r>
+              <a:rPr lang="zh-CN" altLang="en-US" dirty="0"/>
+              <a:t> </a:t>
+            </a:r>
+            <a:r>
+              <a:rPr lang="en-US" altLang="zh-CN" dirty="0"/>
+              <a:t>step</a:t>
+            </a:r>
+            <a:r>
+              <a:rPr lang="zh-CN" altLang="en-US" dirty="0"/>
+              <a:t> </a:t>
+            </a:r>
+            <a:r>
+              <a:rPr lang="en-US" altLang="zh-CN" dirty="0"/>
+              <a:t>we</a:t>
+            </a:r>
+            <a:r>
+              <a:rPr lang="zh-CN" altLang="en-US" dirty="0"/>
+              <a:t> </a:t>
+            </a:r>
+            <a:r>
+              <a:rPr lang="en-US" altLang="zh-CN" dirty="0"/>
+              <a:t>can</a:t>
+            </a:r>
+            <a:r>
+              <a:rPr lang="zh-CN" altLang="en-US" dirty="0"/>
+              <a:t> </a:t>
+            </a:r>
+            <a:r>
+              <a:rPr lang="en-US" altLang="zh-CN" dirty="0"/>
+              <a:t>ignore</a:t>
+            </a:r>
+            <a:r>
+              <a:rPr lang="zh-CN" altLang="en-US" dirty="0"/>
+              <a:t> </a:t>
+            </a:r>
+            <a:r>
+              <a:rPr lang="en-US" altLang="zh-CN" dirty="0"/>
+              <a:t>the</a:t>
+            </a:r>
+            <a:r>
+              <a:rPr lang="zh-CN" altLang="en-US" dirty="0"/>
+              <a:t> </a:t>
+            </a:r>
+            <a:r>
+              <a:rPr lang="en-US" altLang="zh-CN" dirty="0"/>
+              <a:t>Alexa’s</a:t>
+            </a:r>
+            <a:r>
+              <a:rPr lang="zh-CN" altLang="en-US" dirty="0"/>
+              <a:t> </a:t>
+            </a:r>
+            <a:r>
+              <a:rPr lang="en-US" altLang="zh-CN" dirty="0"/>
+              <a:t>response.</a:t>
             </a:r>
             <a:endParaRPr lang="en-US" dirty="0"/>
           </a:p>
@@ -6445,6 +7372,297 @@
           <p:cNvPr id="2" name="Title 1">
             <a:extLst>
               <a:ext uri="{FF2B5EF4-FFF2-40B4-BE49-F238E27FC236}">
+                <a16:creationId xmlns:a16="http://schemas.microsoft.com/office/drawing/2014/main" id="{451732F0-1266-0A90-119F-2DFE63C8104B}"/>
+              </a:ext>
+            </a:extLst>
+          </p:cNvPr>
+          <p:cNvSpPr>
+            <a:spLocks noGrp="1"/>
+          </p:cNvSpPr>
+          <p:nvPr>
+            <p:ph type="title"/>
+          </p:nvPr>
+        </p:nvSpPr>
+        <p:spPr/>
+        <p:txBody>
+          <a:bodyPr/>
+          <a:lstStyle/>
+          <a:p>
+            <a:r>
+              <a:rPr lang="en-US" altLang="zh-CN" dirty="0"/>
+              <a:t>Sync</a:t>
+            </a:r>
+            <a:r>
+              <a:rPr lang="zh-CN" altLang="en-US" dirty="0"/>
+              <a:t> </a:t>
+            </a:r>
+            <a:r>
+              <a:rPr lang="en-US" altLang="zh-CN" dirty="0"/>
+              <a:t>Text</a:t>
+            </a:r>
+            <a:r>
+              <a:rPr lang="zh-CN" altLang="en-US" dirty="0"/>
+              <a:t> </a:t>
+            </a:r>
+            <a:r>
+              <a:rPr lang="en-US" altLang="zh-CN" dirty="0"/>
+              <a:t>Data</a:t>
+            </a:r>
+            <a:r>
+              <a:rPr lang="zh-CN" altLang="en-US" dirty="0"/>
+              <a:t> </a:t>
+            </a:r>
+            <a:r>
+              <a:rPr lang="en-US" altLang="zh-CN" dirty="0"/>
+              <a:t>with</a:t>
+            </a:r>
+            <a:r>
+              <a:rPr lang="zh-CN" altLang="en-US" dirty="0"/>
+              <a:t> </a:t>
+            </a:r>
+            <a:r>
+              <a:rPr lang="en-US" altLang="zh-CN" dirty="0"/>
+              <a:t>Traffic</a:t>
+            </a:r>
+            <a:r>
+              <a:rPr lang="zh-CN" altLang="en-US" dirty="0"/>
+              <a:t> </a:t>
+            </a:r>
+            <a:r>
+              <a:rPr lang="en-US" altLang="zh-CN" dirty="0"/>
+              <a:t>Data</a:t>
+            </a:r>
+            <a:endParaRPr lang="en-US" dirty="0"/>
+          </a:p>
+        </p:txBody>
+      </p:sp>
+      <p:sp>
+        <p:nvSpPr>
+          <p:cNvPr id="3" name="Content Placeholder 2">
+            <a:extLst>
+              <a:ext uri="{FF2B5EF4-FFF2-40B4-BE49-F238E27FC236}">
+                <a16:creationId xmlns:a16="http://schemas.microsoft.com/office/drawing/2014/main" id="{28B5E555-1957-0187-4018-49AC1EE792D5}"/>
+              </a:ext>
+            </a:extLst>
+          </p:cNvPr>
+          <p:cNvSpPr>
+            <a:spLocks noGrp="1"/>
+          </p:cNvSpPr>
+          <p:nvPr>
+            <p:ph idx="1"/>
+          </p:nvPr>
+        </p:nvSpPr>
+        <p:spPr/>
+        <p:txBody>
+          <a:bodyPr/>
+          <a:lstStyle/>
+          <a:p>
+            <a:r>
+              <a:rPr lang="en-US" altLang="zh-CN" b="1" dirty="0"/>
+              <a:t>Capture</a:t>
+            </a:r>
+            <a:r>
+              <a:rPr lang="zh-CN" altLang="en-US" b="1" dirty="0"/>
+              <a:t> </a:t>
+            </a:r>
+            <a:r>
+              <a:rPr lang="en-US" altLang="zh-CN" b="1" dirty="0"/>
+              <a:t>D</a:t>
+            </a:r>
+            <a:r>
+              <a:rPr lang="en-US" b="1" dirty="0"/>
+              <a:t>uration</a:t>
+            </a:r>
+            <a:r>
+              <a:rPr lang="en-US" altLang="zh-CN" b="1" dirty="0"/>
+              <a:t>:</a:t>
+            </a:r>
+            <a:r>
+              <a:rPr lang="zh-CN" altLang="en-US" b="1" dirty="0"/>
+              <a:t> </a:t>
+            </a:r>
+            <a:endParaRPr lang="en-US" altLang="zh-CN" b="1" dirty="0"/>
+          </a:p>
+          <a:p>
+            <a:pPr lvl="1"/>
+            <a:r>
+              <a:rPr lang="en-US" altLang="zh-CN" dirty="0"/>
+              <a:t>All</a:t>
+            </a:r>
+            <a:r>
+              <a:rPr lang="zh-CN" altLang="en-US" dirty="0"/>
+              <a:t> </a:t>
+            </a:r>
+            <a:r>
+              <a:rPr lang="en-US" altLang="zh-CN" dirty="0"/>
+              <a:t>captures</a:t>
+            </a:r>
+            <a:r>
+              <a:rPr lang="zh-CN" altLang="en-US" dirty="0"/>
+              <a:t> </a:t>
+            </a:r>
+            <a:r>
+              <a:rPr lang="en-US" altLang="zh-CN" dirty="0"/>
+              <a:t>should</a:t>
+            </a:r>
+            <a:r>
+              <a:rPr lang="zh-CN" altLang="en-US" dirty="0"/>
+              <a:t> </a:t>
+            </a:r>
+            <a:r>
+              <a:rPr lang="en-US" altLang="zh-CN" dirty="0"/>
+              <a:t>have</a:t>
+            </a:r>
+            <a:r>
+              <a:rPr lang="zh-CN" altLang="en-US" dirty="0"/>
+              <a:t> </a:t>
+            </a:r>
+            <a:r>
+              <a:rPr lang="en-US" altLang="zh-CN" dirty="0"/>
+              <a:t>the</a:t>
+            </a:r>
+            <a:r>
+              <a:rPr lang="zh-CN" altLang="en-US" dirty="0"/>
+              <a:t> </a:t>
+            </a:r>
+            <a:r>
+              <a:rPr lang="en-US" altLang="zh-CN" dirty="0"/>
+              <a:t>same</a:t>
+            </a:r>
+            <a:r>
+              <a:rPr lang="zh-CN" altLang="en-US" dirty="0"/>
+              <a:t> </a:t>
+            </a:r>
+            <a:r>
+              <a:rPr lang="en-US" altLang="zh-CN" dirty="0"/>
+              <a:t>duration</a:t>
+            </a:r>
+            <a:r>
+              <a:rPr lang="zh-CN" altLang="en-US" dirty="0"/>
+              <a:t> </a:t>
+            </a:r>
+            <a:r>
+              <a:rPr lang="en-US" altLang="zh-CN" dirty="0"/>
+              <a:t>time.</a:t>
+            </a:r>
+            <a:r>
+              <a:rPr lang="zh-CN" altLang="en-US" dirty="0"/>
+              <a:t> </a:t>
+            </a:r>
+            <a:endParaRPr lang="en-US" altLang="zh-CN" dirty="0"/>
+          </a:p>
+          <a:p>
+            <a:pPr lvl="1"/>
+            <a:r>
+              <a:rPr lang="en-US" altLang="zh-CN" dirty="0"/>
+              <a:t>Start</a:t>
+            </a:r>
+            <a:r>
+              <a:rPr lang="zh-CN" altLang="en-US" dirty="0"/>
+              <a:t> </a:t>
+            </a:r>
+            <a:r>
+              <a:rPr lang="en-US" altLang="zh-CN" dirty="0"/>
+              <a:t>from</a:t>
+            </a:r>
+            <a:r>
+              <a:rPr lang="zh-CN" altLang="en-US" dirty="0"/>
+              <a:t> </a:t>
+            </a:r>
+            <a:r>
+              <a:rPr lang="en-US" altLang="zh-CN" dirty="0"/>
+              <a:t>playing</a:t>
+            </a:r>
+            <a:r>
+              <a:rPr lang="zh-CN" altLang="en-US" dirty="0"/>
+              <a:t> </a:t>
+            </a:r>
+            <a:r>
+              <a:rPr lang="en-US" altLang="zh-CN" dirty="0"/>
+              <a:t>audio</a:t>
+            </a:r>
+            <a:r>
+              <a:rPr lang="zh-CN" altLang="en-US" dirty="0"/>
+              <a:t> </a:t>
+            </a:r>
+            <a:r>
+              <a:rPr lang="en-US" altLang="zh-CN" dirty="0"/>
+              <a:t>and</a:t>
+            </a:r>
+            <a:r>
+              <a:rPr lang="zh-CN" altLang="en-US" dirty="0"/>
+              <a:t> </a:t>
+            </a:r>
+            <a:r>
+              <a:rPr lang="en-US" altLang="zh-CN" i="1" dirty="0"/>
+              <a:t>sleep(12)</a:t>
+            </a:r>
+            <a:r>
+              <a:rPr lang="en-US" altLang="zh-CN" dirty="0"/>
+              <a:t>.</a:t>
+            </a:r>
+            <a:r>
+              <a:rPr lang="zh-CN" altLang="en-US" dirty="0"/>
+              <a:t> </a:t>
+            </a:r>
+            <a:r>
+              <a:rPr lang="en-US" altLang="zh-CN" dirty="0"/>
+              <a:t>And</a:t>
+            </a:r>
+            <a:r>
+              <a:rPr lang="zh-CN" altLang="en-US" dirty="0"/>
+              <a:t> </a:t>
+            </a:r>
+            <a:r>
+              <a:rPr lang="en-US" altLang="zh-CN" dirty="0"/>
+              <a:t>Stop.</a:t>
+            </a:r>
+          </a:p>
+          <a:p>
+            <a:pPr lvl="1"/>
+            <a:r>
+              <a:rPr lang="zh-CN" altLang="en-US" dirty="0"/>
+              <a:t> </a:t>
+            </a:r>
+            <a:endParaRPr lang="en-US" dirty="0"/>
+          </a:p>
+        </p:txBody>
+      </p:sp>
+    </p:spTree>
+    <p:extLst>
+      <p:ext uri="{BB962C8B-B14F-4D97-AF65-F5344CB8AC3E}">
+        <p14:creationId xmlns:p14="http://schemas.microsoft.com/office/powerpoint/2010/main" val="1067467680"/>
+      </p:ext>
+    </p:extLst>
+  </p:cSld>
+  <p:clrMapOvr>
+    <a:masterClrMapping/>
+  </p:clrMapOvr>
+</p:sld>
+</file>
+
+<file path=ppt/slides/slide16.xml><?xml version="1.0" encoding="utf-8"?>
+<p:sld xmlns:a="http://schemas.openxmlformats.org/drawingml/2006/main" xmlns:r="http://schemas.openxmlformats.org/officeDocument/2006/relationships" xmlns:p="http://schemas.openxmlformats.org/presentationml/2006/main">
+  <p:cSld>
+    <p:spTree>
+      <p:nvGrpSpPr>
+        <p:cNvPr id="1" name=""/>
+        <p:cNvGrpSpPr/>
+        <p:nvPr/>
+      </p:nvGrpSpPr>
+      <p:grpSpPr>
+        <a:xfrm>
+          <a:off x="0" y="0"/>
+          <a:ext cx="0" cy="0"/>
+          <a:chOff x="0" y="0"/>
+          <a:chExt cx="0" cy="0"/>
+        </a:xfrm>
+      </p:grpSpPr>
+      <p:sp>
+        <p:nvSpPr>
+          <p:cNvPr id="2" name="Title 1">
+            <a:extLst>
+              <a:ext uri="{FF2B5EF4-FFF2-40B4-BE49-F238E27FC236}">
                 <a16:creationId xmlns:a16="http://schemas.microsoft.com/office/drawing/2014/main" id="{D19F8B15-257F-2D5E-0042-505119DDF159}"/>
               </a:ext>
             </a:extLst>
@@ -6461,7 +7679,11 @@
           <a:bodyPr/>
           <a:lstStyle/>
           <a:p>
-            <a:endParaRPr lang="en-US"/>
+            <a:r>
+              <a:rPr lang="en-US" altLang="zh-CN" dirty="0"/>
+              <a:t>Apply Multiple Different TTS Models</a:t>
+            </a:r>
+            <a:endParaRPr lang="en-US" dirty="0"/>
           </a:p>
         </p:txBody>
       </p:sp>
@@ -6486,7 +7708,238 @@
           <a:bodyPr/>
           <a:lstStyle/>
           <a:p>
-            <a:endParaRPr lang="en-US"/>
+            <a:r>
+              <a:rPr lang="en-US" altLang="zh-CN" dirty="0"/>
+              <a:t>One</a:t>
+            </a:r>
+            <a:r>
+              <a:rPr lang="zh-CN" altLang="en-US" dirty="0"/>
+              <a:t> </a:t>
+            </a:r>
+            <a:r>
+              <a:rPr lang="en-US" altLang="zh-CN" dirty="0"/>
+              <a:t>TTS</a:t>
+            </a:r>
+            <a:r>
+              <a:rPr lang="zh-CN" altLang="en-US" dirty="0"/>
+              <a:t> </a:t>
+            </a:r>
+            <a:r>
+              <a:rPr lang="en-US" altLang="zh-CN" dirty="0"/>
+              <a:t>model</a:t>
+            </a:r>
+            <a:r>
+              <a:rPr lang="zh-CN" altLang="en-US" dirty="0"/>
+              <a:t> </a:t>
+            </a:r>
+            <a:r>
+              <a:rPr lang="en-US" altLang="zh-CN" dirty="0"/>
+              <a:t>says</a:t>
+            </a:r>
+            <a:r>
+              <a:rPr lang="zh-CN" altLang="en-US" dirty="0"/>
+              <a:t> </a:t>
+            </a:r>
+            <a:r>
+              <a:rPr lang="en-US" altLang="zh-CN" dirty="0"/>
+              <a:t>10</a:t>
+            </a:r>
+            <a:r>
+              <a:rPr lang="zh-CN" altLang="en-US" dirty="0"/>
+              <a:t> </a:t>
+            </a:r>
+            <a:r>
+              <a:rPr lang="en-US" altLang="zh-CN" dirty="0"/>
+              <a:t>more</a:t>
+            </a:r>
+            <a:r>
+              <a:rPr lang="zh-CN" altLang="en-US" dirty="0"/>
+              <a:t> </a:t>
+            </a:r>
+            <a:r>
+              <a:rPr lang="en-US" altLang="zh-CN" dirty="0"/>
+              <a:t>times</a:t>
+            </a:r>
+            <a:r>
+              <a:rPr lang="zh-CN" altLang="en-US" dirty="0"/>
+              <a:t> </a:t>
+            </a:r>
+            <a:r>
+              <a:rPr lang="en-US" altLang="zh-CN" dirty="0"/>
+              <a:t>for</a:t>
+            </a:r>
+            <a:r>
+              <a:rPr lang="zh-CN" altLang="en-US" dirty="0"/>
+              <a:t> </a:t>
+            </a:r>
+            <a:r>
+              <a:rPr lang="en-US" altLang="zh-CN" dirty="0"/>
+              <a:t>one</a:t>
+            </a:r>
+            <a:r>
+              <a:rPr lang="zh-CN" altLang="en-US" dirty="0"/>
+              <a:t> </a:t>
+            </a:r>
+            <a:r>
+              <a:rPr lang="en-US" altLang="zh-CN" dirty="0"/>
+              <a:t>thing</a:t>
+            </a:r>
+            <a:r>
+              <a:rPr lang="zh-CN" altLang="en-US" dirty="0"/>
+              <a:t> </a:t>
+            </a:r>
+            <a:r>
+              <a:rPr lang="en-US" altLang="zh-CN" dirty="0"/>
+              <a:t>like</a:t>
+            </a:r>
+            <a:r>
+              <a:rPr lang="zh-CN" altLang="en-US" dirty="0"/>
+              <a:t> </a:t>
+            </a:r>
+            <a:r>
+              <a:rPr lang="en-US" altLang="zh-CN" dirty="0"/>
+              <a:t>“01234”,</a:t>
+            </a:r>
+            <a:r>
+              <a:rPr lang="zh-CN" altLang="en-US" dirty="0"/>
+              <a:t> </a:t>
+            </a:r>
+            <a:r>
+              <a:rPr lang="en-US" altLang="zh-CN" dirty="0"/>
+              <a:t>“Alexa”.</a:t>
+            </a:r>
+          </a:p>
+          <a:p>
+            <a:r>
+              <a:rPr lang="en-US" altLang="zh-CN" dirty="0"/>
+              <a:t>Maybe</a:t>
+            </a:r>
+            <a:r>
+              <a:rPr lang="zh-CN" altLang="en-US" dirty="0"/>
+              <a:t> </a:t>
+            </a:r>
+            <a:r>
+              <a:rPr lang="en-US" altLang="zh-CN" dirty="0"/>
+              <a:t>I</a:t>
+            </a:r>
+            <a:r>
+              <a:rPr lang="zh-CN" altLang="en-US" dirty="0"/>
+              <a:t> </a:t>
+            </a:r>
+            <a:r>
+              <a:rPr lang="en-US" altLang="zh-CN" dirty="0"/>
+              <a:t>can</a:t>
+            </a:r>
+            <a:r>
+              <a:rPr lang="zh-CN" altLang="en-US" dirty="0"/>
+              <a:t> </a:t>
+            </a:r>
+            <a:r>
+              <a:rPr lang="en-US" altLang="zh-CN" dirty="0"/>
+              <a:t>apply</a:t>
+            </a:r>
+            <a:r>
+              <a:rPr lang="zh-CN" altLang="en-US" dirty="0"/>
+              <a:t> </a:t>
+            </a:r>
+            <a:r>
+              <a:rPr lang="en-US" altLang="zh-CN" dirty="0"/>
+              <a:t>multiple</a:t>
+            </a:r>
+            <a:r>
+              <a:rPr lang="zh-CN" altLang="en-US" dirty="0"/>
+              <a:t> </a:t>
+            </a:r>
+            <a:r>
+              <a:rPr lang="en-US" altLang="zh-CN" dirty="0"/>
+              <a:t>models</a:t>
+            </a:r>
+            <a:r>
+              <a:rPr lang="zh-CN" altLang="en-US" dirty="0"/>
+              <a:t> </a:t>
+            </a:r>
+            <a:r>
+              <a:rPr lang="en-US" altLang="zh-CN" dirty="0"/>
+              <a:t>to</a:t>
+            </a:r>
+            <a:r>
+              <a:rPr lang="zh-CN" altLang="en-US" dirty="0"/>
+              <a:t> </a:t>
+            </a:r>
+            <a:r>
+              <a:rPr lang="en-US" altLang="zh-CN" dirty="0"/>
+              <a:t>generate</a:t>
+            </a:r>
+            <a:r>
+              <a:rPr lang="zh-CN" altLang="en-US" dirty="0"/>
+              <a:t> </a:t>
+            </a:r>
+            <a:r>
+              <a:rPr lang="en-US" altLang="zh-CN" dirty="0"/>
+              <a:t>”0”</a:t>
+            </a:r>
+            <a:r>
+              <a:rPr lang="zh-CN" altLang="en-US" dirty="0"/>
+              <a:t> </a:t>
+            </a:r>
+            <a:r>
+              <a:rPr lang="en-US" altLang="zh-CN" dirty="0"/>
+              <a:t>audio</a:t>
+            </a:r>
+            <a:r>
+              <a:rPr lang="zh-CN" altLang="en-US" dirty="0"/>
+              <a:t> </a:t>
+            </a:r>
+            <a:r>
+              <a:rPr lang="en-US" altLang="zh-CN" dirty="0"/>
+              <a:t>files</a:t>
+            </a:r>
+            <a:r>
+              <a:rPr lang="zh-CN" altLang="en-US" dirty="0"/>
+              <a:t> </a:t>
+            </a:r>
+            <a:r>
+              <a:rPr lang="en-US" altLang="zh-CN" dirty="0"/>
+              <a:t>repeatedly.</a:t>
+            </a:r>
+          </a:p>
+          <a:p>
+            <a:endParaRPr lang="en-US" dirty="0"/>
+          </a:p>
+          <a:p>
+            <a:r>
+              <a:rPr lang="en-US" altLang="zh-CN" dirty="0"/>
+              <a:t>Questions:</a:t>
+            </a:r>
+            <a:r>
+              <a:rPr lang="zh-CN" altLang="en-US" dirty="0"/>
+              <a:t> </a:t>
+            </a:r>
+            <a:endParaRPr lang="en-US" altLang="zh-CN" dirty="0"/>
+          </a:p>
+          <a:p>
+            <a:pPr lvl="1"/>
+            <a:r>
+              <a:rPr lang="en-US" altLang="zh-CN" dirty="0"/>
+              <a:t>Machine</a:t>
+            </a:r>
+            <a:r>
+              <a:rPr lang="zh-CN" altLang="en-US" dirty="0"/>
+              <a:t> </a:t>
+            </a:r>
+            <a:r>
+              <a:rPr lang="en-US" altLang="zh-CN" dirty="0"/>
+              <a:t>learning</a:t>
+            </a:r>
+            <a:r>
+              <a:rPr lang="zh-CN" altLang="en-US" dirty="0"/>
+              <a:t> </a:t>
+            </a:r>
+            <a:r>
+              <a:rPr lang="en-US" altLang="zh-CN" dirty="0"/>
+              <a:t>advice?</a:t>
+            </a:r>
+            <a:endParaRPr lang="en-US" dirty="0"/>
           </a:p>
         </p:txBody>
       </p:sp>
@@ -6494,6 +7947,86 @@
     <p:extLst>
       <p:ext uri="{BB962C8B-B14F-4D97-AF65-F5344CB8AC3E}">
         <p14:creationId xmlns:p14="http://schemas.microsoft.com/office/powerpoint/2010/main" val="1688135620"/>
+      </p:ext>
+    </p:extLst>
+  </p:cSld>
+  <p:clrMapOvr>
+    <a:masterClrMapping/>
+  </p:clrMapOvr>
+</p:sld>
+</file>
+
+<file path=ppt/slides/slide17.xml><?xml version="1.0" encoding="utf-8"?>
+<p:sld xmlns:a="http://schemas.openxmlformats.org/drawingml/2006/main" xmlns:r="http://schemas.openxmlformats.org/officeDocument/2006/relationships" xmlns:p="http://schemas.openxmlformats.org/presentationml/2006/main">
+  <p:cSld>
+    <p:spTree>
+      <p:nvGrpSpPr>
+        <p:cNvPr id="1" name=""/>
+        <p:cNvGrpSpPr/>
+        <p:nvPr/>
+      </p:nvGrpSpPr>
+      <p:grpSpPr>
+        <a:xfrm>
+          <a:off x="0" y="0"/>
+          <a:ext cx="0" cy="0"/>
+          <a:chOff x="0" y="0"/>
+          <a:chExt cx="0" cy="0"/>
+        </a:xfrm>
+      </p:grpSpPr>
+      <p:sp>
+        <p:nvSpPr>
+          <p:cNvPr id="2" name="Title 1">
+            <a:extLst>
+              <a:ext uri="{FF2B5EF4-FFF2-40B4-BE49-F238E27FC236}">
+                <a16:creationId xmlns:a16="http://schemas.microsoft.com/office/drawing/2014/main" id="{EB73BD78-6D5A-C738-A5E0-B3E948FC607F}"/>
+              </a:ext>
+            </a:extLst>
+          </p:cNvPr>
+          <p:cNvSpPr>
+            <a:spLocks noGrp="1"/>
+          </p:cNvSpPr>
+          <p:nvPr>
+            <p:ph type="title"/>
+          </p:nvPr>
+        </p:nvSpPr>
+        <p:spPr/>
+        <p:txBody>
+          <a:bodyPr/>
+          <a:lstStyle/>
+          <a:p>
+            <a:endParaRPr lang="en-US"/>
+          </a:p>
+        </p:txBody>
+      </p:sp>
+      <p:sp>
+        <p:nvSpPr>
+          <p:cNvPr id="3" name="Content Placeholder 2">
+            <a:extLst>
+              <a:ext uri="{FF2B5EF4-FFF2-40B4-BE49-F238E27FC236}">
+                <a16:creationId xmlns:a16="http://schemas.microsoft.com/office/drawing/2014/main" id="{ABABD4DC-A5AD-F84A-D35A-445119DD8D5A}"/>
+              </a:ext>
+            </a:extLst>
+          </p:cNvPr>
+          <p:cNvSpPr>
+            <a:spLocks noGrp="1"/>
+          </p:cNvSpPr>
+          <p:nvPr>
+            <p:ph idx="1"/>
+          </p:nvPr>
+        </p:nvSpPr>
+        <p:spPr/>
+        <p:txBody>
+          <a:bodyPr/>
+          <a:lstStyle/>
+          <a:p>
+            <a:endParaRPr lang="en-US" dirty="0"/>
+          </a:p>
+        </p:txBody>
+      </p:sp>
+    </p:spTree>
+    <p:extLst>
+      <p:ext uri="{BB962C8B-B14F-4D97-AF65-F5344CB8AC3E}">
+        <p14:creationId xmlns:p14="http://schemas.microsoft.com/office/powerpoint/2010/main" val="1465872622"/>
       </p:ext>
     </p:extLst>
   </p:cSld>
@@ -8657,10 +10190,56 @@
             </a:r>
           </a:p>
           <a:p>
-            <a:endParaRPr lang="en-US" altLang="zh-CN" dirty="0"/>
-          </a:p>
-          <a:p>
-            <a:endParaRPr lang="en-US" altLang="zh-CN" dirty="0"/>
+            <a:r>
+              <a:rPr lang="en-US" altLang="zh-CN" dirty="0"/>
+              <a:t>Sync</a:t>
+            </a:r>
+            <a:r>
+              <a:rPr lang="zh-CN" altLang="en-US" dirty="0"/>
+              <a:t> </a:t>
+            </a:r>
+            <a:r>
+              <a:rPr lang="en-US" altLang="zh-CN" dirty="0"/>
+              <a:t>text</a:t>
+            </a:r>
+            <a:r>
+              <a:rPr lang="zh-CN" altLang="en-US" dirty="0"/>
+              <a:t> </a:t>
+            </a:r>
+            <a:r>
+              <a:rPr lang="en-US" altLang="zh-CN" dirty="0"/>
+              <a:t>data</a:t>
+            </a:r>
+            <a:r>
+              <a:rPr lang="zh-CN" altLang="en-US" dirty="0"/>
+              <a:t> </a:t>
+            </a:r>
+            <a:r>
+              <a:rPr lang="en-US" altLang="zh-CN" dirty="0"/>
+              <a:t>with</a:t>
+            </a:r>
+            <a:r>
+              <a:rPr lang="zh-CN" altLang="en-US" dirty="0"/>
+              <a:t> </a:t>
+            </a:r>
+            <a:r>
+              <a:rPr lang="en-US" altLang="zh-CN" dirty="0"/>
+              <a:t>traffic</a:t>
+            </a:r>
+            <a:r>
+              <a:rPr lang="zh-CN" altLang="en-US" dirty="0"/>
+              <a:t> </a:t>
+            </a:r>
+            <a:r>
+              <a:rPr lang="en-US" altLang="zh-CN" dirty="0"/>
+              <a:t>data</a:t>
+            </a:r>
+          </a:p>
+          <a:p>
+            <a:r>
+              <a:rPr lang="en-US" altLang="zh-CN" dirty="0"/>
+              <a:t>Apply multiple different TTS models</a:t>
+            </a:r>
           </a:p>
           <a:p>
             <a:endParaRPr lang="en-US" dirty="0"/>

--- a/Presentation1.pptx
+++ b/Presentation1.pptx
@@ -5,7 +5,7 @@
     <p:sldMasterId id="2147483648" r:id="rId1"/>
   </p:sldMasterIdLst>
   <p:notesMasterIdLst>
-    <p:notesMasterId r:id="rId19"/>
+    <p:notesMasterId r:id="rId22"/>
   </p:notesMasterIdLst>
   <p:sldIdLst>
     <p:sldId id="256" r:id="rId2"/>
@@ -25,6 +25,9 @@
     <p:sldId id="274" r:id="rId16"/>
     <p:sldId id="270" r:id="rId17"/>
     <p:sldId id="275" r:id="rId18"/>
+    <p:sldId id="279" r:id="rId19"/>
+    <p:sldId id="280" r:id="rId20"/>
+    <p:sldId id="282" r:id="rId21"/>
   </p:sldIdLst>
   <p:sldSz cx="12192000" cy="6858000"/>
   <p:notesSz cx="6858000" cy="9144000"/>
@@ -213,7 +216,7 @@
           <a:p>
             <a:fld id="{72646578-14F6-4B4C-9607-C52529FEB0BF}" type="datetimeFigureOut">
               <a:rPr lang="en-US" smtClean="0"/>
-              <a:t>11/29/23</a:t>
+              <a:t>12/27/2023</a:t>
             </a:fld>
             <a:endParaRPr lang="en-US"/>
           </a:p>
@@ -1158,6 +1161,90 @@
 </p:notes>
 </file>
 
+<file path=ppt/notesSlides/notesSlide6.xml><?xml version="1.0" encoding="utf-8"?>
+<p:notes xmlns:a="http://schemas.openxmlformats.org/drawingml/2006/main" xmlns:r="http://schemas.openxmlformats.org/officeDocument/2006/relationships" xmlns:p="http://schemas.openxmlformats.org/presentationml/2006/main">
+  <p:cSld>
+    <p:spTree>
+      <p:nvGrpSpPr>
+        <p:cNvPr id="1" name=""/>
+        <p:cNvGrpSpPr/>
+        <p:nvPr/>
+      </p:nvGrpSpPr>
+      <p:grpSpPr>
+        <a:xfrm>
+          <a:off x="0" y="0"/>
+          <a:ext cx="0" cy="0"/>
+          <a:chOff x="0" y="0"/>
+          <a:chExt cx="0" cy="0"/>
+        </a:xfrm>
+      </p:grpSpPr>
+      <p:sp>
+        <p:nvSpPr>
+          <p:cNvPr id="2" name="Slide Image Placeholder 1"/>
+          <p:cNvSpPr>
+            <a:spLocks noGrp="1" noRot="1" noChangeAspect="1"/>
+          </p:cNvSpPr>
+          <p:nvPr>
+            <p:ph type="sldImg"/>
+          </p:nvPr>
+        </p:nvSpPr>
+        <p:spPr/>
+      </p:sp>
+      <p:sp>
+        <p:nvSpPr>
+          <p:cNvPr id="3" name="Notes Placeholder 2"/>
+          <p:cNvSpPr>
+            <a:spLocks noGrp="1"/>
+          </p:cNvSpPr>
+          <p:nvPr>
+            <p:ph type="body" idx="1"/>
+          </p:nvPr>
+        </p:nvSpPr>
+        <p:spPr/>
+        <p:txBody>
+          <a:bodyPr/>
+          <a:lstStyle/>
+          <a:p>
+            <a:endParaRPr lang="en-US" dirty="0"/>
+          </a:p>
+        </p:txBody>
+      </p:sp>
+      <p:sp>
+        <p:nvSpPr>
+          <p:cNvPr id="4" name="Slide Number Placeholder 3"/>
+          <p:cNvSpPr>
+            <a:spLocks noGrp="1"/>
+          </p:cNvSpPr>
+          <p:nvPr>
+            <p:ph type="sldNum" sz="quarter" idx="5"/>
+          </p:nvPr>
+        </p:nvSpPr>
+        <p:spPr/>
+        <p:txBody>
+          <a:bodyPr/>
+          <a:lstStyle/>
+          <a:p>
+            <a:fld id="{88682BC9-22E9-B640-848B-A22C37F71A64}" type="slidenum">
+              <a:rPr lang="en-US" smtClean="0"/>
+              <a:t>18</a:t>
+            </a:fld>
+            <a:endParaRPr lang="en-US"/>
+          </a:p>
+        </p:txBody>
+      </p:sp>
+    </p:spTree>
+    <p:extLst>
+      <p:ext uri="{BB962C8B-B14F-4D97-AF65-F5344CB8AC3E}">
+        <p14:creationId xmlns:p14="http://schemas.microsoft.com/office/powerpoint/2010/main" val="1686941924"/>
+      </p:ext>
+    </p:extLst>
+  </p:cSld>
+  <p:clrMapOvr>
+    <a:masterClrMapping/>
+  </p:clrMapOvr>
+</p:notes>
+</file>
+
 <file path=ppt/slideLayouts/slideLayout1.xml><?xml version="1.0" encoding="utf-8"?>
 <p:sldLayout xmlns:a="http://schemas.openxmlformats.org/drawingml/2006/main" xmlns:r="http://schemas.openxmlformats.org/officeDocument/2006/relationships" xmlns:p="http://schemas.openxmlformats.org/presentationml/2006/main" type="title" preserve="1">
   <p:cSld name="Title Slide">
@@ -1305,7 +1392,7 @@
           <a:p>
             <a:fld id="{78CD1D6E-A027-634F-BC83-5ADA8E496EAB}" type="datetimeFigureOut">
               <a:rPr lang="en-US" smtClean="0"/>
-              <a:t>11/29/23</a:t>
+              <a:t>12/27/2023</a:t>
             </a:fld>
             <a:endParaRPr lang="en-US"/>
           </a:p>
@@ -1503,7 +1590,7 @@
           <a:p>
             <a:fld id="{78CD1D6E-A027-634F-BC83-5ADA8E496EAB}" type="datetimeFigureOut">
               <a:rPr lang="en-US" smtClean="0"/>
-              <a:t>11/29/23</a:t>
+              <a:t>12/27/2023</a:t>
             </a:fld>
             <a:endParaRPr lang="en-US"/>
           </a:p>
@@ -1711,7 +1798,7 @@
           <a:p>
             <a:fld id="{78CD1D6E-A027-634F-BC83-5ADA8E496EAB}" type="datetimeFigureOut">
               <a:rPr lang="en-US" smtClean="0"/>
-              <a:t>11/29/23</a:t>
+              <a:t>12/27/2023</a:t>
             </a:fld>
             <a:endParaRPr lang="en-US"/>
           </a:p>
@@ -1909,7 +1996,7 @@
           <a:p>
             <a:fld id="{78CD1D6E-A027-634F-BC83-5ADA8E496EAB}" type="datetimeFigureOut">
               <a:rPr lang="en-US" smtClean="0"/>
-              <a:t>11/29/23</a:t>
+              <a:t>12/27/2023</a:t>
             </a:fld>
             <a:endParaRPr lang="en-US"/>
           </a:p>
@@ -2184,7 +2271,7 @@
           <a:p>
             <a:fld id="{78CD1D6E-A027-634F-BC83-5ADA8E496EAB}" type="datetimeFigureOut">
               <a:rPr lang="en-US" smtClean="0"/>
-              <a:t>11/29/23</a:t>
+              <a:t>12/27/2023</a:t>
             </a:fld>
             <a:endParaRPr lang="en-US"/>
           </a:p>
@@ -2449,7 +2536,7 @@
           <a:p>
             <a:fld id="{78CD1D6E-A027-634F-BC83-5ADA8E496EAB}" type="datetimeFigureOut">
               <a:rPr lang="en-US" smtClean="0"/>
-              <a:t>11/29/23</a:t>
+              <a:t>12/27/2023</a:t>
             </a:fld>
             <a:endParaRPr lang="en-US"/>
           </a:p>
@@ -2861,7 +2948,7 @@
           <a:p>
             <a:fld id="{78CD1D6E-A027-634F-BC83-5ADA8E496EAB}" type="datetimeFigureOut">
               <a:rPr lang="en-US" smtClean="0"/>
-              <a:t>11/29/23</a:t>
+              <a:t>12/27/2023</a:t>
             </a:fld>
             <a:endParaRPr lang="en-US"/>
           </a:p>
@@ -3002,7 +3089,7 @@
           <a:p>
             <a:fld id="{78CD1D6E-A027-634F-BC83-5ADA8E496EAB}" type="datetimeFigureOut">
               <a:rPr lang="en-US" smtClean="0"/>
-              <a:t>11/29/23</a:t>
+              <a:t>12/27/2023</a:t>
             </a:fld>
             <a:endParaRPr lang="en-US"/>
           </a:p>
@@ -3115,7 +3202,7 @@
           <a:p>
             <a:fld id="{78CD1D6E-A027-634F-BC83-5ADA8E496EAB}" type="datetimeFigureOut">
               <a:rPr lang="en-US" smtClean="0"/>
-              <a:t>11/29/23</a:t>
+              <a:t>12/27/2023</a:t>
             </a:fld>
             <a:endParaRPr lang="en-US"/>
           </a:p>
@@ -3426,7 +3513,7 @@
           <a:p>
             <a:fld id="{78CD1D6E-A027-634F-BC83-5ADA8E496EAB}" type="datetimeFigureOut">
               <a:rPr lang="en-US" smtClean="0"/>
-              <a:t>11/29/23</a:t>
+              <a:t>12/27/2023</a:t>
             </a:fld>
             <a:endParaRPr lang="en-US"/>
           </a:p>
@@ -3714,7 +3801,7 @@
           <a:p>
             <a:fld id="{78CD1D6E-A027-634F-BC83-5ADA8E496EAB}" type="datetimeFigureOut">
               <a:rPr lang="en-US" smtClean="0"/>
-              <a:t>11/29/23</a:t>
+              <a:t>12/27/2023</a:t>
             </a:fld>
             <a:endParaRPr lang="en-US"/>
           </a:p>
@@ -3955,7 +4042,7 @@
           <a:p>
             <a:fld id="{78CD1D6E-A027-634F-BC83-5ADA8E496EAB}" type="datetimeFigureOut">
               <a:rPr lang="en-US" smtClean="0"/>
-              <a:t>11/29/23</a:t>
+              <a:t>12/27/2023</a:t>
             </a:fld>
             <a:endParaRPr lang="en-US"/>
           </a:p>
@@ -8036,6 +8123,257 @@
 </p:sld>
 </file>
 
+<file path=ppt/slides/slide18.xml><?xml version="1.0" encoding="utf-8"?>
+<p:sld xmlns:a="http://schemas.openxmlformats.org/drawingml/2006/main" xmlns:r="http://schemas.openxmlformats.org/officeDocument/2006/relationships" xmlns:p="http://schemas.openxmlformats.org/presentationml/2006/main">
+  <p:cSld>
+    <p:spTree>
+      <p:nvGrpSpPr>
+        <p:cNvPr id="1" name=""/>
+        <p:cNvGrpSpPr/>
+        <p:nvPr/>
+      </p:nvGrpSpPr>
+      <p:grpSpPr>
+        <a:xfrm>
+          <a:off x="0" y="0"/>
+          <a:ext cx="0" cy="0"/>
+          <a:chOff x="0" y="0"/>
+          <a:chExt cx="0" cy="0"/>
+        </a:xfrm>
+      </p:grpSpPr>
+      <p:sp>
+        <p:nvSpPr>
+          <p:cNvPr id="2" name="Title 1">
+            <a:extLst>
+              <a:ext uri="{FF2B5EF4-FFF2-40B4-BE49-F238E27FC236}">
+                <a16:creationId xmlns:a16="http://schemas.microsoft.com/office/drawing/2014/main" id="{94005ABE-0487-8037-91D1-3EAE6614E0B8}"/>
+              </a:ext>
+            </a:extLst>
+          </p:cNvPr>
+          <p:cNvSpPr>
+            <a:spLocks noGrp="1"/>
+          </p:cNvSpPr>
+          <p:nvPr>
+            <p:ph type="title"/>
+          </p:nvPr>
+        </p:nvSpPr>
+        <p:spPr/>
+        <p:txBody>
+          <a:bodyPr/>
+          <a:lstStyle/>
+          <a:p>
+            <a:r>
+              <a:rPr lang="en-US" dirty="0"/>
+              <a:t>Related Works</a:t>
+            </a:r>
+          </a:p>
+        </p:txBody>
+      </p:sp>
+      <p:sp>
+        <p:nvSpPr>
+          <p:cNvPr id="3" name="Content Placeholder 2">
+            <a:extLst>
+              <a:ext uri="{FF2B5EF4-FFF2-40B4-BE49-F238E27FC236}">
+                <a16:creationId xmlns:a16="http://schemas.microsoft.com/office/drawing/2014/main" id="{E67E960B-CCB9-8DF2-A90F-149E618A0913}"/>
+              </a:ext>
+            </a:extLst>
+          </p:cNvPr>
+          <p:cNvSpPr>
+            <a:spLocks noGrp="1"/>
+          </p:cNvSpPr>
+          <p:nvPr>
+            <p:ph idx="1"/>
+          </p:nvPr>
+        </p:nvSpPr>
+        <p:spPr/>
+        <p:txBody>
+          <a:bodyPr>
+            <a:normAutofit lnSpcReduction="10000"/>
+          </a:bodyPr>
+          <a:lstStyle/>
+          <a:p>
+            <a:r>
+              <a:rPr lang="en-US" dirty="0"/>
+              <a:t>I Can Hear Your Alexa: Voice Command Fingerprinting on Smart Home Speakers. CNS’19</a:t>
+            </a:r>
+          </a:p>
+          <a:p>
+            <a:pPr lvl="1"/>
+            <a:r>
+              <a:rPr lang="en-US" dirty="0"/>
+              <a:t>ML models: LL-Jaccard, LL-NB, VNG++ and P-SVM</a:t>
+            </a:r>
+          </a:p>
+          <a:p>
+            <a:pPr lvl="1"/>
+            <a:r>
+              <a:rPr lang="en-US" dirty="0"/>
+              <a:t>Small real-word datasets(100 commands with 10 traffic traces per command)</a:t>
+            </a:r>
+          </a:p>
+          <a:p>
+            <a:pPr lvl="1"/>
+            <a:r>
+              <a:rPr lang="en-US" dirty="0"/>
+              <a:t>33.8% accuracy</a:t>
+            </a:r>
+          </a:p>
+          <a:p>
+            <a:pPr marL="0" indent="0">
+              <a:buNone/>
+            </a:pPr>
+            <a:endParaRPr lang="en-US" dirty="0"/>
+          </a:p>
+          <a:p>
+            <a:r>
+              <a:rPr lang="en-US" dirty="0"/>
+              <a:t>Fingerprinting Encrypted Voice Traffic on Smart Speakers with Deep Learning. </a:t>
+            </a:r>
+            <a:r>
+              <a:rPr lang="en-US" dirty="0" err="1"/>
+              <a:t>WiSec</a:t>
+            </a:r>
+            <a:r>
+              <a:rPr lang="en-US" dirty="0"/>
+              <a:t> ’20</a:t>
+            </a:r>
+          </a:p>
+          <a:p>
+            <a:pPr lvl="1"/>
+            <a:r>
+              <a:rPr lang="en-US" dirty="0"/>
+              <a:t>DL models: CNN, LSTM, SAE</a:t>
+            </a:r>
+          </a:p>
+          <a:p>
+            <a:pPr lvl="1"/>
+            <a:r>
+              <a:rPr lang="en-US" dirty="0"/>
+              <a:t>Large not real-word datasets(</a:t>
+            </a:r>
+            <a:r>
+              <a:rPr lang="en-US"/>
+              <a:t>1500 traffic traces per command)</a:t>
+            </a:r>
+            <a:endParaRPr lang="en-US" dirty="0"/>
+          </a:p>
+          <a:p>
+            <a:pPr lvl="1"/>
+            <a:r>
+              <a:rPr lang="en-US" dirty="0"/>
+              <a:t>92.89% accuracy</a:t>
+            </a:r>
+          </a:p>
+          <a:p>
+            <a:pPr lvl="1"/>
+            <a:endParaRPr lang="en-US" dirty="0"/>
+          </a:p>
+        </p:txBody>
+      </p:sp>
+    </p:spTree>
+    <p:extLst>
+      <p:ext uri="{BB962C8B-B14F-4D97-AF65-F5344CB8AC3E}">
+        <p14:creationId xmlns:p14="http://schemas.microsoft.com/office/powerpoint/2010/main" val="192713759"/>
+      </p:ext>
+    </p:extLst>
+  </p:cSld>
+  <p:clrMapOvr>
+    <a:masterClrMapping/>
+  </p:clrMapOvr>
+</p:sld>
+</file>
+
+<file path=ppt/slides/slide19.xml><?xml version="1.0" encoding="utf-8"?>
+<p:sld xmlns:a="http://schemas.openxmlformats.org/drawingml/2006/main" xmlns:r="http://schemas.openxmlformats.org/officeDocument/2006/relationships" xmlns:p="http://schemas.openxmlformats.org/presentationml/2006/main">
+  <p:cSld>
+    <p:spTree>
+      <p:nvGrpSpPr>
+        <p:cNvPr id="1" name=""/>
+        <p:cNvGrpSpPr/>
+        <p:nvPr/>
+      </p:nvGrpSpPr>
+      <p:grpSpPr>
+        <a:xfrm>
+          <a:off x="0" y="0"/>
+          <a:ext cx="0" cy="0"/>
+          <a:chOff x="0" y="0"/>
+          <a:chExt cx="0" cy="0"/>
+        </a:xfrm>
+      </p:grpSpPr>
+      <p:sp>
+        <p:nvSpPr>
+          <p:cNvPr id="2" name="Title 1">
+            <a:extLst>
+              <a:ext uri="{FF2B5EF4-FFF2-40B4-BE49-F238E27FC236}">
+                <a16:creationId xmlns:a16="http://schemas.microsoft.com/office/drawing/2014/main" id="{1205C2A6-5CD7-8AB7-0F74-48F53AC3FB2C}"/>
+              </a:ext>
+            </a:extLst>
+          </p:cNvPr>
+          <p:cNvSpPr>
+            <a:spLocks noGrp="1"/>
+          </p:cNvSpPr>
+          <p:nvPr>
+            <p:ph type="title"/>
+          </p:nvPr>
+        </p:nvSpPr>
+        <p:spPr/>
+        <p:txBody>
+          <a:bodyPr/>
+          <a:lstStyle/>
+          <a:p>
+            <a:r>
+              <a:rPr lang="en-US" dirty="0"/>
+              <a:t>I Can Hear Your Alexa</a:t>
+            </a:r>
+          </a:p>
+        </p:txBody>
+      </p:sp>
+      <p:sp>
+        <p:nvSpPr>
+          <p:cNvPr id="3" name="Content Placeholder 2">
+            <a:extLst>
+              <a:ext uri="{FF2B5EF4-FFF2-40B4-BE49-F238E27FC236}">
+                <a16:creationId xmlns:a16="http://schemas.microsoft.com/office/drawing/2014/main" id="{6A81475E-9E71-41C1-B49A-B7FC34216608}"/>
+              </a:ext>
+            </a:extLst>
+          </p:cNvPr>
+          <p:cNvSpPr>
+            <a:spLocks noGrp="1"/>
+          </p:cNvSpPr>
+          <p:nvPr>
+            <p:ph idx="1"/>
+          </p:nvPr>
+        </p:nvSpPr>
+        <p:spPr/>
+        <p:txBody>
+          <a:bodyPr/>
+          <a:lstStyle/>
+          <a:p>
+            <a:r>
+              <a:rPr lang="en-US" dirty="0"/>
+              <a:t>33.8% </a:t>
+            </a:r>
+          </a:p>
+          <a:p>
+            <a:r>
+              <a:rPr lang="en-US" dirty="0"/>
+              <a:t>Real-word datasets</a:t>
+            </a:r>
+          </a:p>
+        </p:txBody>
+      </p:sp>
+    </p:spTree>
+    <p:extLst>
+      <p:ext uri="{BB962C8B-B14F-4D97-AF65-F5344CB8AC3E}">
+        <p14:creationId xmlns:p14="http://schemas.microsoft.com/office/powerpoint/2010/main" val="3428299201"/>
+      </p:ext>
+    </p:extLst>
+  </p:cSld>
+  <p:clrMapOvr>
+    <a:masterClrMapping/>
+  </p:clrMapOvr>
+</p:sld>
+</file>
+
 <file path=ppt/slides/slide2.xml><?xml version="1.0" encoding="utf-8"?>
 <p:sld xmlns:a="http://schemas.openxmlformats.org/drawingml/2006/main" xmlns:r="http://schemas.openxmlformats.org/officeDocument/2006/relationships" xmlns:p="http://schemas.openxmlformats.org/presentationml/2006/main">
   <p:cSld>
@@ -8201,6 +8539,118 @@
     <p:extLst>
       <p:ext uri="{BB962C8B-B14F-4D97-AF65-F5344CB8AC3E}">
         <p14:creationId xmlns:p14="http://schemas.microsoft.com/office/powerpoint/2010/main" val="3273564021"/>
+      </p:ext>
+    </p:extLst>
+  </p:cSld>
+  <p:clrMapOvr>
+    <a:masterClrMapping/>
+  </p:clrMapOvr>
+</p:sld>
+</file>
+
+<file path=ppt/slides/slide20.xml><?xml version="1.0" encoding="utf-8"?>
+<p:sld xmlns:a="http://schemas.openxmlformats.org/drawingml/2006/main" xmlns:r="http://schemas.openxmlformats.org/officeDocument/2006/relationships" xmlns:p="http://schemas.openxmlformats.org/presentationml/2006/main">
+  <p:cSld>
+    <p:spTree>
+      <p:nvGrpSpPr>
+        <p:cNvPr id="1" name=""/>
+        <p:cNvGrpSpPr/>
+        <p:nvPr/>
+      </p:nvGrpSpPr>
+      <p:grpSpPr>
+        <a:xfrm>
+          <a:off x="0" y="0"/>
+          <a:ext cx="0" cy="0"/>
+          <a:chOff x="0" y="0"/>
+          <a:chExt cx="0" cy="0"/>
+        </a:xfrm>
+      </p:grpSpPr>
+      <p:sp>
+        <p:nvSpPr>
+          <p:cNvPr id="2" name="Title 1">
+            <a:extLst>
+              <a:ext uri="{FF2B5EF4-FFF2-40B4-BE49-F238E27FC236}">
+                <a16:creationId xmlns:a16="http://schemas.microsoft.com/office/drawing/2014/main" id="{67612347-D89A-A2C5-E4D8-A7F9BE4F197B}"/>
+              </a:ext>
+            </a:extLst>
+          </p:cNvPr>
+          <p:cNvSpPr>
+            <a:spLocks noGrp="1"/>
+          </p:cNvSpPr>
+          <p:nvPr>
+            <p:ph type="title"/>
+          </p:nvPr>
+        </p:nvSpPr>
+        <p:spPr/>
+        <p:txBody>
+          <a:bodyPr/>
+          <a:lstStyle/>
+          <a:p>
+            <a:r>
+              <a:rPr lang="en-US" dirty="0"/>
+              <a:t>Fingerprinting Encrypted Voice Traffic on Smart Speakers with Deep Learning.</a:t>
+            </a:r>
+          </a:p>
+        </p:txBody>
+      </p:sp>
+      <p:sp>
+        <p:nvSpPr>
+          <p:cNvPr id="3" name="Content Placeholder 2">
+            <a:extLst>
+              <a:ext uri="{FF2B5EF4-FFF2-40B4-BE49-F238E27FC236}">
+                <a16:creationId xmlns:a16="http://schemas.microsoft.com/office/drawing/2014/main" id="{155104BC-8088-0924-A265-1CD8AE4B200C}"/>
+              </a:ext>
+            </a:extLst>
+          </p:cNvPr>
+          <p:cNvSpPr>
+            <a:spLocks noGrp="1"/>
+          </p:cNvSpPr>
+          <p:nvPr>
+            <p:ph idx="1"/>
+          </p:nvPr>
+        </p:nvSpPr>
+        <p:spPr>
+          <a:xfrm>
+            <a:off x="838200" y="1809000"/>
+            <a:ext cx="10515600" cy="4351338"/>
+          </a:xfrm>
+        </p:spPr>
+        <p:txBody>
+          <a:bodyPr/>
+          <a:lstStyle/>
+          <a:p>
+            <a:r>
+              <a:rPr lang="en-US" dirty="0"/>
+              <a:t>Limitations:</a:t>
+            </a:r>
+          </a:p>
+          <a:p>
+            <a:pPr lvl="1"/>
+            <a:r>
+              <a:rPr lang="en-US" dirty="0"/>
+              <a:t>Synthetic dataset</a:t>
+            </a:r>
+          </a:p>
+          <a:p>
+            <a:pPr lvl="1"/>
+            <a:r>
+              <a:rPr lang="en-US" dirty="0"/>
+              <a:t>Use incoming traffic only </a:t>
+            </a:r>
+          </a:p>
+          <a:p>
+            <a:pPr lvl="1"/>
+            <a:r>
+              <a:rPr lang="en-US" dirty="0"/>
+              <a:t>Inferring the IP address of a smart speaker?</a:t>
+            </a:r>
+          </a:p>
+        </p:txBody>
+      </p:sp>
+    </p:spTree>
+    <p:extLst>
+      <p:ext uri="{BB962C8B-B14F-4D97-AF65-F5344CB8AC3E}">
+        <p14:creationId xmlns:p14="http://schemas.microsoft.com/office/powerpoint/2010/main" val="2697009264"/>
       </p:ext>
     </p:extLst>
   </p:cSld>

--- a/Presentation1.pptx
+++ b/Presentation1.pptx
@@ -5,7 +5,7 @@
     <p:sldMasterId id="2147483648" r:id="rId1"/>
   </p:sldMasterIdLst>
   <p:notesMasterIdLst>
-    <p:notesMasterId r:id="rId22"/>
+    <p:notesMasterId r:id="rId25"/>
   </p:notesMasterIdLst>
   <p:sldIdLst>
     <p:sldId id="256" r:id="rId2"/>
@@ -28,6 +28,9 @@
     <p:sldId id="279" r:id="rId19"/>
     <p:sldId id="280" r:id="rId20"/>
     <p:sldId id="282" r:id="rId21"/>
+    <p:sldId id="283" r:id="rId22"/>
+    <p:sldId id="285" r:id="rId23"/>
+    <p:sldId id="286" r:id="rId24"/>
   </p:sldIdLst>
   <p:sldSz cx="12192000" cy="6858000"/>
   <p:notesSz cx="6858000" cy="9144000"/>
@@ -216,7 +219,7 @@
           <a:p>
             <a:fld id="{72646578-14F6-4B4C-9607-C52529FEB0BF}" type="datetimeFigureOut">
               <a:rPr lang="en-US" smtClean="0"/>
-              <a:t>12/27/2023</a:t>
+              <a:t>1/14/2024</a:t>
             </a:fld>
             <a:endParaRPr lang="en-US"/>
           </a:p>
@@ -1392,7 +1395,7 @@
           <a:p>
             <a:fld id="{78CD1D6E-A027-634F-BC83-5ADA8E496EAB}" type="datetimeFigureOut">
               <a:rPr lang="en-US" smtClean="0"/>
-              <a:t>12/27/2023</a:t>
+              <a:t>1/14/2024</a:t>
             </a:fld>
             <a:endParaRPr lang="en-US"/>
           </a:p>
@@ -1590,7 +1593,7 @@
           <a:p>
             <a:fld id="{78CD1D6E-A027-634F-BC83-5ADA8E496EAB}" type="datetimeFigureOut">
               <a:rPr lang="en-US" smtClean="0"/>
-              <a:t>12/27/2023</a:t>
+              <a:t>1/14/2024</a:t>
             </a:fld>
             <a:endParaRPr lang="en-US"/>
           </a:p>
@@ -1798,7 +1801,7 @@
           <a:p>
             <a:fld id="{78CD1D6E-A027-634F-BC83-5ADA8E496EAB}" type="datetimeFigureOut">
               <a:rPr lang="en-US" smtClean="0"/>
-              <a:t>12/27/2023</a:t>
+              <a:t>1/14/2024</a:t>
             </a:fld>
             <a:endParaRPr lang="en-US"/>
           </a:p>
@@ -1996,7 +1999,7 @@
           <a:p>
             <a:fld id="{78CD1D6E-A027-634F-BC83-5ADA8E496EAB}" type="datetimeFigureOut">
               <a:rPr lang="en-US" smtClean="0"/>
-              <a:t>12/27/2023</a:t>
+              <a:t>1/14/2024</a:t>
             </a:fld>
             <a:endParaRPr lang="en-US"/>
           </a:p>
@@ -2271,7 +2274,7 @@
           <a:p>
             <a:fld id="{78CD1D6E-A027-634F-BC83-5ADA8E496EAB}" type="datetimeFigureOut">
               <a:rPr lang="en-US" smtClean="0"/>
-              <a:t>12/27/2023</a:t>
+              <a:t>1/14/2024</a:t>
             </a:fld>
             <a:endParaRPr lang="en-US"/>
           </a:p>
@@ -2536,7 +2539,7 @@
           <a:p>
             <a:fld id="{78CD1D6E-A027-634F-BC83-5ADA8E496EAB}" type="datetimeFigureOut">
               <a:rPr lang="en-US" smtClean="0"/>
-              <a:t>12/27/2023</a:t>
+              <a:t>1/14/2024</a:t>
             </a:fld>
             <a:endParaRPr lang="en-US"/>
           </a:p>
@@ -2948,7 +2951,7 @@
           <a:p>
             <a:fld id="{78CD1D6E-A027-634F-BC83-5ADA8E496EAB}" type="datetimeFigureOut">
               <a:rPr lang="en-US" smtClean="0"/>
-              <a:t>12/27/2023</a:t>
+              <a:t>1/14/2024</a:t>
             </a:fld>
             <a:endParaRPr lang="en-US"/>
           </a:p>
@@ -3089,7 +3092,7 @@
           <a:p>
             <a:fld id="{78CD1D6E-A027-634F-BC83-5ADA8E496EAB}" type="datetimeFigureOut">
               <a:rPr lang="en-US" smtClean="0"/>
-              <a:t>12/27/2023</a:t>
+              <a:t>1/14/2024</a:t>
             </a:fld>
             <a:endParaRPr lang="en-US"/>
           </a:p>
@@ -3202,7 +3205,7 @@
           <a:p>
             <a:fld id="{78CD1D6E-A027-634F-BC83-5ADA8E496EAB}" type="datetimeFigureOut">
               <a:rPr lang="en-US" smtClean="0"/>
-              <a:t>12/27/2023</a:t>
+              <a:t>1/14/2024</a:t>
             </a:fld>
             <a:endParaRPr lang="en-US"/>
           </a:p>
@@ -3513,7 +3516,7 @@
           <a:p>
             <a:fld id="{78CD1D6E-A027-634F-BC83-5ADA8E496EAB}" type="datetimeFigureOut">
               <a:rPr lang="en-US" smtClean="0"/>
-              <a:t>12/27/2023</a:t>
+              <a:t>1/14/2024</a:t>
             </a:fld>
             <a:endParaRPr lang="en-US"/>
           </a:p>
@@ -3801,7 +3804,7 @@
           <a:p>
             <a:fld id="{78CD1D6E-A027-634F-BC83-5ADA8E496EAB}" type="datetimeFigureOut">
               <a:rPr lang="en-US" smtClean="0"/>
-              <a:t>12/27/2023</a:t>
+              <a:t>1/14/2024</a:t>
             </a:fld>
             <a:endParaRPr lang="en-US"/>
           </a:p>
@@ -4042,7 +4045,7 @@
           <a:p>
             <a:fld id="{78CD1D6E-A027-634F-BC83-5ADA8E496EAB}" type="datetimeFigureOut">
               <a:rPr lang="en-US" smtClean="0"/>
-              <a:t>12/27/2023</a:t>
+              <a:t>1/14/2024</a:t>
             </a:fld>
             <a:endParaRPr lang="en-US"/>
           </a:p>
@@ -8651,6 +8654,338 @@
     <p:extLst>
       <p:ext uri="{BB962C8B-B14F-4D97-AF65-F5344CB8AC3E}">
         <p14:creationId xmlns:p14="http://schemas.microsoft.com/office/powerpoint/2010/main" val="2697009264"/>
+      </p:ext>
+    </p:extLst>
+  </p:cSld>
+  <p:clrMapOvr>
+    <a:masterClrMapping/>
+  </p:clrMapOvr>
+</p:sld>
+</file>
+
+<file path=ppt/slides/slide21.xml><?xml version="1.0" encoding="utf-8"?>
+<p:sld xmlns:a="http://schemas.openxmlformats.org/drawingml/2006/main" xmlns:r="http://schemas.openxmlformats.org/officeDocument/2006/relationships" xmlns:p="http://schemas.openxmlformats.org/presentationml/2006/main">
+  <p:cSld>
+    <p:spTree>
+      <p:nvGrpSpPr>
+        <p:cNvPr id="1" name=""/>
+        <p:cNvGrpSpPr/>
+        <p:nvPr/>
+      </p:nvGrpSpPr>
+      <p:grpSpPr>
+        <a:xfrm>
+          <a:off x="0" y="0"/>
+          <a:ext cx="0" cy="0"/>
+          <a:chOff x="0" y="0"/>
+          <a:chExt cx="0" cy="0"/>
+        </a:xfrm>
+      </p:grpSpPr>
+      <p:sp>
+        <p:nvSpPr>
+          <p:cNvPr id="2" name="Title 1">
+            <a:extLst>
+              <a:ext uri="{FF2B5EF4-FFF2-40B4-BE49-F238E27FC236}">
+                <a16:creationId xmlns:a16="http://schemas.microsoft.com/office/drawing/2014/main" id="{63F564D1-3CD3-EF95-3AD2-D0C56E6B5F17}"/>
+              </a:ext>
+            </a:extLst>
+          </p:cNvPr>
+          <p:cNvSpPr>
+            <a:spLocks noGrp="1"/>
+          </p:cNvSpPr>
+          <p:nvPr>
+            <p:ph type="title"/>
+          </p:nvPr>
+        </p:nvSpPr>
+        <p:spPr/>
+        <p:txBody>
+          <a:bodyPr/>
+          <a:lstStyle/>
+          <a:p>
+            <a:endParaRPr lang="en-US"/>
+          </a:p>
+        </p:txBody>
+      </p:sp>
+      <p:sp>
+        <p:nvSpPr>
+          <p:cNvPr id="3" name="Content Placeholder 2">
+            <a:extLst>
+              <a:ext uri="{FF2B5EF4-FFF2-40B4-BE49-F238E27FC236}">
+                <a16:creationId xmlns:a16="http://schemas.microsoft.com/office/drawing/2014/main" id="{A4ADBAF5-F0EB-5B62-CACB-C1FF087F55D4}"/>
+              </a:ext>
+            </a:extLst>
+          </p:cNvPr>
+          <p:cNvSpPr>
+            <a:spLocks noGrp="1"/>
+          </p:cNvSpPr>
+          <p:nvPr>
+            <p:ph idx="1"/>
+          </p:nvPr>
+        </p:nvSpPr>
+        <p:spPr/>
+        <p:txBody>
+          <a:bodyPr/>
+          <a:lstStyle/>
+          <a:p>
+            <a:endParaRPr lang="en-US"/>
+          </a:p>
+        </p:txBody>
+      </p:sp>
+    </p:spTree>
+    <p:extLst>
+      <p:ext uri="{BB962C8B-B14F-4D97-AF65-F5344CB8AC3E}">
+        <p14:creationId xmlns:p14="http://schemas.microsoft.com/office/powerpoint/2010/main" val="1139844197"/>
+      </p:ext>
+    </p:extLst>
+  </p:cSld>
+  <p:clrMapOvr>
+    <a:masterClrMapping/>
+  </p:clrMapOvr>
+</p:sld>
+</file>
+
+<file path=ppt/slides/slide22.xml><?xml version="1.0" encoding="utf-8"?>
+<p:sld xmlns:a="http://schemas.openxmlformats.org/drawingml/2006/main" xmlns:r="http://schemas.openxmlformats.org/officeDocument/2006/relationships" xmlns:p="http://schemas.openxmlformats.org/presentationml/2006/main">
+  <p:cSld>
+    <p:spTree>
+      <p:nvGrpSpPr>
+        <p:cNvPr id="1" name=""/>
+        <p:cNvGrpSpPr/>
+        <p:nvPr/>
+      </p:nvGrpSpPr>
+      <p:grpSpPr>
+        <a:xfrm>
+          <a:off x="0" y="0"/>
+          <a:ext cx="0" cy="0"/>
+          <a:chOff x="0" y="0"/>
+          <a:chExt cx="0" cy="0"/>
+        </a:xfrm>
+      </p:grpSpPr>
+      <p:sp>
+        <p:nvSpPr>
+          <p:cNvPr id="2" name="Title 1">
+            <a:extLst>
+              <a:ext uri="{FF2B5EF4-FFF2-40B4-BE49-F238E27FC236}">
+                <a16:creationId xmlns:a16="http://schemas.microsoft.com/office/drawing/2014/main" id="{4D3E86CE-2630-A84C-9325-64E7416F83D3}"/>
+              </a:ext>
+            </a:extLst>
+          </p:cNvPr>
+          <p:cNvSpPr>
+            <a:spLocks noGrp="1"/>
+          </p:cNvSpPr>
+          <p:nvPr>
+            <p:ph type="title"/>
+          </p:nvPr>
+        </p:nvSpPr>
+        <p:spPr/>
+        <p:txBody>
+          <a:bodyPr/>
+          <a:lstStyle/>
+          <a:p>
+            <a:r>
+              <a:rPr lang="en-US" dirty="0"/>
+              <a:t>Review Last </a:t>
+            </a:r>
+            <a:r>
+              <a:rPr lang="en-US" dirty="0" err="1"/>
+              <a:t>Disscussion</a:t>
+            </a:r>
+            <a:endParaRPr lang="en-US" dirty="0"/>
+          </a:p>
+        </p:txBody>
+      </p:sp>
+      <p:sp>
+        <p:nvSpPr>
+          <p:cNvPr id="3" name="Content Placeholder 2">
+            <a:extLst>
+              <a:ext uri="{FF2B5EF4-FFF2-40B4-BE49-F238E27FC236}">
+                <a16:creationId xmlns:a16="http://schemas.microsoft.com/office/drawing/2014/main" id="{D163B259-D7F2-86B0-8739-8BB3A53FB3D9}"/>
+              </a:ext>
+            </a:extLst>
+          </p:cNvPr>
+          <p:cNvSpPr>
+            <a:spLocks noGrp="1"/>
+          </p:cNvSpPr>
+          <p:nvPr>
+            <p:ph idx="1"/>
+          </p:nvPr>
+        </p:nvSpPr>
+        <p:spPr/>
+        <p:txBody>
+          <a:bodyPr/>
+          <a:lstStyle/>
+          <a:p>
+            <a:r>
+              <a:rPr lang="en-US" dirty="0"/>
+              <a:t>VPN</a:t>
+            </a:r>
+          </a:p>
+          <a:p>
+            <a:pPr lvl="1"/>
+            <a:r>
+              <a:rPr lang="en-US" dirty="0"/>
+              <a:t>To answer the question: Can we still attack if people use VPN on a router?</a:t>
+            </a:r>
+          </a:p>
+          <a:p>
+            <a:pPr lvl="1"/>
+            <a:r>
+              <a:rPr lang="en-US" dirty="0"/>
+              <a:t>We should </a:t>
+            </a:r>
+            <a:r>
+              <a:rPr lang="en-US" dirty="0" err="1"/>
+              <a:t>assump</a:t>
+            </a:r>
+            <a:r>
+              <a:rPr lang="en-US" dirty="0"/>
+              <a:t> that attacker cannot know the </a:t>
+            </a:r>
+            <a:r>
+              <a:rPr lang="en-US" dirty="0" err="1"/>
+              <a:t>ip</a:t>
+            </a:r>
+            <a:r>
+              <a:rPr lang="en-US" dirty="0"/>
+              <a:t> in our system.</a:t>
+            </a:r>
+          </a:p>
+          <a:p>
+            <a:pPr lvl="1"/>
+            <a:endParaRPr lang="en-US" dirty="0"/>
+          </a:p>
+          <a:p>
+            <a:r>
+              <a:rPr lang="en-US" dirty="0"/>
+              <a:t>Make Pi as an Alexa</a:t>
+            </a:r>
+          </a:p>
+          <a:p>
+            <a:pPr lvl="1"/>
+            <a:r>
+              <a:rPr lang="en-US" dirty="0"/>
+              <a:t>Why? Make it easy for more operations: Keyboards… </a:t>
+            </a:r>
+          </a:p>
+          <a:p>
+            <a:pPr lvl="1"/>
+            <a:endParaRPr lang="en-US" dirty="0"/>
+          </a:p>
+          <a:p>
+            <a:endParaRPr lang="en-US" dirty="0"/>
+          </a:p>
+        </p:txBody>
+      </p:sp>
+    </p:spTree>
+    <p:extLst>
+      <p:ext uri="{BB962C8B-B14F-4D97-AF65-F5344CB8AC3E}">
+        <p14:creationId xmlns:p14="http://schemas.microsoft.com/office/powerpoint/2010/main" val="1770221742"/>
+      </p:ext>
+    </p:extLst>
+  </p:cSld>
+  <p:clrMapOvr>
+    <a:masterClrMapping/>
+  </p:clrMapOvr>
+</p:sld>
+</file>
+
+<file path=ppt/slides/slide23.xml><?xml version="1.0" encoding="utf-8"?>
+<p:sld xmlns:a="http://schemas.openxmlformats.org/drawingml/2006/main" xmlns:r="http://schemas.openxmlformats.org/officeDocument/2006/relationships" xmlns:p="http://schemas.openxmlformats.org/presentationml/2006/main">
+  <p:cSld>
+    <p:spTree>
+      <p:nvGrpSpPr>
+        <p:cNvPr id="1" name=""/>
+        <p:cNvGrpSpPr/>
+        <p:nvPr/>
+      </p:nvGrpSpPr>
+      <p:grpSpPr>
+        <a:xfrm>
+          <a:off x="0" y="0"/>
+          <a:ext cx="0" cy="0"/>
+          <a:chOff x="0" y="0"/>
+          <a:chExt cx="0" cy="0"/>
+        </a:xfrm>
+      </p:grpSpPr>
+      <p:sp>
+        <p:nvSpPr>
+          <p:cNvPr id="2" name="Title 1">
+            <a:extLst>
+              <a:ext uri="{FF2B5EF4-FFF2-40B4-BE49-F238E27FC236}">
+                <a16:creationId xmlns:a16="http://schemas.microsoft.com/office/drawing/2014/main" id="{859BB6BF-AB3D-2B3F-30FD-68B4522C0245}"/>
+              </a:ext>
+            </a:extLst>
+          </p:cNvPr>
+          <p:cNvSpPr>
+            <a:spLocks noGrp="1"/>
+          </p:cNvSpPr>
+          <p:nvPr>
+            <p:ph type="title"/>
+          </p:nvPr>
+        </p:nvSpPr>
+        <p:spPr/>
+        <p:txBody>
+          <a:bodyPr/>
+          <a:lstStyle/>
+          <a:p>
+            <a:r>
+              <a:rPr lang="en-US" dirty="0"/>
+              <a:t>VPN </a:t>
+            </a:r>
+          </a:p>
+        </p:txBody>
+      </p:sp>
+      <p:sp>
+        <p:nvSpPr>
+          <p:cNvPr id="3" name="Content Placeholder 2">
+            <a:extLst>
+              <a:ext uri="{FF2B5EF4-FFF2-40B4-BE49-F238E27FC236}">
+                <a16:creationId xmlns:a16="http://schemas.microsoft.com/office/drawing/2014/main" id="{725F227F-0325-DC7F-1F0E-5D2D9EDBC5E7}"/>
+              </a:ext>
+            </a:extLst>
+          </p:cNvPr>
+          <p:cNvSpPr>
+            <a:spLocks noGrp="1"/>
+          </p:cNvSpPr>
+          <p:nvPr>
+            <p:ph idx="1"/>
+          </p:nvPr>
+        </p:nvSpPr>
+        <p:spPr/>
+        <p:txBody>
+          <a:bodyPr/>
+          <a:lstStyle/>
+          <a:p>
+            <a:r>
+              <a:rPr lang="en-US" dirty="0"/>
+              <a:t>Observation: </a:t>
+            </a:r>
+          </a:p>
+          <a:p>
+            <a:pPr lvl="1"/>
+            <a:r>
+              <a:rPr lang="en-US" dirty="0"/>
+              <a:t>Traffic data: before and after setting up a VPN.</a:t>
+            </a:r>
+          </a:p>
+          <a:p>
+            <a:endParaRPr lang="en-US" dirty="0"/>
+          </a:p>
+          <a:p>
+            <a:r>
+              <a:rPr lang="en-US" dirty="0"/>
+              <a:t>To find out that, can we still do </a:t>
+            </a:r>
+            <a:r>
+              <a:rPr lang="en-US"/>
+              <a:t>some attacks?</a:t>
+            </a:r>
+            <a:endParaRPr lang="en-US" dirty="0"/>
+          </a:p>
+        </p:txBody>
+      </p:sp>
+    </p:spTree>
+    <p:extLst>
+      <p:ext uri="{BB962C8B-B14F-4D97-AF65-F5344CB8AC3E}">
+        <p14:creationId xmlns:p14="http://schemas.microsoft.com/office/powerpoint/2010/main" val="2015544818"/>
       </p:ext>
     </p:extLst>
   </p:cSld>

--- a/Presentation1.pptx
+++ b/Presentation1.pptx
@@ -5,7 +5,7 @@
     <p:sldMasterId id="2147483648" r:id="rId1"/>
   </p:sldMasterIdLst>
   <p:notesMasterIdLst>
-    <p:notesMasterId r:id="rId25"/>
+    <p:notesMasterId r:id="rId27"/>
   </p:notesMasterIdLst>
   <p:sldIdLst>
     <p:sldId id="256" r:id="rId2"/>
@@ -31,6 +31,8 @@
     <p:sldId id="283" r:id="rId22"/>
     <p:sldId id="285" r:id="rId23"/>
     <p:sldId id="286" r:id="rId24"/>
+    <p:sldId id="287" r:id="rId25"/>
+    <p:sldId id="288" r:id="rId26"/>
   </p:sldIdLst>
   <p:sldSz cx="12192000" cy="6858000"/>
   <p:notesSz cx="6858000" cy="9144000"/>
@@ -219,7 +221,7 @@
           <a:p>
             <a:fld id="{72646578-14F6-4B4C-9607-C52529FEB0BF}" type="datetimeFigureOut">
               <a:rPr lang="en-US" smtClean="0"/>
-              <a:t>1/14/2024</a:t>
+              <a:t>1/15/2024</a:t>
             </a:fld>
             <a:endParaRPr lang="en-US"/>
           </a:p>
@@ -1395,7 +1397,7 @@
           <a:p>
             <a:fld id="{78CD1D6E-A027-634F-BC83-5ADA8E496EAB}" type="datetimeFigureOut">
               <a:rPr lang="en-US" smtClean="0"/>
-              <a:t>1/14/2024</a:t>
+              <a:t>1/15/2024</a:t>
             </a:fld>
             <a:endParaRPr lang="en-US"/>
           </a:p>
@@ -1593,7 +1595,7 @@
           <a:p>
             <a:fld id="{78CD1D6E-A027-634F-BC83-5ADA8E496EAB}" type="datetimeFigureOut">
               <a:rPr lang="en-US" smtClean="0"/>
-              <a:t>1/14/2024</a:t>
+              <a:t>1/15/2024</a:t>
             </a:fld>
             <a:endParaRPr lang="en-US"/>
           </a:p>
@@ -1801,7 +1803,7 @@
           <a:p>
             <a:fld id="{78CD1D6E-A027-634F-BC83-5ADA8E496EAB}" type="datetimeFigureOut">
               <a:rPr lang="en-US" smtClean="0"/>
-              <a:t>1/14/2024</a:t>
+              <a:t>1/15/2024</a:t>
             </a:fld>
             <a:endParaRPr lang="en-US"/>
           </a:p>
@@ -1999,7 +2001,7 @@
           <a:p>
             <a:fld id="{78CD1D6E-A027-634F-BC83-5ADA8E496EAB}" type="datetimeFigureOut">
               <a:rPr lang="en-US" smtClean="0"/>
-              <a:t>1/14/2024</a:t>
+              <a:t>1/15/2024</a:t>
             </a:fld>
             <a:endParaRPr lang="en-US"/>
           </a:p>
@@ -2274,7 +2276,7 @@
           <a:p>
             <a:fld id="{78CD1D6E-A027-634F-BC83-5ADA8E496EAB}" type="datetimeFigureOut">
               <a:rPr lang="en-US" smtClean="0"/>
-              <a:t>1/14/2024</a:t>
+              <a:t>1/15/2024</a:t>
             </a:fld>
             <a:endParaRPr lang="en-US"/>
           </a:p>
@@ -2539,7 +2541,7 @@
           <a:p>
             <a:fld id="{78CD1D6E-A027-634F-BC83-5ADA8E496EAB}" type="datetimeFigureOut">
               <a:rPr lang="en-US" smtClean="0"/>
-              <a:t>1/14/2024</a:t>
+              <a:t>1/15/2024</a:t>
             </a:fld>
             <a:endParaRPr lang="en-US"/>
           </a:p>
@@ -2951,7 +2953,7 @@
           <a:p>
             <a:fld id="{78CD1D6E-A027-634F-BC83-5ADA8E496EAB}" type="datetimeFigureOut">
               <a:rPr lang="en-US" smtClean="0"/>
-              <a:t>1/14/2024</a:t>
+              <a:t>1/15/2024</a:t>
             </a:fld>
             <a:endParaRPr lang="en-US"/>
           </a:p>
@@ -3092,7 +3094,7 @@
           <a:p>
             <a:fld id="{78CD1D6E-A027-634F-BC83-5ADA8E496EAB}" type="datetimeFigureOut">
               <a:rPr lang="en-US" smtClean="0"/>
-              <a:t>1/14/2024</a:t>
+              <a:t>1/15/2024</a:t>
             </a:fld>
             <a:endParaRPr lang="en-US"/>
           </a:p>
@@ -3205,7 +3207,7 @@
           <a:p>
             <a:fld id="{78CD1D6E-A027-634F-BC83-5ADA8E496EAB}" type="datetimeFigureOut">
               <a:rPr lang="en-US" smtClean="0"/>
-              <a:t>1/14/2024</a:t>
+              <a:t>1/15/2024</a:t>
             </a:fld>
             <a:endParaRPr lang="en-US"/>
           </a:p>
@@ -3516,7 +3518,7 @@
           <a:p>
             <a:fld id="{78CD1D6E-A027-634F-BC83-5ADA8E496EAB}" type="datetimeFigureOut">
               <a:rPr lang="en-US" smtClean="0"/>
-              <a:t>1/14/2024</a:t>
+              <a:t>1/15/2024</a:t>
             </a:fld>
             <a:endParaRPr lang="en-US"/>
           </a:p>
@@ -3804,7 +3806,7 @@
           <a:p>
             <a:fld id="{78CD1D6E-A027-634F-BC83-5ADA8E496EAB}" type="datetimeFigureOut">
               <a:rPr lang="en-US" smtClean="0"/>
-              <a:t>1/14/2024</a:t>
+              <a:t>1/15/2024</a:t>
             </a:fld>
             <a:endParaRPr lang="en-US"/>
           </a:p>
@@ -4045,7 +4047,7 @@
           <a:p>
             <a:fld id="{78CD1D6E-A027-634F-BC83-5ADA8E496EAB}" type="datetimeFigureOut">
               <a:rPr lang="en-US" smtClean="0"/>
-              <a:t>1/14/2024</a:t>
+              <a:t>1/15/2024</a:t>
             </a:fld>
             <a:endParaRPr lang="en-US"/>
           </a:p>
@@ -8856,7 +8858,7 @@
           <a:p>
             <a:r>
               <a:rPr lang="en-US" dirty="0"/>
-              <a:t>Make Pi as an Alexa</a:t>
+              <a:t>Turn Pi into an Alexa Echo</a:t>
             </a:r>
           </a:p>
           <a:p>
@@ -8972,13 +8974,8 @@
           <a:p>
             <a:r>
               <a:rPr lang="en-US" dirty="0"/>
-              <a:t>To find out that, can we still do </a:t>
-            </a:r>
-            <a:r>
-              <a:rPr lang="en-US"/>
-              <a:t>some attacks?</a:t>
-            </a:r>
-            <a:endParaRPr lang="en-US" dirty="0"/>
+              <a:t>To find out that, can we still do some attacks?</a:t>
+            </a:r>
           </a:p>
         </p:txBody>
       </p:sp>
@@ -8986,6 +8983,228 @@
     <p:extLst>
       <p:ext uri="{BB962C8B-B14F-4D97-AF65-F5344CB8AC3E}">
         <p14:creationId xmlns:p14="http://schemas.microsoft.com/office/powerpoint/2010/main" val="2015544818"/>
+      </p:ext>
+    </p:extLst>
+  </p:cSld>
+  <p:clrMapOvr>
+    <a:masterClrMapping/>
+  </p:clrMapOvr>
+</p:sld>
+</file>
+
+<file path=ppt/slides/slide24.xml><?xml version="1.0" encoding="utf-8"?>
+<p:sld xmlns:a="http://schemas.openxmlformats.org/drawingml/2006/main" xmlns:r="http://schemas.openxmlformats.org/officeDocument/2006/relationships" xmlns:p="http://schemas.openxmlformats.org/presentationml/2006/main">
+  <p:cSld>
+    <p:spTree>
+      <p:nvGrpSpPr>
+        <p:cNvPr id="1" name=""/>
+        <p:cNvGrpSpPr/>
+        <p:nvPr/>
+      </p:nvGrpSpPr>
+      <p:grpSpPr>
+        <a:xfrm>
+          <a:off x="0" y="0"/>
+          <a:ext cx="0" cy="0"/>
+          <a:chOff x="0" y="0"/>
+          <a:chExt cx="0" cy="0"/>
+        </a:xfrm>
+      </p:grpSpPr>
+      <p:sp>
+        <p:nvSpPr>
+          <p:cNvPr id="2" name="Title 1">
+            <a:extLst>
+              <a:ext uri="{FF2B5EF4-FFF2-40B4-BE49-F238E27FC236}">
+                <a16:creationId xmlns:a16="http://schemas.microsoft.com/office/drawing/2014/main" id="{91DDE1AD-927A-81D2-E29D-D3335D504465}"/>
+              </a:ext>
+            </a:extLst>
+          </p:cNvPr>
+          <p:cNvSpPr>
+            <a:spLocks noGrp="1"/>
+          </p:cNvSpPr>
+          <p:nvPr>
+            <p:ph type="title"/>
+          </p:nvPr>
+        </p:nvSpPr>
+        <p:spPr/>
+        <p:txBody>
+          <a:bodyPr/>
+          <a:lstStyle/>
+          <a:p>
+            <a:r>
+              <a:rPr lang="en-US" dirty="0" err="1"/>
+              <a:t>P</a:t>
+            </a:r>
+            <a:r>
+              <a:rPr lang="en-US" altLang="zh-CN" dirty="0" err="1"/>
+              <a:t>iVPN</a:t>
+            </a:r>
+            <a:endParaRPr lang="en-US" dirty="0"/>
+          </a:p>
+        </p:txBody>
+      </p:sp>
+      <p:sp>
+        <p:nvSpPr>
+          <p:cNvPr id="3" name="Content Placeholder 2">
+            <a:extLst>
+              <a:ext uri="{FF2B5EF4-FFF2-40B4-BE49-F238E27FC236}">
+                <a16:creationId xmlns:a16="http://schemas.microsoft.com/office/drawing/2014/main" id="{A509BAC2-2AD0-74C8-C09E-43F2281757A8}"/>
+              </a:ext>
+            </a:extLst>
+          </p:cNvPr>
+          <p:cNvSpPr>
+            <a:spLocks noGrp="1"/>
+          </p:cNvSpPr>
+          <p:nvPr>
+            <p:ph idx="1"/>
+          </p:nvPr>
+        </p:nvSpPr>
+        <p:spPr/>
+        <p:txBody>
+          <a:bodyPr/>
+          <a:lstStyle/>
+          <a:p>
+            <a:endParaRPr lang="en-US" dirty="0"/>
+          </a:p>
+        </p:txBody>
+      </p:sp>
+      <p:pic>
+        <p:nvPicPr>
+          <p:cNvPr id="4" name="Picture 3">
+            <a:extLst>
+              <a:ext uri="{FF2B5EF4-FFF2-40B4-BE49-F238E27FC236}">
+                <a16:creationId xmlns:a16="http://schemas.microsoft.com/office/drawing/2014/main" id="{C0F8F265-6F4F-289E-0FBD-3D31305D19DB}"/>
+              </a:ext>
+            </a:extLst>
+          </p:cNvPr>
+          <p:cNvPicPr>
+            <a:picLocks noChangeAspect="1"/>
+          </p:cNvPicPr>
+          <p:nvPr/>
+        </p:nvPicPr>
+        <p:blipFill>
+          <a:blip r:embed="rId2"/>
+          <a:stretch>
+            <a:fillRect/>
+          </a:stretch>
+        </p:blipFill>
+        <p:spPr>
+          <a:xfrm>
+            <a:off x="2286000" y="1704975"/>
+            <a:ext cx="7620000" cy="3448050"/>
+          </a:xfrm>
+          <a:prstGeom prst="rect">
+            <a:avLst/>
+          </a:prstGeom>
+        </p:spPr>
+      </p:pic>
+    </p:spTree>
+    <p:extLst>
+      <p:ext uri="{BB962C8B-B14F-4D97-AF65-F5344CB8AC3E}">
+        <p14:creationId xmlns:p14="http://schemas.microsoft.com/office/powerpoint/2010/main" val="3682045266"/>
+      </p:ext>
+    </p:extLst>
+  </p:cSld>
+  <p:clrMapOvr>
+    <a:masterClrMapping/>
+  </p:clrMapOvr>
+</p:sld>
+</file>
+
+<file path=ppt/slides/slide25.xml><?xml version="1.0" encoding="utf-8"?>
+<p:sld xmlns:a="http://schemas.openxmlformats.org/drawingml/2006/main" xmlns:r="http://schemas.openxmlformats.org/officeDocument/2006/relationships" xmlns:p="http://schemas.openxmlformats.org/presentationml/2006/main">
+  <p:cSld>
+    <p:spTree>
+      <p:nvGrpSpPr>
+        <p:cNvPr id="1" name=""/>
+        <p:cNvGrpSpPr/>
+        <p:nvPr/>
+      </p:nvGrpSpPr>
+      <p:grpSpPr>
+        <a:xfrm>
+          <a:off x="0" y="0"/>
+          <a:ext cx="0" cy="0"/>
+          <a:chOff x="0" y="0"/>
+          <a:chExt cx="0" cy="0"/>
+        </a:xfrm>
+      </p:grpSpPr>
+      <p:sp>
+        <p:nvSpPr>
+          <p:cNvPr id="2" name="Title 1">
+            <a:extLst>
+              <a:ext uri="{FF2B5EF4-FFF2-40B4-BE49-F238E27FC236}">
+                <a16:creationId xmlns:a16="http://schemas.microsoft.com/office/drawing/2014/main" id="{722C3AC6-EC11-A435-CCFC-C26C165192A0}"/>
+              </a:ext>
+            </a:extLst>
+          </p:cNvPr>
+          <p:cNvSpPr>
+            <a:spLocks noGrp="1"/>
+          </p:cNvSpPr>
+          <p:nvPr>
+            <p:ph type="title"/>
+          </p:nvPr>
+        </p:nvSpPr>
+        <p:spPr/>
+        <p:txBody>
+          <a:bodyPr/>
+          <a:lstStyle/>
+          <a:p>
+            <a:r>
+              <a:rPr lang="en-US" dirty="0"/>
+              <a:t>A</a:t>
+            </a:r>
+            <a:r>
+              <a:rPr lang="en-US" altLang="zh-CN" dirty="0"/>
+              <a:t>lexa APIs</a:t>
+            </a:r>
+            <a:endParaRPr lang="en-US" dirty="0"/>
+          </a:p>
+        </p:txBody>
+      </p:sp>
+      <p:sp>
+        <p:nvSpPr>
+          <p:cNvPr id="3" name="Content Placeholder 2">
+            <a:extLst>
+              <a:ext uri="{FF2B5EF4-FFF2-40B4-BE49-F238E27FC236}">
+                <a16:creationId xmlns:a16="http://schemas.microsoft.com/office/drawing/2014/main" id="{C6623D0F-8E58-5E61-D740-A52B23851FF9}"/>
+              </a:ext>
+            </a:extLst>
+          </p:cNvPr>
+          <p:cNvSpPr>
+            <a:spLocks noGrp="1"/>
+          </p:cNvSpPr>
+          <p:nvPr>
+            <p:ph idx="1"/>
+          </p:nvPr>
+        </p:nvSpPr>
+        <p:spPr/>
+        <p:txBody>
+          <a:bodyPr/>
+          <a:lstStyle/>
+          <a:p>
+            <a:r>
+              <a:rPr lang="en-US" dirty="0"/>
+              <a:t>Alexa Voice Service(AVS) API</a:t>
+            </a:r>
+          </a:p>
+          <a:p>
+            <a:r>
+              <a:rPr lang="en-US" dirty="0"/>
+              <a:t>Amazon Developer Account</a:t>
+            </a:r>
+          </a:p>
+          <a:p>
+            <a:r>
+              <a:rPr lang="en-US"/>
+              <a:t>Security Profile</a:t>
+            </a:r>
+            <a:endParaRPr lang="en-US" dirty="0"/>
+          </a:p>
+        </p:txBody>
+      </p:sp>
+    </p:spTree>
+    <p:extLst>
+      <p:ext uri="{BB962C8B-B14F-4D97-AF65-F5344CB8AC3E}">
+        <p14:creationId xmlns:p14="http://schemas.microsoft.com/office/powerpoint/2010/main" val="877632867"/>
       </p:ext>
     </p:extLst>
   </p:cSld>

--- a/Presentation1.pptx
+++ b/Presentation1.pptx
@@ -5,7 +5,7 @@
     <p:sldMasterId id="2147483648" r:id="rId1"/>
   </p:sldMasterIdLst>
   <p:notesMasterIdLst>
-    <p:notesMasterId r:id="rId27"/>
+    <p:notesMasterId r:id="rId31"/>
   </p:notesMasterIdLst>
   <p:sldIdLst>
     <p:sldId id="256" r:id="rId2"/>
@@ -33,6 +33,10 @@
     <p:sldId id="286" r:id="rId24"/>
     <p:sldId id="287" r:id="rId25"/>
     <p:sldId id="288" r:id="rId26"/>
+    <p:sldId id="289" r:id="rId27"/>
+    <p:sldId id="292" r:id="rId28"/>
+    <p:sldId id="290" r:id="rId29"/>
+    <p:sldId id="291" r:id="rId30"/>
   </p:sldIdLst>
   <p:sldSz cx="12192000" cy="6858000"/>
   <p:notesSz cx="6858000" cy="9144000"/>
@@ -221,7 +225,7 @@
           <a:p>
             <a:fld id="{72646578-14F6-4B4C-9607-C52529FEB0BF}" type="datetimeFigureOut">
               <a:rPr lang="en-US" smtClean="0"/>
-              <a:t>1/15/2024</a:t>
+              <a:t>1/16/2024</a:t>
             </a:fld>
             <a:endParaRPr lang="en-US"/>
           </a:p>
@@ -1397,7 +1401,7 @@
           <a:p>
             <a:fld id="{78CD1D6E-A027-634F-BC83-5ADA8E496EAB}" type="datetimeFigureOut">
               <a:rPr lang="en-US" smtClean="0"/>
-              <a:t>1/15/2024</a:t>
+              <a:t>1/16/2024</a:t>
             </a:fld>
             <a:endParaRPr lang="en-US"/>
           </a:p>
@@ -1595,7 +1599,7 @@
           <a:p>
             <a:fld id="{78CD1D6E-A027-634F-BC83-5ADA8E496EAB}" type="datetimeFigureOut">
               <a:rPr lang="en-US" smtClean="0"/>
-              <a:t>1/15/2024</a:t>
+              <a:t>1/16/2024</a:t>
             </a:fld>
             <a:endParaRPr lang="en-US"/>
           </a:p>
@@ -1803,7 +1807,7 @@
           <a:p>
             <a:fld id="{78CD1D6E-A027-634F-BC83-5ADA8E496EAB}" type="datetimeFigureOut">
               <a:rPr lang="en-US" smtClean="0"/>
-              <a:t>1/15/2024</a:t>
+              <a:t>1/16/2024</a:t>
             </a:fld>
             <a:endParaRPr lang="en-US"/>
           </a:p>
@@ -2001,7 +2005,7 @@
           <a:p>
             <a:fld id="{78CD1D6E-A027-634F-BC83-5ADA8E496EAB}" type="datetimeFigureOut">
               <a:rPr lang="en-US" smtClean="0"/>
-              <a:t>1/15/2024</a:t>
+              <a:t>1/16/2024</a:t>
             </a:fld>
             <a:endParaRPr lang="en-US"/>
           </a:p>
@@ -2276,7 +2280,7 @@
           <a:p>
             <a:fld id="{78CD1D6E-A027-634F-BC83-5ADA8E496EAB}" type="datetimeFigureOut">
               <a:rPr lang="en-US" smtClean="0"/>
-              <a:t>1/15/2024</a:t>
+              <a:t>1/16/2024</a:t>
             </a:fld>
             <a:endParaRPr lang="en-US"/>
           </a:p>
@@ -2541,7 +2545,7 @@
           <a:p>
             <a:fld id="{78CD1D6E-A027-634F-BC83-5ADA8E496EAB}" type="datetimeFigureOut">
               <a:rPr lang="en-US" smtClean="0"/>
-              <a:t>1/15/2024</a:t>
+              <a:t>1/16/2024</a:t>
             </a:fld>
             <a:endParaRPr lang="en-US"/>
           </a:p>
@@ -2953,7 +2957,7 @@
           <a:p>
             <a:fld id="{78CD1D6E-A027-634F-BC83-5ADA8E496EAB}" type="datetimeFigureOut">
               <a:rPr lang="en-US" smtClean="0"/>
-              <a:t>1/15/2024</a:t>
+              <a:t>1/16/2024</a:t>
             </a:fld>
             <a:endParaRPr lang="en-US"/>
           </a:p>
@@ -3094,7 +3098,7 @@
           <a:p>
             <a:fld id="{78CD1D6E-A027-634F-BC83-5ADA8E496EAB}" type="datetimeFigureOut">
               <a:rPr lang="en-US" smtClean="0"/>
-              <a:t>1/15/2024</a:t>
+              <a:t>1/16/2024</a:t>
             </a:fld>
             <a:endParaRPr lang="en-US"/>
           </a:p>
@@ -3207,7 +3211,7 @@
           <a:p>
             <a:fld id="{78CD1D6E-A027-634F-BC83-5ADA8E496EAB}" type="datetimeFigureOut">
               <a:rPr lang="en-US" smtClean="0"/>
-              <a:t>1/15/2024</a:t>
+              <a:t>1/16/2024</a:t>
             </a:fld>
             <a:endParaRPr lang="en-US"/>
           </a:p>
@@ -3518,7 +3522,7 @@
           <a:p>
             <a:fld id="{78CD1D6E-A027-634F-BC83-5ADA8E496EAB}" type="datetimeFigureOut">
               <a:rPr lang="en-US" smtClean="0"/>
-              <a:t>1/15/2024</a:t>
+              <a:t>1/16/2024</a:t>
             </a:fld>
             <a:endParaRPr lang="en-US"/>
           </a:p>
@@ -3806,7 +3810,7 @@
           <a:p>
             <a:fld id="{78CD1D6E-A027-634F-BC83-5ADA8E496EAB}" type="datetimeFigureOut">
               <a:rPr lang="en-US" smtClean="0"/>
-              <a:t>1/15/2024</a:t>
+              <a:t>1/16/2024</a:t>
             </a:fld>
             <a:endParaRPr lang="en-US"/>
           </a:p>
@@ -4047,7 +4051,7 @@
           <a:p>
             <a:fld id="{78CD1D6E-A027-634F-BC83-5ADA8E496EAB}" type="datetimeFigureOut">
               <a:rPr lang="en-US" smtClean="0"/>
-              <a:t>1/15/2024</a:t>
+              <a:t>1/16/2024</a:t>
             </a:fld>
             <a:endParaRPr lang="en-US"/>
           </a:p>
@@ -9205,6 +9209,506 @@
     <p:extLst>
       <p:ext uri="{BB962C8B-B14F-4D97-AF65-F5344CB8AC3E}">
         <p14:creationId xmlns:p14="http://schemas.microsoft.com/office/powerpoint/2010/main" val="877632867"/>
+      </p:ext>
+    </p:extLst>
+  </p:cSld>
+  <p:clrMapOvr>
+    <a:masterClrMapping/>
+  </p:clrMapOvr>
+</p:sld>
+</file>
+
+<file path=ppt/slides/slide26.xml><?xml version="1.0" encoding="utf-8"?>
+<p:sld xmlns:a="http://schemas.openxmlformats.org/drawingml/2006/main" xmlns:r="http://schemas.openxmlformats.org/officeDocument/2006/relationships" xmlns:p="http://schemas.openxmlformats.org/presentationml/2006/main">
+  <p:cSld>
+    <p:spTree>
+      <p:nvGrpSpPr>
+        <p:cNvPr id="1" name=""/>
+        <p:cNvGrpSpPr/>
+        <p:nvPr/>
+      </p:nvGrpSpPr>
+      <p:grpSpPr>
+        <a:xfrm>
+          <a:off x="0" y="0"/>
+          <a:ext cx="0" cy="0"/>
+          <a:chOff x="0" y="0"/>
+          <a:chExt cx="0" cy="0"/>
+        </a:xfrm>
+      </p:grpSpPr>
+      <p:sp>
+        <p:nvSpPr>
+          <p:cNvPr id="2" name="Title 1">
+            <a:extLst>
+              <a:ext uri="{FF2B5EF4-FFF2-40B4-BE49-F238E27FC236}">
+                <a16:creationId xmlns:a16="http://schemas.microsoft.com/office/drawing/2014/main" id="{74FE0CB1-E84F-31EA-321E-41AA743ED0A6}"/>
+              </a:ext>
+            </a:extLst>
+          </p:cNvPr>
+          <p:cNvSpPr>
+            <a:spLocks noGrp="1"/>
+          </p:cNvSpPr>
+          <p:nvPr>
+            <p:ph type="title"/>
+          </p:nvPr>
+        </p:nvSpPr>
+        <p:spPr/>
+        <p:txBody>
+          <a:bodyPr/>
+          <a:lstStyle/>
+          <a:p>
+            <a:r>
+              <a:rPr lang="en-US" dirty="0"/>
+              <a:t>S</a:t>
+            </a:r>
+            <a:r>
+              <a:rPr lang="en-US" altLang="zh-CN" dirty="0"/>
+              <a:t>ystem Design</a:t>
+            </a:r>
+            <a:endParaRPr lang="en-US" dirty="0"/>
+          </a:p>
+        </p:txBody>
+      </p:sp>
+      <p:sp>
+        <p:nvSpPr>
+          <p:cNvPr id="3" name="Content Placeholder 2">
+            <a:extLst>
+              <a:ext uri="{FF2B5EF4-FFF2-40B4-BE49-F238E27FC236}">
+                <a16:creationId xmlns:a16="http://schemas.microsoft.com/office/drawing/2014/main" id="{8B6622C2-7ECF-0D4E-CA75-F3294F275316}"/>
+              </a:ext>
+            </a:extLst>
+          </p:cNvPr>
+          <p:cNvSpPr>
+            <a:spLocks noGrp="1"/>
+          </p:cNvSpPr>
+          <p:nvPr>
+            <p:ph idx="1"/>
+          </p:nvPr>
+        </p:nvSpPr>
+        <p:spPr/>
+        <p:txBody>
+          <a:bodyPr/>
+          <a:lstStyle/>
+          <a:p>
+            <a:r>
+              <a:rPr lang="en-US" dirty="0"/>
+              <a:t>Pi A (</a:t>
+            </a:r>
+            <a:r>
+              <a:rPr lang="en-US" b="1" dirty="0"/>
+              <a:t>Router</a:t>
+            </a:r>
+            <a:r>
+              <a:rPr lang="en-US" dirty="0"/>
+              <a:t> setup via </a:t>
+            </a:r>
+            <a:r>
+              <a:rPr lang="en-US" dirty="0" err="1"/>
+              <a:t>RaspAP</a:t>
+            </a:r>
+            <a:r>
+              <a:rPr lang="en-US" dirty="0"/>
+              <a:t>)</a:t>
+            </a:r>
+          </a:p>
+          <a:p>
+            <a:pPr lvl="1"/>
+            <a:r>
+              <a:rPr lang="en-US" dirty="0"/>
+              <a:t>Role: Acts as a router</a:t>
+            </a:r>
+          </a:p>
+          <a:p>
+            <a:r>
+              <a:rPr lang="en-US" dirty="0"/>
+              <a:t>Pi B (</a:t>
+            </a:r>
+            <a:r>
+              <a:rPr lang="en-US" b="1" dirty="0"/>
+              <a:t>VPN Server </a:t>
+            </a:r>
+            <a:r>
+              <a:rPr lang="en-US" dirty="0"/>
+              <a:t>setup via </a:t>
+            </a:r>
+            <a:r>
+              <a:rPr lang="en-US" dirty="0" err="1"/>
+              <a:t>PiVPN</a:t>
+            </a:r>
+            <a:r>
+              <a:rPr lang="en-US" dirty="0"/>
+              <a:t>)</a:t>
+            </a:r>
+          </a:p>
+          <a:p>
+            <a:pPr lvl="1"/>
+            <a:r>
+              <a:rPr lang="en-US" dirty="0"/>
+              <a:t>Role: Serves as a VPN server(</a:t>
+            </a:r>
+            <a:r>
+              <a:rPr lang="en-US" dirty="0" err="1"/>
+              <a:t>WireGurad</a:t>
+            </a:r>
+            <a:r>
+              <a:rPr lang="en-US" dirty="0"/>
+              <a:t>)</a:t>
+            </a:r>
+          </a:p>
+          <a:p>
+            <a:r>
+              <a:rPr lang="en-US" dirty="0"/>
+              <a:t>Pi C (</a:t>
+            </a:r>
+            <a:r>
+              <a:rPr lang="en-US" b="1" dirty="0"/>
+              <a:t>A</a:t>
+            </a:r>
+            <a:r>
+              <a:rPr lang="en-US" altLang="zh-CN" b="1" dirty="0"/>
+              <a:t>lexa</a:t>
+            </a:r>
+            <a:r>
+              <a:rPr lang="en-US" altLang="zh-CN" dirty="0"/>
+              <a:t>-like device</a:t>
+            </a:r>
+            <a:r>
+              <a:rPr lang="en-US" dirty="0"/>
+              <a:t>)</a:t>
+            </a:r>
+          </a:p>
+          <a:p>
+            <a:pPr lvl="1"/>
+            <a:r>
+              <a:rPr lang="en-US" dirty="0"/>
+              <a:t>Role: Functions as an Alexa-like device for voice interactions</a:t>
+            </a:r>
+          </a:p>
+          <a:p>
+            <a:endParaRPr lang="en-US" dirty="0"/>
+          </a:p>
+        </p:txBody>
+      </p:sp>
+    </p:spTree>
+    <p:extLst>
+      <p:ext uri="{BB962C8B-B14F-4D97-AF65-F5344CB8AC3E}">
+        <p14:creationId xmlns:p14="http://schemas.microsoft.com/office/powerpoint/2010/main" val="1049844957"/>
+      </p:ext>
+    </p:extLst>
+  </p:cSld>
+  <p:clrMapOvr>
+    <a:masterClrMapping/>
+  </p:clrMapOvr>
+</p:sld>
+</file>
+
+<file path=ppt/slides/slide27.xml><?xml version="1.0" encoding="utf-8"?>
+<p:sld xmlns:a="http://schemas.openxmlformats.org/drawingml/2006/main" xmlns:r="http://schemas.openxmlformats.org/officeDocument/2006/relationships" xmlns:p="http://schemas.openxmlformats.org/presentationml/2006/main">
+  <p:cSld>
+    <p:spTree>
+      <p:nvGrpSpPr>
+        <p:cNvPr id="1" name=""/>
+        <p:cNvGrpSpPr/>
+        <p:nvPr/>
+      </p:nvGrpSpPr>
+      <p:grpSpPr>
+        <a:xfrm>
+          <a:off x="0" y="0"/>
+          <a:ext cx="0" cy="0"/>
+          <a:chOff x="0" y="0"/>
+          <a:chExt cx="0" cy="0"/>
+        </a:xfrm>
+      </p:grpSpPr>
+      <p:sp>
+        <p:nvSpPr>
+          <p:cNvPr id="2" name="Title 1">
+            <a:extLst>
+              <a:ext uri="{FF2B5EF4-FFF2-40B4-BE49-F238E27FC236}">
+                <a16:creationId xmlns:a16="http://schemas.microsoft.com/office/drawing/2014/main" id="{02C9E500-364D-1562-2066-C9F84C64E60A}"/>
+              </a:ext>
+            </a:extLst>
+          </p:cNvPr>
+          <p:cNvSpPr>
+            <a:spLocks noGrp="1"/>
+          </p:cNvSpPr>
+          <p:nvPr>
+            <p:ph type="title"/>
+          </p:nvPr>
+        </p:nvSpPr>
+        <p:spPr/>
+        <p:txBody>
+          <a:bodyPr/>
+          <a:lstStyle/>
+          <a:p>
+            <a:r>
+              <a:rPr lang="en-US" dirty="0"/>
+              <a:t>Pi A Router</a:t>
+            </a:r>
+          </a:p>
+        </p:txBody>
+      </p:sp>
+      <p:sp>
+        <p:nvSpPr>
+          <p:cNvPr id="3" name="Content Placeholder 2">
+            <a:extLst>
+              <a:ext uri="{FF2B5EF4-FFF2-40B4-BE49-F238E27FC236}">
+                <a16:creationId xmlns:a16="http://schemas.microsoft.com/office/drawing/2014/main" id="{F24216F3-0120-07AD-0941-B2D3BE6B8FA1}"/>
+              </a:ext>
+            </a:extLst>
+          </p:cNvPr>
+          <p:cNvSpPr>
+            <a:spLocks noGrp="1"/>
+          </p:cNvSpPr>
+          <p:nvPr>
+            <p:ph idx="1"/>
+          </p:nvPr>
+        </p:nvSpPr>
+        <p:spPr/>
+        <p:txBody>
+          <a:bodyPr/>
+          <a:lstStyle/>
+          <a:p>
+            <a:r>
+              <a:rPr lang="en-US" dirty="0"/>
+              <a:t>Role:</a:t>
+            </a:r>
+          </a:p>
+        </p:txBody>
+      </p:sp>
+    </p:spTree>
+    <p:extLst>
+      <p:ext uri="{BB962C8B-B14F-4D97-AF65-F5344CB8AC3E}">
+        <p14:creationId xmlns:p14="http://schemas.microsoft.com/office/powerpoint/2010/main" val="3135284351"/>
+      </p:ext>
+    </p:extLst>
+  </p:cSld>
+  <p:clrMapOvr>
+    <a:masterClrMapping/>
+  </p:clrMapOvr>
+</p:sld>
+</file>
+
+<file path=ppt/slides/slide28.xml><?xml version="1.0" encoding="utf-8"?>
+<p:sld xmlns:a="http://schemas.openxmlformats.org/drawingml/2006/main" xmlns:r="http://schemas.openxmlformats.org/officeDocument/2006/relationships" xmlns:p="http://schemas.openxmlformats.org/presentationml/2006/main">
+  <p:cSld>
+    <p:spTree>
+      <p:nvGrpSpPr>
+        <p:cNvPr id="1" name=""/>
+        <p:cNvGrpSpPr/>
+        <p:nvPr/>
+      </p:nvGrpSpPr>
+      <p:grpSpPr>
+        <a:xfrm>
+          <a:off x="0" y="0"/>
+          <a:ext cx="0" cy="0"/>
+          <a:chOff x="0" y="0"/>
+          <a:chExt cx="0" cy="0"/>
+        </a:xfrm>
+      </p:grpSpPr>
+      <p:sp>
+        <p:nvSpPr>
+          <p:cNvPr id="2" name="Title 1">
+            <a:extLst>
+              <a:ext uri="{FF2B5EF4-FFF2-40B4-BE49-F238E27FC236}">
+                <a16:creationId xmlns:a16="http://schemas.microsoft.com/office/drawing/2014/main" id="{168D8336-FEA3-7F77-36AC-278CEDCBCE0E}"/>
+              </a:ext>
+            </a:extLst>
+          </p:cNvPr>
+          <p:cNvSpPr>
+            <a:spLocks noGrp="1"/>
+          </p:cNvSpPr>
+          <p:nvPr>
+            <p:ph type="title"/>
+          </p:nvPr>
+        </p:nvSpPr>
+        <p:spPr/>
+        <p:txBody>
+          <a:bodyPr/>
+          <a:lstStyle/>
+          <a:p>
+            <a:r>
+              <a:rPr lang="en-US" dirty="0"/>
+              <a:t>Pi B VPN Server</a:t>
+            </a:r>
+          </a:p>
+        </p:txBody>
+      </p:sp>
+      <p:sp>
+        <p:nvSpPr>
+          <p:cNvPr id="3" name="Content Placeholder 2">
+            <a:extLst>
+              <a:ext uri="{FF2B5EF4-FFF2-40B4-BE49-F238E27FC236}">
+                <a16:creationId xmlns:a16="http://schemas.microsoft.com/office/drawing/2014/main" id="{8D97B938-C687-DEDB-6DDD-5AC0231BF0E8}"/>
+              </a:ext>
+            </a:extLst>
+          </p:cNvPr>
+          <p:cNvSpPr>
+            <a:spLocks noGrp="1"/>
+          </p:cNvSpPr>
+          <p:nvPr>
+            <p:ph idx="1"/>
+          </p:nvPr>
+        </p:nvSpPr>
+        <p:spPr/>
+        <p:txBody>
+          <a:bodyPr/>
+          <a:lstStyle/>
+          <a:p>
+            <a:r>
+              <a:rPr lang="en-US" dirty="0"/>
+              <a:t>Tasks:</a:t>
+            </a:r>
+          </a:p>
+          <a:p>
+            <a:pPr lvl="1"/>
+            <a:r>
+              <a:rPr lang="en-US" dirty="0"/>
+              <a:t>1. Generate VPN Configuration: ‘</a:t>
+            </a:r>
+            <a:r>
+              <a:rPr lang="en-US" i="1" dirty="0" err="1"/>
+              <a:t>pivpn</a:t>
+            </a:r>
+            <a:r>
+              <a:rPr lang="en-US" i="1" dirty="0"/>
+              <a:t> add</a:t>
+            </a:r>
+            <a:r>
+              <a:rPr lang="en-US" dirty="0"/>
+              <a:t>’ to create a client profile for Pi C</a:t>
+            </a:r>
+          </a:p>
+          <a:p>
+            <a:pPr lvl="1"/>
+            <a:r>
+              <a:rPr lang="en-US" dirty="0"/>
+              <a:t>2. </a:t>
+            </a:r>
+            <a:r>
+              <a:rPr lang="en-US" dirty="0" err="1"/>
+              <a:t>ufw</a:t>
+            </a:r>
+            <a:r>
+              <a:rPr lang="en-US" dirty="0"/>
+              <a:t>:  Uncomplicated Firewall</a:t>
+            </a:r>
+          </a:p>
+          <a:p>
+            <a:pPr lvl="1"/>
+            <a:r>
+              <a:rPr lang="en-US" dirty="0"/>
+              <a:t>3. Enable IP forwarding</a:t>
+            </a:r>
+          </a:p>
+          <a:p>
+            <a:pPr lvl="1"/>
+            <a:r>
+              <a:rPr lang="en-US" dirty="0"/>
+              <a:t>4. Configure NAT for the Wi-Fi Interface</a:t>
+            </a:r>
+          </a:p>
+          <a:p>
+            <a:pPr lvl="1"/>
+            <a:endParaRPr lang="en-US" dirty="0"/>
+          </a:p>
+        </p:txBody>
+      </p:sp>
+    </p:spTree>
+    <p:extLst>
+      <p:ext uri="{BB962C8B-B14F-4D97-AF65-F5344CB8AC3E}">
+        <p14:creationId xmlns:p14="http://schemas.microsoft.com/office/powerpoint/2010/main" val="2192539854"/>
+      </p:ext>
+    </p:extLst>
+  </p:cSld>
+  <p:clrMapOvr>
+    <a:masterClrMapping/>
+  </p:clrMapOvr>
+</p:sld>
+</file>
+
+<file path=ppt/slides/slide29.xml><?xml version="1.0" encoding="utf-8"?>
+<p:sld xmlns:a="http://schemas.openxmlformats.org/drawingml/2006/main" xmlns:r="http://schemas.openxmlformats.org/officeDocument/2006/relationships" xmlns:p="http://schemas.openxmlformats.org/presentationml/2006/main">
+  <p:cSld>
+    <p:spTree>
+      <p:nvGrpSpPr>
+        <p:cNvPr id="1" name=""/>
+        <p:cNvGrpSpPr/>
+        <p:nvPr/>
+      </p:nvGrpSpPr>
+      <p:grpSpPr>
+        <a:xfrm>
+          <a:off x="0" y="0"/>
+          <a:ext cx="0" cy="0"/>
+          <a:chOff x="0" y="0"/>
+          <a:chExt cx="0" cy="0"/>
+        </a:xfrm>
+      </p:grpSpPr>
+      <p:sp>
+        <p:nvSpPr>
+          <p:cNvPr id="2" name="Title 1">
+            <a:extLst>
+              <a:ext uri="{FF2B5EF4-FFF2-40B4-BE49-F238E27FC236}">
+                <a16:creationId xmlns:a16="http://schemas.microsoft.com/office/drawing/2014/main" id="{931B4F46-F34A-5759-07FA-D0A0E0358A7E}"/>
+              </a:ext>
+            </a:extLst>
+          </p:cNvPr>
+          <p:cNvSpPr>
+            <a:spLocks noGrp="1"/>
+          </p:cNvSpPr>
+          <p:nvPr>
+            <p:ph type="title"/>
+          </p:nvPr>
+        </p:nvSpPr>
+        <p:spPr/>
+        <p:txBody>
+          <a:bodyPr/>
+          <a:lstStyle/>
+          <a:p>
+            <a:r>
+              <a:rPr lang="en-US" dirty="0"/>
+              <a:t>Pi C Alexa-like Device</a:t>
+            </a:r>
+          </a:p>
+        </p:txBody>
+      </p:sp>
+      <p:sp>
+        <p:nvSpPr>
+          <p:cNvPr id="3" name="Content Placeholder 2">
+            <a:extLst>
+              <a:ext uri="{FF2B5EF4-FFF2-40B4-BE49-F238E27FC236}">
+                <a16:creationId xmlns:a16="http://schemas.microsoft.com/office/drawing/2014/main" id="{3FAB9B83-0AD6-924C-C49E-9BDC8A6FBB6C}"/>
+              </a:ext>
+            </a:extLst>
+          </p:cNvPr>
+          <p:cNvSpPr>
+            <a:spLocks noGrp="1"/>
+          </p:cNvSpPr>
+          <p:nvPr>
+            <p:ph idx="1"/>
+          </p:nvPr>
+        </p:nvSpPr>
+        <p:spPr/>
+        <p:txBody>
+          <a:bodyPr/>
+          <a:lstStyle/>
+          <a:p>
+            <a:r>
+              <a:rPr lang="en-US" dirty="0"/>
+              <a:t>Tasks:</a:t>
+            </a:r>
+          </a:p>
+          <a:p>
+            <a:pPr lvl="1"/>
+            <a:r>
+              <a:rPr lang="en-US" dirty="0"/>
+              <a:t>1. Connect to VPN</a:t>
+            </a:r>
+          </a:p>
+        </p:txBody>
+      </p:sp>
+    </p:spTree>
+    <p:extLst>
+      <p:ext uri="{BB962C8B-B14F-4D97-AF65-F5344CB8AC3E}">
+        <p14:creationId xmlns:p14="http://schemas.microsoft.com/office/powerpoint/2010/main" val="1000784514"/>
       </p:ext>
     </p:extLst>
   </p:cSld>

--- a/Presentation1.pptx
+++ b/Presentation1.pptx
@@ -9262,7 +9262,7 @@
             </a:r>
             <a:r>
               <a:rPr lang="en-US" altLang="zh-CN" dirty="0"/>
-              <a:t>ystem Design</a:t>
+              <a:t>ystem Components</a:t>
             </a:r>
             <a:endParaRPr lang="en-US" dirty="0"/>
           </a:p>
@@ -9291,11 +9291,17 @@
           <a:p>
             <a:r>
               <a:rPr lang="en-US" dirty="0"/>
+              <a:t>Router </a:t>
+            </a:r>
+          </a:p>
+          <a:p>
+            <a:r>
+              <a:rPr lang="en-US" dirty="0"/>
               <a:t>Pi A (</a:t>
             </a:r>
             <a:r>
               <a:rPr lang="en-US" b="1" dirty="0"/>
-              <a:t>Router</a:t>
+              <a:t>Wireless Access Point</a:t>
             </a:r>
             <a:r>
               <a:rPr lang="en-US" dirty="0"/>
@@ -9314,7 +9320,7 @@
             <a:pPr lvl="1"/>
             <a:r>
               <a:rPr lang="en-US" dirty="0"/>
-              <a:t>Role: Acts as a router</a:t>
+              <a:t>Role: Acts as a Wireless Access Point</a:t>
             </a:r>
           </a:p>
           <a:p>
@@ -9441,7 +9447,7 @@
           <a:p>
             <a:r>
               <a:rPr lang="en-US" dirty="0"/>
-              <a:t>Pi A Router</a:t>
+              <a:t>Pi A Wireless Access Point</a:t>
             </a:r>
           </a:p>
         </p:txBody>
@@ -9700,8 +9706,12 @@
             <a:pPr lvl="1"/>
             <a:r>
               <a:rPr lang="en-US" dirty="0"/>
-              <a:t>1. Connect to VPN</a:t>
-            </a:r>
+              <a:t>1. Create an AVS Product(Alexa Voice Service) and Security Profile.</a:t>
+            </a:r>
+          </a:p>
+          <a:p>
+            <a:pPr lvl="1"/>
+            <a:endParaRPr lang="en-US" dirty="0"/>
           </a:p>
         </p:txBody>
       </p:sp>

--- a/Presentation1.pptx
+++ b/Presentation1.pptx
@@ -5,7 +5,7 @@
     <p:sldMasterId id="2147483648" r:id="rId1"/>
   </p:sldMasterIdLst>
   <p:notesMasterIdLst>
-    <p:notesMasterId r:id="rId31"/>
+    <p:notesMasterId r:id="rId30"/>
   </p:notesMasterIdLst>
   <p:sldIdLst>
     <p:sldId id="256" r:id="rId2"/>
@@ -30,13 +30,12 @@
     <p:sldId id="282" r:id="rId21"/>
     <p:sldId id="283" r:id="rId22"/>
     <p:sldId id="285" r:id="rId23"/>
-    <p:sldId id="286" r:id="rId24"/>
+    <p:sldId id="293" r:id="rId24"/>
     <p:sldId id="287" r:id="rId25"/>
-    <p:sldId id="288" r:id="rId26"/>
-    <p:sldId id="289" r:id="rId27"/>
-    <p:sldId id="292" r:id="rId28"/>
-    <p:sldId id="290" r:id="rId29"/>
-    <p:sldId id="291" r:id="rId30"/>
+    <p:sldId id="289" r:id="rId26"/>
+    <p:sldId id="292" r:id="rId27"/>
+    <p:sldId id="290" r:id="rId28"/>
+    <p:sldId id="291" r:id="rId29"/>
   </p:sldIdLst>
   <p:sldSz cx="12192000" cy="6858000"/>
   <p:notesSz cx="6858000" cy="9144000"/>
@@ -1245,6 +1244,93 @@
     <p:extLst>
       <p:ext uri="{BB962C8B-B14F-4D97-AF65-F5344CB8AC3E}">
         <p14:creationId xmlns:p14="http://schemas.microsoft.com/office/powerpoint/2010/main" val="1686941924"/>
+      </p:ext>
+    </p:extLst>
+  </p:cSld>
+  <p:clrMapOvr>
+    <a:masterClrMapping/>
+  </p:clrMapOvr>
+</p:notes>
+</file>
+
+<file path=ppt/notesSlides/notesSlide7.xml><?xml version="1.0" encoding="utf-8"?>
+<p:notes xmlns:a="http://schemas.openxmlformats.org/drawingml/2006/main" xmlns:r="http://schemas.openxmlformats.org/officeDocument/2006/relationships" xmlns:p="http://schemas.openxmlformats.org/presentationml/2006/main">
+  <p:cSld>
+    <p:spTree>
+      <p:nvGrpSpPr>
+        <p:cNvPr id="1" name=""/>
+        <p:cNvGrpSpPr/>
+        <p:nvPr/>
+      </p:nvGrpSpPr>
+      <p:grpSpPr>
+        <a:xfrm>
+          <a:off x="0" y="0"/>
+          <a:ext cx="0" cy="0"/>
+          <a:chOff x="0" y="0"/>
+          <a:chExt cx="0" cy="0"/>
+        </a:xfrm>
+      </p:grpSpPr>
+      <p:sp>
+        <p:nvSpPr>
+          <p:cNvPr id="2" name="Slide Image Placeholder 1"/>
+          <p:cNvSpPr>
+            <a:spLocks noGrp="1" noRot="1" noChangeAspect="1"/>
+          </p:cNvSpPr>
+          <p:nvPr>
+            <p:ph type="sldImg"/>
+          </p:nvPr>
+        </p:nvSpPr>
+        <p:spPr/>
+      </p:sp>
+      <p:sp>
+        <p:nvSpPr>
+          <p:cNvPr id="3" name="Notes Placeholder 2"/>
+          <p:cNvSpPr>
+            <a:spLocks noGrp="1"/>
+          </p:cNvSpPr>
+          <p:nvPr>
+            <p:ph type="body" idx="1"/>
+          </p:nvPr>
+        </p:nvSpPr>
+        <p:spPr/>
+        <p:txBody>
+          <a:bodyPr/>
+          <a:lstStyle/>
+          <a:p>
+            <a:r>
+              <a:rPr lang="en-US" dirty="0"/>
+              <a:t>https://developer.amazon.com/en-US/docs/alexa/avs-device-sdk/smart-screen-raspberry-pi.html</a:t>
+            </a:r>
+          </a:p>
+        </p:txBody>
+      </p:sp>
+      <p:sp>
+        <p:nvSpPr>
+          <p:cNvPr id="4" name="Slide Number Placeholder 3"/>
+          <p:cNvSpPr>
+            <a:spLocks noGrp="1"/>
+          </p:cNvSpPr>
+          <p:nvPr>
+            <p:ph type="sldNum" sz="quarter" idx="5"/>
+          </p:nvPr>
+        </p:nvSpPr>
+        <p:spPr/>
+        <p:txBody>
+          <a:bodyPr/>
+          <a:lstStyle/>
+          <a:p>
+            <a:fld id="{88682BC9-22E9-B640-848B-A22C37F71A64}" type="slidenum">
+              <a:rPr lang="en-US" smtClean="0"/>
+              <a:t>28</a:t>
+            </a:fld>
+            <a:endParaRPr lang="en-US"/>
+          </a:p>
+        </p:txBody>
+      </p:sp>
+    </p:spTree>
+    <p:extLst>
+      <p:ext uri="{BB962C8B-B14F-4D97-AF65-F5344CB8AC3E}">
+        <p14:creationId xmlns:p14="http://schemas.microsoft.com/office/powerpoint/2010/main" val="265426628"/>
       </p:ext>
     </p:extLst>
   </p:cSld>
@@ -8822,6 +8908,28 @@
           <a:p>
             <a:r>
               <a:rPr lang="en-US" dirty="0"/>
+              <a:t>Question: Can we still attack if we don’t know actually </a:t>
+            </a:r>
+            <a:r>
+              <a:rPr lang="en-US" dirty="0" err="1"/>
+              <a:t>ip</a:t>
+            </a:r>
+            <a:r>
+              <a:rPr lang="en-US" dirty="0"/>
+              <a:t> or the </a:t>
+            </a:r>
+            <a:r>
+              <a:rPr lang="en-US" dirty="0" err="1"/>
+              <a:t>ip</a:t>
+            </a:r>
+            <a:r>
+              <a:rPr lang="en-US" dirty="0"/>
+              <a:t> is changing all the time.</a:t>
+            </a:r>
+          </a:p>
+          <a:p>
+            <a:r>
+              <a:rPr lang="en-US" dirty="0"/>
               <a:t>VPN</a:t>
             </a:r>
           </a:p>
@@ -8836,28 +8944,15 @@
             <a:pPr lvl="1"/>
             <a:r>
               <a:rPr lang="en-US" dirty="0"/>
-              <a:t>We should </a:t>
-            </a:r>
-            <a:r>
-              <a:rPr lang="en-US" dirty="0" err="1"/>
-              <a:t>assump</a:t>
-            </a:r>
+              <a:t>Also VPN will bring some noise traffic, more challenge</a:t>
+            </a:r>
+          </a:p>
+          <a:p>
+            <a:pPr lvl="1"/>
             <a:r>
               <a:rPr lang="en-US" dirty="0"/>
-              <a:t> that attacker cannot know the </a:t>
-            </a:r>
-            <a:r>
-              <a:rPr lang="en-US" dirty="0" err="1"/>
-              <a:t>ip</a:t>
-            </a:r>
-            <a:r>
-              <a:rPr lang="en-US" dirty="0"/>
-              <a:t> in our system.</a:t>
-            </a:r>
-          </a:p>
-          <a:p>
-            <a:pPr lvl="1"/>
-            <a:endParaRPr lang="en-US" dirty="0"/>
+              <a:t>But people typically don’t use VPN at their home I think. Not sure if it is a major contribution. Maybe a case study?</a:t>
+            </a:r>
           </a:p>
           <a:p>
             <a:r>
@@ -8869,7 +8964,7 @@
             <a:pPr lvl="1"/>
             <a:r>
               <a:rPr lang="en-US" dirty="0"/>
-              <a:t>Why? Make it easy for more operations: Keyboards… </a:t>
+              <a:t>Why? Make it easy for more operations: Keyboard interaction</a:t>
             </a:r>
           </a:p>
           <a:p>
@@ -8916,7 +9011,7 @@
           <p:cNvPr id="2" name="Title 1">
             <a:extLst>
               <a:ext uri="{FF2B5EF4-FFF2-40B4-BE49-F238E27FC236}">
-                <a16:creationId xmlns:a16="http://schemas.microsoft.com/office/drawing/2014/main" id="{859BB6BF-AB3D-2B3F-30FD-68B4522C0245}"/>
+                <a16:creationId xmlns:a16="http://schemas.microsoft.com/office/drawing/2014/main" id="{CCEFDE66-5B1F-BBDD-11F7-C58446D5C54C}"/>
               </a:ext>
             </a:extLst>
           </p:cNvPr>
@@ -8934,7 +9029,7 @@
           <a:p>
             <a:r>
               <a:rPr lang="en-US" dirty="0"/>
-              <a:t>VPN </a:t>
+              <a:t>Contribution</a:t>
             </a:r>
           </a:p>
         </p:txBody>
@@ -8944,7 +9039,7 @@
           <p:cNvPr id="3" name="Content Placeholder 2">
             <a:extLst>
               <a:ext uri="{FF2B5EF4-FFF2-40B4-BE49-F238E27FC236}">
-                <a16:creationId xmlns:a16="http://schemas.microsoft.com/office/drawing/2014/main" id="{725F227F-0325-DC7F-1F0E-5D2D9EDBC5E7}"/>
+                <a16:creationId xmlns:a16="http://schemas.microsoft.com/office/drawing/2014/main" id="{EAD1C0B7-FD63-9D2C-8B99-174B7FC15F5E}"/>
               </a:ext>
             </a:extLst>
           </p:cNvPr>
@@ -8962,14 +9057,15 @@
           <a:p>
             <a:r>
               <a:rPr lang="en-US" dirty="0"/>
-              <a:t>Observation: </a:t>
-            </a:r>
-          </a:p>
-          <a:p>
-            <a:pPr lvl="1"/>
+              <a:t>Design a voice attack system which can infer interaction contents via traffic data(inside attack or outside attack) without knowing </a:t>
+            </a:r>
+            <a:r>
+              <a:rPr lang="en-US" dirty="0" err="1"/>
+              <a:t>ip</a:t>
+            </a:r>
             <a:r>
               <a:rPr lang="en-US" dirty="0"/>
-              <a:t>Traffic data: before and after setting up a VPN.</a:t>
+              <a:t>.</a:t>
             </a:r>
           </a:p>
           <a:p>
@@ -8978,15 +9074,24 @@
           <a:p>
             <a:r>
               <a:rPr lang="en-US" dirty="0"/>
-              <a:t>To find out that, can we still do some attacks?</a:t>
-            </a:r>
+              <a:t>Learning Method: Voice Traffic Data Fingerprinting </a:t>
+            </a:r>
+          </a:p>
+          <a:p>
+            <a:endParaRPr lang="en-US" dirty="0"/>
+          </a:p>
+          <a:p>
+            <a:endParaRPr lang="en-US" dirty="0"/>
+          </a:p>
+          <a:p>
+            <a:endParaRPr lang="en-US" dirty="0"/>
           </a:p>
         </p:txBody>
       </p:sp>
     </p:spTree>
     <p:extLst>
       <p:ext uri="{BB962C8B-B14F-4D97-AF65-F5344CB8AC3E}">
-        <p14:creationId xmlns:p14="http://schemas.microsoft.com/office/powerpoint/2010/main" val="2015544818"/>
+        <p14:creationId xmlns:p14="http://schemas.microsoft.com/office/powerpoint/2010/main" val="3366851168"/>
       </p:ext>
     </p:extLst>
   </p:cSld>
@@ -9067,7 +9172,16 @@
           <a:bodyPr/>
           <a:lstStyle/>
           <a:p>
-            <a:endParaRPr lang="en-US" dirty="0"/>
+            <a:r>
+              <a:rPr lang="en-US" dirty="0"/>
+              <a:t>Failed to set on pi 4 B model 32-bits and 64-bits OS.</a:t>
+            </a:r>
+          </a:p>
+          <a:p>
+            <a:r>
+              <a:rPr lang="en-US" dirty="0"/>
+              <a:t>Phone and Windows PC can ping the </a:t>
+            </a:r>
           </a:p>
         </p:txBody>
       </p:sp>
@@ -9093,8 +9207,8 @@
         </p:blipFill>
         <p:spPr>
           <a:xfrm>
-            <a:off x="2286000" y="1704975"/>
-            <a:ext cx="7620000" cy="3448050"/>
+            <a:off x="5117395" y="3149654"/>
+            <a:ext cx="6988389" cy="3162246"/>
           </a:xfrm>
           <a:prstGeom prst="rect">
             <a:avLst/>
@@ -9136,7 +9250,7 @@
           <p:cNvPr id="2" name="Title 1">
             <a:extLst>
               <a:ext uri="{FF2B5EF4-FFF2-40B4-BE49-F238E27FC236}">
-                <a16:creationId xmlns:a16="http://schemas.microsoft.com/office/drawing/2014/main" id="{722C3AC6-EC11-A435-CCFC-C26C165192A0}"/>
+                <a16:creationId xmlns:a16="http://schemas.microsoft.com/office/drawing/2014/main" id="{74FE0CB1-E84F-31EA-321E-41AA743ED0A6}"/>
               </a:ext>
             </a:extLst>
           </p:cNvPr>
@@ -9154,11 +9268,11 @@
           <a:p>
             <a:r>
               <a:rPr lang="en-US" dirty="0"/>
-              <a:t>A</a:t>
-            </a:r>
-            <a:r>
-              <a:rPr lang="en-US" altLang="zh-CN" dirty="0"/>
-              <a:t>lexa APIs</a:t>
+              <a:t>S</a:t>
+            </a:r>
+            <a:r>
+              <a:rPr lang="en-US" altLang="zh-CN" dirty="0"/>
+              <a:t>ystem Components</a:t>
             </a:r>
             <a:endParaRPr lang="en-US" dirty="0"/>
           </a:p>
@@ -9169,7 +9283,7 @@
           <p:cNvPr id="3" name="Content Placeholder 2">
             <a:extLst>
               <a:ext uri="{FF2B5EF4-FFF2-40B4-BE49-F238E27FC236}">
-                <a16:creationId xmlns:a16="http://schemas.microsoft.com/office/drawing/2014/main" id="{C6623D0F-8E58-5E61-D740-A52B23851FF9}"/>
+                <a16:creationId xmlns:a16="http://schemas.microsoft.com/office/drawing/2014/main" id="{8B6622C2-7ECF-0D4E-CA75-F3294F275316}"/>
               </a:ext>
             </a:extLst>
           </p:cNvPr>
@@ -9187,20 +9301,111 @@
           <a:p>
             <a:r>
               <a:rPr lang="en-US" dirty="0"/>
-              <a:t>Alexa Voice Service(AVS) API</a:t>
+              <a:t>Router </a:t>
             </a:r>
           </a:p>
           <a:p>
             <a:r>
               <a:rPr lang="en-US" dirty="0"/>
-              <a:t>Amazon Developer Account</a:t>
-            </a:r>
-          </a:p>
-          <a:p>
-            <a:r>
-              <a:rPr lang="en-US"/>
-              <a:t>Security Profile</a:t>
-            </a:r>
+              <a:t>Pi A (</a:t>
+            </a:r>
+            <a:r>
+              <a:rPr lang="en-US" b="1" dirty="0"/>
+              <a:t>Wireless Access Point</a:t>
+            </a:r>
+            <a:r>
+              <a:rPr lang="en-US" dirty="0"/>
+              <a:t> setup via </a:t>
+            </a:r>
+            <a:r>
+              <a:rPr lang="en-US" dirty="0" err="1"/>
+              <a:t>RaspAP</a:t>
+            </a:r>
+            <a:r>
+              <a:rPr lang="en-US" dirty="0"/>
+              <a:t>)</a:t>
+            </a:r>
+          </a:p>
+          <a:p>
+            <a:pPr lvl="1"/>
+            <a:r>
+              <a:rPr lang="en-US" dirty="0"/>
+              <a:t>Role: Acts as a Wireless Access Point</a:t>
+            </a:r>
+          </a:p>
+          <a:p>
+            <a:r>
+              <a:rPr lang="en-US" dirty="0"/>
+              <a:t>Pi B (</a:t>
+            </a:r>
+            <a:r>
+              <a:rPr lang="en-US" b="1" dirty="0"/>
+              <a:t>VPN Server </a:t>
+            </a:r>
+            <a:r>
+              <a:rPr lang="en-US" dirty="0"/>
+              <a:t>setup via </a:t>
+            </a:r>
+            <a:r>
+              <a:rPr lang="en-US" dirty="0" err="1"/>
+              <a:t>PiVPN</a:t>
+            </a:r>
+            <a:r>
+              <a:rPr lang="en-US" dirty="0"/>
+              <a:t>)</a:t>
+            </a:r>
+          </a:p>
+          <a:p>
+            <a:pPr lvl="1"/>
+            <a:r>
+              <a:rPr lang="en-US" dirty="0"/>
+              <a:t>Role: Serves as a VPN server(</a:t>
+            </a:r>
+            <a:r>
+              <a:rPr lang="en-US" dirty="0" err="1"/>
+              <a:t>WireGurad</a:t>
+            </a:r>
+            <a:r>
+              <a:rPr lang="en-US" dirty="0"/>
+              <a:t>)</a:t>
+            </a:r>
+          </a:p>
+          <a:p>
+            <a:r>
+              <a:rPr lang="en-US" dirty="0"/>
+              <a:t>Pi C (</a:t>
+            </a:r>
+            <a:r>
+              <a:rPr lang="en-US" b="1" dirty="0"/>
+              <a:t>A</a:t>
+            </a:r>
+            <a:r>
+              <a:rPr lang="en-US" altLang="zh-CN" b="1" dirty="0"/>
+              <a:t>lexa</a:t>
+            </a:r>
+            <a:r>
+              <a:rPr lang="en-US" altLang="zh-CN" dirty="0"/>
+              <a:t>-Enabled device</a:t>
+            </a:r>
+            <a:r>
+              <a:rPr lang="en-US" dirty="0"/>
+              <a:t>)</a:t>
+            </a:r>
+          </a:p>
+          <a:p>
+            <a:pPr lvl="1"/>
+            <a:r>
+              <a:rPr lang="en-US" dirty="0"/>
+              <a:t>Role: Functions as an Alexa-Enabled device for voice interactions</a:t>
+            </a:r>
+          </a:p>
+          <a:p>
+            <a:r>
+              <a:rPr lang="en-US" dirty="0"/>
+              <a:t>Maybe VPN Server can be integrated in Pi A(Wireless Access Point)</a:t>
+            </a:r>
+          </a:p>
+          <a:p>
             <a:endParaRPr lang="en-US" dirty="0"/>
           </a:p>
         </p:txBody>
@@ -9208,7 +9413,7 @@
     </p:spTree>
     <p:extLst>
       <p:ext uri="{BB962C8B-B14F-4D97-AF65-F5344CB8AC3E}">
-        <p14:creationId xmlns:p14="http://schemas.microsoft.com/office/powerpoint/2010/main" val="877632867"/>
+        <p14:creationId xmlns:p14="http://schemas.microsoft.com/office/powerpoint/2010/main" val="1049844957"/>
       </p:ext>
     </p:extLst>
   </p:cSld>
@@ -9240,7 +9445,7 @@
           <p:cNvPr id="2" name="Title 1">
             <a:extLst>
               <a:ext uri="{FF2B5EF4-FFF2-40B4-BE49-F238E27FC236}">
-                <a16:creationId xmlns:a16="http://schemas.microsoft.com/office/drawing/2014/main" id="{74FE0CB1-E84F-31EA-321E-41AA743ED0A6}"/>
+                <a16:creationId xmlns:a16="http://schemas.microsoft.com/office/drawing/2014/main" id="{02C9E500-364D-1562-2066-C9F84C64E60A}"/>
               </a:ext>
             </a:extLst>
           </p:cNvPr>
@@ -9258,13 +9463,8 @@
           <a:p>
             <a:r>
               <a:rPr lang="en-US" dirty="0"/>
-              <a:t>S</a:t>
-            </a:r>
-            <a:r>
-              <a:rPr lang="en-US" altLang="zh-CN" dirty="0"/>
-              <a:t>ystem Components</a:t>
-            </a:r>
-            <a:endParaRPr lang="en-US" dirty="0"/>
+              <a:t>Pi A Wireless Access Point</a:t>
+            </a:r>
           </a:p>
         </p:txBody>
       </p:sp>
@@ -9273,7 +9473,7 @@
           <p:cNvPr id="3" name="Content Placeholder 2">
             <a:extLst>
               <a:ext uri="{FF2B5EF4-FFF2-40B4-BE49-F238E27FC236}">
-                <a16:creationId xmlns:a16="http://schemas.microsoft.com/office/drawing/2014/main" id="{8B6622C2-7ECF-0D4E-CA75-F3294F275316}"/>
+                <a16:creationId xmlns:a16="http://schemas.microsoft.com/office/drawing/2014/main" id="{F24216F3-0120-07AD-0941-B2D3BE6B8FA1}"/>
               </a:ext>
             </a:extLst>
           </p:cNvPr>
@@ -9291,113 +9491,15 @@
           <a:p>
             <a:r>
               <a:rPr lang="en-US" dirty="0"/>
-              <a:t>Router </a:t>
-            </a:r>
-          </a:p>
-          <a:p>
-            <a:r>
-              <a:rPr lang="en-US" dirty="0"/>
-              <a:t>Pi A (</a:t>
-            </a:r>
-            <a:r>
-              <a:rPr lang="en-US" b="1" dirty="0"/>
-              <a:t>Wireless Access Point</a:t>
-            </a:r>
-            <a:r>
-              <a:rPr lang="en-US" dirty="0"/>
-              <a:t> setup via </a:t>
-            </a:r>
-            <a:r>
-              <a:rPr lang="en-US" dirty="0" err="1"/>
-              <a:t>RaspAP</a:t>
-            </a:r>
-            <a:r>
-              <a:rPr lang="en-US" dirty="0"/>
-              <a:t>)</a:t>
-            </a:r>
-          </a:p>
-          <a:p>
-            <a:pPr lvl="1"/>
-            <a:r>
-              <a:rPr lang="en-US" dirty="0"/>
-              <a:t>Role: Acts as a Wireless Access Point</a:t>
-            </a:r>
-          </a:p>
-          <a:p>
-            <a:r>
-              <a:rPr lang="en-US" dirty="0"/>
-              <a:t>Pi B (</a:t>
-            </a:r>
-            <a:r>
-              <a:rPr lang="en-US" b="1" dirty="0"/>
-              <a:t>VPN Server </a:t>
-            </a:r>
-            <a:r>
-              <a:rPr lang="en-US" dirty="0"/>
-              <a:t>setup via </a:t>
-            </a:r>
-            <a:r>
-              <a:rPr lang="en-US" dirty="0" err="1"/>
-              <a:t>PiVPN</a:t>
-            </a:r>
-            <a:r>
-              <a:rPr lang="en-US" dirty="0"/>
-              <a:t>)</a:t>
-            </a:r>
-          </a:p>
-          <a:p>
-            <a:pPr lvl="1"/>
-            <a:r>
-              <a:rPr lang="en-US" dirty="0"/>
-              <a:t>Role: Serves as a VPN server(</a:t>
-            </a:r>
-            <a:r>
-              <a:rPr lang="en-US" dirty="0" err="1"/>
-              <a:t>WireGurad</a:t>
-            </a:r>
-            <a:r>
-              <a:rPr lang="en-US" dirty="0"/>
-              <a:t>)</a:t>
-            </a:r>
-          </a:p>
-          <a:p>
-            <a:r>
-              <a:rPr lang="en-US" dirty="0"/>
-              <a:t>Pi C (</a:t>
-            </a:r>
-            <a:r>
-              <a:rPr lang="en-US" b="1" dirty="0"/>
-              <a:t>A</a:t>
-            </a:r>
-            <a:r>
-              <a:rPr lang="en-US" altLang="zh-CN" b="1" dirty="0"/>
-              <a:t>lexa</a:t>
-            </a:r>
-            <a:r>
-              <a:rPr lang="en-US" altLang="zh-CN" dirty="0"/>
-              <a:t>-like device</a:t>
-            </a:r>
-            <a:r>
-              <a:rPr lang="en-US" dirty="0"/>
-              <a:t>)</a:t>
-            </a:r>
-          </a:p>
-          <a:p>
-            <a:pPr lvl="1"/>
-            <a:r>
-              <a:rPr lang="en-US" dirty="0"/>
-              <a:t>Role: Functions as an Alexa-like device for voice interactions</a:t>
-            </a:r>
-          </a:p>
-          <a:p>
-            <a:endParaRPr lang="en-US" dirty="0"/>
+              <a:t>Role:</a:t>
+            </a:r>
           </a:p>
         </p:txBody>
       </p:sp>
     </p:spTree>
     <p:extLst>
       <p:ext uri="{BB962C8B-B14F-4D97-AF65-F5344CB8AC3E}">
-        <p14:creationId xmlns:p14="http://schemas.microsoft.com/office/powerpoint/2010/main" val="1049844957"/>
+        <p14:creationId xmlns:p14="http://schemas.microsoft.com/office/powerpoint/2010/main" val="3135284351"/>
       </p:ext>
     </p:extLst>
   </p:cSld>
@@ -9429,7 +9531,7 @@
           <p:cNvPr id="2" name="Title 1">
             <a:extLst>
               <a:ext uri="{FF2B5EF4-FFF2-40B4-BE49-F238E27FC236}">
-                <a16:creationId xmlns:a16="http://schemas.microsoft.com/office/drawing/2014/main" id="{02C9E500-364D-1562-2066-C9F84C64E60A}"/>
+                <a16:creationId xmlns:a16="http://schemas.microsoft.com/office/drawing/2014/main" id="{168D8336-FEA3-7F77-36AC-278CEDCBCE0E}"/>
               </a:ext>
             </a:extLst>
           </p:cNvPr>
@@ -9447,7 +9549,7 @@
           <a:p>
             <a:r>
               <a:rPr lang="en-US" dirty="0"/>
-              <a:t>Pi A Wireless Access Point</a:t>
+              <a:t>Pi B VPN Server</a:t>
             </a:r>
           </a:p>
         </p:txBody>
@@ -9457,7 +9559,7 @@
           <p:cNvPr id="3" name="Content Placeholder 2">
             <a:extLst>
               <a:ext uri="{FF2B5EF4-FFF2-40B4-BE49-F238E27FC236}">
-                <a16:creationId xmlns:a16="http://schemas.microsoft.com/office/drawing/2014/main" id="{F24216F3-0120-07AD-0941-B2D3BE6B8FA1}"/>
+                <a16:creationId xmlns:a16="http://schemas.microsoft.com/office/drawing/2014/main" id="{8D97B938-C687-DEDB-6DDD-5AC0231BF0E8}"/>
               </a:ext>
             </a:extLst>
           </p:cNvPr>
@@ -9475,15 +9577,67 @@
           <a:p>
             <a:r>
               <a:rPr lang="en-US" dirty="0"/>
-              <a:t>Role:</a:t>
-            </a:r>
+              <a:t>Tasks:</a:t>
+            </a:r>
+          </a:p>
+          <a:p>
+            <a:pPr lvl="1"/>
+            <a:r>
+              <a:rPr lang="en-US" dirty="0"/>
+              <a:t>1. Generate VPN Configuration: ‘</a:t>
+            </a:r>
+            <a:r>
+              <a:rPr lang="en-US" i="1" dirty="0" err="1"/>
+              <a:t>pivpn</a:t>
+            </a:r>
+            <a:r>
+              <a:rPr lang="en-US" i="1" dirty="0"/>
+              <a:t> add</a:t>
+            </a:r>
+            <a:r>
+              <a:rPr lang="en-US" dirty="0"/>
+              <a:t>’ to create a client profile for Pi C</a:t>
+            </a:r>
+          </a:p>
+          <a:p>
+            <a:pPr lvl="1"/>
+            <a:r>
+              <a:rPr lang="en-US" dirty="0"/>
+              <a:t>2. </a:t>
+            </a:r>
+            <a:r>
+              <a:rPr lang="en-US" dirty="0" err="1"/>
+              <a:t>ufw</a:t>
+            </a:r>
+            <a:r>
+              <a:rPr lang="en-US" dirty="0"/>
+              <a:t>:  Uncomplicated Firewall</a:t>
+            </a:r>
+          </a:p>
+          <a:p>
+            <a:pPr lvl="1"/>
+            <a:r>
+              <a:rPr lang="en-US" dirty="0"/>
+              <a:t>3. Enable IP forwarding</a:t>
+            </a:r>
+          </a:p>
+          <a:p>
+            <a:pPr lvl="1"/>
+            <a:r>
+              <a:rPr lang="en-US" dirty="0"/>
+              <a:t>4. Configure NAT for the Wi-Fi Interface</a:t>
+            </a:r>
+          </a:p>
+          <a:p>
+            <a:pPr lvl="1"/>
+            <a:endParaRPr lang="en-US" dirty="0"/>
           </a:p>
         </p:txBody>
       </p:sp>
     </p:spTree>
     <p:extLst>
       <p:ext uri="{BB962C8B-B14F-4D97-AF65-F5344CB8AC3E}">
-        <p14:creationId xmlns:p14="http://schemas.microsoft.com/office/powerpoint/2010/main" val="3135284351"/>
+        <p14:creationId xmlns:p14="http://schemas.microsoft.com/office/powerpoint/2010/main" val="2192539854"/>
       </p:ext>
     </p:extLst>
   </p:cSld>
@@ -9515,144 +9669,6 @@
           <p:cNvPr id="2" name="Title 1">
             <a:extLst>
               <a:ext uri="{FF2B5EF4-FFF2-40B4-BE49-F238E27FC236}">
-                <a16:creationId xmlns:a16="http://schemas.microsoft.com/office/drawing/2014/main" id="{168D8336-FEA3-7F77-36AC-278CEDCBCE0E}"/>
-              </a:ext>
-            </a:extLst>
-          </p:cNvPr>
-          <p:cNvSpPr>
-            <a:spLocks noGrp="1"/>
-          </p:cNvSpPr>
-          <p:nvPr>
-            <p:ph type="title"/>
-          </p:nvPr>
-        </p:nvSpPr>
-        <p:spPr/>
-        <p:txBody>
-          <a:bodyPr/>
-          <a:lstStyle/>
-          <a:p>
-            <a:r>
-              <a:rPr lang="en-US" dirty="0"/>
-              <a:t>Pi B VPN Server</a:t>
-            </a:r>
-          </a:p>
-        </p:txBody>
-      </p:sp>
-      <p:sp>
-        <p:nvSpPr>
-          <p:cNvPr id="3" name="Content Placeholder 2">
-            <a:extLst>
-              <a:ext uri="{FF2B5EF4-FFF2-40B4-BE49-F238E27FC236}">
-                <a16:creationId xmlns:a16="http://schemas.microsoft.com/office/drawing/2014/main" id="{8D97B938-C687-DEDB-6DDD-5AC0231BF0E8}"/>
-              </a:ext>
-            </a:extLst>
-          </p:cNvPr>
-          <p:cNvSpPr>
-            <a:spLocks noGrp="1"/>
-          </p:cNvSpPr>
-          <p:nvPr>
-            <p:ph idx="1"/>
-          </p:nvPr>
-        </p:nvSpPr>
-        <p:spPr/>
-        <p:txBody>
-          <a:bodyPr/>
-          <a:lstStyle/>
-          <a:p>
-            <a:r>
-              <a:rPr lang="en-US" dirty="0"/>
-              <a:t>Tasks:</a:t>
-            </a:r>
-          </a:p>
-          <a:p>
-            <a:pPr lvl="1"/>
-            <a:r>
-              <a:rPr lang="en-US" dirty="0"/>
-              <a:t>1. Generate VPN Configuration: ‘</a:t>
-            </a:r>
-            <a:r>
-              <a:rPr lang="en-US" i="1" dirty="0" err="1"/>
-              <a:t>pivpn</a:t>
-            </a:r>
-            <a:r>
-              <a:rPr lang="en-US" i="1" dirty="0"/>
-              <a:t> add</a:t>
-            </a:r>
-            <a:r>
-              <a:rPr lang="en-US" dirty="0"/>
-              <a:t>’ to create a client profile for Pi C</a:t>
-            </a:r>
-          </a:p>
-          <a:p>
-            <a:pPr lvl="1"/>
-            <a:r>
-              <a:rPr lang="en-US" dirty="0"/>
-              <a:t>2. </a:t>
-            </a:r>
-            <a:r>
-              <a:rPr lang="en-US" dirty="0" err="1"/>
-              <a:t>ufw</a:t>
-            </a:r>
-            <a:r>
-              <a:rPr lang="en-US" dirty="0"/>
-              <a:t>:  Uncomplicated Firewall</a:t>
-            </a:r>
-          </a:p>
-          <a:p>
-            <a:pPr lvl="1"/>
-            <a:r>
-              <a:rPr lang="en-US" dirty="0"/>
-              <a:t>3. Enable IP forwarding</a:t>
-            </a:r>
-          </a:p>
-          <a:p>
-            <a:pPr lvl="1"/>
-            <a:r>
-              <a:rPr lang="en-US" dirty="0"/>
-              <a:t>4. Configure NAT for the Wi-Fi Interface</a:t>
-            </a:r>
-          </a:p>
-          <a:p>
-            <a:pPr lvl="1"/>
-            <a:endParaRPr lang="en-US" dirty="0"/>
-          </a:p>
-        </p:txBody>
-      </p:sp>
-    </p:spTree>
-    <p:extLst>
-      <p:ext uri="{BB962C8B-B14F-4D97-AF65-F5344CB8AC3E}">
-        <p14:creationId xmlns:p14="http://schemas.microsoft.com/office/powerpoint/2010/main" val="2192539854"/>
-      </p:ext>
-    </p:extLst>
-  </p:cSld>
-  <p:clrMapOvr>
-    <a:masterClrMapping/>
-  </p:clrMapOvr>
-</p:sld>
-</file>
-
-<file path=ppt/slides/slide29.xml><?xml version="1.0" encoding="utf-8"?>
-<p:sld xmlns:a="http://schemas.openxmlformats.org/drawingml/2006/main" xmlns:r="http://schemas.openxmlformats.org/officeDocument/2006/relationships" xmlns:p="http://schemas.openxmlformats.org/presentationml/2006/main">
-  <p:cSld>
-    <p:spTree>
-      <p:nvGrpSpPr>
-        <p:cNvPr id="1" name=""/>
-        <p:cNvGrpSpPr/>
-        <p:nvPr/>
-      </p:nvGrpSpPr>
-      <p:grpSpPr>
-        <a:xfrm>
-          <a:off x="0" y="0"/>
-          <a:ext cx="0" cy="0"/>
-          <a:chOff x="0" y="0"/>
-          <a:chExt cx="0" cy="0"/>
-        </a:xfrm>
-      </p:grpSpPr>
-      <p:sp>
-        <p:nvSpPr>
-          <p:cNvPr id="2" name="Title 1">
-            <a:extLst>
-              <a:ext uri="{FF2B5EF4-FFF2-40B4-BE49-F238E27FC236}">
                 <a16:creationId xmlns:a16="http://schemas.microsoft.com/office/drawing/2014/main" id="{931B4F46-F34A-5759-07FA-D0A0E0358A7E}"/>
               </a:ext>
             </a:extLst>
@@ -9671,7 +9687,7 @@
           <a:p>
             <a:r>
               <a:rPr lang="en-US" dirty="0"/>
-              <a:t>Pi C Alexa-like Device</a:t>
+              <a:t>Pi C Alexa-Enable Device</a:t>
             </a:r>
           </a:p>
         </p:txBody>
@@ -9697,21 +9713,57 @@
           <a:bodyPr/>
           <a:lstStyle/>
           <a:p>
-            <a:r>
-              <a:rPr lang="en-US" dirty="0"/>
-              <a:t>Tasks:</a:t>
-            </a:r>
-          </a:p>
-          <a:p>
-            <a:pPr lvl="1"/>
-            <a:r>
-              <a:rPr lang="en-US" dirty="0"/>
-              <a:t>1. Create an AVS Product(Alexa Voice Service) and Security Profile.</a:t>
-            </a:r>
-          </a:p>
-          <a:p>
-            <a:pPr lvl="1"/>
-            <a:endParaRPr lang="en-US" dirty="0"/>
+            <a:pPr algn="l"/>
+            <a:r>
+              <a:rPr lang="en-US" b="0" i="0" dirty="0">
+                <a:solidFill>
+                  <a:srgbClr val="111111"/>
+                </a:solidFill>
+                <a:effectLst/>
+                <a:latin typeface="Amazon Ember Light"/>
+              </a:rPr>
+              <a:t>Set up the AVS Device SDK on Raspberry Pi</a:t>
+            </a:r>
+          </a:p>
+          <a:p>
+            <a:pPr algn="l"/>
+            <a:r>
+              <a:rPr lang="en-US" b="0" i="0" dirty="0">
+                <a:solidFill>
+                  <a:srgbClr val="111111"/>
+                </a:solidFill>
+                <a:effectLst/>
+                <a:latin typeface="Amazon Ember Light"/>
+              </a:rPr>
+              <a:t>Failed in Smart Screen Devices on Raspberry Pi 3B+ &amp; 4B (maybe the problem of small </a:t>
+            </a:r>
+            <a:r>
+              <a:rPr lang="en-US" b="0" i="0">
+                <a:solidFill>
+                  <a:srgbClr val="111111"/>
+                </a:solidFill>
+                <a:effectLst/>
+                <a:latin typeface="Amazon Ember Light"/>
+              </a:rPr>
+              <a:t>size swap)</a:t>
+            </a:r>
+            <a:endParaRPr lang="en-US" b="0" i="0" dirty="0">
+              <a:solidFill>
+                <a:srgbClr val="111111"/>
+              </a:solidFill>
+              <a:effectLst/>
+              <a:latin typeface="Amazon Ember Light"/>
+            </a:endParaRPr>
+          </a:p>
+          <a:p>
+            <a:pPr algn="l"/>
+            <a:endParaRPr lang="en-US" b="0" i="0" dirty="0">
+              <a:solidFill>
+                <a:srgbClr val="111111"/>
+              </a:solidFill>
+              <a:effectLst/>
+              <a:latin typeface="Amazon Ember Light"/>
+            </a:endParaRPr>
           </a:p>
         </p:txBody>
       </p:sp>

--- a/Presentation1.pptx
+++ b/Presentation1.pptx
@@ -224,7 +224,7 @@
           <a:p>
             <a:fld id="{72646578-14F6-4B4C-9607-C52529FEB0BF}" type="datetimeFigureOut">
               <a:rPr lang="en-US" smtClean="0"/>
-              <a:t>1/16/2024</a:t>
+              <a:t>1/18/2024</a:t>
             </a:fld>
             <a:endParaRPr lang="en-US"/>
           </a:p>
@@ -1487,7 +1487,7 @@
           <a:p>
             <a:fld id="{78CD1D6E-A027-634F-BC83-5ADA8E496EAB}" type="datetimeFigureOut">
               <a:rPr lang="en-US" smtClean="0"/>
-              <a:t>1/16/2024</a:t>
+              <a:t>1/18/2024</a:t>
             </a:fld>
             <a:endParaRPr lang="en-US"/>
           </a:p>
@@ -1685,7 +1685,7 @@
           <a:p>
             <a:fld id="{78CD1D6E-A027-634F-BC83-5ADA8E496EAB}" type="datetimeFigureOut">
               <a:rPr lang="en-US" smtClean="0"/>
-              <a:t>1/16/2024</a:t>
+              <a:t>1/18/2024</a:t>
             </a:fld>
             <a:endParaRPr lang="en-US"/>
           </a:p>
@@ -1893,7 +1893,7 @@
           <a:p>
             <a:fld id="{78CD1D6E-A027-634F-BC83-5ADA8E496EAB}" type="datetimeFigureOut">
               <a:rPr lang="en-US" smtClean="0"/>
-              <a:t>1/16/2024</a:t>
+              <a:t>1/18/2024</a:t>
             </a:fld>
             <a:endParaRPr lang="en-US"/>
           </a:p>
@@ -2091,7 +2091,7 @@
           <a:p>
             <a:fld id="{78CD1D6E-A027-634F-BC83-5ADA8E496EAB}" type="datetimeFigureOut">
               <a:rPr lang="en-US" smtClean="0"/>
-              <a:t>1/16/2024</a:t>
+              <a:t>1/18/2024</a:t>
             </a:fld>
             <a:endParaRPr lang="en-US"/>
           </a:p>
@@ -2366,7 +2366,7 @@
           <a:p>
             <a:fld id="{78CD1D6E-A027-634F-BC83-5ADA8E496EAB}" type="datetimeFigureOut">
               <a:rPr lang="en-US" smtClean="0"/>
-              <a:t>1/16/2024</a:t>
+              <a:t>1/18/2024</a:t>
             </a:fld>
             <a:endParaRPr lang="en-US"/>
           </a:p>
@@ -2631,7 +2631,7 @@
           <a:p>
             <a:fld id="{78CD1D6E-A027-634F-BC83-5ADA8E496EAB}" type="datetimeFigureOut">
               <a:rPr lang="en-US" smtClean="0"/>
-              <a:t>1/16/2024</a:t>
+              <a:t>1/18/2024</a:t>
             </a:fld>
             <a:endParaRPr lang="en-US"/>
           </a:p>
@@ -3043,7 +3043,7 @@
           <a:p>
             <a:fld id="{78CD1D6E-A027-634F-BC83-5ADA8E496EAB}" type="datetimeFigureOut">
               <a:rPr lang="en-US" smtClean="0"/>
-              <a:t>1/16/2024</a:t>
+              <a:t>1/18/2024</a:t>
             </a:fld>
             <a:endParaRPr lang="en-US"/>
           </a:p>
@@ -3184,7 +3184,7 @@
           <a:p>
             <a:fld id="{78CD1D6E-A027-634F-BC83-5ADA8E496EAB}" type="datetimeFigureOut">
               <a:rPr lang="en-US" smtClean="0"/>
-              <a:t>1/16/2024</a:t>
+              <a:t>1/18/2024</a:t>
             </a:fld>
             <a:endParaRPr lang="en-US"/>
           </a:p>
@@ -3297,7 +3297,7 @@
           <a:p>
             <a:fld id="{78CD1D6E-A027-634F-BC83-5ADA8E496EAB}" type="datetimeFigureOut">
               <a:rPr lang="en-US" smtClean="0"/>
-              <a:t>1/16/2024</a:t>
+              <a:t>1/18/2024</a:t>
             </a:fld>
             <a:endParaRPr lang="en-US"/>
           </a:p>
@@ -3608,7 +3608,7 @@
           <a:p>
             <a:fld id="{78CD1D6E-A027-634F-BC83-5ADA8E496EAB}" type="datetimeFigureOut">
               <a:rPr lang="en-US" smtClean="0"/>
-              <a:t>1/16/2024</a:t>
+              <a:t>1/18/2024</a:t>
             </a:fld>
             <a:endParaRPr lang="en-US"/>
           </a:p>
@@ -3896,7 +3896,7 @@
           <a:p>
             <a:fld id="{78CD1D6E-A027-634F-BC83-5ADA8E496EAB}" type="datetimeFigureOut">
               <a:rPr lang="en-US" smtClean="0"/>
-              <a:t>1/16/2024</a:t>
+              <a:t>1/18/2024</a:t>
             </a:fld>
             <a:endParaRPr lang="en-US"/>
           </a:p>
@@ -4137,7 +4137,7 @@
           <a:p>
             <a:fld id="{78CD1D6E-A027-634F-BC83-5ADA8E496EAB}" type="datetimeFigureOut">
               <a:rPr lang="en-US" smtClean="0"/>
-              <a:t>1/16/2024</a:t>
+              <a:t>1/18/2024</a:t>
             </a:fld>
             <a:endParaRPr lang="en-US"/>
           </a:p>
@@ -9180,7 +9180,13 @@
           <a:p>
             <a:r>
               <a:rPr lang="en-US" dirty="0"/>
-              <a:t>Phone and Windows PC can ping the </a:t>
+              <a:t>Phone and Windows PC can ping the VPN Server.</a:t>
+            </a:r>
+          </a:p>
+          <a:p>
+            <a:r>
+              <a:rPr lang="en-US" dirty="0"/>
+              <a:t>VPN Server can connect to the Internet</a:t>
             </a:r>
           </a:p>
         </p:txBody>
@@ -9207,7 +9213,7 @@
         </p:blipFill>
         <p:spPr>
           <a:xfrm>
-            <a:off x="5117395" y="3149654"/>
+            <a:off x="5467480" y="3771446"/>
             <a:ext cx="6988389" cy="3162246"/>
           </a:xfrm>
           <a:prstGeom prst="rect">
@@ -9722,8 +9728,190 @@
                 <a:effectLst/>
                 <a:latin typeface="Amazon Ember Light"/>
               </a:rPr>
-              <a:t>Set up the AVS Device SDK on Raspberry Pi</a:t>
-            </a:r>
+              <a:t>Alexa Voice Service (AVS) </a:t>
+            </a:r>
+          </a:p>
+          <a:p>
+            <a:pPr lvl="1"/>
+            <a:r>
+              <a:rPr lang="fr-FR" b="0" i="0" dirty="0">
+                <a:solidFill>
+                  <a:srgbClr val="111111"/>
+                </a:solidFill>
+                <a:effectLst/>
+                <a:latin typeface="Amazon Ember Light"/>
+              </a:rPr>
+              <a:t>AVS </a:t>
+            </a:r>
+            <a:r>
+              <a:rPr lang="fr-FR" b="0" i="0" dirty="0" err="1">
+                <a:solidFill>
+                  <a:srgbClr val="111111"/>
+                </a:solidFill>
+                <a:effectLst/>
+                <a:latin typeface="Amazon Ember Light"/>
+              </a:rPr>
+              <a:t>Device</a:t>
+            </a:r>
+            <a:r>
+              <a:rPr lang="fr-FR" b="0" i="0" dirty="0">
+                <a:solidFill>
+                  <a:srgbClr val="111111"/>
+                </a:solidFill>
+                <a:effectLst/>
+                <a:latin typeface="Amazon Ember Light"/>
+              </a:rPr>
+              <a:t> SDK Console </a:t>
+            </a:r>
+            <a:r>
+              <a:rPr lang="fr-FR" b="0" i="0" dirty="0" err="1">
+                <a:solidFill>
+                  <a:srgbClr val="111111"/>
+                </a:solidFill>
+                <a:effectLst/>
+                <a:latin typeface="Amazon Ember Light"/>
+              </a:rPr>
+              <a:t>Sample</a:t>
+            </a:r>
+            <a:r>
+              <a:rPr lang="fr-FR" b="0" i="0" dirty="0">
+                <a:solidFill>
+                  <a:srgbClr val="111111"/>
+                </a:solidFill>
+                <a:effectLst/>
+                <a:latin typeface="Amazon Ember Light"/>
+              </a:rPr>
+              <a:t> Application (Voice </a:t>
+            </a:r>
+            <a:r>
+              <a:rPr lang="fr-FR" b="0" i="0" dirty="0" err="1">
+                <a:solidFill>
+                  <a:srgbClr val="111111"/>
+                </a:solidFill>
+                <a:effectLst/>
+                <a:latin typeface="Amazon Ember Light"/>
+              </a:rPr>
+              <a:t>only</a:t>
+            </a:r>
+            <a:r>
+              <a:rPr lang="fr-FR" b="0" i="0" dirty="0">
+                <a:solidFill>
+                  <a:srgbClr val="111111"/>
+                </a:solidFill>
+                <a:effectLst/>
+                <a:latin typeface="Amazon Ember Light"/>
+              </a:rPr>
+              <a:t>)</a:t>
+            </a:r>
+          </a:p>
+          <a:p>
+            <a:pPr lvl="1"/>
+            <a:r>
+              <a:rPr lang="fr-FR" b="0" i="0" dirty="0">
+                <a:solidFill>
+                  <a:srgbClr val="111111"/>
+                </a:solidFill>
+                <a:effectLst/>
+                <a:latin typeface="Amazon Ember Light"/>
+              </a:rPr>
+              <a:t>AVS </a:t>
+            </a:r>
+            <a:r>
+              <a:rPr lang="fr-FR" b="0" i="0" dirty="0" err="1">
+                <a:solidFill>
+                  <a:srgbClr val="111111"/>
+                </a:solidFill>
+                <a:effectLst/>
+                <a:latin typeface="Amazon Ember Light"/>
+              </a:rPr>
+              <a:t>Device</a:t>
+            </a:r>
+            <a:r>
+              <a:rPr lang="fr-FR" b="0" i="0" dirty="0">
+                <a:solidFill>
+                  <a:srgbClr val="111111"/>
+                </a:solidFill>
+                <a:effectLst/>
+                <a:latin typeface="Amazon Ember Light"/>
+              </a:rPr>
+              <a:t> SDK IPC Server </a:t>
+            </a:r>
+            <a:r>
+              <a:rPr lang="fr-FR" b="0" i="0" dirty="0" err="1">
+                <a:solidFill>
+                  <a:srgbClr val="111111"/>
+                </a:solidFill>
+                <a:effectLst/>
+                <a:latin typeface="Amazon Ember Light"/>
+              </a:rPr>
+              <a:t>Sample</a:t>
+            </a:r>
+            <a:r>
+              <a:rPr lang="fr-FR" b="0" i="0" dirty="0">
+                <a:solidFill>
+                  <a:srgbClr val="111111"/>
+                </a:solidFill>
+                <a:effectLst/>
+                <a:latin typeface="Amazon Ember Light"/>
+              </a:rPr>
+              <a:t> Application (</a:t>
+            </a:r>
+            <a:r>
+              <a:rPr lang="en-US" dirty="0">
+                <a:solidFill>
+                  <a:srgbClr val="111111"/>
+                </a:solidFill>
+                <a:latin typeface="Amazon Ember Regular"/>
+              </a:rPr>
+              <a:t>S</a:t>
+            </a:r>
+            <a:r>
+              <a:rPr lang="en-US" b="0" i="0" dirty="0">
+                <a:solidFill>
+                  <a:srgbClr val="111111"/>
+                </a:solidFill>
+                <a:effectLst/>
+                <a:latin typeface="Amazon Ember Regular"/>
+              </a:rPr>
+              <a:t>mart Screen device</a:t>
+            </a:r>
+            <a:r>
+              <a:rPr lang="fr-FR" b="0" i="0" dirty="0">
+                <a:solidFill>
+                  <a:srgbClr val="111111"/>
+                </a:solidFill>
+                <a:effectLst/>
+                <a:latin typeface="Amazon Ember Light"/>
+              </a:rPr>
+              <a:t>)</a:t>
+            </a:r>
+            <a:endParaRPr lang="en-US" b="0" i="0" dirty="0">
+              <a:solidFill>
+                <a:srgbClr val="111111"/>
+              </a:solidFill>
+              <a:effectLst/>
+              <a:latin typeface="Amazon Ember Light"/>
+            </a:endParaRPr>
+          </a:p>
+          <a:p>
+            <a:pPr algn="l"/>
+            <a:r>
+              <a:rPr lang="sv-SE" b="0" i="0" dirty="0">
+                <a:solidFill>
+                  <a:srgbClr val="111111"/>
+                </a:solidFill>
+                <a:effectLst/>
+                <a:latin typeface="Amazon Ember Light"/>
+              </a:rPr>
+              <a:t>Alexa Skills Kit (ASK) CLI(Command Line Interface)</a:t>
+            </a:r>
+            <a:endParaRPr lang="en-US" b="0" i="0" dirty="0">
+              <a:solidFill>
+                <a:srgbClr val="111111"/>
+              </a:solidFill>
+              <a:effectLst/>
+              <a:latin typeface="Amazon Ember Light"/>
+            </a:endParaRPr>
           </a:p>
           <a:p>
             <a:pPr algn="l"/>
@@ -9735,25 +9923,8 @@
                 <a:effectLst/>
                 <a:latin typeface="Amazon Ember Light"/>
               </a:rPr>
-              <a:t>Failed in Smart Screen Devices on Raspberry Pi 3B+ &amp; 4B (maybe the problem of small </a:t>
-            </a:r>
-            <a:r>
-              <a:rPr lang="en-US" b="0" i="0">
-                <a:solidFill>
-                  <a:srgbClr val="111111"/>
-                </a:solidFill>
-                <a:effectLst/>
-                <a:latin typeface="Amazon Ember Light"/>
-              </a:rPr>
-              <a:t>size swap)</a:t>
-            </a:r>
-            <a:endParaRPr lang="en-US" b="0" i="0" dirty="0">
-              <a:solidFill>
-                <a:srgbClr val="111111"/>
-              </a:solidFill>
-              <a:effectLst/>
-              <a:latin typeface="Amazon Ember Light"/>
-            </a:endParaRPr>
+              <a:t>Set up the AVS Device SDK on Raspberry Pi</a:t>
+            </a:r>
           </a:p>
           <a:p>
             <a:pPr algn="l"/>
@@ -9767,6 +9938,36 @@
           </a:p>
         </p:txBody>
       </p:sp>
+      <p:pic>
+        <p:nvPicPr>
+          <p:cNvPr id="5" name="Picture 4">
+            <a:extLst>
+              <a:ext uri="{FF2B5EF4-FFF2-40B4-BE49-F238E27FC236}">
+                <a16:creationId xmlns:a16="http://schemas.microsoft.com/office/drawing/2014/main" id="{BFBF372D-44C4-A72D-EA96-7AF9B2BEAB0E}"/>
+              </a:ext>
+            </a:extLst>
+          </p:cNvPr>
+          <p:cNvPicPr>
+            <a:picLocks noChangeAspect="1"/>
+          </p:cNvPicPr>
+          <p:nvPr/>
+        </p:nvPicPr>
+        <p:blipFill>
+          <a:blip r:embed="rId3"/>
+          <a:stretch>
+            <a:fillRect/>
+          </a:stretch>
+        </p:blipFill>
+        <p:spPr>
+          <a:xfrm>
+            <a:off x="7709847" y="3936169"/>
+            <a:ext cx="3643953" cy="2634447"/>
+          </a:xfrm>
+          <a:prstGeom prst="rect">
+            <a:avLst/>
+          </a:prstGeom>
+        </p:spPr>
+      </p:pic>
     </p:spTree>
     <p:extLst>
       <p:ext uri="{BB962C8B-B14F-4D97-AF65-F5344CB8AC3E}">

--- a/Presentation1.pptx
+++ b/Presentation1.pptx
@@ -5,7 +5,7 @@
     <p:sldMasterId id="2147483648" r:id="rId1"/>
   </p:sldMasterIdLst>
   <p:notesMasterIdLst>
-    <p:notesMasterId r:id="rId30"/>
+    <p:notesMasterId r:id="rId33"/>
   </p:notesMasterIdLst>
   <p:sldIdLst>
     <p:sldId id="256" r:id="rId2"/>
@@ -29,13 +29,16 @@
     <p:sldId id="280" r:id="rId20"/>
     <p:sldId id="282" r:id="rId21"/>
     <p:sldId id="283" r:id="rId22"/>
-    <p:sldId id="285" r:id="rId23"/>
-    <p:sldId id="293" r:id="rId24"/>
-    <p:sldId id="287" r:id="rId25"/>
-    <p:sldId id="289" r:id="rId26"/>
-    <p:sldId id="292" r:id="rId27"/>
-    <p:sldId id="290" r:id="rId28"/>
-    <p:sldId id="291" r:id="rId29"/>
+    <p:sldId id="293" r:id="rId23"/>
+    <p:sldId id="287" r:id="rId24"/>
+    <p:sldId id="289" r:id="rId25"/>
+    <p:sldId id="292" r:id="rId26"/>
+    <p:sldId id="290" r:id="rId27"/>
+    <p:sldId id="291" r:id="rId28"/>
+    <p:sldId id="285" r:id="rId29"/>
+    <p:sldId id="296" r:id="rId30"/>
+    <p:sldId id="294" r:id="rId31"/>
+    <p:sldId id="295" r:id="rId32"/>
   </p:sldIdLst>
   <p:sldSz cx="12192000" cy="6858000"/>
   <p:notesSz cx="6858000" cy="9144000"/>
@@ -224,7 +227,7 @@
           <a:p>
             <a:fld id="{72646578-14F6-4B4C-9607-C52529FEB0BF}" type="datetimeFigureOut">
               <a:rPr lang="en-US" smtClean="0"/>
-              <a:t>1/18/2024</a:t>
+              <a:t>1/21/2024</a:t>
             </a:fld>
             <a:endParaRPr lang="en-US"/>
           </a:p>
@@ -1321,7 +1324,7 @@
           <a:p>
             <a:fld id="{88682BC9-22E9-B640-848B-A22C37F71A64}" type="slidenum">
               <a:rPr lang="en-US" smtClean="0"/>
-              <a:t>28</a:t>
+              <a:t>27</a:t>
             </a:fld>
             <a:endParaRPr lang="en-US"/>
           </a:p>
@@ -1331,6 +1334,90 @@
     <p:extLst>
       <p:ext uri="{BB962C8B-B14F-4D97-AF65-F5344CB8AC3E}">
         <p14:creationId xmlns:p14="http://schemas.microsoft.com/office/powerpoint/2010/main" val="265426628"/>
+      </p:ext>
+    </p:extLst>
+  </p:cSld>
+  <p:clrMapOvr>
+    <a:masterClrMapping/>
+  </p:clrMapOvr>
+</p:notes>
+</file>
+
+<file path=ppt/notesSlides/notesSlide8.xml><?xml version="1.0" encoding="utf-8"?>
+<p:notes xmlns:a="http://schemas.openxmlformats.org/drawingml/2006/main" xmlns:r="http://schemas.openxmlformats.org/officeDocument/2006/relationships" xmlns:p="http://schemas.openxmlformats.org/presentationml/2006/main">
+  <p:cSld>
+    <p:spTree>
+      <p:nvGrpSpPr>
+        <p:cNvPr id="1" name=""/>
+        <p:cNvGrpSpPr/>
+        <p:nvPr/>
+      </p:nvGrpSpPr>
+      <p:grpSpPr>
+        <a:xfrm>
+          <a:off x="0" y="0"/>
+          <a:ext cx="0" cy="0"/>
+          <a:chOff x="0" y="0"/>
+          <a:chExt cx="0" cy="0"/>
+        </a:xfrm>
+      </p:grpSpPr>
+      <p:sp>
+        <p:nvSpPr>
+          <p:cNvPr id="2" name="Slide Image Placeholder 1"/>
+          <p:cNvSpPr>
+            <a:spLocks noGrp="1" noRot="1" noChangeAspect="1"/>
+          </p:cNvSpPr>
+          <p:nvPr>
+            <p:ph type="sldImg"/>
+          </p:nvPr>
+        </p:nvSpPr>
+        <p:spPr/>
+      </p:sp>
+      <p:sp>
+        <p:nvSpPr>
+          <p:cNvPr id="3" name="Notes Placeholder 2"/>
+          <p:cNvSpPr>
+            <a:spLocks noGrp="1"/>
+          </p:cNvSpPr>
+          <p:nvPr>
+            <p:ph type="body" idx="1"/>
+          </p:nvPr>
+        </p:nvSpPr>
+        <p:spPr/>
+        <p:txBody>
+          <a:bodyPr/>
+          <a:lstStyle/>
+          <a:p>
+            <a:endParaRPr lang="en-US" dirty="0"/>
+          </a:p>
+        </p:txBody>
+      </p:sp>
+      <p:sp>
+        <p:nvSpPr>
+          <p:cNvPr id="4" name="Slide Number Placeholder 3"/>
+          <p:cNvSpPr>
+            <a:spLocks noGrp="1"/>
+          </p:cNvSpPr>
+          <p:nvPr>
+            <p:ph type="sldNum" sz="quarter" idx="5"/>
+          </p:nvPr>
+        </p:nvSpPr>
+        <p:spPr/>
+        <p:txBody>
+          <a:bodyPr/>
+          <a:lstStyle/>
+          <a:p>
+            <a:fld id="{88682BC9-22E9-B640-848B-A22C37F71A64}" type="slidenum">
+              <a:rPr lang="en-US" smtClean="0"/>
+              <a:t>31</a:t>
+            </a:fld>
+            <a:endParaRPr lang="en-US"/>
+          </a:p>
+        </p:txBody>
+      </p:sp>
+    </p:spTree>
+    <p:extLst>
+      <p:ext uri="{BB962C8B-B14F-4D97-AF65-F5344CB8AC3E}">
+        <p14:creationId xmlns:p14="http://schemas.microsoft.com/office/powerpoint/2010/main" val="535977810"/>
       </p:ext>
     </p:extLst>
   </p:cSld>
@@ -1487,7 +1574,7 @@
           <a:p>
             <a:fld id="{78CD1D6E-A027-634F-BC83-5ADA8E496EAB}" type="datetimeFigureOut">
               <a:rPr lang="en-US" smtClean="0"/>
-              <a:t>1/18/2024</a:t>
+              <a:t>1/21/2024</a:t>
             </a:fld>
             <a:endParaRPr lang="en-US"/>
           </a:p>
@@ -1685,7 +1772,7 @@
           <a:p>
             <a:fld id="{78CD1D6E-A027-634F-BC83-5ADA8E496EAB}" type="datetimeFigureOut">
               <a:rPr lang="en-US" smtClean="0"/>
-              <a:t>1/18/2024</a:t>
+              <a:t>1/21/2024</a:t>
             </a:fld>
             <a:endParaRPr lang="en-US"/>
           </a:p>
@@ -1893,7 +1980,7 @@
           <a:p>
             <a:fld id="{78CD1D6E-A027-634F-BC83-5ADA8E496EAB}" type="datetimeFigureOut">
               <a:rPr lang="en-US" smtClean="0"/>
-              <a:t>1/18/2024</a:t>
+              <a:t>1/21/2024</a:t>
             </a:fld>
             <a:endParaRPr lang="en-US"/>
           </a:p>
@@ -2091,7 +2178,7 @@
           <a:p>
             <a:fld id="{78CD1D6E-A027-634F-BC83-5ADA8E496EAB}" type="datetimeFigureOut">
               <a:rPr lang="en-US" smtClean="0"/>
-              <a:t>1/18/2024</a:t>
+              <a:t>1/21/2024</a:t>
             </a:fld>
             <a:endParaRPr lang="en-US"/>
           </a:p>
@@ -2366,7 +2453,7 @@
           <a:p>
             <a:fld id="{78CD1D6E-A027-634F-BC83-5ADA8E496EAB}" type="datetimeFigureOut">
               <a:rPr lang="en-US" smtClean="0"/>
-              <a:t>1/18/2024</a:t>
+              <a:t>1/21/2024</a:t>
             </a:fld>
             <a:endParaRPr lang="en-US"/>
           </a:p>
@@ -2631,7 +2718,7 @@
           <a:p>
             <a:fld id="{78CD1D6E-A027-634F-BC83-5ADA8E496EAB}" type="datetimeFigureOut">
               <a:rPr lang="en-US" smtClean="0"/>
-              <a:t>1/18/2024</a:t>
+              <a:t>1/21/2024</a:t>
             </a:fld>
             <a:endParaRPr lang="en-US"/>
           </a:p>
@@ -3043,7 +3130,7 @@
           <a:p>
             <a:fld id="{78CD1D6E-A027-634F-BC83-5ADA8E496EAB}" type="datetimeFigureOut">
               <a:rPr lang="en-US" smtClean="0"/>
-              <a:t>1/18/2024</a:t>
+              <a:t>1/21/2024</a:t>
             </a:fld>
             <a:endParaRPr lang="en-US"/>
           </a:p>
@@ -3184,7 +3271,7 @@
           <a:p>
             <a:fld id="{78CD1D6E-A027-634F-BC83-5ADA8E496EAB}" type="datetimeFigureOut">
               <a:rPr lang="en-US" smtClean="0"/>
-              <a:t>1/18/2024</a:t>
+              <a:t>1/21/2024</a:t>
             </a:fld>
             <a:endParaRPr lang="en-US"/>
           </a:p>
@@ -3297,7 +3384,7 @@
           <a:p>
             <a:fld id="{78CD1D6E-A027-634F-BC83-5ADA8E496EAB}" type="datetimeFigureOut">
               <a:rPr lang="en-US" smtClean="0"/>
-              <a:t>1/18/2024</a:t>
+              <a:t>1/21/2024</a:t>
             </a:fld>
             <a:endParaRPr lang="en-US"/>
           </a:p>
@@ -3608,7 +3695,7 @@
           <a:p>
             <a:fld id="{78CD1D6E-A027-634F-BC83-5ADA8E496EAB}" type="datetimeFigureOut">
               <a:rPr lang="en-US" smtClean="0"/>
-              <a:t>1/18/2024</a:t>
+              <a:t>1/21/2024</a:t>
             </a:fld>
             <a:endParaRPr lang="en-US"/>
           </a:p>
@@ -3896,7 +3983,7 @@
           <a:p>
             <a:fld id="{78CD1D6E-A027-634F-BC83-5ADA8E496EAB}" type="datetimeFigureOut">
               <a:rPr lang="en-US" smtClean="0"/>
-              <a:t>1/18/2024</a:t>
+              <a:t>1/21/2024</a:t>
             </a:fld>
             <a:endParaRPr lang="en-US"/>
           </a:p>
@@ -4137,7 +4224,7 @@
           <a:p>
             <a:fld id="{78CD1D6E-A027-634F-BC83-5ADA8E496EAB}" type="datetimeFigureOut">
               <a:rPr lang="en-US" smtClean="0"/>
-              <a:t>1/18/2024</a:t>
+              <a:t>1/21/2024</a:t>
             </a:fld>
             <a:endParaRPr lang="en-US"/>
           </a:p>
@@ -8857,7 +8944,7 @@
           <p:cNvPr id="2" name="Title 1">
             <a:extLst>
               <a:ext uri="{FF2B5EF4-FFF2-40B4-BE49-F238E27FC236}">
-                <a16:creationId xmlns:a16="http://schemas.microsoft.com/office/drawing/2014/main" id="{4D3E86CE-2630-A84C-9325-64E7416F83D3}"/>
+                <a16:creationId xmlns:a16="http://schemas.microsoft.com/office/drawing/2014/main" id="{CCEFDE66-5B1F-BBDD-11F7-C58446D5C54C}"/>
               </a:ext>
             </a:extLst>
           </p:cNvPr>
@@ -8875,13 +8962,8 @@
           <a:p>
             <a:r>
               <a:rPr lang="en-US" dirty="0"/>
-              <a:t>Review Last </a:t>
-            </a:r>
-            <a:r>
-              <a:rPr lang="en-US" dirty="0" err="1"/>
-              <a:t>Disscussion</a:t>
-            </a:r>
-            <a:endParaRPr lang="en-US" dirty="0"/>
+              <a:t>Contribution</a:t>
+            </a:r>
           </a:p>
         </p:txBody>
       </p:sp>
@@ -8890,7 +8972,7 @@
           <p:cNvPr id="3" name="Content Placeholder 2">
             <a:extLst>
               <a:ext uri="{FF2B5EF4-FFF2-40B4-BE49-F238E27FC236}">
-                <a16:creationId xmlns:a16="http://schemas.microsoft.com/office/drawing/2014/main" id="{D163B259-D7F2-86B0-8739-8BB3A53FB3D9}"/>
+                <a16:creationId xmlns:a16="http://schemas.microsoft.com/office/drawing/2014/main" id="{EAD1C0B7-FD63-9D2C-8B99-174B7FC15F5E}"/>
               </a:ext>
             </a:extLst>
           </p:cNvPr>
@@ -8908,7 +8990,7 @@
           <a:p>
             <a:r>
               <a:rPr lang="en-US" dirty="0"/>
-              <a:t>Question: Can we still attack if we don’t know actually </a:t>
+              <a:t>Design a voice attack system which can infer interaction contents via traffic data(inside attack or outside attack) without knowing </a:t>
             </a:r>
             <a:r>
               <a:rPr lang="en-US" dirty="0" err="1"/>
@@ -8916,59 +8998,22 @@
             </a:r>
             <a:r>
               <a:rPr lang="en-US" dirty="0"/>
-              <a:t> or the </a:t>
-            </a:r>
-            <a:r>
-              <a:rPr lang="en-US" dirty="0" err="1"/>
-              <a:t>ip</a:t>
-            </a:r>
+              <a:t>.</a:t>
+            </a:r>
+          </a:p>
+          <a:p>
+            <a:endParaRPr lang="en-US" dirty="0"/>
+          </a:p>
+          <a:p>
             <a:r>
               <a:rPr lang="en-US" dirty="0"/>
-              <a:t> is changing all the time.</a:t>
-            </a:r>
-          </a:p>
-          <a:p>
-            <a:r>
-              <a:rPr lang="en-US" dirty="0"/>
-              <a:t>VPN</a:t>
-            </a:r>
-          </a:p>
-          <a:p>
-            <a:pPr lvl="1"/>
-            <a:r>
-              <a:rPr lang="en-US" dirty="0"/>
-              <a:t>To answer the question: Can we still attack if people use VPN on a router?</a:t>
-            </a:r>
-          </a:p>
-          <a:p>
-            <a:pPr lvl="1"/>
-            <a:r>
-              <a:rPr lang="en-US" dirty="0"/>
-              <a:t>Also VPN will bring some noise traffic, more challenge</a:t>
-            </a:r>
-          </a:p>
-          <a:p>
-            <a:pPr lvl="1"/>
-            <a:r>
-              <a:rPr lang="en-US" dirty="0"/>
-              <a:t>But people typically don’t use VPN at their home I think. Not sure if it is a major contribution. Maybe a case study?</a:t>
-            </a:r>
-          </a:p>
-          <a:p>
-            <a:r>
-              <a:rPr lang="en-US" dirty="0"/>
-              <a:t>Turn Pi into an Alexa Echo</a:t>
-            </a:r>
-          </a:p>
-          <a:p>
-            <a:pPr lvl="1"/>
-            <a:r>
-              <a:rPr lang="en-US" dirty="0"/>
-              <a:t>Why? Make it easy for more operations: Keyboard interaction</a:t>
-            </a:r>
-          </a:p>
-          <a:p>
-            <a:pPr lvl="1"/>
+              <a:t>Learning Method: Voice Traffic Data Fingerprinting </a:t>
+            </a:r>
+          </a:p>
+          <a:p>
+            <a:endParaRPr lang="en-US" dirty="0"/>
+          </a:p>
+          <a:p>
             <a:endParaRPr lang="en-US" dirty="0"/>
           </a:p>
           <a:p>
@@ -8979,7 +9024,7 @@
     </p:spTree>
     <p:extLst>
       <p:ext uri="{BB962C8B-B14F-4D97-AF65-F5344CB8AC3E}">
-        <p14:creationId xmlns:p14="http://schemas.microsoft.com/office/powerpoint/2010/main" val="1770221742"/>
+        <p14:creationId xmlns:p14="http://schemas.microsoft.com/office/powerpoint/2010/main" val="3366851168"/>
       </p:ext>
     </p:extLst>
   </p:cSld>
@@ -9011,7 +9056,7 @@
           <p:cNvPr id="2" name="Title 1">
             <a:extLst>
               <a:ext uri="{FF2B5EF4-FFF2-40B4-BE49-F238E27FC236}">
-                <a16:creationId xmlns:a16="http://schemas.microsoft.com/office/drawing/2014/main" id="{CCEFDE66-5B1F-BBDD-11F7-C58446D5C54C}"/>
+                <a16:creationId xmlns:a16="http://schemas.microsoft.com/office/drawing/2014/main" id="{91DDE1AD-927A-81D2-E29D-D3335D504465}"/>
               </a:ext>
             </a:extLst>
           </p:cNvPr>
@@ -9028,9 +9073,14 @@
           <a:lstStyle/>
           <a:p>
             <a:r>
-              <a:rPr lang="en-US" dirty="0"/>
-              <a:t>Contribution</a:t>
-            </a:r>
+              <a:rPr lang="en-US" dirty="0" err="1"/>
+              <a:t>P</a:t>
+            </a:r>
+            <a:r>
+              <a:rPr lang="en-US" altLang="zh-CN" dirty="0" err="1"/>
+              <a:t>iVPN</a:t>
+            </a:r>
+            <a:endParaRPr lang="en-US" dirty="0"/>
           </a:p>
         </p:txBody>
       </p:sp>
@@ -9039,7 +9089,7 @@
           <p:cNvPr id="3" name="Content Placeholder 2">
             <a:extLst>
               <a:ext uri="{FF2B5EF4-FFF2-40B4-BE49-F238E27FC236}">
-                <a16:creationId xmlns:a16="http://schemas.microsoft.com/office/drawing/2014/main" id="{EAD1C0B7-FD63-9D2C-8B99-174B7FC15F5E}"/>
+                <a16:creationId xmlns:a16="http://schemas.microsoft.com/office/drawing/2014/main" id="{A509BAC2-2AD0-74C8-C09E-43F2281757A8}"/>
               </a:ext>
             </a:extLst>
           </p:cNvPr>
@@ -9055,43 +9105,44 @@
           <a:bodyPr/>
           <a:lstStyle/>
           <a:p>
-            <a:r>
-              <a:rPr lang="en-US" dirty="0"/>
-              <a:t>Design a voice attack system which can infer interaction contents via traffic data(inside attack or outside attack) without knowing </a:t>
-            </a:r>
-            <a:r>
-              <a:rPr lang="en-US" dirty="0" err="1"/>
-              <a:t>ip</a:t>
-            </a:r>
-            <a:r>
-              <a:rPr lang="en-US" dirty="0"/>
-              <a:t>.</a:t>
-            </a:r>
-          </a:p>
-          <a:p>
             <a:endParaRPr lang="en-US" dirty="0"/>
           </a:p>
-          <a:p>
-            <a:r>
-              <a:rPr lang="en-US" dirty="0"/>
-              <a:t>Learning Method: Voice Traffic Data Fingerprinting </a:t>
-            </a:r>
-          </a:p>
-          <a:p>
-            <a:endParaRPr lang="en-US" dirty="0"/>
-          </a:p>
-          <a:p>
-            <a:endParaRPr lang="en-US" dirty="0"/>
-          </a:p>
-          <a:p>
-            <a:endParaRPr lang="en-US" dirty="0"/>
-          </a:p>
-        </p:txBody>
-      </p:sp>
+        </p:txBody>
+      </p:sp>
+      <p:pic>
+        <p:nvPicPr>
+          <p:cNvPr id="4" name="Picture 3">
+            <a:extLst>
+              <a:ext uri="{FF2B5EF4-FFF2-40B4-BE49-F238E27FC236}">
+                <a16:creationId xmlns:a16="http://schemas.microsoft.com/office/drawing/2014/main" id="{C0F8F265-6F4F-289E-0FBD-3D31305D19DB}"/>
+              </a:ext>
+            </a:extLst>
+          </p:cNvPr>
+          <p:cNvPicPr>
+            <a:picLocks noChangeAspect="1"/>
+          </p:cNvPicPr>
+          <p:nvPr/>
+        </p:nvPicPr>
+        <p:blipFill>
+          <a:blip r:embed="rId2"/>
+          <a:stretch>
+            <a:fillRect/>
+          </a:stretch>
+        </p:blipFill>
+        <p:spPr>
+          <a:xfrm>
+            <a:off x="2691029" y="2524537"/>
+            <a:ext cx="6988389" cy="3162246"/>
+          </a:xfrm>
+          <a:prstGeom prst="rect">
+            <a:avLst/>
+          </a:prstGeom>
+        </p:spPr>
+      </p:pic>
     </p:spTree>
     <p:extLst>
       <p:ext uri="{BB962C8B-B14F-4D97-AF65-F5344CB8AC3E}">
-        <p14:creationId xmlns:p14="http://schemas.microsoft.com/office/powerpoint/2010/main" val="3366851168"/>
+        <p14:creationId xmlns:p14="http://schemas.microsoft.com/office/powerpoint/2010/main" val="3682045266"/>
       </p:ext>
     </p:extLst>
   </p:cSld>
@@ -9123,7 +9174,7 @@
           <p:cNvPr id="2" name="Title 1">
             <a:extLst>
               <a:ext uri="{FF2B5EF4-FFF2-40B4-BE49-F238E27FC236}">
-                <a16:creationId xmlns:a16="http://schemas.microsoft.com/office/drawing/2014/main" id="{91DDE1AD-927A-81D2-E29D-D3335D504465}"/>
+                <a16:creationId xmlns:a16="http://schemas.microsoft.com/office/drawing/2014/main" id="{74FE0CB1-E84F-31EA-321E-41AA743ED0A6}"/>
               </a:ext>
             </a:extLst>
           </p:cNvPr>
@@ -9140,12 +9191,12 @@
           <a:lstStyle/>
           <a:p>
             <a:r>
-              <a:rPr lang="en-US" dirty="0" err="1"/>
-              <a:t>P</a:t>
-            </a:r>
-            <a:r>
-              <a:rPr lang="en-US" altLang="zh-CN" dirty="0" err="1"/>
-              <a:t>iVPN</a:t>
+              <a:rPr lang="en-US" dirty="0"/>
+              <a:t>S</a:t>
+            </a:r>
+            <a:r>
+              <a:rPr lang="en-US" altLang="zh-CN" dirty="0"/>
+              <a:t>ystem Components</a:t>
             </a:r>
             <a:endParaRPr lang="en-US" dirty="0"/>
           </a:p>
@@ -9156,7 +9207,7 @@
           <p:cNvPr id="3" name="Content Placeholder 2">
             <a:extLst>
               <a:ext uri="{FF2B5EF4-FFF2-40B4-BE49-F238E27FC236}">
-                <a16:creationId xmlns:a16="http://schemas.microsoft.com/office/drawing/2014/main" id="{A509BAC2-2AD0-74C8-C09E-43F2281757A8}"/>
+                <a16:creationId xmlns:a16="http://schemas.microsoft.com/office/drawing/2014/main" id="{8B6622C2-7ECF-0D4E-CA75-F3294F275316}"/>
               </a:ext>
             </a:extLst>
           </p:cNvPr>
@@ -9174,57 +9225,119 @@
           <a:p>
             <a:r>
               <a:rPr lang="en-US" dirty="0"/>
-              <a:t>Failed to set on pi 4 B model 32-bits and 64-bits OS.</a:t>
+              <a:t>Router </a:t>
             </a:r>
           </a:p>
           <a:p>
             <a:r>
               <a:rPr lang="en-US" dirty="0"/>
-              <a:t>Phone and Windows PC can ping the VPN Server.</a:t>
-            </a:r>
-          </a:p>
-          <a:p>
+              <a:t>Pi A (</a:t>
+            </a:r>
+            <a:r>
+              <a:rPr lang="en-US" b="1" dirty="0"/>
+              <a:t>Wireless Access Point</a:t>
+            </a:r>
             <a:r>
               <a:rPr lang="en-US" dirty="0"/>
-              <a:t>VPN Server can connect to the Internet</a:t>
-            </a:r>
-          </a:p>
-        </p:txBody>
-      </p:sp>
-      <p:pic>
-        <p:nvPicPr>
-          <p:cNvPr id="4" name="Picture 3">
-            <a:extLst>
-              <a:ext uri="{FF2B5EF4-FFF2-40B4-BE49-F238E27FC236}">
-                <a16:creationId xmlns:a16="http://schemas.microsoft.com/office/drawing/2014/main" id="{C0F8F265-6F4F-289E-0FBD-3D31305D19DB}"/>
-              </a:ext>
-            </a:extLst>
-          </p:cNvPr>
-          <p:cNvPicPr>
-            <a:picLocks noChangeAspect="1"/>
-          </p:cNvPicPr>
-          <p:nvPr/>
-        </p:nvPicPr>
-        <p:blipFill>
-          <a:blip r:embed="rId2"/>
-          <a:stretch>
-            <a:fillRect/>
-          </a:stretch>
-        </p:blipFill>
-        <p:spPr>
-          <a:xfrm>
-            <a:off x="5467480" y="3771446"/>
-            <a:ext cx="6988389" cy="3162246"/>
-          </a:xfrm>
-          <a:prstGeom prst="rect">
-            <a:avLst/>
-          </a:prstGeom>
-        </p:spPr>
-      </p:pic>
+              <a:t> setup via </a:t>
+            </a:r>
+            <a:r>
+              <a:rPr lang="en-US" dirty="0" err="1"/>
+              <a:t>RaspAP</a:t>
+            </a:r>
+            <a:r>
+              <a:rPr lang="en-US" dirty="0"/>
+              <a:t>)</a:t>
+            </a:r>
+          </a:p>
+          <a:p>
+            <a:pPr lvl="1"/>
+            <a:r>
+              <a:rPr lang="en-US" dirty="0"/>
+              <a:t>Role: Acts as a Wireless Access Point</a:t>
+            </a:r>
+          </a:p>
+          <a:p>
+            <a:r>
+              <a:rPr lang="en-US" dirty="0"/>
+              <a:t>Pi B (</a:t>
+            </a:r>
+            <a:r>
+              <a:rPr lang="en-US" b="1" dirty="0"/>
+              <a:t>VPN Server </a:t>
+            </a:r>
+            <a:r>
+              <a:rPr lang="en-US" dirty="0"/>
+              <a:t>setup via </a:t>
+            </a:r>
+            <a:r>
+              <a:rPr lang="en-US" dirty="0" err="1"/>
+              <a:t>PiVPN</a:t>
+            </a:r>
+            <a:r>
+              <a:rPr lang="en-US" dirty="0"/>
+              <a:t>)</a:t>
+            </a:r>
+          </a:p>
+          <a:p>
+            <a:pPr lvl="1"/>
+            <a:r>
+              <a:rPr lang="en-US" dirty="0"/>
+              <a:t>Role: Serves as a VPN server(</a:t>
+            </a:r>
+            <a:r>
+              <a:rPr lang="en-US" dirty="0" err="1"/>
+              <a:t>WireGurad</a:t>
+            </a:r>
+            <a:r>
+              <a:rPr lang="en-US" dirty="0"/>
+              <a:t>)</a:t>
+            </a:r>
+          </a:p>
+          <a:p>
+            <a:r>
+              <a:rPr lang="en-US" dirty="0"/>
+              <a:t>Pi C (</a:t>
+            </a:r>
+            <a:r>
+              <a:rPr lang="en-US" b="1" dirty="0"/>
+              <a:t>A</a:t>
+            </a:r>
+            <a:r>
+              <a:rPr lang="en-US" altLang="zh-CN" b="1" dirty="0"/>
+              <a:t>lexa</a:t>
+            </a:r>
+            <a:r>
+              <a:rPr lang="en-US" altLang="zh-CN" dirty="0"/>
+              <a:t>-Enabled device</a:t>
+            </a:r>
+            <a:r>
+              <a:rPr lang="en-US" dirty="0"/>
+              <a:t>)</a:t>
+            </a:r>
+          </a:p>
+          <a:p>
+            <a:pPr lvl="1"/>
+            <a:r>
+              <a:rPr lang="en-US" dirty="0"/>
+              <a:t>Role: Functions as an Alexa-Enabled device for voice interactions</a:t>
+            </a:r>
+          </a:p>
+          <a:p>
+            <a:r>
+              <a:rPr lang="en-US" dirty="0"/>
+              <a:t>Maybe VPN Server can be integrated in Pi A(Wireless Access Point)</a:t>
+            </a:r>
+          </a:p>
+          <a:p>
+            <a:endParaRPr lang="en-US" dirty="0"/>
+          </a:p>
+        </p:txBody>
+      </p:sp>
     </p:spTree>
     <p:extLst>
       <p:ext uri="{BB962C8B-B14F-4D97-AF65-F5344CB8AC3E}">
-        <p14:creationId xmlns:p14="http://schemas.microsoft.com/office/powerpoint/2010/main" val="3682045266"/>
+        <p14:creationId xmlns:p14="http://schemas.microsoft.com/office/powerpoint/2010/main" val="1049844957"/>
       </p:ext>
     </p:extLst>
   </p:cSld>
@@ -9256,7 +9369,7 @@
           <p:cNvPr id="2" name="Title 1">
             <a:extLst>
               <a:ext uri="{FF2B5EF4-FFF2-40B4-BE49-F238E27FC236}">
-                <a16:creationId xmlns:a16="http://schemas.microsoft.com/office/drawing/2014/main" id="{74FE0CB1-E84F-31EA-321E-41AA743ED0A6}"/>
+                <a16:creationId xmlns:a16="http://schemas.microsoft.com/office/drawing/2014/main" id="{02C9E500-364D-1562-2066-C9F84C64E60A}"/>
               </a:ext>
             </a:extLst>
           </p:cNvPr>
@@ -9274,13 +9387,8 @@
           <a:p>
             <a:r>
               <a:rPr lang="en-US" dirty="0"/>
-              <a:t>S</a:t>
-            </a:r>
-            <a:r>
-              <a:rPr lang="en-US" altLang="zh-CN" dirty="0"/>
-              <a:t>ystem Components</a:t>
-            </a:r>
-            <a:endParaRPr lang="en-US" dirty="0"/>
+              <a:t>Pi A Wireless Access Point</a:t>
+            </a:r>
           </a:p>
         </p:txBody>
       </p:sp>
@@ -9289,7 +9397,7 @@
           <p:cNvPr id="3" name="Content Placeholder 2">
             <a:extLst>
               <a:ext uri="{FF2B5EF4-FFF2-40B4-BE49-F238E27FC236}">
-                <a16:creationId xmlns:a16="http://schemas.microsoft.com/office/drawing/2014/main" id="{8B6622C2-7ECF-0D4E-CA75-F3294F275316}"/>
+                <a16:creationId xmlns:a16="http://schemas.microsoft.com/office/drawing/2014/main" id="{F24216F3-0120-07AD-0941-B2D3BE6B8FA1}"/>
               </a:ext>
             </a:extLst>
           </p:cNvPr>
@@ -9307,119 +9415,15 @@
           <a:p>
             <a:r>
               <a:rPr lang="en-US" dirty="0"/>
-              <a:t>Router </a:t>
-            </a:r>
-          </a:p>
-          <a:p>
-            <a:r>
-              <a:rPr lang="en-US" dirty="0"/>
-              <a:t>Pi A (</a:t>
-            </a:r>
-            <a:r>
-              <a:rPr lang="en-US" b="1" dirty="0"/>
-              <a:t>Wireless Access Point</a:t>
-            </a:r>
-            <a:r>
-              <a:rPr lang="en-US" dirty="0"/>
-              <a:t> setup via </a:t>
-            </a:r>
-            <a:r>
-              <a:rPr lang="en-US" dirty="0" err="1"/>
-              <a:t>RaspAP</a:t>
-            </a:r>
-            <a:r>
-              <a:rPr lang="en-US" dirty="0"/>
-              <a:t>)</a:t>
-            </a:r>
-          </a:p>
-          <a:p>
-            <a:pPr lvl="1"/>
-            <a:r>
-              <a:rPr lang="en-US" dirty="0"/>
-              <a:t>Role: Acts as a Wireless Access Point</a:t>
-            </a:r>
-          </a:p>
-          <a:p>
-            <a:r>
-              <a:rPr lang="en-US" dirty="0"/>
-              <a:t>Pi B (</a:t>
-            </a:r>
-            <a:r>
-              <a:rPr lang="en-US" b="1" dirty="0"/>
-              <a:t>VPN Server </a:t>
-            </a:r>
-            <a:r>
-              <a:rPr lang="en-US" dirty="0"/>
-              <a:t>setup via </a:t>
-            </a:r>
-            <a:r>
-              <a:rPr lang="en-US" dirty="0" err="1"/>
-              <a:t>PiVPN</a:t>
-            </a:r>
-            <a:r>
-              <a:rPr lang="en-US" dirty="0"/>
-              <a:t>)</a:t>
-            </a:r>
-          </a:p>
-          <a:p>
-            <a:pPr lvl="1"/>
-            <a:r>
-              <a:rPr lang="en-US" dirty="0"/>
-              <a:t>Role: Serves as a VPN server(</a:t>
-            </a:r>
-            <a:r>
-              <a:rPr lang="en-US" dirty="0" err="1"/>
-              <a:t>WireGurad</a:t>
-            </a:r>
-            <a:r>
-              <a:rPr lang="en-US" dirty="0"/>
-              <a:t>)</a:t>
-            </a:r>
-          </a:p>
-          <a:p>
-            <a:r>
-              <a:rPr lang="en-US" dirty="0"/>
-              <a:t>Pi C (</a:t>
-            </a:r>
-            <a:r>
-              <a:rPr lang="en-US" b="1" dirty="0"/>
-              <a:t>A</a:t>
-            </a:r>
-            <a:r>
-              <a:rPr lang="en-US" altLang="zh-CN" b="1" dirty="0"/>
-              <a:t>lexa</a:t>
-            </a:r>
-            <a:r>
-              <a:rPr lang="en-US" altLang="zh-CN" dirty="0"/>
-              <a:t>-Enabled device</a:t>
-            </a:r>
-            <a:r>
-              <a:rPr lang="en-US" dirty="0"/>
-              <a:t>)</a:t>
-            </a:r>
-          </a:p>
-          <a:p>
-            <a:pPr lvl="1"/>
-            <a:r>
-              <a:rPr lang="en-US" dirty="0"/>
-              <a:t>Role: Functions as an Alexa-Enabled device for voice interactions</a:t>
-            </a:r>
-          </a:p>
-          <a:p>
-            <a:r>
-              <a:rPr lang="en-US" dirty="0"/>
-              <a:t>Maybe VPN Server can be integrated in Pi A(Wireless Access Point)</a:t>
-            </a:r>
-          </a:p>
-          <a:p>
-            <a:endParaRPr lang="en-US" dirty="0"/>
+              <a:t>Role:</a:t>
+            </a:r>
           </a:p>
         </p:txBody>
       </p:sp>
     </p:spTree>
     <p:extLst>
       <p:ext uri="{BB962C8B-B14F-4D97-AF65-F5344CB8AC3E}">
-        <p14:creationId xmlns:p14="http://schemas.microsoft.com/office/powerpoint/2010/main" val="1049844957"/>
+        <p14:creationId xmlns:p14="http://schemas.microsoft.com/office/powerpoint/2010/main" val="3135284351"/>
       </p:ext>
     </p:extLst>
   </p:cSld>
@@ -9451,7 +9455,7 @@
           <p:cNvPr id="2" name="Title 1">
             <a:extLst>
               <a:ext uri="{FF2B5EF4-FFF2-40B4-BE49-F238E27FC236}">
-                <a16:creationId xmlns:a16="http://schemas.microsoft.com/office/drawing/2014/main" id="{02C9E500-364D-1562-2066-C9F84C64E60A}"/>
+                <a16:creationId xmlns:a16="http://schemas.microsoft.com/office/drawing/2014/main" id="{168D8336-FEA3-7F77-36AC-278CEDCBCE0E}"/>
               </a:ext>
             </a:extLst>
           </p:cNvPr>
@@ -9469,7 +9473,7 @@
           <a:p>
             <a:r>
               <a:rPr lang="en-US" dirty="0"/>
-              <a:t>Pi A Wireless Access Point</a:t>
+              <a:t>Pi B VPN Server</a:t>
             </a:r>
           </a:p>
         </p:txBody>
@@ -9479,7 +9483,7 @@
           <p:cNvPr id="3" name="Content Placeholder 2">
             <a:extLst>
               <a:ext uri="{FF2B5EF4-FFF2-40B4-BE49-F238E27FC236}">
-                <a16:creationId xmlns:a16="http://schemas.microsoft.com/office/drawing/2014/main" id="{F24216F3-0120-07AD-0941-B2D3BE6B8FA1}"/>
+                <a16:creationId xmlns:a16="http://schemas.microsoft.com/office/drawing/2014/main" id="{8D97B938-C687-DEDB-6DDD-5AC0231BF0E8}"/>
               </a:ext>
             </a:extLst>
           </p:cNvPr>
@@ -9497,15 +9501,67 @@
           <a:p>
             <a:r>
               <a:rPr lang="en-US" dirty="0"/>
-              <a:t>Role:</a:t>
-            </a:r>
+              <a:t>Tasks:</a:t>
+            </a:r>
+          </a:p>
+          <a:p>
+            <a:pPr lvl="1"/>
+            <a:r>
+              <a:rPr lang="en-US" dirty="0"/>
+              <a:t>1. Generate VPN Configuration: ‘</a:t>
+            </a:r>
+            <a:r>
+              <a:rPr lang="en-US" i="1" dirty="0" err="1"/>
+              <a:t>pivpn</a:t>
+            </a:r>
+            <a:r>
+              <a:rPr lang="en-US" i="1" dirty="0"/>
+              <a:t> add</a:t>
+            </a:r>
+            <a:r>
+              <a:rPr lang="en-US" dirty="0"/>
+              <a:t>’ to create a client profile for Pi C</a:t>
+            </a:r>
+          </a:p>
+          <a:p>
+            <a:pPr lvl="1"/>
+            <a:r>
+              <a:rPr lang="en-US" dirty="0"/>
+              <a:t>2. </a:t>
+            </a:r>
+            <a:r>
+              <a:rPr lang="en-US" dirty="0" err="1"/>
+              <a:t>ufw</a:t>
+            </a:r>
+            <a:r>
+              <a:rPr lang="en-US" dirty="0"/>
+              <a:t>:  Uncomplicated Firewall</a:t>
+            </a:r>
+          </a:p>
+          <a:p>
+            <a:pPr lvl="1"/>
+            <a:r>
+              <a:rPr lang="en-US" dirty="0"/>
+              <a:t>3. Enable IP forwarding</a:t>
+            </a:r>
+          </a:p>
+          <a:p>
+            <a:pPr lvl="1"/>
+            <a:r>
+              <a:rPr lang="en-US" dirty="0"/>
+              <a:t>4. Configure NAT for the Wi-Fi Interface</a:t>
+            </a:r>
+          </a:p>
+          <a:p>
+            <a:pPr lvl="1"/>
+            <a:endParaRPr lang="en-US" dirty="0"/>
           </a:p>
         </p:txBody>
       </p:sp>
     </p:spTree>
     <p:extLst>
       <p:ext uri="{BB962C8B-B14F-4D97-AF65-F5344CB8AC3E}">
-        <p14:creationId xmlns:p14="http://schemas.microsoft.com/office/powerpoint/2010/main" val="3135284351"/>
+        <p14:creationId xmlns:p14="http://schemas.microsoft.com/office/powerpoint/2010/main" val="2192539854"/>
       </p:ext>
     </p:extLst>
   </p:cSld>
@@ -9537,7 +9593,7 @@
           <p:cNvPr id="2" name="Title 1">
             <a:extLst>
               <a:ext uri="{FF2B5EF4-FFF2-40B4-BE49-F238E27FC236}">
-                <a16:creationId xmlns:a16="http://schemas.microsoft.com/office/drawing/2014/main" id="{168D8336-FEA3-7F77-36AC-278CEDCBCE0E}"/>
+                <a16:creationId xmlns:a16="http://schemas.microsoft.com/office/drawing/2014/main" id="{931B4F46-F34A-5759-07FA-D0A0E0358A7E}"/>
               </a:ext>
             </a:extLst>
           </p:cNvPr>
@@ -9555,7 +9611,7 @@
           <a:p>
             <a:r>
               <a:rPr lang="en-US" dirty="0"/>
-              <a:t>Pi B VPN Server</a:t>
+              <a:t>Pi C Alexa-Enable Device</a:t>
             </a:r>
           </a:p>
         </p:txBody>
@@ -9565,7 +9621,7 @@
           <p:cNvPr id="3" name="Content Placeholder 2">
             <a:extLst>
               <a:ext uri="{FF2B5EF4-FFF2-40B4-BE49-F238E27FC236}">
-                <a16:creationId xmlns:a16="http://schemas.microsoft.com/office/drawing/2014/main" id="{8D97B938-C687-DEDB-6DDD-5AC0231BF0E8}"/>
+                <a16:creationId xmlns:a16="http://schemas.microsoft.com/office/drawing/2014/main" id="{3FAB9B83-0AD6-924C-C49E-9BDC8A6FBB6C}"/>
               </a:ext>
             </a:extLst>
           </p:cNvPr>
@@ -9581,69 +9637,259 @@
           <a:bodyPr/>
           <a:lstStyle/>
           <a:p>
-            <a:r>
-              <a:rPr lang="en-US" dirty="0"/>
-              <a:t>Tasks:</a:t>
+            <a:pPr algn="l"/>
+            <a:r>
+              <a:rPr lang="en-US" b="0" i="0" dirty="0">
+                <a:solidFill>
+                  <a:srgbClr val="111111"/>
+                </a:solidFill>
+                <a:effectLst/>
+                <a:latin typeface="Amazon Ember Light"/>
+              </a:rPr>
+              <a:t>Alexa Voice Service (AVS) </a:t>
             </a:r>
           </a:p>
           <a:p>
             <a:pPr lvl="1"/>
             <a:r>
-              <a:rPr lang="en-US" dirty="0"/>
-              <a:t>1. Generate VPN Configuration: ‘</a:t>
-            </a:r>
-            <a:r>
-              <a:rPr lang="en-US" i="1" dirty="0" err="1"/>
-              <a:t>pivpn</a:t>
-            </a:r>
-            <a:r>
-              <a:rPr lang="en-US" i="1" dirty="0"/>
-              <a:t> add</a:t>
-            </a:r>
-            <a:r>
-              <a:rPr lang="en-US" dirty="0"/>
-              <a:t>’ to create a client profile for Pi C</a:t>
+              <a:rPr lang="fr-FR" b="0" i="0" dirty="0">
+                <a:solidFill>
+                  <a:srgbClr val="111111"/>
+                </a:solidFill>
+                <a:effectLst/>
+                <a:latin typeface="Amazon Ember Light"/>
+              </a:rPr>
+              <a:t>AVS </a:t>
+            </a:r>
+            <a:r>
+              <a:rPr lang="fr-FR" b="0" i="0" dirty="0" err="1">
+                <a:solidFill>
+                  <a:srgbClr val="111111"/>
+                </a:solidFill>
+                <a:effectLst/>
+                <a:latin typeface="Amazon Ember Light"/>
+              </a:rPr>
+              <a:t>Device</a:t>
+            </a:r>
+            <a:r>
+              <a:rPr lang="fr-FR" b="0" i="0" dirty="0">
+                <a:solidFill>
+                  <a:srgbClr val="111111"/>
+                </a:solidFill>
+                <a:effectLst/>
+                <a:latin typeface="Amazon Ember Light"/>
+              </a:rPr>
+              <a:t> SDK Console </a:t>
+            </a:r>
+            <a:r>
+              <a:rPr lang="fr-FR" b="0" i="0" dirty="0" err="1">
+                <a:solidFill>
+                  <a:srgbClr val="111111"/>
+                </a:solidFill>
+                <a:effectLst/>
+                <a:latin typeface="Amazon Ember Light"/>
+              </a:rPr>
+              <a:t>Sample</a:t>
+            </a:r>
+            <a:r>
+              <a:rPr lang="fr-FR" b="0" i="0" dirty="0">
+                <a:solidFill>
+                  <a:srgbClr val="111111"/>
+                </a:solidFill>
+                <a:effectLst/>
+                <a:latin typeface="Amazon Ember Light"/>
+              </a:rPr>
+              <a:t> Application (Voice </a:t>
+            </a:r>
+            <a:r>
+              <a:rPr lang="fr-FR" b="0" i="0" dirty="0" err="1">
+                <a:solidFill>
+                  <a:srgbClr val="111111"/>
+                </a:solidFill>
+                <a:effectLst/>
+                <a:latin typeface="Amazon Ember Light"/>
+              </a:rPr>
+              <a:t>only</a:t>
+            </a:r>
+            <a:r>
+              <a:rPr lang="fr-FR" b="0" i="0" dirty="0">
+                <a:solidFill>
+                  <a:srgbClr val="111111"/>
+                </a:solidFill>
+                <a:effectLst/>
+                <a:latin typeface="Amazon Ember Light"/>
+              </a:rPr>
+              <a:t>)</a:t>
             </a:r>
           </a:p>
           <a:p>
             <a:pPr lvl="1"/>
             <a:r>
-              <a:rPr lang="en-US" dirty="0"/>
-              <a:t>2. </a:t>
-            </a:r>
-            <a:r>
-              <a:rPr lang="en-US" dirty="0" err="1"/>
-              <a:t>ufw</a:t>
-            </a:r>
-            <a:r>
-              <a:rPr lang="en-US" dirty="0"/>
-              <a:t>:  Uncomplicated Firewall</a:t>
-            </a:r>
-          </a:p>
-          <a:p>
-            <a:pPr lvl="1"/>
-            <a:r>
-              <a:rPr lang="en-US" dirty="0"/>
-              <a:t>3. Enable IP forwarding</a:t>
-            </a:r>
-          </a:p>
-          <a:p>
-            <a:pPr lvl="1"/>
-            <a:r>
-              <a:rPr lang="en-US" dirty="0"/>
-              <a:t>4. Configure NAT for the Wi-Fi Interface</a:t>
-            </a:r>
-          </a:p>
-          <a:p>
-            <a:pPr lvl="1"/>
-            <a:endParaRPr lang="en-US" dirty="0"/>
-          </a:p>
-        </p:txBody>
-      </p:sp>
+              <a:rPr lang="fr-FR" b="0" i="0" dirty="0">
+                <a:solidFill>
+                  <a:srgbClr val="111111"/>
+                </a:solidFill>
+                <a:effectLst/>
+                <a:latin typeface="Amazon Ember Light"/>
+              </a:rPr>
+              <a:t>AVS </a:t>
+            </a:r>
+            <a:r>
+              <a:rPr lang="fr-FR" b="0" i="0" dirty="0" err="1">
+                <a:solidFill>
+                  <a:srgbClr val="111111"/>
+                </a:solidFill>
+                <a:effectLst/>
+                <a:latin typeface="Amazon Ember Light"/>
+              </a:rPr>
+              <a:t>Device</a:t>
+            </a:r>
+            <a:r>
+              <a:rPr lang="fr-FR" b="0" i="0" dirty="0">
+                <a:solidFill>
+                  <a:srgbClr val="111111"/>
+                </a:solidFill>
+                <a:effectLst/>
+                <a:latin typeface="Amazon Ember Light"/>
+              </a:rPr>
+              <a:t> SDK IPC Server </a:t>
+            </a:r>
+            <a:r>
+              <a:rPr lang="fr-FR" b="0" i="0" dirty="0" err="1">
+                <a:solidFill>
+                  <a:srgbClr val="111111"/>
+                </a:solidFill>
+                <a:effectLst/>
+                <a:latin typeface="Amazon Ember Light"/>
+              </a:rPr>
+              <a:t>Sample</a:t>
+            </a:r>
+            <a:r>
+              <a:rPr lang="fr-FR" b="0" i="0" dirty="0">
+                <a:solidFill>
+                  <a:srgbClr val="111111"/>
+                </a:solidFill>
+                <a:effectLst/>
+                <a:latin typeface="Amazon Ember Light"/>
+              </a:rPr>
+              <a:t> Application (</a:t>
+            </a:r>
+            <a:r>
+              <a:rPr lang="en-US" dirty="0">
+                <a:solidFill>
+                  <a:srgbClr val="111111"/>
+                </a:solidFill>
+                <a:latin typeface="Amazon Ember Regular"/>
+              </a:rPr>
+              <a:t>S</a:t>
+            </a:r>
+            <a:r>
+              <a:rPr lang="en-US" b="0" i="0" dirty="0">
+                <a:solidFill>
+                  <a:srgbClr val="111111"/>
+                </a:solidFill>
+                <a:effectLst/>
+                <a:latin typeface="Amazon Ember Regular"/>
+              </a:rPr>
+              <a:t>mart Screen device</a:t>
+            </a:r>
+            <a:r>
+              <a:rPr lang="fr-FR" b="0" i="0" dirty="0">
+                <a:solidFill>
+                  <a:srgbClr val="111111"/>
+                </a:solidFill>
+                <a:effectLst/>
+                <a:latin typeface="Amazon Ember Light"/>
+              </a:rPr>
+              <a:t>)</a:t>
+            </a:r>
+            <a:endParaRPr lang="en-US" b="0" i="0" dirty="0">
+              <a:solidFill>
+                <a:srgbClr val="111111"/>
+              </a:solidFill>
+              <a:effectLst/>
+              <a:latin typeface="Amazon Ember Light"/>
+            </a:endParaRPr>
+          </a:p>
+          <a:p>
+            <a:pPr algn="l"/>
+            <a:r>
+              <a:rPr lang="sv-SE" b="0" i="0" dirty="0">
+                <a:solidFill>
+                  <a:srgbClr val="111111"/>
+                </a:solidFill>
+                <a:effectLst/>
+                <a:latin typeface="Amazon Ember Light"/>
+              </a:rPr>
+              <a:t>Alexa Skills Kit (ASK) CLI(Command Line Interface)</a:t>
+            </a:r>
+            <a:endParaRPr lang="en-US" b="0" i="0" dirty="0">
+              <a:solidFill>
+                <a:srgbClr val="111111"/>
+              </a:solidFill>
+              <a:effectLst/>
+              <a:latin typeface="Amazon Ember Light"/>
+            </a:endParaRPr>
+          </a:p>
+          <a:p>
+            <a:pPr algn="l"/>
+            <a:r>
+              <a:rPr lang="en-US" b="0" i="0" dirty="0">
+                <a:solidFill>
+                  <a:srgbClr val="111111"/>
+                </a:solidFill>
+                <a:effectLst/>
+                <a:latin typeface="Amazon Ember Light"/>
+              </a:rPr>
+              <a:t>Set up the AVS Device SDK on Raspberry Pi</a:t>
+            </a:r>
+          </a:p>
+          <a:p>
+            <a:pPr algn="l"/>
+            <a:endParaRPr lang="en-US" b="0" i="0" dirty="0">
+              <a:solidFill>
+                <a:srgbClr val="111111"/>
+              </a:solidFill>
+              <a:effectLst/>
+              <a:latin typeface="Amazon Ember Light"/>
+            </a:endParaRPr>
+          </a:p>
+        </p:txBody>
+      </p:sp>
+      <p:pic>
+        <p:nvPicPr>
+          <p:cNvPr id="5" name="Picture 4">
+            <a:extLst>
+              <a:ext uri="{FF2B5EF4-FFF2-40B4-BE49-F238E27FC236}">
+                <a16:creationId xmlns:a16="http://schemas.microsoft.com/office/drawing/2014/main" id="{BFBF372D-44C4-A72D-EA96-7AF9B2BEAB0E}"/>
+              </a:ext>
+            </a:extLst>
+          </p:cNvPr>
+          <p:cNvPicPr>
+            <a:picLocks noChangeAspect="1"/>
+          </p:cNvPicPr>
+          <p:nvPr/>
+        </p:nvPicPr>
+        <p:blipFill>
+          <a:blip r:embed="rId3"/>
+          <a:stretch>
+            <a:fillRect/>
+          </a:stretch>
+        </p:blipFill>
+        <p:spPr>
+          <a:xfrm>
+            <a:off x="6675120" y="3188099"/>
+            <a:ext cx="4678680" cy="3382518"/>
+          </a:xfrm>
+          <a:prstGeom prst="rect">
+            <a:avLst/>
+          </a:prstGeom>
+        </p:spPr>
+      </p:pic>
     </p:spTree>
     <p:extLst>
       <p:ext uri="{BB962C8B-B14F-4D97-AF65-F5344CB8AC3E}">
-        <p14:creationId xmlns:p14="http://schemas.microsoft.com/office/powerpoint/2010/main" val="2192539854"/>
+        <p14:creationId xmlns:p14="http://schemas.microsoft.com/office/powerpoint/2010/main" val="1000784514"/>
       </p:ext>
     </p:extLst>
   </p:cSld>
@@ -9675,7 +9921,7 @@
           <p:cNvPr id="2" name="Title 1">
             <a:extLst>
               <a:ext uri="{FF2B5EF4-FFF2-40B4-BE49-F238E27FC236}">
-                <a16:creationId xmlns:a16="http://schemas.microsoft.com/office/drawing/2014/main" id="{931B4F46-F34A-5759-07FA-D0A0E0358A7E}"/>
+                <a16:creationId xmlns:a16="http://schemas.microsoft.com/office/drawing/2014/main" id="{4D3E86CE-2630-A84C-9325-64E7416F83D3}"/>
               </a:ext>
             </a:extLst>
           </p:cNvPr>
@@ -9693,8 +9939,13 @@
           <a:p>
             <a:r>
               <a:rPr lang="en-US" dirty="0"/>
-              <a:t>Pi C Alexa-Enable Device</a:t>
-            </a:r>
+              <a:t>Review Last </a:t>
+            </a:r>
+            <a:r>
+              <a:rPr lang="en-US" dirty="0" err="1"/>
+              <a:t>Disscussion</a:t>
+            </a:r>
+            <a:endParaRPr lang="en-US" dirty="0"/>
           </a:p>
         </p:txBody>
       </p:sp>
@@ -9703,7 +9954,7 @@
           <p:cNvPr id="3" name="Content Placeholder 2">
             <a:extLst>
               <a:ext uri="{FF2B5EF4-FFF2-40B4-BE49-F238E27FC236}">
-                <a16:creationId xmlns:a16="http://schemas.microsoft.com/office/drawing/2014/main" id="{3FAB9B83-0AD6-924C-C49E-9BDC8A6FBB6C}"/>
+                <a16:creationId xmlns:a16="http://schemas.microsoft.com/office/drawing/2014/main" id="{D163B259-D7F2-86B0-8739-8BB3A53FB3D9}"/>
               </a:ext>
             </a:extLst>
           </p:cNvPr>
@@ -9719,259 +9970,160 @@
           <a:bodyPr/>
           <a:lstStyle/>
           <a:p>
-            <a:pPr algn="l"/>
-            <a:r>
-              <a:rPr lang="en-US" b="0" i="0" dirty="0">
-                <a:solidFill>
-                  <a:srgbClr val="111111"/>
-                </a:solidFill>
-                <a:effectLst/>
-                <a:latin typeface="Amazon Ember Light"/>
-              </a:rPr>
-              <a:t>Alexa Voice Service (AVS) </a:t>
+            <a:r>
+              <a:rPr lang="en-US" dirty="0"/>
+              <a:t>Question: Can we still attack if we don’t know actually </a:t>
+            </a:r>
+            <a:r>
+              <a:rPr lang="en-US" dirty="0" err="1"/>
+              <a:t>ip</a:t>
+            </a:r>
+            <a:r>
+              <a:rPr lang="en-US" dirty="0"/>
+              <a:t> or the </a:t>
+            </a:r>
+            <a:r>
+              <a:rPr lang="en-US" dirty="0" err="1"/>
+              <a:t>ip</a:t>
+            </a:r>
+            <a:r>
+              <a:rPr lang="en-US" dirty="0"/>
+              <a:t> is changing all the time.</a:t>
+            </a:r>
+          </a:p>
+          <a:p>
+            <a:r>
+              <a:rPr lang="en-US" dirty="0"/>
+              <a:t>VPN</a:t>
             </a:r>
           </a:p>
           <a:p>
             <a:pPr lvl="1"/>
             <a:r>
-              <a:rPr lang="fr-FR" b="0" i="0" dirty="0">
-                <a:solidFill>
-                  <a:srgbClr val="111111"/>
-                </a:solidFill>
-                <a:effectLst/>
-                <a:latin typeface="Amazon Ember Light"/>
-              </a:rPr>
-              <a:t>AVS </a:t>
-            </a:r>
-            <a:r>
-              <a:rPr lang="fr-FR" b="0" i="0" dirty="0" err="1">
-                <a:solidFill>
-                  <a:srgbClr val="111111"/>
-                </a:solidFill>
-                <a:effectLst/>
-                <a:latin typeface="Amazon Ember Light"/>
-              </a:rPr>
-              <a:t>Device</a:t>
-            </a:r>
-            <a:r>
-              <a:rPr lang="fr-FR" b="0" i="0" dirty="0">
-                <a:solidFill>
-                  <a:srgbClr val="111111"/>
-                </a:solidFill>
-                <a:effectLst/>
-                <a:latin typeface="Amazon Ember Light"/>
-              </a:rPr>
-              <a:t> SDK Console </a:t>
-            </a:r>
-            <a:r>
-              <a:rPr lang="fr-FR" b="0" i="0" dirty="0" err="1">
-                <a:solidFill>
-                  <a:srgbClr val="111111"/>
-                </a:solidFill>
-                <a:effectLst/>
-                <a:latin typeface="Amazon Ember Light"/>
-              </a:rPr>
-              <a:t>Sample</a:t>
-            </a:r>
-            <a:r>
-              <a:rPr lang="fr-FR" b="0" i="0" dirty="0">
-                <a:solidFill>
-                  <a:srgbClr val="111111"/>
-                </a:solidFill>
-                <a:effectLst/>
-                <a:latin typeface="Amazon Ember Light"/>
-              </a:rPr>
-              <a:t> Application (Voice </a:t>
-            </a:r>
-            <a:r>
-              <a:rPr lang="fr-FR" b="0" i="0" dirty="0" err="1">
-                <a:solidFill>
-                  <a:srgbClr val="111111"/>
-                </a:solidFill>
-                <a:effectLst/>
-                <a:latin typeface="Amazon Ember Light"/>
-              </a:rPr>
-              <a:t>only</a:t>
-            </a:r>
-            <a:r>
-              <a:rPr lang="fr-FR" b="0" i="0" dirty="0">
-                <a:solidFill>
-                  <a:srgbClr val="111111"/>
-                </a:solidFill>
-                <a:effectLst/>
-                <a:latin typeface="Amazon Ember Light"/>
-              </a:rPr>
-              <a:t>)</a:t>
+              <a:rPr lang="en-US" dirty="0"/>
+              <a:t>To answer the question: Can we still attack if people use VPN on a router?</a:t>
             </a:r>
           </a:p>
           <a:p>
             <a:pPr lvl="1"/>
             <a:r>
-              <a:rPr lang="fr-FR" b="0" i="0" dirty="0">
-                <a:solidFill>
-                  <a:srgbClr val="111111"/>
-                </a:solidFill>
-                <a:effectLst/>
-                <a:latin typeface="Amazon Ember Light"/>
-              </a:rPr>
-              <a:t>AVS </a:t>
-            </a:r>
-            <a:r>
-              <a:rPr lang="fr-FR" b="0" i="0" dirty="0" err="1">
-                <a:solidFill>
-                  <a:srgbClr val="111111"/>
-                </a:solidFill>
-                <a:effectLst/>
-                <a:latin typeface="Amazon Ember Light"/>
-              </a:rPr>
-              <a:t>Device</a:t>
-            </a:r>
-            <a:r>
-              <a:rPr lang="fr-FR" b="0" i="0" dirty="0">
-                <a:solidFill>
-                  <a:srgbClr val="111111"/>
-                </a:solidFill>
-                <a:effectLst/>
-                <a:latin typeface="Amazon Ember Light"/>
-              </a:rPr>
-              <a:t> SDK IPC Server </a:t>
-            </a:r>
-            <a:r>
-              <a:rPr lang="fr-FR" b="0" i="0" dirty="0" err="1">
-                <a:solidFill>
-                  <a:srgbClr val="111111"/>
-                </a:solidFill>
-                <a:effectLst/>
-                <a:latin typeface="Amazon Ember Light"/>
-              </a:rPr>
-              <a:t>Sample</a:t>
-            </a:r>
-            <a:r>
-              <a:rPr lang="fr-FR" b="0" i="0" dirty="0">
-                <a:solidFill>
-                  <a:srgbClr val="111111"/>
-                </a:solidFill>
-                <a:effectLst/>
-                <a:latin typeface="Amazon Ember Light"/>
-              </a:rPr>
-              <a:t> Application (</a:t>
-            </a:r>
-            <a:r>
-              <a:rPr lang="en-US" dirty="0">
-                <a:solidFill>
-                  <a:srgbClr val="111111"/>
-                </a:solidFill>
-                <a:latin typeface="Amazon Ember Regular"/>
-              </a:rPr>
-              <a:t>S</a:t>
-            </a:r>
-            <a:r>
-              <a:rPr lang="en-US" b="0" i="0" dirty="0">
-                <a:solidFill>
-                  <a:srgbClr val="111111"/>
-                </a:solidFill>
-                <a:effectLst/>
-                <a:latin typeface="Amazon Ember Regular"/>
-              </a:rPr>
-              <a:t>mart Screen device</a:t>
-            </a:r>
-            <a:r>
-              <a:rPr lang="fr-FR" b="0" i="0" dirty="0">
-                <a:solidFill>
-                  <a:srgbClr val="111111"/>
-                </a:solidFill>
-                <a:effectLst/>
-                <a:latin typeface="Amazon Ember Light"/>
-              </a:rPr>
-              <a:t>)</a:t>
-            </a:r>
-            <a:endParaRPr lang="en-US" b="0" i="0" dirty="0">
-              <a:solidFill>
-                <a:srgbClr val="111111"/>
-              </a:solidFill>
-              <a:effectLst/>
-              <a:latin typeface="Amazon Ember Light"/>
-            </a:endParaRPr>
-          </a:p>
-          <a:p>
-            <a:pPr algn="l"/>
-            <a:r>
-              <a:rPr lang="sv-SE" b="0" i="0" dirty="0">
-                <a:solidFill>
-                  <a:srgbClr val="111111"/>
-                </a:solidFill>
-                <a:effectLst/>
-                <a:latin typeface="Amazon Ember Light"/>
-              </a:rPr>
-              <a:t>Alexa Skills Kit (ASK) CLI(Command Line Interface)</a:t>
-            </a:r>
-            <a:endParaRPr lang="en-US" b="0" i="0" dirty="0">
-              <a:solidFill>
-                <a:srgbClr val="111111"/>
-              </a:solidFill>
-              <a:effectLst/>
-              <a:latin typeface="Amazon Ember Light"/>
-            </a:endParaRPr>
-          </a:p>
-          <a:p>
-            <a:pPr algn="l"/>
-            <a:r>
-              <a:rPr lang="en-US" b="0" i="0" dirty="0">
-                <a:solidFill>
-                  <a:srgbClr val="111111"/>
-                </a:solidFill>
-                <a:effectLst/>
-                <a:latin typeface="Amazon Ember Light"/>
-              </a:rPr>
-              <a:t>Set up the AVS Device SDK on Raspberry Pi</a:t>
-            </a:r>
-          </a:p>
-          <a:p>
-            <a:pPr algn="l"/>
-            <a:endParaRPr lang="en-US" b="0" i="0" dirty="0">
-              <a:solidFill>
-                <a:srgbClr val="111111"/>
-              </a:solidFill>
-              <a:effectLst/>
-              <a:latin typeface="Amazon Ember Light"/>
-            </a:endParaRPr>
-          </a:p>
-        </p:txBody>
-      </p:sp>
-      <p:pic>
-        <p:nvPicPr>
-          <p:cNvPr id="5" name="Picture 4">
+              <a:rPr lang="en-US" dirty="0"/>
+              <a:t>Also VPN will bring some noise traffic, more challenge</a:t>
+            </a:r>
+          </a:p>
+          <a:p>
+            <a:pPr lvl="1"/>
+            <a:r>
+              <a:rPr lang="en-US" dirty="0"/>
+              <a:t>But people typically don’t use VPN at their home I think. Not sure if it is a major contribution. Maybe a case study?</a:t>
+            </a:r>
+          </a:p>
+          <a:p>
+            <a:r>
+              <a:rPr lang="en-US" dirty="0"/>
+              <a:t>Turn Pi into an Alexa Echo</a:t>
+            </a:r>
+          </a:p>
+          <a:p>
+            <a:pPr lvl="1"/>
+            <a:r>
+              <a:rPr lang="en-US" dirty="0"/>
+              <a:t>Why? Make it easy for more operations: Keyboard interaction</a:t>
+            </a:r>
+          </a:p>
+          <a:p>
+            <a:pPr lvl="1"/>
+            <a:endParaRPr lang="en-US" dirty="0"/>
+          </a:p>
+          <a:p>
+            <a:endParaRPr lang="en-US" dirty="0"/>
+          </a:p>
+        </p:txBody>
+      </p:sp>
+    </p:spTree>
+    <p:extLst>
+      <p:ext uri="{BB962C8B-B14F-4D97-AF65-F5344CB8AC3E}">
+        <p14:creationId xmlns:p14="http://schemas.microsoft.com/office/powerpoint/2010/main" val="1770221742"/>
+      </p:ext>
+    </p:extLst>
+  </p:cSld>
+  <p:clrMapOvr>
+    <a:masterClrMapping/>
+  </p:clrMapOvr>
+</p:sld>
+</file>
+
+<file path=ppt/slides/slide29.xml><?xml version="1.0" encoding="utf-8"?>
+<p:sld xmlns:a="http://schemas.openxmlformats.org/drawingml/2006/main" xmlns:r="http://schemas.openxmlformats.org/officeDocument/2006/relationships" xmlns:p="http://schemas.openxmlformats.org/presentationml/2006/main">
+  <p:cSld>
+    <p:spTree>
+      <p:nvGrpSpPr>
+        <p:cNvPr id="1" name=""/>
+        <p:cNvGrpSpPr/>
+        <p:nvPr/>
+      </p:nvGrpSpPr>
+      <p:grpSpPr>
+        <a:xfrm>
+          <a:off x="0" y="0"/>
+          <a:ext cx="0" cy="0"/>
+          <a:chOff x="0" y="0"/>
+          <a:chExt cx="0" cy="0"/>
+        </a:xfrm>
+      </p:grpSpPr>
+      <p:sp>
+        <p:nvSpPr>
+          <p:cNvPr id="2" name="Title 1">
             <a:extLst>
               <a:ext uri="{FF2B5EF4-FFF2-40B4-BE49-F238E27FC236}">
-                <a16:creationId xmlns:a16="http://schemas.microsoft.com/office/drawing/2014/main" id="{BFBF372D-44C4-A72D-EA96-7AF9B2BEAB0E}"/>
+                <a16:creationId xmlns:a16="http://schemas.microsoft.com/office/drawing/2014/main" id="{47A8E665-564F-6B0B-B4CE-4032D0C2D183}"/>
               </a:ext>
             </a:extLst>
           </p:cNvPr>
-          <p:cNvPicPr>
-            <a:picLocks noChangeAspect="1"/>
-          </p:cNvPicPr>
-          <p:nvPr/>
-        </p:nvPicPr>
-        <p:blipFill>
-          <a:blip r:embed="rId3"/>
-          <a:stretch>
-            <a:fillRect/>
-          </a:stretch>
-        </p:blipFill>
-        <p:spPr>
-          <a:xfrm>
-            <a:off x="7709847" y="3936169"/>
-            <a:ext cx="3643953" cy="2634447"/>
-          </a:xfrm>
-          <a:prstGeom prst="rect">
-            <a:avLst/>
-          </a:prstGeom>
-        </p:spPr>
-      </p:pic>
+          <p:cNvSpPr>
+            <a:spLocks noGrp="1"/>
+          </p:cNvSpPr>
+          <p:nvPr>
+            <p:ph type="title"/>
+          </p:nvPr>
+        </p:nvSpPr>
+        <p:spPr/>
+        <p:txBody>
+          <a:bodyPr/>
+          <a:lstStyle/>
+          <a:p>
+            <a:endParaRPr lang="en-US"/>
+          </a:p>
+        </p:txBody>
+      </p:sp>
+      <p:sp>
+        <p:nvSpPr>
+          <p:cNvPr id="3" name="Content Placeholder 2">
+            <a:extLst>
+              <a:ext uri="{FF2B5EF4-FFF2-40B4-BE49-F238E27FC236}">
+                <a16:creationId xmlns:a16="http://schemas.microsoft.com/office/drawing/2014/main" id="{BD5F3247-EFDC-E758-6A35-B65E0A8789D4}"/>
+              </a:ext>
+            </a:extLst>
+          </p:cNvPr>
+          <p:cNvSpPr>
+            <a:spLocks noGrp="1"/>
+          </p:cNvSpPr>
+          <p:nvPr>
+            <p:ph idx="1"/>
+          </p:nvPr>
+        </p:nvSpPr>
+        <p:spPr/>
+        <p:txBody>
+          <a:bodyPr/>
+          <a:lstStyle/>
+          <a:p>
+            <a:endParaRPr lang="en-US"/>
+          </a:p>
+        </p:txBody>
+      </p:sp>
     </p:spTree>
     <p:extLst>
       <p:ext uri="{BB962C8B-B14F-4D97-AF65-F5344CB8AC3E}">
-        <p14:creationId xmlns:p14="http://schemas.microsoft.com/office/powerpoint/2010/main" val="1000784514"/>
+        <p14:creationId xmlns:p14="http://schemas.microsoft.com/office/powerpoint/2010/main" val="1104289178"/>
       </p:ext>
     </p:extLst>
   </p:cSld>
@@ -10418,6 +10570,222 @@
     <p:extLst>
       <p:ext uri="{BB962C8B-B14F-4D97-AF65-F5344CB8AC3E}">
         <p14:creationId xmlns:p14="http://schemas.microsoft.com/office/powerpoint/2010/main" val="1870767923"/>
+      </p:ext>
+    </p:extLst>
+  </p:cSld>
+  <p:clrMapOvr>
+    <a:masterClrMapping/>
+  </p:clrMapOvr>
+</p:sld>
+</file>
+
+<file path=ppt/slides/slide30.xml><?xml version="1.0" encoding="utf-8"?>
+<p:sld xmlns:a="http://schemas.openxmlformats.org/drawingml/2006/main" xmlns:r="http://schemas.openxmlformats.org/officeDocument/2006/relationships" xmlns:p="http://schemas.openxmlformats.org/presentationml/2006/main">
+  <p:cSld>
+    <p:spTree>
+      <p:nvGrpSpPr>
+        <p:cNvPr id="1" name=""/>
+        <p:cNvGrpSpPr/>
+        <p:nvPr/>
+      </p:nvGrpSpPr>
+      <p:grpSpPr>
+        <a:xfrm>
+          <a:off x="0" y="0"/>
+          <a:ext cx="0" cy="0"/>
+          <a:chOff x="0" y="0"/>
+          <a:chExt cx="0" cy="0"/>
+        </a:xfrm>
+      </p:grpSpPr>
+      <p:sp>
+        <p:nvSpPr>
+          <p:cNvPr id="2" name="Title 1">
+            <a:extLst>
+              <a:ext uri="{FF2B5EF4-FFF2-40B4-BE49-F238E27FC236}">
+                <a16:creationId xmlns:a16="http://schemas.microsoft.com/office/drawing/2014/main" id="{3B7AC5DC-8F3A-249F-A684-2C0C4B8E076F}"/>
+              </a:ext>
+            </a:extLst>
+          </p:cNvPr>
+          <p:cNvSpPr>
+            <a:spLocks noGrp="1"/>
+          </p:cNvSpPr>
+          <p:nvPr>
+            <p:ph type="title"/>
+          </p:nvPr>
+        </p:nvSpPr>
+        <p:spPr/>
+        <p:txBody>
+          <a:bodyPr/>
+          <a:lstStyle/>
+          <a:p>
+            <a:r>
+              <a:rPr lang="en-US" dirty="0"/>
+              <a:t>Questions</a:t>
+            </a:r>
+          </a:p>
+        </p:txBody>
+      </p:sp>
+      <p:sp>
+        <p:nvSpPr>
+          <p:cNvPr id="3" name="Content Placeholder 2">
+            <a:extLst>
+              <a:ext uri="{FF2B5EF4-FFF2-40B4-BE49-F238E27FC236}">
+                <a16:creationId xmlns:a16="http://schemas.microsoft.com/office/drawing/2014/main" id="{2B8CB769-D63F-0F77-59F2-DF7AAAC4A739}"/>
+              </a:ext>
+            </a:extLst>
+          </p:cNvPr>
+          <p:cNvSpPr>
+            <a:spLocks noGrp="1"/>
+          </p:cNvSpPr>
+          <p:nvPr>
+            <p:ph idx="1"/>
+          </p:nvPr>
+        </p:nvSpPr>
+        <p:spPr/>
+        <p:txBody>
+          <a:bodyPr/>
+          <a:lstStyle/>
+          <a:p>
+            <a:r>
+              <a:rPr lang="en-US" dirty="0"/>
+              <a:t>Can we infer interaction contents with Alexa if knowing IP? Maybe Yes</a:t>
+            </a:r>
+          </a:p>
+          <a:p>
+            <a:r>
+              <a:rPr lang="en-US" dirty="0"/>
+              <a:t>Can we still infer when we don’t </a:t>
+            </a:r>
+            <a:r>
+              <a:rPr lang="en-US"/>
+              <a:t>know IP?</a:t>
+            </a:r>
+            <a:endParaRPr lang="en-US" dirty="0"/>
+          </a:p>
+          <a:p>
+            <a:pPr lvl="1"/>
+            <a:r>
+              <a:rPr lang="en-US" dirty="0"/>
+              <a:t>Can we still attack when router use VPN or </a:t>
+            </a:r>
+            <a:r>
+              <a:rPr lang="en-US" dirty="0" err="1"/>
+              <a:t>ip</a:t>
+            </a:r>
+            <a:r>
+              <a:rPr lang="en-US" dirty="0"/>
+              <a:t> is changing all the time?</a:t>
+            </a:r>
+          </a:p>
+          <a:p>
+            <a:r>
+              <a:rPr lang="en-US" dirty="0"/>
+              <a:t>What we can do from traffic data? Focus on incoming data first.</a:t>
+            </a:r>
+          </a:p>
+          <a:p>
+            <a:pPr lvl="1"/>
+            <a:r>
+              <a:rPr lang="en-US" dirty="0"/>
+              <a:t>We can infer Alexa’s responses from incoming dat</a:t>
+            </a:r>
+            <a:r>
+              <a:rPr lang="en-US" altLang="zh-CN" dirty="0"/>
+              <a:t>a(Server to Alexa). </a:t>
+            </a:r>
+            <a:r>
+              <a:rPr lang="en-US" dirty="0"/>
+              <a:t> 	</a:t>
+            </a:r>
+          </a:p>
+          <a:p>
+            <a:r>
+              <a:rPr lang="en-US" dirty="0"/>
+              <a:t>What happen after using VPN?</a:t>
+            </a:r>
+          </a:p>
+          <a:p>
+            <a:pPr lvl="1"/>
+            <a:r>
+              <a:rPr lang="en-US" dirty="0"/>
+              <a:t>Encrypted traffic data? In which path?</a:t>
+            </a:r>
+          </a:p>
+          <a:p>
+            <a:pPr lvl="1"/>
+            <a:r>
+              <a:rPr lang="en-US" dirty="0"/>
+              <a:t>Incoming data: VPN’s IP -&gt; Router/Alexa (cannot get Amazon Server’ IP)</a:t>
+            </a:r>
+          </a:p>
+          <a:p>
+            <a:endParaRPr lang="en-US" dirty="0"/>
+          </a:p>
+        </p:txBody>
+      </p:sp>
+    </p:spTree>
+    <p:extLst>
+      <p:ext uri="{BB962C8B-B14F-4D97-AF65-F5344CB8AC3E}">
+        <p14:creationId xmlns:p14="http://schemas.microsoft.com/office/powerpoint/2010/main" val="2395544861"/>
+      </p:ext>
+    </p:extLst>
+  </p:cSld>
+  <p:clrMapOvr>
+    <a:masterClrMapping/>
+  </p:clrMapOvr>
+</p:sld>
+</file>
+
+<file path=ppt/slides/slide31.xml><?xml version="1.0" encoding="utf-8"?>
+<p:sld xmlns:a="http://schemas.openxmlformats.org/drawingml/2006/main" xmlns:r="http://schemas.openxmlformats.org/officeDocument/2006/relationships" xmlns:p="http://schemas.openxmlformats.org/presentationml/2006/main">
+  <p:cSld>
+    <p:spTree>
+      <p:nvGrpSpPr>
+        <p:cNvPr id="1" name=""/>
+        <p:cNvGrpSpPr/>
+        <p:nvPr/>
+      </p:nvGrpSpPr>
+      <p:grpSpPr>
+        <a:xfrm>
+          <a:off x="0" y="0"/>
+          <a:ext cx="0" cy="0"/>
+          <a:chOff x="0" y="0"/>
+          <a:chExt cx="0" cy="0"/>
+        </a:xfrm>
+      </p:grpSpPr>
+      <p:pic>
+        <p:nvPicPr>
+          <p:cNvPr id="9" name="Picture 8">
+            <a:extLst>
+              <a:ext uri="{FF2B5EF4-FFF2-40B4-BE49-F238E27FC236}">
+                <a16:creationId xmlns:a16="http://schemas.microsoft.com/office/drawing/2014/main" id="{4A6493AC-7B67-6AA3-B7C4-5A42E297199E}"/>
+              </a:ext>
+            </a:extLst>
+          </p:cNvPr>
+          <p:cNvPicPr>
+            <a:picLocks noChangeAspect="1"/>
+          </p:cNvPicPr>
+          <p:nvPr/>
+        </p:nvPicPr>
+        <p:blipFill>
+          <a:blip r:embed="rId3"/>
+          <a:stretch>
+            <a:fillRect/>
+          </a:stretch>
+        </p:blipFill>
+        <p:spPr>
+          <a:xfrm>
+            <a:off x="558338" y="670121"/>
+            <a:ext cx="11169535" cy="3753160"/>
+          </a:xfrm>
+          <a:prstGeom prst="rect">
+            <a:avLst/>
+          </a:prstGeom>
+        </p:spPr>
+      </p:pic>
+    </p:spTree>
+    <p:extLst>
+      <p:ext uri="{BB962C8B-B14F-4D97-AF65-F5344CB8AC3E}">
+        <p14:creationId xmlns:p14="http://schemas.microsoft.com/office/powerpoint/2010/main" val="2322516650"/>
       </p:ext>
     </p:extLst>
   </p:cSld>

--- a/Presentation1.pptx
+++ b/Presentation1.pptx
@@ -5,7 +5,7 @@
     <p:sldMasterId id="2147483648" r:id="rId1"/>
   </p:sldMasterIdLst>
   <p:notesMasterIdLst>
-    <p:notesMasterId r:id="rId33"/>
+    <p:notesMasterId r:id="rId35"/>
   </p:notesMasterIdLst>
   <p:sldIdLst>
     <p:sldId id="256" r:id="rId2"/>
@@ -39,6 +39,8 @@
     <p:sldId id="296" r:id="rId30"/>
     <p:sldId id="294" r:id="rId31"/>
     <p:sldId id="295" r:id="rId32"/>
+    <p:sldId id="298" r:id="rId33"/>
+    <p:sldId id="297" r:id="rId34"/>
   </p:sldIdLst>
   <p:sldSz cx="12192000" cy="6858000"/>
   <p:notesSz cx="6858000" cy="9144000"/>
@@ -227,7 +229,7 @@
           <a:p>
             <a:fld id="{72646578-14F6-4B4C-9607-C52529FEB0BF}" type="datetimeFigureOut">
               <a:rPr lang="en-US" smtClean="0"/>
-              <a:t>1/21/2024</a:t>
+              <a:t>1/22/2024</a:t>
             </a:fld>
             <a:endParaRPr lang="en-US"/>
           </a:p>
@@ -1574,7 +1576,7 @@
           <a:p>
             <a:fld id="{78CD1D6E-A027-634F-BC83-5ADA8E496EAB}" type="datetimeFigureOut">
               <a:rPr lang="en-US" smtClean="0"/>
-              <a:t>1/21/2024</a:t>
+              <a:t>1/22/2024</a:t>
             </a:fld>
             <a:endParaRPr lang="en-US"/>
           </a:p>
@@ -1772,7 +1774,7 @@
           <a:p>
             <a:fld id="{78CD1D6E-A027-634F-BC83-5ADA8E496EAB}" type="datetimeFigureOut">
               <a:rPr lang="en-US" smtClean="0"/>
-              <a:t>1/21/2024</a:t>
+              <a:t>1/22/2024</a:t>
             </a:fld>
             <a:endParaRPr lang="en-US"/>
           </a:p>
@@ -1980,7 +1982,7 @@
           <a:p>
             <a:fld id="{78CD1D6E-A027-634F-BC83-5ADA8E496EAB}" type="datetimeFigureOut">
               <a:rPr lang="en-US" smtClean="0"/>
-              <a:t>1/21/2024</a:t>
+              <a:t>1/22/2024</a:t>
             </a:fld>
             <a:endParaRPr lang="en-US"/>
           </a:p>
@@ -2178,7 +2180,7 @@
           <a:p>
             <a:fld id="{78CD1D6E-A027-634F-BC83-5ADA8E496EAB}" type="datetimeFigureOut">
               <a:rPr lang="en-US" smtClean="0"/>
-              <a:t>1/21/2024</a:t>
+              <a:t>1/22/2024</a:t>
             </a:fld>
             <a:endParaRPr lang="en-US"/>
           </a:p>
@@ -2453,7 +2455,7 @@
           <a:p>
             <a:fld id="{78CD1D6E-A027-634F-BC83-5ADA8E496EAB}" type="datetimeFigureOut">
               <a:rPr lang="en-US" smtClean="0"/>
-              <a:t>1/21/2024</a:t>
+              <a:t>1/22/2024</a:t>
             </a:fld>
             <a:endParaRPr lang="en-US"/>
           </a:p>
@@ -2718,7 +2720,7 @@
           <a:p>
             <a:fld id="{78CD1D6E-A027-634F-BC83-5ADA8E496EAB}" type="datetimeFigureOut">
               <a:rPr lang="en-US" smtClean="0"/>
-              <a:t>1/21/2024</a:t>
+              <a:t>1/22/2024</a:t>
             </a:fld>
             <a:endParaRPr lang="en-US"/>
           </a:p>
@@ -3130,7 +3132,7 @@
           <a:p>
             <a:fld id="{78CD1D6E-A027-634F-BC83-5ADA8E496EAB}" type="datetimeFigureOut">
               <a:rPr lang="en-US" smtClean="0"/>
-              <a:t>1/21/2024</a:t>
+              <a:t>1/22/2024</a:t>
             </a:fld>
             <a:endParaRPr lang="en-US"/>
           </a:p>
@@ -3271,7 +3273,7 @@
           <a:p>
             <a:fld id="{78CD1D6E-A027-634F-BC83-5ADA8E496EAB}" type="datetimeFigureOut">
               <a:rPr lang="en-US" smtClean="0"/>
-              <a:t>1/21/2024</a:t>
+              <a:t>1/22/2024</a:t>
             </a:fld>
             <a:endParaRPr lang="en-US"/>
           </a:p>
@@ -3384,7 +3386,7 @@
           <a:p>
             <a:fld id="{78CD1D6E-A027-634F-BC83-5ADA8E496EAB}" type="datetimeFigureOut">
               <a:rPr lang="en-US" smtClean="0"/>
-              <a:t>1/21/2024</a:t>
+              <a:t>1/22/2024</a:t>
             </a:fld>
             <a:endParaRPr lang="en-US"/>
           </a:p>
@@ -3695,7 +3697,7 @@
           <a:p>
             <a:fld id="{78CD1D6E-A027-634F-BC83-5ADA8E496EAB}" type="datetimeFigureOut">
               <a:rPr lang="en-US" smtClean="0"/>
-              <a:t>1/21/2024</a:t>
+              <a:t>1/22/2024</a:t>
             </a:fld>
             <a:endParaRPr lang="en-US"/>
           </a:p>
@@ -3983,7 +3985,7 @@
           <a:p>
             <a:fld id="{78CD1D6E-A027-634F-BC83-5ADA8E496EAB}" type="datetimeFigureOut">
               <a:rPr lang="en-US" smtClean="0"/>
-              <a:t>1/21/2024</a:t>
+              <a:t>1/22/2024</a:t>
             </a:fld>
             <a:endParaRPr lang="en-US"/>
           </a:p>
@@ -4224,7 +4226,7 @@
           <a:p>
             <a:fld id="{78CD1D6E-A027-634F-BC83-5ADA8E496EAB}" type="datetimeFigureOut">
               <a:rPr lang="en-US" smtClean="0"/>
-              <a:t>1/21/2024</a:t>
+              <a:t>1/22/2024</a:t>
             </a:fld>
             <a:endParaRPr lang="en-US"/>
           </a:p>
@@ -10642,79 +10644,54 @@
         </p:nvSpPr>
         <p:spPr/>
         <p:txBody>
-          <a:bodyPr/>
+          <a:bodyPr>
+            <a:normAutofit/>
+          </a:bodyPr>
           <a:lstStyle/>
           <a:p>
             <a:r>
               <a:rPr lang="en-US" dirty="0"/>
-              <a:t>Can we infer interaction contents with Alexa if knowing IP? Maybe Yes</a:t>
+              <a:t>Can we do voice command fingerprint if knowing IP (Alexa &amp; Amazon Server) and models of IoT Devices in smart home? Maybe Yes</a:t>
             </a:r>
           </a:p>
           <a:p>
             <a:r>
               <a:rPr lang="en-US" dirty="0"/>
-              <a:t>Can we still infer when we don’t </a:t>
-            </a:r>
-            <a:r>
-              <a:rPr lang="en-US"/>
-              <a:t>know IP?</a:t>
-            </a:r>
-            <a:endParaRPr lang="en-US" dirty="0"/>
+              <a:t>In below scenario, can we still attack?</a:t>
+            </a:r>
           </a:p>
           <a:p>
             <a:pPr lvl="1"/>
             <a:r>
               <a:rPr lang="en-US" dirty="0"/>
-              <a:t>Can we still attack when router use VPN or </a:t>
-            </a:r>
-            <a:r>
-              <a:rPr lang="en-US" dirty="0" err="1"/>
-              <a:t>ip</a:t>
-            </a:r>
+              <a:t>The traffic data is encrypted by VPN.</a:t>
+            </a:r>
+          </a:p>
+          <a:p>
+            <a:pPr lvl="1"/>
             <a:r>
               <a:rPr lang="en-US" dirty="0"/>
-              <a:t> is changing all the time?</a:t>
-            </a:r>
-          </a:p>
-          <a:p>
+              <a:t>Don’t know the Amazon Server’s IP because of VPN.</a:t>
+            </a:r>
+          </a:p>
+          <a:p>
+            <a:pPr lvl="1"/>
             <a:r>
               <a:rPr lang="en-US" dirty="0"/>
-              <a:t>What we can do from traffic data? Focus on incoming data first.</a:t>
+              <a:t>Don’t know the model of IoT devices in smart home.</a:t>
             </a:r>
           </a:p>
           <a:p>
             <a:pPr lvl="1"/>
             <a:r>
               <a:rPr lang="en-US" dirty="0"/>
-              <a:t>We can infer Alexa’s responses from incoming dat</a:t>
-            </a:r>
-            <a:r>
-              <a:rPr lang="en-US" altLang="zh-CN" dirty="0"/>
-              <a:t>a(Server to Alexa). </a:t>
-            </a:r>
+              <a:t>Don’t know the IP of IoT devices because the IP is changing all the time.</a:t>
+            </a:r>
+          </a:p>
+          <a:p>
             <a:r>
               <a:rPr lang="en-US" dirty="0"/>
-              <a:t> 	</a:t>
-            </a:r>
-          </a:p>
-          <a:p>
-            <a:r>
-              <a:rPr lang="en-US" dirty="0"/>
-              <a:t>What happen after using VPN?</a:t>
-            </a:r>
-          </a:p>
-          <a:p>
-            <a:pPr lvl="1"/>
-            <a:r>
-              <a:rPr lang="en-US" dirty="0"/>
-              <a:t>Encrypted traffic data? In which path?</a:t>
-            </a:r>
-          </a:p>
-          <a:p>
-            <a:pPr lvl="1"/>
-            <a:r>
-              <a:rPr lang="en-US" dirty="0"/>
-              <a:t>Incoming data: VPN’s IP -&gt; Router/Alexa (cannot get Amazon Server’ IP)</a:t>
+              <a:t>Is this scenario common?</a:t>
             </a:r>
           </a:p>
           <a:p>
@@ -10774,8 +10751,462 @@
         </p:blipFill>
         <p:spPr>
           <a:xfrm>
-            <a:off x="558338" y="670121"/>
-            <a:ext cx="11169535" cy="3753160"/>
+            <a:off x="401023" y="105257"/>
+            <a:ext cx="7073986" cy="2376984"/>
+          </a:xfrm>
+          <a:prstGeom prst="rect">
+            <a:avLst/>
+          </a:prstGeom>
+        </p:spPr>
+      </p:pic>
+      <p:pic>
+        <p:nvPicPr>
+          <p:cNvPr id="5" name="Picture 4">
+            <a:extLst>
+              <a:ext uri="{FF2B5EF4-FFF2-40B4-BE49-F238E27FC236}">
+                <a16:creationId xmlns:a16="http://schemas.microsoft.com/office/drawing/2014/main" id="{59468D63-4593-FA4B-6183-D4CD8C46A1FD}"/>
+              </a:ext>
+            </a:extLst>
+          </p:cNvPr>
+          <p:cNvPicPr>
+            <a:picLocks noChangeAspect="1"/>
+          </p:cNvPicPr>
+          <p:nvPr/>
+        </p:nvPicPr>
+        <p:blipFill>
+          <a:blip r:embed="rId4"/>
+          <a:stretch>
+            <a:fillRect/>
+          </a:stretch>
+        </p:blipFill>
+        <p:spPr>
+          <a:xfrm>
+            <a:off x="401023" y="5094649"/>
+            <a:ext cx="6384068" cy="1709684"/>
+          </a:xfrm>
+          <a:prstGeom prst="rect">
+            <a:avLst/>
+          </a:prstGeom>
+        </p:spPr>
+      </p:pic>
+      <p:pic>
+        <p:nvPicPr>
+          <p:cNvPr id="7" name="Picture 6">
+            <a:extLst>
+              <a:ext uri="{FF2B5EF4-FFF2-40B4-BE49-F238E27FC236}">
+                <a16:creationId xmlns:a16="http://schemas.microsoft.com/office/drawing/2014/main" id="{5C3F44DF-6A75-712D-9D8F-CCA38E47D500}"/>
+              </a:ext>
+            </a:extLst>
+          </p:cNvPr>
+          <p:cNvPicPr>
+            <a:picLocks noChangeAspect="1"/>
+          </p:cNvPicPr>
+          <p:nvPr/>
+        </p:nvPicPr>
+        <p:blipFill>
+          <a:blip r:embed="rId5"/>
+          <a:stretch>
+            <a:fillRect/>
+          </a:stretch>
+        </p:blipFill>
+        <p:spPr>
+          <a:xfrm>
+            <a:off x="0" y="2482241"/>
+            <a:ext cx="8515148" cy="2612408"/>
+          </a:xfrm>
+          <a:prstGeom prst="rect">
+            <a:avLst/>
+          </a:prstGeom>
+        </p:spPr>
+      </p:pic>
+      <p:sp>
+        <p:nvSpPr>
+          <p:cNvPr id="10" name="TextBox 9">
+            <a:extLst>
+              <a:ext uri="{FF2B5EF4-FFF2-40B4-BE49-F238E27FC236}">
+                <a16:creationId xmlns:a16="http://schemas.microsoft.com/office/drawing/2014/main" id="{9187584E-8ED8-A2C0-CB1E-077DAAF23DBC}"/>
+              </a:ext>
+            </a:extLst>
+          </p:cNvPr>
+          <p:cNvSpPr txBox="1"/>
+          <p:nvPr/>
+        </p:nvSpPr>
+        <p:spPr>
+          <a:xfrm>
+            <a:off x="2898866" y="3940584"/>
+            <a:ext cx="2078300" cy="369332"/>
+          </a:xfrm>
+          <a:prstGeom prst="rect">
+            <a:avLst/>
+          </a:prstGeom>
+          <a:noFill/>
+        </p:spPr>
+        <p:txBody>
+          <a:bodyPr wrap="square">
+            <a:spAutoFit/>
+          </a:bodyPr>
+          <a:lstStyle/>
+          <a:p>
+            <a:r>
+              <a:rPr lang="en-US" dirty="0">
+                <a:solidFill>
+                  <a:srgbClr val="FF0000"/>
+                </a:solidFill>
+              </a:rPr>
+              <a:t>local eavesdropper</a:t>
+            </a:r>
+          </a:p>
+        </p:txBody>
+      </p:sp>
+      <p:sp>
+        <p:nvSpPr>
+          <p:cNvPr id="11" name="TextBox 10">
+            <a:extLst>
+              <a:ext uri="{FF2B5EF4-FFF2-40B4-BE49-F238E27FC236}">
+                <a16:creationId xmlns:a16="http://schemas.microsoft.com/office/drawing/2014/main" id="{4E2077C1-BBF6-B38E-A7BB-023ADE55B04A}"/>
+              </a:ext>
+            </a:extLst>
+          </p:cNvPr>
+          <p:cNvSpPr txBox="1"/>
+          <p:nvPr/>
+        </p:nvSpPr>
+        <p:spPr>
+          <a:xfrm>
+            <a:off x="7597358" y="161145"/>
+            <a:ext cx="4457047" cy="923330"/>
+          </a:xfrm>
+          <a:prstGeom prst="rect">
+            <a:avLst/>
+          </a:prstGeom>
+          <a:noFill/>
+        </p:spPr>
+        <p:txBody>
+          <a:bodyPr wrap="square" rtlCol="0">
+            <a:spAutoFit/>
+          </a:bodyPr>
+          <a:lstStyle/>
+          <a:p>
+            <a:r>
+              <a:rPr lang="en-US" b="1" dirty="0"/>
+              <a:t>Why VPN?</a:t>
+            </a:r>
+          </a:p>
+          <a:p>
+            <a:pPr marL="342900" indent="-342900">
+              <a:buAutoNum type="arabicPeriod"/>
+            </a:pPr>
+            <a:r>
+              <a:rPr lang="en-US" dirty="0"/>
+              <a:t>Tunneling: can it hide Amazon Server’s IP?</a:t>
+            </a:r>
+          </a:p>
+          <a:p>
+            <a:pPr marL="342900" indent="-342900">
+              <a:buAutoNum type="arabicPeriod"/>
+            </a:pPr>
+            <a:r>
+              <a:rPr lang="en-US" dirty="0"/>
+              <a:t>Encryption: can it encrypt traffic?</a:t>
+            </a:r>
+          </a:p>
+        </p:txBody>
+      </p:sp>
+      <p:sp>
+        <p:nvSpPr>
+          <p:cNvPr id="13" name="TextBox 12">
+            <a:extLst>
+              <a:ext uri="{FF2B5EF4-FFF2-40B4-BE49-F238E27FC236}">
+                <a16:creationId xmlns:a16="http://schemas.microsoft.com/office/drawing/2014/main" id="{B137532D-DAA9-D092-3327-CB77BE7CAE24}"/>
+              </a:ext>
+            </a:extLst>
+          </p:cNvPr>
+          <p:cNvSpPr txBox="1"/>
+          <p:nvPr/>
+        </p:nvSpPr>
+        <p:spPr>
+          <a:xfrm>
+            <a:off x="7501135" y="4891176"/>
+            <a:ext cx="4854158" cy="1754326"/>
+          </a:xfrm>
+          <a:prstGeom prst="rect">
+            <a:avLst/>
+          </a:prstGeom>
+          <a:noFill/>
+        </p:spPr>
+        <p:txBody>
+          <a:bodyPr wrap="square" rtlCol="0">
+            <a:spAutoFit/>
+          </a:bodyPr>
+          <a:lstStyle/>
+          <a:p>
+            <a:r>
+              <a:rPr lang="en-US" b="1" dirty="0"/>
+              <a:t>Assumption Scenario:</a:t>
+            </a:r>
+          </a:p>
+          <a:p>
+            <a:pPr marL="342900" indent="-342900">
+              <a:buAutoNum type="arabicPeriod"/>
+            </a:pPr>
+            <a:r>
+              <a:rPr lang="en-US" dirty="0"/>
+              <a:t>Smart Speaker’s IP is changing all the time(DHCP? Leasing time?)</a:t>
+            </a:r>
+          </a:p>
+          <a:p>
+            <a:pPr marL="342900" indent="-342900">
+              <a:buAutoNum type="arabicPeriod"/>
+            </a:pPr>
+            <a:r>
+              <a:rPr lang="en-US" dirty="0"/>
+              <a:t>Amazon Server’s IP is hide because of VPN.</a:t>
+            </a:r>
+          </a:p>
+          <a:p>
+            <a:pPr marL="342900" indent="-342900">
+              <a:buAutoNum type="arabicPeriod"/>
+            </a:pPr>
+            <a:r>
+              <a:rPr lang="en-US" dirty="0"/>
+              <a:t>Traffic data is encrypted by VPN.</a:t>
+            </a:r>
+          </a:p>
+          <a:p>
+            <a:pPr marL="342900" indent="-342900">
+              <a:buAutoNum type="arabicPeriod"/>
+            </a:pPr>
+            <a:r>
+              <a:rPr lang="en-US" dirty="0"/>
+              <a:t>Don’t know the model of IoT devices.</a:t>
+            </a:r>
+          </a:p>
+        </p:txBody>
+      </p:sp>
+      <p:sp>
+        <p:nvSpPr>
+          <p:cNvPr id="14" name="TextBox 13">
+            <a:extLst>
+              <a:ext uri="{FF2B5EF4-FFF2-40B4-BE49-F238E27FC236}">
+                <a16:creationId xmlns:a16="http://schemas.microsoft.com/office/drawing/2014/main" id="{C40CFB6C-F146-584B-FC36-5727842FDF2C}"/>
+              </a:ext>
+            </a:extLst>
+          </p:cNvPr>
+          <p:cNvSpPr txBox="1"/>
+          <p:nvPr/>
+        </p:nvSpPr>
+        <p:spPr>
+          <a:xfrm>
+            <a:off x="8407453" y="1293749"/>
+            <a:ext cx="3466883" cy="2862322"/>
+          </a:xfrm>
+          <a:prstGeom prst="rect">
+            <a:avLst/>
+          </a:prstGeom>
+          <a:noFill/>
+        </p:spPr>
+        <p:txBody>
+          <a:bodyPr wrap="square" rtlCol="0">
+            <a:spAutoFit/>
+          </a:bodyPr>
+          <a:lstStyle/>
+          <a:p>
+            <a:r>
+              <a:rPr lang="en-US" b="1" dirty="0"/>
+              <a:t>Attacker Model:</a:t>
+            </a:r>
+          </a:p>
+          <a:p>
+            <a:r>
+              <a:rPr lang="en-US" dirty="0"/>
+              <a:t>Local eavesdropper(inside attack)?</a:t>
+            </a:r>
+          </a:p>
+          <a:p>
+            <a:r>
+              <a:rPr lang="en-US" dirty="0"/>
+              <a:t>What attacker can get?</a:t>
+            </a:r>
+          </a:p>
+          <a:p>
+            <a:r>
+              <a:rPr lang="en-US" dirty="0"/>
+              <a:t>If VPN Server is set in other place:</a:t>
+            </a:r>
+          </a:p>
+          <a:p>
+            <a:r>
+              <a:rPr lang="en-US" dirty="0"/>
+              <a:t>Outgoing: Alexa -&gt; VPN?</a:t>
+            </a:r>
+          </a:p>
+          <a:p>
+            <a:r>
+              <a:rPr lang="en-US" dirty="0"/>
+              <a:t>Incoming: VPN -&gt; Alexa</a:t>
+            </a:r>
+          </a:p>
+          <a:p>
+            <a:endParaRPr lang="en-US" dirty="0"/>
+          </a:p>
+          <a:p>
+            <a:r>
+              <a:rPr lang="en-US" dirty="0"/>
+              <a:t>If VPN can only encrypt data:</a:t>
+            </a:r>
+          </a:p>
+          <a:p>
+            <a:r>
+              <a:rPr lang="en-US" dirty="0"/>
+              <a:t>Outgoing: Alexa -&gt; Amazon Server</a:t>
+            </a:r>
+          </a:p>
+          <a:p>
+            <a:r>
+              <a:rPr lang="en-US" dirty="0"/>
+              <a:t>Incoming: Amazon Server -&gt; Alexa </a:t>
+            </a:r>
+          </a:p>
+        </p:txBody>
+      </p:sp>
+    </p:spTree>
+    <p:extLst>
+      <p:ext uri="{BB962C8B-B14F-4D97-AF65-F5344CB8AC3E}">
+        <p14:creationId xmlns:p14="http://schemas.microsoft.com/office/powerpoint/2010/main" val="2322516650"/>
+      </p:ext>
+    </p:extLst>
+  </p:cSld>
+  <p:clrMapOvr>
+    <a:masterClrMapping/>
+  </p:clrMapOvr>
+</p:sld>
+</file>
+
+<file path=ppt/slides/slide32.xml><?xml version="1.0" encoding="utf-8"?>
+<p:sld xmlns:a="http://schemas.openxmlformats.org/drawingml/2006/main" xmlns:r="http://schemas.openxmlformats.org/officeDocument/2006/relationships" xmlns:p="http://schemas.openxmlformats.org/presentationml/2006/main">
+  <p:cSld>
+    <p:spTree>
+      <p:nvGrpSpPr>
+        <p:cNvPr id="1" name=""/>
+        <p:cNvGrpSpPr/>
+        <p:nvPr/>
+      </p:nvGrpSpPr>
+      <p:grpSpPr>
+        <a:xfrm>
+          <a:off x="0" y="0"/>
+          <a:ext cx="0" cy="0"/>
+          <a:chOff x="0" y="0"/>
+          <a:chExt cx="0" cy="0"/>
+        </a:xfrm>
+      </p:grpSpPr>
+      <p:sp>
+        <p:nvSpPr>
+          <p:cNvPr id="2" name="Title 1">
+            <a:extLst>
+              <a:ext uri="{FF2B5EF4-FFF2-40B4-BE49-F238E27FC236}">
+                <a16:creationId xmlns:a16="http://schemas.microsoft.com/office/drawing/2014/main" id="{C52D6E88-D9BE-E8C7-116C-EBEB8DBA34FF}"/>
+              </a:ext>
+            </a:extLst>
+          </p:cNvPr>
+          <p:cNvSpPr>
+            <a:spLocks noGrp="1"/>
+          </p:cNvSpPr>
+          <p:nvPr>
+            <p:ph type="title"/>
+          </p:nvPr>
+        </p:nvSpPr>
+        <p:spPr/>
+        <p:txBody>
+          <a:bodyPr/>
+          <a:lstStyle/>
+          <a:p>
+            <a:r>
+              <a:rPr lang="en-US" dirty="0"/>
+              <a:t>Raspberry Pi Router</a:t>
+            </a:r>
+          </a:p>
+        </p:txBody>
+      </p:sp>
+      <p:sp>
+        <p:nvSpPr>
+          <p:cNvPr id="3" name="Content Placeholder 2">
+            <a:extLst>
+              <a:ext uri="{FF2B5EF4-FFF2-40B4-BE49-F238E27FC236}">
+                <a16:creationId xmlns:a16="http://schemas.microsoft.com/office/drawing/2014/main" id="{EA90F675-C552-E9A3-1CB9-71809D1C9AF2}"/>
+              </a:ext>
+            </a:extLst>
+          </p:cNvPr>
+          <p:cNvSpPr>
+            <a:spLocks noGrp="1"/>
+          </p:cNvSpPr>
+          <p:nvPr>
+            <p:ph idx="1"/>
+          </p:nvPr>
+        </p:nvSpPr>
+        <p:spPr/>
+        <p:txBody>
+          <a:bodyPr/>
+          <a:lstStyle/>
+          <a:p>
+            <a:r>
+              <a:rPr lang="en-US" dirty="0"/>
+              <a:t>I want to set up </a:t>
+            </a:r>
+            <a:r>
+              <a:rPr lang="en-US" dirty="0" err="1"/>
+              <a:t>OpenWrt</a:t>
+            </a:r>
+            <a:r>
+              <a:rPr lang="en-US" dirty="0"/>
+              <a:t> on pi, and enable VPN on it.</a:t>
+            </a:r>
+          </a:p>
+          <a:p>
+            <a:r>
+              <a:rPr lang="en-US" dirty="0"/>
+              <a:t>Device: </a:t>
+            </a:r>
+          </a:p>
+          <a:p>
+            <a:pPr lvl="1"/>
+            <a:r>
+              <a:rPr lang="en-US" dirty="0"/>
+              <a:t>USB </a:t>
+            </a:r>
+            <a:r>
+              <a:rPr lang="en-US" dirty="0" err="1"/>
+              <a:t>Wifi</a:t>
+            </a:r>
+            <a:r>
+              <a:rPr lang="en-US" dirty="0"/>
+              <a:t> Adaptor </a:t>
+            </a:r>
+          </a:p>
+        </p:txBody>
+      </p:sp>
+      <p:pic>
+        <p:nvPicPr>
+          <p:cNvPr id="5" name="Picture 4">
+            <a:extLst>
+              <a:ext uri="{FF2B5EF4-FFF2-40B4-BE49-F238E27FC236}">
+                <a16:creationId xmlns:a16="http://schemas.microsoft.com/office/drawing/2014/main" id="{85005985-60DD-D90B-8866-1E7393E6E767}"/>
+              </a:ext>
+            </a:extLst>
+          </p:cNvPr>
+          <p:cNvPicPr>
+            <a:picLocks noChangeAspect="1"/>
+          </p:cNvPicPr>
+          <p:nvPr/>
+        </p:nvPicPr>
+        <p:blipFill>
+          <a:blip r:embed="rId2"/>
+          <a:stretch>
+            <a:fillRect/>
+          </a:stretch>
+        </p:blipFill>
+        <p:spPr>
+          <a:xfrm>
+            <a:off x="6038822" y="2816353"/>
+            <a:ext cx="3110193" cy="2881666"/>
           </a:xfrm>
           <a:prstGeom prst="rect">
             <a:avLst/>
@@ -10785,7 +11216,111 @@
     </p:spTree>
     <p:extLst>
       <p:ext uri="{BB962C8B-B14F-4D97-AF65-F5344CB8AC3E}">
-        <p14:creationId xmlns:p14="http://schemas.microsoft.com/office/powerpoint/2010/main" val="2322516650"/>
+        <p14:creationId xmlns:p14="http://schemas.microsoft.com/office/powerpoint/2010/main" val="132388222"/>
+      </p:ext>
+    </p:extLst>
+  </p:cSld>
+  <p:clrMapOvr>
+    <a:masterClrMapping/>
+  </p:clrMapOvr>
+</p:sld>
+</file>
+
+<file path=ppt/slides/slide33.xml><?xml version="1.0" encoding="utf-8"?>
+<p:sld xmlns:a="http://schemas.openxmlformats.org/drawingml/2006/main" xmlns:r="http://schemas.openxmlformats.org/officeDocument/2006/relationships" xmlns:p="http://schemas.openxmlformats.org/presentationml/2006/main">
+  <p:cSld>
+    <p:spTree>
+      <p:nvGrpSpPr>
+        <p:cNvPr id="1" name=""/>
+        <p:cNvGrpSpPr/>
+        <p:nvPr/>
+      </p:nvGrpSpPr>
+      <p:grpSpPr>
+        <a:xfrm>
+          <a:off x="0" y="0"/>
+          <a:ext cx="0" cy="0"/>
+          <a:chOff x="0" y="0"/>
+          <a:chExt cx="0" cy="0"/>
+        </a:xfrm>
+      </p:grpSpPr>
+      <p:sp>
+        <p:nvSpPr>
+          <p:cNvPr id="2" name="Title 1">
+            <a:extLst>
+              <a:ext uri="{FF2B5EF4-FFF2-40B4-BE49-F238E27FC236}">
+                <a16:creationId xmlns:a16="http://schemas.microsoft.com/office/drawing/2014/main" id="{9A2F35FF-6A29-2352-3581-DFB52C13BFA3}"/>
+              </a:ext>
+            </a:extLst>
+          </p:cNvPr>
+          <p:cNvSpPr>
+            <a:spLocks noGrp="1"/>
+          </p:cNvSpPr>
+          <p:nvPr>
+            <p:ph type="title"/>
+          </p:nvPr>
+        </p:nvSpPr>
+        <p:spPr/>
+        <p:txBody>
+          <a:bodyPr/>
+          <a:lstStyle/>
+          <a:p>
+            <a:r>
+              <a:rPr lang="en-US" dirty="0"/>
+              <a:t>What finally model we want?</a:t>
+            </a:r>
+          </a:p>
+        </p:txBody>
+      </p:sp>
+      <p:sp>
+        <p:nvSpPr>
+          <p:cNvPr id="3" name="Content Placeholder 2">
+            <a:extLst>
+              <a:ext uri="{FF2B5EF4-FFF2-40B4-BE49-F238E27FC236}">
+                <a16:creationId xmlns:a16="http://schemas.microsoft.com/office/drawing/2014/main" id="{A07B4BA4-6145-6C58-0B0B-4B2A5F74247F}"/>
+              </a:ext>
+            </a:extLst>
+          </p:cNvPr>
+          <p:cNvSpPr>
+            <a:spLocks noGrp="1"/>
+          </p:cNvSpPr>
+          <p:nvPr>
+            <p:ph idx="1"/>
+          </p:nvPr>
+        </p:nvSpPr>
+        <p:spPr/>
+        <p:txBody>
+          <a:bodyPr/>
+          <a:lstStyle/>
+          <a:p>
+            <a:r>
+              <a:rPr lang="en-US" dirty="0"/>
+              <a:t>Input: whole-house traffic data.</a:t>
+            </a:r>
+          </a:p>
+          <a:p>
+            <a:r>
+              <a:rPr lang="en-US" dirty="0"/>
+              <a:t>Output: we can know which part of traffic is from Alexa or Google home, and the content of this traffic.</a:t>
+            </a:r>
+          </a:p>
+          <a:p>
+            <a:endParaRPr lang="en-US" dirty="0"/>
+          </a:p>
+          <a:p>
+            <a:r>
+              <a:rPr lang="en-US" dirty="0"/>
+              <a:t>Maybe we can only focus on incoming data, because the response content of smart speaker is directly decided by incoming data and more fixed.</a:t>
+            </a:r>
+          </a:p>
+          <a:p>
+            <a:endParaRPr lang="en-US" dirty="0"/>
+          </a:p>
+        </p:txBody>
+      </p:sp>
+    </p:spTree>
+    <p:extLst>
+      <p:ext uri="{BB962C8B-B14F-4D97-AF65-F5344CB8AC3E}">
+        <p14:creationId xmlns:p14="http://schemas.microsoft.com/office/powerpoint/2010/main" val="937025695"/>
       </p:ext>
     </p:extLst>
   </p:cSld>

--- a/Presentation1.pptx
+++ b/Presentation1.pptx
@@ -11179,6 +11179,27 @@
             <a:r>
               <a:rPr lang="en-US" dirty="0"/>
               <a:t> Adaptor </a:t>
+            </a:r>
+          </a:p>
+          <a:p>
+            <a:pPr lvl="1"/>
+            <a:r>
+              <a:rPr lang="en-US" dirty="0"/>
+              <a:t>Switch maybe</a:t>
+            </a:r>
+          </a:p>
+          <a:p>
+            <a:r>
+              <a:rPr lang="en-US" dirty="0"/>
+              <a:t>VPN: </a:t>
+            </a:r>
+            <a:r>
+              <a:rPr lang="en-US" dirty="0" err="1"/>
+              <a:t>CyberGhost</a:t>
+            </a:r>
+            <a:r>
+              <a:rPr lang="en-US" dirty="0"/>
+              <a:t> </a:t>
             </a:r>
           </a:p>
         </p:txBody>

--- a/Presentation1.pptx
+++ b/Presentation1.pptx
@@ -5,7 +5,7 @@
     <p:sldMasterId id="2147483648" r:id="rId1"/>
   </p:sldMasterIdLst>
   <p:notesMasterIdLst>
-    <p:notesMasterId r:id="rId35"/>
+    <p:notesMasterId r:id="rId40"/>
   </p:notesMasterIdLst>
   <p:sldIdLst>
     <p:sldId id="256" r:id="rId2"/>
@@ -41,6 +41,11 @@
     <p:sldId id="295" r:id="rId32"/>
     <p:sldId id="298" r:id="rId33"/>
     <p:sldId id="297" r:id="rId34"/>
+    <p:sldId id="299" r:id="rId35"/>
+    <p:sldId id="300" r:id="rId36"/>
+    <p:sldId id="301" r:id="rId37"/>
+    <p:sldId id="302" r:id="rId38"/>
+    <p:sldId id="303" r:id="rId39"/>
   </p:sldIdLst>
   <p:sldSz cx="12192000" cy="6858000"/>
   <p:notesSz cx="6858000" cy="9144000"/>
@@ -229,7 +234,7 @@
           <a:p>
             <a:fld id="{72646578-14F6-4B4C-9607-C52529FEB0BF}" type="datetimeFigureOut">
               <a:rPr lang="en-US" smtClean="0"/>
-              <a:t>1/22/2024</a:t>
+              <a:t>1/25/2024</a:t>
             </a:fld>
             <a:endParaRPr lang="en-US"/>
           </a:p>
@@ -1429,6 +1434,93 @@
 </p:notes>
 </file>
 
+<file path=ppt/notesSlides/notesSlide9.xml><?xml version="1.0" encoding="utf-8"?>
+<p:notes xmlns:a="http://schemas.openxmlformats.org/drawingml/2006/main" xmlns:r="http://schemas.openxmlformats.org/officeDocument/2006/relationships" xmlns:p="http://schemas.openxmlformats.org/presentationml/2006/main">
+  <p:cSld>
+    <p:spTree>
+      <p:nvGrpSpPr>
+        <p:cNvPr id="1" name=""/>
+        <p:cNvGrpSpPr/>
+        <p:nvPr/>
+      </p:nvGrpSpPr>
+      <p:grpSpPr>
+        <a:xfrm>
+          <a:off x="0" y="0"/>
+          <a:ext cx="0" cy="0"/>
+          <a:chOff x="0" y="0"/>
+          <a:chExt cx="0" cy="0"/>
+        </a:xfrm>
+      </p:grpSpPr>
+      <p:sp>
+        <p:nvSpPr>
+          <p:cNvPr id="2" name="Slide Image Placeholder 1"/>
+          <p:cNvSpPr>
+            <a:spLocks noGrp="1" noRot="1" noChangeAspect="1"/>
+          </p:cNvSpPr>
+          <p:nvPr>
+            <p:ph type="sldImg"/>
+          </p:nvPr>
+        </p:nvSpPr>
+        <p:spPr/>
+      </p:sp>
+      <p:sp>
+        <p:nvSpPr>
+          <p:cNvPr id="3" name="Notes Placeholder 2"/>
+          <p:cNvSpPr>
+            <a:spLocks noGrp="1"/>
+          </p:cNvSpPr>
+          <p:nvPr>
+            <p:ph type="body" idx="1"/>
+          </p:nvPr>
+        </p:nvSpPr>
+        <p:spPr/>
+        <p:txBody>
+          <a:bodyPr/>
+          <a:lstStyle/>
+          <a:p>
+            <a:r>
+              <a:rPr lang="en-US" dirty="0"/>
+              <a:t>https://developer.amazon.com/en-US/docs/alexa/smapi/quick-start-alexa-skills-kit-command-line-interface.html</a:t>
+            </a:r>
+          </a:p>
+        </p:txBody>
+      </p:sp>
+      <p:sp>
+        <p:nvSpPr>
+          <p:cNvPr id="4" name="Slide Number Placeholder 3"/>
+          <p:cNvSpPr>
+            <a:spLocks noGrp="1"/>
+          </p:cNvSpPr>
+          <p:nvPr>
+            <p:ph type="sldNum" sz="quarter" idx="5"/>
+          </p:nvPr>
+        </p:nvSpPr>
+        <p:spPr/>
+        <p:txBody>
+          <a:bodyPr/>
+          <a:lstStyle/>
+          <a:p>
+            <a:fld id="{88682BC9-22E9-B640-848B-A22C37F71A64}" type="slidenum">
+              <a:rPr lang="en-US" smtClean="0"/>
+              <a:t>35</a:t>
+            </a:fld>
+            <a:endParaRPr lang="en-US"/>
+          </a:p>
+        </p:txBody>
+      </p:sp>
+    </p:spTree>
+    <p:extLst>
+      <p:ext uri="{BB962C8B-B14F-4D97-AF65-F5344CB8AC3E}">
+        <p14:creationId xmlns:p14="http://schemas.microsoft.com/office/powerpoint/2010/main" val="3571221111"/>
+      </p:ext>
+    </p:extLst>
+  </p:cSld>
+  <p:clrMapOvr>
+    <a:masterClrMapping/>
+  </p:clrMapOvr>
+</p:notes>
+</file>
+
 <file path=ppt/slideLayouts/slideLayout1.xml><?xml version="1.0" encoding="utf-8"?>
 <p:sldLayout xmlns:a="http://schemas.openxmlformats.org/drawingml/2006/main" xmlns:r="http://schemas.openxmlformats.org/officeDocument/2006/relationships" xmlns:p="http://schemas.openxmlformats.org/presentationml/2006/main" type="title" preserve="1">
   <p:cSld name="Title Slide">
@@ -1576,7 +1668,7 @@
           <a:p>
             <a:fld id="{78CD1D6E-A027-634F-BC83-5ADA8E496EAB}" type="datetimeFigureOut">
               <a:rPr lang="en-US" smtClean="0"/>
-              <a:t>1/22/2024</a:t>
+              <a:t>1/25/2024</a:t>
             </a:fld>
             <a:endParaRPr lang="en-US"/>
           </a:p>
@@ -1774,7 +1866,7 @@
           <a:p>
             <a:fld id="{78CD1D6E-A027-634F-BC83-5ADA8E496EAB}" type="datetimeFigureOut">
               <a:rPr lang="en-US" smtClean="0"/>
-              <a:t>1/22/2024</a:t>
+              <a:t>1/25/2024</a:t>
             </a:fld>
             <a:endParaRPr lang="en-US"/>
           </a:p>
@@ -1982,7 +2074,7 @@
           <a:p>
             <a:fld id="{78CD1D6E-A027-634F-BC83-5ADA8E496EAB}" type="datetimeFigureOut">
               <a:rPr lang="en-US" smtClean="0"/>
-              <a:t>1/22/2024</a:t>
+              <a:t>1/25/2024</a:t>
             </a:fld>
             <a:endParaRPr lang="en-US"/>
           </a:p>
@@ -2180,7 +2272,7 @@
           <a:p>
             <a:fld id="{78CD1D6E-A027-634F-BC83-5ADA8E496EAB}" type="datetimeFigureOut">
               <a:rPr lang="en-US" smtClean="0"/>
-              <a:t>1/22/2024</a:t>
+              <a:t>1/25/2024</a:t>
             </a:fld>
             <a:endParaRPr lang="en-US"/>
           </a:p>
@@ -2455,7 +2547,7 @@
           <a:p>
             <a:fld id="{78CD1D6E-A027-634F-BC83-5ADA8E496EAB}" type="datetimeFigureOut">
               <a:rPr lang="en-US" smtClean="0"/>
-              <a:t>1/22/2024</a:t>
+              <a:t>1/25/2024</a:t>
             </a:fld>
             <a:endParaRPr lang="en-US"/>
           </a:p>
@@ -2720,7 +2812,7 @@
           <a:p>
             <a:fld id="{78CD1D6E-A027-634F-BC83-5ADA8E496EAB}" type="datetimeFigureOut">
               <a:rPr lang="en-US" smtClean="0"/>
-              <a:t>1/22/2024</a:t>
+              <a:t>1/25/2024</a:t>
             </a:fld>
             <a:endParaRPr lang="en-US"/>
           </a:p>
@@ -3132,7 +3224,7 @@
           <a:p>
             <a:fld id="{78CD1D6E-A027-634F-BC83-5ADA8E496EAB}" type="datetimeFigureOut">
               <a:rPr lang="en-US" smtClean="0"/>
-              <a:t>1/22/2024</a:t>
+              <a:t>1/25/2024</a:t>
             </a:fld>
             <a:endParaRPr lang="en-US"/>
           </a:p>
@@ -3273,7 +3365,7 @@
           <a:p>
             <a:fld id="{78CD1D6E-A027-634F-BC83-5ADA8E496EAB}" type="datetimeFigureOut">
               <a:rPr lang="en-US" smtClean="0"/>
-              <a:t>1/22/2024</a:t>
+              <a:t>1/25/2024</a:t>
             </a:fld>
             <a:endParaRPr lang="en-US"/>
           </a:p>
@@ -3386,7 +3478,7 @@
           <a:p>
             <a:fld id="{78CD1D6E-A027-634F-BC83-5ADA8E496EAB}" type="datetimeFigureOut">
               <a:rPr lang="en-US" smtClean="0"/>
-              <a:t>1/22/2024</a:t>
+              <a:t>1/25/2024</a:t>
             </a:fld>
             <a:endParaRPr lang="en-US"/>
           </a:p>
@@ -3697,7 +3789,7 @@
           <a:p>
             <a:fld id="{78CD1D6E-A027-634F-BC83-5ADA8E496EAB}" type="datetimeFigureOut">
               <a:rPr lang="en-US" smtClean="0"/>
-              <a:t>1/22/2024</a:t>
+              <a:t>1/25/2024</a:t>
             </a:fld>
             <a:endParaRPr lang="en-US"/>
           </a:p>
@@ -3985,7 +4077,7 @@
           <a:p>
             <a:fld id="{78CD1D6E-A027-634F-BC83-5ADA8E496EAB}" type="datetimeFigureOut">
               <a:rPr lang="en-US" smtClean="0"/>
-              <a:t>1/22/2024</a:t>
+              <a:t>1/25/2024</a:t>
             </a:fld>
             <a:endParaRPr lang="en-US"/>
           </a:p>
@@ -4226,7 +4318,7 @@
           <a:p>
             <a:fld id="{78CD1D6E-A027-634F-BC83-5ADA8E496EAB}" type="datetimeFigureOut">
               <a:rPr lang="en-US" smtClean="0"/>
-              <a:t>1/22/2024</a:t>
+              <a:t>1/25/2024</a:t>
             </a:fld>
             <a:endParaRPr lang="en-US"/>
           </a:p>
@@ -11342,6 +11434,456 @@
     <p:extLst>
       <p:ext uri="{BB962C8B-B14F-4D97-AF65-F5344CB8AC3E}">
         <p14:creationId xmlns:p14="http://schemas.microsoft.com/office/powerpoint/2010/main" val="937025695"/>
+      </p:ext>
+    </p:extLst>
+  </p:cSld>
+  <p:clrMapOvr>
+    <a:masterClrMapping/>
+  </p:clrMapOvr>
+</p:sld>
+</file>
+
+<file path=ppt/slides/slide34.xml><?xml version="1.0" encoding="utf-8"?>
+<p:sld xmlns:a="http://schemas.openxmlformats.org/drawingml/2006/main" xmlns:r="http://schemas.openxmlformats.org/officeDocument/2006/relationships" xmlns:p="http://schemas.openxmlformats.org/presentationml/2006/main">
+  <p:cSld>
+    <p:spTree>
+      <p:nvGrpSpPr>
+        <p:cNvPr id="1" name=""/>
+        <p:cNvGrpSpPr/>
+        <p:nvPr/>
+      </p:nvGrpSpPr>
+      <p:grpSpPr>
+        <a:xfrm>
+          <a:off x="0" y="0"/>
+          <a:ext cx="0" cy="0"/>
+          <a:chOff x="0" y="0"/>
+          <a:chExt cx="0" cy="0"/>
+        </a:xfrm>
+      </p:grpSpPr>
+      <p:sp>
+        <p:nvSpPr>
+          <p:cNvPr id="2" name="Title 1">
+            <a:extLst>
+              <a:ext uri="{FF2B5EF4-FFF2-40B4-BE49-F238E27FC236}">
+                <a16:creationId xmlns:a16="http://schemas.microsoft.com/office/drawing/2014/main" id="{37DD8EEA-93B5-AB0F-050A-0D218D89F53D}"/>
+              </a:ext>
+            </a:extLst>
+          </p:cNvPr>
+          <p:cNvSpPr>
+            <a:spLocks noGrp="1"/>
+          </p:cNvSpPr>
+          <p:nvPr>
+            <p:ph type="title"/>
+          </p:nvPr>
+        </p:nvSpPr>
+        <p:spPr/>
+        <p:txBody>
+          <a:bodyPr/>
+          <a:lstStyle/>
+          <a:p>
+            <a:endParaRPr lang="en-US" dirty="0"/>
+          </a:p>
+        </p:txBody>
+      </p:sp>
+      <p:sp>
+        <p:nvSpPr>
+          <p:cNvPr id="3" name="Content Placeholder 2">
+            <a:extLst>
+              <a:ext uri="{FF2B5EF4-FFF2-40B4-BE49-F238E27FC236}">
+                <a16:creationId xmlns:a16="http://schemas.microsoft.com/office/drawing/2014/main" id="{BF26289E-E74F-04C7-1C39-8C2BFEC1F7FC}"/>
+              </a:ext>
+            </a:extLst>
+          </p:cNvPr>
+          <p:cNvSpPr>
+            <a:spLocks noGrp="1"/>
+          </p:cNvSpPr>
+          <p:nvPr>
+            <p:ph idx="1"/>
+          </p:nvPr>
+        </p:nvSpPr>
+        <p:spPr/>
+        <p:txBody>
+          <a:bodyPr/>
+          <a:lstStyle/>
+          <a:p>
+            <a:endParaRPr lang="en-US"/>
+          </a:p>
+        </p:txBody>
+      </p:sp>
+    </p:spTree>
+    <p:extLst>
+      <p:ext uri="{BB962C8B-B14F-4D97-AF65-F5344CB8AC3E}">
+        <p14:creationId xmlns:p14="http://schemas.microsoft.com/office/powerpoint/2010/main" val="982417127"/>
+      </p:ext>
+    </p:extLst>
+  </p:cSld>
+  <p:clrMapOvr>
+    <a:masterClrMapping/>
+  </p:clrMapOvr>
+</p:sld>
+</file>
+
+<file path=ppt/slides/slide35.xml><?xml version="1.0" encoding="utf-8"?>
+<p:sld xmlns:a="http://schemas.openxmlformats.org/drawingml/2006/main" xmlns:r="http://schemas.openxmlformats.org/officeDocument/2006/relationships" xmlns:p="http://schemas.openxmlformats.org/presentationml/2006/main">
+  <p:cSld>
+    <p:spTree>
+      <p:nvGrpSpPr>
+        <p:cNvPr id="1" name=""/>
+        <p:cNvGrpSpPr/>
+        <p:nvPr/>
+      </p:nvGrpSpPr>
+      <p:grpSpPr>
+        <a:xfrm>
+          <a:off x="0" y="0"/>
+          <a:ext cx="0" cy="0"/>
+          <a:chOff x="0" y="0"/>
+          <a:chExt cx="0" cy="0"/>
+        </a:xfrm>
+      </p:grpSpPr>
+      <p:sp>
+        <p:nvSpPr>
+          <p:cNvPr id="2" name="Title 1">
+            <a:extLst>
+              <a:ext uri="{FF2B5EF4-FFF2-40B4-BE49-F238E27FC236}">
+                <a16:creationId xmlns:a16="http://schemas.microsoft.com/office/drawing/2014/main" id="{DFC3CDE8-EA9B-37CA-FE16-F9336719AFC8}"/>
+              </a:ext>
+            </a:extLst>
+          </p:cNvPr>
+          <p:cNvSpPr>
+            <a:spLocks noGrp="1"/>
+          </p:cNvSpPr>
+          <p:nvPr>
+            <p:ph type="title"/>
+          </p:nvPr>
+        </p:nvSpPr>
+        <p:spPr/>
+        <p:txBody>
+          <a:bodyPr/>
+          <a:lstStyle/>
+          <a:p>
+            <a:r>
+              <a:rPr lang="en-US" dirty="0"/>
+              <a:t>Text Interface</a:t>
+            </a:r>
+          </a:p>
+        </p:txBody>
+      </p:sp>
+      <p:sp>
+        <p:nvSpPr>
+          <p:cNvPr id="3" name="Content Placeholder 2">
+            <a:extLst>
+              <a:ext uri="{FF2B5EF4-FFF2-40B4-BE49-F238E27FC236}">
+                <a16:creationId xmlns:a16="http://schemas.microsoft.com/office/drawing/2014/main" id="{7D63A100-BA98-073C-358D-417AC0E8F4DF}"/>
+              </a:ext>
+            </a:extLst>
+          </p:cNvPr>
+          <p:cNvSpPr>
+            <a:spLocks noGrp="1"/>
+          </p:cNvSpPr>
+          <p:nvPr>
+            <p:ph idx="1"/>
+          </p:nvPr>
+        </p:nvSpPr>
+        <p:spPr/>
+        <p:txBody>
+          <a:bodyPr/>
+          <a:lstStyle/>
+          <a:p>
+            <a:r>
+              <a:rPr lang="en-US" dirty="0"/>
+              <a:t>Use Node.js to handle HTTP requests.</a:t>
+            </a:r>
+          </a:p>
+          <a:p>
+            <a:r>
+              <a:rPr lang="en-US" dirty="0"/>
+              <a:t>Text interface needs to be integrated with the AVS SDK.</a:t>
+            </a:r>
+          </a:p>
+          <a:p>
+            <a:pPr lvl="1"/>
+            <a:r>
+              <a:rPr lang="en-US" dirty="0"/>
+              <a:t>Convert text input into a format that the AVS SDK can understand</a:t>
+            </a:r>
+          </a:p>
+          <a:p>
+            <a:endParaRPr lang="en-US" dirty="0"/>
+          </a:p>
+        </p:txBody>
+      </p:sp>
+    </p:spTree>
+    <p:extLst>
+      <p:ext uri="{BB962C8B-B14F-4D97-AF65-F5344CB8AC3E}">
+        <p14:creationId xmlns:p14="http://schemas.microsoft.com/office/powerpoint/2010/main" val="4040234432"/>
+      </p:ext>
+    </p:extLst>
+  </p:cSld>
+  <p:clrMapOvr>
+    <a:masterClrMapping/>
+  </p:clrMapOvr>
+</p:sld>
+</file>
+
+<file path=ppt/slides/slide36.xml><?xml version="1.0" encoding="utf-8"?>
+<p:sld xmlns:a="http://schemas.openxmlformats.org/drawingml/2006/main" xmlns:r="http://schemas.openxmlformats.org/officeDocument/2006/relationships" xmlns:p="http://schemas.openxmlformats.org/presentationml/2006/main">
+  <p:cSld>
+    <p:spTree>
+      <p:nvGrpSpPr>
+        <p:cNvPr id="1" name=""/>
+        <p:cNvGrpSpPr/>
+        <p:nvPr/>
+      </p:nvGrpSpPr>
+      <p:grpSpPr>
+        <a:xfrm>
+          <a:off x="0" y="0"/>
+          <a:ext cx="0" cy="0"/>
+          <a:chOff x="0" y="0"/>
+          <a:chExt cx="0" cy="0"/>
+        </a:xfrm>
+      </p:grpSpPr>
+      <p:sp>
+        <p:nvSpPr>
+          <p:cNvPr id="2" name="Title 1">
+            <a:extLst>
+              <a:ext uri="{FF2B5EF4-FFF2-40B4-BE49-F238E27FC236}">
+                <a16:creationId xmlns:a16="http://schemas.microsoft.com/office/drawing/2014/main" id="{E6F61FE8-D673-33A6-E340-FDA5A76EB755}"/>
+              </a:ext>
+            </a:extLst>
+          </p:cNvPr>
+          <p:cNvSpPr>
+            <a:spLocks noGrp="1"/>
+          </p:cNvSpPr>
+          <p:nvPr>
+            <p:ph type="title"/>
+          </p:nvPr>
+        </p:nvSpPr>
+        <p:spPr/>
+        <p:txBody>
+          <a:bodyPr/>
+          <a:lstStyle/>
+          <a:p>
+            <a:r>
+              <a:rPr lang="en-US" dirty="0"/>
+              <a:t>Interact with Alexa</a:t>
+            </a:r>
+          </a:p>
+        </p:txBody>
+      </p:sp>
+      <p:sp>
+        <p:nvSpPr>
+          <p:cNvPr id="3" name="Content Placeholder 2">
+            <a:extLst>
+              <a:ext uri="{FF2B5EF4-FFF2-40B4-BE49-F238E27FC236}">
+                <a16:creationId xmlns:a16="http://schemas.microsoft.com/office/drawing/2014/main" id="{305A42C7-CD65-CEFA-A694-8C10C47ADAD8}"/>
+              </a:ext>
+            </a:extLst>
+          </p:cNvPr>
+          <p:cNvSpPr>
+            <a:spLocks noGrp="1"/>
+          </p:cNvSpPr>
+          <p:nvPr>
+            <p:ph idx="1"/>
+          </p:nvPr>
+        </p:nvSpPr>
+        <p:spPr/>
+        <p:txBody>
+          <a:bodyPr/>
+          <a:lstStyle/>
+          <a:p>
+            <a:r>
+              <a:rPr lang="en-US" dirty="0"/>
+              <a:t>What data format will be sent to Alexa Cloud Server?</a:t>
+            </a:r>
+          </a:p>
+          <a:p>
+            <a:pPr lvl="1"/>
+            <a:r>
+              <a:rPr lang="en-US" dirty="0"/>
+              <a:t>Audio file</a:t>
+            </a:r>
+          </a:p>
+          <a:p>
+            <a:pPr lvl="1"/>
+            <a:r>
+              <a:rPr lang="en-US" dirty="0"/>
+              <a:t>Device and User Identification</a:t>
+            </a:r>
+          </a:p>
+          <a:p>
+            <a:pPr lvl="1"/>
+            <a:r>
+              <a:rPr lang="en-US" dirty="0"/>
+              <a:t>Additional Metadata</a:t>
+            </a:r>
+          </a:p>
+          <a:p>
+            <a:endParaRPr lang="en-US" dirty="0"/>
+          </a:p>
+          <a:p>
+            <a:r>
+              <a:rPr lang="en-US" dirty="0"/>
+              <a:t>Encrypted Communication: All data is sent over an HTTPS connection</a:t>
+            </a:r>
+          </a:p>
+          <a:p>
+            <a:endParaRPr lang="en-US" dirty="0"/>
+          </a:p>
+          <a:p>
+            <a:r>
+              <a:rPr lang="en-US" dirty="0"/>
+              <a:t>Response Format: </a:t>
+            </a:r>
+          </a:p>
+        </p:txBody>
+      </p:sp>
+    </p:spTree>
+    <p:extLst>
+      <p:ext uri="{BB962C8B-B14F-4D97-AF65-F5344CB8AC3E}">
+        <p14:creationId xmlns:p14="http://schemas.microsoft.com/office/powerpoint/2010/main" val="2655323821"/>
+      </p:ext>
+    </p:extLst>
+  </p:cSld>
+  <p:clrMapOvr>
+    <a:masterClrMapping/>
+  </p:clrMapOvr>
+</p:sld>
+</file>
+
+<file path=ppt/slides/slide37.xml><?xml version="1.0" encoding="utf-8"?>
+<p:sld xmlns:a="http://schemas.openxmlformats.org/drawingml/2006/main" xmlns:r="http://schemas.openxmlformats.org/officeDocument/2006/relationships" xmlns:p="http://schemas.openxmlformats.org/presentationml/2006/main">
+  <p:cSld>
+    <p:spTree>
+      <p:nvGrpSpPr>
+        <p:cNvPr id="1" name=""/>
+        <p:cNvGrpSpPr/>
+        <p:nvPr/>
+      </p:nvGrpSpPr>
+      <p:grpSpPr>
+        <a:xfrm>
+          <a:off x="0" y="0"/>
+          <a:ext cx="0" cy="0"/>
+          <a:chOff x="0" y="0"/>
+          <a:chExt cx="0" cy="0"/>
+        </a:xfrm>
+      </p:grpSpPr>
+      <p:pic>
+        <p:nvPicPr>
+          <p:cNvPr id="5" name="Picture 4">
+            <a:extLst>
+              <a:ext uri="{FF2B5EF4-FFF2-40B4-BE49-F238E27FC236}">
+                <a16:creationId xmlns:a16="http://schemas.microsoft.com/office/drawing/2014/main" id="{1C3408EE-564C-30DE-3890-A4B6B642DEA4}"/>
+              </a:ext>
+            </a:extLst>
+          </p:cNvPr>
+          <p:cNvPicPr>
+            <a:picLocks noChangeAspect="1"/>
+          </p:cNvPicPr>
+          <p:nvPr/>
+        </p:nvPicPr>
+        <p:blipFill>
+          <a:blip r:embed="rId2"/>
+          <a:stretch>
+            <a:fillRect/>
+          </a:stretch>
+        </p:blipFill>
+        <p:spPr>
+          <a:xfrm>
+            <a:off x="1617683" y="323957"/>
+            <a:ext cx="8409365" cy="6079497"/>
+          </a:xfrm>
+          <a:prstGeom prst="rect">
+            <a:avLst/>
+          </a:prstGeom>
+        </p:spPr>
+      </p:pic>
+    </p:spTree>
+    <p:extLst>
+      <p:ext uri="{BB962C8B-B14F-4D97-AF65-F5344CB8AC3E}">
+        <p14:creationId xmlns:p14="http://schemas.microsoft.com/office/powerpoint/2010/main" val="1369539359"/>
+      </p:ext>
+    </p:extLst>
+  </p:cSld>
+  <p:clrMapOvr>
+    <a:masterClrMapping/>
+  </p:clrMapOvr>
+</p:sld>
+</file>
+
+<file path=ppt/slides/slide38.xml><?xml version="1.0" encoding="utf-8"?>
+<p:sld xmlns:a="http://schemas.openxmlformats.org/drawingml/2006/main" xmlns:r="http://schemas.openxmlformats.org/officeDocument/2006/relationships" xmlns:p="http://schemas.openxmlformats.org/presentationml/2006/main">
+  <p:cSld>
+    <p:spTree>
+      <p:nvGrpSpPr>
+        <p:cNvPr id="1" name=""/>
+        <p:cNvGrpSpPr/>
+        <p:nvPr/>
+      </p:nvGrpSpPr>
+      <p:grpSpPr>
+        <a:xfrm>
+          <a:off x="0" y="0"/>
+          <a:ext cx="0" cy="0"/>
+          <a:chOff x="0" y="0"/>
+          <a:chExt cx="0" cy="0"/>
+        </a:xfrm>
+      </p:grpSpPr>
+      <p:sp>
+        <p:nvSpPr>
+          <p:cNvPr id="2" name="Title 1">
+            <a:extLst>
+              <a:ext uri="{FF2B5EF4-FFF2-40B4-BE49-F238E27FC236}">
+                <a16:creationId xmlns:a16="http://schemas.microsoft.com/office/drawing/2014/main" id="{B4C6C953-CD4A-B0EB-DE78-E697F02FAE31}"/>
+              </a:ext>
+            </a:extLst>
+          </p:cNvPr>
+          <p:cNvSpPr>
+            <a:spLocks noGrp="1"/>
+          </p:cNvSpPr>
+          <p:nvPr>
+            <p:ph type="title"/>
+          </p:nvPr>
+        </p:nvSpPr>
+        <p:spPr/>
+        <p:txBody>
+          <a:bodyPr/>
+          <a:lstStyle/>
+          <a:p>
+            <a:endParaRPr lang="en-US"/>
+          </a:p>
+        </p:txBody>
+      </p:sp>
+      <p:sp>
+        <p:nvSpPr>
+          <p:cNvPr id="3" name="Content Placeholder 2">
+            <a:extLst>
+              <a:ext uri="{FF2B5EF4-FFF2-40B4-BE49-F238E27FC236}">
+                <a16:creationId xmlns:a16="http://schemas.microsoft.com/office/drawing/2014/main" id="{D4560AE4-ACA8-112D-22CD-362C8A57C41E}"/>
+              </a:ext>
+            </a:extLst>
+          </p:cNvPr>
+          <p:cNvSpPr>
+            <a:spLocks noGrp="1"/>
+          </p:cNvSpPr>
+          <p:nvPr>
+            <p:ph idx="1"/>
+          </p:nvPr>
+        </p:nvSpPr>
+        <p:spPr/>
+        <p:txBody>
+          <a:bodyPr/>
+          <a:lstStyle/>
+          <a:p>
+            <a:r>
+              <a:rPr lang="en-US" dirty="0"/>
+              <a:t>Modify the AVS SDK sample code to automate the sending of audio. Instead of capturing audio from a microphone</a:t>
+            </a:r>
+          </a:p>
+        </p:txBody>
+      </p:sp>
+    </p:spTree>
+    <p:extLst>
+      <p:ext uri="{BB962C8B-B14F-4D97-AF65-F5344CB8AC3E}">
+        <p14:creationId xmlns:p14="http://schemas.microsoft.com/office/powerpoint/2010/main" val="3658912675"/>
       </p:ext>
     </p:extLst>
   </p:cSld>

--- a/Presentation1.pptx
+++ b/Presentation1.pptx
@@ -5,7 +5,7 @@
     <p:sldMasterId id="2147483648" r:id="rId1"/>
   </p:sldMasterIdLst>
   <p:notesMasterIdLst>
-    <p:notesMasterId r:id="rId40"/>
+    <p:notesMasterId r:id="rId42"/>
   </p:notesMasterIdLst>
   <p:sldIdLst>
     <p:sldId id="256" r:id="rId2"/>
@@ -46,6 +46,8 @@
     <p:sldId id="301" r:id="rId37"/>
     <p:sldId id="302" r:id="rId38"/>
     <p:sldId id="303" r:id="rId39"/>
+    <p:sldId id="304" r:id="rId40"/>
+    <p:sldId id="305" r:id="rId41"/>
   </p:sldIdLst>
   <p:sldSz cx="12192000" cy="6858000"/>
   <p:notesSz cx="6858000" cy="9144000"/>
@@ -234,7 +236,7 @@
           <a:p>
             <a:fld id="{72646578-14F6-4B4C-9607-C52529FEB0BF}" type="datetimeFigureOut">
               <a:rPr lang="en-US" smtClean="0"/>
-              <a:t>1/25/2024</a:t>
+              <a:t>1/25/24</a:t>
             </a:fld>
             <a:endParaRPr lang="en-US"/>
           </a:p>
@@ -1668,7 +1670,7 @@
           <a:p>
             <a:fld id="{78CD1D6E-A027-634F-BC83-5ADA8E496EAB}" type="datetimeFigureOut">
               <a:rPr lang="en-US" smtClean="0"/>
-              <a:t>1/25/2024</a:t>
+              <a:t>1/25/24</a:t>
             </a:fld>
             <a:endParaRPr lang="en-US"/>
           </a:p>
@@ -1866,7 +1868,7 @@
           <a:p>
             <a:fld id="{78CD1D6E-A027-634F-BC83-5ADA8E496EAB}" type="datetimeFigureOut">
               <a:rPr lang="en-US" smtClean="0"/>
-              <a:t>1/25/2024</a:t>
+              <a:t>1/25/24</a:t>
             </a:fld>
             <a:endParaRPr lang="en-US"/>
           </a:p>
@@ -2074,7 +2076,7 @@
           <a:p>
             <a:fld id="{78CD1D6E-A027-634F-BC83-5ADA8E496EAB}" type="datetimeFigureOut">
               <a:rPr lang="en-US" smtClean="0"/>
-              <a:t>1/25/2024</a:t>
+              <a:t>1/25/24</a:t>
             </a:fld>
             <a:endParaRPr lang="en-US"/>
           </a:p>
@@ -2272,7 +2274,7 @@
           <a:p>
             <a:fld id="{78CD1D6E-A027-634F-BC83-5ADA8E496EAB}" type="datetimeFigureOut">
               <a:rPr lang="en-US" smtClean="0"/>
-              <a:t>1/25/2024</a:t>
+              <a:t>1/25/24</a:t>
             </a:fld>
             <a:endParaRPr lang="en-US"/>
           </a:p>
@@ -2547,7 +2549,7 @@
           <a:p>
             <a:fld id="{78CD1D6E-A027-634F-BC83-5ADA8E496EAB}" type="datetimeFigureOut">
               <a:rPr lang="en-US" smtClean="0"/>
-              <a:t>1/25/2024</a:t>
+              <a:t>1/25/24</a:t>
             </a:fld>
             <a:endParaRPr lang="en-US"/>
           </a:p>
@@ -2812,7 +2814,7 @@
           <a:p>
             <a:fld id="{78CD1D6E-A027-634F-BC83-5ADA8E496EAB}" type="datetimeFigureOut">
               <a:rPr lang="en-US" smtClean="0"/>
-              <a:t>1/25/2024</a:t>
+              <a:t>1/25/24</a:t>
             </a:fld>
             <a:endParaRPr lang="en-US"/>
           </a:p>
@@ -3224,7 +3226,7 @@
           <a:p>
             <a:fld id="{78CD1D6E-A027-634F-BC83-5ADA8E496EAB}" type="datetimeFigureOut">
               <a:rPr lang="en-US" smtClean="0"/>
-              <a:t>1/25/2024</a:t>
+              <a:t>1/25/24</a:t>
             </a:fld>
             <a:endParaRPr lang="en-US"/>
           </a:p>
@@ -3365,7 +3367,7 @@
           <a:p>
             <a:fld id="{78CD1D6E-A027-634F-BC83-5ADA8E496EAB}" type="datetimeFigureOut">
               <a:rPr lang="en-US" smtClean="0"/>
-              <a:t>1/25/2024</a:t>
+              <a:t>1/25/24</a:t>
             </a:fld>
             <a:endParaRPr lang="en-US"/>
           </a:p>
@@ -3478,7 +3480,7 @@
           <a:p>
             <a:fld id="{78CD1D6E-A027-634F-BC83-5ADA8E496EAB}" type="datetimeFigureOut">
               <a:rPr lang="en-US" smtClean="0"/>
-              <a:t>1/25/2024</a:t>
+              <a:t>1/25/24</a:t>
             </a:fld>
             <a:endParaRPr lang="en-US"/>
           </a:p>
@@ -3789,7 +3791,7 @@
           <a:p>
             <a:fld id="{78CD1D6E-A027-634F-BC83-5ADA8E496EAB}" type="datetimeFigureOut">
               <a:rPr lang="en-US" smtClean="0"/>
-              <a:t>1/25/2024</a:t>
+              <a:t>1/25/24</a:t>
             </a:fld>
             <a:endParaRPr lang="en-US"/>
           </a:p>
@@ -4077,7 +4079,7 @@
           <a:p>
             <a:fld id="{78CD1D6E-A027-634F-BC83-5ADA8E496EAB}" type="datetimeFigureOut">
               <a:rPr lang="en-US" smtClean="0"/>
-              <a:t>1/25/2024</a:t>
+              <a:t>1/25/24</a:t>
             </a:fld>
             <a:endParaRPr lang="en-US"/>
           </a:p>
@@ -4318,7 +4320,7 @@
           <a:p>
             <a:fld id="{78CD1D6E-A027-634F-BC83-5ADA8E496EAB}" type="datetimeFigureOut">
               <a:rPr lang="en-US" smtClean="0"/>
-              <a:t>1/25/2024</a:t>
+              <a:t>1/25/24</a:t>
             </a:fld>
             <a:endParaRPr lang="en-US"/>
           </a:p>
@@ -11880,10 +11882,188 @@
           </a:p>
         </p:txBody>
       </p:sp>
+      <p:sp>
+        <p:nvSpPr>
+          <p:cNvPr id="5" name="TextBox 4">
+            <a:extLst>
+              <a:ext uri="{FF2B5EF4-FFF2-40B4-BE49-F238E27FC236}">
+                <a16:creationId xmlns:a16="http://schemas.microsoft.com/office/drawing/2014/main" id="{FC11532B-3A2C-B03A-5A84-F70EBAA68A4C}"/>
+              </a:ext>
+            </a:extLst>
+          </p:cNvPr>
+          <p:cNvSpPr txBox="1"/>
+          <p:nvPr/>
+        </p:nvSpPr>
+        <p:spPr>
+          <a:xfrm>
+            <a:off x="3050381" y="3105835"/>
+            <a:ext cx="6100762" cy="646331"/>
+          </a:xfrm>
+          <a:prstGeom prst="rect">
+            <a:avLst/>
+          </a:prstGeom>
+          <a:noFill/>
+        </p:spPr>
+        <p:txBody>
+          <a:bodyPr wrap="square">
+            <a:spAutoFit/>
+          </a:bodyPr>
+          <a:lstStyle/>
+          <a:p>
+            <a:r>
+              <a:rPr lang="en-US" dirty="0"/>
+              <a:t>za user can only invoke </a:t>
+            </a:r>
+            <a:r>
+              <a:rPr lang="en-US" dirty="0" err="1"/>
+              <a:t>alexa</a:t>
+            </a:r>
+            <a:r>
+              <a:rPr lang="en-US" dirty="0"/>
+              <a:t> using an app or another </a:t>
+            </a:r>
+            <a:r>
+              <a:rPr lang="en-US" dirty="0" err="1"/>
+              <a:t>alexa</a:t>
+            </a:r>
+            <a:r>
+              <a:rPr lang="en-US" dirty="0"/>
+              <a:t> built-in device</a:t>
+            </a:r>
+          </a:p>
+        </p:txBody>
+      </p:sp>
     </p:spTree>
     <p:extLst>
       <p:ext uri="{BB962C8B-B14F-4D97-AF65-F5344CB8AC3E}">
         <p14:creationId xmlns:p14="http://schemas.microsoft.com/office/powerpoint/2010/main" val="3658912675"/>
+      </p:ext>
+    </p:extLst>
+  </p:cSld>
+  <p:clrMapOvr>
+    <a:masterClrMapping/>
+  </p:clrMapOvr>
+</p:sld>
+</file>
+
+<file path=ppt/slides/slide39.xml><?xml version="1.0" encoding="utf-8"?>
+<p:sld xmlns:a="http://schemas.openxmlformats.org/drawingml/2006/main" xmlns:r="http://schemas.openxmlformats.org/officeDocument/2006/relationships" xmlns:p="http://schemas.openxmlformats.org/presentationml/2006/main">
+  <p:cSld>
+    <p:spTree>
+      <p:nvGrpSpPr>
+        <p:cNvPr id="1" name=""/>
+        <p:cNvGrpSpPr/>
+        <p:nvPr/>
+      </p:nvGrpSpPr>
+      <p:grpSpPr>
+        <a:xfrm>
+          <a:off x="0" y="0"/>
+          <a:ext cx="0" cy="0"/>
+          <a:chOff x="0" y="0"/>
+          <a:chExt cx="0" cy="0"/>
+        </a:xfrm>
+      </p:grpSpPr>
+      <p:sp>
+        <p:nvSpPr>
+          <p:cNvPr id="2" name="Title 1">
+            <a:extLst>
+              <a:ext uri="{FF2B5EF4-FFF2-40B4-BE49-F238E27FC236}">
+                <a16:creationId xmlns:a16="http://schemas.microsoft.com/office/drawing/2014/main" id="{4C951FD6-08CE-4F1D-5E38-B2AF1755C501}"/>
+              </a:ext>
+            </a:extLst>
+          </p:cNvPr>
+          <p:cNvSpPr>
+            <a:spLocks noGrp="1"/>
+          </p:cNvSpPr>
+          <p:nvPr>
+            <p:ph type="title"/>
+          </p:nvPr>
+        </p:nvSpPr>
+        <p:spPr/>
+        <p:txBody>
+          <a:bodyPr/>
+          <a:lstStyle/>
+          <a:p>
+            <a:endParaRPr lang="en-US"/>
+          </a:p>
+        </p:txBody>
+      </p:sp>
+      <p:sp>
+        <p:nvSpPr>
+          <p:cNvPr id="3" name="Content Placeholder 2">
+            <a:extLst>
+              <a:ext uri="{FF2B5EF4-FFF2-40B4-BE49-F238E27FC236}">
+                <a16:creationId xmlns:a16="http://schemas.microsoft.com/office/drawing/2014/main" id="{7B07847C-92C3-EFDE-2F7A-8645555EF91A}"/>
+              </a:ext>
+            </a:extLst>
+          </p:cNvPr>
+          <p:cNvSpPr>
+            <a:spLocks noGrp="1"/>
+          </p:cNvSpPr>
+          <p:nvPr>
+            <p:ph idx="1"/>
+          </p:nvPr>
+        </p:nvSpPr>
+        <p:spPr/>
+        <p:txBody>
+          <a:bodyPr/>
+          <a:lstStyle/>
+          <a:p>
+            <a:r>
+              <a:rPr lang="en-US" dirty="0"/>
+              <a:t>Multiple types of Alexa products: </a:t>
+            </a:r>
+          </a:p>
+          <a:p>
+            <a:pPr lvl="1"/>
+            <a:r>
+              <a:rPr lang="en-US" dirty="0"/>
+              <a:t>Smart speaker, Alexa mobile app, Alexa Echo Dot, Alexa Echo Show</a:t>
+            </a:r>
+          </a:p>
+          <a:p>
+            <a:r>
+              <a:rPr lang="en-US" dirty="0"/>
+              <a:t>Multiple types of interaction with Alexa products:</a:t>
+            </a:r>
+          </a:p>
+          <a:p>
+            <a:pPr lvl="1"/>
+            <a:r>
+              <a:rPr lang="en-US" dirty="0"/>
+              <a:t>Voice, Typing, Tapping</a:t>
+            </a:r>
+          </a:p>
+          <a:p>
+            <a:r>
+              <a:rPr lang="en-US" dirty="0"/>
+              <a:t>Alexa has multiple types of responses: Audio, Texts</a:t>
+            </a:r>
+          </a:p>
+          <a:p>
+            <a:r>
+              <a:rPr lang="en-US" dirty="0"/>
+              <a:t>If these responses have the same meaning, do these responses have same pattern?</a:t>
+            </a:r>
+          </a:p>
+          <a:p>
+            <a:r>
+              <a:rPr lang="en-US" dirty="0"/>
+              <a:t>Should we compare all these types of traffic data.</a:t>
+            </a:r>
+          </a:p>
+          <a:p>
+            <a:r>
+              <a:rPr lang="en-US" dirty="0"/>
+              <a:t>Can the voice attack model apply in text or tapping? </a:t>
+            </a:r>
+          </a:p>
+        </p:txBody>
+      </p:sp>
+    </p:spTree>
+    <p:extLst>
+      <p:ext uri="{BB962C8B-B14F-4D97-AF65-F5344CB8AC3E}">
+        <p14:creationId xmlns:p14="http://schemas.microsoft.com/office/powerpoint/2010/main" val="1133670624"/>
       </p:ext>
     </p:extLst>
   </p:cSld>
@@ -12600,6 +12780,92 @@
     <p:extLst>
       <p:ext uri="{BB962C8B-B14F-4D97-AF65-F5344CB8AC3E}">
         <p14:creationId xmlns:p14="http://schemas.microsoft.com/office/powerpoint/2010/main" val="1432665708"/>
+      </p:ext>
+    </p:extLst>
+  </p:cSld>
+  <p:clrMapOvr>
+    <a:masterClrMapping/>
+  </p:clrMapOvr>
+</p:sld>
+</file>
+
+<file path=ppt/slides/slide40.xml><?xml version="1.0" encoding="utf-8"?>
+<p:sld xmlns:a="http://schemas.openxmlformats.org/drawingml/2006/main" xmlns:r="http://schemas.openxmlformats.org/officeDocument/2006/relationships" xmlns:p="http://schemas.openxmlformats.org/presentationml/2006/main">
+  <p:cSld>
+    <p:spTree>
+      <p:nvGrpSpPr>
+        <p:cNvPr id="1" name=""/>
+        <p:cNvGrpSpPr/>
+        <p:nvPr/>
+      </p:nvGrpSpPr>
+      <p:grpSpPr>
+        <a:xfrm>
+          <a:off x="0" y="0"/>
+          <a:ext cx="0" cy="0"/>
+          <a:chOff x="0" y="0"/>
+          <a:chExt cx="0" cy="0"/>
+        </a:xfrm>
+      </p:grpSpPr>
+      <p:sp>
+        <p:nvSpPr>
+          <p:cNvPr id="2" name="Title 1">
+            <a:extLst>
+              <a:ext uri="{FF2B5EF4-FFF2-40B4-BE49-F238E27FC236}">
+                <a16:creationId xmlns:a16="http://schemas.microsoft.com/office/drawing/2014/main" id="{2D4C1E21-30A5-EE45-B20A-6E6B10E4A1AD}"/>
+              </a:ext>
+            </a:extLst>
+          </p:cNvPr>
+          <p:cNvSpPr>
+            <a:spLocks noGrp="1"/>
+          </p:cNvSpPr>
+          <p:nvPr>
+            <p:ph type="title"/>
+          </p:nvPr>
+        </p:nvSpPr>
+        <p:spPr/>
+        <p:txBody>
+          <a:bodyPr/>
+          <a:lstStyle/>
+          <a:p>
+            <a:r>
+              <a:rPr lang="en-US" dirty="0"/>
+              <a:t>Always online sensor</a:t>
+            </a:r>
+          </a:p>
+        </p:txBody>
+      </p:sp>
+      <p:sp>
+        <p:nvSpPr>
+          <p:cNvPr id="3" name="Content Placeholder 2">
+            <a:extLst>
+              <a:ext uri="{FF2B5EF4-FFF2-40B4-BE49-F238E27FC236}">
+                <a16:creationId xmlns:a16="http://schemas.microsoft.com/office/drawing/2014/main" id="{09CCA092-1954-3A18-978B-947F0CE79563}"/>
+              </a:ext>
+            </a:extLst>
+          </p:cNvPr>
+          <p:cNvSpPr>
+            <a:spLocks noGrp="1"/>
+          </p:cNvSpPr>
+          <p:nvPr>
+            <p:ph idx="1"/>
+          </p:nvPr>
+        </p:nvSpPr>
+        <p:spPr/>
+        <p:txBody>
+          <a:bodyPr/>
+          <a:lstStyle/>
+          <a:p>
+            <a:r>
+              <a:rPr lang="en-US" dirty="0"/>
+              <a:t>Spying on the smart home</a:t>
+            </a:r>
+          </a:p>
+        </p:txBody>
+      </p:sp>
+    </p:spTree>
+    <p:extLst>
+      <p:ext uri="{BB962C8B-B14F-4D97-AF65-F5344CB8AC3E}">
+        <p14:creationId xmlns:p14="http://schemas.microsoft.com/office/powerpoint/2010/main" val="3153777920"/>
       </p:ext>
     </p:extLst>
   </p:cSld>

--- a/Presentation1.pptx
+++ b/Presentation1.pptx
@@ -5,7 +5,7 @@
     <p:sldMasterId id="2147483648" r:id="rId1"/>
   </p:sldMasterIdLst>
   <p:notesMasterIdLst>
-    <p:notesMasterId r:id="rId42"/>
+    <p:notesMasterId r:id="rId47"/>
   </p:notesMasterIdLst>
   <p:sldIdLst>
     <p:sldId id="256" r:id="rId2"/>
@@ -48,6 +48,11 @@
     <p:sldId id="303" r:id="rId39"/>
     <p:sldId id="304" r:id="rId40"/>
     <p:sldId id="305" r:id="rId41"/>
+    <p:sldId id="306" r:id="rId42"/>
+    <p:sldId id="307" r:id="rId43"/>
+    <p:sldId id="310" r:id="rId44"/>
+    <p:sldId id="308" r:id="rId45"/>
+    <p:sldId id="311" r:id="rId46"/>
   </p:sldIdLst>
   <p:sldSz cx="12192000" cy="6858000"/>
   <p:notesSz cx="6858000" cy="9144000"/>
@@ -236,7 +241,7 @@
           <a:p>
             <a:fld id="{72646578-14F6-4B4C-9607-C52529FEB0BF}" type="datetimeFigureOut">
               <a:rPr lang="en-US" smtClean="0"/>
-              <a:t>1/25/24</a:t>
+              <a:t>1/26/2024</a:t>
             </a:fld>
             <a:endParaRPr lang="en-US"/>
           </a:p>
@@ -729,6 +734,189 @@
 </p:notes>
 </file>
 
+<file path=ppt/notesSlides/notesSlide10.xml><?xml version="1.0" encoding="utf-8"?>
+<p:notes xmlns:a="http://schemas.openxmlformats.org/drawingml/2006/main" xmlns:r="http://schemas.openxmlformats.org/officeDocument/2006/relationships" xmlns:p="http://schemas.openxmlformats.org/presentationml/2006/main">
+  <p:cSld>
+    <p:spTree>
+      <p:nvGrpSpPr>
+        <p:cNvPr id="1" name=""/>
+        <p:cNvGrpSpPr/>
+        <p:nvPr/>
+      </p:nvGrpSpPr>
+      <p:grpSpPr>
+        <a:xfrm>
+          <a:off x="0" y="0"/>
+          <a:ext cx="0" cy="0"/>
+          <a:chOff x="0" y="0"/>
+          <a:chExt cx="0" cy="0"/>
+        </a:xfrm>
+      </p:grpSpPr>
+      <p:sp>
+        <p:nvSpPr>
+          <p:cNvPr id="2" name="Slide Image Placeholder 1"/>
+          <p:cNvSpPr>
+            <a:spLocks noGrp="1" noRot="1" noChangeAspect="1"/>
+          </p:cNvSpPr>
+          <p:nvPr>
+            <p:ph type="sldImg"/>
+          </p:nvPr>
+        </p:nvSpPr>
+        <p:spPr/>
+      </p:sp>
+      <p:sp>
+        <p:nvSpPr>
+          <p:cNvPr id="3" name="Notes Placeholder 2"/>
+          <p:cNvSpPr>
+            <a:spLocks noGrp="1"/>
+          </p:cNvSpPr>
+          <p:nvPr>
+            <p:ph type="body" idx="1"/>
+          </p:nvPr>
+        </p:nvSpPr>
+        <p:spPr/>
+        <p:txBody>
+          <a:bodyPr/>
+          <a:lstStyle/>
+          <a:p>
+            <a:r>
+              <a:rPr lang="en-US" dirty="0"/>
+              <a:t>https://developer.amazon.com/en-GB/docs/alexa/alexa-voice-service/speechrecognizer.html#recognize</a:t>
+            </a:r>
+          </a:p>
+        </p:txBody>
+      </p:sp>
+      <p:sp>
+        <p:nvSpPr>
+          <p:cNvPr id="4" name="Slide Number Placeholder 3"/>
+          <p:cNvSpPr>
+            <a:spLocks noGrp="1"/>
+          </p:cNvSpPr>
+          <p:nvPr>
+            <p:ph type="sldNum" sz="quarter" idx="5"/>
+          </p:nvPr>
+        </p:nvSpPr>
+        <p:spPr/>
+        <p:txBody>
+          <a:bodyPr/>
+          <a:lstStyle/>
+          <a:p>
+            <a:fld id="{88682BC9-22E9-B640-848B-A22C37F71A64}" type="slidenum">
+              <a:rPr lang="en-US" smtClean="0"/>
+              <a:t>43</a:t>
+            </a:fld>
+            <a:endParaRPr lang="en-US"/>
+          </a:p>
+        </p:txBody>
+      </p:sp>
+    </p:spTree>
+    <p:extLst>
+      <p:ext uri="{BB962C8B-B14F-4D97-AF65-F5344CB8AC3E}">
+        <p14:creationId xmlns:p14="http://schemas.microsoft.com/office/powerpoint/2010/main" val="697919807"/>
+      </p:ext>
+    </p:extLst>
+  </p:cSld>
+  <p:clrMapOvr>
+    <a:masterClrMapping/>
+  </p:clrMapOvr>
+</p:notes>
+</file>
+
+<file path=ppt/notesSlides/notesSlide11.xml><?xml version="1.0" encoding="utf-8"?>
+<p:notes xmlns:a="http://schemas.openxmlformats.org/drawingml/2006/main" xmlns:r="http://schemas.openxmlformats.org/officeDocument/2006/relationships" xmlns:p="http://schemas.openxmlformats.org/presentationml/2006/main">
+  <p:cSld>
+    <p:spTree>
+      <p:nvGrpSpPr>
+        <p:cNvPr id="1" name=""/>
+        <p:cNvGrpSpPr/>
+        <p:nvPr/>
+      </p:nvGrpSpPr>
+      <p:grpSpPr>
+        <a:xfrm>
+          <a:off x="0" y="0"/>
+          <a:ext cx="0" cy="0"/>
+          <a:chOff x="0" y="0"/>
+          <a:chExt cx="0" cy="0"/>
+        </a:xfrm>
+      </p:grpSpPr>
+      <p:sp>
+        <p:nvSpPr>
+          <p:cNvPr id="2" name="Slide Image Placeholder 1"/>
+          <p:cNvSpPr>
+            <a:spLocks noGrp="1" noRot="1" noChangeAspect="1"/>
+          </p:cNvSpPr>
+          <p:nvPr>
+            <p:ph type="sldImg"/>
+          </p:nvPr>
+        </p:nvSpPr>
+        <p:spPr/>
+      </p:sp>
+      <p:sp>
+        <p:nvSpPr>
+          <p:cNvPr id="3" name="Notes Placeholder 2"/>
+          <p:cNvSpPr>
+            <a:spLocks noGrp="1"/>
+          </p:cNvSpPr>
+          <p:nvPr>
+            <p:ph type="body" idx="1"/>
+          </p:nvPr>
+        </p:nvSpPr>
+        <p:spPr/>
+        <p:txBody>
+          <a:bodyPr/>
+          <a:lstStyle/>
+          <a:p>
+            <a:r>
+              <a:rPr lang="en-US" dirty="0"/>
+              <a:t>https://developer.amazon.com/en-GB/docs/alexa/alexa-voice-service/speechrecognizer.html</a:t>
+            </a:r>
+          </a:p>
+          <a:p>
+            <a:r>
+              <a:rPr lang="en-US" dirty="0"/>
+              <a:t>https://developer.amazon.com/en-GB/docs/alexa/alexa-voice-service/speechsynthesizer.html#speechstarted</a:t>
+            </a:r>
+          </a:p>
+          <a:p>
+            <a:endParaRPr lang="en-US" dirty="0"/>
+          </a:p>
+        </p:txBody>
+      </p:sp>
+      <p:sp>
+        <p:nvSpPr>
+          <p:cNvPr id="4" name="Slide Number Placeholder 3"/>
+          <p:cNvSpPr>
+            <a:spLocks noGrp="1"/>
+          </p:cNvSpPr>
+          <p:nvPr>
+            <p:ph type="sldNum" sz="quarter" idx="5"/>
+          </p:nvPr>
+        </p:nvSpPr>
+        <p:spPr/>
+        <p:txBody>
+          <a:bodyPr/>
+          <a:lstStyle/>
+          <a:p>
+            <a:fld id="{88682BC9-22E9-B640-848B-A22C37F71A64}" type="slidenum">
+              <a:rPr lang="en-US" smtClean="0"/>
+              <a:t>44</a:t>
+            </a:fld>
+            <a:endParaRPr lang="en-US"/>
+          </a:p>
+        </p:txBody>
+      </p:sp>
+    </p:spTree>
+    <p:extLst>
+      <p:ext uri="{BB962C8B-B14F-4D97-AF65-F5344CB8AC3E}">
+        <p14:creationId xmlns:p14="http://schemas.microsoft.com/office/powerpoint/2010/main" val="1779106953"/>
+      </p:ext>
+    </p:extLst>
+  </p:cSld>
+  <p:clrMapOvr>
+    <a:masterClrMapping/>
+  </p:clrMapOvr>
+</p:notes>
+</file>
+
 <file path=ppt/notesSlides/notesSlide2.xml><?xml version="1.0" encoding="utf-8"?>
 <p:notes xmlns:a="http://schemas.openxmlformats.org/drawingml/2006/main" xmlns:r="http://schemas.openxmlformats.org/officeDocument/2006/relationships" xmlns:p="http://schemas.openxmlformats.org/presentationml/2006/main">
   <p:cSld>
@@ -1670,7 +1858,7 @@
           <a:p>
             <a:fld id="{78CD1D6E-A027-634F-BC83-5ADA8E496EAB}" type="datetimeFigureOut">
               <a:rPr lang="en-US" smtClean="0"/>
-              <a:t>1/25/24</a:t>
+              <a:t>1/26/2024</a:t>
             </a:fld>
             <a:endParaRPr lang="en-US"/>
           </a:p>
@@ -1868,7 +2056,7 @@
           <a:p>
             <a:fld id="{78CD1D6E-A027-634F-BC83-5ADA8E496EAB}" type="datetimeFigureOut">
               <a:rPr lang="en-US" smtClean="0"/>
-              <a:t>1/25/24</a:t>
+              <a:t>1/26/2024</a:t>
             </a:fld>
             <a:endParaRPr lang="en-US"/>
           </a:p>
@@ -2076,7 +2264,7 @@
           <a:p>
             <a:fld id="{78CD1D6E-A027-634F-BC83-5ADA8E496EAB}" type="datetimeFigureOut">
               <a:rPr lang="en-US" smtClean="0"/>
-              <a:t>1/25/24</a:t>
+              <a:t>1/26/2024</a:t>
             </a:fld>
             <a:endParaRPr lang="en-US"/>
           </a:p>
@@ -2274,7 +2462,7 @@
           <a:p>
             <a:fld id="{78CD1D6E-A027-634F-BC83-5ADA8E496EAB}" type="datetimeFigureOut">
               <a:rPr lang="en-US" smtClean="0"/>
-              <a:t>1/25/24</a:t>
+              <a:t>1/26/2024</a:t>
             </a:fld>
             <a:endParaRPr lang="en-US"/>
           </a:p>
@@ -2549,7 +2737,7 @@
           <a:p>
             <a:fld id="{78CD1D6E-A027-634F-BC83-5ADA8E496EAB}" type="datetimeFigureOut">
               <a:rPr lang="en-US" smtClean="0"/>
-              <a:t>1/25/24</a:t>
+              <a:t>1/26/2024</a:t>
             </a:fld>
             <a:endParaRPr lang="en-US"/>
           </a:p>
@@ -2814,7 +3002,7 @@
           <a:p>
             <a:fld id="{78CD1D6E-A027-634F-BC83-5ADA8E496EAB}" type="datetimeFigureOut">
               <a:rPr lang="en-US" smtClean="0"/>
-              <a:t>1/25/24</a:t>
+              <a:t>1/26/2024</a:t>
             </a:fld>
             <a:endParaRPr lang="en-US"/>
           </a:p>
@@ -3226,7 +3414,7 @@
           <a:p>
             <a:fld id="{78CD1D6E-A027-634F-BC83-5ADA8E496EAB}" type="datetimeFigureOut">
               <a:rPr lang="en-US" smtClean="0"/>
-              <a:t>1/25/24</a:t>
+              <a:t>1/26/2024</a:t>
             </a:fld>
             <a:endParaRPr lang="en-US"/>
           </a:p>
@@ -3367,7 +3555,7 @@
           <a:p>
             <a:fld id="{78CD1D6E-A027-634F-BC83-5ADA8E496EAB}" type="datetimeFigureOut">
               <a:rPr lang="en-US" smtClean="0"/>
-              <a:t>1/25/24</a:t>
+              <a:t>1/26/2024</a:t>
             </a:fld>
             <a:endParaRPr lang="en-US"/>
           </a:p>
@@ -3480,7 +3668,7 @@
           <a:p>
             <a:fld id="{78CD1D6E-A027-634F-BC83-5ADA8E496EAB}" type="datetimeFigureOut">
               <a:rPr lang="en-US" smtClean="0"/>
-              <a:t>1/25/24</a:t>
+              <a:t>1/26/2024</a:t>
             </a:fld>
             <a:endParaRPr lang="en-US"/>
           </a:p>
@@ -3791,7 +3979,7 @@
           <a:p>
             <a:fld id="{78CD1D6E-A027-634F-BC83-5ADA8E496EAB}" type="datetimeFigureOut">
               <a:rPr lang="en-US" smtClean="0"/>
-              <a:t>1/25/24</a:t>
+              <a:t>1/26/2024</a:t>
             </a:fld>
             <a:endParaRPr lang="en-US"/>
           </a:p>
@@ -4079,7 +4267,7 @@
           <a:p>
             <a:fld id="{78CD1D6E-A027-634F-BC83-5ADA8E496EAB}" type="datetimeFigureOut">
               <a:rPr lang="en-US" smtClean="0"/>
-              <a:t>1/25/24</a:t>
+              <a:t>1/26/2024</a:t>
             </a:fld>
             <a:endParaRPr lang="en-US"/>
           </a:p>
@@ -4320,7 +4508,7 @@
           <a:p>
             <a:fld id="{78CD1D6E-A027-634F-BC83-5ADA8E496EAB}" type="datetimeFigureOut">
               <a:rPr lang="en-US" smtClean="0"/>
-              <a:t>1/25/24</a:t>
+              <a:t>1/26/2024</a:t>
             </a:fld>
             <a:endParaRPr lang="en-US"/>
           </a:p>
@@ -12866,6 +13054,676 @@
     <p:extLst>
       <p:ext uri="{BB962C8B-B14F-4D97-AF65-F5344CB8AC3E}">
         <p14:creationId xmlns:p14="http://schemas.microsoft.com/office/powerpoint/2010/main" val="3153777920"/>
+      </p:ext>
+    </p:extLst>
+  </p:cSld>
+  <p:clrMapOvr>
+    <a:masterClrMapping/>
+  </p:clrMapOvr>
+</p:sld>
+</file>
+
+<file path=ppt/slides/slide41.xml><?xml version="1.0" encoding="utf-8"?>
+<p:sld xmlns:a="http://schemas.openxmlformats.org/drawingml/2006/main" xmlns:r="http://schemas.openxmlformats.org/officeDocument/2006/relationships" xmlns:p="http://schemas.openxmlformats.org/presentationml/2006/main">
+  <p:cSld>
+    <p:spTree>
+      <p:nvGrpSpPr>
+        <p:cNvPr id="1" name=""/>
+        <p:cNvGrpSpPr/>
+        <p:nvPr/>
+      </p:nvGrpSpPr>
+      <p:grpSpPr>
+        <a:xfrm>
+          <a:off x="0" y="0"/>
+          <a:ext cx="0" cy="0"/>
+          <a:chOff x="0" y="0"/>
+          <a:chExt cx="0" cy="0"/>
+        </a:xfrm>
+      </p:grpSpPr>
+      <p:sp>
+        <p:nvSpPr>
+          <p:cNvPr id="2" name="Title 1">
+            <a:extLst>
+              <a:ext uri="{FF2B5EF4-FFF2-40B4-BE49-F238E27FC236}">
+                <a16:creationId xmlns:a16="http://schemas.microsoft.com/office/drawing/2014/main" id="{5D912E51-6228-7875-3897-AD282140D7B4}"/>
+              </a:ext>
+            </a:extLst>
+          </p:cNvPr>
+          <p:cNvSpPr>
+            <a:spLocks noGrp="1"/>
+          </p:cNvSpPr>
+          <p:nvPr>
+            <p:ph type="title"/>
+          </p:nvPr>
+        </p:nvSpPr>
+        <p:spPr/>
+        <p:txBody>
+          <a:bodyPr/>
+          <a:lstStyle/>
+          <a:p>
+            <a:endParaRPr lang="en-US"/>
+          </a:p>
+        </p:txBody>
+      </p:sp>
+      <p:sp>
+        <p:nvSpPr>
+          <p:cNvPr id="3" name="Content Placeholder 2">
+            <a:extLst>
+              <a:ext uri="{FF2B5EF4-FFF2-40B4-BE49-F238E27FC236}">
+                <a16:creationId xmlns:a16="http://schemas.microsoft.com/office/drawing/2014/main" id="{78F3C7BE-EDE8-B9E6-A6B8-2AAD93095731}"/>
+              </a:ext>
+            </a:extLst>
+          </p:cNvPr>
+          <p:cNvSpPr>
+            <a:spLocks noGrp="1"/>
+          </p:cNvSpPr>
+          <p:nvPr>
+            <p:ph idx="1"/>
+          </p:nvPr>
+        </p:nvSpPr>
+        <p:spPr/>
+        <p:txBody>
+          <a:bodyPr/>
+          <a:lstStyle/>
+          <a:p>
+            <a:endParaRPr lang="en-US"/>
+          </a:p>
+        </p:txBody>
+      </p:sp>
+    </p:spTree>
+    <p:extLst>
+      <p:ext uri="{BB962C8B-B14F-4D97-AF65-F5344CB8AC3E}">
+        <p14:creationId xmlns:p14="http://schemas.microsoft.com/office/powerpoint/2010/main" val="1353915292"/>
+      </p:ext>
+    </p:extLst>
+  </p:cSld>
+  <p:clrMapOvr>
+    <a:masterClrMapping/>
+  </p:clrMapOvr>
+</p:sld>
+</file>
+
+<file path=ppt/slides/slide42.xml><?xml version="1.0" encoding="utf-8"?>
+<p:sld xmlns:a="http://schemas.openxmlformats.org/drawingml/2006/main" xmlns:r="http://schemas.openxmlformats.org/officeDocument/2006/relationships" xmlns:p="http://schemas.openxmlformats.org/presentationml/2006/main">
+  <p:cSld>
+    <p:spTree>
+      <p:nvGrpSpPr>
+        <p:cNvPr id="1" name=""/>
+        <p:cNvGrpSpPr/>
+        <p:nvPr/>
+      </p:nvGrpSpPr>
+      <p:grpSpPr>
+        <a:xfrm>
+          <a:off x="0" y="0"/>
+          <a:ext cx="0" cy="0"/>
+          <a:chOff x="0" y="0"/>
+          <a:chExt cx="0" cy="0"/>
+        </a:xfrm>
+      </p:grpSpPr>
+      <p:sp>
+        <p:nvSpPr>
+          <p:cNvPr id="2" name="Title 1">
+            <a:extLst>
+              <a:ext uri="{FF2B5EF4-FFF2-40B4-BE49-F238E27FC236}">
+                <a16:creationId xmlns:a16="http://schemas.microsoft.com/office/drawing/2014/main" id="{2F48E0A6-6E61-39E6-011A-2574EF8A389D}"/>
+              </a:ext>
+            </a:extLst>
+          </p:cNvPr>
+          <p:cNvSpPr>
+            <a:spLocks noGrp="1"/>
+          </p:cNvSpPr>
+          <p:nvPr>
+            <p:ph type="title"/>
+          </p:nvPr>
+        </p:nvSpPr>
+        <p:spPr/>
+        <p:txBody>
+          <a:bodyPr/>
+          <a:lstStyle/>
+          <a:p>
+            <a:r>
+              <a:rPr lang="en-US" dirty="0"/>
+              <a:t>Focus on Alexa Echo Dot</a:t>
+            </a:r>
+          </a:p>
+        </p:txBody>
+      </p:sp>
+      <p:sp>
+        <p:nvSpPr>
+          <p:cNvPr id="3" name="Content Placeholder 2">
+            <a:extLst>
+              <a:ext uri="{FF2B5EF4-FFF2-40B4-BE49-F238E27FC236}">
+                <a16:creationId xmlns:a16="http://schemas.microsoft.com/office/drawing/2014/main" id="{5DA0F07B-147D-4379-C604-F4F29E4DC5A8}"/>
+              </a:ext>
+            </a:extLst>
+          </p:cNvPr>
+          <p:cNvSpPr>
+            <a:spLocks noGrp="1"/>
+          </p:cNvSpPr>
+          <p:nvPr>
+            <p:ph idx="1"/>
+          </p:nvPr>
+        </p:nvSpPr>
+        <p:spPr/>
+        <p:txBody>
+          <a:bodyPr>
+            <a:normAutofit fontScale="92500" lnSpcReduction="10000"/>
+          </a:bodyPr>
+          <a:lstStyle/>
+          <a:p>
+            <a:r>
+              <a:rPr lang="en-US" b="1" dirty="0"/>
+              <a:t>Audio Capture and Compression:</a:t>
+            </a:r>
+          </a:p>
+          <a:p>
+            <a:pPr lvl="1"/>
+            <a:r>
+              <a:rPr lang="en-US" dirty="0"/>
+              <a:t>Raw audio data: </a:t>
+            </a:r>
+          </a:p>
+          <a:p>
+            <a:pPr lvl="2"/>
+            <a:r>
+              <a:rPr lang="en-US" dirty="0"/>
+              <a:t>Capture audio using built-in microphones.</a:t>
+            </a:r>
+          </a:p>
+          <a:p>
+            <a:pPr lvl="2"/>
+            <a:r>
+              <a:rPr lang="en-US" dirty="0"/>
+              <a:t>Data format: PCM(Pulse Code Modulation) or Opus</a:t>
+            </a:r>
+          </a:p>
+          <a:p>
+            <a:pPr lvl="1"/>
+            <a:r>
+              <a:rPr lang="en-US" dirty="0"/>
+              <a:t>Compressed audio data: </a:t>
+            </a:r>
+          </a:p>
+          <a:p>
+            <a:r>
+              <a:rPr lang="en-US" b="1" dirty="0"/>
+              <a:t>Encryption and Transmission:</a:t>
+            </a:r>
+            <a:r>
+              <a:rPr lang="en-US" dirty="0"/>
+              <a:t> </a:t>
+            </a:r>
+          </a:p>
+          <a:p>
+            <a:pPr lvl="1"/>
+            <a:r>
+              <a:rPr lang="en-US" dirty="0"/>
+              <a:t>HTTPS </a:t>
+            </a:r>
+          </a:p>
+          <a:p>
+            <a:r>
+              <a:rPr lang="en-US" b="1" dirty="0"/>
+              <a:t>Server Processing and Response:</a:t>
+            </a:r>
+          </a:p>
+          <a:p>
+            <a:pPr lvl="1"/>
+            <a:r>
+              <a:rPr lang="en-US" dirty="0"/>
+              <a:t>Speech recognition and natural language understanding </a:t>
+            </a:r>
+          </a:p>
+          <a:p>
+            <a:pPr lvl="1"/>
+            <a:r>
+              <a:rPr lang="en-US" dirty="0"/>
+              <a:t>Generate a response in the form of a voice reply or an action</a:t>
+            </a:r>
+          </a:p>
+          <a:p>
+            <a:pPr lvl="1"/>
+            <a:r>
+              <a:rPr lang="en-US" dirty="0"/>
+              <a:t>Voice reply will synthesize via TTS converted into an audio format</a:t>
+            </a:r>
+          </a:p>
+          <a:p>
+            <a:r>
+              <a:rPr lang="en-US" b="1" dirty="0"/>
+              <a:t>Response Reception and Playback</a:t>
+            </a:r>
+          </a:p>
+          <a:p>
+            <a:endParaRPr lang="en-US" dirty="0"/>
+          </a:p>
+          <a:p>
+            <a:endParaRPr lang="en-US" dirty="0"/>
+          </a:p>
+        </p:txBody>
+      </p:sp>
+    </p:spTree>
+    <p:extLst>
+      <p:ext uri="{BB962C8B-B14F-4D97-AF65-F5344CB8AC3E}">
+        <p14:creationId xmlns:p14="http://schemas.microsoft.com/office/powerpoint/2010/main" val="1692023117"/>
+      </p:ext>
+    </p:extLst>
+  </p:cSld>
+  <p:clrMapOvr>
+    <a:masterClrMapping/>
+  </p:clrMapOvr>
+</p:sld>
+</file>
+
+<file path=ppt/slides/slide43.xml><?xml version="1.0" encoding="utf-8"?>
+<p:sld xmlns:a="http://schemas.openxmlformats.org/drawingml/2006/main" xmlns:r="http://schemas.openxmlformats.org/officeDocument/2006/relationships" xmlns:p="http://schemas.openxmlformats.org/presentationml/2006/main">
+  <p:cSld>
+    <p:spTree>
+      <p:nvGrpSpPr>
+        <p:cNvPr id="1" name=""/>
+        <p:cNvGrpSpPr/>
+        <p:nvPr/>
+      </p:nvGrpSpPr>
+      <p:grpSpPr>
+        <a:xfrm>
+          <a:off x="0" y="0"/>
+          <a:ext cx="0" cy="0"/>
+          <a:chOff x="0" y="0"/>
+          <a:chExt cx="0" cy="0"/>
+        </a:xfrm>
+      </p:grpSpPr>
+      <p:sp>
+        <p:nvSpPr>
+          <p:cNvPr id="2" name="Title 1">
+            <a:extLst>
+              <a:ext uri="{FF2B5EF4-FFF2-40B4-BE49-F238E27FC236}">
+                <a16:creationId xmlns:a16="http://schemas.microsoft.com/office/drawing/2014/main" id="{F057361E-CC0F-D0AB-FFD4-108A24A8B121}"/>
+              </a:ext>
+            </a:extLst>
+          </p:cNvPr>
+          <p:cNvSpPr>
+            <a:spLocks noGrp="1"/>
+          </p:cNvSpPr>
+          <p:nvPr>
+            <p:ph type="title"/>
+          </p:nvPr>
+        </p:nvSpPr>
+        <p:spPr/>
+        <p:txBody>
+          <a:bodyPr/>
+          <a:lstStyle/>
+          <a:p>
+            <a:r>
+              <a:rPr lang="en-US" dirty="0"/>
+              <a:t>Recognize Event</a:t>
+            </a:r>
+          </a:p>
+        </p:txBody>
+      </p:sp>
+      <p:sp>
+        <p:nvSpPr>
+          <p:cNvPr id="3" name="Content Placeholder 2">
+            <a:extLst>
+              <a:ext uri="{FF2B5EF4-FFF2-40B4-BE49-F238E27FC236}">
+                <a16:creationId xmlns:a16="http://schemas.microsoft.com/office/drawing/2014/main" id="{6BD9F2F4-8922-7BB8-BB3B-7D1F284F1081}"/>
+              </a:ext>
+            </a:extLst>
+          </p:cNvPr>
+          <p:cNvSpPr>
+            <a:spLocks noGrp="1"/>
+          </p:cNvSpPr>
+          <p:nvPr>
+            <p:ph idx="1"/>
+          </p:nvPr>
+        </p:nvSpPr>
+        <p:spPr/>
+        <p:txBody>
+          <a:bodyPr/>
+          <a:lstStyle/>
+          <a:p>
+            <a:r>
+              <a:rPr lang="en-US" dirty="0"/>
+              <a:t>A JSON-formatted object</a:t>
+            </a:r>
+          </a:p>
+          <a:p>
+            <a:r>
+              <a:rPr lang="en-US" dirty="0"/>
+              <a:t>The binary audio captured by the device microphone</a:t>
+            </a:r>
+          </a:p>
+          <a:p>
+            <a:pPr lvl="1"/>
+            <a:r>
+              <a:rPr lang="en-US" dirty="0"/>
+              <a:t>PCM or Opus</a:t>
+            </a:r>
+          </a:p>
+          <a:p>
+            <a:pPr lvl="1"/>
+            <a:endParaRPr lang="en-US" dirty="0"/>
+          </a:p>
+        </p:txBody>
+      </p:sp>
+      <p:pic>
+        <p:nvPicPr>
+          <p:cNvPr id="7" name="Picture 6">
+            <a:extLst>
+              <a:ext uri="{FF2B5EF4-FFF2-40B4-BE49-F238E27FC236}">
+                <a16:creationId xmlns:a16="http://schemas.microsoft.com/office/drawing/2014/main" id="{1A222A98-0E34-06DF-AF3D-347C84AC25A4}"/>
+              </a:ext>
+            </a:extLst>
+          </p:cNvPr>
+          <p:cNvPicPr>
+            <a:picLocks noChangeAspect="1"/>
+          </p:cNvPicPr>
+          <p:nvPr/>
+        </p:nvPicPr>
+        <p:blipFill>
+          <a:blip r:embed="rId3"/>
+          <a:stretch>
+            <a:fillRect/>
+          </a:stretch>
+        </p:blipFill>
+        <p:spPr>
+          <a:xfrm>
+            <a:off x="1209045" y="3435965"/>
+            <a:ext cx="2350201" cy="2875935"/>
+          </a:xfrm>
+          <a:prstGeom prst="rect">
+            <a:avLst/>
+          </a:prstGeom>
+        </p:spPr>
+      </p:pic>
+      <p:pic>
+        <p:nvPicPr>
+          <p:cNvPr id="9" name="Picture 8">
+            <a:extLst>
+              <a:ext uri="{FF2B5EF4-FFF2-40B4-BE49-F238E27FC236}">
+                <a16:creationId xmlns:a16="http://schemas.microsoft.com/office/drawing/2014/main" id="{F4FF3FF8-CA83-0617-ACE4-37A59D888B47}"/>
+              </a:ext>
+            </a:extLst>
+          </p:cNvPr>
+          <p:cNvPicPr>
+            <a:picLocks noChangeAspect="1"/>
+          </p:cNvPicPr>
+          <p:nvPr/>
+        </p:nvPicPr>
+        <p:blipFill>
+          <a:blip r:embed="rId4"/>
+          <a:stretch>
+            <a:fillRect/>
+          </a:stretch>
+        </p:blipFill>
+        <p:spPr>
+          <a:xfrm>
+            <a:off x="4220481" y="3429000"/>
+            <a:ext cx="7504164" cy="2534996"/>
+          </a:xfrm>
+          <a:prstGeom prst="rect">
+            <a:avLst/>
+          </a:prstGeom>
+        </p:spPr>
+      </p:pic>
+    </p:spTree>
+    <p:extLst>
+      <p:ext uri="{BB962C8B-B14F-4D97-AF65-F5344CB8AC3E}">
+        <p14:creationId xmlns:p14="http://schemas.microsoft.com/office/powerpoint/2010/main" val="3693591085"/>
+      </p:ext>
+    </p:extLst>
+  </p:cSld>
+  <p:clrMapOvr>
+    <a:masterClrMapping/>
+  </p:clrMapOvr>
+</p:sld>
+</file>
+
+<file path=ppt/slides/slide44.xml><?xml version="1.0" encoding="utf-8"?>
+<p:sld xmlns:a="http://schemas.openxmlformats.org/drawingml/2006/main" xmlns:r="http://schemas.openxmlformats.org/officeDocument/2006/relationships" xmlns:p="http://schemas.openxmlformats.org/presentationml/2006/main">
+  <p:cSld>
+    <p:spTree>
+      <p:nvGrpSpPr>
+        <p:cNvPr id="1" name=""/>
+        <p:cNvGrpSpPr/>
+        <p:nvPr/>
+      </p:nvGrpSpPr>
+      <p:grpSpPr>
+        <a:xfrm>
+          <a:off x="0" y="0"/>
+          <a:ext cx="0" cy="0"/>
+          <a:chOff x="0" y="0"/>
+          <a:chExt cx="0" cy="0"/>
+        </a:xfrm>
+      </p:grpSpPr>
+      <p:sp>
+        <p:nvSpPr>
+          <p:cNvPr id="2" name="Title 1">
+            <a:extLst>
+              <a:ext uri="{FF2B5EF4-FFF2-40B4-BE49-F238E27FC236}">
+                <a16:creationId xmlns:a16="http://schemas.microsoft.com/office/drawing/2014/main" id="{2D89B1CF-FA35-4B88-CF43-9A1BC6A0D5C3}"/>
+              </a:ext>
+            </a:extLst>
+          </p:cNvPr>
+          <p:cNvSpPr>
+            <a:spLocks noGrp="1"/>
+          </p:cNvSpPr>
+          <p:nvPr>
+            <p:ph type="title"/>
+          </p:nvPr>
+        </p:nvSpPr>
+        <p:spPr/>
+        <p:txBody>
+          <a:bodyPr/>
+          <a:lstStyle/>
+          <a:p>
+            <a:r>
+              <a:rPr lang="en-US" dirty="0"/>
+              <a:t>Speak Directive</a:t>
+            </a:r>
+          </a:p>
+        </p:txBody>
+      </p:sp>
+      <p:sp>
+        <p:nvSpPr>
+          <p:cNvPr id="3" name="Content Placeholder 2">
+            <a:extLst>
+              <a:ext uri="{FF2B5EF4-FFF2-40B4-BE49-F238E27FC236}">
+                <a16:creationId xmlns:a16="http://schemas.microsoft.com/office/drawing/2014/main" id="{8190EE86-C9F4-79C2-63D4-77EB1A94B06C}"/>
+              </a:ext>
+            </a:extLst>
+          </p:cNvPr>
+          <p:cNvSpPr>
+            <a:spLocks noGrp="1"/>
+          </p:cNvSpPr>
+          <p:nvPr>
+            <p:ph idx="1"/>
+          </p:nvPr>
+        </p:nvSpPr>
+        <p:spPr/>
+        <p:txBody>
+          <a:bodyPr>
+            <a:normAutofit/>
+          </a:bodyPr>
+          <a:lstStyle/>
+          <a:p>
+            <a:r>
+              <a:rPr lang="en-US" dirty="0"/>
+              <a:t>The </a:t>
+            </a:r>
+            <a:r>
+              <a:rPr lang="en-US" b="1" dirty="0"/>
+              <a:t>Speak directive(AVS-&gt;Client) </a:t>
+            </a:r>
+            <a:r>
+              <a:rPr lang="en-US" dirty="0"/>
+              <a:t>is a multipart message containing two different formats – one </a:t>
+            </a:r>
+            <a:r>
+              <a:rPr lang="en-US" b="1" dirty="0"/>
+              <a:t>JSON-formatted directive </a:t>
+            </a:r>
+            <a:r>
+              <a:rPr lang="en-US" dirty="0"/>
+              <a:t>and </a:t>
+            </a:r>
+            <a:r>
+              <a:rPr lang="en-US" b="1" dirty="0"/>
+              <a:t>one binary audio </a:t>
+            </a:r>
+            <a:r>
+              <a:rPr lang="en-US" dirty="0"/>
+              <a:t>attachment.</a:t>
+            </a:r>
+          </a:p>
+          <a:p>
+            <a:endParaRPr lang="en-US" dirty="0"/>
+          </a:p>
+        </p:txBody>
+      </p:sp>
+      <p:pic>
+        <p:nvPicPr>
+          <p:cNvPr id="5" name="Picture 4">
+            <a:extLst>
+              <a:ext uri="{FF2B5EF4-FFF2-40B4-BE49-F238E27FC236}">
+                <a16:creationId xmlns:a16="http://schemas.microsoft.com/office/drawing/2014/main" id="{8E7EC7D9-CEF9-9B68-D1D5-D019A0E5C043}"/>
+              </a:ext>
+            </a:extLst>
+          </p:cNvPr>
+          <p:cNvPicPr>
+            <a:picLocks noChangeAspect="1"/>
+          </p:cNvPicPr>
+          <p:nvPr/>
+        </p:nvPicPr>
+        <p:blipFill>
+          <a:blip r:embed="rId3"/>
+          <a:stretch>
+            <a:fillRect/>
+          </a:stretch>
+        </p:blipFill>
+        <p:spPr>
+          <a:xfrm>
+            <a:off x="1150100" y="3040380"/>
+            <a:ext cx="4620442" cy="3710940"/>
+          </a:xfrm>
+          <a:prstGeom prst="rect">
+            <a:avLst/>
+          </a:prstGeom>
+        </p:spPr>
+      </p:pic>
+      <p:pic>
+        <p:nvPicPr>
+          <p:cNvPr id="7" name="Picture 6">
+            <a:extLst>
+              <a:ext uri="{FF2B5EF4-FFF2-40B4-BE49-F238E27FC236}">
+                <a16:creationId xmlns:a16="http://schemas.microsoft.com/office/drawing/2014/main" id="{51A9A727-5F2D-2A0F-D93A-C2F139192811}"/>
+              </a:ext>
+            </a:extLst>
+          </p:cNvPr>
+          <p:cNvPicPr>
+            <a:picLocks noChangeAspect="1"/>
+          </p:cNvPicPr>
+          <p:nvPr/>
+        </p:nvPicPr>
+        <p:blipFill>
+          <a:blip r:embed="rId4"/>
+          <a:stretch>
+            <a:fillRect/>
+          </a:stretch>
+        </p:blipFill>
+        <p:spPr>
+          <a:xfrm>
+            <a:off x="6244094" y="4101434"/>
+            <a:ext cx="5284174" cy="2265598"/>
+          </a:xfrm>
+          <a:prstGeom prst="rect">
+            <a:avLst/>
+          </a:prstGeom>
+        </p:spPr>
+      </p:pic>
+    </p:spTree>
+    <p:extLst>
+      <p:ext uri="{BB962C8B-B14F-4D97-AF65-F5344CB8AC3E}">
+        <p14:creationId xmlns:p14="http://schemas.microsoft.com/office/powerpoint/2010/main" val="3088844025"/>
+      </p:ext>
+    </p:extLst>
+  </p:cSld>
+  <p:clrMapOvr>
+    <a:masterClrMapping/>
+  </p:clrMapOvr>
+</p:sld>
+</file>
+
+<file path=ppt/slides/slide45.xml><?xml version="1.0" encoding="utf-8"?>
+<p:sld xmlns:a="http://schemas.openxmlformats.org/drawingml/2006/main" xmlns:r="http://schemas.openxmlformats.org/officeDocument/2006/relationships" xmlns:p="http://schemas.openxmlformats.org/presentationml/2006/main">
+  <p:cSld>
+    <p:spTree>
+      <p:nvGrpSpPr>
+        <p:cNvPr id="1" name=""/>
+        <p:cNvGrpSpPr/>
+        <p:nvPr/>
+      </p:nvGrpSpPr>
+      <p:grpSpPr>
+        <a:xfrm>
+          <a:off x="0" y="0"/>
+          <a:ext cx="0" cy="0"/>
+          <a:chOff x="0" y="0"/>
+          <a:chExt cx="0" cy="0"/>
+        </a:xfrm>
+      </p:grpSpPr>
+      <p:sp>
+        <p:nvSpPr>
+          <p:cNvPr id="2" name="Title 1">
+            <a:extLst>
+              <a:ext uri="{FF2B5EF4-FFF2-40B4-BE49-F238E27FC236}">
+                <a16:creationId xmlns:a16="http://schemas.microsoft.com/office/drawing/2014/main" id="{24EC5574-FDFC-594A-DEEB-67B56AD4C21F}"/>
+              </a:ext>
+            </a:extLst>
+          </p:cNvPr>
+          <p:cNvSpPr>
+            <a:spLocks noGrp="1"/>
+          </p:cNvSpPr>
+          <p:nvPr>
+            <p:ph type="title"/>
+          </p:nvPr>
+        </p:nvSpPr>
+        <p:spPr/>
+        <p:txBody>
+          <a:bodyPr/>
+          <a:lstStyle/>
+          <a:p>
+            <a:endParaRPr lang="en-US"/>
+          </a:p>
+        </p:txBody>
+      </p:sp>
+      <p:sp>
+        <p:nvSpPr>
+          <p:cNvPr id="3" name="Content Placeholder 2">
+            <a:extLst>
+              <a:ext uri="{FF2B5EF4-FFF2-40B4-BE49-F238E27FC236}">
+                <a16:creationId xmlns:a16="http://schemas.microsoft.com/office/drawing/2014/main" id="{57D51C62-8362-3FFB-F9AB-5CA1101059E1}"/>
+              </a:ext>
+            </a:extLst>
+          </p:cNvPr>
+          <p:cNvSpPr>
+            <a:spLocks noGrp="1"/>
+          </p:cNvSpPr>
+          <p:nvPr>
+            <p:ph idx="1"/>
+          </p:nvPr>
+        </p:nvSpPr>
+        <p:spPr/>
+        <p:txBody>
+          <a:bodyPr/>
+          <a:lstStyle/>
+          <a:p>
+            <a:endParaRPr lang="en-US" dirty="0"/>
+          </a:p>
+        </p:txBody>
+      </p:sp>
+    </p:spTree>
+    <p:extLst>
+      <p:ext uri="{BB962C8B-B14F-4D97-AF65-F5344CB8AC3E}">
+        <p14:creationId xmlns:p14="http://schemas.microsoft.com/office/powerpoint/2010/main" val="594281430"/>
       </p:ext>
     </p:extLst>
   </p:cSld>

--- a/Presentation1.pptx
+++ b/Presentation1.pptx
@@ -5,7 +5,7 @@
     <p:sldMasterId id="2147483648" r:id="rId1"/>
   </p:sldMasterIdLst>
   <p:notesMasterIdLst>
-    <p:notesMasterId r:id="rId47"/>
+    <p:notesMasterId r:id="rId54"/>
   </p:notesMasterIdLst>
   <p:sldIdLst>
     <p:sldId id="256" r:id="rId2"/>
@@ -53,6 +53,13 @@
     <p:sldId id="310" r:id="rId44"/>
     <p:sldId id="308" r:id="rId45"/>
     <p:sldId id="311" r:id="rId46"/>
+    <p:sldId id="312" r:id="rId47"/>
+    <p:sldId id="313" r:id="rId48"/>
+    <p:sldId id="314" r:id="rId49"/>
+    <p:sldId id="315" r:id="rId50"/>
+    <p:sldId id="316" r:id="rId51"/>
+    <p:sldId id="317" r:id="rId52"/>
+    <p:sldId id="318" r:id="rId53"/>
   </p:sldIdLst>
   <p:sldSz cx="12192000" cy="6858000"/>
   <p:notesSz cx="6858000" cy="9144000"/>
@@ -241,7 +248,7 @@
           <a:p>
             <a:fld id="{72646578-14F6-4B4C-9607-C52529FEB0BF}" type="datetimeFigureOut">
               <a:rPr lang="en-US" smtClean="0"/>
-              <a:t>1/26/2024</a:t>
+              <a:t>1/31/2024</a:t>
             </a:fld>
             <a:endParaRPr lang="en-US"/>
           </a:p>
@@ -1858,7 +1865,7 @@
           <a:p>
             <a:fld id="{78CD1D6E-A027-634F-BC83-5ADA8E496EAB}" type="datetimeFigureOut">
               <a:rPr lang="en-US" smtClean="0"/>
-              <a:t>1/26/2024</a:t>
+              <a:t>1/31/2024</a:t>
             </a:fld>
             <a:endParaRPr lang="en-US"/>
           </a:p>
@@ -2056,7 +2063,7 @@
           <a:p>
             <a:fld id="{78CD1D6E-A027-634F-BC83-5ADA8E496EAB}" type="datetimeFigureOut">
               <a:rPr lang="en-US" smtClean="0"/>
-              <a:t>1/26/2024</a:t>
+              <a:t>1/31/2024</a:t>
             </a:fld>
             <a:endParaRPr lang="en-US"/>
           </a:p>
@@ -2264,7 +2271,7 @@
           <a:p>
             <a:fld id="{78CD1D6E-A027-634F-BC83-5ADA8E496EAB}" type="datetimeFigureOut">
               <a:rPr lang="en-US" smtClean="0"/>
-              <a:t>1/26/2024</a:t>
+              <a:t>1/31/2024</a:t>
             </a:fld>
             <a:endParaRPr lang="en-US"/>
           </a:p>
@@ -2462,7 +2469,7 @@
           <a:p>
             <a:fld id="{78CD1D6E-A027-634F-BC83-5ADA8E496EAB}" type="datetimeFigureOut">
               <a:rPr lang="en-US" smtClean="0"/>
-              <a:t>1/26/2024</a:t>
+              <a:t>1/31/2024</a:t>
             </a:fld>
             <a:endParaRPr lang="en-US"/>
           </a:p>
@@ -2737,7 +2744,7 @@
           <a:p>
             <a:fld id="{78CD1D6E-A027-634F-BC83-5ADA8E496EAB}" type="datetimeFigureOut">
               <a:rPr lang="en-US" smtClean="0"/>
-              <a:t>1/26/2024</a:t>
+              <a:t>1/31/2024</a:t>
             </a:fld>
             <a:endParaRPr lang="en-US"/>
           </a:p>
@@ -3002,7 +3009,7 @@
           <a:p>
             <a:fld id="{78CD1D6E-A027-634F-BC83-5ADA8E496EAB}" type="datetimeFigureOut">
               <a:rPr lang="en-US" smtClean="0"/>
-              <a:t>1/26/2024</a:t>
+              <a:t>1/31/2024</a:t>
             </a:fld>
             <a:endParaRPr lang="en-US"/>
           </a:p>
@@ -3414,7 +3421,7 @@
           <a:p>
             <a:fld id="{78CD1D6E-A027-634F-BC83-5ADA8E496EAB}" type="datetimeFigureOut">
               <a:rPr lang="en-US" smtClean="0"/>
-              <a:t>1/26/2024</a:t>
+              <a:t>1/31/2024</a:t>
             </a:fld>
             <a:endParaRPr lang="en-US"/>
           </a:p>
@@ -3555,7 +3562,7 @@
           <a:p>
             <a:fld id="{78CD1D6E-A027-634F-BC83-5ADA8E496EAB}" type="datetimeFigureOut">
               <a:rPr lang="en-US" smtClean="0"/>
-              <a:t>1/26/2024</a:t>
+              <a:t>1/31/2024</a:t>
             </a:fld>
             <a:endParaRPr lang="en-US"/>
           </a:p>
@@ -3668,7 +3675,7 @@
           <a:p>
             <a:fld id="{78CD1D6E-A027-634F-BC83-5ADA8E496EAB}" type="datetimeFigureOut">
               <a:rPr lang="en-US" smtClean="0"/>
-              <a:t>1/26/2024</a:t>
+              <a:t>1/31/2024</a:t>
             </a:fld>
             <a:endParaRPr lang="en-US"/>
           </a:p>
@@ -3979,7 +3986,7 @@
           <a:p>
             <a:fld id="{78CD1D6E-A027-634F-BC83-5ADA8E496EAB}" type="datetimeFigureOut">
               <a:rPr lang="en-US" smtClean="0"/>
-              <a:t>1/26/2024</a:t>
+              <a:t>1/31/2024</a:t>
             </a:fld>
             <a:endParaRPr lang="en-US"/>
           </a:p>
@@ -4267,7 +4274,7 @@
           <a:p>
             <a:fld id="{78CD1D6E-A027-634F-BC83-5ADA8E496EAB}" type="datetimeFigureOut">
               <a:rPr lang="en-US" smtClean="0"/>
-              <a:t>1/26/2024</a:t>
+              <a:t>1/31/2024</a:t>
             </a:fld>
             <a:endParaRPr lang="en-US"/>
           </a:p>
@@ -4508,7 +4515,7 @@
           <a:p>
             <a:fld id="{78CD1D6E-A027-634F-BC83-5ADA8E496EAB}" type="datetimeFigureOut">
               <a:rPr lang="en-US" smtClean="0"/>
-              <a:t>1/26/2024</a:t>
+              <a:t>1/31/2024</a:t>
             </a:fld>
             <a:endParaRPr lang="en-US"/>
           </a:p>
@@ -13183,7 +13190,7 @@
           <a:p>
             <a:r>
               <a:rPr lang="en-US" dirty="0"/>
-              <a:t>Focus on Alexa Echo Dot</a:t>
+              <a:t>Alexa Echo Dot Model</a:t>
             </a:r>
           </a:p>
         </p:txBody>
@@ -13733,6 +13740,387 @@
 </p:sld>
 </file>
 
+<file path=ppt/slides/slide46.xml><?xml version="1.0" encoding="utf-8"?>
+<p:sld xmlns:a="http://schemas.openxmlformats.org/drawingml/2006/main" xmlns:r="http://schemas.openxmlformats.org/officeDocument/2006/relationships" xmlns:p="http://schemas.openxmlformats.org/presentationml/2006/main">
+  <p:cSld>
+    <p:spTree>
+      <p:nvGrpSpPr>
+        <p:cNvPr id="1" name=""/>
+        <p:cNvGrpSpPr/>
+        <p:nvPr/>
+      </p:nvGrpSpPr>
+      <p:grpSpPr>
+        <a:xfrm>
+          <a:off x="0" y="0"/>
+          <a:ext cx="0" cy="0"/>
+          <a:chOff x="0" y="0"/>
+          <a:chExt cx="0" cy="0"/>
+        </a:xfrm>
+      </p:grpSpPr>
+      <p:sp>
+        <p:nvSpPr>
+          <p:cNvPr id="2" name="Title 1">
+            <a:extLst>
+              <a:ext uri="{FF2B5EF4-FFF2-40B4-BE49-F238E27FC236}">
+                <a16:creationId xmlns:a16="http://schemas.microsoft.com/office/drawing/2014/main" id="{BEE6DCB3-143D-EEBD-7A9D-A2288531E6A5}"/>
+              </a:ext>
+            </a:extLst>
+          </p:cNvPr>
+          <p:cNvSpPr>
+            <a:spLocks noGrp="1"/>
+          </p:cNvSpPr>
+          <p:nvPr>
+            <p:ph type="title"/>
+          </p:nvPr>
+        </p:nvSpPr>
+        <p:spPr/>
+        <p:txBody>
+          <a:bodyPr/>
+          <a:lstStyle/>
+          <a:p>
+            <a:r>
+              <a:rPr lang="en-US" dirty="0"/>
+              <a:t>P</a:t>
+            </a:r>
+            <a:r>
+              <a:rPr lang="en-US" altLang="zh-CN" dirty="0"/>
+              <a:t>i VPN Router Setup</a:t>
+            </a:r>
+            <a:endParaRPr lang="en-US" dirty="0"/>
+          </a:p>
+        </p:txBody>
+      </p:sp>
+      <p:sp>
+        <p:nvSpPr>
+          <p:cNvPr id="3" name="Content Placeholder 2">
+            <a:extLst>
+              <a:ext uri="{FF2B5EF4-FFF2-40B4-BE49-F238E27FC236}">
+                <a16:creationId xmlns:a16="http://schemas.microsoft.com/office/drawing/2014/main" id="{C73B67C2-B731-461D-27AB-6D13822EADF9}"/>
+              </a:ext>
+            </a:extLst>
+          </p:cNvPr>
+          <p:cNvSpPr>
+            <a:spLocks noGrp="1"/>
+          </p:cNvSpPr>
+          <p:nvPr>
+            <p:ph idx="1"/>
+          </p:nvPr>
+        </p:nvSpPr>
+        <p:spPr/>
+        <p:txBody>
+          <a:bodyPr/>
+          <a:lstStyle/>
+          <a:p>
+            <a:r>
+              <a:rPr lang="en-US" dirty="0"/>
+              <a:t>OpenVPN</a:t>
+            </a:r>
+          </a:p>
+          <a:p>
+            <a:r>
+              <a:rPr lang="en-US"/>
+              <a:t>Ext4 partitions</a:t>
+            </a:r>
+            <a:endParaRPr lang="en-US" dirty="0"/>
+          </a:p>
+          <a:p>
+            <a:r>
+              <a:rPr lang="en-US" dirty="0" err="1"/>
+              <a:t>Opkg</a:t>
+            </a:r>
+            <a:r>
+              <a:rPr lang="en-US" dirty="0"/>
+              <a:t> redirect to new partition (failed)</a:t>
+            </a:r>
+          </a:p>
+          <a:p>
+            <a:endParaRPr lang="en-US" dirty="0"/>
+          </a:p>
+        </p:txBody>
+      </p:sp>
+    </p:spTree>
+    <p:extLst>
+      <p:ext uri="{BB962C8B-B14F-4D97-AF65-F5344CB8AC3E}">
+        <p14:creationId xmlns:p14="http://schemas.microsoft.com/office/powerpoint/2010/main" val="309006029"/>
+      </p:ext>
+    </p:extLst>
+  </p:cSld>
+  <p:clrMapOvr>
+    <a:masterClrMapping/>
+  </p:clrMapOvr>
+</p:sld>
+</file>
+
+<file path=ppt/slides/slide47.xml><?xml version="1.0" encoding="utf-8"?>
+<p:sld xmlns:a="http://schemas.openxmlformats.org/drawingml/2006/main" xmlns:r="http://schemas.openxmlformats.org/officeDocument/2006/relationships" xmlns:p="http://schemas.openxmlformats.org/presentationml/2006/main">
+  <p:cSld>
+    <p:spTree>
+      <p:nvGrpSpPr>
+        <p:cNvPr id="1" name=""/>
+        <p:cNvGrpSpPr/>
+        <p:nvPr/>
+      </p:nvGrpSpPr>
+      <p:grpSpPr>
+        <a:xfrm>
+          <a:off x="0" y="0"/>
+          <a:ext cx="0" cy="0"/>
+          <a:chOff x="0" y="0"/>
+          <a:chExt cx="0" cy="0"/>
+        </a:xfrm>
+      </p:grpSpPr>
+      <p:sp>
+        <p:nvSpPr>
+          <p:cNvPr id="2" name="Title 1">
+            <a:extLst>
+              <a:ext uri="{FF2B5EF4-FFF2-40B4-BE49-F238E27FC236}">
+                <a16:creationId xmlns:a16="http://schemas.microsoft.com/office/drawing/2014/main" id="{F84571DF-0D98-B888-70E9-353DBBC94D20}"/>
+              </a:ext>
+            </a:extLst>
+          </p:cNvPr>
+          <p:cNvSpPr>
+            <a:spLocks noGrp="1"/>
+          </p:cNvSpPr>
+          <p:nvPr>
+            <p:ph type="title"/>
+          </p:nvPr>
+        </p:nvSpPr>
+        <p:spPr/>
+        <p:txBody>
+          <a:bodyPr/>
+          <a:lstStyle/>
+          <a:p>
+            <a:endParaRPr lang="en-US"/>
+          </a:p>
+        </p:txBody>
+      </p:sp>
+      <p:sp>
+        <p:nvSpPr>
+          <p:cNvPr id="3" name="Content Placeholder 2">
+            <a:extLst>
+              <a:ext uri="{FF2B5EF4-FFF2-40B4-BE49-F238E27FC236}">
+                <a16:creationId xmlns:a16="http://schemas.microsoft.com/office/drawing/2014/main" id="{83B61800-8436-8F79-8AF8-65678813129F}"/>
+              </a:ext>
+            </a:extLst>
+          </p:cNvPr>
+          <p:cNvSpPr>
+            <a:spLocks noGrp="1"/>
+          </p:cNvSpPr>
+          <p:nvPr>
+            <p:ph idx="1"/>
+          </p:nvPr>
+        </p:nvSpPr>
+        <p:spPr/>
+        <p:txBody>
+          <a:bodyPr/>
+          <a:lstStyle/>
+          <a:p>
+            <a:endParaRPr lang="en-US"/>
+          </a:p>
+        </p:txBody>
+      </p:sp>
+    </p:spTree>
+    <p:extLst>
+      <p:ext uri="{BB962C8B-B14F-4D97-AF65-F5344CB8AC3E}">
+        <p14:creationId xmlns:p14="http://schemas.microsoft.com/office/powerpoint/2010/main" val="290195106"/>
+      </p:ext>
+    </p:extLst>
+  </p:cSld>
+  <p:clrMapOvr>
+    <a:masterClrMapping/>
+  </p:clrMapOvr>
+</p:sld>
+</file>
+
+<file path=ppt/slides/slide48.xml><?xml version="1.0" encoding="utf-8"?>
+<p:sld xmlns:a="http://schemas.openxmlformats.org/drawingml/2006/main" xmlns:r="http://schemas.openxmlformats.org/officeDocument/2006/relationships" xmlns:p="http://schemas.openxmlformats.org/presentationml/2006/main">
+  <p:cSld>
+    <p:spTree>
+      <p:nvGrpSpPr>
+        <p:cNvPr id="1" name=""/>
+        <p:cNvGrpSpPr/>
+        <p:nvPr/>
+      </p:nvGrpSpPr>
+      <p:grpSpPr>
+        <a:xfrm>
+          <a:off x="0" y="0"/>
+          <a:ext cx="0" cy="0"/>
+          <a:chOff x="0" y="0"/>
+          <a:chExt cx="0" cy="0"/>
+        </a:xfrm>
+      </p:grpSpPr>
+      <p:sp>
+        <p:nvSpPr>
+          <p:cNvPr id="2" name="Title 1">
+            <a:extLst>
+              <a:ext uri="{FF2B5EF4-FFF2-40B4-BE49-F238E27FC236}">
+                <a16:creationId xmlns:a16="http://schemas.microsoft.com/office/drawing/2014/main" id="{891FE9ED-1E9E-77C5-134C-39682DBA4949}"/>
+              </a:ext>
+            </a:extLst>
+          </p:cNvPr>
+          <p:cNvSpPr>
+            <a:spLocks noGrp="1"/>
+          </p:cNvSpPr>
+          <p:nvPr>
+            <p:ph type="title"/>
+          </p:nvPr>
+        </p:nvSpPr>
+        <p:spPr/>
+        <p:txBody>
+          <a:bodyPr/>
+          <a:lstStyle/>
+          <a:p>
+            <a:endParaRPr lang="en-US"/>
+          </a:p>
+        </p:txBody>
+      </p:sp>
+      <p:sp>
+        <p:nvSpPr>
+          <p:cNvPr id="3" name="Content Placeholder 2">
+            <a:extLst>
+              <a:ext uri="{FF2B5EF4-FFF2-40B4-BE49-F238E27FC236}">
+                <a16:creationId xmlns:a16="http://schemas.microsoft.com/office/drawing/2014/main" id="{0D153912-5048-5434-9E60-2B68D405D690}"/>
+              </a:ext>
+            </a:extLst>
+          </p:cNvPr>
+          <p:cNvSpPr>
+            <a:spLocks noGrp="1"/>
+          </p:cNvSpPr>
+          <p:nvPr>
+            <p:ph idx="1"/>
+          </p:nvPr>
+        </p:nvSpPr>
+        <p:spPr/>
+        <p:txBody>
+          <a:bodyPr/>
+          <a:lstStyle/>
+          <a:p>
+            <a:r>
+              <a:rPr lang="en-US" dirty="0"/>
+              <a:t>Ok I have three devices, one is mac pro, one is raspberry pi 4b model, one is Alexa Echo Dot. I want to capture the traffic data when mac pro interact with Alexa Echo and do some voice command fingerprint research. I use mac to play voice command audio files, also record the responses from Alexa Echo Dot. Pi enabled with </a:t>
+            </a:r>
+            <a:r>
+              <a:rPr lang="en-US" dirty="0" err="1"/>
+              <a:t>openvpn</a:t>
+            </a:r>
+            <a:r>
+              <a:rPr lang="en-US" dirty="0"/>
+              <a:t> is running </a:t>
+            </a:r>
+            <a:r>
+              <a:rPr lang="en-US" dirty="0" err="1"/>
+              <a:t>openwrt</a:t>
+            </a:r>
+            <a:r>
+              <a:rPr lang="en-US" dirty="0"/>
+              <a:t> as a router. In order to sync, mac use ssh to control the start and stop of capturing traffic data. Do you understand the whole process now?</a:t>
+            </a:r>
+          </a:p>
+        </p:txBody>
+      </p:sp>
+    </p:spTree>
+    <p:extLst>
+      <p:ext uri="{BB962C8B-B14F-4D97-AF65-F5344CB8AC3E}">
+        <p14:creationId xmlns:p14="http://schemas.microsoft.com/office/powerpoint/2010/main" val="875680555"/>
+      </p:ext>
+    </p:extLst>
+  </p:cSld>
+  <p:clrMapOvr>
+    <a:masterClrMapping/>
+  </p:clrMapOvr>
+</p:sld>
+</file>
+
+<file path=ppt/slides/slide49.xml><?xml version="1.0" encoding="utf-8"?>
+<p:sld xmlns:a="http://schemas.openxmlformats.org/drawingml/2006/main" xmlns:r="http://schemas.openxmlformats.org/officeDocument/2006/relationships" xmlns:p="http://schemas.openxmlformats.org/presentationml/2006/main">
+  <p:cSld>
+    <p:spTree>
+      <p:nvGrpSpPr>
+        <p:cNvPr id="1" name=""/>
+        <p:cNvGrpSpPr/>
+        <p:nvPr/>
+      </p:nvGrpSpPr>
+      <p:grpSpPr>
+        <a:xfrm>
+          <a:off x="0" y="0"/>
+          <a:ext cx="0" cy="0"/>
+          <a:chOff x="0" y="0"/>
+          <a:chExt cx="0" cy="0"/>
+        </a:xfrm>
+      </p:grpSpPr>
+      <p:sp>
+        <p:nvSpPr>
+          <p:cNvPr id="2" name="Title 1">
+            <a:extLst>
+              <a:ext uri="{FF2B5EF4-FFF2-40B4-BE49-F238E27FC236}">
+                <a16:creationId xmlns:a16="http://schemas.microsoft.com/office/drawing/2014/main" id="{247DF62E-9A88-BE0E-5C8D-F84B916F6F71}"/>
+              </a:ext>
+            </a:extLst>
+          </p:cNvPr>
+          <p:cNvSpPr>
+            <a:spLocks noGrp="1"/>
+          </p:cNvSpPr>
+          <p:nvPr>
+            <p:ph type="title"/>
+          </p:nvPr>
+        </p:nvSpPr>
+        <p:spPr/>
+        <p:txBody>
+          <a:bodyPr/>
+          <a:lstStyle/>
+          <a:p>
+            <a:endParaRPr lang="en-US"/>
+          </a:p>
+        </p:txBody>
+      </p:sp>
+      <p:sp>
+        <p:nvSpPr>
+          <p:cNvPr id="3" name="Content Placeholder 2">
+            <a:extLst>
+              <a:ext uri="{FF2B5EF4-FFF2-40B4-BE49-F238E27FC236}">
+                <a16:creationId xmlns:a16="http://schemas.microsoft.com/office/drawing/2014/main" id="{55255A8D-6C53-96A1-9495-B8F32A8E357D}"/>
+              </a:ext>
+            </a:extLst>
+          </p:cNvPr>
+          <p:cNvSpPr>
+            <a:spLocks noGrp="1"/>
+          </p:cNvSpPr>
+          <p:nvPr>
+            <p:ph idx="1"/>
+          </p:nvPr>
+        </p:nvSpPr>
+        <p:spPr/>
+        <p:txBody>
+          <a:bodyPr/>
+          <a:lstStyle/>
+          <a:p>
+            <a:r>
+              <a:rPr lang="en-US" dirty="0"/>
+              <a:t>Next step, I think we have implemented the initial program running on mac now. This program firstly establish a ssh connection with </a:t>
+            </a:r>
+            <a:r>
+              <a:rPr lang="en-US" dirty="0" err="1"/>
+              <a:t>vpn</a:t>
+            </a:r>
+            <a:r>
+              <a:rPr lang="en-US" dirty="0"/>
+              <a:t> pi router. And then repeat the process of "start capture", "play audio", "record audio", "stop capture". </a:t>
+            </a:r>
+          </a:p>
+        </p:txBody>
+      </p:sp>
+    </p:spTree>
+    <p:extLst>
+      <p:ext uri="{BB962C8B-B14F-4D97-AF65-F5344CB8AC3E}">
+        <p14:creationId xmlns:p14="http://schemas.microsoft.com/office/powerpoint/2010/main" val="1058049129"/>
+      </p:ext>
+    </p:extLst>
+  </p:cSld>
+  <p:clrMapOvr>
+    <a:masterClrMapping/>
+  </p:clrMapOvr>
+</p:sld>
+</file>
+
 <file path=ppt/slides/slide5.xml><?xml version="1.0" encoding="utf-8"?>
 <p:sld xmlns:a="http://schemas.openxmlformats.org/drawingml/2006/main" xmlns:r="http://schemas.openxmlformats.org/officeDocument/2006/relationships" xmlns:p="http://schemas.openxmlformats.org/presentationml/2006/main">
   <p:cSld>
@@ -14046,6 +14434,359 @@
     <p:extLst>
       <p:ext uri="{BB962C8B-B14F-4D97-AF65-F5344CB8AC3E}">
         <p14:creationId xmlns:p14="http://schemas.microsoft.com/office/powerpoint/2010/main" val="3709312683"/>
+      </p:ext>
+    </p:extLst>
+  </p:cSld>
+  <p:clrMapOvr>
+    <a:masterClrMapping/>
+  </p:clrMapOvr>
+</p:sld>
+</file>
+
+<file path=ppt/slides/slide50.xml><?xml version="1.0" encoding="utf-8"?>
+<p:sld xmlns:a="http://schemas.openxmlformats.org/drawingml/2006/main" xmlns:r="http://schemas.openxmlformats.org/officeDocument/2006/relationships" xmlns:p="http://schemas.openxmlformats.org/presentationml/2006/main">
+  <p:cSld>
+    <p:spTree>
+      <p:nvGrpSpPr>
+        <p:cNvPr id="1" name=""/>
+        <p:cNvGrpSpPr/>
+        <p:nvPr/>
+      </p:nvGrpSpPr>
+      <p:grpSpPr>
+        <a:xfrm>
+          <a:off x="0" y="0"/>
+          <a:ext cx="0" cy="0"/>
+          <a:chOff x="0" y="0"/>
+          <a:chExt cx="0" cy="0"/>
+        </a:xfrm>
+      </p:grpSpPr>
+      <p:sp>
+        <p:nvSpPr>
+          <p:cNvPr id="2" name="Title 1">
+            <a:extLst>
+              <a:ext uri="{FF2B5EF4-FFF2-40B4-BE49-F238E27FC236}">
+                <a16:creationId xmlns:a16="http://schemas.microsoft.com/office/drawing/2014/main" id="{C63BDF44-C51C-E5B0-BE2A-DBAD3C587748}"/>
+              </a:ext>
+            </a:extLst>
+          </p:cNvPr>
+          <p:cNvSpPr>
+            <a:spLocks noGrp="1"/>
+          </p:cNvSpPr>
+          <p:nvPr>
+            <p:ph type="title"/>
+          </p:nvPr>
+        </p:nvSpPr>
+        <p:spPr/>
+        <p:txBody>
+          <a:bodyPr/>
+          <a:lstStyle/>
+          <a:p>
+            <a:endParaRPr lang="en-US"/>
+          </a:p>
+        </p:txBody>
+      </p:sp>
+      <p:sp>
+        <p:nvSpPr>
+          <p:cNvPr id="3" name="Content Placeholder 2">
+            <a:extLst>
+              <a:ext uri="{FF2B5EF4-FFF2-40B4-BE49-F238E27FC236}">
+                <a16:creationId xmlns:a16="http://schemas.microsoft.com/office/drawing/2014/main" id="{FADE898B-346F-A2D6-2319-E0D3BFC7B3AF}"/>
+              </a:ext>
+            </a:extLst>
+          </p:cNvPr>
+          <p:cNvSpPr>
+            <a:spLocks noGrp="1"/>
+          </p:cNvSpPr>
+          <p:nvPr>
+            <p:ph idx="1"/>
+          </p:nvPr>
+        </p:nvSpPr>
+        <p:spPr/>
+        <p:txBody>
+          <a:bodyPr/>
+          <a:lstStyle/>
+          <a:p>
+            <a:r>
+              <a:rPr lang="en-US" dirty="0"/>
+              <a:t>Above is the process of data collection for training. Now I am considering the model to learn the pattern of this traffic data. My goal is to train a model that input is traffic data and output is the interaction content so </a:t>
+            </a:r>
+            <a:r>
+              <a:rPr lang="en-US" dirty="0" err="1"/>
+              <a:t>definetly</a:t>
+            </a:r>
+            <a:r>
+              <a:rPr lang="en-US" dirty="0"/>
+              <a:t> timestamp is necessary. And I think the data should be aligned? You know the voice command play with Alexa  is converted from text (A) via TTS tools. And the Alexa's responses recorded will also need to convert to text content (C). Meanwhile I will need to capture the traffic data (W) including incoming and outgoing data . So data collection contains three parts: A, C, W. The data A and data C are text data. I use these three parts data to train the model. </a:t>
+            </a:r>
+          </a:p>
+        </p:txBody>
+      </p:sp>
+    </p:spTree>
+    <p:extLst>
+      <p:ext uri="{BB962C8B-B14F-4D97-AF65-F5344CB8AC3E}">
+        <p14:creationId xmlns:p14="http://schemas.microsoft.com/office/powerpoint/2010/main" val="2624359773"/>
+      </p:ext>
+    </p:extLst>
+  </p:cSld>
+  <p:clrMapOvr>
+    <a:masterClrMapping/>
+  </p:clrMapOvr>
+</p:sld>
+</file>
+
+<file path=ppt/slides/slide51.xml><?xml version="1.0" encoding="utf-8"?>
+<p:sld xmlns:a="http://schemas.openxmlformats.org/drawingml/2006/main" xmlns:r="http://schemas.openxmlformats.org/officeDocument/2006/relationships" xmlns:p="http://schemas.openxmlformats.org/presentationml/2006/main">
+  <p:cSld>
+    <p:spTree>
+      <p:nvGrpSpPr>
+        <p:cNvPr id="1" name=""/>
+        <p:cNvGrpSpPr/>
+        <p:nvPr/>
+      </p:nvGrpSpPr>
+      <p:grpSpPr>
+        <a:xfrm>
+          <a:off x="0" y="0"/>
+          <a:ext cx="0" cy="0"/>
+          <a:chOff x="0" y="0"/>
+          <a:chExt cx="0" cy="0"/>
+        </a:xfrm>
+      </p:grpSpPr>
+      <p:sp>
+        <p:nvSpPr>
+          <p:cNvPr id="2" name="Title 1">
+            <a:extLst>
+              <a:ext uri="{FF2B5EF4-FFF2-40B4-BE49-F238E27FC236}">
+                <a16:creationId xmlns:a16="http://schemas.microsoft.com/office/drawing/2014/main" id="{38E64938-2A28-877D-DB4E-254596C3AE6B}"/>
+              </a:ext>
+            </a:extLst>
+          </p:cNvPr>
+          <p:cNvSpPr>
+            <a:spLocks noGrp="1"/>
+          </p:cNvSpPr>
+          <p:nvPr>
+            <p:ph type="title"/>
+          </p:nvPr>
+        </p:nvSpPr>
+        <p:spPr/>
+        <p:txBody>
+          <a:bodyPr/>
+          <a:lstStyle/>
+          <a:p>
+            <a:endParaRPr lang="en-US"/>
+          </a:p>
+        </p:txBody>
+      </p:sp>
+      <p:sp>
+        <p:nvSpPr>
+          <p:cNvPr id="3" name="Content Placeholder 2">
+            <a:extLst>
+              <a:ext uri="{FF2B5EF4-FFF2-40B4-BE49-F238E27FC236}">
+                <a16:creationId xmlns:a16="http://schemas.microsoft.com/office/drawing/2014/main" id="{D9FD1D38-2DFF-65BE-443A-7361A1FAF9F5}"/>
+              </a:ext>
+            </a:extLst>
+          </p:cNvPr>
+          <p:cNvSpPr>
+            <a:spLocks noGrp="1"/>
+          </p:cNvSpPr>
+          <p:nvPr>
+            <p:ph idx="1"/>
+          </p:nvPr>
+        </p:nvSpPr>
+        <p:spPr/>
+        <p:txBody>
+          <a:bodyPr/>
+          <a:lstStyle/>
+          <a:p>
+            <a:r>
+              <a:rPr lang="en-US" dirty="0"/>
+              <a:t>Well one piece of data looks like &lt;A, C , W&gt;. I am considering the data formation of W. I think W = {w_1, w_2, w_3, ... , </a:t>
+            </a:r>
+            <a:r>
+              <a:rPr lang="en-US" dirty="0" err="1"/>
+              <a:t>w_n</a:t>
+            </a:r>
+            <a:r>
+              <a:rPr lang="en-US" dirty="0"/>
+              <a:t>} is total traffic data of one voice command.  Well, </a:t>
+            </a:r>
+            <a:r>
+              <a:rPr lang="en-US" dirty="0" err="1"/>
+              <a:t>w_i</a:t>
+            </a:r>
+            <a:r>
+              <a:rPr lang="en-US" dirty="0"/>
+              <a:t> = &lt;</a:t>
+            </a:r>
+            <a:r>
+              <a:rPr lang="en-US" dirty="0" err="1"/>
+              <a:t>b_i</a:t>
+            </a:r>
+            <a:r>
+              <a:rPr lang="en-US" dirty="0"/>
+              <a:t>, </a:t>
+            </a:r>
+            <a:r>
+              <a:rPr lang="en-US" dirty="0" err="1"/>
+              <a:t>s_i</a:t>
+            </a:r>
+            <a:r>
+              <a:rPr lang="en-US" dirty="0"/>
+              <a:t>, </a:t>
+            </a:r>
+            <a:r>
+              <a:rPr lang="en-US" dirty="0" err="1"/>
+              <a:t>t_i</a:t>
+            </a:r>
+            <a:r>
+              <a:rPr lang="en-US" dirty="0"/>
+              <a:t>&gt; represents one frame of traffic data. </a:t>
+            </a:r>
+            <a:r>
+              <a:rPr lang="en-US" dirty="0" err="1"/>
+              <a:t>Specifily</a:t>
+            </a:r>
+            <a:r>
+              <a:rPr lang="en-US" dirty="0"/>
+              <a:t>, b represents the direction, s represents the length, t represents the timestamp.</a:t>
+            </a:r>
+          </a:p>
+        </p:txBody>
+      </p:sp>
+    </p:spTree>
+    <p:extLst>
+      <p:ext uri="{BB962C8B-B14F-4D97-AF65-F5344CB8AC3E}">
+        <p14:creationId xmlns:p14="http://schemas.microsoft.com/office/powerpoint/2010/main" val="2473022845"/>
+      </p:ext>
+    </p:extLst>
+  </p:cSld>
+  <p:clrMapOvr>
+    <a:masterClrMapping/>
+  </p:clrMapOvr>
+</p:sld>
+</file>
+
+<file path=ppt/slides/slide52.xml><?xml version="1.0" encoding="utf-8"?>
+<p:sld xmlns:a="http://schemas.openxmlformats.org/drawingml/2006/main" xmlns:r="http://schemas.openxmlformats.org/officeDocument/2006/relationships" xmlns:p="http://schemas.openxmlformats.org/presentationml/2006/main">
+  <p:cSld>
+    <p:spTree>
+      <p:nvGrpSpPr>
+        <p:cNvPr id="1" name=""/>
+        <p:cNvGrpSpPr/>
+        <p:nvPr/>
+      </p:nvGrpSpPr>
+      <p:grpSpPr>
+        <a:xfrm>
+          <a:off x="0" y="0"/>
+          <a:ext cx="0" cy="0"/>
+          <a:chOff x="0" y="0"/>
+          <a:chExt cx="0" cy="0"/>
+        </a:xfrm>
+      </p:grpSpPr>
+      <p:sp>
+        <p:nvSpPr>
+          <p:cNvPr id="2" name="Title 1">
+            <a:extLst>
+              <a:ext uri="{FF2B5EF4-FFF2-40B4-BE49-F238E27FC236}">
+                <a16:creationId xmlns:a16="http://schemas.microsoft.com/office/drawing/2014/main" id="{0FA8D14B-7657-BD50-3DB9-8E9323CF8E50}"/>
+              </a:ext>
+            </a:extLst>
+          </p:cNvPr>
+          <p:cNvSpPr>
+            <a:spLocks noGrp="1"/>
+          </p:cNvSpPr>
+          <p:nvPr>
+            <p:ph type="title"/>
+          </p:nvPr>
+        </p:nvSpPr>
+        <p:spPr/>
+        <p:txBody>
+          <a:bodyPr/>
+          <a:lstStyle/>
+          <a:p>
+            <a:r>
+              <a:rPr lang="en-US" dirty="0"/>
+              <a:t>Data Collection Process</a:t>
+            </a:r>
+          </a:p>
+        </p:txBody>
+      </p:sp>
+      <p:sp>
+        <p:nvSpPr>
+          <p:cNvPr id="3" name="Content Placeholder 2">
+            <a:extLst>
+              <a:ext uri="{FF2B5EF4-FFF2-40B4-BE49-F238E27FC236}">
+                <a16:creationId xmlns:a16="http://schemas.microsoft.com/office/drawing/2014/main" id="{3D21B400-1166-16CB-5DDD-30666FB98326}"/>
+              </a:ext>
+            </a:extLst>
+          </p:cNvPr>
+          <p:cNvSpPr>
+            <a:spLocks noGrp="1"/>
+          </p:cNvSpPr>
+          <p:nvPr>
+            <p:ph idx="1"/>
+          </p:nvPr>
+        </p:nvSpPr>
+        <p:spPr/>
+        <p:txBody>
+          <a:bodyPr/>
+          <a:lstStyle/>
+          <a:p>
+            <a:r>
+              <a:rPr lang="en-US" dirty="0"/>
+              <a:t>Establish SSH Connection</a:t>
+            </a:r>
+          </a:p>
+          <a:p>
+            <a:r>
+              <a:rPr lang="en-US" dirty="0"/>
+              <a:t>Loop:</a:t>
+            </a:r>
+          </a:p>
+          <a:p>
+            <a:pPr lvl="1"/>
+            <a:r>
+              <a:rPr lang="en-US" dirty="0"/>
+              <a:t>Start Capturing</a:t>
+            </a:r>
+          </a:p>
+          <a:p>
+            <a:pPr lvl="1"/>
+            <a:r>
+              <a:rPr lang="en-US" dirty="0"/>
+              <a:t>Playing Voice Command</a:t>
+            </a:r>
+          </a:p>
+          <a:p>
+            <a:pPr lvl="1"/>
+            <a:r>
+              <a:rPr lang="en-US" dirty="0"/>
+              <a:t>Recording Responses</a:t>
+            </a:r>
+          </a:p>
+          <a:p>
+            <a:pPr lvl="1"/>
+            <a:r>
+              <a:rPr lang="en-US" dirty="0"/>
+              <a:t>Stop Capturing</a:t>
+            </a:r>
+          </a:p>
+          <a:p>
+            <a:r>
+              <a:rPr lang="en-US" altLang="zh-CN" dirty="0"/>
+              <a:t>Duration of capturing is 20s</a:t>
+            </a:r>
+            <a:r>
+              <a:rPr lang="en-US" altLang="zh-CN"/>
+              <a:t>. </a:t>
+            </a:r>
+            <a:endParaRPr lang="en-US" dirty="0"/>
+          </a:p>
+        </p:txBody>
+      </p:sp>
+    </p:spTree>
+    <p:extLst>
+      <p:ext uri="{BB962C8B-B14F-4D97-AF65-F5344CB8AC3E}">
+        <p14:creationId xmlns:p14="http://schemas.microsoft.com/office/powerpoint/2010/main" val="3177409482"/>
       </p:ext>
     </p:extLst>
   </p:cSld>

--- a/Presentation1.pptx
+++ b/Presentation1.pptx
@@ -5,7 +5,7 @@
     <p:sldMasterId id="2147483648" r:id="rId1"/>
   </p:sldMasterIdLst>
   <p:notesMasterIdLst>
-    <p:notesMasterId r:id="rId54"/>
+    <p:notesMasterId r:id="rId57"/>
   </p:notesMasterIdLst>
   <p:sldIdLst>
     <p:sldId id="256" r:id="rId2"/>
@@ -60,6 +60,9 @@
     <p:sldId id="316" r:id="rId51"/>
     <p:sldId id="317" r:id="rId52"/>
     <p:sldId id="318" r:id="rId53"/>
+    <p:sldId id="319" r:id="rId54"/>
+    <p:sldId id="320" r:id="rId55"/>
+    <p:sldId id="321" r:id="rId56"/>
   </p:sldIdLst>
   <p:sldSz cx="12192000" cy="6858000"/>
   <p:notesSz cx="6858000" cy="9144000"/>
@@ -248,7 +251,7 @@
           <a:p>
             <a:fld id="{72646578-14F6-4B4C-9607-C52529FEB0BF}" type="datetimeFigureOut">
               <a:rPr lang="en-US" smtClean="0"/>
-              <a:t>1/31/2024</a:t>
+              <a:t>2/1/2024</a:t>
             </a:fld>
             <a:endParaRPr lang="en-US"/>
           </a:p>
@@ -1865,7 +1868,7 @@
           <a:p>
             <a:fld id="{78CD1D6E-A027-634F-BC83-5ADA8E496EAB}" type="datetimeFigureOut">
               <a:rPr lang="en-US" smtClean="0"/>
-              <a:t>1/31/2024</a:t>
+              <a:t>2/1/2024</a:t>
             </a:fld>
             <a:endParaRPr lang="en-US"/>
           </a:p>
@@ -2063,7 +2066,7 @@
           <a:p>
             <a:fld id="{78CD1D6E-A027-634F-BC83-5ADA8E496EAB}" type="datetimeFigureOut">
               <a:rPr lang="en-US" smtClean="0"/>
-              <a:t>1/31/2024</a:t>
+              <a:t>2/1/2024</a:t>
             </a:fld>
             <a:endParaRPr lang="en-US"/>
           </a:p>
@@ -2271,7 +2274,7 @@
           <a:p>
             <a:fld id="{78CD1D6E-A027-634F-BC83-5ADA8E496EAB}" type="datetimeFigureOut">
               <a:rPr lang="en-US" smtClean="0"/>
-              <a:t>1/31/2024</a:t>
+              <a:t>2/1/2024</a:t>
             </a:fld>
             <a:endParaRPr lang="en-US"/>
           </a:p>
@@ -2469,7 +2472,7 @@
           <a:p>
             <a:fld id="{78CD1D6E-A027-634F-BC83-5ADA8E496EAB}" type="datetimeFigureOut">
               <a:rPr lang="en-US" smtClean="0"/>
-              <a:t>1/31/2024</a:t>
+              <a:t>2/1/2024</a:t>
             </a:fld>
             <a:endParaRPr lang="en-US"/>
           </a:p>
@@ -2744,7 +2747,7 @@
           <a:p>
             <a:fld id="{78CD1D6E-A027-634F-BC83-5ADA8E496EAB}" type="datetimeFigureOut">
               <a:rPr lang="en-US" smtClean="0"/>
-              <a:t>1/31/2024</a:t>
+              <a:t>2/1/2024</a:t>
             </a:fld>
             <a:endParaRPr lang="en-US"/>
           </a:p>
@@ -3009,7 +3012,7 @@
           <a:p>
             <a:fld id="{78CD1D6E-A027-634F-BC83-5ADA8E496EAB}" type="datetimeFigureOut">
               <a:rPr lang="en-US" smtClean="0"/>
-              <a:t>1/31/2024</a:t>
+              <a:t>2/1/2024</a:t>
             </a:fld>
             <a:endParaRPr lang="en-US"/>
           </a:p>
@@ -3421,7 +3424,7 @@
           <a:p>
             <a:fld id="{78CD1D6E-A027-634F-BC83-5ADA8E496EAB}" type="datetimeFigureOut">
               <a:rPr lang="en-US" smtClean="0"/>
-              <a:t>1/31/2024</a:t>
+              <a:t>2/1/2024</a:t>
             </a:fld>
             <a:endParaRPr lang="en-US"/>
           </a:p>
@@ -3562,7 +3565,7 @@
           <a:p>
             <a:fld id="{78CD1D6E-A027-634F-BC83-5ADA8E496EAB}" type="datetimeFigureOut">
               <a:rPr lang="en-US" smtClean="0"/>
-              <a:t>1/31/2024</a:t>
+              <a:t>2/1/2024</a:t>
             </a:fld>
             <a:endParaRPr lang="en-US"/>
           </a:p>
@@ -3675,7 +3678,7 @@
           <a:p>
             <a:fld id="{78CD1D6E-A027-634F-BC83-5ADA8E496EAB}" type="datetimeFigureOut">
               <a:rPr lang="en-US" smtClean="0"/>
-              <a:t>1/31/2024</a:t>
+              <a:t>2/1/2024</a:t>
             </a:fld>
             <a:endParaRPr lang="en-US"/>
           </a:p>
@@ -3986,7 +3989,7 @@
           <a:p>
             <a:fld id="{78CD1D6E-A027-634F-BC83-5ADA8E496EAB}" type="datetimeFigureOut">
               <a:rPr lang="en-US" smtClean="0"/>
-              <a:t>1/31/2024</a:t>
+              <a:t>2/1/2024</a:t>
             </a:fld>
             <a:endParaRPr lang="en-US"/>
           </a:p>
@@ -4274,7 +4277,7 @@
           <a:p>
             <a:fld id="{78CD1D6E-A027-634F-BC83-5ADA8E496EAB}" type="datetimeFigureOut">
               <a:rPr lang="en-US" smtClean="0"/>
-              <a:t>1/31/2024</a:t>
+              <a:t>2/1/2024</a:t>
             </a:fld>
             <a:endParaRPr lang="en-US"/>
           </a:p>
@@ -4515,7 +4518,7 @@
           <a:p>
             <a:fld id="{78CD1D6E-A027-634F-BC83-5ADA8E496EAB}" type="datetimeFigureOut">
               <a:rPr lang="en-US" smtClean="0"/>
-              <a:t>1/31/2024</a:t>
+              <a:t>2/1/2024</a:t>
             </a:fld>
             <a:endParaRPr lang="en-US"/>
           </a:p>
@@ -14773,11 +14776,7 @@
           <a:p>
             <a:r>
               <a:rPr lang="en-US" altLang="zh-CN" dirty="0"/>
-              <a:t>Duration of capturing is 20s</a:t>
-            </a:r>
-            <a:r>
-              <a:rPr lang="en-US" altLang="zh-CN"/>
-              <a:t>. </a:t>
+              <a:t>Duration of capturing is 20s. </a:t>
             </a:r>
             <a:endParaRPr lang="en-US" dirty="0"/>
           </a:p>
@@ -14787,6 +14786,326 @@
     <p:extLst>
       <p:ext uri="{BB962C8B-B14F-4D97-AF65-F5344CB8AC3E}">
         <p14:creationId xmlns:p14="http://schemas.microsoft.com/office/powerpoint/2010/main" val="3177409482"/>
+      </p:ext>
+    </p:extLst>
+  </p:cSld>
+  <p:clrMapOvr>
+    <a:masterClrMapping/>
+  </p:clrMapOvr>
+</p:sld>
+</file>
+
+<file path=ppt/slides/slide53.xml><?xml version="1.0" encoding="utf-8"?>
+<p:sld xmlns:a="http://schemas.openxmlformats.org/drawingml/2006/main" xmlns:r="http://schemas.openxmlformats.org/officeDocument/2006/relationships" xmlns:p="http://schemas.openxmlformats.org/presentationml/2006/main">
+  <p:cSld>
+    <p:spTree>
+      <p:nvGrpSpPr>
+        <p:cNvPr id="1" name=""/>
+        <p:cNvGrpSpPr/>
+        <p:nvPr/>
+      </p:nvGrpSpPr>
+      <p:grpSpPr>
+        <a:xfrm>
+          <a:off x="0" y="0"/>
+          <a:ext cx="0" cy="0"/>
+          <a:chOff x="0" y="0"/>
+          <a:chExt cx="0" cy="0"/>
+        </a:xfrm>
+      </p:grpSpPr>
+      <p:sp>
+        <p:nvSpPr>
+          <p:cNvPr id="2" name="Title 1">
+            <a:extLst>
+              <a:ext uri="{FF2B5EF4-FFF2-40B4-BE49-F238E27FC236}">
+                <a16:creationId xmlns:a16="http://schemas.microsoft.com/office/drawing/2014/main" id="{D6730902-6BDC-0B0A-4D91-D7EFB3AA9AF4}"/>
+              </a:ext>
+            </a:extLst>
+          </p:cNvPr>
+          <p:cNvSpPr>
+            <a:spLocks noGrp="1"/>
+          </p:cNvSpPr>
+          <p:nvPr>
+            <p:ph type="title"/>
+          </p:nvPr>
+        </p:nvSpPr>
+        <p:spPr/>
+        <p:txBody>
+          <a:bodyPr/>
+          <a:lstStyle/>
+          <a:p>
+            <a:endParaRPr lang="en-US"/>
+          </a:p>
+        </p:txBody>
+      </p:sp>
+      <p:sp>
+        <p:nvSpPr>
+          <p:cNvPr id="3" name="Content Placeholder 2">
+            <a:extLst>
+              <a:ext uri="{FF2B5EF4-FFF2-40B4-BE49-F238E27FC236}">
+                <a16:creationId xmlns:a16="http://schemas.microsoft.com/office/drawing/2014/main" id="{B92C2A2B-CD6C-4DAA-3E6D-A02CEC1DF256}"/>
+              </a:ext>
+            </a:extLst>
+          </p:cNvPr>
+          <p:cNvSpPr>
+            <a:spLocks noGrp="1"/>
+          </p:cNvSpPr>
+          <p:nvPr>
+            <p:ph idx="1"/>
+          </p:nvPr>
+        </p:nvSpPr>
+        <p:spPr/>
+        <p:txBody>
+          <a:bodyPr/>
+          <a:lstStyle/>
+          <a:p>
+            <a:r>
+              <a:rPr lang="en-US" dirty="0"/>
+              <a:t>I mean I enable open VPN on this pi, but </a:t>
+            </a:r>
+            <a:r>
+              <a:rPr lang="en-US" dirty="0" err="1"/>
+              <a:t>i</a:t>
+            </a:r>
+            <a:r>
+              <a:rPr lang="en-US" dirty="0"/>
+              <a:t> use </a:t>
+            </a:r>
+            <a:r>
+              <a:rPr lang="en-US" dirty="0" err="1"/>
+              <a:t>dhcp</a:t>
+            </a:r>
+            <a:r>
+              <a:rPr lang="en-US" dirty="0"/>
+              <a:t> </a:t>
+            </a:r>
+            <a:r>
+              <a:rPr lang="en-US" dirty="0" err="1"/>
+              <a:t>protocal</a:t>
+            </a:r>
+            <a:r>
+              <a:rPr lang="en-US" dirty="0"/>
+              <a:t> on this pi </a:t>
+            </a:r>
+            <a:r>
+              <a:rPr lang="en-US" dirty="0" err="1"/>
+              <a:t>vpn</a:t>
+            </a:r>
+            <a:r>
+              <a:rPr lang="en-US" dirty="0"/>
+              <a:t> router. Even though the pi's VPN is set up successfully, the traffic of devices connected to pi still will go through main router instead of </a:t>
+            </a:r>
+            <a:r>
+              <a:rPr lang="en-US" dirty="0" err="1"/>
+              <a:t>vpn</a:t>
+            </a:r>
+            <a:r>
+              <a:rPr lang="en-US" dirty="0"/>
+              <a:t> server. </a:t>
+            </a:r>
+            <a:r>
+              <a:rPr lang="en-US"/>
+              <a:t>do you think is the problem of bridge mode?</a:t>
+            </a:r>
+          </a:p>
+        </p:txBody>
+      </p:sp>
+    </p:spTree>
+    <p:extLst>
+      <p:ext uri="{BB962C8B-B14F-4D97-AF65-F5344CB8AC3E}">
+        <p14:creationId xmlns:p14="http://schemas.microsoft.com/office/powerpoint/2010/main" val="1327699636"/>
+      </p:ext>
+    </p:extLst>
+  </p:cSld>
+  <p:clrMapOvr>
+    <a:masterClrMapping/>
+  </p:clrMapOvr>
+</p:sld>
+</file>
+
+<file path=ppt/slides/slide54.xml><?xml version="1.0" encoding="utf-8"?>
+<p:sld xmlns:a="http://schemas.openxmlformats.org/drawingml/2006/main" xmlns:r="http://schemas.openxmlformats.org/officeDocument/2006/relationships" xmlns:p="http://schemas.openxmlformats.org/presentationml/2006/main">
+  <p:cSld>
+    <p:spTree>
+      <p:nvGrpSpPr>
+        <p:cNvPr id="1" name=""/>
+        <p:cNvGrpSpPr/>
+        <p:nvPr/>
+      </p:nvGrpSpPr>
+      <p:grpSpPr>
+        <a:xfrm>
+          <a:off x="0" y="0"/>
+          <a:ext cx="0" cy="0"/>
+          <a:chOff x="0" y="0"/>
+          <a:chExt cx="0" cy="0"/>
+        </a:xfrm>
+      </p:grpSpPr>
+      <p:sp>
+        <p:nvSpPr>
+          <p:cNvPr id="2" name="Title 1">
+            <a:extLst>
+              <a:ext uri="{FF2B5EF4-FFF2-40B4-BE49-F238E27FC236}">
+                <a16:creationId xmlns:a16="http://schemas.microsoft.com/office/drawing/2014/main" id="{05F7C9D2-315A-5BF3-9F90-B67D7D862995}"/>
+              </a:ext>
+            </a:extLst>
+          </p:cNvPr>
+          <p:cNvSpPr>
+            <a:spLocks noGrp="1"/>
+          </p:cNvSpPr>
+          <p:nvPr>
+            <p:ph type="title"/>
+          </p:nvPr>
+        </p:nvSpPr>
+        <p:spPr/>
+        <p:txBody>
+          <a:bodyPr/>
+          <a:lstStyle/>
+          <a:p>
+            <a:endParaRPr lang="en-US"/>
+          </a:p>
+        </p:txBody>
+      </p:sp>
+      <p:sp>
+        <p:nvSpPr>
+          <p:cNvPr id="3" name="Content Placeholder 2">
+            <a:extLst>
+              <a:ext uri="{FF2B5EF4-FFF2-40B4-BE49-F238E27FC236}">
+                <a16:creationId xmlns:a16="http://schemas.microsoft.com/office/drawing/2014/main" id="{CD93FE15-7FB0-C4D0-2130-E0AA61959622}"/>
+              </a:ext>
+            </a:extLst>
+          </p:cNvPr>
+          <p:cNvSpPr>
+            <a:spLocks noGrp="1"/>
+          </p:cNvSpPr>
+          <p:nvPr>
+            <p:ph idx="1"/>
+          </p:nvPr>
+        </p:nvSpPr>
+        <p:spPr/>
+        <p:txBody>
+          <a:bodyPr/>
+          <a:lstStyle/>
+          <a:p>
+            <a:endParaRPr lang="en-US"/>
+          </a:p>
+        </p:txBody>
+      </p:sp>
+    </p:spTree>
+    <p:extLst>
+      <p:ext uri="{BB962C8B-B14F-4D97-AF65-F5344CB8AC3E}">
+        <p14:creationId xmlns:p14="http://schemas.microsoft.com/office/powerpoint/2010/main" val="2798098867"/>
+      </p:ext>
+    </p:extLst>
+  </p:cSld>
+  <p:clrMapOvr>
+    <a:masterClrMapping/>
+  </p:clrMapOvr>
+</p:sld>
+</file>
+
+<file path=ppt/slides/slide55.xml><?xml version="1.0" encoding="utf-8"?>
+<p:sld xmlns:a="http://schemas.openxmlformats.org/drawingml/2006/main" xmlns:r="http://schemas.openxmlformats.org/officeDocument/2006/relationships" xmlns:p="http://schemas.openxmlformats.org/presentationml/2006/main">
+  <p:cSld>
+    <p:spTree>
+      <p:nvGrpSpPr>
+        <p:cNvPr id="1" name=""/>
+        <p:cNvGrpSpPr/>
+        <p:nvPr/>
+      </p:nvGrpSpPr>
+      <p:grpSpPr>
+        <a:xfrm>
+          <a:off x="0" y="0"/>
+          <a:ext cx="0" cy="0"/>
+          <a:chOff x="0" y="0"/>
+          <a:chExt cx="0" cy="0"/>
+        </a:xfrm>
+      </p:grpSpPr>
+      <p:sp>
+        <p:nvSpPr>
+          <p:cNvPr id="2" name="Title 1">
+            <a:extLst>
+              <a:ext uri="{FF2B5EF4-FFF2-40B4-BE49-F238E27FC236}">
+                <a16:creationId xmlns:a16="http://schemas.microsoft.com/office/drawing/2014/main" id="{5B87B5AB-4732-EB20-B5ED-4C7ACEC3BF05}"/>
+              </a:ext>
+            </a:extLst>
+          </p:cNvPr>
+          <p:cNvSpPr>
+            <a:spLocks noGrp="1"/>
+          </p:cNvSpPr>
+          <p:nvPr>
+            <p:ph type="title"/>
+          </p:nvPr>
+        </p:nvSpPr>
+        <p:spPr/>
+        <p:txBody>
+          <a:bodyPr/>
+          <a:lstStyle/>
+          <a:p>
+            <a:r>
+              <a:rPr lang="en-US" altLang="zh-CN" dirty="0"/>
+              <a:t>Wake Word Engine</a:t>
+            </a:r>
+            <a:endParaRPr lang="en-US" dirty="0"/>
+          </a:p>
+        </p:txBody>
+      </p:sp>
+      <p:sp>
+        <p:nvSpPr>
+          <p:cNvPr id="3" name="Content Placeholder 2">
+            <a:extLst>
+              <a:ext uri="{FF2B5EF4-FFF2-40B4-BE49-F238E27FC236}">
+                <a16:creationId xmlns:a16="http://schemas.microsoft.com/office/drawing/2014/main" id="{060CD6BF-3102-884B-DB16-C893EDC90E5F}"/>
+              </a:ext>
+            </a:extLst>
+          </p:cNvPr>
+          <p:cNvSpPr>
+            <a:spLocks noGrp="1"/>
+          </p:cNvSpPr>
+          <p:nvPr>
+            <p:ph idx="1"/>
+          </p:nvPr>
+        </p:nvSpPr>
+        <p:spPr/>
+        <p:txBody>
+          <a:bodyPr/>
+          <a:lstStyle/>
+          <a:p>
+            <a:r>
+              <a:rPr lang="en-US" dirty="0"/>
+              <a:t>Interface 1: Handles general wake word detection</a:t>
+            </a:r>
+          </a:p>
+          <a:p>
+            <a:r>
+              <a:rPr lang="en-US" dirty="0"/>
+              <a:t>Interface 2: Handles specific wake word models</a:t>
+            </a:r>
+          </a:p>
+          <a:p>
+            <a:endParaRPr lang="en-US" dirty="0"/>
+          </a:p>
+          <a:p>
+            <a:endParaRPr lang="en-US" dirty="0"/>
+          </a:p>
+          <a:p>
+            <a:r>
+              <a:rPr lang="en-US" dirty="0"/>
+              <a:t>Sensory: </a:t>
+            </a:r>
+            <a:r>
+              <a:rPr lang="en-US" dirty="0" err="1"/>
+              <a:t>TrulyHandsfree</a:t>
+            </a:r>
+            <a:r>
+              <a:rPr lang="en-US" dirty="0"/>
+              <a:t> wake word engine</a:t>
+            </a:r>
+          </a:p>
+        </p:txBody>
+      </p:sp>
+    </p:spTree>
+    <p:extLst>
+      <p:ext uri="{BB962C8B-B14F-4D97-AF65-F5344CB8AC3E}">
+        <p14:creationId xmlns:p14="http://schemas.microsoft.com/office/powerpoint/2010/main" val="4120050812"/>
       </p:ext>
     </p:extLst>
   </p:cSld>
